--- a/PPT Presentations/DesignPatterns-BehavioralPatterns.pptx
+++ b/PPT Presentations/DesignPatterns-BehavioralPatterns.pptx
@@ -5,13 +5,15 @@
     <p:sldMasterId id="2147483660" r:id="rId4"/>
   </p:sldMasterIdLst>
   <p:notesMasterIdLst>
-    <p:notesMasterId r:id="rId9"/>
+    <p:notesMasterId r:id="rId11"/>
   </p:notesMasterIdLst>
   <p:sldIdLst>
     <p:sldId id="287" r:id="rId5"/>
     <p:sldId id="288" r:id="rId6"/>
     <p:sldId id="289" r:id="rId7"/>
     <p:sldId id="291" r:id="rId8"/>
+    <p:sldId id="292" r:id="rId9"/>
+    <p:sldId id="293" r:id="rId10"/>
   </p:sldIdLst>
   <p:sldSz cx="12192000" cy="6858000"/>
   <p:notesSz cx="6858000" cy="9144000"/>
@@ -119,6 +121,753 @@
 </file>
 
 <file path=ppt/diagrams/colors1.xml><?xml version="1.0" encoding="utf-8"?>
+<dgm:colorsDef xmlns:dgm="http://schemas.openxmlformats.org/drawingml/2006/diagram" xmlns:a="http://schemas.openxmlformats.org/drawingml/2006/main" uniqueId="urn:microsoft.com/office/officeart/2005/8/colors/accent1_2">
+  <dgm:title val=""/>
+  <dgm:desc val=""/>
+  <dgm:catLst>
+    <dgm:cat type="accent1" pri="11200"/>
+  </dgm:catLst>
+  <dgm:styleLbl name="node0">
+    <dgm:fillClrLst meth="repeat">
+      <a:schemeClr val="accent1"/>
+    </dgm:fillClrLst>
+    <dgm:linClrLst meth="repeat">
+      <a:schemeClr val="lt1"/>
+    </dgm:linClrLst>
+    <dgm:effectClrLst/>
+    <dgm:txLinClrLst/>
+    <dgm:txFillClrLst/>
+    <dgm:txEffectClrLst/>
+  </dgm:styleLbl>
+  <dgm:styleLbl name="alignNode1">
+    <dgm:fillClrLst meth="repeat">
+      <a:schemeClr val="accent1"/>
+    </dgm:fillClrLst>
+    <dgm:linClrLst meth="repeat">
+      <a:schemeClr val="accent1"/>
+    </dgm:linClrLst>
+    <dgm:effectClrLst/>
+    <dgm:txLinClrLst/>
+    <dgm:txFillClrLst/>
+    <dgm:txEffectClrLst/>
+  </dgm:styleLbl>
+  <dgm:styleLbl name="node1">
+    <dgm:fillClrLst meth="repeat">
+      <a:schemeClr val="accent1"/>
+    </dgm:fillClrLst>
+    <dgm:linClrLst meth="repeat">
+      <a:schemeClr val="lt1"/>
+    </dgm:linClrLst>
+    <dgm:effectClrLst/>
+    <dgm:txLinClrLst/>
+    <dgm:txFillClrLst/>
+    <dgm:txEffectClrLst/>
+  </dgm:styleLbl>
+  <dgm:styleLbl name="lnNode1">
+    <dgm:fillClrLst meth="repeat">
+      <a:schemeClr val="accent1"/>
+    </dgm:fillClrLst>
+    <dgm:linClrLst meth="repeat">
+      <a:schemeClr val="lt1"/>
+    </dgm:linClrLst>
+    <dgm:effectClrLst/>
+    <dgm:txLinClrLst/>
+    <dgm:txFillClrLst/>
+    <dgm:txEffectClrLst/>
+  </dgm:styleLbl>
+  <dgm:styleLbl name="vennNode1">
+    <dgm:fillClrLst meth="repeat">
+      <a:schemeClr val="accent1">
+        <a:alpha val="50000"/>
+      </a:schemeClr>
+    </dgm:fillClrLst>
+    <dgm:linClrLst meth="repeat">
+      <a:schemeClr val="lt1"/>
+    </dgm:linClrLst>
+    <dgm:effectClrLst/>
+    <dgm:txLinClrLst/>
+    <dgm:txFillClrLst/>
+    <dgm:txEffectClrLst/>
+  </dgm:styleLbl>
+  <dgm:styleLbl name="node2">
+    <dgm:fillClrLst meth="repeat">
+      <a:schemeClr val="accent1"/>
+    </dgm:fillClrLst>
+    <dgm:linClrLst meth="repeat">
+      <a:schemeClr val="lt1"/>
+    </dgm:linClrLst>
+    <dgm:effectClrLst/>
+    <dgm:txLinClrLst/>
+    <dgm:txFillClrLst/>
+    <dgm:txEffectClrLst/>
+  </dgm:styleLbl>
+  <dgm:styleLbl name="node3">
+    <dgm:fillClrLst meth="repeat">
+      <a:schemeClr val="accent1"/>
+    </dgm:fillClrLst>
+    <dgm:linClrLst meth="repeat">
+      <a:schemeClr val="lt1"/>
+    </dgm:linClrLst>
+    <dgm:effectClrLst/>
+    <dgm:txLinClrLst/>
+    <dgm:txFillClrLst/>
+    <dgm:txEffectClrLst/>
+  </dgm:styleLbl>
+  <dgm:styleLbl name="node4">
+    <dgm:fillClrLst meth="repeat">
+      <a:schemeClr val="accent1"/>
+    </dgm:fillClrLst>
+    <dgm:linClrLst meth="repeat">
+      <a:schemeClr val="lt1"/>
+    </dgm:linClrLst>
+    <dgm:effectClrLst/>
+    <dgm:txLinClrLst/>
+    <dgm:txFillClrLst/>
+    <dgm:txEffectClrLst/>
+  </dgm:styleLbl>
+  <dgm:styleLbl name="fgImgPlace1">
+    <dgm:fillClrLst meth="repeat">
+      <a:schemeClr val="accent1">
+        <a:tint val="50000"/>
+      </a:schemeClr>
+    </dgm:fillClrLst>
+    <dgm:linClrLst meth="repeat">
+      <a:schemeClr val="lt1"/>
+    </dgm:linClrLst>
+    <dgm:effectClrLst/>
+    <dgm:txLinClrLst/>
+    <dgm:txFillClrLst meth="repeat">
+      <a:schemeClr val="lt1"/>
+    </dgm:txFillClrLst>
+    <dgm:txEffectClrLst/>
+  </dgm:styleLbl>
+  <dgm:styleLbl name="alignImgPlace1">
+    <dgm:fillClrLst meth="repeat">
+      <a:schemeClr val="accent1">
+        <a:tint val="50000"/>
+      </a:schemeClr>
+    </dgm:fillClrLst>
+    <dgm:linClrLst meth="repeat">
+      <a:schemeClr val="lt1"/>
+    </dgm:linClrLst>
+    <dgm:effectClrLst/>
+    <dgm:txLinClrLst/>
+    <dgm:txFillClrLst meth="repeat">
+      <a:schemeClr val="lt1"/>
+    </dgm:txFillClrLst>
+    <dgm:txEffectClrLst/>
+  </dgm:styleLbl>
+  <dgm:styleLbl name="bgImgPlace1">
+    <dgm:fillClrLst meth="repeat">
+      <a:schemeClr val="accent1">
+        <a:tint val="50000"/>
+      </a:schemeClr>
+    </dgm:fillClrLst>
+    <dgm:linClrLst meth="repeat">
+      <a:schemeClr val="lt1"/>
+    </dgm:linClrLst>
+    <dgm:effectClrLst/>
+    <dgm:txLinClrLst/>
+    <dgm:txFillClrLst meth="repeat">
+      <a:schemeClr val="lt1"/>
+    </dgm:txFillClrLst>
+    <dgm:txEffectClrLst/>
+  </dgm:styleLbl>
+  <dgm:styleLbl name="sibTrans2D1">
+    <dgm:fillClrLst meth="repeat">
+      <a:schemeClr val="accent1">
+        <a:tint val="60000"/>
+      </a:schemeClr>
+    </dgm:fillClrLst>
+    <dgm:linClrLst meth="repeat">
+      <a:schemeClr val="accent1">
+        <a:tint val="60000"/>
+      </a:schemeClr>
+    </dgm:linClrLst>
+    <dgm:effectClrLst/>
+    <dgm:txLinClrLst/>
+    <dgm:txFillClrLst/>
+    <dgm:txEffectClrLst/>
+  </dgm:styleLbl>
+  <dgm:styleLbl name="fgSibTrans2D1">
+    <dgm:fillClrLst meth="repeat">
+      <a:schemeClr val="accent1">
+        <a:tint val="60000"/>
+      </a:schemeClr>
+    </dgm:fillClrLst>
+    <dgm:linClrLst meth="repeat">
+      <a:schemeClr val="accent1">
+        <a:tint val="60000"/>
+      </a:schemeClr>
+    </dgm:linClrLst>
+    <dgm:effectClrLst/>
+    <dgm:txLinClrLst/>
+    <dgm:txFillClrLst/>
+    <dgm:txEffectClrLst/>
+  </dgm:styleLbl>
+  <dgm:styleLbl name="bgSibTrans2D1">
+    <dgm:fillClrLst meth="repeat">
+      <a:schemeClr val="accent1">
+        <a:tint val="60000"/>
+      </a:schemeClr>
+    </dgm:fillClrLst>
+    <dgm:linClrLst meth="repeat">
+      <a:schemeClr val="accent1">
+        <a:tint val="60000"/>
+      </a:schemeClr>
+    </dgm:linClrLst>
+    <dgm:effectClrLst/>
+    <dgm:txLinClrLst/>
+    <dgm:txFillClrLst/>
+    <dgm:txEffectClrLst/>
+  </dgm:styleLbl>
+  <dgm:styleLbl name="sibTrans1D1">
+    <dgm:fillClrLst meth="repeat">
+      <a:schemeClr val="accent1"/>
+    </dgm:fillClrLst>
+    <dgm:linClrLst meth="repeat">
+      <a:schemeClr val="accent1"/>
+    </dgm:linClrLst>
+    <dgm:effectClrLst/>
+    <dgm:txLinClrLst/>
+    <dgm:txFillClrLst meth="repeat">
+      <a:schemeClr val="tx1"/>
+    </dgm:txFillClrLst>
+    <dgm:txEffectClrLst/>
+  </dgm:styleLbl>
+  <dgm:styleLbl name="callout">
+    <dgm:fillClrLst meth="repeat">
+      <a:schemeClr val="accent1"/>
+    </dgm:fillClrLst>
+    <dgm:linClrLst meth="repeat">
+      <a:schemeClr val="accent1">
+        <a:tint val="50000"/>
+      </a:schemeClr>
+    </dgm:linClrLst>
+    <dgm:effectClrLst/>
+    <dgm:txLinClrLst/>
+    <dgm:txFillClrLst meth="repeat">
+      <a:schemeClr val="tx1"/>
+    </dgm:txFillClrLst>
+    <dgm:txEffectClrLst/>
+  </dgm:styleLbl>
+  <dgm:styleLbl name="asst0">
+    <dgm:fillClrLst meth="repeat">
+      <a:schemeClr val="accent1"/>
+    </dgm:fillClrLst>
+    <dgm:linClrLst meth="repeat">
+      <a:schemeClr val="lt1"/>
+    </dgm:linClrLst>
+    <dgm:effectClrLst/>
+    <dgm:txLinClrLst/>
+    <dgm:txFillClrLst/>
+    <dgm:txEffectClrLst/>
+  </dgm:styleLbl>
+  <dgm:styleLbl name="asst1">
+    <dgm:fillClrLst meth="repeat">
+      <a:schemeClr val="accent1"/>
+    </dgm:fillClrLst>
+    <dgm:linClrLst meth="repeat">
+      <a:schemeClr val="lt1"/>
+    </dgm:linClrLst>
+    <dgm:effectClrLst/>
+    <dgm:txLinClrLst/>
+    <dgm:txFillClrLst/>
+    <dgm:txEffectClrLst/>
+  </dgm:styleLbl>
+  <dgm:styleLbl name="asst2">
+    <dgm:fillClrLst meth="repeat">
+      <a:schemeClr val="accent1"/>
+    </dgm:fillClrLst>
+    <dgm:linClrLst meth="repeat">
+      <a:schemeClr val="lt1"/>
+    </dgm:linClrLst>
+    <dgm:effectClrLst/>
+    <dgm:txLinClrLst/>
+    <dgm:txFillClrLst/>
+    <dgm:txEffectClrLst/>
+  </dgm:styleLbl>
+  <dgm:styleLbl name="asst3">
+    <dgm:fillClrLst meth="repeat">
+      <a:schemeClr val="accent1"/>
+    </dgm:fillClrLst>
+    <dgm:linClrLst meth="repeat">
+      <a:schemeClr val="lt1"/>
+    </dgm:linClrLst>
+    <dgm:effectClrLst/>
+    <dgm:txLinClrLst/>
+    <dgm:txFillClrLst/>
+    <dgm:txEffectClrLst/>
+  </dgm:styleLbl>
+  <dgm:styleLbl name="asst4">
+    <dgm:fillClrLst meth="repeat">
+      <a:schemeClr val="accent1"/>
+    </dgm:fillClrLst>
+    <dgm:linClrLst meth="repeat">
+      <a:schemeClr val="lt1"/>
+    </dgm:linClrLst>
+    <dgm:effectClrLst/>
+    <dgm:txLinClrLst/>
+    <dgm:txFillClrLst/>
+    <dgm:txEffectClrLst/>
+  </dgm:styleLbl>
+  <dgm:styleLbl name="parChTrans2D1">
+    <dgm:fillClrLst meth="repeat">
+      <a:schemeClr val="accent1">
+        <a:tint val="60000"/>
+      </a:schemeClr>
+    </dgm:fillClrLst>
+    <dgm:linClrLst meth="repeat">
+      <a:schemeClr val="accent1">
+        <a:tint val="60000"/>
+      </a:schemeClr>
+    </dgm:linClrLst>
+    <dgm:effectClrLst/>
+    <dgm:txLinClrLst/>
+    <dgm:txFillClrLst meth="repeat">
+      <a:schemeClr val="lt1"/>
+    </dgm:txFillClrLst>
+    <dgm:txEffectClrLst/>
+  </dgm:styleLbl>
+  <dgm:styleLbl name="parChTrans2D2">
+    <dgm:fillClrLst meth="repeat">
+      <a:schemeClr val="accent1"/>
+    </dgm:fillClrLst>
+    <dgm:linClrLst meth="repeat">
+      <a:schemeClr val="accent1"/>
+    </dgm:linClrLst>
+    <dgm:effectClrLst/>
+    <dgm:txLinClrLst/>
+    <dgm:txFillClrLst meth="repeat">
+      <a:schemeClr val="lt1"/>
+    </dgm:txFillClrLst>
+    <dgm:txEffectClrLst/>
+  </dgm:styleLbl>
+  <dgm:styleLbl name="parChTrans2D3">
+    <dgm:fillClrLst meth="repeat">
+      <a:schemeClr val="accent1"/>
+    </dgm:fillClrLst>
+    <dgm:linClrLst meth="repeat">
+      <a:schemeClr val="accent1"/>
+    </dgm:linClrLst>
+    <dgm:effectClrLst/>
+    <dgm:txLinClrLst/>
+    <dgm:txFillClrLst meth="repeat">
+      <a:schemeClr val="lt1"/>
+    </dgm:txFillClrLst>
+    <dgm:txEffectClrLst/>
+  </dgm:styleLbl>
+  <dgm:styleLbl name="parChTrans2D4">
+    <dgm:fillClrLst meth="repeat">
+      <a:schemeClr val="accent1"/>
+    </dgm:fillClrLst>
+    <dgm:linClrLst meth="repeat">
+      <a:schemeClr val="accent1"/>
+    </dgm:linClrLst>
+    <dgm:effectClrLst/>
+    <dgm:txLinClrLst/>
+    <dgm:txFillClrLst meth="repeat">
+      <a:schemeClr val="lt1"/>
+    </dgm:txFillClrLst>
+    <dgm:txEffectClrLst/>
+  </dgm:styleLbl>
+  <dgm:styleLbl name="parChTrans1D1">
+    <dgm:fillClrLst meth="repeat">
+      <a:schemeClr val="accent1"/>
+    </dgm:fillClrLst>
+    <dgm:linClrLst meth="repeat">
+      <a:schemeClr val="accent1">
+        <a:shade val="60000"/>
+      </a:schemeClr>
+    </dgm:linClrLst>
+    <dgm:effectClrLst/>
+    <dgm:txLinClrLst/>
+    <dgm:txFillClrLst meth="repeat">
+      <a:schemeClr val="tx1"/>
+    </dgm:txFillClrLst>
+    <dgm:txEffectClrLst/>
+  </dgm:styleLbl>
+  <dgm:styleLbl name="parChTrans1D2">
+    <dgm:fillClrLst meth="repeat">
+      <a:schemeClr val="accent1"/>
+    </dgm:fillClrLst>
+    <dgm:linClrLst meth="repeat">
+      <a:schemeClr val="accent1">
+        <a:shade val="60000"/>
+      </a:schemeClr>
+    </dgm:linClrLst>
+    <dgm:effectClrLst/>
+    <dgm:txLinClrLst/>
+    <dgm:txFillClrLst meth="repeat">
+      <a:schemeClr val="tx1"/>
+    </dgm:txFillClrLst>
+    <dgm:txEffectClrLst/>
+  </dgm:styleLbl>
+  <dgm:styleLbl name="parChTrans1D3">
+    <dgm:fillClrLst meth="repeat">
+      <a:schemeClr val="accent1"/>
+    </dgm:fillClrLst>
+    <dgm:linClrLst meth="repeat">
+      <a:schemeClr val="accent1">
+        <a:shade val="80000"/>
+      </a:schemeClr>
+    </dgm:linClrLst>
+    <dgm:effectClrLst/>
+    <dgm:txLinClrLst/>
+    <dgm:txFillClrLst meth="repeat">
+      <a:schemeClr val="tx1"/>
+    </dgm:txFillClrLst>
+    <dgm:txEffectClrLst/>
+  </dgm:styleLbl>
+  <dgm:styleLbl name="parChTrans1D4">
+    <dgm:fillClrLst meth="repeat">
+      <a:schemeClr val="accent1"/>
+    </dgm:fillClrLst>
+    <dgm:linClrLst meth="repeat">
+      <a:schemeClr val="accent1">
+        <a:shade val="80000"/>
+      </a:schemeClr>
+    </dgm:linClrLst>
+    <dgm:effectClrLst/>
+    <dgm:txLinClrLst/>
+    <dgm:txFillClrLst meth="repeat">
+      <a:schemeClr val="tx1"/>
+    </dgm:txFillClrLst>
+    <dgm:txEffectClrLst/>
+  </dgm:styleLbl>
+  <dgm:styleLbl name="fgAcc1">
+    <dgm:fillClrLst meth="repeat">
+      <a:schemeClr val="lt1">
+        <a:alpha val="90000"/>
+      </a:schemeClr>
+    </dgm:fillClrLst>
+    <dgm:linClrLst meth="repeat">
+      <a:schemeClr val="accent1"/>
+    </dgm:linClrLst>
+    <dgm:effectClrLst/>
+    <dgm:txLinClrLst/>
+    <dgm:txFillClrLst meth="repeat">
+      <a:schemeClr val="dk1"/>
+    </dgm:txFillClrLst>
+    <dgm:txEffectClrLst/>
+  </dgm:styleLbl>
+  <dgm:styleLbl name="conFgAcc1">
+    <dgm:fillClrLst meth="repeat">
+      <a:schemeClr val="lt1">
+        <a:alpha val="90000"/>
+      </a:schemeClr>
+    </dgm:fillClrLst>
+    <dgm:linClrLst meth="repeat">
+      <a:schemeClr val="accent1"/>
+    </dgm:linClrLst>
+    <dgm:effectClrLst/>
+    <dgm:txLinClrLst/>
+    <dgm:txFillClrLst meth="repeat">
+      <a:schemeClr val="dk1"/>
+    </dgm:txFillClrLst>
+    <dgm:txEffectClrLst/>
+  </dgm:styleLbl>
+  <dgm:styleLbl name="alignAcc1">
+    <dgm:fillClrLst meth="repeat">
+      <a:schemeClr val="lt1">
+        <a:alpha val="90000"/>
+      </a:schemeClr>
+    </dgm:fillClrLst>
+    <dgm:linClrLst meth="repeat">
+      <a:schemeClr val="accent1"/>
+    </dgm:linClrLst>
+    <dgm:effectClrLst/>
+    <dgm:txLinClrLst/>
+    <dgm:txFillClrLst meth="repeat">
+      <a:schemeClr val="dk1"/>
+    </dgm:txFillClrLst>
+    <dgm:txEffectClrLst/>
+  </dgm:styleLbl>
+  <dgm:styleLbl name="trAlignAcc1">
+    <dgm:fillClrLst meth="repeat">
+      <a:schemeClr val="lt1">
+        <a:alpha val="40000"/>
+      </a:schemeClr>
+    </dgm:fillClrLst>
+    <dgm:linClrLst meth="repeat">
+      <a:schemeClr val="accent1"/>
+    </dgm:linClrLst>
+    <dgm:effectClrLst/>
+    <dgm:txLinClrLst/>
+    <dgm:txFillClrLst meth="repeat">
+      <a:schemeClr val="dk1"/>
+    </dgm:txFillClrLst>
+    <dgm:txEffectClrLst/>
+  </dgm:styleLbl>
+  <dgm:styleLbl name="bgAcc1">
+    <dgm:fillClrLst meth="repeat">
+      <a:schemeClr val="lt1">
+        <a:alpha val="90000"/>
+      </a:schemeClr>
+    </dgm:fillClrLst>
+    <dgm:linClrLst meth="repeat">
+      <a:schemeClr val="accent1"/>
+    </dgm:linClrLst>
+    <dgm:effectClrLst/>
+    <dgm:txLinClrLst/>
+    <dgm:txFillClrLst meth="repeat">
+      <a:schemeClr val="dk1"/>
+    </dgm:txFillClrLst>
+    <dgm:txEffectClrLst/>
+  </dgm:styleLbl>
+  <dgm:styleLbl name="solidFgAcc1">
+    <dgm:fillClrLst meth="repeat">
+      <a:schemeClr val="lt1"/>
+    </dgm:fillClrLst>
+    <dgm:linClrLst meth="repeat">
+      <a:schemeClr val="accent1"/>
+    </dgm:linClrLst>
+    <dgm:effectClrLst/>
+    <dgm:txLinClrLst/>
+    <dgm:txFillClrLst meth="repeat">
+      <a:schemeClr val="dk1"/>
+    </dgm:txFillClrLst>
+    <dgm:txEffectClrLst/>
+  </dgm:styleLbl>
+  <dgm:styleLbl name="solidAlignAcc1">
+    <dgm:fillClrLst meth="repeat">
+      <a:schemeClr val="lt1"/>
+    </dgm:fillClrLst>
+    <dgm:linClrLst meth="repeat">
+      <a:schemeClr val="accent1"/>
+    </dgm:linClrLst>
+    <dgm:effectClrLst/>
+    <dgm:txLinClrLst/>
+    <dgm:txFillClrLst meth="repeat">
+      <a:schemeClr val="dk1"/>
+    </dgm:txFillClrLst>
+    <dgm:txEffectClrLst/>
+  </dgm:styleLbl>
+  <dgm:styleLbl name="solidBgAcc1">
+    <dgm:fillClrLst meth="repeat">
+      <a:schemeClr val="lt1"/>
+    </dgm:fillClrLst>
+    <dgm:linClrLst meth="repeat">
+      <a:schemeClr val="accent1"/>
+    </dgm:linClrLst>
+    <dgm:effectClrLst/>
+    <dgm:txLinClrLst/>
+    <dgm:txFillClrLst meth="repeat">
+      <a:schemeClr val="dk1"/>
+    </dgm:txFillClrLst>
+    <dgm:txEffectClrLst/>
+  </dgm:styleLbl>
+  <dgm:styleLbl name="fgAccFollowNode1">
+    <dgm:fillClrLst meth="repeat">
+      <a:schemeClr val="accent1">
+        <a:alpha val="90000"/>
+        <a:tint val="40000"/>
+      </a:schemeClr>
+    </dgm:fillClrLst>
+    <dgm:linClrLst meth="repeat">
+      <a:schemeClr val="accent1">
+        <a:alpha val="90000"/>
+        <a:tint val="40000"/>
+      </a:schemeClr>
+    </dgm:linClrLst>
+    <dgm:effectClrLst/>
+    <dgm:txLinClrLst/>
+    <dgm:txFillClrLst meth="repeat">
+      <a:schemeClr val="dk1"/>
+    </dgm:txFillClrLst>
+    <dgm:txEffectClrLst/>
+  </dgm:styleLbl>
+  <dgm:styleLbl name="alignAccFollowNode1">
+    <dgm:fillClrLst meth="repeat">
+      <a:schemeClr val="accent1">
+        <a:alpha val="90000"/>
+        <a:tint val="40000"/>
+      </a:schemeClr>
+    </dgm:fillClrLst>
+    <dgm:linClrLst meth="repeat">
+      <a:schemeClr val="accent1">
+        <a:alpha val="90000"/>
+        <a:tint val="40000"/>
+      </a:schemeClr>
+    </dgm:linClrLst>
+    <dgm:effectClrLst/>
+    <dgm:txLinClrLst/>
+    <dgm:txFillClrLst meth="repeat">
+      <a:schemeClr val="dk1"/>
+    </dgm:txFillClrLst>
+    <dgm:txEffectClrLst/>
+  </dgm:styleLbl>
+  <dgm:styleLbl name="bgAccFollowNode1">
+    <dgm:fillClrLst meth="repeat">
+      <a:schemeClr val="accent1">
+        <a:alpha val="90000"/>
+        <a:tint val="40000"/>
+      </a:schemeClr>
+    </dgm:fillClrLst>
+    <dgm:linClrLst meth="repeat">
+      <a:schemeClr val="accent1">
+        <a:alpha val="90000"/>
+        <a:tint val="40000"/>
+      </a:schemeClr>
+    </dgm:linClrLst>
+    <dgm:effectClrLst/>
+    <dgm:txLinClrLst/>
+    <dgm:txFillClrLst meth="repeat">
+      <a:schemeClr val="dk1"/>
+    </dgm:txFillClrLst>
+    <dgm:txEffectClrLst/>
+  </dgm:styleLbl>
+  <dgm:styleLbl name="fgAcc0">
+    <dgm:fillClrLst meth="repeat">
+      <a:schemeClr val="lt1">
+        <a:alpha val="90000"/>
+      </a:schemeClr>
+    </dgm:fillClrLst>
+    <dgm:linClrLst meth="repeat">
+      <a:schemeClr val="accent1"/>
+    </dgm:linClrLst>
+    <dgm:effectClrLst/>
+    <dgm:txLinClrLst/>
+    <dgm:txFillClrLst meth="repeat">
+      <a:schemeClr val="dk1"/>
+    </dgm:txFillClrLst>
+    <dgm:txEffectClrLst/>
+  </dgm:styleLbl>
+  <dgm:styleLbl name="fgAcc2">
+    <dgm:fillClrLst meth="repeat">
+      <a:schemeClr val="lt1">
+        <a:alpha val="90000"/>
+      </a:schemeClr>
+    </dgm:fillClrLst>
+    <dgm:linClrLst meth="repeat">
+      <a:schemeClr val="accent1"/>
+    </dgm:linClrLst>
+    <dgm:effectClrLst/>
+    <dgm:txLinClrLst/>
+    <dgm:txFillClrLst meth="repeat">
+      <a:schemeClr val="dk1"/>
+    </dgm:txFillClrLst>
+    <dgm:txEffectClrLst/>
+  </dgm:styleLbl>
+  <dgm:styleLbl name="fgAcc3">
+    <dgm:fillClrLst meth="repeat">
+      <a:schemeClr val="lt1">
+        <a:alpha val="90000"/>
+      </a:schemeClr>
+    </dgm:fillClrLst>
+    <dgm:linClrLst meth="repeat">
+      <a:schemeClr val="accent1"/>
+    </dgm:linClrLst>
+    <dgm:effectClrLst/>
+    <dgm:txLinClrLst/>
+    <dgm:txFillClrLst meth="repeat">
+      <a:schemeClr val="dk1"/>
+    </dgm:txFillClrLst>
+    <dgm:txEffectClrLst/>
+  </dgm:styleLbl>
+  <dgm:styleLbl name="fgAcc4">
+    <dgm:fillClrLst meth="repeat">
+      <a:schemeClr val="lt1">
+        <a:alpha val="90000"/>
+      </a:schemeClr>
+    </dgm:fillClrLst>
+    <dgm:linClrLst meth="repeat">
+      <a:schemeClr val="accent1"/>
+    </dgm:linClrLst>
+    <dgm:effectClrLst/>
+    <dgm:txLinClrLst/>
+    <dgm:txFillClrLst meth="repeat">
+      <a:schemeClr val="dk1"/>
+    </dgm:txFillClrLst>
+    <dgm:txEffectClrLst/>
+  </dgm:styleLbl>
+  <dgm:styleLbl name="bgShp">
+    <dgm:fillClrLst meth="repeat">
+      <a:schemeClr val="accent1">
+        <a:tint val="40000"/>
+      </a:schemeClr>
+    </dgm:fillClrLst>
+    <dgm:linClrLst meth="repeat">
+      <a:schemeClr val="accent1"/>
+    </dgm:linClrLst>
+    <dgm:effectClrLst/>
+    <dgm:txLinClrLst/>
+    <dgm:txFillClrLst meth="repeat">
+      <a:schemeClr val="dk1"/>
+    </dgm:txFillClrLst>
+    <dgm:txEffectClrLst/>
+  </dgm:styleLbl>
+  <dgm:styleLbl name="dkBgShp">
+    <dgm:fillClrLst meth="repeat">
+      <a:schemeClr val="accent1">
+        <a:shade val="80000"/>
+      </a:schemeClr>
+    </dgm:fillClrLst>
+    <dgm:linClrLst meth="repeat">
+      <a:schemeClr val="accent1"/>
+    </dgm:linClrLst>
+    <dgm:effectClrLst/>
+    <dgm:txLinClrLst/>
+    <dgm:txFillClrLst meth="repeat">
+      <a:schemeClr val="lt1"/>
+    </dgm:txFillClrLst>
+    <dgm:txEffectClrLst/>
+  </dgm:styleLbl>
+  <dgm:styleLbl name="trBgShp">
+    <dgm:fillClrLst meth="repeat">
+      <a:schemeClr val="accent1">
+        <a:tint val="50000"/>
+        <a:alpha val="40000"/>
+      </a:schemeClr>
+    </dgm:fillClrLst>
+    <dgm:linClrLst meth="repeat">
+      <a:schemeClr val="accent1"/>
+    </dgm:linClrLst>
+    <dgm:effectClrLst/>
+    <dgm:txLinClrLst/>
+    <dgm:txFillClrLst meth="repeat">
+      <a:schemeClr val="lt1"/>
+    </dgm:txFillClrLst>
+    <dgm:txEffectClrLst/>
+  </dgm:styleLbl>
+  <dgm:styleLbl name="fgShp">
+    <dgm:fillClrLst meth="repeat">
+      <a:schemeClr val="accent1">
+        <a:tint val="60000"/>
+      </a:schemeClr>
+    </dgm:fillClrLst>
+    <dgm:linClrLst meth="repeat">
+      <a:schemeClr val="lt1"/>
+    </dgm:linClrLst>
+    <dgm:effectClrLst/>
+    <dgm:txLinClrLst/>
+    <dgm:txFillClrLst meth="repeat">
+      <a:schemeClr val="dk1"/>
+    </dgm:txFillClrLst>
+    <dgm:txEffectClrLst/>
+  </dgm:styleLbl>
+  <dgm:styleLbl name="revTx">
+    <dgm:fillClrLst meth="repeat">
+      <a:schemeClr val="lt1">
+        <a:alpha val="0"/>
+      </a:schemeClr>
+    </dgm:fillClrLst>
+    <dgm:linClrLst meth="repeat">
+      <a:schemeClr val="dk1">
+        <a:alpha val="0"/>
+      </a:schemeClr>
+    </dgm:linClrLst>
+    <dgm:effectClrLst/>
+    <dgm:txLinClrLst/>
+    <dgm:txFillClrLst meth="repeat">
+      <a:schemeClr val="tx1"/>
+    </dgm:txFillClrLst>
+    <dgm:txEffectClrLst/>
+  </dgm:styleLbl>
+</dgm:colorsDef>
+</file>
+
+<file path=ppt/diagrams/colors2.xml><?xml version="1.0" encoding="utf-8"?>
 <dgm:colorsDef xmlns:dgm="http://schemas.openxmlformats.org/drawingml/2006/diagram" xmlns:a="http://schemas.openxmlformats.org/drawingml/2006/main" uniqueId="urn:microsoft.com/office/officeart/2005/8/colors/accent1_2">
   <dgm:title val=""/>
   <dgm:desc val=""/>
@@ -1017,6 +1766,434 @@
           <a:r>
             <a:rPr lang="en-US" dirty="0"/>
             <a:t>There might be the risk of leaving a request unprocessed</a:t>
+          </a:r>
+        </a:p>
+      </dgm:t>
+    </dgm:pt>
+    <dgm:pt modelId="{88215926-66BF-48C4-A93B-2B9055E4B30E}" type="parTrans" cxnId="{2C52642D-1657-4F8D-BBDD-B987CC65BE05}">
+      <dgm:prSet/>
+      <dgm:spPr/>
+      <dgm:t>
+        <a:bodyPr/>
+        <a:lstStyle/>
+        <a:p>
+          <a:endParaRPr lang="en-US"/>
+        </a:p>
+      </dgm:t>
+    </dgm:pt>
+    <dgm:pt modelId="{69F2F367-DB05-4C42-B3B6-E5FAE86F9F26}" type="sibTrans" cxnId="{2C52642D-1657-4F8D-BBDD-B987CC65BE05}">
+      <dgm:prSet/>
+      <dgm:spPr/>
+      <dgm:t>
+        <a:bodyPr/>
+        <a:lstStyle/>
+        <a:p>
+          <a:endParaRPr lang="en-US"/>
+        </a:p>
+      </dgm:t>
+    </dgm:pt>
+    <dgm:pt modelId="{933F326E-830B-4831-B1CB-C533857382D0}" type="pres">
+      <dgm:prSet presAssocID="{730B5E20-22E8-49EE-849D-2F09EB7C5E55}" presName="root" presStyleCnt="0">
+        <dgm:presLayoutVars>
+          <dgm:dir/>
+          <dgm:resizeHandles val="exact"/>
+        </dgm:presLayoutVars>
+      </dgm:prSet>
+      <dgm:spPr/>
+    </dgm:pt>
+    <dgm:pt modelId="{76D33545-207A-477F-A16B-BB2B9D7F2D3A}" type="pres">
+      <dgm:prSet presAssocID="{D23F440E-398D-41B6-A80F-74494D5847CA}" presName="compNode" presStyleCnt="0"/>
+      <dgm:spPr/>
+    </dgm:pt>
+    <dgm:pt modelId="{8FAC3CA6-DB25-4C68-BA9A-AD1D71B4FF5F}" type="pres">
+      <dgm:prSet presAssocID="{D23F440E-398D-41B6-A80F-74494D5847CA}" presName="bgRect" presStyleLbl="bgShp" presStyleIdx="0" presStyleCnt="4"/>
+      <dgm:spPr/>
+    </dgm:pt>
+    <dgm:pt modelId="{EE8C7A60-76B2-49C3-B369-A96EA3E5C2D4}" type="pres">
+      <dgm:prSet presAssocID="{D23F440E-398D-41B6-A80F-74494D5847CA}" presName="iconRect" presStyleLbl="node1" presStyleIdx="0" presStyleCnt="4"/>
+      <dgm:spPr>
+        <a:blipFill>
+          <a:blip xmlns:r="http://schemas.openxmlformats.org/officeDocument/2006/relationships" r:embed="rId1">
+            <a:extLst>
+              <a:ext uri="{28A0092B-C50C-407E-A947-70E740481C1C}">
+                <a14:useLocalDpi xmlns:a14="http://schemas.microsoft.com/office/drawing/2010/main" val="0"/>
+              </a:ext>
+              <a:ext uri="{96DAC541-7B7A-43D3-8B79-37D633B846F1}">
+                <asvg:svgBlip xmlns:asvg="http://schemas.microsoft.com/office/drawing/2016/SVG/main" r:embed="rId2"/>
+              </a:ext>
+            </a:extLst>
+          </a:blip>
+          <a:stretch>
+            <a:fillRect/>
+          </a:stretch>
+        </a:blipFill>
+      </dgm:spPr>
+      <dgm:extLst>
+        <a:ext uri="{E40237B7-FDA0-4F09-8148-C483321AD2D9}">
+          <dgm14:cNvPr xmlns:dgm14="http://schemas.microsoft.com/office/drawing/2010/diagram" id="0" name="" descr="Cement truck"/>
+        </a:ext>
+      </dgm:extLst>
+    </dgm:pt>
+    <dgm:pt modelId="{B6D7E020-35D4-4D94-A1B9-406EAB63801E}" type="pres">
+      <dgm:prSet presAssocID="{D23F440E-398D-41B6-A80F-74494D5847CA}" presName="spaceRect" presStyleCnt="0"/>
+      <dgm:spPr/>
+    </dgm:pt>
+    <dgm:pt modelId="{E59E20F8-4207-45B4-B668-018957100416}" type="pres">
+      <dgm:prSet presAssocID="{D23F440E-398D-41B6-A80F-74494D5847CA}" presName="parTx" presStyleLbl="revTx" presStyleIdx="0" presStyleCnt="4">
+        <dgm:presLayoutVars>
+          <dgm:chMax val="0"/>
+          <dgm:chPref val="0"/>
+        </dgm:presLayoutVars>
+      </dgm:prSet>
+      <dgm:spPr/>
+    </dgm:pt>
+    <dgm:pt modelId="{5E9395D8-4450-4F9F-846C-719251944482}" type="pres">
+      <dgm:prSet presAssocID="{039D6CC6-CBE0-4615-AC1E-542A7D83BEE4}" presName="sibTrans" presStyleCnt="0"/>
+      <dgm:spPr/>
+    </dgm:pt>
+    <dgm:pt modelId="{4317EA3C-F64C-49F9-8D0C-2AD3C7D8B19A}" type="pres">
+      <dgm:prSet presAssocID="{F8289849-E987-4255-8EC8-44B4F81CB10E}" presName="compNode" presStyleCnt="0"/>
+      <dgm:spPr/>
+    </dgm:pt>
+    <dgm:pt modelId="{37F77629-432B-4A69-837C-14C65DEDD20C}" type="pres">
+      <dgm:prSet presAssocID="{F8289849-E987-4255-8EC8-44B4F81CB10E}" presName="bgRect" presStyleLbl="bgShp" presStyleIdx="1" presStyleCnt="4"/>
+      <dgm:spPr/>
+    </dgm:pt>
+    <dgm:pt modelId="{C1FCEA5C-0298-4163-931F-016E81AAB647}" type="pres">
+      <dgm:prSet presAssocID="{F8289849-E987-4255-8EC8-44B4F81CB10E}" presName="iconRect" presStyleLbl="node1" presStyleIdx="1" presStyleCnt="4"/>
+      <dgm:spPr>
+        <a:blipFill>
+          <a:blip xmlns:r="http://schemas.openxmlformats.org/officeDocument/2006/relationships" r:embed="rId3">
+            <a:extLst>
+              <a:ext uri="{28A0092B-C50C-407E-A947-70E740481C1C}">
+                <a14:useLocalDpi xmlns:a14="http://schemas.microsoft.com/office/drawing/2010/main" val="0"/>
+              </a:ext>
+              <a:ext uri="{96DAC541-7B7A-43D3-8B79-37D633B846F1}">
+                <asvg:svgBlip xmlns:asvg="http://schemas.microsoft.com/office/drawing/2016/SVG/main" r:embed="rId4"/>
+              </a:ext>
+            </a:extLst>
+          </a:blip>
+          <a:stretch>
+            <a:fillRect/>
+          </a:stretch>
+        </a:blipFill>
+      </dgm:spPr>
+      <dgm:extLst>
+        <a:ext uri="{E40237B7-FDA0-4F09-8148-C483321AD2D9}">
+          <dgm14:cNvPr xmlns:dgm14="http://schemas.microsoft.com/office/drawing/2010/diagram" id="0" name="" descr="Excavator"/>
+        </a:ext>
+      </dgm:extLst>
+    </dgm:pt>
+    <dgm:pt modelId="{4E01C590-E7DA-4835-86D2-4CCA915CA9A6}" type="pres">
+      <dgm:prSet presAssocID="{F8289849-E987-4255-8EC8-44B4F81CB10E}" presName="spaceRect" presStyleCnt="0"/>
+      <dgm:spPr/>
+    </dgm:pt>
+    <dgm:pt modelId="{7DE8E408-DE79-443F-8629-C089FBA689E3}" type="pres">
+      <dgm:prSet presAssocID="{F8289849-E987-4255-8EC8-44B4F81CB10E}" presName="parTx" presStyleLbl="revTx" presStyleIdx="1" presStyleCnt="4">
+        <dgm:presLayoutVars>
+          <dgm:chMax val="0"/>
+          <dgm:chPref val="0"/>
+        </dgm:presLayoutVars>
+      </dgm:prSet>
+      <dgm:spPr/>
+    </dgm:pt>
+    <dgm:pt modelId="{6F5BEA2C-D35A-40CD-AADB-C93FF0714F82}" type="pres">
+      <dgm:prSet presAssocID="{CFDFBA7F-EFFF-4644-9D4D-D4EA2AB33D7D}" presName="sibTrans" presStyleCnt="0"/>
+      <dgm:spPr/>
+    </dgm:pt>
+    <dgm:pt modelId="{061BB9BD-3EFB-484E-9E1E-584C8BD2EBBC}" type="pres">
+      <dgm:prSet presAssocID="{B987AC83-493B-4B18-BBDE-1E83EAF7E925}" presName="compNode" presStyleCnt="0"/>
+      <dgm:spPr/>
+    </dgm:pt>
+    <dgm:pt modelId="{7760943E-59EA-4625-8C71-92A18A3E7522}" type="pres">
+      <dgm:prSet presAssocID="{B987AC83-493B-4B18-BBDE-1E83EAF7E925}" presName="bgRect" presStyleLbl="bgShp" presStyleIdx="2" presStyleCnt="4"/>
+      <dgm:spPr/>
+    </dgm:pt>
+    <dgm:pt modelId="{676EE63F-6485-4E2A-ABAE-83CF265BF069}" type="pres">
+      <dgm:prSet presAssocID="{B987AC83-493B-4B18-BBDE-1E83EAF7E925}" presName="iconRect" presStyleLbl="node1" presStyleIdx="2" presStyleCnt="4"/>
+      <dgm:spPr>
+        <a:blipFill>
+          <a:blip xmlns:r="http://schemas.openxmlformats.org/officeDocument/2006/relationships" r:embed="rId5">
+            <a:extLst>
+              <a:ext uri="{28A0092B-C50C-407E-A947-70E740481C1C}">
+                <a14:useLocalDpi xmlns:a14="http://schemas.microsoft.com/office/drawing/2010/main" val="0"/>
+              </a:ext>
+              <a:ext uri="{96DAC541-7B7A-43D3-8B79-37D633B846F1}">
+                <asvg:svgBlip xmlns:asvg="http://schemas.microsoft.com/office/drawing/2016/SVG/main" r:embed="rId6"/>
+              </a:ext>
+            </a:extLst>
+          </a:blip>
+          <a:stretch>
+            <a:fillRect/>
+          </a:stretch>
+        </a:blipFill>
+      </dgm:spPr>
+      <dgm:extLst>
+        <a:ext uri="{E40237B7-FDA0-4F09-8148-C483321AD2D9}">
+          <dgm14:cNvPr xmlns:dgm14="http://schemas.microsoft.com/office/drawing/2010/diagram" id="0" name="" descr="Factory"/>
+        </a:ext>
+      </dgm:extLst>
+    </dgm:pt>
+    <dgm:pt modelId="{028304A6-CF27-4F1D-99F6-FE8D277AEE17}" type="pres">
+      <dgm:prSet presAssocID="{B987AC83-493B-4B18-BBDE-1E83EAF7E925}" presName="spaceRect" presStyleCnt="0"/>
+      <dgm:spPr/>
+    </dgm:pt>
+    <dgm:pt modelId="{B9DB9720-3FDF-4ACB-85FA-66976B22A528}" type="pres">
+      <dgm:prSet presAssocID="{B987AC83-493B-4B18-BBDE-1E83EAF7E925}" presName="parTx" presStyleLbl="revTx" presStyleIdx="2" presStyleCnt="4">
+        <dgm:presLayoutVars>
+          <dgm:chMax val="0"/>
+          <dgm:chPref val="0"/>
+        </dgm:presLayoutVars>
+      </dgm:prSet>
+      <dgm:spPr/>
+    </dgm:pt>
+    <dgm:pt modelId="{2B0E55DF-6C35-4664-BC0E-365BF51E4C99}" type="pres">
+      <dgm:prSet presAssocID="{3871E768-D972-4239-9CDD-D2C93D59DC76}" presName="sibTrans" presStyleCnt="0"/>
+      <dgm:spPr/>
+    </dgm:pt>
+    <dgm:pt modelId="{F128A80F-4611-4111-9193-176AF502C376}" type="pres">
+      <dgm:prSet presAssocID="{D18979C8-D283-4F11-8056-816DA377F0C0}" presName="compNode" presStyleCnt="0"/>
+      <dgm:spPr/>
+    </dgm:pt>
+    <dgm:pt modelId="{79AEF808-314B-4C4B-82AA-6EEA54A65F07}" type="pres">
+      <dgm:prSet presAssocID="{D18979C8-D283-4F11-8056-816DA377F0C0}" presName="bgRect" presStyleLbl="bgShp" presStyleIdx="3" presStyleCnt="4"/>
+      <dgm:spPr/>
+    </dgm:pt>
+    <dgm:pt modelId="{73575651-229C-4229-B203-88512EEA95C5}" type="pres">
+      <dgm:prSet presAssocID="{D18979C8-D283-4F11-8056-816DA377F0C0}" presName="iconRect" presStyleLbl="node1" presStyleIdx="3" presStyleCnt="4"/>
+      <dgm:spPr>
+        <a:blipFill>
+          <a:blip xmlns:r="http://schemas.openxmlformats.org/officeDocument/2006/relationships" r:embed="rId7">
+            <a:extLst>
+              <a:ext uri="{28A0092B-C50C-407E-A947-70E740481C1C}">
+                <a14:useLocalDpi xmlns:a14="http://schemas.microsoft.com/office/drawing/2010/main" val="0"/>
+              </a:ext>
+              <a:ext uri="{96DAC541-7B7A-43D3-8B79-37D633B846F1}">
+                <asvg:svgBlip xmlns:asvg="http://schemas.microsoft.com/office/drawing/2016/SVG/main" r:embed="rId8"/>
+              </a:ext>
+            </a:extLst>
+          </a:blip>
+          <a:stretch>
+            <a:fillRect/>
+          </a:stretch>
+        </a:blipFill>
+      </dgm:spPr>
+      <dgm:extLst>
+        <a:ext uri="{E40237B7-FDA0-4F09-8148-C483321AD2D9}">
+          <dgm14:cNvPr xmlns:dgm14="http://schemas.microsoft.com/office/drawing/2010/diagram" id="0" name="" descr="Projector"/>
+        </a:ext>
+      </dgm:extLst>
+    </dgm:pt>
+    <dgm:pt modelId="{806002CB-A457-44F2-A2DD-11D2572CD18C}" type="pres">
+      <dgm:prSet presAssocID="{D18979C8-D283-4F11-8056-816DA377F0C0}" presName="spaceRect" presStyleCnt="0"/>
+      <dgm:spPr/>
+    </dgm:pt>
+    <dgm:pt modelId="{77CFAC55-D3CF-45EA-A63C-9656646CA42E}" type="pres">
+      <dgm:prSet presAssocID="{D18979C8-D283-4F11-8056-816DA377F0C0}" presName="parTx" presStyleLbl="revTx" presStyleIdx="3" presStyleCnt="4">
+        <dgm:presLayoutVars>
+          <dgm:chMax val="0"/>
+          <dgm:chPref val="0"/>
+        </dgm:presLayoutVars>
+      </dgm:prSet>
+      <dgm:spPr/>
+    </dgm:pt>
+  </dgm:ptLst>
+  <dgm:cxnLst>
+    <dgm:cxn modelId="{ABD03D04-9D53-4E00-AB81-F25AC035AAD4}" srcId="{730B5E20-22E8-49EE-849D-2F09EB7C5E55}" destId="{D23F440E-398D-41B6-A80F-74494D5847CA}" srcOrd="0" destOrd="0" parTransId="{90B11B28-5797-4553-BCD6-924D483AEFA1}" sibTransId="{039D6CC6-CBE0-4615-AC1E-542A7D83BEE4}"/>
+    <dgm:cxn modelId="{B69A751B-F5A4-4FDF-A1ED-C6E1EE94BDBA}" type="presOf" srcId="{F8289849-E987-4255-8EC8-44B4F81CB10E}" destId="{7DE8E408-DE79-443F-8629-C089FBA689E3}" srcOrd="0" destOrd="0" presId="urn:microsoft.com/office/officeart/2018/2/layout/IconVerticalSolidList"/>
+    <dgm:cxn modelId="{2C52642D-1657-4F8D-BBDD-B987CC65BE05}" srcId="{730B5E20-22E8-49EE-849D-2F09EB7C5E55}" destId="{D18979C8-D283-4F11-8056-816DA377F0C0}" srcOrd="3" destOrd="0" parTransId="{88215926-66BF-48C4-A93B-2B9055E4B30E}" sibTransId="{69F2F367-DB05-4C42-B3B6-E5FAE86F9F26}"/>
+    <dgm:cxn modelId="{27CB5032-1C28-4B71-9DE7-3B8573DAA06B}" type="presOf" srcId="{D18979C8-D283-4F11-8056-816DA377F0C0}" destId="{77CFAC55-D3CF-45EA-A63C-9656646CA42E}" srcOrd="0" destOrd="0" presId="urn:microsoft.com/office/officeart/2018/2/layout/IconVerticalSolidList"/>
+    <dgm:cxn modelId="{36BA1767-35CA-4C91-93C5-94F0ADD921AD}" type="presOf" srcId="{730B5E20-22E8-49EE-849D-2F09EB7C5E55}" destId="{933F326E-830B-4831-B1CB-C533857382D0}" srcOrd="0" destOrd="0" presId="urn:microsoft.com/office/officeart/2018/2/layout/IconVerticalSolidList"/>
+    <dgm:cxn modelId="{70466650-EF21-44D4-9C56-FBD4098B58CE}" srcId="{730B5E20-22E8-49EE-849D-2F09EB7C5E55}" destId="{B987AC83-493B-4B18-BBDE-1E83EAF7E925}" srcOrd="2" destOrd="0" parTransId="{8B487908-3605-4A42-980E-D4512632196F}" sibTransId="{3871E768-D972-4239-9CDD-D2C93D59DC76}"/>
+    <dgm:cxn modelId="{0DECB193-7D07-48D4-B4D0-8A44B02B0EFC}" srcId="{730B5E20-22E8-49EE-849D-2F09EB7C5E55}" destId="{F8289849-E987-4255-8EC8-44B4F81CB10E}" srcOrd="1" destOrd="0" parTransId="{58406139-B729-43A1-9AA7-0431547BE2D4}" sibTransId="{CFDFBA7F-EFFF-4644-9D4D-D4EA2AB33D7D}"/>
+    <dgm:cxn modelId="{44162A95-8BE4-488C-B835-013E9523D7C9}" type="presOf" srcId="{B987AC83-493B-4B18-BBDE-1E83EAF7E925}" destId="{B9DB9720-3FDF-4ACB-85FA-66976B22A528}" srcOrd="0" destOrd="0" presId="urn:microsoft.com/office/officeart/2018/2/layout/IconVerticalSolidList"/>
+    <dgm:cxn modelId="{CBA314A9-2DA4-4A96-8AAA-82DB60A2107B}" type="presOf" srcId="{D23F440E-398D-41B6-A80F-74494D5847CA}" destId="{E59E20F8-4207-45B4-B668-018957100416}" srcOrd="0" destOrd="0" presId="urn:microsoft.com/office/officeart/2018/2/layout/IconVerticalSolidList"/>
+    <dgm:cxn modelId="{9530F58C-F371-4809-A58E-6A168C19975B}" type="presParOf" srcId="{933F326E-830B-4831-B1CB-C533857382D0}" destId="{76D33545-207A-477F-A16B-BB2B9D7F2D3A}" srcOrd="0" destOrd="0" presId="urn:microsoft.com/office/officeart/2018/2/layout/IconVerticalSolidList"/>
+    <dgm:cxn modelId="{E451D301-FBDE-471F-ABE3-C1348C32FA64}" type="presParOf" srcId="{76D33545-207A-477F-A16B-BB2B9D7F2D3A}" destId="{8FAC3CA6-DB25-4C68-BA9A-AD1D71B4FF5F}" srcOrd="0" destOrd="0" presId="urn:microsoft.com/office/officeart/2018/2/layout/IconVerticalSolidList"/>
+    <dgm:cxn modelId="{14E7CD92-A38A-4FAF-9BA9-5FF42774E845}" type="presParOf" srcId="{76D33545-207A-477F-A16B-BB2B9D7F2D3A}" destId="{EE8C7A60-76B2-49C3-B369-A96EA3E5C2D4}" srcOrd="1" destOrd="0" presId="urn:microsoft.com/office/officeart/2018/2/layout/IconVerticalSolidList"/>
+    <dgm:cxn modelId="{5D26878D-4F9B-405F-8E85-83F7C0F8E1DB}" type="presParOf" srcId="{76D33545-207A-477F-A16B-BB2B9D7F2D3A}" destId="{B6D7E020-35D4-4D94-A1B9-406EAB63801E}" srcOrd="2" destOrd="0" presId="urn:microsoft.com/office/officeart/2018/2/layout/IconVerticalSolidList"/>
+    <dgm:cxn modelId="{C9133D54-CFA6-4961-AF72-CCA5E88723C5}" type="presParOf" srcId="{76D33545-207A-477F-A16B-BB2B9D7F2D3A}" destId="{E59E20F8-4207-45B4-B668-018957100416}" srcOrd="3" destOrd="0" presId="urn:microsoft.com/office/officeart/2018/2/layout/IconVerticalSolidList"/>
+    <dgm:cxn modelId="{CD16DBD8-D5DB-4E7C-B56A-F7994BF3480C}" type="presParOf" srcId="{933F326E-830B-4831-B1CB-C533857382D0}" destId="{5E9395D8-4450-4F9F-846C-719251944482}" srcOrd="1" destOrd="0" presId="urn:microsoft.com/office/officeart/2018/2/layout/IconVerticalSolidList"/>
+    <dgm:cxn modelId="{C5884024-B1F3-44A6-AAC9-EA7FDF63D1F4}" type="presParOf" srcId="{933F326E-830B-4831-B1CB-C533857382D0}" destId="{4317EA3C-F64C-49F9-8D0C-2AD3C7D8B19A}" srcOrd="2" destOrd="0" presId="urn:microsoft.com/office/officeart/2018/2/layout/IconVerticalSolidList"/>
+    <dgm:cxn modelId="{B61F5F59-BFC6-4790-A4CB-49481E4A7E67}" type="presParOf" srcId="{4317EA3C-F64C-49F9-8D0C-2AD3C7D8B19A}" destId="{37F77629-432B-4A69-837C-14C65DEDD20C}" srcOrd="0" destOrd="0" presId="urn:microsoft.com/office/officeart/2018/2/layout/IconVerticalSolidList"/>
+    <dgm:cxn modelId="{F26FB358-72F0-4DE0-BF50-574AA8D7675B}" type="presParOf" srcId="{4317EA3C-F64C-49F9-8D0C-2AD3C7D8B19A}" destId="{C1FCEA5C-0298-4163-931F-016E81AAB647}" srcOrd="1" destOrd="0" presId="urn:microsoft.com/office/officeart/2018/2/layout/IconVerticalSolidList"/>
+    <dgm:cxn modelId="{04F992BD-F4A0-4C73-8E88-0DCB02F4B0DA}" type="presParOf" srcId="{4317EA3C-F64C-49F9-8D0C-2AD3C7D8B19A}" destId="{4E01C590-E7DA-4835-86D2-4CCA915CA9A6}" srcOrd="2" destOrd="0" presId="urn:microsoft.com/office/officeart/2018/2/layout/IconVerticalSolidList"/>
+    <dgm:cxn modelId="{D9501396-62D3-464C-AFF5-D80F72C0E0A4}" type="presParOf" srcId="{4317EA3C-F64C-49F9-8D0C-2AD3C7D8B19A}" destId="{7DE8E408-DE79-443F-8629-C089FBA689E3}" srcOrd="3" destOrd="0" presId="urn:microsoft.com/office/officeart/2018/2/layout/IconVerticalSolidList"/>
+    <dgm:cxn modelId="{B64CE750-A220-423D-A5EB-CB9BECD78567}" type="presParOf" srcId="{933F326E-830B-4831-B1CB-C533857382D0}" destId="{6F5BEA2C-D35A-40CD-AADB-C93FF0714F82}" srcOrd="3" destOrd="0" presId="urn:microsoft.com/office/officeart/2018/2/layout/IconVerticalSolidList"/>
+    <dgm:cxn modelId="{CEE0C149-DA4E-4DAA-86E5-5BAFB611B822}" type="presParOf" srcId="{933F326E-830B-4831-B1CB-C533857382D0}" destId="{061BB9BD-3EFB-484E-9E1E-584C8BD2EBBC}" srcOrd="4" destOrd="0" presId="urn:microsoft.com/office/officeart/2018/2/layout/IconVerticalSolidList"/>
+    <dgm:cxn modelId="{A46EC668-5ED2-4686-99BE-1BD7F730D13B}" type="presParOf" srcId="{061BB9BD-3EFB-484E-9E1E-584C8BD2EBBC}" destId="{7760943E-59EA-4625-8C71-92A18A3E7522}" srcOrd="0" destOrd="0" presId="urn:microsoft.com/office/officeart/2018/2/layout/IconVerticalSolidList"/>
+    <dgm:cxn modelId="{A9A84054-A6B0-499D-BCD3-576032380D45}" type="presParOf" srcId="{061BB9BD-3EFB-484E-9E1E-584C8BD2EBBC}" destId="{676EE63F-6485-4E2A-ABAE-83CF265BF069}" srcOrd="1" destOrd="0" presId="urn:microsoft.com/office/officeart/2018/2/layout/IconVerticalSolidList"/>
+    <dgm:cxn modelId="{194187CE-E057-4230-A3BD-9459A03BE67D}" type="presParOf" srcId="{061BB9BD-3EFB-484E-9E1E-584C8BD2EBBC}" destId="{028304A6-CF27-4F1D-99F6-FE8D277AEE17}" srcOrd="2" destOrd="0" presId="urn:microsoft.com/office/officeart/2018/2/layout/IconVerticalSolidList"/>
+    <dgm:cxn modelId="{8C1E721E-A458-4A52-900B-6C798D950C87}" type="presParOf" srcId="{061BB9BD-3EFB-484E-9E1E-584C8BD2EBBC}" destId="{B9DB9720-3FDF-4ACB-85FA-66976B22A528}" srcOrd="3" destOrd="0" presId="urn:microsoft.com/office/officeart/2018/2/layout/IconVerticalSolidList"/>
+    <dgm:cxn modelId="{0F6C0F8A-C0DA-459D-A474-7474A6218E97}" type="presParOf" srcId="{933F326E-830B-4831-B1CB-C533857382D0}" destId="{2B0E55DF-6C35-4664-BC0E-365BF51E4C99}" srcOrd="5" destOrd="0" presId="urn:microsoft.com/office/officeart/2018/2/layout/IconVerticalSolidList"/>
+    <dgm:cxn modelId="{C21BD3D6-F6A4-4D28-8A3D-E08E8BD04862}" type="presParOf" srcId="{933F326E-830B-4831-B1CB-C533857382D0}" destId="{F128A80F-4611-4111-9193-176AF502C376}" srcOrd="6" destOrd="0" presId="urn:microsoft.com/office/officeart/2018/2/layout/IconVerticalSolidList"/>
+    <dgm:cxn modelId="{7B6F3B4D-5C95-42B1-92C1-75F8AB45D4B7}" type="presParOf" srcId="{F128A80F-4611-4111-9193-176AF502C376}" destId="{79AEF808-314B-4C4B-82AA-6EEA54A65F07}" srcOrd="0" destOrd="0" presId="urn:microsoft.com/office/officeart/2018/2/layout/IconVerticalSolidList"/>
+    <dgm:cxn modelId="{F14DA5EF-E538-446F-BE7C-45C876E34890}" type="presParOf" srcId="{F128A80F-4611-4111-9193-176AF502C376}" destId="{73575651-229C-4229-B203-88512EEA95C5}" srcOrd="1" destOrd="0" presId="urn:microsoft.com/office/officeart/2018/2/layout/IconVerticalSolidList"/>
+    <dgm:cxn modelId="{E9A85B14-90AD-48A2-9B16-6090607A5F65}" type="presParOf" srcId="{F128A80F-4611-4111-9193-176AF502C376}" destId="{806002CB-A457-44F2-A2DD-11D2572CD18C}" srcOrd="2" destOrd="0" presId="urn:microsoft.com/office/officeart/2018/2/layout/IconVerticalSolidList"/>
+    <dgm:cxn modelId="{18B0CAC5-6463-418B-8377-8680A23E679D}" type="presParOf" srcId="{F128A80F-4611-4111-9193-176AF502C376}" destId="{77CFAC55-D3CF-45EA-A63C-9656646CA42E}" srcOrd="3" destOrd="0" presId="urn:microsoft.com/office/officeart/2018/2/layout/IconVerticalSolidList"/>
+  </dgm:cxnLst>
+  <dgm:bg/>
+  <dgm:whole/>
+  <dgm:extLst>
+    <a:ext uri="http://schemas.microsoft.com/office/drawing/2008/diagram">
+      <dsp:dataModelExt xmlns:dsp="http://schemas.microsoft.com/office/drawing/2008/diagram" relId="rId6" minVer="http://schemas.openxmlformats.org/drawingml/2006/diagram"/>
+    </a:ext>
+  </dgm:extLst>
+</dgm:dataModel>
+</file>
+
+<file path=ppt/diagrams/data2.xml><?xml version="1.0" encoding="utf-8"?>
+<dgm:dataModel xmlns:dgm="http://schemas.openxmlformats.org/drawingml/2006/diagram" xmlns:a="http://schemas.openxmlformats.org/drawingml/2006/main">
+  <dgm:ptLst>
+    <dgm:pt modelId="{730B5E20-22E8-49EE-849D-2F09EB7C5E55}" type="doc">
+      <dgm:prSet loTypeId="urn:microsoft.com/office/officeart/2018/2/layout/IconVerticalSolidList" loCatId="icon" qsTypeId="urn:microsoft.com/office/officeart/2005/8/quickstyle/simple1" qsCatId="simple" csTypeId="urn:microsoft.com/office/officeart/2005/8/colors/accent1_2" csCatId="accent1" phldr="1"/>
+      <dgm:spPr/>
+      <dgm:t>
+        <a:bodyPr/>
+        <a:lstStyle/>
+        <a:p>
+          <a:endParaRPr lang="en-US"/>
+        </a:p>
+      </dgm:t>
+    </dgm:pt>
+    <dgm:pt modelId="{D23F440E-398D-41B6-A80F-74494D5847CA}">
+      <dgm:prSet/>
+      <dgm:spPr/>
+      <dgm:t>
+        <a:bodyPr/>
+        <a:lstStyle/>
+        <a:p>
+          <a:pPr>
+            <a:lnSpc>
+              <a:spcPct val="100000"/>
+            </a:lnSpc>
+          </a:pPr>
+          <a:r>
+            <a:rPr lang="en-US" dirty="0"/>
+            <a:t>TODO</a:t>
+          </a:r>
+        </a:p>
+      </dgm:t>
+    </dgm:pt>
+    <dgm:pt modelId="{90B11B28-5797-4553-BCD6-924D483AEFA1}" type="parTrans" cxnId="{ABD03D04-9D53-4E00-AB81-F25AC035AAD4}">
+      <dgm:prSet/>
+      <dgm:spPr/>
+      <dgm:t>
+        <a:bodyPr/>
+        <a:lstStyle/>
+        <a:p>
+          <a:endParaRPr lang="en-US"/>
+        </a:p>
+      </dgm:t>
+    </dgm:pt>
+    <dgm:pt modelId="{039D6CC6-CBE0-4615-AC1E-542A7D83BEE4}" type="sibTrans" cxnId="{ABD03D04-9D53-4E00-AB81-F25AC035AAD4}">
+      <dgm:prSet/>
+      <dgm:spPr/>
+      <dgm:t>
+        <a:bodyPr/>
+        <a:lstStyle/>
+        <a:p>
+          <a:endParaRPr lang="en-US"/>
+        </a:p>
+      </dgm:t>
+    </dgm:pt>
+    <dgm:pt modelId="{F8289849-E987-4255-8EC8-44B4F81CB10E}">
+      <dgm:prSet/>
+      <dgm:spPr/>
+      <dgm:t>
+        <a:bodyPr/>
+        <a:lstStyle/>
+        <a:p>
+          <a:pPr>
+            <a:lnSpc>
+              <a:spcPct val="100000"/>
+            </a:lnSpc>
+          </a:pPr>
+          <a:r>
+            <a:rPr lang="en-US" dirty="0"/>
+            <a:t>TODO</a:t>
+          </a:r>
+        </a:p>
+      </dgm:t>
+    </dgm:pt>
+    <dgm:pt modelId="{58406139-B729-43A1-9AA7-0431547BE2D4}" type="parTrans" cxnId="{0DECB193-7D07-48D4-B4D0-8A44B02B0EFC}">
+      <dgm:prSet/>
+      <dgm:spPr/>
+      <dgm:t>
+        <a:bodyPr/>
+        <a:lstStyle/>
+        <a:p>
+          <a:endParaRPr lang="en-US"/>
+        </a:p>
+      </dgm:t>
+    </dgm:pt>
+    <dgm:pt modelId="{CFDFBA7F-EFFF-4644-9D4D-D4EA2AB33D7D}" type="sibTrans" cxnId="{0DECB193-7D07-48D4-B4D0-8A44B02B0EFC}">
+      <dgm:prSet/>
+      <dgm:spPr/>
+      <dgm:t>
+        <a:bodyPr/>
+        <a:lstStyle/>
+        <a:p>
+          <a:endParaRPr lang="en-US"/>
+        </a:p>
+      </dgm:t>
+    </dgm:pt>
+    <dgm:pt modelId="{B987AC83-493B-4B18-BBDE-1E83EAF7E925}">
+      <dgm:prSet/>
+      <dgm:spPr/>
+      <dgm:t>
+        <a:bodyPr/>
+        <a:lstStyle/>
+        <a:p>
+          <a:pPr>
+            <a:lnSpc>
+              <a:spcPct val="100000"/>
+            </a:lnSpc>
+          </a:pPr>
+          <a:r>
+            <a:rPr lang="en-US" dirty="0"/>
+            <a:t>TODO</a:t>
+          </a:r>
+        </a:p>
+      </dgm:t>
+    </dgm:pt>
+    <dgm:pt modelId="{8B487908-3605-4A42-980E-D4512632196F}" type="parTrans" cxnId="{70466650-EF21-44D4-9C56-FBD4098B58CE}">
+      <dgm:prSet/>
+      <dgm:spPr/>
+      <dgm:t>
+        <a:bodyPr/>
+        <a:lstStyle/>
+        <a:p>
+          <a:endParaRPr lang="en-US"/>
+        </a:p>
+      </dgm:t>
+    </dgm:pt>
+    <dgm:pt modelId="{3871E768-D972-4239-9CDD-D2C93D59DC76}" type="sibTrans" cxnId="{70466650-EF21-44D4-9C56-FBD4098B58CE}">
+      <dgm:prSet/>
+      <dgm:spPr/>
+      <dgm:t>
+        <a:bodyPr/>
+        <a:lstStyle/>
+        <a:p>
+          <a:endParaRPr lang="en-US"/>
+        </a:p>
+      </dgm:t>
+    </dgm:pt>
+    <dgm:pt modelId="{D18979C8-D283-4F11-8056-816DA377F0C0}">
+      <dgm:prSet/>
+      <dgm:spPr/>
+      <dgm:t>
+        <a:bodyPr/>
+        <a:lstStyle/>
+        <a:p>
+          <a:pPr>
+            <a:lnSpc>
+              <a:spcPct val="100000"/>
+            </a:lnSpc>
+          </a:pPr>
+          <a:r>
+            <a:rPr lang="en-US" dirty="0"/>
+            <a:t>TODO</a:t>
           </a:r>
         </a:p>
       </dgm:t>
@@ -1937,7 +3114,945 @@
 </dsp:drawing>
 </file>
 
+<file path=ppt/diagrams/drawing2.xml><?xml version="1.0" encoding="utf-8"?>
+<dsp:drawing xmlns:dgm="http://schemas.openxmlformats.org/drawingml/2006/diagram" xmlns:dsp="http://schemas.microsoft.com/office/drawing/2008/diagram" xmlns:a="http://schemas.openxmlformats.org/drawingml/2006/main">
+  <dsp:spTree>
+    <dsp:nvGrpSpPr>
+      <dsp:cNvPr id="0" name=""/>
+      <dsp:cNvGrpSpPr/>
+    </dsp:nvGrpSpPr>
+    <dsp:grpSpPr/>
+    <dsp:sp modelId="{8FAC3CA6-DB25-4C68-BA9A-AD1D71B4FF5F}">
+      <dsp:nvSpPr>
+        <dsp:cNvPr id="0" name=""/>
+        <dsp:cNvSpPr/>
+      </dsp:nvSpPr>
+      <dsp:spPr>
+        <a:xfrm>
+          <a:off x="0" y="1555"/>
+          <a:ext cx="4639736" cy="788438"/>
+        </a:xfrm>
+        <a:prstGeom prst="roundRect">
+          <a:avLst>
+            <a:gd name="adj" fmla="val 10000"/>
+          </a:avLst>
+        </a:prstGeom>
+        <a:solidFill>
+          <a:schemeClr val="accent1">
+            <a:tint val="40000"/>
+            <a:hueOff val="0"/>
+            <a:satOff val="0"/>
+            <a:lumOff val="0"/>
+            <a:alphaOff val="0"/>
+          </a:schemeClr>
+        </a:solidFill>
+        <a:ln>
+          <a:noFill/>
+        </a:ln>
+        <a:effectLst/>
+      </dsp:spPr>
+      <dsp:style>
+        <a:lnRef idx="0">
+          <a:scrgbClr r="0" g="0" b="0"/>
+        </a:lnRef>
+        <a:fillRef idx="1">
+          <a:scrgbClr r="0" g="0" b="0"/>
+        </a:fillRef>
+        <a:effectRef idx="0">
+          <a:scrgbClr r="0" g="0" b="0"/>
+        </a:effectRef>
+        <a:fontRef idx="minor"/>
+      </dsp:style>
+    </dsp:sp>
+    <dsp:sp modelId="{EE8C7A60-76B2-49C3-B369-A96EA3E5C2D4}">
+      <dsp:nvSpPr>
+        <dsp:cNvPr id="0" name=""/>
+        <dsp:cNvSpPr/>
+      </dsp:nvSpPr>
+      <dsp:spPr>
+        <a:xfrm>
+          <a:off x="238502" y="178954"/>
+          <a:ext cx="433641" cy="433641"/>
+        </a:xfrm>
+        <a:prstGeom prst="rect">
+          <a:avLst/>
+        </a:prstGeom>
+        <a:blipFill>
+          <a:blip xmlns:r="http://schemas.openxmlformats.org/officeDocument/2006/relationships" r:embed="rId1">
+            <a:extLst>
+              <a:ext uri="{28A0092B-C50C-407E-A947-70E740481C1C}">
+                <a14:useLocalDpi xmlns:a14="http://schemas.microsoft.com/office/drawing/2010/main" val="0"/>
+              </a:ext>
+              <a:ext uri="{96DAC541-7B7A-43D3-8B79-37D633B846F1}">
+                <asvg:svgBlip xmlns:asvg="http://schemas.microsoft.com/office/drawing/2016/SVG/main" r:embed="rId2"/>
+              </a:ext>
+            </a:extLst>
+          </a:blip>
+          <a:stretch>
+            <a:fillRect/>
+          </a:stretch>
+        </a:blipFill>
+        <a:ln w="15875" cap="flat" cmpd="sng" algn="ctr">
+          <a:solidFill>
+            <a:schemeClr val="lt1">
+              <a:hueOff val="0"/>
+              <a:satOff val="0"/>
+              <a:lumOff val="0"/>
+              <a:alphaOff val="0"/>
+            </a:schemeClr>
+          </a:solidFill>
+          <a:prstDash val="solid"/>
+        </a:ln>
+        <a:effectLst/>
+      </dsp:spPr>
+      <dsp:style>
+        <a:lnRef idx="2">
+          <a:scrgbClr r="0" g="0" b="0"/>
+        </a:lnRef>
+        <a:fillRef idx="1">
+          <a:scrgbClr r="0" g="0" b="0"/>
+        </a:fillRef>
+        <a:effectRef idx="0">
+          <a:scrgbClr r="0" g="0" b="0"/>
+        </a:effectRef>
+        <a:fontRef idx="minor">
+          <a:schemeClr val="lt1"/>
+        </a:fontRef>
+      </dsp:style>
+    </dsp:sp>
+    <dsp:sp modelId="{E59E20F8-4207-45B4-B668-018957100416}">
+      <dsp:nvSpPr>
+        <dsp:cNvPr id="0" name=""/>
+        <dsp:cNvSpPr/>
+      </dsp:nvSpPr>
+      <dsp:spPr>
+        <a:xfrm>
+          <a:off x="910646" y="1555"/>
+          <a:ext cx="3729089" cy="788438"/>
+        </a:xfrm>
+        <a:prstGeom prst="rect">
+          <a:avLst/>
+        </a:prstGeom>
+        <a:noFill/>
+        <a:ln>
+          <a:noFill/>
+        </a:ln>
+        <a:effectLst/>
+      </dsp:spPr>
+      <dsp:style>
+        <a:lnRef idx="0">
+          <a:scrgbClr r="0" g="0" b="0"/>
+        </a:lnRef>
+        <a:fillRef idx="0">
+          <a:scrgbClr r="0" g="0" b="0"/>
+        </a:fillRef>
+        <a:effectRef idx="0">
+          <a:scrgbClr r="0" g="0" b="0"/>
+        </a:effectRef>
+        <a:fontRef idx="minor"/>
+      </dsp:style>
+      <dsp:txBody>
+        <a:bodyPr spcFirstLastPara="0" vert="horz" wrap="square" lIns="83443" tIns="83443" rIns="83443" bIns="83443" numCol="1" spcCol="1270" anchor="ctr" anchorCtr="0">
+          <a:noAutofit/>
+        </a:bodyPr>
+        <a:lstStyle/>
+        <a:p>
+          <a:pPr marL="0" lvl="0" indent="0" algn="l" defTabSz="977900">
+            <a:lnSpc>
+              <a:spcPct val="100000"/>
+            </a:lnSpc>
+            <a:spcBef>
+              <a:spcPct val="0"/>
+            </a:spcBef>
+            <a:spcAft>
+              <a:spcPct val="35000"/>
+            </a:spcAft>
+            <a:buNone/>
+          </a:pPr>
+          <a:r>
+            <a:rPr lang="en-US" sz="2200" kern="1200" dirty="0"/>
+            <a:t>TODO</a:t>
+          </a:r>
+        </a:p>
+      </dsp:txBody>
+      <dsp:txXfrm>
+        <a:off x="910646" y="1555"/>
+        <a:ext cx="3729089" cy="788438"/>
+      </dsp:txXfrm>
+    </dsp:sp>
+    <dsp:sp modelId="{37F77629-432B-4A69-837C-14C65DEDD20C}">
+      <dsp:nvSpPr>
+        <dsp:cNvPr id="0" name=""/>
+        <dsp:cNvSpPr/>
+      </dsp:nvSpPr>
+      <dsp:spPr>
+        <a:xfrm>
+          <a:off x="0" y="987103"/>
+          <a:ext cx="4639736" cy="788438"/>
+        </a:xfrm>
+        <a:prstGeom prst="roundRect">
+          <a:avLst>
+            <a:gd name="adj" fmla="val 10000"/>
+          </a:avLst>
+        </a:prstGeom>
+        <a:solidFill>
+          <a:schemeClr val="accent1">
+            <a:tint val="40000"/>
+            <a:hueOff val="0"/>
+            <a:satOff val="0"/>
+            <a:lumOff val="0"/>
+            <a:alphaOff val="0"/>
+          </a:schemeClr>
+        </a:solidFill>
+        <a:ln>
+          <a:noFill/>
+        </a:ln>
+        <a:effectLst/>
+      </dsp:spPr>
+      <dsp:style>
+        <a:lnRef idx="0">
+          <a:scrgbClr r="0" g="0" b="0"/>
+        </a:lnRef>
+        <a:fillRef idx="1">
+          <a:scrgbClr r="0" g="0" b="0"/>
+        </a:fillRef>
+        <a:effectRef idx="0">
+          <a:scrgbClr r="0" g="0" b="0"/>
+        </a:effectRef>
+        <a:fontRef idx="minor"/>
+      </dsp:style>
+    </dsp:sp>
+    <dsp:sp modelId="{C1FCEA5C-0298-4163-931F-016E81AAB647}">
+      <dsp:nvSpPr>
+        <dsp:cNvPr id="0" name=""/>
+        <dsp:cNvSpPr/>
+      </dsp:nvSpPr>
+      <dsp:spPr>
+        <a:xfrm>
+          <a:off x="238502" y="1164502"/>
+          <a:ext cx="433641" cy="433641"/>
+        </a:xfrm>
+        <a:prstGeom prst="rect">
+          <a:avLst/>
+        </a:prstGeom>
+        <a:blipFill>
+          <a:blip xmlns:r="http://schemas.openxmlformats.org/officeDocument/2006/relationships" r:embed="rId3">
+            <a:extLst>
+              <a:ext uri="{28A0092B-C50C-407E-A947-70E740481C1C}">
+                <a14:useLocalDpi xmlns:a14="http://schemas.microsoft.com/office/drawing/2010/main" val="0"/>
+              </a:ext>
+              <a:ext uri="{96DAC541-7B7A-43D3-8B79-37D633B846F1}">
+                <asvg:svgBlip xmlns:asvg="http://schemas.microsoft.com/office/drawing/2016/SVG/main" r:embed="rId4"/>
+              </a:ext>
+            </a:extLst>
+          </a:blip>
+          <a:stretch>
+            <a:fillRect/>
+          </a:stretch>
+        </a:blipFill>
+        <a:ln w="15875" cap="flat" cmpd="sng" algn="ctr">
+          <a:solidFill>
+            <a:schemeClr val="lt1">
+              <a:hueOff val="0"/>
+              <a:satOff val="0"/>
+              <a:lumOff val="0"/>
+              <a:alphaOff val="0"/>
+            </a:schemeClr>
+          </a:solidFill>
+          <a:prstDash val="solid"/>
+        </a:ln>
+        <a:effectLst/>
+      </dsp:spPr>
+      <dsp:style>
+        <a:lnRef idx="2">
+          <a:scrgbClr r="0" g="0" b="0"/>
+        </a:lnRef>
+        <a:fillRef idx="1">
+          <a:scrgbClr r="0" g="0" b="0"/>
+        </a:fillRef>
+        <a:effectRef idx="0">
+          <a:scrgbClr r="0" g="0" b="0"/>
+        </a:effectRef>
+        <a:fontRef idx="minor">
+          <a:schemeClr val="lt1"/>
+        </a:fontRef>
+      </dsp:style>
+    </dsp:sp>
+    <dsp:sp modelId="{7DE8E408-DE79-443F-8629-C089FBA689E3}">
+      <dsp:nvSpPr>
+        <dsp:cNvPr id="0" name=""/>
+        <dsp:cNvSpPr/>
+      </dsp:nvSpPr>
+      <dsp:spPr>
+        <a:xfrm>
+          <a:off x="910646" y="987103"/>
+          <a:ext cx="3729089" cy="788438"/>
+        </a:xfrm>
+        <a:prstGeom prst="rect">
+          <a:avLst/>
+        </a:prstGeom>
+        <a:noFill/>
+        <a:ln>
+          <a:noFill/>
+        </a:ln>
+        <a:effectLst/>
+      </dsp:spPr>
+      <dsp:style>
+        <a:lnRef idx="0">
+          <a:scrgbClr r="0" g="0" b="0"/>
+        </a:lnRef>
+        <a:fillRef idx="0">
+          <a:scrgbClr r="0" g="0" b="0"/>
+        </a:fillRef>
+        <a:effectRef idx="0">
+          <a:scrgbClr r="0" g="0" b="0"/>
+        </a:effectRef>
+        <a:fontRef idx="minor"/>
+      </dsp:style>
+      <dsp:txBody>
+        <a:bodyPr spcFirstLastPara="0" vert="horz" wrap="square" lIns="83443" tIns="83443" rIns="83443" bIns="83443" numCol="1" spcCol="1270" anchor="ctr" anchorCtr="0">
+          <a:noAutofit/>
+        </a:bodyPr>
+        <a:lstStyle/>
+        <a:p>
+          <a:pPr marL="0" lvl="0" indent="0" algn="l" defTabSz="977900">
+            <a:lnSpc>
+              <a:spcPct val="100000"/>
+            </a:lnSpc>
+            <a:spcBef>
+              <a:spcPct val="0"/>
+            </a:spcBef>
+            <a:spcAft>
+              <a:spcPct val="35000"/>
+            </a:spcAft>
+            <a:buNone/>
+          </a:pPr>
+          <a:r>
+            <a:rPr lang="en-US" sz="2200" kern="1200" dirty="0"/>
+            <a:t>TODO</a:t>
+          </a:r>
+        </a:p>
+      </dsp:txBody>
+      <dsp:txXfrm>
+        <a:off x="910646" y="987103"/>
+        <a:ext cx="3729089" cy="788438"/>
+      </dsp:txXfrm>
+    </dsp:sp>
+    <dsp:sp modelId="{7760943E-59EA-4625-8C71-92A18A3E7522}">
+      <dsp:nvSpPr>
+        <dsp:cNvPr id="0" name=""/>
+        <dsp:cNvSpPr/>
+      </dsp:nvSpPr>
+      <dsp:spPr>
+        <a:xfrm>
+          <a:off x="0" y="1972651"/>
+          <a:ext cx="4639736" cy="788438"/>
+        </a:xfrm>
+        <a:prstGeom prst="roundRect">
+          <a:avLst>
+            <a:gd name="adj" fmla="val 10000"/>
+          </a:avLst>
+        </a:prstGeom>
+        <a:solidFill>
+          <a:schemeClr val="accent1">
+            <a:tint val="40000"/>
+            <a:hueOff val="0"/>
+            <a:satOff val="0"/>
+            <a:lumOff val="0"/>
+            <a:alphaOff val="0"/>
+          </a:schemeClr>
+        </a:solidFill>
+        <a:ln>
+          <a:noFill/>
+        </a:ln>
+        <a:effectLst/>
+      </dsp:spPr>
+      <dsp:style>
+        <a:lnRef idx="0">
+          <a:scrgbClr r="0" g="0" b="0"/>
+        </a:lnRef>
+        <a:fillRef idx="1">
+          <a:scrgbClr r="0" g="0" b="0"/>
+        </a:fillRef>
+        <a:effectRef idx="0">
+          <a:scrgbClr r="0" g="0" b="0"/>
+        </a:effectRef>
+        <a:fontRef idx="minor"/>
+      </dsp:style>
+    </dsp:sp>
+    <dsp:sp modelId="{676EE63F-6485-4E2A-ABAE-83CF265BF069}">
+      <dsp:nvSpPr>
+        <dsp:cNvPr id="0" name=""/>
+        <dsp:cNvSpPr/>
+      </dsp:nvSpPr>
+      <dsp:spPr>
+        <a:xfrm>
+          <a:off x="238502" y="2150049"/>
+          <a:ext cx="433641" cy="433641"/>
+        </a:xfrm>
+        <a:prstGeom prst="rect">
+          <a:avLst/>
+        </a:prstGeom>
+        <a:blipFill>
+          <a:blip xmlns:r="http://schemas.openxmlformats.org/officeDocument/2006/relationships" r:embed="rId5">
+            <a:extLst>
+              <a:ext uri="{28A0092B-C50C-407E-A947-70E740481C1C}">
+                <a14:useLocalDpi xmlns:a14="http://schemas.microsoft.com/office/drawing/2010/main" val="0"/>
+              </a:ext>
+              <a:ext uri="{96DAC541-7B7A-43D3-8B79-37D633B846F1}">
+                <asvg:svgBlip xmlns:asvg="http://schemas.microsoft.com/office/drawing/2016/SVG/main" r:embed="rId6"/>
+              </a:ext>
+            </a:extLst>
+          </a:blip>
+          <a:stretch>
+            <a:fillRect/>
+          </a:stretch>
+        </a:blipFill>
+        <a:ln w="15875" cap="flat" cmpd="sng" algn="ctr">
+          <a:solidFill>
+            <a:schemeClr val="lt1">
+              <a:hueOff val="0"/>
+              <a:satOff val="0"/>
+              <a:lumOff val="0"/>
+              <a:alphaOff val="0"/>
+            </a:schemeClr>
+          </a:solidFill>
+          <a:prstDash val="solid"/>
+        </a:ln>
+        <a:effectLst/>
+      </dsp:spPr>
+      <dsp:style>
+        <a:lnRef idx="2">
+          <a:scrgbClr r="0" g="0" b="0"/>
+        </a:lnRef>
+        <a:fillRef idx="1">
+          <a:scrgbClr r="0" g="0" b="0"/>
+        </a:fillRef>
+        <a:effectRef idx="0">
+          <a:scrgbClr r="0" g="0" b="0"/>
+        </a:effectRef>
+        <a:fontRef idx="minor">
+          <a:schemeClr val="lt1"/>
+        </a:fontRef>
+      </dsp:style>
+    </dsp:sp>
+    <dsp:sp modelId="{B9DB9720-3FDF-4ACB-85FA-66976B22A528}">
+      <dsp:nvSpPr>
+        <dsp:cNvPr id="0" name=""/>
+        <dsp:cNvSpPr/>
+      </dsp:nvSpPr>
+      <dsp:spPr>
+        <a:xfrm>
+          <a:off x="910646" y="1972651"/>
+          <a:ext cx="3729089" cy="788438"/>
+        </a:xfrm>
+        <a:prstGeom prst="rect">
+          <a:avLst/>
+        </a:prstGeom>
+        <a:noFill/>
+        <a:ln>
+          <a:noFill/>
+        </a:ln>
+        <a:effectLst/>
+      </dsp:spPr>
+      <dsp:style>
+        <a:lnRef idx="0">
+          <a:scrgbClr r="0" g="0" b="0"/>
+        </a:lnRef>
+        <a:fillRef idx="0">
+          <a:scrgbClr r="0" g="0" b="0"/>
+        </a:fillRef>
+        <a:effectRef idx="0">
+          <a:scrgbClr r="0" g="0" b="0"/>
+        </a:effectRef>
+        <a:fontRef idx="minor"/>
+      </dsp:style>
+      <dsp:txBody>
+        <a:bodyPr spcFirstLastPara="0" vert="horz" wrap="square" lIns="83443" tIns="83443" rIns="83443" bIns="83443" numCol="1" spcCol="1270" anchor="ctr" anchorCtr="0">
+          <a:noAutofit/>
+        </a:bodyPr>
+        <a:lstStyle/>
+        <a:p>
+          <a:pPr marL="0" lvl="0" indent="0" algn="l" defTabSz="977900">
+            <a:lnSpc>
+              <a:spcPct val="100000"/>
+            </a:lnSpc>
+            <a:spcBef>
+              <a:spcPct val="0"/>
+            </a:spcBef>
+            <a:spcAft>
+              <a:spcPct val="35000"/>
+            </a:spcAft>
+            <a:buNone/>
+          </a:pPr>
+          <a:r>
+            <a:rPr lang="en-US" sz="2200" kern="1200" dirty="0"/>
+            <a:t>TODO</a:t>
+          </a:r>
+        </a:p>
+      </dsp:txBody>
+      <dsp:txXfrm>
+        <a:off x="910646" y="1972651"/>
+        <a:ext cx="3729089" cy="788438"/>
+      </dsp:txXfrm>
+    </dsp:sp>
+    <dsp:sp modelId="{79AEF808-314B-4C4B-82AA-6EEA54A65F07}">
+      <dsp:nvSpPr>
+        <dsp:cNvPr id="0" name=""/>
+        <dsp:cNvSpPr/>
+      </dsp:nvSpPr>
+      <dsp:spPr>
+        <a:xfrm>
+          <a:off x="0" y="2958199"/>
+          <a:ext cx="4639736" cy="788438"/>
+        </a:xfrm>
+        <a:prstGeom prst="roundRect">
+          <a:avLst>
+            <a:gd name="adj" fmla="val 10000"/>
+          </a:avLst>
+        </a:prstGeom>
+        <a:solidFill>
+          <a:schemeClr val="accent1">
+            <a:tint val="40000"/>
+            <a:hueOff val="0"/>
+            <a:satOff val="0"/>
+            <a:lumOff val="0"/>
+            <a:alphaOff val="0"/>
+          </a:schemeClr>
+        </a:solidFill>
+        <a:ln>
+          <a:noFill/>
+        </a:ln>
+        <a:effectLst/>
+      </dsp:spPr>
+      <dsp:style>
+        <a:lnRef idx="0">
+          <a:scrgbClr r="0" g="0" b="0"/>
+        </a:lnRef>
+        <a:fillRef idx="1">
+          <a:scrgbClr r="0" g="0" b="0"/>
+        </a:fillRef>
+        <a:effectRef idx="0">
+          <a:scrgbClr r="0" g="0" b="0"/>
+        </a:effectRef>
+        <a:fontRef idx="minor"/>
+      </dsp:style>
+    </dsp:sp>
+    <dsp:sp modelId="{73575651-229C-4229-B203-88512EEA95C5}">
+      <dsp:nvSpPr>
+        <dsp:cNvPr id="0" name=""/>
+        <dsp:cNvSpPr/>
+      </dsp:nvSpPr>
+      <dsp:spPr>
+        <a:xfrm>
+          <a:off x="238502" y="3135597"/>
+          <a:ext cx="433641" cy="433641"/>
+        </a:xfrm>
+        <a:prstGeom prst="rect">
+          <a:avLst/>
+        </a:prstGeom>
+        <a:blipFill>
+          <a:blip xmlns:r="http://schemas.openxmlformats.org/officeDocument/2006/relationships" r:embed="rId7">
+            <a:extLst>
+              <a:ext uri="{28A0092B-C50C-407E-A947-70E740481C1C}">
+                <a14:useLocalDpi xmlns:a14="http://schemas.microsoft.com/office/drawing/2010/main" val="0"/>
+              </a:ext>
+              <a:ext uri="{96DAC541-7B7A-43D3-8B79-37D633B846F1}">
+                <asvg:svgBlip xmlns:asvg="http://schemas.microsoft.com/office/drawing/2016/SVG/main" r:embed="rId8"/>
+              </a:ext>
+            </a:extLst>
+          </a:blip>
+          <a:stretch>
+            <a:fillRect/>
+          </a:stretch>
+        </a:blipFill>
+        <a:ln w="15875" cap="flat" cmpd="sng" algn="ctr">
+          <a:solidFill>
+            <a:schemeClr val="lt1">
+              <a:hueOff val="0"/>
+              <a:satOff val="0"/>
+              <a:lumOff val="0"/>
+              <a:alphaOff val="0"/>
+            </a:schemeClr>
+          </a:solidFill>
+          <a:prstDash val="solid"/>
+        </a:ln>
+        <a:effectLst/>
+      </dsp:spPr>
+      <dsp:style>
+        <a:lnRef idx="2">
+          <a:scrgbClr r="0" g="0" b="0"/>
+        </a:lnRef>
+        <a:fillRef idx="1">
+          <a:scrgbClr r="0" g="0" b="0"/>
+        </a:fillRef>
+        <a:effectRef idx="0">
+          <a:scrgbClr r="0" g="0" b="0"/>
+        </a:effectRef>
+        <a:fontRef idx="minor">
+          <a:schemeClr val="lt1"/>
+        </a:fontRef>
+      </dsp:style>
+    </dsp:sp>
+    <dsp:sp modelId="{77CFAC55-D3CF-45EA-A63C-9656646CA42E}">
+      <dsp:nvSpPr>
+        <dsp:cNvPr id="0" name=""/>
+        <dsp:cNvSpPr/>
+      </dsp:nvSpPr>
+      <dsp:spPr>
+        <a:xfrm>
+          <a:off x="910646" y="2958199"/>
+          <a:ext cx="3729089" cy="788438"/>
+        </a:xfrm>
+        <a:prstGeom prst="rect">
+          <a:avLst/>
+        </a:prstGeom>
+        <a:noFill/>
+        <a:ln>
+          <a:noFill/>
+        </a:ln>
+        <a:effectLst/>
+      </dsp:spPr>
+      <dsp:style>
+        <a:lnRef idx="0">
+          <a:scrgbClr r="0" g="0" b="0"/>
+        </a:lnRef>
+        <a:fillRef idx="0">
+          <a:scrgbClr r="0" g="0" b="0"/>
+        </a:fillRef>
+        <a:effectRef idx="0">
+          <a:scrgbClr r="0" g="0" b="0"/>
+        </a:effectRef>
+        <a:fontRef idx="minor"/>
+      </dsp:style>
+      <dsp:txBody>
+        <a:bodyPr spcFirstLastPara="0" vert="horz" wrap="square" lIns="83443" tIns="83443" rIns="83443" bIns="83443" numCol="1" spcCol="1270" anchor="ctr" anchorCtr="0">
+          <a:noAutofit/>
+        </a:bodyPr>
+        <a:lstStyle/>
+        <a:p>
+          <a:pPr marL="0" lvl="0" indent="0" algn="l" defTabSz="977900">
+            <a:lnSpc>
+              <a:spcPct val="100000"/>
+            </a:lnSpc>
+            <a:spcBef>
+              <a:spcPct val="0"/>
+            </a:spcBef>
+            <a:spcAft>
+              <a:spcPct val="35000"/>
+            </a:spcAft>
+            <a:buNone/>
+          </a:pPr>
+          <a:r>
+            <a:rPr lang="en-US" sz="2200" kern="1200" dirty="0"/>
+            <a:t>TODO</a:t>
+          </a:r>
+        </a:p>
+      </dsp:txBody>
+      <dsp:txXfrm>
+        <a:off x="910646" y="2958199"/>
+        <a:ext cx="3729089" cy="788438"/>
+      </dsp:txXfrm>
+    </dsp:sp>
+  </dsp:spTree>
+</dsp:drawing>
+</file>
+
 <file path=ppt/diagrams/layout1.xml><?xml version="1.0" encoding="utf-8"?>
+<dgm:layoutDef xmlns:dgm="http://schemas.openxmlformats.org/drawingml/2006/diagram" xmlns:a="http://schemas.openxmlformats.org/drawingml/2006/main" uniqueId="urn:microsoft.com/office/officeart/2018/2/layout/IconVerticalSolidList">
+  <dgm:title val="Icon Vertical Solid List"/>
+  <dgm:desc val="Use to show a series of visuals from top to bottom with Level 1 or Level 1 and Level 2 text grouped in a shape. Works best with icons or small pictures with lengthier descriptions."/>
+  <dgm:catLst>
+    <dgm:cat type="icon" pri="500"/>
+  </dgm:catLst>
+  <dgm:sampData useDef="1">
+    <dgm:dataModel>
+      <dgm:ptLst/>
+      <dgm:bg/>
+      <dgm:whole/>
+    </dgm:dataModel>
+  </dgm:sampData>
+  <dgm:styleData useDef="1">
+    <dgm:dataModel>
+      <dgm:ptLst/>
+      <dgm:bg/>
+      <dgm:whole/>
+    </dgm:dataModel>
+  </dgm:styleData>
+  <dgm:clrData useDef="1">
+    <dgm:dataModel>
+      <dgm:ptLst/>
+      <dgm:bg/>
+      <dgm:whole/>
+    </dgm:dataModel>
+  </dgm:clrData>
+  <dgm:layoutNode name="root">
+    <dgm:varLst>
+      <dgm:dir/>
+      <dgm:resizeHandles val="exact"/>
+    </dgm:varLst>
+    <dgm:choose name="Name0">
+      <dgm:if name="Name1" axis="self" func="var" arg="dir" op="equ" val="norm">
+        <dgm:alg type="lin">
+          <dgm:param type="linDir" val="fromT"/>
+          <dgm:param type="nodeHorzAlign" val="l"/>
+        </dgm:alg>
+      </dgm:if>
+      <dgm:else name="Name2">
+        <dgm:alg type="lin">
+          <dgm:param type="linDir" val="fromT"/>
+          <dgm:param type="nodeHorzAlign" val="r"/>
+        </dgm:alg>
+      </dgm:else>
+    </dgm:choose>
+    <dgm:shape xmlns:r="http://schemas.openxmlformats.org/officeDocument/2006/relationships" r:blip="">
+      <dgm:adjLst/>
+    </dgm:shape>
+    <dgm:presOf/>
+    <dgm:choose name="Name3">
+      <dgm:if name="Name4" axis="ch" ptType="node" func="cnt" op="lte" val="3">
+        <dgm:constrLst>
+          <dgm:constr type="h" for="ch" forName="compNode" refType="h" fact="0.3"/>
+          <dgm:constr type="w" for="ch" forName="compNode" refType="w"/>
+          <dgm:constr type="h" for="ch" forName="sibTrans" refType="h" refFor="ch" refForName="compNode" fact="0.25"/>
+          <dgm:constr type="primFontSz" for="des" forName="parTx" val="25"/>
+          <dgm:constr type="primFontSz" for="des" forName="desTx" refType="primFontSz" refFor="des" refForName="parTx" op="lte" fact="0.75"/>
+          <dgm:constr type="h" for="des" forName="compNode" op="equ"/>
+          <dgm:constr type="h" for="des" forName="bgRect" op="equ"/>
+          <dgm:constr type="h" for="des" forName="iconRect" op="equ"/>
+          <dgm:constr type="w" for="des" forName="iconRect" op="equ"/>
+          <dgm:constr type="h" for="des" forName="spaceRect" op="equ"/>
+          <dgm:constr type="h" for="des" forName="parTx" op="equ"/>
+          <dgm:constr type="h" for="des" forName="desTx" op="equ"/>
+        </dgm:constrLst>
+      </dgm:if>
+      <dgm:if name="Name5" axis="ch" ptType="node" func="cnt" op="lte" val="4">
+        <dgm:constrLst>
+          <dgm:constr type="h" for="ch" forName="compNode" refType="h" fact="0.3"/>
+          <dgm:constr type="w" for="ch" forName="compNode" refType="w"/>
+          <dgm:constr type="h" for="ch" forName="sibTrans" refType="h" refFor="ch" refForName="compNode" fact="0.25"/>
+          <dgm:constr type="primFontSz" for="des" forName="parTx" val="22"/>
+          <dgm:constr type="primFontSz" for="des" forName="desTx" refType="primFontSz" refFor="des" refForName="parTx" op="lte" fact="0.75"/>
+          <dgm:constr type="h" for="des" forName="compNode" op="equ"/>
+          <dgm:constr type="h" for="des" forName="bgRect" op="equ"/>
+          <dgm:constr type="h" for="des" forName="iconRect" op="equ"/>
+          <dgm:constr type="w" for="des" forName="iconRect" op="equ"/>
+          <dgm:constr type="h" for="des" forName="spaceRect" op="equ"/>
+          <dgm:constr type="h" for="des" forName="parTx" op="equ"/>
+          <dgm:constr type="h" for="des" forName="desTx" op="equ"/>
+        </dgm:constrLst>
+      </dgm:if>
+      <dgm:if name="Name6" axis="ch" ptType="node" func="cnt" op="lte" val="6">
+        <dgm:constrLst>
+          <dgm:constr type="h" for="ch" forName="compNode" refType="h" fact="0.3"/>
+          <dgm:constr type="w" for="ch" forName="compNode" refType="w"/>
+          <dgm:constr type="h" for="ch" forName="sibTrans" refType="h" refFor="ch" refForName="compNode" fact="0.25"/>
+          <dgm:constr type="primFontSz" for="des" forName="parTx" val="19"/>
+          <dgm:constr type="primFontSz" for="des" forName="desTx" refType="primFontSz" refFor="des" refForName="parTx" op="lte" fact="0.75"/>
+          <dgm:constr type="h" for="des" forName="compNode" op="equ"/>
+          <dgm:constr type="h" for="des" forName="bgRect" op="equ"/>
+          <dgm:constr type="h" for="des" forName="iconRect" op="equ"/>
+          <dgm:constr type="w" for="des" forName="iconRect" op="equ"/>
+          <dgm:constr type="h" for="des" forName="spaceRect" op="equ"/>
+          <dgm:constr type="h" for="des" forName="parTx" op="equ"/>
+          <dgm:constr type="h" for="des" forName="desTx" op="equ"/>
+        </dgm:constrLst>
+      </dgm:if>
+      <dgm:else name="Name7">
+        <dgm:constrLst>
+          <dgm:constr type="h" for="ch" forName="compNode" refType="h" fact="0.3"/>
+          <dgm:constr type="w" for="ch" forName="compNode" refType="w"/>
+          <dgm:constr type="h" for="ch" forName="sibTrans" refType="h" refFor="ch" refForName="compNode" fact="0.25"/>
+          <dgm:constr type="primFontSz" for="des" forName="parTx" val="16"/>
+          <dgm:constr type="primFontSz" for="des" forName="desTx" refType="primFontSz" refFor="des" refForName="parTx" op="lte" fact="0.75"/>
+          <dgm:constr type="h" for="des" forName="compNode" op="equ"/>
+          <dgm:constr type="h" for="des" forName="bgRect" op="equ"/>
+          <dgm:constr type="h" for="des" forName="iconRect" op="equ"/>
+          <dgm:constr type="w" for="des" forName="iconRect" op="equ"/>
+          <dgm:constr type="h" for="des" forName="spaceRect" op="equ"/>
+          <dgm:constr type="h" for="des" forName="parTx" op="equ"/>
+          <dgm:constr type="h" for="des" forName="desTx" op="equ"/>
+        </dgm:constrLst>
+      </dgm:else>
+    </dgm:choose>
+    <dgm:ruleLst>
+      <dgm:rule type="h" for="ch" forName="compNode" val="0" fact="NaN" max="NaN"/>
+    </dgm:ruleLst>
+    <dgm:forEach name="Name8" axis="ch" ptType="node">
+      <dgm:layoutNode name="compNode">
+        <dgm:alg type="composite"/>
+        <dgm:shape xmlns:r="http://schemas.openxmlformats.org/officeDocument/2006/relationships" r:blip="">
+          <dgm:adjLst/>
+        </dgm:shape>
+        <dgm:presOf axis="self"/>
+        <dgm:choose name="Name9">
+          <dgm:if name="Name10" axis="ch" ptType="node" func="cnt" op="gte" val="1">
+            <dgm:constrLst>
+              <dgm:constr type="w" for="ch" forName="bgRect" refType="w"/>
+              <dgm:constr type="h" for="ch" forName="bgRect" refType="h"/>
+              <dgm:constr type="l" for="ch" forName="bgRect"/>
+              <dgm:constr type="t" for="ch" forName="bgRect"/>
+              <dgm:constr type="h" for="ch" forName="iconRect" refType="h" fact="0.55"/>
+              <dgm:constr type="w" for="ch" forName="iconRect" refType="h" refFor="ch" refForName="iconRect"/>
+              <dgm:constr type="l" for="ch" forName="iconRect" refType="h" refFor="ch" refForName="iconRect" fact="0.55"/>
+              <dgm:constr type="ctrY" for="ch" forName="iconRect" refType="ctrY" refFor="ch" refForName="bgRect"/>
+              <dgm:constr type="w" for="ch" forName="spaceRect" refType="l" refFor="ch" refForName="iconRect"/>
+              <dgm:constr type="h" for="ch" forName="spaceRect" refType="h"/>
+              <dgm:constr type="l" for="ch" forName="spaceRect" refType="r" refFor="ch" refForName="iconRect"/>
+              <dgm:constr type="t" for="ch" forName="spaceRect"/>
+              <dgm:constr type="w" for="ch" forName="parTx" refType="w" fact="0.45"/>
+              <dgm:constr type="h" for="ch" forName="parTx" refType="h"/>
+              <dgm:constr type="l" for="ch" forName="parTx" refType="r" refFor="ch" refForName="spaceRect"/>
+              <dgm:constr type="t" for="ch" forName="parTx"/>
+              <dgm:constr type="h" for="ch" forName="desTx" refType="h"/>
+              <dgm:constr type="l" for="ch" forName="desTx" refType="r" refFor="ch" refForName="parTx"/>
+              <dgm:constr type="t" for="ch" forName="desTx"/>
+            </dgm:constrLst>
+          </dgm:if>
+          <dgm:else name="Name11">
+            <dgm:constrLst>
+              <dgm:constr type="w" for="ch" forName="bgRect" refType="w"/>
+              <dgm:constr type="h" for="ch" forName="bgRect" refType="h"/>
+              <dgm:constr type="l" for="ch" forName="bgRect"/>
+              <dgm:constr type="t" for="ch" forName="bgRect"/>
+              <dgm:constr type="h" for="ch" forName="iconRect" refType="h" fact="0.55"/>
+              <dgm:constr type="w" for="ch" forName="iconRect" refType="h" refFor="ch" refForName="iconRect"/>
+              <dgm:constr type="l" for="ch" forName="iconRect" refType="h" refFor="ch" refForName="iconRect" fact="0.55"/>
+              <dgm:constr type="ctrY" for="ch" forName="iconRect" refType="ctrY" refFor="ch" refForName="bgRect"/>
+              <dgm:constr type="w" for="ch" forName="spaceRect" refType="l" refFor="ch" refForName="iconRect"/>
+              <dgm:constr type="h" for="ch" forName="spaceRect" refType="h"/>
+              <dgm:constr type="l" for="ch" forName="spaceRect" refType="r" refFor="ch" refForName="iconRect"/>
+              <dgm:constr type="t" for="ch" forName="spaceRect"/>
+              <dgm:constr type="h" for="ch" forName="parTx" refType="h"/>
+              <dgm:constr type="l" for="ch" forName="parTx" refType="r" refFor="ch" refForName="spaceRect"/>
+              <dgm:constr type="t" for="ch" forName="parTx"/>
+            </dgm:constrLst>
+          </dgm:else>
+        </dgm:choose>
+        <dgm:ruleLst>
+          <dgm:rule type="h" val="INF" fact="NaN" max="NaN"/>
+        </dgm:ruleLst>
+        <dgm:layoutNode name="bgRect" styleLbl="bgShp">
+          <dgm:alg type="sp"/>
+          <dgm:shape xmlns:r="http://schemas.openxmlformats.org/officeDocument/2006/relationships" type="roundRect" r:blip="">
+            <dgm:adjLst>
+              <dgm:adj idx="1" val="0.1"/>
+            </dgm:adjLst>
+          </dgm:shape>
+          <dgm:presOf/>
+          <dgm:constrLst/>
+          <dgm:ruleLst/>
+        </dgm:layoutNode>
+        <dgm:layoutNode name="iconRect" styleLbl="node1">
+          <dgm:alg type="sp"/>
+          <dgm:shape xmlns:r="http://schemas.openxmlformats.org/officeDocument/2006/relationships" type="rect" r:blip="" blipPhldr="1">
+            <dgm:adjLst/>
+          </dgm:shape>
+          <dgm:presOf/>
+          <dgm:constrLst/>
+          <dgm:ruleLst/>
+        </dgm:layoutNode>
+        <dgm:layoutNode name="spaceRect">
+          <dgm:alg type="sp"/>
+          <dgm:shape xmlns:r="http://schemas.openxmlformats.org/officeDocument/2006/relationships" r:blip="">
+            <dgm:adjLst/>
+          </dgm:shape>
+          <dgm:presOf/>
+          <dgm:constrLst/>
+          <dgm:ruleLst/>
+        </dgm:layoutNode>
+        <dgm:layoutNode name="parTx" styleLbl="revTx">
+          <dgm:varLst>
+            <dgm:chMax val="0"/>
+            <dgm:chPref val="0"/>
+          </dgm:varLst>
+          <dgm:alg type="tx">
+            <dgm:param type="txAnchorVert" val="mid"/>
+            <dgm:param type="parTxLTRAlign" val="l"/>
+            <dgm:param type="shpTxLTRAlignCh" val="l"/>
+            <dgm:param type="parTxRTLAlign" val="r"/>
+            <dgm:param type="shpTxRTLAlignCh" val="r"/>
+          </dgm:alg>
+          <dgm:shape xmlns:r="http://schemas.openxmlformats.org/officeDocument/2006/relationships" type="rect" r:blip="">
+            <dgm:adjLst/>
+          </dgm:shape>
+          <dgm:presOf axis="self" ptType="node"/>
+          <dgm:constrLst>
+            <dgm:constr type="lMarg" refType="h" fact="0.3"/>
+            <dgm:constr type="rMarg" refType="h" fact="0.3"/>
+            <dgm:constr type="tMarg" refType="h" fact="0.3"/>
+            <dgm:constr type="bMarg" refType="h" fact="0.3"/>
+          </dgm:constrLst>
+          <dgm:ruleLst>
+            <dgm:rule type="primFontSz" val="14" fact="NaN" max="NaN"/>
+            <dgm:rule type="h" val="INF" fact="NaN" max="NaN"/>
+          </dgm:ruleLst>
+        </dgm:layoutNode>
+        <dgm:choose name="Name12">
+          <dgm:if name="Name13" axis="ch" ptType="node" func="cnt" op="gte" val="1">
+            <dgm:layoutNode name="desTx" styleLbl="revTx">
+              <dgm:varLst/>
+              <dgm:alg type="tx">
+                <dgm:param type="txAnchorVertCh" val="mid"/>
+                <dgm:param type="parTxLTRAlign" val="l"/>
+                <dgm:param type="shpTxLTRAlignCh" val="l"/>
+                <dgm:param type="parTxRTLAlign" val="r"/>
+                <dgm:param type="shpTxRTLAlignCh" val="r"/>
+                <dgm:param type="stBulletLvl" val="0"/>
+              </dgm:alg>
+              <dgm:shape xmlns:r="http://schemas.openxmlformats.org/officeDocument/2006/relationships" type="rect" r:blip="">
+                <dgm:adjLst/>
+              </dgm:shape>
+              <dgm:presOf axis="des" ptType="node"/>
+              <dgm:constrLst>
+                <dgm:constr type="primFontSz" val="18"/>
+                <dgm:constr type="secFontSz" refType="primFontSz"/>
+                <dgm:constr type="lMarg" refType="h" fact="0.3"/>
+                <dgm:constr type="rMarg" refType="h" fact="0.3"/>
+                <dgm:constr type="tMarg" refType="h" fact="0.3"/>
+                <dgm:constr type="bMarg" refType="h" fact="0.3"/>
+              </dgm:constrLst>
+              <dgm:ruleLst>
+                <dgm:rule type="primFontSz" val="11" fact="NaN" max="NaN"/>
+              </dgm:ruleLst>
+            </dgm:layoutNode>
+          </dgm:if>
+          <dgm:else name="Name14"/>
+        </dgm:choose>
+      </dgm:layoutNode>
+      <dgm:forEach name="Name15" axis="followSib" ptType="sibTrans" cnt="1">
+        <dgm:layoutNode name="sibTrans">
+          <dgm:alg type="sp"/>
+          <dgm:shape xmlns:r="http://schemas.openxmlformats.org/officeDocument/2006/relationships" r:blip="">
+            <dgm:adjLst/>
+          </dgm:shape>
+          <dgm:presOf axis="self"/>
+          <dgm:constrLst/>
+          <dgm:ruleLst/>
+        </dgm:layoutNode>
+      </dgm:forEach>
+    </dgm:forEach>
+  </dgm:layoutNode>
+  <dgm:extLst>
+    <a:ext uri="{68A01E43-0DF5-4B5B-8FA6-DAF915123BFB}">
+      <dgm1612:lstStyle xmlns:dgm1612="http://schemas.microsoft.com/office/drawing/2016/12/diagram">
+        <a:lvl1pPr>
+          <a:lnSpc>
+            <a:spcPct val="100000"/>
+          </a:lnSpc>
+        </a:lvl1pPr>
+        <a:lvl2pPr>
+          <a:lnSpc>
+            <a:spcPct val="100000"/>
+          </a:lnSpc>
+        </a:lvl2pPr>
+      </dgm1612:lstStyle>
+    </a:ext>
+  </dgm:extLst>
+</dgm:layoutDef>
+</file>
+
+<file path=ppt/diagrams/layout2.xml><?xml version="1.0" encoding="utf-8"?>
 <dgm:layoutDef xmlns:dgm="http://schemas.openxmlformats.org/drawingml/2006/diagram" xmlns:a="http://schemas.openxmlformats.org/drawingml/2006/main" uniqueId="urn:microsoft.com/office/officeart/2018/2/layout/IconVerticalSolidList">
   <dgm:title val="Icon Vertical Solid List"/>
   <dgm:desc val="Use to show a series of visuals from top to bottom with Level 1 or Level 1 and Level 2 text grouped in a shape. Works best with icons or small pictures with lengthier descriptions."/>
@@ -3265,6 +5380,1040 @@
 </dgm:styleDef>
 </file>
 
+<file path=ppt/diagrams/quickStyle2.xml><?xml version="1.0" encoding="utf-8"?>
+<dgm:styleDef xmlns:dgm="http://schemas.openxmlformats.org/drawingml/2006/diagram" xmlns:a="http://schemas.openxmlformats.org/drawingml/2006/main" uniqueId="urn:microsoft.com/office/officeart/2005/8/quickstyle/simple1">
+  <dgm:title val=""/>
+  <dgm:desc val=""/>
+  <dgm:catLst>
+    <dgm:cat type="simple" pri="10100"/>
+  </dgm:catLst>
+  <dgm:scene3d>
+    <a:camera prst="orthographicFront"/>
+    <a:lightRig rig="threePt" dir="t"/>
+  </dgm:scene3d>
+  <dgm:styleLbl name="node0">
+    <dgm:scene3d>
+      <a:camera prst="orthographicFront"/>
+      <a:lightRig rig="threePt" dir="t"/>
+    </dgm:scene3d>
+    <dgm:sp3d/>
+    <dgm:txPr/>
+    <dgm:style>
+      <a:lnRef idx="2">
+        <a:scrgbClr r="0" g="0" b="0"/>
+      </a:lnRef>
+      <a:fillRef idx="1">
+        <a:scrgbClr r="0" g="0" b="0"/>
+      </a:fillRef>
+      <a:effectRef idx="0">
+        <a:scrgbClr r="0" g="0" b="0"/>
+      </a:effectRef>
+      <a:fontRef idx="minor">
+        <a:schemeClr val="lt1"/>
+      </a:fontRef>
+    </dgm:style>
+  </dgm:styleLbl>
+  <dgm:styleLbl name="lnNode1">
+    <dgm:scene3d>
+      <a:camera prst="orthographicFront"/>
+      <a:lightRig rig="threePt" dir="t"/>
+    </dgm:scene3d>
+    <dgm:sp3d/>
+    <dgm:txPr/>
+    <dgm:style>
+      <a:lnRef idx="2">
+        <a:scrgbClr r="0" g="0" b="0"/>
+      </a:lnRef>
+      <a:fillRef idx="1">
+        <a:scrgbClr r="0" g="0" b="0"/>
+      </a:fillRef>
+      <a:effectRef idx="0">
+        <a:scrgbClr r="0" g="0" b="0"/>
+      </a:effectRef>
+      <a:fontRef idx="minor">
+        <a:schemeClr val="lt1"/>
+      </a:fontRef>
+    </dgm:style>
+  </dgm:styleLbl>
+  <dgm:styleLbl name="vennNode1">
+    <dgm:scene3d>
+      <a:camera prst="orthographicFront"/>
+      <a:lightRig rig="threePt" dir="t"/>
+    </dgm:scene3d>
+    <dgm:sp3d/>
+    <dgm:txPr/>
+    <dgm:style>
+      <a:lnRef idx="2">
+        <a:scrgbClr r="0" g="0" b="0"/>
+      </a:lnRef>
+      <a:fillRef idx="1">
+        <a:scrgbClr r="0" g="0" b="0"/>
+      </a:fillRef>
+      <a:effectRef idx="0">
+        <a:scrgbClr r="0" g="0" b="0"/>
+      </a:effectRef>
+      <a:fontRef idx="minor">
+        <a:schemeClr val="tx1"/>
+      </a:fontRef>
+    </dgm:style>
+  </dgm:styleLbl>
+  <dgm:styleLbl name="alignNode1">
+    <dgm:scene3d>
+      <a:camera prst="orthographicFront"/>
+      <a:lightRig rig="threePt" dir="t"/>
+    </dgm:scene3d>
+    <dgm:sp3d/>
+    <dgm:txPr/>
+    <dgm:style>
+      <a:lnRef idx="2">
+        <a:scrgbClr r="0" g="0" b="0"/>
+      </a:lnRef>
+      <a:fillRef idx="1">
+        <a:scrgbClr r="0" g="0" b="0"/>
+      </a:fillRef>
+      <a:effectRef idx="0">
+        <a:scrgbClr r="0" g="0" b="0"/>
+      </a:effectRef>
+      <a:fontRef idx="minor">
+        <a:schemeClr val="lt1"/>
+      </a:fontRef>
+    </dgm:style>
+  </dgm:styleLbl>
+  <dgm:styleLbl name="node1">
+    <dgm:scene3d>
+      <a:camera prst="orthographicFront"/>
+      <a:lightRig rig="threePt" dir="t"/>
+    </dgm:scene3d>
+    <dgm:sp3d/>
+    <dgm:txPr/>
+    <dgm:style>
+      <a:lnRef idx="2">
+        <a:scrgbClr r="0" g="0" b="0"/>
+      </a:lnRef>
+      <a:fillRef idx="1">
+        <a:scrgbClr r="0" g="0" b="0"/>
+      </a:fillRef>
+      <a:effectRef idx="0">
+        <a:scrgbClr r="0" g="0" b="0"/>
+      </a:effectRef>
+      <a:fontRef idx="minor">
+        <a:schemeClr val="lt1"/>
+      </a:fontRef>
+    </dgm:style>
+  </dgm:styleLbl>
+  <dgm:styleLbl name="node2">
+    <dgm:scene3d>
+      <a:camera prst="orthographicFront"/>
+      <a:lightRig rig="threePt" dir="t"/>
+    </dgm:scene3d>
+    <dgm:sp3d/>
+    <dgm:txPr/>
+    <dgm:style>
+      <a:lnRef idx="2">
+        <a:scrgbClr r="0" g="0" b="0"/>
+      </a:lnRef>
+      <a:fillRef idx="1">
+        <a:scrgbClr r="0" g="0" b="0"/>
+      </a:fillRef>
+      <a:effectRef idx="0">
+        <a:scrgbClr r="0" g="0" b="0"/>
+      </a:effectRef>
+      <a:fontRef idx="minor">
+        <a:schemeClr val="lt1"/>
+      </a:fontRef>
+    </dgm:style>
+  </dgm:styleLbl>
+  <dgm:styleLbl name="node3">
+    <dgm:scene3d>
+      <a:camera prst="orthographicFront"/>
+      <a:lightRig rig="threePt" dir="t"/>
+    </dgm:scene3d>
+    <dgm:sp3d/>
+    <dgm:txPr/>
+    <dgm:style>
+      <a:lnRef idx="2">
+        <a:scrgbClr r="0" g="0" b="0"/>
+      </a:lnRef>
+      <a:fillRef idx="1">
+        <a:scrgbClr r="0" g="0" b="0"/>
+      </a:fillRef>
+      <a:effectRef idx="0">
+        <a:scrgbClr r="0" g="0" b="0"/>
+      </a:effectRef>
+      <a:fontRef idx="minor">
+        <a:schemeClr val="lt1"/>
+      </a:fontRef>
+    </dgm:style>
+  </dgm:styleLbl>
+  <dgm:styleLbl name="node4">
+    <dgm:scene3d>
+      <a:camera prst="orthographicFront"/>
+      <a:lightRig rig="threePt" dir="t"/>
+    </dgm:scene3d>
+    <dgm:sp3d/>
+    <dgm:txPr/>
+    <dgm:style>
+      <a:lnRef idx="2">
+        <a:scrgbClr r="0" g="0" b="0"/>
+      </a:lnRef>
+      <a:fillRef idx="1">
+        <a:scrgbClr r="0" g="0" b="0"/>
+      </a:fillRef>
+      <a:effectRef idx="0">
+        <a:scrgbClr r="0" g="0" b="0"/>
+      </a:effectRef>
+      <a:fontRef idx="minor">
+        <a:schemeClr val="lt1"/>
+      </a:fontRef>
+    </dgm:style>
+  </dgm:styleLbl>
+  <dgm:styleLbl name="fgImgPlace1">
+    <dgm:scene3d>
+      <a:camera prst="orthographicFront"/>
+      <a:lightRig rig="threePt" dir="t"/>
+    </dgm:scene3d>
+    <dgm:sp3d/>
+    <dgm:txPr/>
+    <dgm:style>
+      <a:lnRef idx="2">
+        <a:scrgbClr r="0" g="0" b="0"/>
+      </a:lnRef>
+      <a:fillRef idx="1">
+        <a:scrgbClr r="0" g="0" b="0"/>
+      </a:fillRef>
+      <a:effectRef idx="0">
+        <a:scrgbClr r="0" g="0" b="0"/>
+      </a:effectRef>
+      <a:fontRef idx="minor"/>
+    </dgm:style>
+  </dgm:styleLbl>
+  <dgm:styleLbl name="alignImgPlace1">
+    <dgm:scene3d>
+      <a:camera prst="orthographicFront"/>
+      <a:lightRig rig="threePt" dir="t"/>
+    </dgm:scene3d>
+    <dgm:sp3d/>
+    <dgm:txPr/>
+    <dgm:style>
+      <a:lnRef idx="2">
+        <a:scrgbClr r="0" g="0" b="0"/>
+      </a:lnRef>
+      <a:fillRef idx="1">
+        <a:scrgbClr r="0" g="0" b="0"/>
+      </a:fillRef>
+      <a:effectRef idx="0">
+        <a:scrgbClr r="0" g="0" b="0"/>
+      </a:effectRef>
+      <a:fontRef idx="minor"/>
+    </dgm:style>
+  </dgm:styleLbl>
+  <dgm:styleLbl name="bgImgPlace1">
+    <dgm:scene3d>
+      <a:camera prst="orthographicFront"/>
+      <a:lightRig rig="threePt" dir="t"/>
+    </dgm:scene3d>
+    <dgm:sp3d/>
+    <dgm:txPr/>
+    <dgm:style>
+      <a:lnRef idx="2">
+        <a:scrgbClr r="0" g="0" b="0"/>
+      </a:lnRef>
+      <a:fillRef idx="1">
+        <a:scrgbClr r="0" g="0" b="0"/>
+      </a:fillRef>
+      <a:effectRef idx="0">
+        <a:scrgbClr r="0" g="0" b="0"/>
+      </a:effectRef>
+      <a:fontRef idx="minor"/>
+    </dgm:style>
+  </dgm:styleLbl>
+  <dgm:styleLbl name="sibTrans2D1">
+    <dgm:scene3d>
+      <a:camera prst="orthographicFront"/>
+      <a:lightRig rig="threePt" dir="t"/>
+    </dgm:scene3d>
+    <dgm:sp3d/>
+    <dgm:txPr/>
+    <dgm:style>
+      <a:lnRef idx="0">
+        <a:scrgbClr r="0" g="0" b="0"/>
+      </a:lnRef>
+      <a:fillRef idx="1">
+        <a:scrgbClr r="0" g="0" b="0"/>
+      </a:fillRef>
+      <a:effectRef idx="0">
+        <a:scrgbClr r="0" g="0" b="0"/>
+      </a:effectRef>
+      <a:fontRef idx="minor">
+        <a:schemeClr val="lt1"/>
+      </a:fontRef>
+    </dgm:style>
+  </dgm:styleLbl>
+  <dgm:styleLbl name="fgSibTrans2D1">
+    <dgm:scene3d>
+      <a:camera prst="orthographicFront"/>
+      <a:lightRig rig="threePt" dir="t"/>
+    </dgm:scene3d>
+    <dgm:sp3d/>
+    <dgm:txPr/>
+    <dgm:style>
+      <a:lnRef idx="0">
+        <a:scrgbClr r="0" g="0" b="0"/>
+      </a:lnRef>
+      <a:fillRef idx="1">
+        <a:scrgbClr r="0" g="0" b="0"/>
+      </a:fillRef>
+      <a:effectRef idx="0">
+        <a:scrgbClr r="0" g="0" b="0"/>
+      </a:effectRef>
+      <a:fontRef idx="minor">
+        <a:schemeClr val="lt1"/>
+      </a:fontRef>
+    </dgm:style>
+  </dgm:styleLbl>
+  <dgm:styleLbl name="bgSibTrans2D1">
+    <dgm:scene3d>
+      <a:camera prst="orthographicFront"/>
+      <a:lightRig rig="threePt" dir="t"/>
+    </dgm:scene3d>
+    <dgm:sp3d/>
+    <dgm:txPr/>
+    <dgm:style>
+      <a:lnRef idx="0">
+        <a:scrgbClr r="0" g="0" b="0"/>
+      </a:lnRef>
+      <a:fillRef idx="1">
+        <a:scrgbClr r="0" g="0" b="0"/>
+      </a:fillRef>
+      <a:effectRef idx="0">
+        <a:scrgbClr r="0" g="0" b="0"/>
+      </a:effectRef>
+      <a:fontRef idx="minor">
+        <a:schemeClr val="lt1"/>
+      </a:fontRef>
+    </dgm:style>
+  </dgm:styleLbl>
+  <dgm:styleLbl name="sibTrans1D1">
+    <dgm:scene3d>
+      <a:camera prst="orthographicFront"/>
+      <a:lightRig rig="threePt" dir="t"/>
+    </dgm:scene3d>
+    <dgm:sp3d/>
+    <dgm:txPr/>
+    <dgm:style>
+      <a:lnRef idx="1">
+        <a:scrgbClr r="0" g="0" b="0"/>
+      </a:lnRef>
+      <a:fillRef idx="0">
+        <a:scrgbClr r="0" g="0" b="0"/>
+      </a:fillRef>
+      <a:effectRef idx="0">
+        <a:scrgbClr r="0" g="0" b="0"/>
+      </a:effectRef>
+      <a:fontRef idx="minor"/>
+    </dgm:style>
+  </dgm:styleLbl>
+  <dgm:styleLbl name="callout">
+    <dgm:scene3d>
+      <a:camera prst="orthographicFront"/>
+      <a:lightRig rig="threePt" dir="t"/>
+    </dgm:scene3d>
+    <dgm:sp3d/>
+    <dgm:txPr/>
+    <dgm:style>
+      <a:lnRef idx="2">
+        <a:scrgbClr r="0" g="0" b="0"/>
+      </a:lnRef>
+      <a:fillRef idx="1">
+        <a:scrgbClr r="0" g="0" b="0"/>
+      </a:fillRef>
+      <a:effectRef idx="0">
+        <a:scrgbClr r="0" g="0" b="0"/>
+      </a:effectRef>
+      <a:fontRef idx="minor"/>
+    </dgm:style>
+  </dgm:styleLbl>
+  <dgm:styleLbl name="asst0">
+    <dgm:scene3d>
+      <a:camera prst="orthographicFront"/>
+      <a:lightRig rig="threePt" dir="t"/>
+    </dgm:scene3d>
+    <dgm:sp3d/>
+    <dgm:txPr/>
+    <dgm:style>
+      <a:lnRef idx="2">
+        <a:scrgbClr r="0" g="0" b="0"/>
+      </a:lnRef>
+      <a:fillRef idx="1">
+        <a:scrgbClr r="0" g="0" b="0"/>
+      </a:fillRef>
+      <a:effectRef idx="0">
+        <a:scrgbClr r="0" g="0" b="0"/>
+      </a:effectRef>
+      <a:fontRef idx="minor">
+        <a:schemeClr val="lt1"/>
+      </a:fontRef>
+    </dgm:style>
+  </dgm:styleLbl>
+  <dgm:styleLbl name="asst1">
+    <dgm:scene3d>
+      <a:camera prst="orthographicFront"/>
+      <a:lightRig rig="threePt" dir="t"/>
+    </dgm:scene3d>
+    <dgm:sp3d/>
+    <dgm:txPr/>
+    <dgm:style>
+      <a:lnRef idx="2">
+        <a:scrgbClr r="0" g="0" b="0"/>
+      </a:lnRef>
+      <a:fillRef idx="1">
+        <a:scrgbClr r="0" g="0" b="0"/>
+      </a:fillRef>
+      <a:effectRef idx="0">
+        <a:scrgbClr r="0" g="0" b="0"/>
+      </a:effectRef>
+      <a:fontRef idx="minor">
+        <a:schemeClr val="lt1"/>
+      </a:fontRef>
+    </dgm:style>
+  </dgm:styleLbl>
+  <dgm:styleLbl name="asst2">
+    <dgm:scene3d>
+      <a:camera prst="orthographicFront"/>
+      <a:lightRig rig="threePt" dir="t"/>
+    </dgm:scene3d>
+    <dgm:sp3d/>
+    <dgm:txPr/>
+    <dgm:style>
+      <a:lnRef idx="2">
+        <a:scrgbClr r="0" g="0" b="0"/>
+      </a:lnRef>
+      <a:fillRef idx="1">
+        <a:scrgbClr r="0" g="0" b="0"/>
+      </a:fillRef>
+      <a:effectRef idx="0">
+        <a:scrgbClr r="0" g="0" b="0"/>
+      </a:effectRef>
+      <a:fontRef idx="minor">
+        <a:schemeClr val="lt1"/>
+      </a:fontRef>
+    </dgm:style>
+  </dgm:styleLbl>
+  <dgm:styleLbl name="asst3">
+    <dgm:scene3d>
+      <a:camera prst="orthographicFront"/>
+      <a:lightRig rig="threePt" dir="t"/>
+    </dgm:scene3d>
+    <dgm:sp3d/>
+    <dgm:txPr/>
+    <dgm:style>
+      <a:lnRef idx="2">
+        <a:scrgbClr r="0" g="0" b="0"/>
+      </a:lnRef>
+      <a:fillRef idx="1">
+        <a:scrgbClr r="0" g="0" b="0"/>
+      </a:fillRef>
+      <a:effectRef idx="0">
+        <a:scrgbClr r="0" g="0" b="0"/>
+      </a:effectRef>
+      <a:fontRef idx="minor">
+        <a:schemeClr val="lt1"/>
+      </a:fontRef>
+    </dgm:style>
+  </dgm:styleLbl>
+  <dgm:styleLbl name="asst4">
+    <dgm:scene3d>
+      <a:camera prst="orthographicFront"/>
+      <a:lightRig rig="threePt" dir="t"/>
+    </dgm:scene3d>
+    <dgm:sp3d/>
+    <dgm:txPr/>
+    <dgm:style>
+      <a:lnRef idx="2">
+        <a:scrgbClr r="0" g="0" b="0"/>
+      </a:lnRef>
+      <a:fillRef idx="1">
+        <a:scrgbClr r="0" g="0" b="0"/>
+      </a:fillRef>
+      <a:effectRef idx="0">
+        <a:scrgbClr r="0" g="0" b="0"/>
+      </a:effectRef>
+      <a:fontRef idx="minor">
+        <a:schemeClr val="lt1"/>
+      </a:fontRef>
+    </dgm:style>
+  </dgm:styleLbl>
+  <dgm:styleLbl name="parChTrans2D1">
+    <dgm:scene3d>
+      <a:camera prst="orthographicFront"/>
+      <a:lightRig rig="threePt" dir="t"/>
+    </dgm:scene3d>
+    <dgm:sp3d/>
+    <dgm:txPr/>
+    <dgm:style>
+      <a:lnRef idx="2">
+        <a:scrgbClr r="0" g="0" b="0"/>
+      </a:lnRef>
+      <a:fillRef idx="1">
+        <a:scrgbClr r="0" g="0" b="0"/>
+      </a:fillRef>
+      <a:effectRef idx="0">
+        <a:scrgbClr r="0" g="0" b="0"/>
+      </a:effectRef>
+      <a:fontRef idx="minor">
+        <a:schemeClr val="lt1"/>
+      </a:fontRef>
+    </dgm:style>
+  </dgm:styleLbl>
+  <dgm:styleLbl name="parChTrans2D2">
+    <dgm:scene3d>
+      <a:camera prst="orthographicFront"/>
+      <a:lightRig rig="threePt" dir="t"/>
+    </dgm:scene3d>
+    <dgm:sp3d/>
+    <dgm:txPr/>
+    <dgm:style>
+      <a:lnRef idx="2">
+        <a:scrgbClr r="0" g="0" b="0"/>
+      </a:lnRef>
+      <a:fillRef idx="1">
+        <a:scrgbClr r="0" g="0" b="0"/>
+      </a:fillRef>
+      <a:effectRef idx="0">
+        <a:scrgbClr r="0" g="0" b="0"/>
+      </a:effectRef>
+      <a:fontRef idx="minor">
+        <a:schemeClr val="lt1"/>
+      </a:fontRef>
+    </dgm:style>
+  </dgm:styleLbl>
+  <dgm:styleLbl name="parChTrans2D3">
+    <dgm:scene3d>
+      <a:camera prst="orthographicFront"/>
+      <a:lightRig rig="threePt" dir="t"/>
+    </dgm:scene3d>
+    <dgm:sp3d/>
+    <dgm:txPr/>
+    <dgm:style>
+      <a:lnRef idx="2">
+        <a:scrgbClr r="0" g="0" b="0"/>
+      </a:lnRef>
+      <a:fillRef idx="1">
+        <a:scrgbClr r="0" g="0" b="0"/>
+      </a:fillRef>
+      <a:effectRef idx="0">
+        <a:scrgbClr r="0" g="0" b="0"/>
+      </a:effectRef>
+      <a:fontRef idx="minor">
+        <a:schemeClr val="lt1"/>
+      </a:fontRef>
+    </dgm:style>
+  </dgm:styleLbl>
+  <dgm:styleLbl name="parChTrans2D4">
+    <dgm:scene3d>
+      <a:camera prst="orthographicFront"/>
+      <a:lightRig rig="threePt" dir="t"/>
+    </dgm:scene3d>
+    <dgm:sp3d/>
+    <dgm:txPr/>
+    <dgm:style>
+      <a:lnRef idx="2">
+        <a:scrgbClr r="0" g="0" b="0"/>
+      </a:lnRef>
+      <a:fillRef idx="1">
+        <a:scrgbClr r="0" g="0" b="0"/>
+      </a:fillRef>
+      <a:effectRef idx="0">
+        <a:scrgbClr r="0" g="0" b="0"/>
+      </a:effectRef>
+      <a:fontRef idx="minor">
+        <a:schemeClr val="lt1"/>
+      </a:fontRef>
+    </dgm:style>
+  </dgm:styleLbl>
+  <dgm:styleLbl name="parChTrans1D1">
+    <dgm:scene3d>
+      <a:camera prst="orthographicFront"/>
+      <a:lightRig rig="threePt" dir="t"/>
+    </dgm:scene3d>
+    <dgm:sp3d/>
+    <dgm:txPr/>
+    <dgm:style>
+      <a:lnRef idx="2">
+        <a:scrgbClr r="0" g="0" b="0"/>
+      </a:lnRef>
+      <a:fillRef idx="0">
+        <a:scrgbClr r="0" g="0" b="0"/>
+      </a:fillRef>
+      <a:effectRef idx="0">
+        <a:scrgbClr r="0" g="0" b="0"/>
+      </a:effectRef>
+      <a:fontRef idx="minor"/>
+    </dgm:style>
+  </dgm:styleLbl>
+  <dgm:styleLbl name="parChTrans1D2">
+    <dgm:scene3d>
+      <a:camera prst="orthographicFront"/>
+      <a:lightRig rig="threePt" dir="t"/>
+    </dgm:scene3d>
+    <dgm:sp3d/>
+    <dgm:txPr/>
+    <dgm:style>
+      <a:lnRef idx="2">
+        <a:scrgbClr r="0" g="0" b="0"/>
+      </a:lnRef>
+      <a:fillRef idx="0">
+        <a:scrgbClr r="0" g="0" b="0"/>
+      </a:fillRef>
+      <a:effectRef idx="0">
+        <a:scrgbClr r="0" g="0" b="0"/>
+      </a:effectRef>
+      <a:fontRef idx="minor"/>
+    </dgm:style>
+  </dgm:styleLbl>
+  <dgm:styleLbl name="parChTrans1D3">
+    <dgm:scene3d>
+      <a:camera prst="orthographicFront"/>
+      <a:lightRig rig="threePt" dir="t"/>
+    </dgm:scene3d>
+    <dgm:sp3d/>
+    <dgm:txPr/>
+    <dgm:style>
+      <a:lnRef idx="2">
+        <a:scrgbClr r="0" g="0" b="0"/>
+      </a:lnRef>
+      <a:fillRef idx="0">
+        <a:scrgbClr r="0" g="0" b="0"/>
+      </a:fillRef>
+      <a:effectRef idx="0">
+        <a:scrgbClr r="0" g="0" b="0"/>
+      </a:effectRef>
+      <a:fontRef idx="minor"/>
+    </dgm:style>
+  </dgm:styleLbl>
+  <dgm:styleLbl name="parChTrans1D4">
+    <dgm:scene3d>
+      <a:camera prst="orthographicFront"/>
+      <a:lightRig rig="threePt" dir="t"/>
+    </dgm:scene3d>
+    <dgm:sp3d/>
+    <dgm:txPr/>
+    <dgm:style>
+      <a:lnRef idx="2">
+        <a:scrgbClr r="0" g="0" b="0"/>
+      </a:lnRef>
+      <a:fillRef idx="0">
+        <a:scrgbClr r="0" g="0" b="0"/>
+      </a:fillRef>
+      <a:effectRef idx="0">
+        <a:scrgbClr r="0" g="0" b="0"/>
+      </a:effectRef>
+      <a:fontRef idx="minor"/>
+    </dgm:style>
+  </dgm:styleLbl>
+  <dgm:styleLbl name="fgAcc1">
+    <dgm:scene3d>
+      <a:camera prst="orthographicFront"/>
+      <a:lightRig rig="threePt" dir="t"/>
+    </dgm:scene3d>
+    <dgm:sp3d/>
+    <dgm:txPr/>
+    <dgm:style>
+      <a:lnRef idx="2">
+        <a:scrgbClr r="0" g="0" b="0"/>
+      </a:lnRef>
+      <a:fillRef idx="1">
+        <a:scrgbClr r="0" g="0" b="0"/>
+      </a:fillRef>
+      <a:effectRef idx="0">
+        <a:scrgbClr r="0" g="0" b="0"/>
+      </a:effectRef>
+      <a:fontRef idx="minor"/>
+    </dgm:style>
+  </dgm:styleLbl>
+  <dgm:styleLbl name="conFgAcc1">
+    <dgm:scene3d>
+      <a:camera prst="orthographicFront"/>
+      <a:lightRig rig="threePt" dir="t"/>
+    </dgm:scene3d>
+    <dgm:sp3d/>
+    <dgm:txPr/>
+    <dgm:style>
+      <a:lnRef idx="2">
+        <a:scrgbClr r="0" g="0" b="0"/>
+      </a:lnRef>
+      <a:fillRef idx="1">
+        <a:scrgbClr r="0" g="0" b="0"/>
+      </a:fillRef>
+      <a:effectRef idx="0">
+        <a:scrgbClr r="0" g="0" b="0"/>
+      </a:effectRef>
+      <a:fontRef idx="minor"/>
+    </dgm:style>
+  </dgm:styleLbl>
+  <dgm:styleLbl name="alignAcc1">
+    <dgm:scene3d>
+      <a:camera prst="orthographicFront"/>
+      <a:lightRig rig="threePt" dir="t"/>
+    </dgm:scene3d>
+    <dgm:sp3d/>
+    <dgm:txPr/>
+    <dgm:style>
+      <a:lnRef idx="2">
+        <a:scrgbClr r="0" g="0" b="0"/>
+      </a:lnRef>
+      <a:fillRef idx="1">
+        <a:scrgbClr r="0" g="0" b="0"/>
+      </a:fillRef>
+      <a:effectRef idx="0">
+        <a:scrgbClr r="0" g="0" b="0"/>
+      </a:effectRef>
+      <a:fontRef idx="minor"/>
+    </dgm:style>
+  </dgm:styleLbl>
+  <dgm:styleLbl name="trAlignAcc1">
+    <dgm:scene3d>
+      <a:camera prst="orthographicFront"/>
+      <a:lightRig rig="threePt" dir="t"/>
+    </dgm:scene3d>
+    <dgm:sp3d/>
+    <dgm:txPr/>
+    <dgm:style>
+      <a:lnRef idx="1">
+        <a:scrgbClr r="0" g="0" b="0"/>
+      </a:lnRef>
+      <a:fillRef idx="1">
+        <a:scrgbClr r="0" g="0" b="0"/>
+      </a:fillRef>
+      <a:effectRef idx="0">
+        <a:scrgbClr r="0" g="0" b="0"/>
+      </a:effectRef>
+      <a:fontRef idx="minor"/>
+    </dgm:style>
+  </dgm:styleLbl>
+  <dgm:styleLbl name="bgAcc1">
+    <dgm:scene3d>
+      <a:camera prst="orthographicFront"/>
+      <a:lightRig rig="threePt" dir="t"/>
+    </dgm:scene3d>
+    <dgm:sp3d/>
+    <dgm:txPr/>
+    <dgm:style>
+      <a:lnRef idx="2">
+        <a:scrgbClr r="0" g="0" b="0"/>
+      </a:lnRef>
+      <a:fillRef idx="1">
+        <a:scrgbClr r="0" g="0" b="0"/>
+      </a:fillRef>
+      <a:effectRef idx="0">
+        <a:scrgbClr r="0" g="0" b="0"/>
+      </a:effectRef>
+      <a:fontRef idx="minor"/>
+    </dgm:style>
+  </dgm:styleLbl>
+  <dgm:styleLbl name="solidFgAcc1">
+    <dgm:scene3d>
+      <a:camera prst="orthographicFront"/>
+      <a:lightRig rig="threePt" dir="t"/>
+    </dgm:scene3d>
+    <dgm:sp3d/>
+    <dgm:txPr/>
+    <dgm:style>
+      <a:lnRef idx="2">
+        <a:scrgbClr r="0" g="0" b="0"/>
+      </a:lnRef>
+      <a:fillRef idx="1">
+        <a:scrgbClr r="0" g="0" b="0"/>
+      </a:fillRef>
+      <a:effectRef idx="0">
+        <a:scrgbClr r="0" g="0" b="0"/>
+      </a:effectRef>
+      <a:fontRef idx="minor"/>
+    </dgm:style>
+  </dgm:styleLbl>
+  <dgm:styleLbl name="solidAlignAcc1">
+    <dgm:scene3d>
+      <a:camera prst="orthographicFront"/>
+      <a:lightRig rig="threePt" dir="t"/>
+    </dgm:scene3d>
+    <dgm:sp3d/>
+    <dgm:txPr/>
+    <dgm:style>
+      <a:lnRef idx="2">
+        <a:scrgbClr r="0" g="0" b="0"/>
+      </a:lnRef>
+      <a:fillRef idx="1">
+        <a:scrgbClr r="0" g="0" b="0"/>
+      </a:fillRef>
+      <a:effectRef idx="0">
+        <a:scrgbClr r="0" g="0" b="0"/>
+      </a:effectRef>
+      <a:fontRef idx="minor"/>
+    </dgm:style>
+  </dgm:styleLbl>
+  <dgm:styleLbl name="solidBgAcc1">
+    <dgm:scene3d>
+      <a:camera prst="orthographicFront"/>
+      <a:lightRig rig="threePt" dir="t"/>
+    </dgm:scene3d>
+    <dgm:sp3d/>
+    <dgm:txPr/>
+    <dgm:style>
+      <a:lnRef idx="2">
+        <a:scrgbClr r="0" g="0" b="0"/>
+      </a:lnRef>
+      <a:fillRef idx="1">
+        <a:scrgbClr r="0" g="0" b="0"/>
+      </a:fillRef>
+      <a:effectRef idx="0">
+        <a:scrgbClr r="0" g="0" b="0"/>
+      </a:effectRef>
+      <a:fontRef idx="minor"/>
+    </dgm:style>
+  </dgm:styleLbl>
+  <dgm:styleLbl name="fgAccFollowNode1">
+    <dgm:scene3d>
+      <a:camera prst="orthographicFront"/>
+      <a:lightRig rig="threePt" dir="t"/>
+    </dgm:scene3d>
+    <dgm:sp3d/>
+    <dgm:txPr/>
+    <dgm:style>
+      <a:lnRef idx="2">
+        <a:scrgbClr r="0" g="0" b="0"/>
+      </a:lnRef>
+      <a:fillRef idx="1">
+        <a:scrgbClr r="0" g="0" b="0"/>
+      </a:fillRef>
+      <a:effectRef idx="0">
+        <a:scrgbClr r="0" g="0" b="0"/>
+      </a:effectRef>
+      <a:fontRef idx="minor"/>
+    </dgm:style>
+  </dgm:styleLbl>
+  <dgm:styleLbl name="alignAccFollowNode1">
+    <dgm:scene3d>
+      <a:camera prst="orthographicFront"/>
+      <a:lightRig rig="threePt" dir="t"/>
+    </dgm:scene3d>
+    <dgm:sp3d/>
+    <dgm:txPr/>
+    <dgm:style>
+      <a:lnRef idx="2">
+        <a:scrgbClr r="0" g="0" b="0"/>
+      </a:lnRef>
+      <a:fillRef idx="1">
+        <a:scrgbClr r="0" g="0" b="0"/>
+      </a:fillRef>
+      <a:effectRef idx="0">
+        <a:scrgbClr r="0" g="0" b="0"/>
+      </a:effectRef>
+      <a:fontRef idx="minor"/>
+    </dgm:style>
+  </dgm:styleLbl>
+  <dgm:styleLbl name="bgAccFollowNode1">
+    <dgm:scene3d>
+      <a:camera prst="orthographicFront"/>
+      <a:lightRig rig="threePt" dir="t"/>
+    </dgm:scene3d>
+    <dgm:sp3d/>
+    <dgm:txPr/>
+    <dgm:style>
+      <a:lnRef idx="2">
+        <a:scrgbClr r="0" g="0" b="0"/>
+      </a:lnRef>
+      <a:fillRef idx="1">
+        <a:scrgbClr r="0" g="0" b="0"/>
+      </a:fillRef>
+      <a:effectRef idx="0">
+        <a:scrgbClr r="0" g="0" b="0"/>
+      </a:effectRef>
+      <a:fontRef idx="minor"/>
+    </dgm:style>
+  </dgm:styleLbl>
+  <dgm:styleLbl name="fgAcc0">
+    <dgm:scene3d>
+      <a:camera prst="orthographicFront"/>
+      <a:lightRig rig="threePt" dir="t"/>
+    </dgm:scene3d>
+    <dgm:sp3d/>
+    <dgm:txPr/>
+    <dgm:style>
+      <a:lnRef idx="2">
+        <a:scrgbClr r="0" g="0" b="0"/>
+      </a:lnRef>
+      <a:fillRef idx="1">
+        <a:scrgbClr r="0" g="0" b="0"/>
+      </a:fillRef>
+      <a:effectRef idx="0">
+        <a:scrgbClr r="0" g="0" b="0"/>
+      </a:effectRef>
+      <a:fontRef idx="minor"/>
+    </dgm:style>
+  </dgm:styleLbl>
+  <dgm:styleLbl name="fgAcc2">
+    <dgm:scene3d>
+      <a:camera prst="orthographicFront"/>
+      <a:lightRig rig="threePt" dir="t"/>
+    </dgm:scene3d>
+    <dgm:sp3d/>
+    <dgm:txPr/>
+    <dgm:style>
+      <a:lnRef idx="2">
+        <a:scrgbClr r="0" g="0" b="0"/>
+      </a:lnRef>
+      <a:fillRef idx="1">
+        <a:scrgbClr r="0" g="0" b="0"/>
+      </a:fillRef>
+      <a:effectRef idx="0">
+        <a:scrgbClr r="0" g="0" b="0"/>
+      </a:effectRef>
+      <a:fontRef idx="minor"/>
+    </dgm:style>
+  </dgm:styleLbl>
+  <dgm:styleLbl name="fgAcc3">
+    <dgm:scene3d>
+      <a:camera prst="orthographicFront"/>
+      <a:lightRig rig="threePt" dir="t"/>
+    </dgm:scene3d>
+    <dgm:sp3d/>
+    <dgm:txPr/>
+    <dgm:style>
+      <a:lnRef idx="2">
+        <a:scrgbClr r="0" g="0" b="0"/>
+      </a:lnRef>
+      <a:fillRef idx="1">
+        <a:scrgbClr r="0" g="0" b="0"/>
+      </a:fillRef>
+      <a:effectRef idx="0">
+        <a:scrgbClr r="0" g="0" b="0"/>
+      </a:effectRef>
+      <a:fontRef idx="minor"/>
+    </dgm:style>
+  </dgm:styleLbl>
+  <dgm:styleLbl name="fgAcc4">
+    <dgm:scene3d>
+      <a:camera prst="orthographicFront"/>
+      <a:lightRig rig="threePt" dir="t"/>
+    </dgm:scene3d>
+    <dgm:sp3d/>
+    <dgm:txPr/>
+    <dgm:style>
+      <a:lnRef idx="2">
+        <a:scrgbClr r="0" g="0" b="0"/>
+      </a:lnRef>
+      <a:fillRef idx="1">
+        <a:scrgbClr r="0" g="0" b="0"/>
+      </a:fillRef>
+      <a:effectRef idx="0">
+        <a:scrgbClr r="0" g="0" b="0"/>
+      </a:effectRef>
+      <a:fontRef idx="minor"/>
+    </dgm:style>
+  </dgm:styleLbl>
+  <dgm:styleLbl name="bgShp">
+    <dgm:scene3d>
+      <a:camera prst="orthographicFront"/>
+      <a:lightRig rig="threePt" dir="t"/>
+    </dgm:scene3d>
+    <dgm:sp3d/>
+    <dgm:txPr/>
+    <dgm:style>
+      <a:lnRef idx="0">
+        <a:scrgbClr r="0" g="0" b="0"/>
+      </a:lnRef>
+      <a:fillRef idx="1">
+        <a:scrgbClr r="0" g="0" b="0"/>
+      </a:fillRef>
+      <a:effectRef idx="0">
+        <a:scrgbClr r="0" g="0" b="0"/>
+      </a:effectRef>
+      <a:fontRef idx="minor"/>
+    </dgm:style>
+  </dgm:styleLbl>
+  <dgm:styleLbl name="dkBgShp">
+    <dgm:scene3d>
+      <a:camera prst="orthographicFront"/>
+      <a:lightRig rig="threePt" dir="t"/>
+    </dgm:scene3d>
+    <dgm:sp3d/>
+    <dgm:txPr/>
+    <dgm:style>
+      <a:lnRef idx="0">
+        <a:scrgbClr r="0" g="0" b="0"/>
+      </a:lnRef>
+      <a:fillRef idx="1">
+        <a:scrgbClr r="0" g="0" b="0"/>
+      </a:fillRef>
+      <a:effectRef idx="0">
+        <a:scrgbClr r="0" g="0" b="0"/>
+      </a:effectRef>
+      <a:fontRef idx="minor"/>
+    </dgm:style>
+  </dgm:styleLbl>
+  <dgm:styleLbl name="trBgShp">
+    <dgm:scene3d>
+      <a:camera prst="orthographicFront"/>
+      <a:lightRig rig="threePt" dir="t"/>
+    </dgm:scene3d>
+    <dgm:sp3d/>
+    <dgm:txPr/>
+    <dgm:style>
+      <a:lnRef idx="0">
+        <a:scrgbClr r="0" g="0" b="0"/>
+      </a:lnRef>
+      <a:fillRef idx="1">
+        <a:scrgbClr r="0" g="0" b="0"/>
+      </a:fillRef>
+      <a:effectRef idx="0">
+        <a:scrgbClr r="0" g="0" b="0"/>
+      </a:effectRef>
+      <a:fontRef idx="minor"/>
+    </dgm:style>
+  </dgm:styleLbl>
+  <dgm:styleLbl name="fgShp">
+    <dgm:scene3d>
+      <a:camera prst="orthographicFront"/>
+      <a:lightRig rig="threePt" dir="t"/>
+    </dgm:scene3d>
+    <dgm:sp3d/>
+    <dgm:txPr/>
+    <dgm:style>
+      <a:lnRef idx="2">
+        <a:scrgbClr r="0" g="0" b="0"/>
+      </a:lnRef>
+      <a:fillRef idx="1">
+        <a:scrgbClr r="0" g="0" b="0"/>
+      </a:fillRef>
+      <a:effectRef idx="0">
+        <a:scrgbClr r="0" g="0" b="0"/>
+      </a:effectRef>
+      <a:fontRef idx="minor"/>
+    </dgm:style>
+  </dgm:styleLbl>
+  <dgm:styleLbl name="revTx">
+    <dgm:scene3d>
+      <a:camera prst="orthographicFront"/>
+      <a:lightRig rig="threePt" dir="t"/>
+    </dgm:scene3d>
+    <dgm:sp3d/>
+    <dgm:txPr/>
+    <dgm:style>
+      <a:lnRef idx="0">
+        <a:scrgbClr r="0" g="0" b="0"/>
+      </a:lnRef>
+      <a:fillRef idx="0">
+        <a:scrgbClr r="0" g="0" b="0"/>
+      </a:fillRef>
+      <a:effectRef idx="0">
+        <a:scrgbClr r="0" g="0" b="0"/>
+      </a:effectRef>
+      <a:fontRef idx="minor"/>
+    </dgm:style>
+  </dgm:styleLbl>
+</dgm:styleDef>
+</file>
+
 <file path=ppt/notesMasters/notesMaster1.xml><?xml version="1.0" encoding="utf-8"?>
 <p:notesMaster xmlns:a="http://schemas.openxmlformats.org/drawingml/2006/main" xmlns:r="http://schemas.openxmlformats.org/officeDocument/2006/relationships" xmlns:p="http://schemas.openxmlformats.org/presentationml/2006/main">
   <p:cSld>
@@ -3347,7 +6496,7 @@
           <a:p>
             <a:fld id="{5100E855-DC3F-44F7-B6F1-F5D0C0D1A424}" type="datetimeFigureOut">
               <a:rPr lang="en-US" smtClean="0"/>
-              <a:t>4/1/2021</a:t>
+              <a:t>4/5/2021</a:t>
             </a:fld>
             <a:endParaRPr lang="en-US"/>
           </a:p>
@@ -4263,7 +7412,7 @@
           <a:p>
             <a:fld id="{9184DA70-C731-4C70-880D-CCD4705E623C}" type="datetime1">
               <a:rPr lang="en-US" smtClean="0"/>
-              <a:t>4/1/2021</a:t>
+              <a:t>4/5/2021</a:t>
             </a:fld>
             <a:endParaRPr lang="en-US" dirty="0"/>
           </a:p>
@@ -4451,7 +7600,7 @@
           <a:p>
             <a:fld id="{4BE1D723-8F53-4F53-90B0-1982A396982E}" type="datetime1">
               <a:rPr lang="en-US" smtClean="0"/>
-              <a:t>4/1/2021</a:t>
+              <a:t>4/5/2021</a:t>
             </a:fld>
             <a:endParaRPr lang="en-US" dirty="0"/>
           </a:p>
@@ -4824,7 +7973,7 @@
           <a:p>
             <a:fld id="{97669AF7-7BEB-44E4-9852-375E34362B5B}" type="datetime1">
               <a:rPr lang="en-US" smtClean="0"/>
-              <a:t>4/1/2021</a:t>
+              <a:t>4/5/2021</a:t>
             </a:fld>
             <a:endParaRPr lang="en-US" dirty="0"/>
           </a:p>
@@ -5079,7 +8228,7 @@
           <a:p>
             <a:fld id="{BAAAC38D-0552-4C82-B593-E6124DFADBE2}" type="datetime1">
               <a:rPr lang="en-US" smtClean="0"/>
-              <a:t>4/1/2021</a:t>
+              <a:t>4/5/2021</a:t>
             </a:fld>
             <a:endParaRPr lang="en-US" dirty="0"/>
           </a:p>
@@ -5476,7 +8625,7 @@
           <a:p>
             <a:fld id="{D9DF0F1C-5577-4ACB-BB62-DF8F3C494C7E}" type="datetime1">
               <a:rPr lang="en-US" smtClean="0"/>
-              <a:t>4/1/2021</a:t>
+              <a:t>4/5/2021</a:t>
             </a:fld>
             <a:endParaRPr lang="en-US" dirty="0"/>
           </a:p>
@@ -5612,7 +8761,7 @@
           <a:p>
             <a:fld id="{1775B394-D9F9-4F0C-B15D-605F45CB9E9F}" type="datetime1">
               <a:rPr lang="en-US" smtClean="0"/>
-              <a:t>4/1/2021</a:t>
+              <a:t>4/5/2021</a:t>
             </a:fld>
             <a:endParaRPr lang="en-US" dirty="0"/>
           </a:p>
@@ -5769,7 +8918,7 @@
           <a:p>
             <a:fld id="{39667345-2558-425A-8533-9BFDBCE15005}" type="datetime1">
               <a:rPr lang="en-US" smtClean="0"/>
-              <a:t>4/1/2021</a:t>
+              <a:t>4/5/2021</a:t>
             </a:fld>
             <a:endParaRPr lang="en-US" dirty="0"/>
           </a:p>
@@ -6098,7 +9247,7 @@
           <a:p>
             <a:fld id="{92BEA474-078D-4E9B-9B14-09A87B19DC46}" type="datetime1">
               <a:rPr lang="en-US" smtClean="0"/>
-              <a:t>4/1/2021</a:t>
+              <a:t>4/5/2021</a:t>
             </a:fld>
             <a:endParaRPr lang="en-US" dirty="0"/>
           </a:p>
@@ -6448,7 +9597,7 @@
           <a:p>
             <a:fld id="{4907D986-8816-4272-A432-0437A28A9828}" type="datetime1">
               <a:rPr lang="en-US" smtClean="0"/>
-              <a:t>4/1/2021</a:t>
+              <a:t>4/5/2021</a:t>
             </a:fld>
             <a:endParaRPr lang="en-US" dirty="0"/>
           </a:p>
@@ -6709,7 +9858,7 @@
           <a:p>
             <a:fld id="{62D6E202-B606-4609-B914-27C9371A1F6D}" type="datetime1">
               <a:rPr lang="en-US" smtClean="0"/>
-              <a:t>4/1/2021</a:t>
+              <a:t>4/5/2021</a:t>
             </a:fld>
             <a:endParaRPr lang="en-US" dirty="0"/>
           </a:p>
@@ -8837,6 +11986,885 @@
 </p:sld>
 </file>
 
+<file path=ppt/slides/slide5.xml><?xml version="1.0" encoding="utf-8"?>
+<p:sld xmlns:a="http://schemas.openxmlformats.org/drawingml/2006/main" xmlns:r="http://schemas.openxmlformats.org/officeDocument/2006/relationships" xmlns:p="http://schemas.openxmlformats.org/presentationml/2006/main">
+  <p:cSld>
+    <p:bg>
+      <p:bgPr>
+        <a:solidFill>
+          <a:schemeClr val="bg1"/>
+        </a:solidFill>
+        <a:effectLst/>
+      </p:bgPr>
+    </p:bg>
+    <p:spTree>
+      <p:nvGrpSpPr>
+        <p:cNvPr id="1" name=""/>
+        <p:cNvGrpSpPr/>
+        <p:nvPr/>
+      </p:nvGrpSpPr>
+      <p:grpSpPr>
+        <a:xfrm>
+          <a:off x="0" y="0"/>
+          <a:ext cx="0" cy="0"/>
+          <a:chOff x="0" y="0"/>
+          <a:chExt cx="0" cy="0"/>
+        </a:xfrm>
+      </p:grpSpPr>
+      <p:sp>
+        <p:nvSpPr>
+          <p:cNvPr id="1034" name="Rectangle 76">
+            <a:extLst>
+              <a:ext uri="{FF2B5EF4-FFF2-40B4-BE49-F238E27FC236}">
+                <a16:creationId xmlns:a16="http://schemas.microsoft.com/office/drawing/2014/main" id="{416A0E3C-60E6-4F39-BC55-5F7C224E1F7C}"/>
+              </a:ext>
+              <a:ext uri="{C183D7F6-B498-43B3-948B-1728B52AA6E4}">
+                <adec:decorative xmlns:adec="http://schemas.microsoft.com/office/drawing/2017/decorative" val="1"/>
+              </a:ext>
+            </a:extLst>
+          </p:cNvPr>
+          <p:cNvSpPr>
+            <a:spLocks noGrp="1" noRot="1" noChangeAspect="1" noMove="1" noResize="1" noEditPoints="1" noAdjustHandles="1" noChangeArrowheads="1" noChangeShapeType="1" noTextEdit="1"/>
+          </p:cNvSpPr>
+          <p:nvPr>
+            <p:extLst>
+              <p:ext uri="{386F3935-93C4-4BCD-93E2-E3B085C9AB24}">
+                <p16:designElem xmlns:p16="http://schemas.microsoft.com/office/powerpoint/2015/main" val="1"/>
+              </p:ext>
+            </p:extLst>
+          </p:nvPr>
+        </p:nvSpPr>
+        <p:spPr>
+          <a:xfrm>
+            <a:off x="3175" y="6400800"/>
+            <a:ext cx="12188825" cy="457200"/>
+          </a:xfrm>
+          <a:prstGeom prst="rect">
+            <a:avLst/>
+          </a:prstGeom>
+          <a:solidFill>
+            <a:srgbClr val="262626"/>
+          </a:solidFill>
+          <a:ln>
+            <a:noFill/>
+          </a:ln>
+        </p:spPr>
+        <p:style>
+          <a:lnRef idx="2">
+            <a:schemeClr val="accent1">
+              <a:shade val="50000"/>
+            </a:schemeClr>
+          </a:lnRef>
+          <a:fillRef idx="1">
+            <a:schemeClr val="accent1"/>
+          </a:fillRef>
+          <a:effectRef idx="0">
+            <a:schemeClr val="accent1"/>
+          </a:effectRef>
+          <a:fontRef idx="minor">
+            <a:schemeClr val="lt1"/>
+          </a:fontRef>
+        </p:style>
+      </p:sp>
+      <p:cxnSp>
+        <p:nvCxnSpPr>
+          <p:cNvPr id="1035" name="Straight Connector 78">
+            <a:extLst>
+              <a:ext uri="{FF2B5EF4-FFF2-40B4-BE49-F238E27FC236}">
+                <a16:creationId xmlns:a16="http://schemas.microsoft.com/office/drawing/2014/main" id="{C5025DAC-8B93-4160-B017-3A274A5828C0}"/>
+              </a:ext>
+              <a:ext uri="{C183D7F6-B498-43B3-948B-1728B52AA6E4}">
+                <adec:decorative xmlns:adec="http://schemas.microsoft.com/office/drawing/2017/decorative" val="1"/>
+              </a:ext>
+            </a:extLst>
+          </p:cNvPr>
+          <p:cNvCxnSpPr>
+            <a:cxnSpLocks noGrp="1" noRot="1" noChangeAspect="1" noMove="1" noResize="1" noEditPoints="1" noAdjustHandles="1" noChangeArrowheads="1" noChangeShapeType="1"/>
+          </p:cNvCxnSpPr>
+          <p:nvPr>
+            <p:extLst>
+              <p:ext uri="{386F3935-93C4-4BCD-93E2-E3B085C9AB24}">
+                <p16:designElem xmlns:p16="http://schemas.microsoft.com/office/powerpoint/2015/main" val="1"/>
+              </p:ext>
+            </p:extLst>
+          </p:nvPr>
+        </p:nvCxnSpPr>
+        <p:spPr>
+          <a:xfrm>
+            <a:off x="1193532" y="1897380"/>
+            <a:ext cx="9966960" cy="0"/>
+          </a:xfrm>
+          <a:prstGeom prst="line">
+            <a:avLst/>
+          </a:prstGeom>
+          <a:ln w="12700">
+            <a:solidFill>
+              <a:schemeClr val="tx1">
+                <a:lumMod val="75000"/>
+                <a:lumOff val="25000"/>
+              </a:schemeClr>
+            </a:solidFill>
+          </a:ln>
+        </p:spPr>
+        <p:style>
+          <a:lnRef idx="1">
+            <a:schemeClr val="accent1"/>
+          </a:lnRef>
+          <a:fillRef idx="0">
+            <a:schemeClr val="accent1"/>
+          </a:fillRef>
+          <a:effectRef idx="0">
+            <a:schemeClr val="accent1"/>
+          </a:effectRef>
+          <a:fontRef idx="minor">
+            <a:schemeClr val="tx1"/>
+          </a:fontRef>
+        </p:style>
+      </p:cxnSp>
+      <p:sp useBgFill="1">
+        <p:nvSpPr>
+          <p:cNvPr id="1036" name="Rectangle 80">
+            <a:extLst>
+              <a:ext uri="{FF2B5EF4-FFF2-40B4-BE49-F238E27FC236}">
+                <a16:creationId xmlns:a16="http://schemas.microsoft.com/office/drawing/2014/main" id="{39B4056F-1959-4627-A683-77F6C0603FCD}"/>
+              </a:ext>
+              <a:ext uri="{C183D7F6-B498-43B3-948B-1728B52AA6E4}">
+                <adec:decorative xmlns:adec="http://schemas.microsoft.com/office/drawing/2017/decorative" val="1"/>
+              </a:ext>
+            </a:extLst>
+          </p:cNvPr>
+          <p:cNvSpPr>
+            <a:spLocks noGrp="1" noRot="1" noChangeAspect="1" noMove="1" noResize="1" noEditPoints="1" noAdjustHandles="1" noChangeArrowheads="1" noChangeShapeType="1" noTextEdit="1"/>
+          </p:cNvSpPr>
+          <p:nvPr>
+            <p:extLst>
+              <p:ext uri="{386F3935-93C4-4BCD-93E2-E3B085C9AB24}">
+                <p16:designElem xmlns:p16="http://schemas.microsoft.com/office/powerpoint/2015/main" val="1"/>
+              </p:ext>
+            </p:extLst>
+          </p:nvPr>
+        </p:nvSpPr>
+        <p:spPr>
+          <a:xfrm>
+            <a:off x="0" y="0"/>
+            <a:ext cx="12192001" cy="6858000"/>
+          </a:xfrm>
+          <a:prstGeom prst="rect">
+            <a:avLst/>
+          </a:prstGeom>
+          <a:ln>
+            <a:noFill/>
+          </a:ln>
+        </p:spPr>
+        <p:style>
+          <a:lnRef idx="2">
+            <a:schemeClr val="accent1">
+              <a:shade val="50000"/>
+            </a:schemeClr>
+          </a:lnRef>
+          <a:fillRef idx="1">
+            <a:schemeClr val="accent1"/>
+          </a:fillRef>
+          <a:effectRef idx="0">
+            <a:schemeClr val="accent1"/>
+          </a:effectRef>
+          <a:fontRef idx="minor">
+            <a:schemeClr val="lt1"/>
+          </a:fontRef>
+        </p:style>
+        <p:txBody>
+          <a:bodyPr rtlCol="0" anchor="ctr"/>
+          <a:lstStyle/>
+          <a:p>
+            <a:pPr algn="ctr"/>
+            <a:endParaRPr lang="en-US"/>
+          </a:p>
+        </p:txBody>
+      </p:sp>
+      <p:sp>
+        <p:nvSpPr>
+          <p:cNvPr id="1037" name="Rectangle 82">
+            <a:extLst>
+              <a:ext uri="{FF2B5EF4-FFF2-40B4-BE49-F238E27FC236}">
+                <a16:creationId xmlns:a16="http://schemas.microsoft.com/office/drawing/2014/main" id="{D8D7349B-C9FA-4FCE-A1FF-948F460A3A9A}"/>
+              </a:ext>
+              <a:ext uri="{C183D7F6-B498-43B3-948B-1728B52AA6E4}">
+                <adec:decorative xmlns:adec="http://schemas.microsoft.com/office/drawing/2017/decorative" val="1"/>
+              </a:ext>
+            </a:extLst>
+          </p:cNvPr>
+          <p:cNvSpPr>
+            <a:spLocks noGrp="1" noRot="1" noChangeAspect="1" noMove="1" noResize="1" noEditPoints="1" noAdjustHandles="1" noChangeArrowheads="1" noChangeShapeType="1" noTextEdit="1"/>
+          </p:cNvSpPr>
+          <p:nvPr>
+            <p:extLst>
+              <p:ext uri="{386F3935-93C4-4BCD-93E2-E3B085C9AB24}">
+                <p16:designElem xmlns:p16="http://schemas.microsoft.com/office/powerpoint/2015/main" val="1"/>
+              </p:ext>
+            </p:extLst>
+          </p:nvPr>
+        </p:nvSpPr>
+        <p:spPr bwMode="white">
+          <a:xfrm>
+            <a:off x="1507" y="4554906"/>
+            <a:ext cx="12188952" cy="2303094"/>
+          </a:xfrm>
+          <a:prstGeom prst="rect">
+            <a:avLst/>
+          </a:prstGeom>
+          <a:solidFill>
+            <a:srgbClr val="262626"/>
+          </a:solidFill>
+          <a:ln>
+            <a:noFill/>
+          </a:ln>
+        </p:spPr>
+        <p:style>
+          <a:lnRef idx="2">
+            <a:schemeClr val="accent1">
+              <a:shade val="50000"/>
+            </a:schemeClr>
+          </a:lnRef>
+          <a:fillRef idx="1">
+            <a:schemeClr val="accent1"/>
+          </a:fillRef>
+          <a:effectRef idx="0">
+            <a:schemeClr val="accent1"/>
+          </a:effectRef>
+          <a:fontRef idx="minor">
+            <a:schemeClr val="lt1"/>
+          </a:fontRef>
+        </p:style>
+      </p:sp>
+      <p:sp>
+        <p:nvSpPr>
+          <p:cNvPr id="5" name="Title 4">
+            <a:extLst>
+              <a:ext uri="{FF2B5EF4-FFF2-40B4-BE49-F238E27FC236}">
+                <a16:creationId xmlns:a16="http://schemas.microsoft.com/office/drawing/2014/main" id="{643C2EDD-9B02-481C-9721-A6669C7B7060}"/>
+              </a:ext>
+            </a:extLst>
+          </p:cNvPr>
+          <p:cNvSpPr>
+            <a:spLocks noGrp="1"/>
+          </p:cNvSpPr>
+          <p:nvPr>
+            <p:ph type="title"/>
+          </p:nvPr>
+        </p:nvSpPr>
+        <p:spPr>
+          <a:xfrm>
+            <a:off x="633998" y="4905301"/>
+            <a:ext cx="4988879" cy="1554485"/>
+          </a:xfrm>
+        </p:spPr>
+        <p:txBody>
+          <a:bodyPr vert="horz" lIns="91440" tIns="45720" rIns="91440" bIns="45720" rtlCol="0" anchor="ctr">
+            <a:normAutofit/>
+          </a:bodyPr>
+          <a:lstStyle/>
+          <a:p>
+            <a:pPr algn="r"/>
+            <a:r>
+              <a:rPr lang="en-US" sz="4000" dirty="0"/>
+              <a:t>Mediator</a:t>
+            </a:r>
+          </a:p>
+        </p:txBody>
+      </p:sp>
+      <p:cxnSp>
+        <p:nvCxnSpPr>
+          <p:cNvPr id="85" name="Straight Connector 84">
+            <a:extLst>
+              <a:ext uri="{FF2B5EF4-FFF2-40B4-BE49-F238E27FC236}">
+                <a16:creationId xmlns:a16="http://schemas.microsoft.com/office/drawing/2014/main" id="{55646586-8E5D-4A2B-BDA9-01CE28AC89A1}"/>
+              </a:ext>
+              <a:ext uri="{C183D7F6-B498-43B3-948B-1728B52AA6E4}">
+                <adec:decorative xmlns:adec="http://schemas.microsoft.com/office/drawing/2017/decorative" val="1"/>
+              </a:ext>
+            </a:extLst>
+          </p:cNvPr>
+          <p:cNvCxnSpPr>
+            <a:cxnSpLocks noGrp="1" noRot="1" noChangeAspect="1" noMove="1" noResize="1" noEditPoints="1" noAdjustHandles="1" noChangeArrowheads="1" noChangeShapeType="1"/>
+          </p:cNvCxnSpPr>
+          <p:nvPr>
+            <p:extLst>
+              <p:ext uri="{386F3935-93C4-4BCD-93E2-E3B085C9AB24}">
+                <p16:designElem xmlns:p16="http://schemas.microsoft.com/office/powerpoint/2015/main" val="1"/>
+              </p:ext>
+            </p:extLst>
+          </p:nvPr>
+        </p:nvCxnSpPr>
+        <p:spPr>
+          <a:xfrm>
+            <a:off x="5820770" y="5247564"/>
+            <a:ext cx="0" cy="873457"/>
+          </a:xfrm>
+          <a:prstGeom prst="line">
+            <a:avLst/>
+          </a:prstGeom>
+          <a:ln w="19050">
+            <a:solidFill>
+              <a:srgbClr val="FFC578"/>
+            </a:solidFill>
+          </a:ln>
+        </p:spPr>
+        <p:style>
+          <a:lnRef idx="1">
+            <a:schemeClr val="accent1"/>
+          </a:lnRef>
+          <a:fillRef idx="0">
+            <a:schemeClr val="accent1"/>
+          </a:fillRef>
+          <a:effectRef idx="0">
+            <a:schemeClr val="accent1"/>
+          </a:effectRef>
+          <a:fontRef idx="minor">
+            <a:schemeClr val="tx1"/>
+          </a:fontRef>
+        </p:style>
+      </p:cxnSp>
+      <p:sp>
+        <p:nvSpPr>
+          <p:cNvPr id="7" name="Text Placeholder 6">
+            <a:extLst>
+              <a:ext uri="{FF2B5EF4-FFF2-40B4-BE49-F238E27FC236}">
+                <a16:creationId xmlns:a16="http://schemas.microsoft.com/office/drawing/2014/main" id="{7E8F4492-485A-4DE4-AF79-08F65DEE159B}"/>
+              </a:ext>
+            </a:extLst>
+          </p:cNvPr>
+          <p:cNvSpPr>
+            <a:spLocks noGrp="1"/>
+          </p:cNvSpPr>
+          <p:nvPr>
+            <p:ph type="body" sz="half" idx="2"/>
+          </p:nvPr>
+        </p:nvSpPr>
+        <p:spPr>
+          <a:xfrm>
+            <a:off x="6064301" y="4905300"/>
+            <a:ext cx="5493699" cy="1554485"/>
+          </a:xfrm>
+        </p:spPr>
+        <p:txBody>
+          <a:bodyPr vert="horz" lIns="0" tIns="45720" rIns="0" bIns="45720" rtlCol="0" anchor="ctr">
+            <a:normAutofit/>
+          </a:bodyPr>
+          <a:lstStyle/>
+          <a:p>
+            <a:pPr>
+              <a:lnSpc>
+                <a:spcPct val="100000"/>
+              </a:lnSpc>
+            </a:pPr>
+            <a:r>
+              <a:rPr lang="en-US" dirty="0">
+                <a:solidFill>
+                  <a:schemeClr val="accent5">
+                    <a:lumMod val="75000"/>
+                  </a:schemeClr>
+                </a:solidFill>
+              </a:rPr>
+              <a:t>Problem</a:t>
+            </a:r>
+            <a:r>
+              <a:rPr lang="en-US" dirty="0"/>
+              <a:t>: </a:t>
+            </a:r>
+          </a:p>
+          <a:p>
+            <a:pPr>
+              <a:lnSpc>
+                <a:spcPct val="100000"/>
+              </a:lnSpc>
+            </a:pPr>
+            <a:r>
+              <a:rPr lang="en-US" dirty="0">
+                <a:solidFill>
+                  <a:schemeClr val="accent5">
+                    <a:lumMod val="75000"/>
+                  </a:schemeClr>
+                </a:solidFill>
+              </a:rPr>
+              <a:t>Solution</a:t>
+            </a:r>
+            <a:r>
+              <a:rPr lang="en-US" dirty="0"/>
+              <a:t>:</a:t>
+            </a:r>
+          </a:p>
+        </p:txBody>
+      </p:sp>
+      <p:pic>
+        <p:nvPicPr>
+          <p:cNvPr id="2" name="Picture 2" descr="Structure of the Mediator design pattern">
+            <a:extLst>
+              <a:ext uri="{FF2B5EF4-FFF2-40B4-BE49-F238E27FC236}">
+                <a16:creationId xmlns:a16="http://schemas.microsoft.com/office/drawing/2014/main" id="{125380CC-11FF-4950-BF22-DF3FE4E05C7B}"/>
+              </a:ext>
+            </a:extLst>
+          </p:cNvPr>
+          <p:cNvPicPr>
+            <a:picLocks noChangeAspect="1" noChangeArrowheads="1"/>
+          </p:cNvPicPr>
+          <p:nvPr/>
+        </p:nvPicPr>
+        <p:blipFill>
+          <a:blip r:embed="rId2">
+            <a:extLst>
+              <a:ext uri="{28A0092B-C50C-407E-A947-70E740481C1C}">
+                <a14:useLocalDpi xmlns:a14="http://schemas.microsoft.com/office/drawing/2010/main" val="0"/>
+              </a:ext>
+            </a:extLst>
+          </a:blip>
+          <a:srcRect/>
+          <a:stretch>
+            <a:fillRect/>
+          </a:stretch>
+        </p:blipFill>
+        <p:spPr bwMode="auto">
+          <a:xfrm>
+            <a:off x="3344270" y="228867"/>
+            <a:ext cx="4953000" cy="4095750"/>
+          </a:xfrm>
+          <a:prstGeom prst="rect">
+            <a:avLst/>
+          </a:prstGeom>
+          <a:noFill/>
+          <a:extLst>
+            <a:ext uri="{909E8E84-426E-40DD-AFC4-6F175D3DCCD1}">
+              <a14:hiddenFill xmlns:a14="http://schemas.microsoft.com/office/drawing/2010/main">
+                <a:solidFill>
+                  <a:srgbClr val="FFFFFF"/>
+                </a:solidFill>
+              </a14:hiddenFill>
+            </a:ext>
+          </a:extLst>
+        </p:spPr>
+      </p:pic>
+    </p:spTree>
+    <p:extLst>
+      <p:ext uri="{BB962C8B-B14F-4D97-AF65-F5344CB8AC3E}">
+        <p14:creationId xmlns:p14="http://schemas.microsoft.com/office/powerpoint/2010/main" val="3087674750"/>
+      </p:ext>
+    </p:extLst>
+  </p:cSld>
+  <p:clrMapOvr>
+    <a:masterClrMapping/>
+  </p:clrMapOvr>
+</p:sld>
+</file>
+
+<file path=ppt/slides/slide6.xml><?xml version="1.0" encoding="utf-8"?>
+<p:sld xmlns:a="http://schemas.openxmlformats.org/drawingml/2006/main" xmlns:r="http://schemas.openxmlformats.org/officeDocument/2006/relationships" xmlns:p="http://schemas.openxmlformats.org/presentationml/2006/main">
+  <p:cSld>
+    <p:spTree>
+      <p:nvGrpSpPr>
+        <p:cNvPr id="1" name=""/>
+        <p:cNvGrpSpPr/>
+        <p:nvPr/>
+      </p:nvGrpSpPr>
+      <p:grpSpPr>
+        <a:xfrm>
+          <a:off x="0" y="0"/>
+          <a:ext cx="0" cy="0"/>
+          <a:chOff x="0" y="0"/>
+          <a:chExt cx="0" cy="0"/>
+        </a:xfrm>
+      </p:grpSpPr>
+      <p:sp>
+        <p:nvSpPr>
+          <p:cNvPr id="5" name="Title 4">
+            <a:extLst>
+              <a:ext uri="{FF2B5EF4-FFF2-40B4-BE49-F238E27FC236}">
+                <a16:creationId xmlns:a16="http://schemas.microsoft.com/office/drawing/2014/main" id="{15DE6CDC-3760-4614-8575-CB1459F11CD8}"/>
+              </a:ext>
+            </a:extLst>
+          </p:cNvPr>
+          <p:cNvSpPr>
+            <a:spLocks noGrp="1"/>
+          </p:cNvSpPr>
+          <p:nvPr>
+            <p:ph type="title"/>
+          </p:nvPr>
+        </p:nvSpPr>
+        <p:spPr/>
+        <p:txBody>
+          <a:bodyPr>
+            <a:normAutofit fontScale="90000"/>
+          </a:bodyPr>
+          <a:lstStyle/>
+          <a:p>
+            <a:r>
+              <a:rPr lang="en-US" dirty="0"/>
+              <a:t>Mediator in a few words + examples from open-source projects</a:t>
+            </a:r>
+          </a:p>
+        </p:txBody>
+      </p:sp>
+      <p:graphicFrame>
+        <p:nvGraphicFramePr>
+          <p:cNvPr id="10" name="Content Placeholder 5">
+            <a:extLst>
+              <a:ext uri="{FF2B5EF4-FFF2-40B4-BE49-F238E27FC236}">
+                <a16:creationId xmlns:a16="http://schemas.microsoft.com/office/drawing/2014/main" id="{1DA604AA-B0C5-4DE1-8F1A-F3546A2ED7F0}"/>
+              </a:ext>
+            </a:extLst>
+          </p:cNvPr>
+          <p:cNvGraphicFramePr>
+            <a:graphicFrameLocks noGrp="1"/>
+          </p:cNvGraphicFramePr>
+          <p:nvPr>
+            <p:ph sz="half" idx="1"/>
+            <p:extLst>
+              <p:ext uri="{D42A27DB-BD31-4B8C-83A1-F6EECF244321}">
+                <p14:modId xmlns:p14="http://schemas.microsoft.com/office/powerpoint/2010/main" val="1869364889"/>
+              </p:ext>
+            </p:extLst>
+          </p:nvPr>
+        </p:nvGraphicFramePr>
+        <p:xfrm>
+          <a:off x="1097280" y="2120900"/>
+          <a:ext cx="4639736" cy="3748193"/>
+        </p:xfrm>
+        <a:graphic>
+          <a:graphicData uri="http://schemas.openxmlformats.org/drawingml/2006/diagram">
+            <dgm:relIds xmlns:dgm="http://schemas.openxmlformats.org/drawingml/2006/diagram" xmlns:r="http://schemas.openxmlformats.org/officeDocument/2006/relationships" r:dm="rId2" r:lo="rId3" r:qs="rId4" r:cs="rId5"/>
+          </a:graphicData>
+        </a:graphic>
+      </p:graphicFrame>
+      <p:sp>
+        <p:nvSpPr>
+          <p:cNvPr id="7" name="Content Placeholder 6">
+            <a:extLst>
+              <a:ext uri="{FF2B5EF4-FFF2-40B4-BE49-F238E27FC236}">
+                <a16:creationId xmlns:a16="http://schemas.microsoft.com/office/drawing/2014/main" id="{DB492ABE-1506-4371-999F-C690661B3366}"/>
+              </a:ext>
+            </a:extLst>
+          </p:cNvPr>
+          <p:cNvSpPr>
+            <a:spLocks noGrp="1"/>
+          </p:cNvSpPr>
+          <p:nvPr>
+            <p:ph sz="half" idx="2"/>
+          </p:nvPr>
+        </p:nvSpPr>
+        <p:spPr>
+          <a:xfrm>
+            <a:off x="6363093" y="2120899"/>
+            <a:ext cx="4911365" cy="3748194"/>
+          </a:xfrm>
+        </p:spPr>
+        <p:txBody>
+          <a:bodyPr>
+            <a:normAutofit lnSpcReduction="10000"/>
+          </a:bodyPr>
+          <a:lstStyle/>
+          <a:p>
+            <a:r>
+              <a:rPr lang="en-US" dirty="0"/>
+              <a:t>C#: </a:t>
+            </a:r>
+            <a:r>
+              <a:rPr lang="en-US" b="0" i="0" dirty="0" err="1">
+                <a:solidFill>
+                  <a:srgbClr val="242729"/>
+                </a:solidFill>
+                <a:effectLst/>
+              </a:rPr>
+              <a:t>System.Threading.Timer</a:t>
+            </a:r>
+            <a:endParaRPr lang="en-US" b="0" i="0" dirty="0">
+              <a:solidFill>
+                <a:srgbClr val="242729"/>
+              </a:solidFill>
+              <a:effectLst/>
+            </a:endParaRPr>
+          </a:p>
+          <a:p>
+            <a:r>
+              <a:rPr lang="en-US" dirty="0"/>
+              <a:t>Java: </a:t>
+            </a:r>
+          </a:p>
+          <a:p>
+            <a:pPr algn="l">
+              <a:buFont typeface="Arial" panose="020B0604020202020204" pitchFamily="34" charset="0"/>
+              <a:buChar char="•"/>
+            </a:pPr>
+            <a:r>
+              <a:rPr lang="en-US" b="0" i="0" dirty="0">
+                <a:solidFill>
+                  <a:srgbClr val="373B41"/>
+                </a:solidFill>
+                <a:effectLst/>
+              </a:rPr>
+              <a:t> </a:t>
+            </a:r>
+            <a:r>
+              <a:rPr lang="en-US" b="0" i="0" dirty="0" err="1">
+                <a:solidFill>
+                  <a:srgbClr val="373B41"/>
+                </a:solidFill>
+                <a:effectLst/>
+              </a:rPr>
+              <a:t>scheduleXXX</a:t>
+            </a:r>
+            <a:r>
+              <a:rPr lang="en-US" b="0" i="0" dirty="0">
+                <a:solidFill>
+                  <a:srgbClr val="373B41"/>
+                </a:solidFill>
+                <a:effectLst/>
+              </a:rPr>
+              <a:t>() methods of </a:t>
+            </a:r>
+            <a:r>
+              <a:rPr lang="en-US" b="0" i="0" u="none" strike="noStrike" dirty="0" err="1">
+                <a:solidFill>
+                  <a:srgbClr val="81A2BE"/>
+                </a:solidFill>
+                <a:effectLst/>
+                <a:hlinkClick r:id="rId7"/>
+              </a:rPr>
+              <a:t>java.util.Timer</a:t>
+            </a:r>
+            <a:endParaRPr lang="en-US" b="0" i="0" dirty="0">
+              <a:solidFill>
+                <a:srgbClr val="373B41"/>
+              </a:solidFill>
+              <a:effectLst/>
+            </a:endParaRPr>
+          </a:p>
+          <a:p>
+            <a:pPr algn="l">
+              <a:buFont typeface="Arial" panose="020B0604020202020204" pitchFamily="34" charset="0"/>
+              <a:buChar char="•"/>
+            </a:pPr>
+            <a:r>
+              <a:rPr lang="en-US" b="0" i="0" dirty="0">
+                <a:solidFill>
+                  <a:srgbClr val="373B41"/>
+                </a:solidFill>
+                <a:effectLst/>
+              </a:rPr>
+              <a:t> </a:t>
+            </a:r>
+            <a:r>
+              <a:rPr lang="en-US" b="0" i="0" dirty="0" err="1">
+                <a:solidFill>
+                  <a:srgbClr val="373B41"/>
+                </a:solidFill>
+                <a:effectLst/>
+              </a:rPr>
+              <a:t>scheduleXXX</a:t>
+            </a:r>
+            <a:r>
+              <a:rPr lang="en-US" b="0" i="0" dirty="0">
+                <a:solidFill>
+                  <a:srgbClr val="373B41"/>
+                </a:solidFill>
+                <a:effectLst/>
+              </a:rPr>
+              <a:t>() methods of </a:t>
+            </a:r>
+            <a:r>
+              <a:rPr lang="en-US" b="0" i="0" u="none" strike="noStrike" dirty="0" err="1">
+                <a:solidFill>
+                  <a:srgbClr val="81A2BE"/>
+                </a:solidFill>
+                <a:effectLst/>
+                <a:hlinkClick r:id="rId8"/>
+              </a:rPr>
+              <a:t>java.util.concurrent.ScheduledExecutorService</a:t>
+            </a:r>
+            <a:endParaRPr lang="en-US" b="0" i="0" dirty="0">
+              <a:solidFill>
+                <a:srgbClr val="373B41"/>
+              </a:solidFill>
+              <a:effectLst/>
+            </a:endParaRPr>
+          </a:p>
+          <a:p>
+            <a:pPr algn="l">
+              <a:buFont typeface="Arial" panose="020B0604020202020204" pitchFamily="34" charset="0"/>
+              <a:buChar char="•"/>
+            </a:pPr>
+            <a:r>
+              <a:rPr lang="en-US" b="0" i="0" u="none" strike="noStrike" dirty="0">
+                <a:solidFill>
+                  <a:srgbClr val="81A2BE"/>
+                </a:solidFill>
+                <a:effectLst/>
+                <a:hlinkClick r:id="rId9"/>
+              </a:rPr>
+              <a:t> </a:t>
+            </a:r>
+            <a:r>
+              <a:rPr lang="en-US" b="0" i="0" u="none" strike="noStrike" dirty="0" err="1">
+                <a:solidFill>
+                  <a:srgbClr val="81A2BE"/>
+                </a:solidFill>
+                <a:effectLst/>
+                <a:hlinkClick r:id="rId9"/>
+              </a:rPr>
+              <a:t>java.lang.reflect.Method#invoke</a:t>
+            </a:r>
+            <a:r>
+              <a:rPr lang="en-US" b="0" i="0" u="none" strike="noStrike" dirty="0">
+                <a:solidFill>
+                  <a:srgbClr val="81A2BE"/>
+                </a:solidFill>
+                <a:effectLst/>
+                <a:hlinkClick r:id="rId9"/>
+              </a:rPr>
+              <a:t>()</a:t>
+            </a:r>
+            <a:endParaRPr lang="en-US" b="0" i="0" u="none" strike="noStrike" dirty="0">
+              <a:solidFill>
+                <a:srgbClr val="81A2BE"/>
+              </a:solidFill>
+              <a:effectLst/>
+            </a:endParaRPr>
+          </a:p>
+          <a:p>
+            <a:r>
+              <a:rPr lang="en-US" dirty="0"/>
+              <a:t>Mediator.js: </a:t>
+            </a:r>
+            <a:r>
+              <a:rPr lang="en-US" dirty="0">
+                <a:hlinkClick r:id="rId10"/>
+              </a:rPr>
+              <a:t>https://www.npmjs.com/package/mediator-js</a:t>
+            </a:r>
+            <a:endParaRPr lang="en-US" dirty="0"/>
+          </a:p>
+          <a:p>
+            <a:endParaRPr lang="en-US" dirty="0"/>
+          </a:p>
+        </p:txBody>
+      </p:sp>
+      <p:sp>
+        <p:nvSpPr>
+          <p:cNvPr id="8" name="Rectangle 1">
+            <a:extLst>
+              <a:ext uri="{FF2B5EF4-FFF2-40B4-BE49-F238E27FC236}">
+                <a16:creationId xmlns:a16="http://schemas.microsoft.com/office/drawing/2014/main" id="{B065E2E4-AE49-41FC-8842-63643489E193}"/>
+              </a:ext>
+            </a:extLst>
+          </p:cNvPr>
+          <p:cNvSpPr>
+            <a:spLocks noChangeArrowheads="1"/>
+          </p:cNvSpPr>
+          <p:nvPr/>
+        </p:nvSpPr>
+        <p:spPr bwMode="auto">
+          <a:xfrm>
+            <a:off x="0" y="159350"/>
+            <a:ext cx="25648" cy="138499"/>
+          </a:xfrm>
+          <a:prstGeom prst="rect">
+            <a:avLst/>
+          </a:prstGeom>
+          <a:noFill/>
+          <a:ln>
+            <a:noFill/>
+          </a:ln>
+          <a:effectLst/>
+          <a:extLst>
+            <a:ext uri="{909E8E84-426E-40DD-AFC4-6F175D3DCCD1}">
+              <a14:hiddenFill xmlns:a14="http://schemas.microsoft.com/office/drawing/2010/main">
+                <a:solidFill>
+                  <a:schemeClr val="accent1"/>
+                </a:solidFill>
+              </a14:hiddenFill>
+            </a:ext>
+            <a:ext uri="{91240B29-F687-4F45-9708-019B960494DF}">
+              <a14:hiddenLine xmlns:a14="http://schemas.microsoft.com/office/drawing/2010/main" w="9525">
+                <a:solidFill>
+                  <a:schemeClr val="tx1"/>
+                </a:solidFill>
+                <a:miter lim="800000"/>
+                <a:headEnd/>
+                <a:tailEnd/>
+              </a14:hiddenLine>
+            </a:ext>
+            <a:ext uri="{AF507438-7753-43E0-B8FC-AC1667EBCBE1}">
+              <a14:hiddenEffects xmlns:a14="http://schemas.microsoft.com/office/drawing/2010/main">
+                <a:effectLst>
+                  <a:outerShdw dist="35921" dir="2700000" algn="ctr" rotWithShape="0">
+                    <a:schemeClr val="bg2"/>
+                  </a:outerShdw>
+                </a:effectLst>
+              </a14:hiddenEffects>
+            </a:ext>
+          </a:extLst>
+        </p:spPr>
+        <p:txBody>
+          <a:bodyPr vert="horz" wrap="none" lIns="0" tIns="0" rIns="0" bIns="0" numCol="1" anchor="ctr" anchorCtr="0" compatLnSpc="1">
+            <a:prstTxWarp prst="textNoShape">
+              <a:avLst/>
+            </a:prstTxWarp>
+            <a:spAutoFit/>
+          </a:bodyPr>
+          <a:lstStyle/>
+          <a:p>
+            <a:pPr marL="0" marR="0" lvl="0" indent="0" algn="l" defTabSz="914400" rtl="0" eaLnBrk="0" fontAlgn="base" latinLnBrk="0" hangingPunct="0">
+              <a:lnSpc>
+                <a:spcPct val="100000"/>
+              </a:lnSpc>
+              <a:spcBef>
+                <a:spcPct val="0"/>
+              </a:spcBef>
+              <a:spcAft>
+                <a:spcPct val="0"/>
+              </a:spcAft>
+              <a:buClrTx/>
+              <a:buSzTx/>
+              <a:buFontTx/>
+              <a:buNone/>
+              <a:tabLst/>
+            </a:pPr>
+            <a:r>
+              <a:rPr kumimoji="0" lang="en-US" altLang="en-US" sz="900" b="0" i="0" u="none" strike="noStrike" cap="none" normalizeH="0" baseline="0" dirty="0">
+                <a:ln>
+                  <a:noFill/>
+                </a:ln>
+                <a:solidFill>
+                  <a:schemeClr val="tx1"/>
+                </a:solidFill>
+                <a:effectLst/>
+                <a:latin typeface="inherit"/>
+              </a:rPr>
+              <a:t> </a:t>
+            </a:r>
+            <a:endParaRPr kumimoji="0" lang="en-US" altLang="en-US" sz="1800" b="0" i="0" u="none" strike="noStrike" cap="none" normalizeH="0" baseline="0" dirty="0">
+              <a:ln>
+                <a:noFill/>
+              </a:ln>
+              <a:solidFill>
+                <a:schemeClr val="tx1"/>
+              </a:solidFill>
+              <a:effectLst/>
+              <a:latin typeface="Arial" panose="020B0604020202020204" pitchFamily="34" charset="0"/>
+            </a:endParaRPr>
+          </a:p>
+        </p:txBody>
+      </p:sp>
+    </p:spTree>
+    <p:extLst>
+      <p:ext uri="{BB962C8B-B14F-4D97-AF65-F5344CB8AC3E}">
+        <p14:creationId xmlns:p14="http://schemas.microsoft.com/office/powerpoint/2010/main" val="1052716486"/>
+      </p:ext>
+    </p:extLst>
+  </p:cSld>
+  <p:clrMapOvr>
+    <a:masterClrMapping/>
+  </p:clrMapOvr>
+</p:sld>
+</file>
+
 <file path=ppt/theme/theme1.xml><?xml version="1.0" encoding="utf-8"?>
 <a:theme xmlns:a="http://schemas.openxmlformats.org/drawingml/2006/main" name="1_RetrospectVTI">
   <a:themeElements>
@@ -9459,24 +13487,6 @@
 </file>
 
 <file path=customXml/item1.xml><?xml version="1.0" encoding="utf-8"?>
-<p:properties xmlns:p="http://schemas.microsoft.com/office/2006/metadata/properties" xmlns:xsi="http://www.w3.org/2001/XMLSchema-instance" xmlns:pc="http://schemas.microsoft.com/office/infopath/2007/PartnerControls">
-  <documentManagement>
-    <Status xmlns="71af3243-3dd4-4a8d-8c0d-dd76da1f02a5">Not started</Status>
-    <MediaServiceKeyPoints xmlns="71af3243-3dd4-4a8d-8c0d-dd76da1f02a5" xsi:nil="true"/>
-  </documentManagement>
-</p:properties>
-</file>
-
-<file path=customXml/item2.xml><?xml version="1.0" encoding="utf-8"?>
-<?mso-contentType ?>
-<FormTemplates xmlns="http://schemas.microsoft.com/sharepoint/v3/contenttype/forms">
-  <Display>DocumentLibraryForm</Display>
-  <Edit>DocumentLibraryForm</Edit>
-  <New>DocumentLibraryForm</New>
-</FormTemplates>
-</file>
-
-<file path=customXml/item3.xml><?xml version="1.0" encoding="utf-8"?>
 <ct:contentTypeSchema xmlns:ct="http://schemas.microsoft.com/office/2006/metadata/contentType" xmlns:ma="http://schemas.microsoft.com/office/2006/metadata/properties/metaAttributes" ct:_="" ma:_="" ma:contentTypeName="Document" ma:contentTypeID="0x01010079F111ED35F8CC479449609E8A0923A6" ma:contentTypeVersion="12" ma:contentTypeDescription="Create a new document." ma:contentTypeScope="" ma:versionID="426e97fa315356fffbdcd9876fe988c2">
   <xsd:schema xmlns:xsd="http://www.w3.org/2001/XMLSchema" xmlns:xs="http://www.w3.org/2001/XMLSchema" xmlns:p="http://schemas.microsoft.com/office/2006/metadata/properties" xmlns:ns2="71af3243-3dd4-4a8d-8c0d-dd76da1f02a5" xmlns:ns3="16c05727-aa75-4e4a-9b5f-8a80a1165891" targetNamespace="http://schemas.microsoft.com/office/2006/metadata/properties" ma:root="true" ma:fieldsID="14b8f0def80e6d70ce3def20c90759ae" ns2:_="" ns3:_="">
     <xsd:import namespace="71af3243-3dd4-4a8d-8c0d-dd76da1f02a5"/>
@@ -9697,25 +13707,25 @@
 </ct:contentTypeSchema>
 </file>
 
-<file path=customXml/itemProps1.xml><?xml version="1.0" encoding="utf-8"?>
-<ds:datastoreItem xmlns:ds="http://schemas.openxmlformats.org/officeDocument/2006/customXml" ds:itemID="{84F503EC-3FFF-4193-A86F-39150E2BAC75}">
-  <ds:schemaRefs>
-    <ds:schemaRef ds:uri="http://schemas.microsoft.com/office/2006/metadata/properties"/>
-    <ds:schemaRef ds:uri="http://schemas.microsoft.com/office/infopath/2007/PartnerControls"/>
-    <ds:schemaRef ds:uri="71af3243-3dd4-4a8d-8c0d-dd76da1f02a5"/>
-  </ds:schemaRefs>
-</ds:datastoreItem>
+<file path=customXml/item2.xml><?xml version="1.0" encoding="utf-8"?>
+<?mso-contentType ?>
+<FormTemplates xmlns="http://schemas.microsoft.com/sharepoint/v3/contenttype/forms">
+  <Display>DocumentLibraryForm</Display>
+  <Edit>DocumentLibraryForm</Edit>
+  <New>DocumentLibraryForm</New>
+</FormTemplates>
 </file>
 
-<file path=customXml/itemProps2.xml><?xml version="1.0" encoding="utf-8"?>
-<ds:datastoreItem xmlns:ds="http://schemas.openxmlformats.org/officeDocument/2006/customXml" ds:itemID="{2E5ECA37-C458-4BA2-A090-D7A19E07B434}">
-  <ds:schemaRefs>
-    <ds:schemaRef ds:uri="http://schemas.microsoft.com/sharepoint/v3/contenttype/forms"/>
-  </ds:schemaRefs>
-</ds:datastoreItem>
+<file path=customXml/item3.xml><?xml version="1.0" encoding="utf-8"?>
+<p:properties xmlns:p="http://schemas.microsoft.com/office/2006/metadata/properties" xmlns:xsi="http://www.w3.org/2001/XMLSchema-instance" xmlns:pc="http://schemas.microsoft.com/office/infopath/2007/PartnerControls">
+  <documentManagement>
+    <Status xmlns="71af3243-3dd4-4a8d-8c0d-dd76da1f02a5">Not started</Status>
+    <MediaServiceKeyPoints xmlns="71af3243-3dd4-4a8d-8c0d-dd76da1f02a5" xsi:nil="true"/>
+  </documentManagement>
+</p:properties>
 </file>
 
-<file path=customXml/itemProps3.xml><?xml version="1.0" encoding="utf-8"?>
+<file path=customXml/itemProps1.xml><?xml version="1.0" encoding="utf-8"?>
 <ds:datastoreItem xmlns:ds="http://schemas.openxmlformats.org/officeDocument/2006/customXml" ds:itemID="{7A26AAF5-6CFC-4C52-B7DF-08410EDE6701}">
   <ds:schemaRefs>
     <ds:schemaRef ds:uri="http://schemas.microsoft.com/office/2006/metadata/contentType"/>
@@ -9732,4 +13742,22 @@
     <ds:schemaRef ds:uri="http://schemas.microsoft.com/internal/obd"/>
   </ds:schemaRefs>
 </ds:datastoreItem>
+</file>
+
+<file path=customXml/itemProps2.xml><?xml version="1.0" encoding="utf-8"?>
+<ds:datastoreItem xmlns:ds="http://schemas.openxmlformats.org/officeDocument/2006/customXml" ds:itemID="{2E5ECA37-C458-4BA2-A090-D7A19E07B434}">
+  <ds:schemaRefs>
+    <ds:schemaRef ds:uri="http://schemas.microsoft.com/sharepoint/v3/contenttype/forms"/>
+  </ds:schemaRefs>
+</ds:datastoreItem>
+</file>
+
+<file path=customXml/itemProps3.xml><?xml version="1.0" encoding="utf-8"?>
+<ds:datastoreItem xmlns:ds="http://schemas.openxmlformats.org/officeDocument/2006/customXml" ds:itemID="{84F503EC-3FFF-4193-A86F-39150E2BAC75}">
+  <ds:schemaRefs>
+    <ds:schemaRef ds:uri="http://schemas.microsoft.com/office/2006/metadata/properties"/>
+    <ds:schemaRef ds:uri="http://schemas.microsoft.com/office/infopath/2007/PartnerControls"/>
+    <ds:schemaRef ds:uri="71af3243-3dd4-4a8d-8c0d-dd76da1f02a5"/>
+  </ds:schemaRefs>
+</ds:datastoreItem>
 </file>
--- a/PPT Presentations/DesignPatterns-BehavioralPatterns.pptx
+++ b/PPT Presentations/DesignPatterns-BehavioralPatterns.pptx
@@ -5,15 +5,19 @@
     <p:sldMasterId id="2147483660" r:id="rId4"/>
   </p:sldMasterIdLst>
   <p:notesMasterIdLst>
-    <p:notesMasterId r:id="rId11"/>
+    <p:notesMasterId r:id="rId15"/>
   </p:notesMasterIdLst>
   <p:sldIdLst>
     <p:sldId id="287" r:id="rId5"/>
     <p:sldId id="288" r:id="rId6"/>
     <p:sldId id="289" r:id="rId7"/>
     <p:sldId id="291" r:id="rId8"/>
-    <p:sldId id="292" r:id="rId9"/>
-    <p:sldId id="293" r:id="rId10"/>
+    <p:sldId id="294" r:id="rId9"/>
+    <p:sldId id="295" r:id="rId10"/>
+    <p:sldId id="292" r:id="rId11"/>
+    <p:sldId id="293" r:id="rId12"/>
+    <p:sldId id="296" r:id="rId13"/>
+    <p:sldId id="297" r:id="rId14"/>
   </p:sldIdLst>
   <p:sldSz cx="12192000" cy="6858000"/>
   <p:notesSz cx="6858000" cy="9144000"/>
@@ -120,6 +124,32 @@
 </p:presentation>
 </file>
 
+<file path=ppt/commentAuthors.xml><?xml version="1.0" encoding="utf-8"?>
+<p:cmAuthorLst xmlns:a="http://schemas.openxmlformats.org/drawingml/2006/main" xmlns:r="http://schemas.openxmlformats.org/officeDocument/2006/relationships" xmlns:p="http://schemas.openxmlformats.org/presentationml/2006/main">
+  <p:cmAuthor id="1" name="Alexandra Maria Turian" initials="AMT" lastIdx="1" clrIdx="0">
+    <p:extLst>
+      <p:ext uri="{19B8F6BF-5375-455C-9EA6-DF929625EA0E}">
+        <p15:presenceInfo xmlns:p15="http://schemas.microsoft.com/office/powerpoint/2012/main" userId="S::aturian@endava.com::f35ff52c-508c-49b1-b4cc-38fa34098c97" providerId="AD"/>
+      </p:ext>
+    </p:extLst>
+  </p:cmAuthor>
+</p:cmAuthorLst>
+</file>
+
+<file path=ppt/comments/comment1.xml><?xml version="1.0" encoding="utf-8"?>
+<p:cmLst xmlns:a="http://schemas.openxmlformats.org/drawingml/2006/main" xmlns:r="http://schemas.openxmlformats.org/officeDocument/2006/relationships" xmlns:p="http://schemas.openxmlformats.org/presentationml/2006/main">
+  <p:cm authorId="1" dt="2021-04-06T18:48:35.979" idx="1">
+    <p:pos x="10" y="10"/>
+    <p:text/>
+    <p:extLst>
+      <p:ext uri="{C676402C-5697-4E1C-873F-D02D1690AC5C}">
+        <p15:threadingInfo xmlns:p15="http://schemas.microsoft.com/office/powerpoint/2012/main" timeZoneBias="-180"/>
+      </p:ext>
+    </p:extLst>
+  </p:cm>
+</p:cmLst>
+</file>
+
 <file path=ppt/diagrams/colors1.xml><?xml version="1.0" encoding="utf-8"?>
 <dgm:colorsDef xmlns:dgm="http://schemas.openxmlformats.org/drawingml/2006/diagram" xmlns:a="http://schemas.openxmlformats.org/drawingml/2006/main" uniqueId="urn:microsoft.com/office/officeart/2005/8/colors/accent1_2">
   <dgm:title val=""/>
@@ -868,6 +898,1500 @@
 </file>
 
 <file path=ppt/diagrams/colors2.xml><?xml version="1.0" encoding="utf-8"?>
+<dgm:colorsDef xmlns:dgm="http://schemas.openxmlformats.org/drawingml/2006/diagram" xmlns:a="http://schemas.openxmlformats.org/drawingml/2006/main" uniqueId="urn:microsoft.com/office/officeart/2005/8/colors/accent1_2">
+  <dgm:title val=""/>
+  <dgm:desc val=""/>
+  <dgm:catLst>
+    <dgm:cat type="accent1" pri="11200"/>
+  </dgm:catLst>
+  <dgm:styleLbl name="node0">
+    <dgm:fillClrLst meth="repeat">
+      <a:schemeClr val="accent1"/>
+    </dgm:fillClrLst>
+    <dgm:linClrLst meth="repeat">
+      <a:schemeClr val="lt1"/>
+    </dgm:linClrLst>
+    <dgm:effectClrLst/>
+    <dgm:txLinClrLst/>
+    <dgm:txFillClrLst/>
+    <dgm:txEffectClrLst/>
+  </dgm:styleLbl>
+  <dgm:styleLbl name="alignNode1">
+    <dgm:fillClrLst meth="repeat">
+      <a:schemeClr val="accent1"/>
+    </dgm:fillClrLst>
+    <dgm:linClrLst meth="repeat">
+      <a:schemeClr val="accent1"/>
+    </dgm:linClrLst>
+    <dgm:effectClrLst/>
+    <dgm:txLinClrLst/>
+    <dgm:txFillClrLst/>
+    <dgm:txEffectClrLst/>
+  </dgm:styleLbl>
+  <dgm:styleLbl name="node1">
+    <dgm:fillClrLst meth="repeat">
+      <a:schemeClr val="accent1"/>
+    </dgm:fillClrLst>
+    <dgm:linClrLst meth="repeat">
+      <a:schemeClr val="lt1"/>
+    </dgm:linClrLst>
+    <dgm:effectClrLst/>
+    <dgm:txLinClrLst/>
+    <dgm:txFillClrLst/>
+    <dgm:txEffectClrLst/>
+  </dgm:styleLbl>
+  <dgm:styleLbl name="lnNode1">
+    <dgm:fillClrLst meth="repeat">
+      <a:schemeClr val="accent1"/>
+    </dgm:fillClrLst>
+    <dgm:linClrLst meth="repeat">
+      <a:schemeClr val="lt1"/>
+    </dgm:linClrLst>
+    <dgm:effectClrLst/>
+    <dgm:txLinClrLst/>
+    <dgm:txFillClrLst/>
+    <dgm:txEffectClrLst/>
+  </dgm:styleLbl>
+  <dgm:styleLbl name="vennNode1">
+    <dgm:fillClrLst meth="repeat">
+      <a:schemeClr val="accent1">
+        <a:alpha val="50000"/>
+      </a:schemeClr>
+    </dgm:fillClrLst>
+    <dgm:linClrLst meth="repeat">
+      <a:schemeClr val="lt1"/>
+    </dgm:linClrLst>
+    <dgm:effectClrLst/>
+    <dgm:txLinClrLst/>
+    <dgm:txFillClrLst/>
+    <dgm:txEffectClrLst/>
+  </dgm:styleLbl>
+  <dgm:styleLbl name="node2">
+    <dgm:fillClrLst meth="repeat">
+      <a:schemeClr val="accent1"/>
+    </dgm:fillClrLst>
+    <dgm:linClrLst meth="repeat">
+      <a:schemeClr val="lt1"/>
+    </dgm:linClrLst>
+    <dgm:effectClrLst/>
+    <dgm:txLinClrLst/>
+    <dgm:txFillClrLst/>
+    <dgm:txEffectClrLst/>
+  </dgm:styleLbl>
+  <dgm:styleLbl name="node3">
+    <dgm:fillClrLst meth="repeat">
+      <a:schemeClr val="accent1"/>
+    </dgm:fillClrLst>
+    <dgm:linClrLst meth="repeat">
+      <a:schemeClr val="lt1"/>
+    </dgm:linClrLst>
+    <dgm:effectClrLst/>
+    <dgm:txLinClrLst/>
+    <dgm:txFillClrLst/>
+    <dgm:txEffectClrLst/>
+  </dgm:styleLbl>
+  <dgm:styleLbl name="node4">
+    <dgm:fillClrLst meth="repeat">
+      <a:schemeClr val="accent1"/>
+    </dgm:fillClrLst>
+    <dgm:linClrLst meth="repeat">
+      <a:schemeClr val="lt1"/>
+    </dgm:linClrLst>
+    <dgm:effectClrLst/>
+    <dgm:txLinClrLst/>
+    <dgm:txFillClrLst/>
+    <dgm:txEffectClrLst/>
+  </dgm:styleLbl>
+  <dgm:styleLbl name="fgImgPlace1">
+    <dgm:fillClrLst meth="repeat">
+      <a:schemeClr val="accent1">
+        <a:tint val="50000"/>
+      </a:schemeClr>
+    </dgm:fillClrLst>
+    <dgm:linClrLst meth="repeat">
+      <a:schemeClr val="lt1"/>
+    </dgm:linClrLst>
+    <dgm:effectClrLst/>
+    <dgm:txLinClrLst/>
+    <dgm:txFillClrLst meth="repeat">
+      <a:schemeClr val="lt1"/>
+    </dgm:txFillClrLst>
+    <dgm:txEffectClrLst/>
+  </dgm:styleLbl>
+  <dgm:styleLbl name="alignImgPlace1">
+    <dgm:fillClrLst meth="repeat">
+      <a:schemeClr val="accent1">
+        <a:tint val="50000"/>
+      </a:schemeClr>
+    </dgm:fillClrLst>
+    <dgm:linClrLst meth="repeat">
+      <a:schemeClr val="lt1"/>
+    </dgm:linClrLst>
+    <dgm:effectClrLst/>
+    <dgm:txLinClrLst/>
+    <dgm:txFillClrLst meth="repeat">
+      <a:schemeClr val="lt1"/>
+    </dgm:txFillClrLst>
+    <dgm:txEffectClrLst/>
+  </dgm:styleLbl>
+  <dgm:styleLbl name="bgImgPlace1">
+    <dgm:fillClrLst meth="repeat">
+      <a:schemeClr val="accent1">
+        <a:tint val="50000"/>
+      </a:schemeClr>
+    </dgm:fillClrLst>
+    <dgm:linClrLst meth="repeat">
+      <a:schemeClr val="lt1"/>
+    </dgm:linClrLst>
+    <dgm:effectClrLst/>
+    <dgm:txLinClrLst/>
+    <dgm:txFillClrLst meth="repeat">
+      <a:schemeClr val="lt1"/>
+    </dgm:txFillClrLst>
+    <dgm:txEffectClrLst/>
+  </dgm:styleLbl>
+  <dgm:styleLbl name="sibTrans2D1">
+    <dgm:fillClrLst meth="repeat">
+      <a:schemeClr val="accent1">
+        <a:tint val="60000"/>
+      </a:schemeClr>
+    </dgm:fillClrLst>
+    <dgm:linClrLst meth="repeat">
+      <a:schemeClr val="accent1">
+        <a:tint val="60000"/>
+      </a:schemeClr>
+    </dgm:linClrLst>
+    <dgm:effectClrLst/>
+    <dgm:txLinClrLst/>
+    <dgm:txFillClrLst/>
+    <dgm:txEffectClrLst/>
+  </dgm:styleLbl>
+  <dgm:styleLbl name="fgSibTrans2D1">
+    <dgm:fillClrLst meth="repeat">
+      <a:schemeClr val="accent1">
+        <a:tint val="60000"/>
+      </a:schemeClr>
+    </dgm:fillClrLst>
+    <dgm:linClrLst meth="repeat">
+      <a:schemeClr val="accent1">
+        <a:tint val="60000"/>
+      </a:schemeClr>
+    </dgm:linClrLst>
+    <dgm:effectClrLst/>
+    <dgm:txLinClrLst/>
+    <dgm:txFillClrLst/>
+    <dgm:txEffectClrLst/>
+  </dgm:styleLbl>
+  <dgm:styleLbl name="bgSibTrans2D1">
+    <dgm:fillClrLst meth="repeat">
+      <a:schemeClr val="accent1">
+        <a:tint val="60000"/>
+      </a:schemeClr>
+    </dgm:fillClrLst>
+    <dgm:linClrLst meth="repeat">
+      <a:schemeClr val="accent1">
+        <a:tint val="60000"/>
+      </a:schemeClr>
+    </dgm:linClrLst>
+    <dgm:effectClrLst/>
+    <dgm:txLinClrLst/>
+    <dgm:txFillClrLst/>
+    <dgm:txEffectClrLst/>
+  </dgm:styleLbl>
+  <dgm:styleLbl name="sibTrans1D1">
+    <dgm:fillClrLst meth="repeat">
+      <a:schemeClr val="accent1"/>
+    </dgm:fillClrLst>
+    <dgm:linClrLst meth="repeat">
+      <a:schemeClr val="accent1"/>
+    </dgm:linClrLst>
+    <dgm:effectClrLst/>
+    <dgm:txLinClrLst/>
+    <dgm:txFillClrLst meth="repeat">
+      <a:schemeClr val="tx1"/>
+    </dgm:txFillClrLst>
+    <dgm:txEffectClrLst/>
+  </dgm:styleLbl>
+  <dgm:styleLbl name="callout">
+    <dgm:fillClrLst meth="repeat">
+      <a:schemeClr val="accent1"/>
+    </dgm:fillClrLst>
+    <dgm:linClrLst meth="repeat">
+      <a:schemeClr val="accent1">
+        <a:tint val="50000"/>
+      </a:schemeClr>
+    </dgm:linClrLst>
+    <dgm:effectClrLst/>
+    <dgm:txLinClrLst/>
+    <dgm:txFillClrLst meth="repeat">
+      <a:schemeClr val="tx1"/>
+    </dgm:txFillClrLst>
+    <dgm:txEffectClrLst/>
+  </dgm:styleLbl>
+  <dgm:styleLbl name="asst0">
+    <dgm:fillClrLst meth="repeat">
+      <a:schemeClr val="accent1"/>
+    </dgm:fillClrLst>
+    <dgm:linClrLst meth="repeat">
+      <a:schemeClr val="lt1"/>
+    </dgm:linClrLst>
+    <dgm:effectClrLst/>
+    <dgm:txLinClrLst/>
+    <dgm:txFillClrLst/>
+    <dgm:txEffectClrLst/>
+  </dgm:styleLbl>
+  <dgm:styleLbl name="asst1">
+    <dgm:fillClrLst meth="repeat">
+      <a:schemeClr val="accent1"/>
+    </dgm:fillClrLst>
+    <dgm:linClrLst meth="repeat">
+      <a:schemeClr val="lt1"/>
+    </dgm:linClrLst>
+    <dgm:effectClrLst/>
+    <dgm:txLinClrLst/>
+    <dgm:txFillClrLst/>
+    <dgm:txEffectClrLst/>
+  </dgm:styleLbl>
+  <dgm:styleLbl name="asst2">
+    <dgm:fillClrLst meth="repeat">
+      <a:schemeClr val="accent1"/>
+    </dgm:fillClrLst>
+    <dgm:linClrLst meth="repeat">
+      <a:schemeClr val="lt1"/>
+    </dgm:linClrLst>
+    <dgm:effectClrLst/>
+    <dgm:txLinClrLst/>
+    <dgm:txFillClrLst/>
+    <dgm:txEffectClrLst/>
+  </dgm:styleLbl>
+  <dgm:styleLbl name="asst3">
+    <dgm:fillClrLst meth="repeat">
+      <a:schemeClr val="accent1"/>
+    </dgm:fillClrLst>
+    <dgm:linClrLst meth="repeat">
+      <a:schemeClr val="lt1"/>
+    </dgm:linClrLst>
+    <dgm:effectClrLst/>
+    <dgm:txLinClrLst/>
+    <dgm:txFillClrLst/>
+    <dgm:txEffectClrLst/>
+  </dgm:styleLbl>
+  <dgm:styleLbl name="asst4">
+    <dgm:fillClrLst meth="repeat">
+      <a:schemeClr val="accent1"/>
+    </dgm:fillClrLst>
+    <dgm:linClrLst meth="repeat">
+      <a:schemeClr val="lt1"/>
+    </dgm:linClrLst>
+    <dgm:effectClrLst/>
+    <dgm:txLinClrLst/>
+    <dgm:txFillClrLst/>
+    <dgm:txEffectClrLst/>
+  </dgm:styleLbl>
+  <dgm:styleLbl name="parChTrans2D1">
+    <dgm:fillClrLst meth="repeat">
+      <a:schemeClr val="accent1">
+        <a:tint val="60000"/>
+      </a:schemeClr>
+    </dgm:fillClrLst>
+    <dgm:linClrLst meth="repeat">
+      <a:schemeClr val="accent1">
+        <a:tint val="60000"/>
+      </a:schemeClr>
+    </dgm:linClrLst>
+    <dgm:effectClrLst/>
+    <dgm:txLinClrLst/>
+    <dgm:txFillClrLst meth="repeat">
+      <a:schemeClr val="lt1"/>
+    </dgm:txFillClrLst>
+    <dgm:txEffectClrLst/>
+  </dgm:styleLbl>
+  <dgm:styleLbl name="parChTrans2D2">
+    <dgm:fillClrLst meth="repeat">
+      <a:schemeClr val="accent1"/>
+    </dgm:fillClrLst>
+    <dgm:linClrLst meth="repeat">
+      <a:schemeClr val="accent1"/>
+    </dgm:linClrLst>
+    <dgm:effectClrLst/>
+    <dgm:txLinClrLst/>
+    <dgm:txFillClrLst meth="repeat">
+      <a:schemeClr val="lt1"/>
+    </dgm:txFillClrLst>
+    <dgm:txEffectClrLst/>
+  </dgm:styleLbl>
+  <dgm:styleLbl name="parChTrans2D3">
+    <dgm:fillClrLst meth="repeat">
+      <a:schemeClr val="accent1"/>
+    </dgm:fillClrLst>
+    <dgm:linClrLst meth="repeat">
+      <a:schemeClr val="accent1"/>
+    </dgm:linClrLst>
+    <dgm:effectClrLst/>
+    <dgm:txLinClrLst/>
+    <dgm:txFillClrLst meth="repeat">
+      <a:schemeClr val="lt1"/>
+    </dgm:txFillClrLst>
+    <dgm:txEffectClrLst/>
+  </dgm:styleLbl>
+  <dgm:styleLbl name="parChTrans2D4">
+    <dgm:fillClrLst meth="repeat">
+      <a:schemeClr val="accent1"/>
+    </dgm:fillClrLst>
+    <dgm:linClrLst meth="repeat">
+      <a:schemeClr val="accent1"/>
+    </dgm:linClrLst>
+    <dgm:effectClrLst/>
+    <dgm:txLinClrLst/>
+    <dgm:txFillClrLst meth="repeat">
+      <a:schemeClr val="lt1"/>
+    </dgm:txFillClrLst>
+    <dgm:txEffectClrLst/>
+  </dgm:styleLbl>
+  <dgm:styleLbl name="parChTrans1D1">
+    <dgm:fillClrLst meth="repeat">
+      <a:schemeClr val="accent1"/>
+    </dgm:fillClrLst>
+    <dgm:linClrLst meth="repeat">
+      <a:schemeClr val="accent1">
+        <a:shade val="60000"/>
+      </a:schemeClr>
+    </dgm:linClrLst>
+    <dgm:effectClrLst/>
+    <dgm:txLinClrLst/>
+    <dgm:txFillClrLst meth="repeat">
+      <a:schemeClr val="tx1"/>
+    </dgm:txFillClrLst>
+    <dgm:txEffectClrLst/>
+  </dgm:styleLbl>
+  <dgm:styleLbl name="parChTrans1D2">
+    <dgm:fillClrLst meth="repeat">
+      <a:schemeClr val="accent1"/>
+    </dgm:fillClrLst>
+    <dgm:linClrLst meth="repeat">
+      <a:schemeClr val="accent1">
+        <a:shade val="60000"/>
+      </a:schemeClr>
+    </dgm:linClrLst>
+    <dgm:effectClrLst/>
+    <dgm:txLinClrLst/>
+    <dgm:txFillClrLst meth="repeat">
+      <a:schemeClr val="tx1"/>
+    </dgm:txFillClrLst>
+    <dgm:txEffectClrLst/>
+  </dgm:styleLbl>
+  <dgm:styleLbl name="parChTrans1D3">
+    <dgm:fillClrLst meth="repeat">
+      <a:schemeClr val="accent1"/>
+    </dgm:fillClrLst>
+    <dgm:linClrLst meth="repeat">
+      <a:schemeClr val="accent1">
+        <a:shade val="80000"/>
+      </a:schemeClr>
+    </dgm:linClrLst>
+    <dgm:effectClrLst/>
+    <dgm:txLinClrLst/>
+    <dgm:txFillClrLst meth="repeat">
+      <a:schemeClr val="tx1"/>
+    </dgm:txFillClrLst>
+    <dgm:txEffectClrLst/>
+  </dgm:styleLbl>
+  <dgm:styleLbl name="parChTrans1D4">
+    <dgm:fillClrLst meth="repeat">
+      <a:schemeClr val="accent1"/>
+    </dgm:fillClrLst>
+    <dgm:linClrLst meth="repeat">
+      <a:schemeClr val="accent1">
+        <a:shade val="80000"/>
+      </a:schemeClr>
+    </dgm:linClrLst>
+    <dgm:effectClrLst/>
+    <dgm:txLinClrLst/>
+    <dgm:txFillClrLst meth="repeat">
+      <a:schemeClr val="tx1"/>
+    </dgm:txFillClrLst>
+    <dgm:txEffectClrLst/>
+  </dgm:styleLbl>
+  <dgm:styleLbl name="fgAcc1">
+    <dgm:fillClrLst meth="repeat">
+      <a:schemeClr val="lt1">
+        <a:alpha val="90000"/>
+      </a:schemeClr>
+    </dgm:fillClrLst>
+    <dgm:linClrLst meth="repeat">
+      <a:schemeClr val="accent1"/>
+    </dgm:linClrLst>
+    <dgm:effectClrLst/>
+    <dgm:txLinClrLst/>
+    <dgm:txFillClrLst meth="repeat">
+      <a:schemeClr val="dk1"/>
+    </dgm:txFillClrLst>
+    <dgm:txEffectClrLst/>
+  </dgm:styleLbl>
+  <dgm:styleLbl name="conFgAcc1">
+    <dgm:fillClrLst meth="repeat">
+      <a:schemeClr val="lt1">
+        <a:alpha val="90000"/>
+      </a:schemeClr>
+    </dgm:fillClrLst>
+    <dgm:linClrLst meth="repeat">
+      <a:schemeClr val="accent1"/>
+    </dgm:linClrLst>
+    <dgm:effectClrLst/>
+    <dgm:txLinClrLst/>
+    <dgm:txFillClrLst meth="repeat">
+      <a:schemeClr val="dk1"/>
+    </dgm:txFillClrLst>
+    <dgm:txEffectClrLst/>
+  </dgm:styleLbl>
+  <dgm:styleLbl name="alignAcc1">
+    <dgm:fillClrLst meth="repeat">
+      <a:schemeClr val="lt1">
+        <a:alpha val="90000"/>
+      </a:schemeClr>
+    </dgm:fillClrLst>
+    <dgm:linClrLst meth="repeat">
+      <a:schemeClr val="accent1"/>
+    </dgm:linClrLst>
+    <dgm:effectClrLst/>
+    <dgm:txLinClrLst/>
+    <dgm:txFillClrLst meth="repeat">
+      <a:schemeClr val="dk1"/>
+    </dgm:txFillClrLst>
+    <dgm:txEffectClrLst/>
+  </dgm:styleLbl>
+  <dgm:styleLbl name="trAlignAcc1">
+    <dgm:fillClrLst meth="repeat">
+      <a:schemeClr val="lt1">
+        <a:alpha val="40000"/>
+      </a:schemeClr>
+    </dgm:fillClrLst>
+    <dgm:linClrLst meth="repeat">
+      <a:schemeClr val="accent1"/>
+    </dgm:linClrLst>
+    <dgm:effectClrLst/>
+    <dgm:txLinClrLst/>
+    <dgm:txFillClrLst meth="repeat">
+      <a:schemeClr val="dk1"/>
+    </dgm:txFillClrLst>
+    <dgm:txEffectClrLst/>
+  </dgm:styleLbl>
+  <dgm:styleLbl name="bgAcc1">
+    <dgm:fillClrLst meth="repeat">
+      <a:schemeClr val="lt1">
+        <a:alpha val="90000"/>
+      </a:schemeClr>
+    </dgm:fillClrLst>
+    <dgm:linClrLst meth="repeat">
+      <a:schemeClr val="accent1"/>
+    </dgm:linClrLst>
+    <dgm:effectClrLst/>
+    <dgm:txLinClrLst/>
+    <dgm:txFillClrLst meth="repeat">
+      <a:schemeClr val="dk1"/>
+    </dgm:txFillClrLst>
+    <dgm:txEffectClrLst/>
+  </dgm:styleLbl>
+  <dgm:styleLbl name="solidFgAcc1">
+    <dgm:fillClrLst meth="repeat">
+      <a:schemeClr val="lt1"/>
+    </dgm:fillClrLst>
+    <dgm:linClrLst meth="repeat">
+      <a:schemeClr val="accent1"/>
+    </dgm:linClrLst>
+    <dgm:effectClrLst/>
+    <dgm:txLinClrLst/>
+    <dgm:txFillClrLst meth="repeat">
+      <a:schemeClr val="dk1"/>
+    </dgm:txFillClrLst>
+    <dgm:txEffectClrLst/>
+  </dgm:styleLbl>
+  <dgm:styleLbl name="solidAlignAcc1">
+    <dgm:fillClrLst meth="repeat">
+      <a:schemeClr val="lt1"/>
+    </dgm:fillClrLst>
+    <dgm:linClrLst meth="repeat">
+      <a:schemeClr val="accent1"/>
+    </dgm:linClrLst>
+    <dgm:effectClrLst/>
+    <dgm:txLinClrLst/>
+    <dgm:txFillClrLst meth="repeat">
+      <a:schemeClr val="dk1"/>
+    </dgm:txFillClrLst>
+    <dgm:txEffectClrLst/>
+  </dgm:styleLbl>
+  <dgm:styleLbl name="solidBgAcc1">
+    <dgm:fillClrLst meth="repeat">
+      <a:schemeClr val="lt1"/>
+    </dgm:fillClrLst>
+    <dgm:linClrLst meth="repeat">
+      <a:schemeClr val="accent1"/>
+    </dgm:linClrLst>
+    <dgm:effectClrLst/>
+    <dgm:txLinClrLst/>
+    <dgm:txFillClrLst meth="repeat">
+      <a:schemeClr val="dk1"/>
+    </dgm:txFillClrLst>
+    <dgm:txEffectClrLst/>
+  </dgm:styleLbl>
+  <dgm:styleLbl name="fgAccFollowNode1">
+    <dgm:fillClrLst meth="repeat">
+      <a:schemeClr val="accent1">
+        <a:alpha val="90000"/>
+        <a:tint val="40000"/>
+      </a:schemeClr>
+    </dgm:fillClrLst>
+    <dgm:linClrLst meth="repeat">
+      <a:schemeClr val="accent1">
+        <a:alpha val="90000"/>
+        <a:tint val="40000"/>
+      </a:schemeClr>
+    </dgm:linClrLst>
+    <dgm:effectClrLst/>
+    <dgm:txLinClrLst/>
+    <dgm:txFillClrLst meth="repeat">
+      <a:schemeClr val="dk1"/>
+    </dgm:txFillClrLst>
+    <dgm:txEffectClrLst/>
+  </dgm:styleLbl>
+  <dgm:styleLbl name="alignAccFollowNode1">
+    <dgm:fillClrLst meth="repeat">
+      <a:schemeClr val="accent1">
+        <a:alpha val="90000"/>
+        <a:tint val="40000"/>
+      </a:schemeClr>
+    </dgm:fillClrLst>
+    <dgm:linClrLst meth="repeat">
+      <a:schemeClr val="accent1">
+        <a:alpha val="90000"/>
+        <a:tint val="40000"/>
+      </a:schemeClr>
+    </dgm:linClrLst>
+    <dgm:effectClrLst/>
+    <dgm:txLinClrLst/>
+    <dgm:txFillClrLst meth="repeat">
+      <a:schemeClr val="dk1"/>
+    </dgm:txFillClrLst>
+    <dgm:txEffectClrLst/>
+  </dgm:styleLbl>
+  <dgm:styleLbl name="bgAccFollowNode1">
+    <dgm:fillClrLst meth="repeat">
+      <a:schemeClr val="accent1">
+        <a:alpha val="90000"/>
+        <a:tint val="40000"/>
+      </a:schemeClr>
+    </dgm:fillClrLst>
+    <dgm:linClrLst meth="repeat">
+      <a:schemeClr val="accent1">
+        <a:alpha val="90000"/>
+        <a:tint val="40000"/>
+      </a:schemeClr>
+    </dgm:linClrLst>
+    <dgm:effectClrLst/>
+    <dgm:txLinClrLst/>
+    <dgm:txFillClrLst meth="repeat">
+      <a:schemeClr val="dk1"/>
+    </dgm:txFillClrLst>
+    <dgm:txEffectClrLst/>
+  </dgm:styleLbl>
+  <dgm:styleLbl name="fgAcc0">
+    <dgm:fillClrLst meth="repeat">
+      <a:schemeClr val="lt1">
+        <a:alpha val="90000"/>
+      </a:schemeClr>
+    </dgm:fillClrLst>
+    <dgm:linClrLst meth="repeat">
+      <a:schemeClr val="accent1"/>
+    </dgm:linClrLst>
+    <dgm:effectClrLst/>
+    <dgm:txLinClrLst/>
+    <dgm:txFillClrLst meth="repeat">
+      <a:schemeClr val="dk1"/>
+    </dgm:txFillClrLst>
+    <dgm:txEffectClrLst/>
+  </dgm:styleLbl>
+  <dgm:styleLbl name="fgAcc2">
+    <dgm:fillClrLst meth="repeat">
+      <a:schemeClr val="lt1">
+        <a:alpha val="90000"/>
+      </a:schemeClr>
+    </dgm:fillClrLst>
+    <dgm:linClrLst meth="repeat">
+      <a:schemeClr val="accent1"/>
+    </dgm:linClrLst>
+    <dgm:effectClrLst/>
+    <dgm:txLinClrLst/>
+    <dgm:txFillClrLst meth="repeat">
+      <a:schemeClr val="dk1"/>
+    </dgm:txFillClrLst>
+    <dgm:txEffectClrLst/>
+  </dgm:styleLbl>
+  <dgm:styleLbl name="fgAcc3">
+    <dgm:fillClrLst meth="repeat">
+      <a:schemeClr val="lt1">
+        <a:alpha val="90000"/>
+      </a:schemeClr>
+    </dgm:fillClrLst>
+    <dgm:linClrLst meth="repeat">
+      <a:schemeClr val="accent1"/>
+    </dgm:linClrLst>
+    <dgm:effectClrLst/>
+    <dgm:txLinClrLst/>
+    <dgm:txFillClrLst meth="repeat">
+      <a:schemeClr val="dk1"/>
+    </dgm:txFillClrLst>
+    <dgm:txEffectClrLst/>
+  </dgm:styleLbl>
+  <dgm:styleLbl name="fgAcc4">
+    <dgm:fillClrLst meth="repeat">
+      <a:schemeClr val="lt1">
+        <a:alpha val="90000"/>
+      </a:schemeClr>
+    </dgm:fillClrLst>
+    <dgm:linClrLst meth="repeat">
+      <a:schemeClr val="accent1"/>
+    </dgm:linClrLst>
+    <dgm:effectClrLst/>
+    <dgm:txLinClrLst/>
+    <dgm:txFillClrLst meth="repeat">
+      <a:schemeClr val="dk1"/>
+    </dgm:txFillClrLst>
+    <dgm:txEffectClrLst/>
+  </dgm:styleLbl>
+  <dgm:styleLbl name="bgShp">
+    <dgm:fillClrLst meth="repeat">
+      <a:schemeClr val="accent1">
+        <a:tint val="40000"/>
+      </a:schemeClr>
+    </dgm:fillClrLst>
+    <dgm:linClrLst meth="repeat">
+      <a:schemeClr val="accent1"/>
+    </dgm:linClrLst>
+    <dgm:effectClrLst/>
+    <dgm:txLinClrLst/>
+    <dgm:txFillClrLst meth="repeat">
+      <a:schemeClr val="dk1"/>
+    </dgm:txFillClrLst>
+    <dgm:txEffectClrLst/>
+  </dgm:styleLbl>
+  <dgm:styleLbl name="dkBgShp">
+    <dgm:fillClrLst meth="repeat">
+      <a:schemeClr val="accent1">
+        <a:shade val="80000"/>
+      </a:schemeClr>
+    </dgm:fillClrLst>
+    <dgm:linClrLst meth="repeat">
+      <a:schemeClr val="accent1"/>
+    </dgm:linClrLst>
+    <dgm:effectClrLst/>
+    <dgm:txLinClrLst/>
+    <dgm:txFillClrLst meth="repeat">
+      <a:schemeClr val="lt1"/>
+    </dgm:txFillClrLst>
+    <dgm:txEffectClrLst/>
+  </dgm:styleLbl>
+  <dgm:styleLbl name="trBgShp">
+    <dgm:fillClrLst meth="repeat">
+      <a:schemeClr val="accent1">
+        <a:tint val="50000"/>
+        <a:alpha val="40000"/>
+      </a:schemeClr>
+    </dgm:fillClrLst>
+    <dgm:linClrLst meth="repeat">
+      <a:schemeClr val="accent1"/>
+    </dgm:linClrLst>
+    <dgm:effectClrLst/>
+    <dgm:txLinClrLst/>
+    <dgm:txFillClrLst meth="repeat">
+      <a:schemeClr val="lt1"/>
+    </dgm:txFillClrLst>
+    <dgm:txEffectClrLst/>
+  </dgm:styleLbl>
+  <dgm:styleLbl name="fgShp">
+    <dgm:fillClrLst meth="repeat">
+      <a:schemeClr val="accent1">
+        <a:tint val="60000"/>
+      </a:schemeClr>
+    </dgm:fillClrLst>
+    <dgm:linClrLst meth="repeat">
+      <a:schemeClr val="lt1"/>
+    </dgm:linClrLst>
+    <dgm:effectClrLst/>
+    <dgm:txLinClrLst/>
+    <dgm:txFillClrLst meth="repeat">
+      <a:schemeClr val="dk1"/>
+    </dgm:txFillClrLst>
+    <dgm:txEffectClrLst/>
+  </dgm:styleLbl>
+  <dgm:styleLbl name="revTx">
+    <dgm:fillClrLst meth="repeat">
+      <a:schemeClr val="lt1">
+        <a:alpha val="0"/>
+      </a:schemeClr>
+    </dgm:fillClrLst>
+    <dgm:linClrLst meth="repeat">
+      <a:schemeClr val="dk1">
+        <a:alpha val="0"/>
+      </a:schemeClr>
+    </dgm:linClrLst>
+    <dgm:effectClrLst/>
+    <dgm:txLinClrLst/>
+    <dgm:txFillClrLst meth="repeat">
+      <a:schemeClr val="tx1"/>
+    </dgm:txFillClrLst>
+    <dgm:txEffectClrLst/>
+  </dgm:styleLbl>
+</dgm:colorsDef>
+</file>
+
+<file path=ppt/diagrams/colors3.xml><?xml version="1.0" encoding="utf-8"?>
+<dgm:colorsDef xmlns:dgm="http://schemas.openxmlformats.org/drawingml/2006/diagram" xmlns:a="http://schemas.openxmlformats.org/drawingml/2006/main" uniqueId="urn:microsoft.com/office/officeart/2005/8/colors/accent1_2">
+  <dgm:title val=""/>
+  <dgm:desc val=""/>
+  <dgm:catLst>
+    <dgm:cat type="accent1" pri="11200"/>
+  </dgm:catLst>
+  <dgm:styleLbl name="node0">
+    <dgm:fillClrLst meth="repeat">
+      <a:schemeClr val="accent1"/>
+    </dgm:fillClrLst>
+    <dgm:linClrLst meth="repeat">
+      <a:schemeClr val="lt1"/>
+    </dgm:linClrLst>
+    <dgm:effectClrLst/>
+    <dgm:txLinClrLst/>
+    <dgm:txFillClrLst/>
+    <dgm:txEffectClrLst/>
+  </dgm:styleLbl>
+  <dgm:styleLbl name="alignNode1">
+    <dgm:fillClrLst meth="repeat">
+      <a:schemeClr val="accent1"/>
+    </dgm:fillClrLst>
+    <dgm:linClrLst meth="repeat">
+      <a:schemeClr val="accent1"/>
+    </dgm:linClrLst>
+    <dgm:effectClrLst/>
+    <dgm:txLinClrLst/>
+    <dgm:txFillClrLst/>
+    <dgm:txEffectClrLst/>
+  </dgm:styleLbl>
+  <dgm:styleLbl name="node1">
+    <dgm:fillClrLst meth="repeat">
+      <a:schemeClr val="accent1"/>
+    </dgm:fillClrLst>
+    <dgm:linClrLst meth="repeat">
+      <a:schemeClr val="lt1"/>
+    </dgm:linClrLst>
+    <dgm:effectClrLst/>
+    <dgm:txLinClrLst/>
+    <dgm:txFillClrLst/>
+    <dgm:txEffectClrLst/>
+  </dgm:styleLbl>
+  <dgm:styleLbl name="lnNode1">
+    <dgm:fillClrLst meth="repeat">
+      <a:schemeClr val="accent1"/>
+    </dgm:fillClrLst>
+    <dgm:linClrLst meth="repeat">
+      <a:schemeClr val="lt1"/>
+    </dgm:linClrLst>
+    <dgm:effectClrLst/>
+    <dgm:txLinClrLst/>
+    <dgm:txFillClrLst/>
+    <dgm:txEffectClrLst/>
+  </dgm:styleLbl>
+  <dgm:styleLbl name="vennNode1">
+    <dgm:fillClrLst meth="repeat">
+      <a:schemeClr val="accent1">
+        <a:alpha val="50000"/>
+      </a:schemeClr>
+    </dgm:fillClrLst>
+    <dgm:linClrLst meth="repeat">
+      <a:schemeClr val="lt1"/>
+    </dgm:linClrLst>
+    <dgm:effectClrLst/>
+    <dgm:txLinClrLst/>
+    <dgm:txFillClrLst/>
+    <dgm:txEffectClrLst/>
+  </dgm:styleLbl>
+  <dgm:styleLbl name="node2">
+    <dgm:fillClrLst meth="repeat">
+      <a:schemeClr val="accent1"/>
+    </dgm:fillClrLst>
+    <dgm:linClrLst meth="repeat">
+      <a:schemeClr val="lt1"/>
+    </dgm:linClrLst>
+    <dgm:effectClrLst/>
+    <dgm:txLinClrLst/>
+    <dgm:txFillClrLst/>
+    <dgm:txEffectClrLst/>
+  </dgm:styleLbl>
+  <dgm:styleLbl name="node3">
+    <dgm:fillClrLst meth="repeat">
+      <a:schemeClr val="accent1"/>
+    </dgm:fillClrLst>
+    <dgm:linClrLst meth="repeat">
+      <a:schemeClr val="lt1"/>
+    </dgm:linClrLst>
+    <dgm:effectClrLst/>
+    <dgm:txLinClrLst/>
+    <dgm:txFillClrLst/>
+    <dgm:txEffectClrLst/>
+  </dgm:styleLbl>
+  <dgm:styleLbl name="node4">
+    <dgm:fillClrLst meth="repeat">
+      <a:schemeClr val="accent1"/>
+    </dgm:fillClrLst>
+    <dgm:linClrLst meth="repeat">
+      <a:schemeClr val="lt1"/>
+    </dgm:linClrLst>
+    <dgm:effectClrLst/>
+    <dgm:txLinClrLst/>
+    <dgm:txFillClrLst/>
+    <dgm:txEffectClrLst/>
+  </dgm:styleLbl>
+  <dgm:styleLbl name="fgImgPlace1">
+    <dgm:fillClrLst meth="repeat">
+      <a:schemeClr val="accent1">
+        <a:tint val="50000"/>
+      </a:schemeClr>
+    </dgm:fillClrLst>
+    <dgm:linClrLst meth="repeat">
+      <a:schemeClr val="lt1"/>
+    </dgm:linClrLst>
+    <dgm:effectClrLst/>
+    <dgm:txLinClrLst/>
+    <dgm:txFillClrLst meth="repeat">
+      <a:schemeClr val="lt1"/>
+    </dgm:txFillClrLst>
+    <dgm:txEffectClrLst/>
+  </dgm:styleLbl>
+  <dgm:styleLbl name="alignImgPlace1">
+    <dgm:fillClrLst meth="repeat">
+      <a:schemeClr val="accent1">
+        <a:tint val="50000"/>
+      </a:schemeClr>
+    </dgm:fillClrLst>
+    <dgm:linClrLst meth="repeat">
+      <a:schemeClr val="lt1"/>
+    </dgm:linClrLst>
+    <dgm:effectClrLst/>
+    <dgm:txLinClrLst/>
+    <dgm:txFillClrLst meth="repeat">
+      <a:schemeClr val="lt1"/>
+    </dgm:txFillClrLst>
+    <dgm:txEffectClrLst/>
+  </dgm:styleLbl>
+  <dgm:styleLbl name="bgImgPlace1">
+    <dgm:fillClrLst meth="repeat">
+      <a:schemeClr val="accent1">
+        <a:tint val="50000"/>
+      </a:schemeClr>
+    </dgm:fillClrLst>
+    <dgm:linClrLst meth="repeat">
+      <a:schemeClr val="lt1"/>
+    </dgm:linClrLst>
+    <dgm:effectClrLst/>
+    <dgm:txLinClrLst/>
+    <dgm:txFillClrLst meth="repeat">
+      <a:schemeClr val="lt1"/>
+    </dgm:txFillClrLst>
+    <dgm:txEffectClrLst/>
+  </dgm:styleLbl>
+  <dgm:styleLbl name="sibTrans2D1">
+    <dgm:fillClrLst meth="repeat">
+      <a:schemeClr val="accent1">
+        <a:tint val="60000"/>
+      </a:schemeClr>
+    </dgm:fillClrLst>
+    <dgm:linClrLst meth="repeat">
+      <a:schemeClr val="accent1">
+        <a:tint val="60000"/>
+      </a:schemeClr>
+    </dgm:linClrLst>
+    <dgm:effectClrLst/>
+    <dgm:txLinClrLst/>
+    <dgm:txFillClrLst/>
+    <dgm:txEffectClrLst/>
+  </dgm:styleLbl>
+  <dgm:styleLbl name="fgSibTrans2D1">
+    <dgm:fillClrLst meth="repeat">
+      <a:schemeClr val="accent1">
+        <a:tint val="60000"/>
+      </a:schemeClr>
+    </dgm:fillClrLst>
+    <dgm:linClrLst meth="repeat">
+      <a:schemeClr val="accent1">
+        <a:tint val="60000"/>
+      </a:schemeClr>
+    </dgm:linClrLst>
+    <dgm:effectClrLst/>
+    <dgm:txLinClrLst/>
+    <dgm:txFillClrLst/>
+    <dgm:txEffectClrLst/>
+  </dgm:styleLbl>
+  <dgm:styleLbl name="bgSibTrans2D1">
+    <dgm:fillClrLst meth="repeat">
+      <a:schemeClr val="accent1">
+        <a:tint val="60000"/>
+      </a:schemeClr>
+    </dgm:fillClrLst>
+    <dgm:linClrLst meth="repeat">
+      <a:schemeClr val="accent1">
+        <a:tint val="60000"/>
+      </a:schemeClr>
+    </dgm:linClrLst>
+    <dgm:effectClrLst/>
+    <dgm:txLinClrLst/>
+    <dgm:txFillClrLst/>
+    <dgm:txEffectClrLst/>
+  </dgm:styleLbl>
+  <dgm:styleLbl name="sibTrans1D1">
+    <dgm:fillClrLst meth="repeat">
+      <a:schemeClr val="accent1"/>
+    </dgm:fillClrLst>
+    <dgm:linClrLst meth="repeat">
+      <a:schemeClr val="accent1"/>
+    </dgm:linClrLst>
+    <dgm:effectClrLst/>
+    <dgm:txLinClrLst/>
+    <dgm:txFillClrLst meth="repeat">
+      <a:schemeClr val="tx1"/>
+    </dgm:txFillClrLst>
+    <dgm:txEffectClrLst/>
+  </dgm:styleLbl>
+  <dgm:styleLbl name="callout">
+    <dgm:fillClrLst meth="repeat">
+      <a:schemeClr val="accent1"/>
+    </dgm:fillClrLst>
+    <dgm:linClrLst meth="repeat">
+      <a:schemeClr val="accent1">
+        <a:tint val="50000"/>
+      </a:schemeClr>
+    </dgm:linClrLst>
+    <dgm:effectClrLst/>
+    <dgm:txLinClrLst/>
+    <dgm:txFillClrLst meth="repeat">
+      <a:schemeClr val="tx1"/>
+    </dgm:txFillClrLst>
+    <dgm:txEffectClrLst/>
+  </dgm:styleLbl>
+  <dgm:styleLbl name="asst0">
+    <dgm:fillClrLst meth="repeat">
+      <a:schemeClr val="accent1"/>
+    </dgm:fillClrLst>
+    <dgm:linClrLst meth="repeat">
+      <a:schemeClr val="lt1"/>
+    </dgm:linClrLst>
+    <dgm:effectClrLst/>
+    <dgm:txLinClrLst/>
+    <dgm:txFillClrLst/>
+    <dgm:txEffectClrLst/>
+  </dgm:styleLbl>
+  <dgm:styleLbl name="asst1">
+    <dgm:fillClrLst meth="repeat">
+      <a:schemeClr val="accent1"/>
+    </dgm:fillClrLst>
+    <dgm:linClrLst meth="repeat">
+      <a:schemeClr val="lt1"/>
+    </dgm:linClrLst>
+    <dgm:effectClrLst/>
+    <dgm:txLinClrLst/>
+    <dgm:txFillClrLst/>
+    <dgm:txEffectClrLst/>
+  </dgm:styleLbl>
+  <dgm:styleLbl name="asst2">
+    <dgm:fillClrLst meth="repeat">
+      <a:schemeClr val="accent1"/>
+    </dgm:fillClrLst>
+    <dgm:linClrLst meth="repeat">
+      <a:schemeClr val="lt1"/>
+    </dgm:linClrLst>
+    <dgm:effectClrLst/>
+    <dgm:txLinClrLst/>
+    <dgm:txFillClrLst/>
+    <dgm:txEffectClrLst/>
+  </dgm:styleLbl>
+  <dgm:styleLbl name="asst3">
+    <dgm:fillClrLst meth="repeat">
+      <a:schemeClr val="accent1"/>
+    </dgm:fillClrLst>
+    <dgm:linClrLst meth="repeat">
+      <a:schemeClr val="lt1"/>
+    </dgm:linClrLst>
+    <dgm:effectClrLst/>
+    <dgm:txLinClrLst/>
+    <dgm:txFillClrLst/>
+    <dgm:txEffectClrLst/>
+  </dgm:styleLbl>
+  <dgm:styleLbl name="asst4">
+    <dgm:fillClrLst meth="repeat">
+      <a:schemeClr val="accent1"/>
+    </dgm:fillClrLst>
+    <dgm:linClrLst meth="repeat">
+      <a:schemeClr val="lt1"/>
+    </dgm:linClrLst>
+    <dgm:effectClrLst/>
+    <dgm:txLinClrLst/>
+    <dgm:txFillClrLst/>
+    <dgm:txEffectClrLst/>
+  </dgm:styleLbl>
+  <dgm:styleLbl name="parChTrans2D1">
+    <dgm:fillClrLst meth="repeat">
+      <a:schemeClr val="accent1">
+        <a:tint val="60000"/>
+      </a:schemeClr>
+    </dgm:fillClrLst>
+    <dgm:linClrLst meth="repeat">
+      <a:schemeClr val="accent1">
+        <a:tint val="60000"/>
+      </a:schemeClr>
+    </dgm:linClrLst>
+    <dgm:effectClrLst/>
+    <dgm:txLinClrLst/>
+    <dgm:txFillClrLst meth="repeat">
+      <a:schemeClr val="lt1"/>
+    </dgm:txFillClrLst>
+    <dgm:txEffectClrLst/>
+  </dgm:styleLbl>
+  <dgm:styleLbl name="parChTrans2D2">
+    <dgm:fillClrLst meth="repeat">
+      <a:schemeClr val="accent1"/>
+    </dgm:fillClrLst>
+    <dgm:linClrLst meth="repeat">
+      <a:schemeClr val="accent1"/>
+    </dgm:linClrLst>
+    <dgm:effectClrLst/>
+    <dgm:txLinClrLst/>
+    <dgm:txFillClrLst meth="repeat">
+      <a:schemeClr val="lt1"/>
+    </dgm:txFillClrLst>
+    <dgm:txEffectClrLst/>
+  </dgm:styleLbl>
+  <dgm:styleLbl name="parChTrans2D3">
+    <dgm:fillClrLst meth="repeat">
+      <a:schemeClr val="accent1"/>
+    </dgm:fillClrLst>
+    <dgm:linClrLst meth="repeat">
+      <a:schemeClr val="accent1"/>
+    </dgm:linClrLst>
+    <dgm:effectClrLst/>
+    <dgm:txLinClrLst/>
+    <dgm:txFillClrLst meth="repeat">
+      <a:schemeClr val="lt1"/>
+    </dgm:txFillClrLst>
+    <dgm:txEffectClrLst/>
+  </dgm:styleLbl>
+  <dgm:styleLbl name="parChTrans2D4">
+    <dgm:fillClrLst meth="repeat">
+      <a:schemeClr val="accent1"/>
+    </dgm:fillClrLst>
+    <dgm:linClrLst meth="repeat">
+      <a:schemeClr val="accent1"/>
+    </dgm:linClrLst>
+    <dgm:effectClrLst/>
+    <dgm:txLinClrLst/>
+    <dgm:txFillClrLst meth="repeat">
+      <a:schemeClr val="lt1"/>
+    </dgm:txFillClrLst>
+    <dgm:txEffectClrLst/>
+  </dgm:styleLbl>
+  <dgm:styleLbl name="parChTrans1D1">
+    <dgm:fillClrLst meth="repeat">
+      <a:schemeClr val="accent1"/>
+    </dgm:fillClrLst>
+    <dgm:linClrLst meth="repeat">
+      <a:schemeClr val="accent1">
+        <a:shade val="60000"/>
+      </a:schemeClr>
+    </dgm:linClrLst>
+    <dgm:effectClrLst/>
+    <dgm:txLinClrLst/>
+    <dgm:txFillClrLst meth="repeat">
+      <a:schemeClr val="tx1"/>
+    </dgm:txFillClrLst>
+    <dgm:txEffectClrLst/>
+  </dgm:styleLbl>
+  <dgm:styleLbl name="parChTrans1D2">
+    <dgm:fillClrLst meth="repeat">
+      <a:schemeClr val="accent1"/>
+    </dgm:fillClrLst>
+    <dgm:linClrLst meth="repeat">
+      <a:schemeClr val="accent1">
+        <a:shade val="60000"/>
+      </a:schemeClr>
+    </dgm:linClrLst>
+    <dgm:effectClrLst/>
+    <dgm:txLinClrLst/>
+    <dgm:txFillClrLst meth="repeat">
+      <a:schemeClr val="tx1"/>
+    </dgm:txFillClrLst>
+    <dgm:txEffectClrLst/>
+  </dgm:styleLbl>
+  <dgm:styleLbl name="parChTrans1D3">
+    <dgm:fillClrLst meth="repeat">
+      <a:schemeClr val="accent1"/>
+    </dgm:fillClrLst>
+    <dgm:linClrLst meth="repeat">
+      <a:schemeClr val="accent1">
+        <a:shade val="80000"/>
+      </a:schemeClr>
+    </dgm:linClrLst>
+    <dgm:effectClrLst/>
+    <dgm:txLinClrLst/>
+    <dgm:txFillClrLst meth="repeat">
+      <a:schemeClr val="tx1"/>
+    </dgm:txFillClrLst>
+    <dgm:txEffectClrLst/>
+  </dgm:styleLbl>
+  <dgm:styleLbl name="parChTrans1D4">
+    <dgm:fillClrLst meth="repeat">
+      <a:schemeClr val="accent1"/>
+    </dgm:fillClrLst>
+    <dgm:linClrLst meth="repeat">
+      <a:schemeClr val="accent1">
+        <a:shade val="80000"/>
+      </a:schemeClr>
+    </dgm:linClrLst>
+    <dgm:effectClrLst/>
+    <dgm:txLinClrLst/>
+    <dgm:txFillClrLst meth="repeat">
+      <a:schemeClr val="tx1"/>
+    </dgm:txFillClrLst>
+    <dgm:txEffectClrLst/>
+  </dgm:styleLbl>
+  <dgm:styleLbl name="fgAcc1">
+    <dgm:fillClrLst meth="repeat">
+      <a:schemeClr val="lt1">
+        <a:alpha val="90000"/>
+      </a:schemeClr>
+    </dgm:fillClrLst>
+    <dgm:linClrLst meth="repeat">
+      <a:schemeClr val="accent1"/>
+    </dgm:linClrLst>
+    <dgm:effectClrLst/>
+    <dgm:txLinClrLst/>
+    <dgm:txFillClrLst meth="repeat">
+      <a:schemeClr val="dk1"/>
+    </dgm:txFillClrLst>
+    <dgm:txEffectClrLst/>
+  </dgm:styleLbl>
+  <dgm:styleLbl name="conFgAcc1">
+    <dgm:fillClrLst meth="repeat">
+      <a:schemeClr val="lt1">
+        <a:alpha val="90000"/>
+      </a:schemeClr>
+    </dgm:fillClrLst>
+    <dgm:linClrLst meth="repeat">
+      <a:schemeClr val="accent1"/>
+    </dgm:linClrLst>
+    <dgm:effectClrLst/>
+    <dgm:txLinClrLst/>
+    <dgm:txFillClrLst meth="repeat">
+      <a:schemeClr val="dk1"/>
+    </dgm:txFillClrLst>
+    <dgm:txEffectClrLst/>
+  </dgm:styleLbl>
+  <dgm:styleLbl name="alignAcc1">
+    <dgm:fillClrLst meth="repeat">
+      <a:schemeClr val="lt1">
+        <a:alpha val="90000"/>
+      </a:schemeClr>
+    </dgm:fillClrLst>
+    <dgm:linClrLst meth="repeat">
+      <a:schemeClr val="accent1"/>
+    </dgm:linClrLst>
+    <dgm:effectClrLst/>
+    <dgm:txLinClrLst/>
+    <dgm:txFillClrLst meth="repeat">
+      <a:schemeClr val="dk1"/>
+    </dgm:txFillClrLst>
+    <dgm:txEffectClrLst/>
+  </dgm:styleLbl>
+  <dgm:styleLbl name="trAlignAcc1">
+    <dgm:fillClrLst meth="repeat">
+      <a:schemeClr val="lt1">
+        <a:alpha val="40000"/>
+      </a:schemeClr>
+    </dgm:fillClrLst>
+    <dgm:linClrLst meth="repeat">
+      <a:schemeClr val="accent1"/>
+    </dgm:linClrLst>
+    <dgm:effectClrLst/>
+    <dgm:txLinClrLst/>
+    <dgm:txFillClrLst meth="repeat">
+      <a:schemeClr val="dk1"/>
+    </dgm:txFillClrLst>
+    <dgm:txEffectClrLst/>
+  </dgm:styleLbl>
+  <dgm:styleLbl name="bgAcc1">
+    <dgm:fillClrLst meth="repeat">
+      <a:schemeClr val="lt1">
+        <a:alpha val="90000"/>
+      </a:schemeClr>
+    </dgm:fillClrLst>
+    <dgm:linClrLst meth="repeat">
+      <a:schemeClr val="accent1"/>
+    </dgm:linClrLst>
+    <dgm:effectClrLst/>
+    <dgm:txLinClrLst/>
+    <dgm:txFillClrLst meth="repeat">
+      <a:schemeClr val="dk1"/>
+    </dgm:txFillClrLst>
+    <dgm:txEffectClrLst/>
+  </dgm:styleLbl>
+  <dgm:styleLbl name="solidFgAcc1">
+    <dgm:fillClrLst meth="repeat">
+      <a:schemeClr val="lt1"/>
+    </dgm:fillClrLst>
+    <dgm:linClrLst meth="repeat">
+      <a:schemeClr val="accent1"/>
+    </dgm:linClrLst>
+    <dgm:effectClrLst/>
+    <dgm:txLinClrLst/>
+    <dgm:txFillClrLst meth="repeat">
+      <a:schemeClr val="dk1"/>
+    </dgm:txFillClrLst>
+    <dgm:txEffectClrLst/>
+  </dgm:styleLbl>
+  <dgm:styleLbl name="solidAlignAcc1">
+    <dgm:fillClrLst meth="repeat">
+      <a:schemeClr val="lt1"/>
+    </dgm:fillClrLst>
+    <dgm:linClrLst meth="repeat">
+      <a:schemeClr val="accent1"/>
+    </dgm:linClrLst>
+    <dgm:effectClrLst/>
+    <dgm:txLinClrLst/>
+    <dgm:txFillClrLst meth="repeat">
+      <a:schemeClr val="dk1"/>
+    </dgm:txFillClrLst>
+    <dgm:txEffectClrLst/>
+  </dgm:styleLbl>
+  <dgm:styleLbl name="solidBgAcc1">
+    <dgm:fillClrLst meth="repeat">
+      <a:schemeClr val="lt1"/>
+    </dgm:fillClrLst>
+    <dgm:linClrLst meth="repeat">
+      <a:schemeClr val="accent1"/>
+    </dgm:linClrLst>
+    <dgm:effectClrLst/>
+    <dgm:txLinClrLst/>
+    <dgm:txFillClrLst meth="repeat">
+      <a:schemeClr val="dk1"/>
+    </dgm:txFillClrLst>
+    <dgm:txEffectClrLst/>
+  </dgm:styleLbl>
+  <dgm:styleLbl name="fgAccFollowNode1">
+    <dgm:fillClrLst meth="repeat">
+      <a:schemeClr val="accent1">
+        <a:alpha val="90000"/>
+        <a:tint val="40000"/>
+      </a:schemeClr>
+    </dgm:fillClrLst>
+    <dgm:linClrLst meth="repeat">
+      <a:schemeClr val="accent1">
+        <a:alpha val="90000"/>
+        <a:tint val="40000"/>
+      </a:schemeClr>
+    </dgm:linClrLst>
+    <dgm:effectClrLst/>
+    <dgm:txLinClrLst/>
+    <dgm:txFillClrLst meth="repeat">
+      <a:schemeClr val="dk1"/>
+    </dgm:txFillClrLst>
+    <dgm:txEffectClrLst/>
+  </dgm:styleLbl>
+  <dgm:styleLbl name="alignAccFollowNode1">
+    <dgm:fillClrLst meth="repeat">
+      <a:schemeClr val="accent1">
+        <a:alpha val="90000"/>
+        <a:tint val="40000"/>
+      </a:schemeClr>
+    </dgm:fillClrLst>
+    <dgm:linClrLst meth="repeat">
+      <a:schemeClr val="accent1">
+        <a:alpha val="90000"/>
+        <a:tint val="40000"/>
+      </a:schemeClr>
+    </dgm:linClrLst>
+    <dgm:effectClrLst/>
+    <dgm:txLinClrLst/>
+    <dgm:txFillClrLst meth="repeat">
+      <a:schemeClr val="dk1"/>
+    </dgm:txFillClrLst>
+    <dgm:txEffectClrLst/>
+  </dgm:styleLbl>
+  <dgm:styleLbl name="bgAccFollowNode1">
+    <dgm:fillClrLst meth="repeat">
+      <a:schemeClr val="accent1">
+        <a:alpha val="90000"/>
+        <a:tint val="40000"/>
+      </a:schemeClr>
+    </dgm:fillClrLst>
+    <dgm:linClrLst meth="repeat">
+      <a:schemeClr val="accent1">
+        <a:alpha val="90000"/>
+        <a:tint val="40000"/>
+      </a:schemeClr>
+    </dgm:linClrLst>
+    <dgm:effectClrLst/>
+    <dgm:txLinClrLst/>
+    <dgm:txFillClrLst meth="repeat">
+      <a:schemeClr val="dk1"/>
+    </dgm:txFillClrLst>
+    <dgm:txEffectClrLst/>
+  </dgm:styleLbl>
+  <dgm:styleLbl name="fgAcc0">
+    <dgm:fillClrLst meth="repeat">
+      <a:schemeClr val="lt1">
+        <a:alpha val="90000"/>
+      </a:schemeClr>
+    </dgm:fillClrLst>
+    <dgm:linClrLst meth="repeat">
+      <a:schemeClr val="accent1"/>
+    </dgm:linClrLst>
+    <dgm:effectClrLst/>
+    <dgm:txLinClrLst/>
+    <dgm:txFillClrLst meth="repeat">
+      <a:schemeClr val="dk1"/>
+    </dgm:txFillClrLst>
+    <dgm:txEffectClrLst/>
+  </dgm:styleLbl>
+  <dgm:styleLbl name="fgAcc2">
+    <dgm:fillClrLst meth="repeat">
+      <a:schemeClr val="lt1">
+        <a:alpha val="90000"/>
+      </a:schemeClr>
+    </dgm:fillClrLst>
+    <dgm:linClrLst meth="repeat">
+      <a:schemeClr val="accent1"/>
+    </dgm:linClrLst>
+    <dgm:effectClrLst/>
+    <dgm:txLinClrLst/>
+    <dgm:txFillClrLst meth="repeat">
+      <a:schemeClr val="dk1"/>
+    </dgm:txFillClrLst>
+    <dgm:txEffectClrLst/>
+  </dgm:styleLbl>
+  <dgm:styleLbl name="fgAcc3">
+    <dgm:fillClrLst meth="repeat">
+      <a:schemeClr val="lt1">
+        <a:alpha val="90000"/>
+      </a:schemeClr>
+    </dgm:fillClrLst>
+    <dgm:linClrLst meth="repeat">
+      <a:schemeClr val="accent1"/>
+    </dgm:linClrLst>
+    <dgm:effectClrLst/>
+    <dgm:txLinClrLst/>
+    <dgm:txFillClrLst meth="repeat">
+      <a:schemeClr val="dk1"/>
+    </dgm:txFillClrLst>
+    <dgm:txEffectClrLst/>
+  </dgm:styleLbl>
+  <dgm:styleLbl name="fgAcc4">
+    <dgm:fillClrLst meth="repeat">
+      <a:schemeClr val="lt1">
+        <a:alpha val="90000"/>
+      </a:schemeClr>
+    </dgm:fillClrLst>
+    <dgm:linClrLst meth="repeat">
+      <a:schemeClr val="accent1"/>
+    </dgm:linClrLst>
+    <dgm:effectClrLst/>
+    <dgm:txLinClrLst/>
+    <dgm:txFillClrLst meth="repeat">
+      <a:schemeClr val="dk1"/>
+    </dgm:txFillClrLst>
+    <dgm:txEffectClrLst/>
+  </dgm:styleLbl>
+  <dgm:styleLbl name="bgShp">
+    <dgm:fillClrLst meth="repeat">
+      <a:schemeClr val="accent1">
+        <a:tint val="40000"/>
+      </a:schemeClr>
+    </dgm:fillClrLst>
+    <dgm:linClrLst meth="repeat">
+      <a:schemeClr val="accent1"/>
+    </dgm:linClrLst>
+    <dgm:effectClrLst/>
+    <dgm:txLinClrLst/>
+    <dgm:txFillClrLst meth="repeat">
+      <a:schemeClr val="dk1"/>
+    </dgm:txFillClrLst>
+    <dgm:txEffectClrLst/>
+  </dgm:styleLbl>
+  <dgm:styleLbl name="dkBgShp">
+    <dgm:fillClrLst meth="repeat">
+      <a:schemeClr val="accent1">
+        <a:shade val="80000"/>
+      </a:schemeClr>
+    </dgm:fillClrLst>
+    <dgm:linClrLst meth="repeat">
+      <a:schemeClr val="accent1"/>
+    </dgm:linClrLst>
+    <dgm:effectClrLst/>
+    <dgm:txLinClrLst/>
+    <dgm:txFillClrLst meth="repeat">
+      <a:schemeClr val="lt1"/>
+    </dgm:txFillClrLst>
+    <dgm:txEffectClrLst/>
+  </dgm:styleLbl>
+  <dgm:styleLbl name="trBgShp">
+    <dgm:fillClrLst meth="repeat">
+      <a:schemeClr val="accent1">
+        <a:tint val="50000"/>
+        <a:alpha val="40000"/>
+      </a:schemeClr>
+    </dgm:fillClrLst>
+    <dgm:linClrLst meth="repeat">
+      <a:schemeClr val="accent1"/>
+    </dgm:linClrLst>
+    <dgm:effectClrLst/>
+    <dgm:txLinClrLst/>
+    <dgm:txFillClrLst meth="repeat">
+      <a:schemeClr val="lt1"/>
+    </dgm:txFillClrLst>
+    <dgm:txEffectClrLst/>
+  </dgm:styleLbl>
+  <dgm:styleLbl name="fgShp">
+    <dgm:fillClrLst meth="repeat">
+      <a:schemeClr val="accent1">
+        <a:tint val="60000"/>
+      </a:schemeClr>
+    </dgm:fillClrLst>
+    <dgm:linClrLst meth="repeat">
+      <a:schemeClr val="lt1"/>
+    </dgm:linClrLst>
+    <dgm:effectClrLst/>
+    <dgm:txLinClrLst/>
+    <dgm:txFillClrLst meth="repeat">
+      <a:schemeClr val="dk1"/>
+    </dgm:txFillClrLst>
+    <dgm:txEffectClrLst/>
+  </dgm:styleLbl>
+  <dgm:styleLbl name="revTx">
+    <dgm:fillClrLst meth="repeat">
+      <a:schemeClr val="lt1">
+        <a:alpha val="0"/>
+      </a:schemeClr>
+    </dgm:fillClrLst>
+    <dgm:linClrLst meth="repeat">
+      <a:schemeClr val="dk1">
+        <a:alpha val="0"/>
+      </a:schemeClr>
+    </dgm:linClrLst>
+    <dgm:effectClrLst/>
+    <dgm:txLinClrLst/>
+    <dgm:txFillClrLst meth="repeat">
+      <a:schemeClr val="tx1"/>
+    </dgm:txFillClrLst>
+    <dgm:txEffectClrLst/>
+  </dgm:styleLbl>
+</dgm:colorsDef>
+</file>
+
+<file path=ppt/diagrams/colors4.xml><?xml version="1.0" encoding="utf-8"?>
 <dgm:colorsDef xmlns:dgm="http://schemas.openxmlformats.org/drawingml/2006/diagram" xmlns:a="http://schemas.openxmlformats.org/drawingml/2006/main" uniqueId="urn:microsoft.com/office/officeart/2005/8/colors/accent1_2">
   <dgm:title val=""/>
   <dgm:desc val=""/>
@@ -2070,7 +3594,7 @@
           </a:pPr>
           <a:r>
             <a:rPr lang="en-US" dirty="0"/>
-            <a:t>TODO</a:t>
+            <a:t>Encapsulate in an object all the data required to perform an action (command)</a:t>
           </a:r>
         </a:p>
       </dgm:t>
@@ -2111,7 +3635,7 @@
           </a:pPr>
           <a:r>
             <a:rPr lang="en-US" dirty="0"/>
-            <a:t>TODO</a:t>
+            <a:t>Sender is decoupled from the processor =&gt; MAINTAINABILITY</a:t>
           </a:r>
         </a:p>
       </dgm:t>
@@ -2152,7 +3676,7 @@
           </a:pPr>
           <a:r>
             <a:rPr lang="en-US" dirty="0"/>
-            <a:t>TODO</a:t>
+            <a:t>Together with Memento you can implement undo functionality</a:t>
           </a:r>
         </a:p>
       </dgm:t>
@@ -2193,7 +3717,7 @@
           </a:pPr>
           <a:r>
             <a:rPr lang="en-US" dirty="0"/>
-            <a:t>TODO</a:t>
+            <a:t>Macro command = it receives multiple receivers in the constructor</a:t>
           </a:r>
         </a:p>
       </dgm:t>
@@ -2398,6 +3922,877 @@
               </a:ext>
               <a:ext uri="{96DAC541-7B7A-43D3-8B79-37D633B846F1}">
                 <asvg:svgBlip xmlns:asvg="http://schemas.microsoft.com/office/drawing/2016/SVG/main" r:embed="rId8"/>
+              </a:ext>
+            </a:extLst>
+          </a:blip>
+          <a:stretch>
+            <a:fillRect/>
+          </a:stretch>
+        </a:blipFill>
+      </dgm:spPr>
+      <dgm:extLst>
+        <a:ext uri="{E40237B7-FDA0-4F09-8148-C483321AD2D9}">
+          <dgm14:cNvPr xmlns:dgm14="http://schemas.microsoft.com/office/drawing/2010/diagram" id="0" name="" descr="Projector"/>
+        </a:ext>
+      </dgm:extLst>
+    </dgm:pt>
+    <dgm:pt modelId="{806002CB-A457-44F2-A2DD-11D2572CD18C}" type="pres">
+      <dgm:prSet presAssocID="{D18979C8-D283-4F11-8056-816DA377F0C0}" presName="spaceRect" presStyleCnt="0"/>
+      <dgm:spPr/>
+    </dgm:pt>
+    <dgm:pt modelId="{77CFAC55-D3CF-45EA-A63C-9656646CA42E}" type="pres">
+      <dgm:prSet presAssocID="{D18979C8-D283-4F11-8056-816DA377F0C0}" presName="parTx" presStyleLbl="revTx" presStyleIdx="3" presStyleCnt="4">
+        <dgm:presLayoutVars>
+          <dgm:chMax val="0"/>
+          <dgm:chPref val="0"/>
+        </dgm:presLayoutVars>
+      </dgm:prSet>
+      <dgm:spPr/>
+    </dgm:pt>
+  </dgm:ptLst>
+  <dgm:cxnLst>
+    <dgm:cxn modelId="{ABD03D04-9D53-4E00-AB81-F25AC035AAD4}" srcId="{730B5E20-22E8-49EE-849D-2F09EB7C5E55}" destId="{D23F440E-398D-41B6-A80F-74494D5847CA}" srcOrd="0" destOrd="0" parTransId="{90B11B28-5797-4553-BCD6-924D483AEFA1}" sibTransId="{039D6CC6-CBE0-4615-AC1E-542A7D83BEE4}"/>
+    <dgm:cxn modelId="{B69A751B-F5A4-4FDF-A1ED-C6E1EE94BDBA}" type="presOf" srcId="{F8289849-E987-4255-8EC8-44B4F81CB10E}" destId="{7DE8E408-DE79-443F-8629-C089FBA689E3}" srcOrd="0" destOrd="0" presId="urn:microsoft.com/office/officeart/2018/2/layout/IconVerticalSolidList"/>
+    <dgm:cxn modelId="{2C52642D-1657-4F8D-BBDD-B987CC65BE05}" srcId="{730B5E20-22E8-49EE-849D-2F09EB7C5E55}" destId="{D18979C8-D283-4F11-8056-816DA377F0C0}" srcOrd="3" destOrd="0" parTransId="{88215926-66BF-48C4-A93B-2B9055E4B30E}" sibTransId="{69F2F367-DB05-4C42-B3B6-E5FAE86F9F26}"/>
+    <dgm:cxn modelId="{27CB5032-1C28-4B71-9DE7-3B8573DAA06B}" type="presOf" srcId="{D18979C8-D283-4F11-8056-816DA377F0C0}" destId="{77CFAC55-D3CF-45EA-A63C-9656646CA42E}" srcOrd="0" destOrd="0" presId="urn:microsoft.com/office/officeart/2018/2/layout/IconVerticalSolidList"/>
+    <dgm:cxn modelId="{36BA1767-35CA-4C91-93C5-94F0ADD921AD}" type="presOf" srcId="{730B5E20-22E8-49EE-849D-2F09EB7C5E55}" destId="{933F326E-830B-4831-B1CB-C533857382D0}" srcOrd="0" destOrd="0" presId="urn:microsoft.com/office/officeart/2018/2/layout/IconVerticalSolidList"/>
+    <dgm:cxn modelId="{70466650-EF21-44D4-9C56-FBD4098B58CE}" srcId="{730B5E20-22E8-49EE-849D-2F09EB7C5E55}" destId="{B987AC83-493B-4B18-BBDE-1E83EAF7E925}" srcOrd="2" destOrd="0" parTransId="{8B487908-3605-4A42-980E-D4512632196F}" sibTransId="{3871E768-D972-4239-9CDD-D2C93D59DC76}"/>
+    <dgm:cxn modelId="{0DECB193-7D07-48D4-B4D0-8A44B02B0EFC}" srcId="{730B5E20-22E8-49EE-849D-2F09EB7C5E55}" destId="{F8289849-E987-4255-8EC8-44B4F81CB10E}" srcOrd="1" destOrd="0" parTransId="{58406139-B729-43A1-9AA7-0431547BE2D4}" sibTransId="{CFDFBA7F-EFFF-4644-9D4D-D4EA2AB33D7D}"/>
+    <dgm:cxn modelId="{44162A95-8BE4-488C-B835-013E9523D7C9}" type="presOf" srcId="{B987AC83-493B-4B18-BBDE-1E83EAF7E925}" destId="{B9DB9720-3FDF-4ACB-85FA-66976B22A528}" srcOrd="0" destOrd="0" presId="urn:microsoft.com/office/officeart/2018/2/layout/IconVerticalSolidList"/>
+    <dgm:cxn modelId="{CBA314A9-2DA4-4A96-8AAA-82DB60A2107B}" type="presOf" srcId="{D23F440E-398D-41B6-A80F-74494D5847CA}" destId="{E59E20F8-4207-45B4-B668-018957100416}" srcOrd="0" destOrd="0" presId="urn:microsoft.com/office/officeart/2018/2/layout/IconVerticalSolidList"/>
+    <dgm:cxn modelId="{9530F58C-F371-4809-A58E-6A168C19975B}" type="presParOf" srcId="{933F326E-830B-4831-B1CB-C533857382D0}" destId="{76D33545-207A-477F-A16B-BB2B9D7F2D3A}" srcOrd="0" destOrd="0" presId="urn:microsoft.com/office/officeart/2018/2/layout/IconVerticalSolidList"/>
+    <dgm:cxn modelId="{E451D301-FBDE-471F-ABE3-C1348C32FA64}" type="presParOf" srcId="{76D33545-207A-477F-A16B-BB2B9D7F2D3A}" destId="{8FAC3CA6-DB25-4C68-BA9A-AD1D71B4FF5F}" srcOrd="0" destOrd="0" presId="urn:microsoft.com/office/officeart/2018/2/layout/IconVerticalSolidList"/>
+    <dgm:cxn modelId="{14E7CD92-A38A-4FAF-9BA9-5FF42774E845}" type="presParOf" srcId="{76D33545-207A-477F-A16B-BB2B9D7F2D3A}" destId="{EE8C7A60-76B2-49C3-B369-A96EA3E5C2D4}" srcOrd="1" destOrd="0" presId="urn:microsoft.com/office/officeart/2018/2/layout/IconVerticalSolidList"/>
+    <dgm:cxn modelId="{5D26878D-4F9B-405F-8E85-83F7C0F8E1DB}" type="presParOf" srcId="{76D33545-207A-477F-A16B-BB2B9D7F2D3A}" destId="{B6D7E020-35D4-4D94-A1B9-406EAB63801E}" srcOrd="2" destOrd="0" presId="urn:microsoft.com/office/officeart/2018/2/layout/IconVerticalSolidList"/>
+    <dgm:cxn modelId="{C9133D54-CFA6-4961-AF72-CCA5E88723C5}" type="presParOf" srcId="{76D33545-207A-477F-A16B-BB2B9D7F2D3A}" destId="{E59E20F8-4207-45B4-B668-018957100416}" srcOrd="3" destOrd="0" presId="urn:microsoft.com/office/officeart/2018/2/layout/IconVerticalSolidList"/>
+    <dgm:cxn modelId="{CD16DBD8-D5DB-4E7C-B56A-F7994BF3480C}" type="presParOf" srcId="{933F326E-830B-4831-B1CB-C533857382D0}" destId="{5E9395D8-4450-4F9F-846C-719251944482}" srcOrd="1" destOrd="0" presId="urn:microsoft.com/office/officeart/2018/2/layout/IconVerticalSolidList"/>
+    <dgm:cxn modelId="{C5884024-B1F3-44A6-AAC9-EA7FDF63D1F4}" type="presParOf" srcId="{933F326E-830B-4831-B1CB-C533857382D0}" destId="{4317EA3C-F64C-49F9-8D0C-2AD3C7D8B19A}" srcOrd="2" destOrd="0" presId="urn:microsoft.com/office/officeart/2018/2/layout/IconVerticalSolidList"/>
+    <dgm:cxn modelId="{B61F5F59-BFC6-4790-A4CB-49481E4A7E67}" type="presParOf" srcId="{4317EA3C-F64C-49F9-8D0C-2AD3C7D8B19A}" destId="{37F77629-432B-4A69-837C-14C65DEDD20C}" srcOrd="0" destOrd="0" presId="urn:microsoft.com/office/officeart/2018/2/layout/IconVerticalSolidList"/>
+    <dgm:cxn modelId="{F26FB358-72F0-4DE0-BF50-574AA8D7675B}" type="presParOf" srcId="{4317EA3C-F64C-49F9-8D0C-2AD3C7D8B19A}" destId="{C1FCEA5C-0298-4163-931F-016E81AAB647}" srcOrd="1" destOrd="0" presId="urn:microsoft.com/office/officeart/2018/2/layout/IconVerticalSolidList"/>
+    <dgm:cxn modelId="{04F992BD-F4A0-4C73-8E88-0DCB02F4B0DA}" type="presParOf" srcId="{4317EA3C-F64C-49F9-8D0C-2AD3C7D8B19A}" destId="{4E01C590-E7DA-4835-86D2-4CCA915CA9A6}" srcOrd="2" destOrd="0" presId="urn:microsoft.com/office/officeart/2018/2/layout/IconVerticalSolidList"/>
+    <dgm:cxn modelId="{D9501396-62D3-464C-AFF5-D80F72C0E0A4}" type="presParOf" srcId="{4317EA3C-F64C-49F9-8D0C-2AD3C7D8B19A}" destId="{7DE8E408-DE79-443F-8629-C089FBA689E3}" srcOrd="3" destOrd="0" presId="urn:microsoft.com/office/officeart/2018/2/layout/IconVerticalSolidList"/>
+    <dgm:cxn modelId="{B64CE750-A220-423D-A5EB-CB9BECD78567}" type="presParOf" srcId="{933F326E-830B-4831-B1CB-C533857382D0}" destId="{6F5BEA2C-D35A-40CD-AADB-C93FF0714F82}" srcOrd="3" destOrd="0" presId="urn:microsoft.com/office/officeart/2018/2/layout/IconVerticalSolidList"/>
+    <dgm:cxn modelId="{CEE0C149-DA4E-4DAA-86E5-5BAFB611B822}" type="presParOf" srcId="{933F326E-830B-4831-B1CB-C533857382D0}" destId="{061BB9BD-3EFB-484E-9E1E-584C8BD2EBBC}" srcOrd="4" destOrd="0" presId="urn:microsoft.com/office/officeart/2018/2/layout/IconVerticalSolidList"/>
+    <dgm:cxn modelId="{A46EC668-5ED2-4686-99BE-1BD7F730D13B}" type="presParOf" srcId="{061BB9BD-3EFB-484E-9E1E-584C8BD2EBBC}" destId="{7760943E-59EA-4625-8C71-92A18A3E7522}" srcOrd="0" destOrd="0" presId="urn:microsoft.com/office/officeart/2018/2/layout/IconVerticalSolidList"/>
+    <dgm:cxn modelId="{A9A84054-A6B0-499D-BCD3-576032380D45}" type="presParOf" srcId="{061BB9BD-3EFB-484E-9E1E-584C8BD2EBBC}" destId="{676EE63F-6485-4E2A-ABAE-83CF265BF069}" srcOrd="1" destOrd="0" presId="urn:microsoft.com/office/officeart/2018/2/layout/IconVerticalSolidList"/>
+    <dgm:cxn modelId="{194187CE-E057-4230-A3BD-9459A03BE67D}" type="presParOf" srcId="{061BB9BD-3EFB-484E-9E1E-584C8BD2EBBC}" destId="{028304A6-CF27-4F1D-99F6-FE8D277AEE17}" srcOrd="2" destOrd="0" presId="urn:microsoft.com/office/officeart/2018/2/layout/IconVerticalSolidList"/>
+    <dgm:cxn modelId="{8C1E721E-A458-4A52-900B-6C798D950C87}" type="presParOf" srcId="{061BB9BD-3EFB-484E-9E1E-584C8BD2EBBC}" destId="{B9DB9720-3FDF-4ACB-85FA-66976B22A528}" srcOrd="3" destOrd="0" presId="urn:microsoft.com/office/officeart/2018/2/layout/IconVerticalSolidList"/>
+    <dgm:cxn modelId="{0F6C0F8A-C0DA-459D-A474-7474A6218E97}" type="presParOf" srcId="{933F326E-830B-4831-B1CB-C533857382D0}" destId="{2B0E55DF-6C35-4664-BC0E-365BF51E4C99}" srcOrd="5" destOrd="0" presId="urn:microsoft.com/office/officeart/2018/2/layout/IconVerticalSolidList"/>
+    <dgm:cxn modelId="{C21BD3D6-F6A4-4D28-8A3D-E08E8BD04862}" type="presParOf" srcId="{933F326E-830B-4831-B1CB-C533857382D0}" destId="{F128A80F-4611-4111-9193-176AF502C376}" srcOrd="6" destOrd="0" presId="urn:microsoft.com/office/officeart/2018/2/layout/IconVerticalSolidList"/>
+    <dgm:cxn modelId="{7B6F3B4D-5C95-42B1-92C1-75F8AB45D4B7}" type="presParOf" srcId="{F128A80F-4611-4111-9193-176AF502C376}" destId="{79AEF808-314B-4C4B-82AA-6EEA54A65F07}" srcOrd="0" destOrd="0" presId="urn:microsoft.com/office/officeart/2018/2/layout/IconVerticalSolidList"/>
+    <dgm:cxn modelId="{F14DA5EF-E538-446F-BE7C-45C876E34890}" type="presParOf" srcId="{F128A80F-4611-4111-9193-176AF502C376}" destId="{73575651-229C-4229-B203-88512EEA95C5}" srcOrd="1" destOrd="0" presId="urn:microsoft.com/office/officeart/2018/2/layout/IconVerticalSolidList"/>
+    <dgm:cxn modelId="{E9A85B14-90AD-48A2-9B16-6090607A5F65}" type="presParOf" srcId="{F128A80F-4611-4111-9193-176AF502C376}" destId="{806002CB-A457-44F2-A2DD-11D2572CD18C}" srcOrd="2" destOrd="0" presId="urn:microsoft.com/office/officeart/2018/2/layout/IconVerticalSolidList"/>
+    <dgm:cxn modelId="{18B0CAC5-6463-418B-8377-8680A23E679D}" type="presParOf" srcId="{F128A80F-4611-4111-9193-176AF502C376}" destId="{77CFAC55-D3CF-45EA-A63C-9656646CA42E}" srcOrd="3" destOrd="0" presId="urn:microsoft.com/office/officeart/2018/2/layout/IconVerticalSolidList"/>
+  </dgm:cxnLst>
+  <dgm:bg/>
+  <dgm:whole/>
+  <dgm:extLst>
+    <a:ext uri="http://schemas.microsoft.com/office/drawing/2008/diagram">
+      <dsp:dataModelExt xmlns:dsp="http://schemas.microsoft.com/office/drawing/2008/diagram" relId="rId6" minVer="http://schemas.openxmlformats.org/drawingml/2006/diagram"/>
+    </a:ext>
+  </dgm:extLst>
+</dgm:dataModel>
+</file>
+
+<file path=ppt/diagrams/data3.xml><?xml version="1.0" encoding="utf-8"?>
+<dgm:dataModel xmlns:dgm="http://schemas.openxmlformats.org/drawingml/2006/diagram" xmlns:a="http://schemas.openxmlformats.org/drawingml/2006/main">
+  <dgm:ptLst>
+    <dgm:pt modelId="{730B5E20-22E8-49EE-849D-2F09EB7C5E55}" type="doc">
+      <dgm:prSet loTypeId="urn:microsoft.com/office/officeart/2018/2/layout/IconVerticalSolidList" loCatId="icon" qsTypeId="urn:microsoft.com/office/officeart/2005/8/quickstyle/simple1" qsCatId="simple" csTypeId="urn:microsoft.com/office/officeart/2005/8/colors/accent1_2" csCatId="accent1" phldr="1"/>
+      <dgm:spPr/>
+      <dgm:t>
+        <a:bodyPr/>
+        <a:lstStyle/>
+        <a:p>
+          <a:endParaRPr lang="en-US"/>
+        </a:p>
+      </dgm:t>
+    </dgm:pt>
+    <dgm:pt modelId="{D23F440E-398D-41B6-A80F-74494D5847CA}">
+      <dgm:prSet/>
+      <dgm:spPr/>
+      <dgm:t>
+        <a:bodyPr/>
+        <a:lstStyle/>
+        <a:p>
+          <a:pPr>
+            <a:lnSpc>
+              <a:spcPct val="100000"/>
+            </a:lnSpc>
+          </a:pPr>
+          <a:r>
+            <a:rPr lang="en-US" dirty="0"/>
+            <a:t>Eliminate dependencies between a set of system components</a:t>
+          </a:r>
+        </a:p>
+      </dgm:t>
+    </dgm:pt>
+    <dgm:pt modelId="{90B11B28-5797-4553-BCD6-924D483AEFA1}" type="parTrans" cxnId="{ABD03D04-9D53-4E00-AB81-F25AC035AAD4}">
+      <dgm:prSet/>
+      <dgm:spPr/>
+      <dgm:t>
+        <a:bodyPr/>
+        <a:lstStyle/>
+        <a:p>
+          <a:endParaRPr lang="en-US"/>
+        </a:p>
+      </dgm:t>
+    </dgm:pt>
+    <dgm:pt modelId="{039D6CC6-CBE0-4615-AC1E-542A7D83BEE4}" type="sibTrans" cxnId="{ABD03D04-9D53-4E00-AB81-F25AC035AAD4}">
+      <dgm:prSet/>
+      <dgm:spPr/>
+      <dgm:t>
+        <a:bodyPr/>
+        <a:lstStyle/>
+        <a:p>
+          <a:endParaRPr lang="en-US"/>
+        </a:p>
+      </dgm:t>
+    </dgm:pt>
+    <dgm:pt modelId="{F8289849-E987-4255-8EC8-44B4F81CB10E}">
+      <dgm:prSet/>
+      <dgm:spPr/>
+      <dgm:t>
+        <a:bodyPr/>
+        <a:lstStyle/>
+        <a:p>
+          <a:pPr>
+            <a:lnSpc>
+              <a:spcPct val="100000"/>
+            </a:lnSpc>
+          </a:pPr>
+          <a:r>
+            <a:rPr lang="en-US" dirty="0"/>
+            <a:t>Defines interaction between components</a:t>
+          </a:r>
+        </a:p>
+      </dgm:t>
+    </dgm:pt>
+    <dgm:pt modelId="{58406139-B729-43A1-9AA7-0431547BE2D4}" type="parTrans" cxnId="{0DECB193-7D07-48D4-B4D0-8A44B02B0EFC}">
+      <dgm:prSet/>
+      <dgm:spPr/>
+      <dgm:t>
+        <a:bodyPr/>
+        <a:lstStyle/>
+        <a:p>
+          <a:endParaRPr lang="en-US"/>
+        </a:p>
+      </dgm:t>
+    </dgm:pt>
+    <dgm:pt modelId="{CFDFBA7F-EFFF-4644-9D4D-D4EA2AB33D7D}" type="sibTrans" cxnId="{0DECB193-7D07-48D4-B4D0-8A44B02B0EFC}">
+      <dgm:prSet/>
+      <dgm:spPr/>
+      <dgm:t>
+        <a:bodyPr/>
+        <a:lstStyle/>
+        <a:p>
+          <a:endParaRPr lang="en-US"/>
+        </a:p>
+      </dgm:t>
+    </dgm:pt>
+    <dgm:pt modelId="{B987AC83-493B-4B18-BBDE-1E83EAF7E925}">
+      <dgm:prSet/>
+      <dgm:spPr/>
+      <dgm:t>
+        <a:bodyPr/>
+        <a:lstStyle/>
+        <a:p>
+          <a:pPr>
+            <a:lnSpc>
+              <a:spcPct val="100000"/>
+            </a:lnSpc>
+          </a:pPr>
+          <a:r>
+            <a:rPr lang="en-US" dirty="0"/>
+            <a:t>Components are very often called “colleagues”</a:t>
+          </a:r>
+        </a:p>
+      </dgm:t>
+    </dgm:pt>
+    <dgm:pt modelId="{8B487908-3605-4A42-980E-D4512632196F}" type="parTrans" cxnId="{70466650-EF21-44D4-9C56-FBD4098B58CE}">
+      <dgm:prSet/>
+      <dgm:spPr/>
+      <dgm:t>
+        <a:bodyPr/>
+        <a:lstStyle/>
+        <a:p>
+          <a:endParaRPr lang="en-US"/>
+        </a:p>
+      </dgm:t>
+    </dgm:pt>
+    <dgm:pt modelId="{3871E768-D972-4239-9CDD-D2C93D59DC76}" type="sibTrans" cxnId="{70466650-EF21-44D4-9C56-FBD4098B58CE}">
+      <dgm:prSet/>
+      <dgm:spPr/>
+      <dgm:t>
+        <a:bodyPr/>
+        <a:lstStyle/>
+        <a:p>
+          <a:endParaRPr lang="en-US"/>
+        </a:p>
+      </dgm:t>
+    </dgm:pt>
+    <dgm:pt modelId="{D18979C8-D283-4F11-8056-816DA377F0C0}">
+      <dgm:prSet/>
+      <dgm:spPr/>
+      <dgm:t>
+        <a:bodyPr/>
+        <a:lstStyle/>
+        <a:p>
+          <a:pPr>
+            <a:lnSpc>
+              <a:spcPct val="100000"/>
+            </a:lnSpc>
+          </a:pPr>
+          <a:r>
+            <a:rPr lang="en-US" dirty="0"/>
+            <a:t>Classic pitfall: </a:t>
+          </a:r>
+          <a:r>
+            <a:rPr lang="en-US" dirty="0">
+              <a:hlinkClick xmlns:r="http://schemas.openxmlformats.org/officeDocument/2006/relationships" r:id="rId1"/>
+            </a:rPr>
+            <a:t>God object</a:t>
+          </a:r>
+          <a:endParaRPr lang="en-US" dirty="0"/>
+        </a:p>
+      </dgm:t>
+    </dgm:pt>
+    <dgm:pt modelId="{88215926-66BF-48C4-A93B-2B9055E4B30E}" type="parTrans" cxnId="{2C52642D-1657-4F8D-BBDD-B987CC65BE05}">
+      <dgm:prSet/>
+      <dgm:spPr/>
+      <dgm:t>
+        <a:bodyPr/>
+        <a:lstStyle/>
+        <a:p>
+          <a:endParaRPr lang="en-US"/>
+        </a:p>
+      </dgm:t>
+    </dgm:pt>
+    <dgm:pt modelId="{69F2F367-DB05-4C42-B3B6-E5FAE86F9F26}" type="sibTrans" cxnId="{2C52642D-1657-4F8D-BBDD-B987CC65BE05}">
+      <dgm:prSet/>
+      <dgm:spPr/>
+      <dgm:t>
+        <a:bodyPr/>
+        <a:lstStyle/>
+        <a:p>
+          <a:endParaRPr lang="en-US"/>
+        </a:p>
+      </dgm:t>
+    </dgm:pt>
+    <dgm:pt modelId="{933F326E-830B-4831-B1CB-C533857382D0}" type="pres">
+      <dgm:prSet presAssocID="{730B5E20-22E8-49EE-849D-2F09EB7C5E55}" presName="root" presStyleCnt="0">
+        <dgm:presLayoutVars>
+          <dgm:dir/>
+          <dgm:resizeHandles val="exact"/>
+        </dgm:presLayoutVars>
+      </dgm:prSet>
+      <dgm:spPr/>
+    </dgm:pt>
+    <dgm:pt modelId="{76D33545-207A-477F-A16B-BB2B9D7F2D3A}" type="pres">
+      <dgm:prSet presAssocID="{D23F440E-398D-41B6-A80F-74494D5847CA}" presName="compNode" presStyleCnt="0"/>
+      <dgm:spPr/>
+    </dgm:pt>
+    <dgm:pt modelId="{8FAC3CA6-DB25-4C68-BA9A-AD1D71B4FF5F}" type="pres">
+      <dgm:prSet presAssocID="{D23F440E-398D-41B6-A80F-74494D5847CA}" presName="bgRect" presStyleLbl="bgShp" presStyleIdx="0" presStyleCnt="4"/>
+      <dgm:spPr/>
+    </dgm:pt>
+    <dgm:pt modelId="{EE8C7A60-76B2-49C3-B369-A96EA3E5C2D4}" type="pres">
+      <dgm:prSet presAssocID="{D23F440E-398D-41B6-A80F-74494D5847CA}" presName="iconRect" presStyleLbl="node1" presStyleIdx="0" presStyleCnt="4"/>
+      <dgm:spPr>
+        <a:blipFill>
+          <a:blip xmlns:r="http://schemas.openxmlformats.org/officeDocument/2006/relationships" r:embed="rId2">
+            <a:extLst>
+              <a:ext uri="{28A0092B-C50C-407E-A947-70E740481C1C}">
+                <a14:useLocalDpi xmlns:a14="http://schemas.microsoft.com/office/drawing/2010/main" val="0"/>
+              </a:ext>
+              <a:ext uri="{96DAC541-7B7A-43D3-8B79-37D633B846F1}">
+                <asvg:svgBlip xmlns:asvg="http://schemas.microsoft.com/office/drawing/2016/SVG/main" r:embed="rId3"/>
+              </a:ext>
+            </a:extLst>
+          </a:blip>
+          <a:stretch>
+            <a:fillRect/>
+          </a:stretch>
+        </a:blipFill>
+      </dgm:spPr>
+      <dgm:extLst>
+        <a:ext uri="{E40237B7-FDA0-4F09-8148-C483321AD2D9}">
+          <dgm14:cNvPr xmlns:dgm14="http://schemas.microsoft.com/office/drawing/2010/diagram" id="0" name="" descr="Cement truck"/>
+        </a:ext>
+      </dgm:extLst>
+    </dgm:pt>
+    <dgm:pt modelId="{B6D7E020-35D4-4D94-A1B9-406EAB63801E}" type="pres">
+      <dgm:prSet presAssocID="{D23F440E-398D-41B6-A80F-74494D5847CA}" presName="spaceRect" presStyleCnt="0"/>
+      <dgm:spPr/>
+    </dgm:pt>
+    <dgm:pt modelId="{E59E20F8-4207-45B4-B668-018957100416}" type="pres">
+      <dgm:prSet presAssocID="{D23F440E-398D-41B6-A80F-74494D5847CA}" presName="parTx" presStyleLbl="revTx" presStyleIdx="0" presStyleCnt="4">
+        <dgm:presLayoutVars>
+          <dgm:chMax val="0"/>
+          <dgm:chPref val="0"/>
+        </dgm:presLayoutVars>
+      </dgm:prSet>
+      <dgm:spPr/>
+    </dgm:pt>
+    <dgm:pt modelId="{5E9395D8-4450-4F9F-846C-719251944482}" type="pres">
+      <dgm:prSet presAssocID="{039D6CC6-CBE0-4615-AC1E-542A7D83BEE4}" presName="sibTrans" presStyleCnt="0"/>
+      <dgm:spPr/>
+    </dgm:pt>
+    <dgm:pt modelId="{4317EA3C-F64C-49F9-8D0C-2AD3C7D8B19A}" type="pres">
+      <dgm:prSet presAssocID="{F8289849-E987-4255-8EC8-44B4F81CB10E}" presName="compNode" presStyleCnt="0"/>
+      <dgm:spPr/>
+    </dgm:pt>
+    <dgm:pt modelId="{37F77629-432B-4A69-837C-14C65DEDD20C}" type="pres">
+      <dgm:prSet presAssocID="{F8289849-E987-4255-8EC8-44B4F81CB10E}" presName="bgRect" presStyleLbl="bgShp" presStyleIdx="1" presStyleCnt="4"/>
+      <dgm:spPr/>
+    </dgm:pt>
+    <dgm:pt modelId="{C1FCEA5C-0298-4163-931F-016E81AAB647}" type="pres">
+      <dgm:prSet presAssocID="{F8289849-E987-4255-8EC8-44B4F81CB10E}" presName="iconRect" presStyleLbl="node1" presStyleIdx="1" presStyleCnt="4"/>
+      <dgm:spPr>
+        <a:blipFill>
+          <a:blip xmlns:r="http://schemas.openxmlformats.org/officeDocument/2006/relationships" r:embed="rId4">
+            <a:extLst>
+              <a:ext uri="{28A0092B-C50C-407E-A947-70E740481C1C}">
+                <a14:useLocalDpi xmlns:a14="http://schemas.microsoft.com/office/drawing/2010/main" val="0"/>
+              </a:ext>
+              <a:ext uri="{96DAC541-7B7A-43D3-8B79-37D633B846F1}">
+                <asvg:svgBlip xmlns:asvg="http://schemas.microsoft.com/office/drawing/2016/SVG/main" r:embed="rId5"/>
+              </a:ext>
+            </a:extLst>
+          </a:blip>
+          <a:stretch>
+            <a:fillRect/>
+          </a:stretch>
+        </a:blipFill>
+      </dgm:spPr>
+      <dgm:extLst>
+        <a:ext uri="{E40237B7-FDA0-4F09-8148-C483321AD2D9}">
+          <dgm14:cNvPr xmlns:dgm14="http://schemas.microsoft.com/office/drawing/2010/diagram" id="0" name="" descr="Excavator"/>
+        </a:ext>
+      </dgm:extLst>
+    </dgm:pt>
+    <dgm:pt modelId="{4E01C590-E7DA-4835-86D2-4CCA915CA9A6}" type="pres">
+      <dgm:prSet presAssocID="{F8289849-E987-4255-8EC8-44B4F81CB10E}" presName="spaceRect" presStyleCnt="0"/>
+      <dgm:spPr/>
+    </dgm:pt>
+    <dgm:pt modelId="{7DE8E408-DE79-443F-8629-C089FBA689E3}" type="pres">
+      <dgm:prSet presAssocID="{F8289849-E987-4255-8EC8-44B4F81CB10E}" presName="parTx" presStyleLbl="revTx" presStyleIdx="1" presStyleCnt="4">
+        <dgm:presLayoutVars>
+          <dgm:chMax val="0"/>
+          <dgm:chPref val="0"/>
+        </dgm:presLayoutVars>
+      </dgm:prSet>
+      <dgm:spPr/>
+    </dgm:pt>
+    <dgm:pt modelId="{6F5BEA2C-D35A-40CD-AADB-C93FF0714F82}" type="pres">
+      <dgm:prSet presAssocID="{CFDFBA7F-EFFF-4644-9D4D-D4EA2AB33D7D}" presName="sibTrans" presStyleCnt="0"/>
+      <dgm:spPr/>
+    </dgm:pt>
+    <dgm:pt modelId="{061BB9BD-3EFB-484E-9E1E-584C8BD2EBBC}" type="pres">
+      <dgm:prSet presAssocID="{B987AC83-493B-4B18-BBDE-1E83EAF7E925}" presName="compNode" presStyleCnt="0"/>
+      <dgm:spPr/>
+    </dgm:pt>
+    <dgm:pt modelId="{7760943E-59EA-4625-8C71-92A18A3E7522}" type="pres">
+      <dgm:prSet presAssocID="{B987AC83-493B-4B18-BBDE-1E83EAF7E925}" presName="bgRect" presStyleLbl="bgShp" presStyleIdx="2" presStyleCnt="4"/>
+      <dgm:spPr/>
+    </dgm:pt>
+    <dgm:pt modelId="{676EE63F-6485-4E2A-ABAE-83CF265BF069}" type="pres">
+      <dgm:prSet presAssocID="{B987AC83-493B-4B18-BBDE-1E83EAF7E925}" presName="iconRect" presStyleLbl="node1" presStyleIdx="2" presStyleCnt="4"/>
+      <dgm:spPr>
+        <a:blipFill>
+          <a:blip xmlns:r="http://schemas.openxmlformats.org/officeDocument/2006/relationships" r:embed="rId6">
+            <a:extLst>
+              <a:ext uri="{28A0092B-C50C-407E-A947-70E740481C1C}">
+                <a14:useLocalDpi xmlns:a14="http://schemas.microsoft.com/office/drawing/2010/main" val="0"/>
+              </a:ext>
+              <a:ext uri="{96DAC541-7B7A-43D3-8B79-37D633B846F1}">
+                <asvg:svgBlip xmlns:asvg="http://schemas.microsoft.com/office/drawing/2016/SVG/main" r:embed="rId7"/>
+              </a:ext>
+            </a:extLst>
+          </a:blip>
+          <a:stretch>
+            <a:fillRect/>
+          </a:stretch>
+        </a:blipFill>
+      </dgm:spPr>
+      <dgm:extLst>
+        <a:ext uri="{E40237B7-FDA0-4F09-8148-C483321AD2D9}">
+          <dgm14:cNvPr xmlns:dgm14="http://schemas.microsoft.com/office/drawing/2010/diagram" id="0" name="" descr="Factory"/>
+        </a:ext>
+      </dgm:extLst>
+    </dgm:pt>
+    <dgm:pt modelId="{028304A6-CF27-4F1D-99F6-FE8D277AEE17}" type="pres">
+      <dgm:prSet presAssocID="{B987AC83-493B-4B18-BBDE-1E83EAF7E925}" presName="spaceRect" presStyleCnt="0"/>
+      <dgm:spPr/>
+    </dgm:pt>
+    <dgm:pt modelId="{B9DB9720-3FDF-4ACB-85FA-66976B22A528}" type="pres">
+      <dgm:prSet presAssocID="{B987AC83-493B-4B18-BBDE-1E83EAF7E925}" presName="parTx" presStyleLbl="revTx" presStyleIdx="2" presStyleCnt="4">
+        <dgm:presLayoutVars>
+          <dgm:chMax val="0"/>
+          <dgm:chPref val="0"/>
+        </dgm:presLayoutVars>
+      </dgm:prSet>
+      <dgm:spPr/>
+    </dgm:pt>
+    <dgm:pt modelId="{2B0E55DF-6C35-4664-BC0E-365BF51E4C99}" type="pres">
+      <dgm:prSet presAssocID="{3871E768-D972-4239-9CDD-D2C93D59DC76}" presName="sibTrans" presStyleCnt="0"/>
+      <dgm:spPr/>
+    </dgm:pt>
+    <dgm:pt modelId="{F128A80F-4611-4111-9193-176AF502C376}" type="pres">
+      <dgm:prSet presAssocID="{D18979C8-D283-4F11-8056-816DA377F0C0}" presName="compNode" presStyleCnt="0"/>
+      <dgm:spPr/>
+    </dgm:pt>
+    <dgm:pt modelId="{79AEF808-314B-4C4B-82AA-6EEA54A65F07}" type="pres">
+      <dgm:prSet presAssocID="{D18979C8-D283-4F11-8056-816DA377F0C0}" presName="bgRect" presStyleLbl="bgShp" presStyleIdx="3" presStyleCnt="4"/>
+      <dgm:spPr/>
+    </dgm:pt>
+    <dgm:pt modelId="{73575651-229C-4229-B203-88512EEA95C5}" type="pres">
+      <dgm:prSet presAssocID="{D18979C8-D283-4F11-8056-816DA377F0C0}" presName="iconRect" presStyleLbl="node1" presStyleIdx="3" presStyleCnt="4"/>
+      <dgm:spPr>
+        <a:blipFill>
+          <a:blip xmlns:r="http://schemas.openxmlformats.org/officeDocument/2006/relationships" r:embed="rId8">
+            <a:extLst>
+              <a:ext uri="{28A0092B-C50C-407E-A947-70E740481C1C}">
+                <a14:useLocalDpi xmlns:a14="http://schemas.microsoft.com/office/drawing/2010/main" val="0"/>
+              </a:ext>
+              <a:ext uri="{96DAC541-7B7A-43D3-8B79-37D633B846F1}">
+                <asvg:svgBlip xmlns:asvg="http://schemas.microsoft.com/office/drawing/2016/SVG/main" r:embed="rId9"/>
+              </a:ext>
+            </a:extLst>
+          </a:blip>
+          <a:stretch>
+            <a:fillRect/>
+          </a:stretch>
+        </a:blipFill>
+      </dgm:spPr>
+      <dgm:extLst>
+        <a:ext uri="{E40237B7-FDA0-4F09-8148-C483321AD2D9}">
+          <dgm14:cNvPr xmlns:dgm14="http://schemas.microsoft.com/office/drawing/2010/diagram" id="0" name="" descr="Projector"/>
+        </a:ext>
+      </dgm:extLst>
+    </dgm:pt>
+    <dgm:pt modelId="{806002CB-A457-44F2-A2DD-11D2572CD18C}" type="pres">
+      <dgm:prSet presAssocID="{D18979C8-D283-4F11-8056-816DA377F0C0}" presName="spaceRect" presStyleCnt="0"/>
+      <dgm:spPr/>
+    </dgm:pt>
+    <dgm:pt modelId="{77CFAC55-D3CF-45EA-A63C-9656646CA42E}" type="pres">
+      <dgm:prSet presAssocID="{D18979C8-D283-4F11-8056-816DA377F0C0}" presName="parTx" presStyleLbl="revTx" presStyleIdx="3" presStyleCnt="4">
+        <dgm:presLayoutVars>
+          <dgm:chMax val="0"/>
+          <dgm:chPref val="0"/>
+        </dgm:presLayoutVars>
+      </dgm:prSet>
+      <dgm:spPr/>
+    </dgm:pt>
+  </dgm:ptLst>
+  <dgm:cxnLst>
+    <dgm:cxn modelId="{ABD03D04-9D53-4E00-AB81-F25AC035AAD4}" srcId="{730B5E20-22E8-49EE-849D-2F09EB7C5E55}" destId="{D23F440E-398D-41B6-A80F-74494D5847CA}" srcOrd="0" destOrd="0" parTransId="{90B11B28-5797-4553-BCD6-924D483AEFA1}" sibTransId="{039D6CC6-CBE0-4615-AC1E-542A7D83BEE4}"/>
+    <dgm:cxn modelId="{B69A751B-F5A4-4FDF-A1ED-C6E1EE94BDBA}" type="presOf" srcId="{F8289849-E987-4255-8EC8-44B4F81CB10E}" destId="{7DE8E408-DE79-443F-8629-C089FBA689E3}" srcOrd="0" destOrd="0" presId="urn:microsoft.com/office/officeart/2018/2/layout/IconVerticalSolidList"/>
+    <dgm:cxn modelId="{2C52642D-1657-4F8D-BBDD-B987CC65BE05}" srcId="{730B5E20-22E8-49EE-849D-2F09EB7C5E55}" destId="{D18979C8-D283-4F11-8056-816DA377F0C0}" srcOrd="3" destOrd="0" parTransId="{88215926-66BF-48C4-A93B-2B9055E4B30E}" sibTransId="{69F2F367-DB05-4C42-B3B6-E5FAE86F9F26}"/>
+    <dgm:cxn modelId="{27CB5032-1C28-4B71-9DE7-3B8573DAA06B}" type="presOf" srcId="{D18979C8-D283-4F11-8056-816DA377F0C0}" destId="{77CFAC55-D3CF-45EA-A63C-9656646CA42E}" srcOrd="0" destOrd="0" presId="urn:microsoft.com/office/officeart/2018/2/layout/IconVerticalSolidList"/>
+    <dgm:cxn modelId="{36BA1767-35CA-4C91-93C5-94F0ADD921AD}" type="presOf" srcId="{730B5E20-22E8-49EE-849D-2F09EB7C5E55}" destId="{933F326E-830B-4831-B1CB-C533857382D0}" srcOrd="0" destOrd="0" presId="urn:microsoft.com/office/officeart/2018/2/layout/IconVerticalSolidList"/>
+    <dgm:cxn modelId="{70466650-EF21-44D4-9C56-FBD4098B58CE}" srcId="{730B5E20-22E8-49EE-849D-2F09EB7C5E55}" destId="{B987AC83-493B-4B18-BBDE-1E83EAF7E925}" srcOrd="2" destOrd="0" parTransId="{8B487908-3605-4A42-980E-D4512632196F}" sibTransId="{3871E768-D972-4239-9CDD-D2C93D59DC76}"/>
+    <dgm:cxn modelId="{0DECB193-7D07-48D4-B4D0-8A44B02B0EFC}" srcId="{730B5E20-22E8-49EE-849D-2F09EB7C5E55}" destId="{F8289849-E987-4255-8EC8-44B4F81CB10E}" srcOrd="1" destOrd="0" parTransId="{58406139-B729-43A1-9AA7-0431547BE2D4}" sibTransId="{CFDFBA7F-EFFF-4644-9D4D-D4EA2AB33D7D}"/>
+    <dgm:cxn modelId="{44162A95-8BE4-488C-B835-013E9523D7C9}" type="presOf" srcId="{B987AC83-493B-4B18-BBDE-1E83EAF7E925}" destId="{B9DB9720-3FDF-4ACB-85FA-66976B22A528}" srcOrd="0" destOrd="0" presId="urn:microsoft.com/office/officeart/2018/2/layout/IconVerticalSolidList"/>
+    <dgm:cxn modelId="{CBA314A9-2DA4-4A96-8AAA-82DB60A2107B}" type="presOf" srcId="{D23F440E-398D-41B6-A80F-74494D5847CA}" destId="{E59E20F8-4207-45B4-B668-018957100416}" srcOrd="0" destOrd="0" presId="urn:microsoft.com/office/officeart/2018/2/layout/IconVerticalSolidList"/>
+    <dgm:cxn modelId="{9530F58C-F371-4809-A58E-6A168C19975B}" type="presParOf" srcId="{933F326E-830B-4831-B1CB-C533857382D0}" destId="{76D33545-207A-477F-A16B-BB2B9D7F2D3A}" srcOrd="0" destOrd="0" presId="urn:microsoft.com/office/officeart/2018/2/layout/IconVerticalSolidList"/>
+    <dgm:cxn modelId="{E451D301-FBDE-471F-ABE3-C1348C32FA64}" type="presParOf" srcId="{76D33545-207A-477F-A16B-BB2B9D7F2D3A}" destId="{8FAC3CA6-DB25-4C68-BA9A-AD1D71B4FF5F}" srcOrd="0" destOrd="0" presId="urn:microsoft.com/office/officeart/2018/2/layout/IconVerticalSolidList"/>
+    <dgm:cxn modelId="{14E7CD92-A38A-4FAF-9BA9-5FF42774E845}" type="presParOf" srcId="{76D33545-207A-477F-A16B-BB2B9D7F2D3A}" destId="{EE8C7A60-76B2-49C3-B369-A96EA3E5C2D4}" srcOrd="1" destOrd="0" presId="urn:microsoft.com/office/officeart/2018/2/layout/IconVerticalSolidList"/>
+    <dgm:cxn modelId="{5D26878D-4F9B-405F-8E85-83F7C0F8E1DB}" type="presParOf" srcId="{76D33545-207A-477F-A16B-BB2B9D7F2D3A}" destId="{B6D7E020-35D4-4D94-A1B9-406EAB63801E}" srcOrd="2" destOrd="0" presId="urn:microsoft.com/office/officeart/2018/2/layout/IconVerticalSolidList"/>
+    <dgm:cxn modelId="{C9133D54-CFA6-4961-AF72-CCA5E88723C5}" type="presParOf" srcId="{76D33545-207A-477F-A16B-BB2B9D7F2D3A}" destId="{E59E20F8-4207-45B4-B668-018957100416}" srcOrd="3" destOrd="0" presId="urn:microsoft.com/office/officeart/2018/2/layout/IconVerticalSolidList"/>
+    <dgm:cxn modelId="{CD16DBD8-D5DB-4E7C-B56A-F7994BF3480C}" type="presParOf" srcId="{933F326E-830B-4831-B1CB-C533857382D0}" destId="{5E9395D8-4450-4F9F-846C-719251944482}" srcOrd="1" destOrd="0" presId="urn:microsoft.com/office/officeart/2018/2/layout/IconVerticalSolidList"/>
+    <dgm:cxn modelId="{C5884024-B1F3-44A6-AAC9-EA7FDF63D1F4}" type="presParOf" srcId="{933F326E-830B-4831-B1CB-C533857382D0}" destId="{4317EA3C-F64C-49F9-8D0C-2AD3C7D8B19A}" srcOrd="2" destOrd="0" presId="urn:microsoft.com/office/officeart/2018/2/layout/IconVerticalSolidList"/>
+    <dgm:cxn modelId="{B61F5F59-BFC6-4790-A4CB-49481E4A7E67}" type="presParOf" srcId="{4317EA3C-F64C-49F9-8D0C-2AD3C7D8B19A}" destId="{37F77629-432B-4A69-837C-14C65DEDD20C}" srcOrd="0" destOrd="0" presId="urn:microsoft.com/office/officeart/2018/2/layout/IconVerticalSolidList"/>
+    <dgm:cxn modelId="{F26FB358-72F0-4DE0-BF50-574AA8D7675B}" type="presParOf" srcId="{4317EA3C-F64C-49F9-8D0C-2AD3C7D8B19A}" destId="{C1FCEA5C-0298-4163-931F-016E81AAB647}" srcOrd="1" destOrd="0" presId="urn:microsoft.com/office/officeart/2018/2/layout/IconVerticalSolidList"/>
+    <dgm:cxn modelId="{04F992BD-F4A0-4C73-8E88-0DCB02F4B0DA}" type="presParOf" srcId="{4317EA3C-F64C-49F9-8D0C-2AD3C7D8B19A}" destId="{4E01C590-E7DA-4835-86D2-4CCA915CA9A6}" srcOrd="2" destOrd="0" presId="urn:microsoft.com/office/officeart/2018/2/layout/IconVerticalSolidList"/>
+    <dgm:cxn modelId="{D9501396-62D3-464C-AFF5-D80F72C0E0A4}" type="presParOf" srcId="{4317EA3C-F64C-49F9-8D0C-2AD3C7D8B19A}" destId="{7DE8E408-DE79-443F-8629-C089FBA689E3}" srcOrd="3" destOrd="0" presId="urn:microsoft.com/office/officeart/2018/2/layout/IconVerticalSolidList"/>
+    <dgm:cxn modelId="{B64CE750-A220-423D-A5EB-CB9BECD78567}" type="presParOf" srcId="{933F326E-830B-4831-B1CB-C533857382D0}" destId="{6F5BEA2C-D35A-40CD-AADB-C93FF0714F82}" srcOrd="3" destOrd="0" presId="urn:microsoft.com/office/officeart/2018/2/layout/IconVerticalSolidList"/>
+    <dgm:cxn modelId="{CEE0C149-DA4E-4DAA-86E5-5BAFB611B822}" type="presParOf" srcId="{933F326E-830B-4831-B1CB-C533857382D0}" destId="{061BB9BD-3EFB-484E-9E1E-584C8BD2EBBC}" srcOrd="4" destOrd="0" presId="urn:microsoft.com/office/officeart/2018/2/layout/IconVerticalSolidList"/>
+    <dgm:cxn modelId="{A46EC668-5ED2-4686-99BE-1BD7F730D13B}" type="presParOf" srcId="{061BB9BD-3EFB-484E-9E1E-584C8BD2EBBC}" destId="{7760943E-59EA-4625-8C71-92A18A3E7522}" srcOrd="0" destOrd="0" presId="urn:microsoft.com/office/officeart/2018/2/layout/IconVerticalSolidList"/>
+    <dgm:cxn modelId="{A9A84054-A6B0-499D-BCD3-576032380D45}" type="presParOf" srcId="{061BB9BD-3EFB-484E-9E1E-584C8BD2EBBC}" destId="{676EE63F-6485-4E2A-ABAE-83CF265BF069}" srcOrd="1" destOrd="0" presId="urn:microsoft.com/office/officeart/2018/2/layout/IconVerticalSolidList"/>
+    <dgm:cxn modelId="{194187CE-E057-4230-A3BD-9459A03BE67D}" type="presParOf" srcId="{061BB9BD-3EFB-484E-9E1E-584C8BD2EBBC}" destId="{028304A6-CF27-4F1D-99F6-FE8D277AEE17}" srcOrd="2" destOrd="0" presId="urn:microsoft.com/office/officeart/2018/2/layout/IconVerticalSolidList"/>
+    <dgm:cxn modelId="{8C1E721E-A458-4A52-900B-6C798D950C87}" type="presParOf" srcId="{061BB9BD-3EFB-484E-9E1E-584C8BD2EBBC}" destId="{B9DB9720-3FDF-4ACB-85FA-66976B22A528}" srcOrd="3" destOrd="0" presId="urn:microsoft.com/office/officeart/2018/2/layout/IconVerticalSolidList"/>
+    <dgm:cxn modelId="{0F6C0F8A-C0DA-459D-A474-7474A6218E97}" type="presParOf" srcId="{933F326E-830B-4831-B1CB-C533857382D0}" destId="{2B0E55DF-6C35-4664-BC0E-365BF51E4C99}" srcOrd="5" destOrd="0" presId="urn:microsoft.com/office/officeart/2018/2/layout/IconVerticalSolidList"/>
+    <dgm:cxn modelId="{C21BD3D6-F6A4-4D28-8A3D-E08E8BD04862}" type="presParOf" srcId="{933F326E-830B-4831-B1CB-C533857382D0}" destId="{F128A80F-4611-4111-9193-176AF502C376}" srcOrd="6" destOrd="0" presId="urn:microsoft.com/office/officeart/2018/2/layout/IconVerticalSolidList"/>
+    <dgm:cxn modelId="{7B6F3B4D-5C95-42B1-92C1-75F8AB45D4B7}" type="presParOf" srcId="{F128A80F-4611-4111-9193-176AF502C376}" destId="{79AEF808-314B-4C4B-82AA-6EEA54A65F07}" srcOrd="0" destOrd="0" presId="urn:microsoft.com/office/officeart/2018/2/layout/IconVerticalSolidList"/>
+    <dgm:cxn modelId="{F14DA5EF-E538-446F-BE7C-45C876E34890}" type="presParOf" srcId="{F128A80F-4611-4111-9193-176AF502C376}" destId="{73575651-229C-4229-B203-88512EEA95C5}" srcOrd="1" destOrd="0" presId="urn:microsoft.com/office/officeart/2018/2/layout/IconVerticalSolidList"/>
+    <dgm:cxn modelId="{E9A85B14-90AD-48A2-9B16-6090607A5F65}" type="presParOf" srcId="{F128A80F-4611-4111-9193-176AF502C376}" destId="{806002CB-A457-44F2-A2DD-11D2572CD18C}" srcOrd="2" destOrd="0" presId="urn:microsoft.com/office/officeart/2018/2/layout/IconVerticalSolidList"/>
+    <dgm:cxn modelId="{18B0CAC5-6463-418B-8377-8680A23E679D}" type="presParOf" srcId="{F128A80F-4611-4111-9193-176AF502C376}" destId="{77CFAC55-D3CF-45EA-A63C-9656646CA42E}" srcOrd="3" destOrd="0" presId="urn:microsoft.com/office/officeart/2018/2/layout/IconVerticalSolidList"/>
+  </dgm:cxnLst>
+  <dgm:bg/>
+  <dgm:whole/>
+  <dgm:extLst>
+    <a:ext uri="http://schemas.microsoft.com/office/drawing/2008/diagram">
+      <dsp:dataModelExt xmlns:dsp="http://schemas.microsoft.com/office/drawing/2008/diagram" relId="rId6" minVer="http://schemas.openxmlformats.org/drawingml/2006/diagram"/>
+    </a:ext>
+  </dgm:extLst>
+</dgm:dataModel>
+</file>
+
+<file path=ppt/diagrams/data4.xml><?xml version="1.0" encoding="utf-8"?>
+<dgm:dataModel xmlns:dgm="http://schemas.openxmlformats.org/drawingml/2006/diagram" xmlns:a="http://schemas.openxmlformats.org/drawingml/2006/main">
+  <dgm:ptLst>
+    <dgm:pt modelId="{730B5E20-22E8-49EE-849D-2F09EB7C5E55}" type="doc">
+      <dgm:prSet loTypeId="urn:microsoft.com/office/officeart/2018/2/layout/IconVerticalSolidList" loCatId="icon" qsTypeId="urn:microsoft.com/office/officeart/2005/8/quickstyle/simple1" qsCatId="simple" csTypeId="urn:microsoft.com/office/officeart/2005/8/colors/accent1_2" csCatId="accent1" phldr="1"/>
+      <dgm:spPr/>
+      <dgm:t>
+        <a:bodyPr/>
+        <a:lstStyle/>
+        <a:p>
+          <a:endParaRPr lang="en-US"/>
+        </a:p>
+      </dgm:t>
+    </dgm:pt>
+    <dgm:pt modelId="{D23F440E-398D-41B6-A80F-74494D5847CA}">
+      <dgm:prSet/>
+      <dgm:spPr/>
+      <dgm:t>
+        <a:bodyPr/>
+        <a:lstStyle/>
+        <a:p>
+          <a:pPr>
+            <a:lnSpc>
+              <a:spcPct val="100000"/>
+            </a:lnSpc>
+          </a:pPr>
+          <a:r>
+            <a:rPr lang="en-US" dirty="0"/>
+            <a:t>Suitable for complex data structure</a:t>
+          </a:r>
+        </a:p>
+      </dgm:t>
+    </dgm:pt>
+    <dgm:pt modelId="{90B11B28-5797-4553-BCD6-924D483AEFA1}" type="parTrans" cxnId="{ABD03D04-9D53-4E00-AB81-F25AC035AAD4}">
+      <dgm:prSet/>
+      <dgm:spPr/>
+      <dgm:t>
+        <a:bodyPr/>
+        <a:lstStyle/>
+        <a:p>
+          <a:endParaRPr lang="en-US"/>
+        </a:p>
+      </dgm:t>
+    </dgm:pt>
+    <dgm:pt modelId="{039D6CC6-CBE0-4615-AC1E-542A7D83BEE4}" type="sibTrans" cxnId="{ABD03D04-9D53-4E00-AB81-F25AC035AAD4}">
+      <dgm:prSet/>
+      <dgm:spPr/>
+      <dgm:t>
+        <a:bodyPr/>
+        <a:lstStyle/>
+        <a:p>
+          <a:endParaRPr lang="en-US"/>
+        </a:p>
+      </dgm:t>
+    </dgm:pt>
+    <dgm:pt modelId="{F8289849-E987-4255-8EC8-44B4F81CB10E}">
+      <dgm:prSet/>
+      <dgm:spPr/>
+      <dgm:t>
+        <a:bodyPr/>
+        <a:lstStyle/>
+        <a:p>
+          <a:pPr>
+            <a:lnSpc>
+              <a:spcPct val="100000"/>
+            </a:lnSpc>
+          </a:pPr>
+          <a:r>
+            <a:rPr lang="en-US" dirty="0">
+              <a:hlinkClick xmlns:r="http://schemas.openxmlformats.org/officeDocument/2006/relationships" r:id="rId1"/>
+            </a:rPr>
+            <a:t>Fail fast vs fail safe</a:t>
+          </a:r>
+          <a:endParaRPr lang="en-US" dirty="0"/>
+        </a:p>
+      </dgm:t>
+    </dgm:pt>
+    <dgm:pt modelId="{58406139-B729-43A1-9AA7-0431547BE2D4}" type="parTrans" cxnId="{0DECB193-7D07-48D4-B4D0-8A44B02B0EFC}">
+      <dgm:prSet/>
+      <dgm:spPr/>
+      <dgm:t>
+        <a:bodyPr/>
+        <a:lstStyle/>
+        <a:p>
+          <a:endParaRPr lang="en-US"/>
+        </a:p>
+      </dgm:t>
+    </dgm:pt>
+    <dgm:pt modelId="{CFDFBA7F-EFFF-4644-9D4D-D4EA2AB33D7D}" type="sibTrans" cxnId="{0DECB193-7D07-48D4-B4D0-8A44B02B0EFC}">
+      <dgm:prSet/>
+      <dgm:spPr/>
+      <dgm:t>
+        <a:bodyPr/>
+        <a:lstStyle/>
+        <a:p>
+          <a:endParaRPr lang="en-US"/>
+        </a:p>
+      </dgm:t>
+    </dgm:pt>
+    <dgm:pt modelId="{B987AC83-493B-4B18-BBDE-1E83EAF7E925}">
+      <dgm:prSet/>
+      <dgm:spPr/>
+      <dgm:t>
+        <a:bodyPr/>
+        <a:lstStyle/>
+        <a:p>
+          <a:pPr>
+            <a:lnSpc>
+              <a:spcPct val="100000"/>
+            </a:lnSpc>
+          </a:pPr>
+          <a:r>
+            <a:rPr lang="en-US" dirty="0"/>
+            <a:t>Does not expose collection structure, so no index, like in a for loop</a:t>
+          </a:r>
+        </a:p>
+      </dgm:t>
+    </dgm:pt>
+    <dgm:pt modelId="{8B487908-3605-4A42-980E-D4512632196F}" type="parTrans" cxnId="{70466650-EF21-44D4-9C56-FBD4098B58CE}">
+      <dgm:prSet/>
+      <dgm:spPr/>
+      <dgm:t>
+        <a:bodyPr/>
+        <a:lstStyle/>
+        <a:p>
+          <a:endParaRPr lang="en-US"/>
+        </a:p>
+      </dgm:t>
+    </dgm:pt>
+    <dgm:pt modelId="{3871E768-D972-4239-9CDD-D2C93D59DC76}" type="sibTrans" cxnId="{70466650-EF21-44D4-9C56-FBD4098B58CE}">
+      <dgm:prSet/>
+      <dgm:spPr/>
+      <dgm:t>
+        <a:bodyPr/>
+        <a:lstStyle/>
+        <a:p>
+          <a:endParaRPr lang="en-US"/>
+        </a:p>
+      </dgm:t>
+    </dgm:pt>
+    <dgm:pt modelId="{D18979C8-D283-4F11-8056-816DA377F0C0}">
+      <dgm:prSet/>
+      <dgm:spPr/>
+      <dgm:t>
+        <a:bodyPr/>
+        <a:lstStyle/>
+        <a:p>
+          <a:pPr>
+            <a:lnSpc>
+              <a:spcPct val="100000"/>
+            </a:lnSpc>
+          </a:pPr>
+          <a:r>
+            <a:rPr lang="en-US" dirty="0"/>
+            <a:t>Can</a:t>
+          </a:r>
+          <a:r>
+            <a:rPr lang="en-US" baseline="0" dirty="0"/>
+            <a:t> also be implemented for security reasons</a:t>
+          </a:r>
+          <a:endParaRPr lang="en-US" dirty="0"/>
+        </a:p>
+      </dgm:t>
+    </dgm:pt>
+    <dgm:pt modelId="{88215926-66BF-48C4-A93B-2B9055E4B30E}" type="parTrans" cxnId="{2C52642D-1657-4F8D-BBDD-B987CC65BE05}">
+      <dgm:prSet/>
+      <dgm:spPr/>
+      <dgm:t>
+        <a:bodyPr/>
+        <a:lstStyle/>
+        <a:p>
+          <a:endParaRPr lang="en-US"/>
+        </a:p>
+      </dgm:t>
+    </dgm:pt>
+    <dgm:pt modelId="{69F2F367-DB05-4C42-B3B6-E5FAE86F9F26}" type="sibTrans" cxnId="{2C52642D-1657-4F8D-BBDD-B987CC65BE05}">
+      <dgm:prSet/>
+      <dgm:spPr/>
+      <dgm:t>
+        <a:bodyPr/>
+        <a:lstStyle/>
+        <a:p>
+          <a:endParaRPr lang="en-US"/>
+        </a:p>
+      </dgm:t>
+    </dgm:pt>
+    <dgm:pt modelId="{933F326E-830B-4831-B1CB-C533857382D0}" type="pres">
+      <dgm:prSet presAssocID="{730B5E20-22E8-49EE-849D-2F09EB7C5E55}" presName="root" presStyleCnt="0">
+        <dgm:presLayoutVars>
+          <dgm:dir/>
+          <dgm:resizeHandles val="exact"/>
+        </dgm:presLayoutVars>
+      </dgm:prSet>
+      <dgm:spPr/>
+    </dgm:pt>
+    <dgm:pt modelId="{76D33545-207A-477F-A16B-BB2B9D7F2D3A}" type="pres">
+      <dgm:prSet presAssocID="{D23F440E-398D-41B6-A80F-74494D5847CA}" presName="compNode" presStyleCnt="0"/>
+      <dgm:spPr/>
+    </dgm:pt>
+    <dgm:pt modelId="{8FAC3CA6-DB25-4C68-BA9A-AD1D71B4FF5F}" type="pres">
+      <dgm:prSet presAssocID="{D23F440E-398D-41B6-A80F-74494D5847CA}" presName="bgRect" presStyleLbl="bgShp" presStyleIdx="0" presStyleCnt="4"/>
+      <dgm:spPr/>
+    </dgm:pt>
+    <dgm:pt modelId="{EE8C7A60-76B2-49C3-B369-A96EA3E5C2D4}" type="pres">
+      <dgm:prSet presAssocID="{D23F440E-398D-41B6-A80F-74494D5847CA}" presName="iconRect" presStyleLbl="node1" presStyleIdx="0" presStyleCnt="4"/>
+      <dgm:spPr>
+        <a:blipFill>
+          <a:blip xmlns:r="http://schemas.openxmlformats.org/officeDocument/2006/relationships" r:embed="rId2">
+            <a:extLst>
+              <a:ext uri="{28A0092B-C50C-407E-A947-70E740481C1C}">
+                <a14:useLocalDpi xmlns:a14="http://schemas.microsoft.com/office/drawing/2010/main" val="0"/>
+              </a:ext>
+              <a:ext uri="{96DAC541-7B7A-43D3-8B79-37D633B846F1}">
+                <asvg:svgBlip xmlns:asvg="http://schemas.microsoft.com/office/drawing/2016/SVG/main" r:embed="rId3"/>
+              </a:ext>
+            </a:extLst>
+          </a:blip>
+          <a:stretch>
+            <a:fillRect/>
+          </a:stretch>
+        </a:blipFill>
+      </dgm:spPr>
+      <dgm:extLst>
+        <a:ext uri="{E40237B7-FDA0-4F09-8148-C483321AD2D9}">
+          <dgm14:cNvPr xmlns:dgm14="http://schemas.microsoft.com/office/drawing/2010/diagram" id="0" name="" descr="Cement truck"/>
+        </a:ext>
+      </dgm:extLst>
+    </dgm:pt>
+    <dgm:pt modelId="{B6D7E020-35D4-4D94-A1B9-406EAB63801E}" type="pres">
+      <dgm:prSet presAssocID="{D23F440E-398D-41B6-A80F-74494D5847CA}" presName="spaceRect" presStyleCnt="0"/>
+      <dgm:spPr/>
+    </dgm:pt>
+    <dgm:pt modelId="{E59E20F8-4207-45B4-B668-018957100416}" type="pres">
+      <dgm:prSet presAssocID="{D23F440E-398D-41B6-A80F-74494D5847CA}" presName="parTx" presStyleLbl="revTx" presStyleIdx="0" presStyleCnt="4">
+        <dgm:presLayoutVars>
+          <dgm:chMax val="0"/>
+          <dgm:chPref val="0"/>
+        </dgm:presLayoutVars>
+      </dgm:prSet>
+      <dgm:spPr/>
+    </dgm:pt>
+    <dgm:pt modelId="{5E9395D8-4450-4F9F-846C-719251944482}" type="pres">
+      <dgm:prSet presAssocID="{039D6CC6-CBE0-4615-AC1E-542A7D83BEE4}" presName="sibTrans" presStyleCnt="0"/>
+      <dgm:spPr/>
+    </dgm:pt>
+    <dgm:pt modelId="{4317EA3C-F64C-49F9-8D0C-2AD3C7D8B19A}" type="pres">
+      <dgm:prSet presAssocID="{F8289849-E987-4255-8EC8-44B4F81CB10E}" presName="compNode" presStyleCnt="0"/>
+      <dgm:spPr/>
+    </dgm:pt>
+    <dgm:pt modelId="{37F77629-432B-4A69-837C-14C65DEDD20C}" type="pres">
+      <dgm:prSet presAssocID="{F8289849-E987-4255-8EC8-44B4F81CB10E}" presName="bgRect" presStyleLbl="bgShp" presStyleIdx="1" presStyleCnt="4" custLinFactNeighborX="-15354" custLinFactNeighborY="-9287"/>
+      <dgm:spPr/>
+    </dgm:pt>
+    <dgm:pt modelId="{C1FCEA5C-0298-4163-931F-016E81AAB647}" type="pres">
+      <dgm:prSet presAssocID="{F8289849-E987-4255-8EC8-44B4F81CB10E}" presName="iconRect" presStyleLbl="node1" presStyleIdx="1" presStyleCnt="4"/>
+      <dgm:spPr>
+        <a:blipFill>
+          <a:blip xmlns:r="http://schemas.openxmlformats.org/officeDocument/2006/relationships" r:embed="rId4">
+            <a:extLst>
+              <a:ext uri="{28A0092B-C50C-407E-A947-70E740481C1C}">
+                <a14:useLocalDpi xmlns:a14="http://schemas.microsoft.com/office/drawing/2010/main" val="0"/>
+              </a:ext>
+              <a:ext uri="{96DAC541-7B7A-43D3-8B79-37D633B846F1}">
+                <asvg:svgBlip xmlns:asvg="http://schemas.microsoft.com/office/drawing/2016/SVG/main" r:embed="rId5"/>
+              </a:ext>
+            </a:extLst>
+          </a:blip>
+          <a:stretch>
+            <a:fillRect/>
+          </a:stretch>
+        </a:blipFill>
+      </dgm:spPr>
+      <dgm:extLst>
+        <a:ext uri="{E40237B7-FDA0-4F09-8148-C483321AD2D9}">
+          <dgm14:cNvPr xmlns:dgm14="http://schemas.microsoft.com/office/drawing/2010/diagram" id="0" name="" descr="Excavator"/>
+        </a:ext>
+      </dgm:extLst>
+    </dgm:pt>
+    <dgm:pt modelId="{4E01C590-E7DA-4835-86D2-4CCA915CA9A6}" type="pres">
+      <dgm:prSet presAssocID="{F8289849-E987-4255-8EC8-44B4F81CB10E}" presName="spaceRect" presStyleCnt="0"/>
+      <dgm:spPr/>
+    </dgm:pt>
+    <dgm:pt modelId="{7DE8E408-DE79-443F-8629-C089FBA689E3}" type="pres">
+      <dgm:prSet presAssocID="{F8289849-E987-4255-8EC8-44B4F81CB10E}" presName="parTx" presStyleLbl="revTx" presStyleIdx="1" presStyleCnt="4">
+        <dgm:presLayoutVars>
+          <dgm:chMax val="0"/>
+          <dgm:chPref val="0"/>
+        </dgm:presLayoutVars>
+      </dgm:prSet>
+      <dgm:spPr/>
+    </dgm:pt>
+    <dgm:pt modelId="{6F5BEA2C-D35A-40CD-AADB-C93FF0714F82}" type="pres">
+      <dgm:prSet presAssocID="{CFDFBA7F-EFFF-4644-9D4D-D4EA2AB33D7D}" presName="sibTrans" presStyleCnt="0"/>
+      <dgm:spPr/>
+    </dgm:pt>
+    <dgm:pt modelId="{061BB9BD-3EFB-484E-9E1E-584C8BD2EBBC}" type="pres">
+      <dgm:prSet presAssocID="{B987AC83-493B-4B18-BBDE-1E83EAF7E925}" presName="compNode" presStyleCnt="0"/>
+      <dgm:spPr/>
+    </dgm:pt>
+    <dgm:pt modelId="{7760943E-59EA-4625-8C71-92A18A3E7522}" type="pres">
+      <dgm:prSet presAssocID="{B987AC83-493B-4B18-BBDE-1E83EAF7E925}" presName="bgRect" presStyleLbl="bgShp" presStyleIdx="2" presStyleCnt="4"/>
+      <dgm:spPr/>
+    </dgm:pt>
+    <dgm:pt modelId="{676EE63F-6485-4E2A-ABAE-83CF265BF069}" type="pres">
+      <dgm:prSet presAssocID="{B987AC83-493B-4B18-BBDE-1E83EAF7E925}" presName="iconRect" presStyleLbl="node1" presStyleIdx="2" presStyleCnt="4"/>
+      <dgm:spPr>
+        <a:blipFill>
+          <a:blip xmlns:r="http://schemas.openxmlformats.org/officeDocument/2006/relationships" r:embed="rId6">
+            <a:extLst>
+              <a:ext uri="{28A0092B-C50C-407E-A947-70E740481C1C}">
+                <a14:useLocalDpi xmlns:a14="http://schemas.microsoft.com/office/drawing/2010/main" val="0"/>
+              </a:ext>
+              <a:ext uri="{96DAC541-7B7A-43D3-8B79-37D633B846F1}">
+                <asvg:svgBlip xmlns:asvg="http://schemas.microsoft.com/office/drawing/2016/SVG/main" r:embed="rId7"/>
+              </a:ext>
+            </a:extLst>
+          </a:blip>
+          <a:stretch>
+            <a:fillRect/>
+          </a:stretch>
+        </a:blipFill>
+      </dgm:spPr>
+      <dgm:extLst>
+        <a:ext uri="{E40237B7-FDA0-4F09-8148-C483321AD2D9}">
+          <dgm14:cNvPr xmlns:dgm14="http://schemas.microsoft.com/office/drawing/2010/diagram" id="0" name="" descr="Factory"/>
+        </a:ext>
+      </dgm:extLst>
+    </dgm:pt>
+    <dgm:pt modelId="{028304A6-CF27-4F1D-99F6-FE8D277AEE17}" type="pres">
+      <dgm:prSet presAssocID="{B987AC83-493B-4B18-BBDE-1E83EAF7E925}" presName="spaceRect" presStyleCnt="0"/>
+      <dgm:spPr/>
+    </dgm:pt>
+    <dgm:pt modelId="{B9DB9720-3FDF-4ACB-85FA-66976B22A528}" type="pres">
+      <dgm:prSet presAssocID="{B987AC83-493B-4B18-BBDE-1E83EAF7E925}" presName="parTx" presStyleLbl="revTx" presStyleIdx="2" presStyleCnt="4">
+        <dgm:presLayoutVars>
+          <dgm:chMax val="0"/>
+          <dgm:chPref val="0"/>
+        </dgm:presLayoutVars>
+      </dgm:prSet>
+      <dgm:spPr/>
+    </dgm:pt>
+    <dgm:pt modelId="{2B0E55DF-6C35-4664-BC0E-365BF51E4C99}" type="pres">
+      <dgm:prSet presAssocID="{3871E768-D972-4239-9CDD-D2C93D59DC76}" presName="sibTrans" presStyleCnt="0"/>
+      <dgm:spPr/>
+    </dgm:pt>
+    <dgm:pt modelId="{F128A80F-4611-4111-9193-176AF502C376}" type="pres">
+      <dgm:prSet presAssocID="{D18979C8-D283-4F11-8056-816DA377F0C0}" presName="compNode" presStyleCnt="0"/>
+      <dgm:spPr/>
+    </dgm:pt>
+    <dgm:pt modelId="{79AEF808-314B-4C4B-82AA-6EEA54A65F07}" type="pres">
+      <dgm:prSet presAssocID="{D18979C8-D283-4F11-8056-816DA377F0C0}" presName="bgRect" presStyleLbl="bgShp" presStyleIdx="3" presStyleCnt="4"/>
+      <dgm:spPr/>
+    </dgm:pt>
+    <dgm:pt modelId="{73575651-229C-4229-B203-88512EEA95C5}" type="pres">
+      <dgm:prSet presAssocID="{D18979C8-D283-4F11-8056-816DA377F0C0}" presName="iconRect" presStyleLbl="node1" presStyleIdx="3" presStyleCnt="4"/>
+      <dgm:spPr>
+        <a:blipFill>
+          <a:blip xmlns:r="http://schemas.openxmlformats.org/officeDocument/2006/relationships" r:embed="rId8">
+            <a:extLst>
+              <a:ext uri="{28A0092B-C50C-407E-A947-70E740481C1C}">
+                <a14:useLocalDpi xmlns:a14="http://schemas.microsoft.com/office/drawing/2010/main" val="0"/>
+              </a:ext>
+              <a:ext uri="{96DAC541-7B7A-43D3-8B79-37D633B846F1}">
+                <asvg:svgBlip xmlns:asvg="http://schemas.microsoft.com/office/drawing/2016/SVG/main" r:embed="rId9"/>
               </a:ext>
             </a:extLst>
           </a:blip>
@@ -3257,7 +5652,7 @@
         </a:bodyPr>
         <a:lstStyle/>
         <a:p>
-          <a:pPr marL="0" lvl="0" indent="0" algn="l" defTabSz="977900">
+          <a:pPr marL="0" lvl="0" indent="0" algn="l" defTabSz="711200">
             <a:lnSpc>
               <a:spcPct val="100000"/>
             </a:lnSpc>
@@ -3270,8 +5665,8 @@
             <a:buNone/>
           </a:pPr>
           <a:r>
-            <a:rPr lang="en-US" sz="2200" kern="1200" dirty="0"/>
-            <a:t>TODO</a:t>
+            <a:rPr lang="en-US" sz="1600" kern="1200" dirty="0"/>
+            <a:t>Encapsulate in an object all the data required to perform an action (command)</a:t>
           </a:r>
         </a:p>
       </dsp:txBody>
@@ -3415,7 +5810,7 @@
         </a:bodyPr>
         <a:lstStyle/>
         <a:p>
-          <a:pPr marL="0" lvl="0" indent="0" algn="l" defTabSz="977900">
+          <a:pPr marL="0" lvl="0" indent="0" algn="l" defTabSz="711200">
             <a:lnSpc>
               <a:spcPct val="100000"/>
             </a:lnSpc>
@@ -3428,8 +5823,8 @@
             <a:buNone/>
           </a:pPr>
           <a:r>
-            <a:rPr lang="en-US" sz="2200" kern="1200" dirty="0"/>
-            <a:t>TODO</a:t>
+            <a:rPr lang="en-US" sz="1600" kern="1200" dirty="0"/>
+            <a:t>Sender is decoupled from the processor =&gt; MAINTAINABILITY</a:t>
           </a:r>
         </a:p>
       </dsp:txBody>
@@ -3573,7 +5968,7 @@
         </a:bodyPr>
         <a:lstStyle/>
         <a:p>
-          <a:pPr marL="0" lvl="0" indent="0" algn="l" defTabSz="977900">
+          <a:pPr marL="0" lvl="0" indent="0" algn="l" defTabSz="711200">
             <a:lnSpc>
               <a:spcPct val="100000"/>
             </a:lnSpc>
@@ -3586,8 +5981,8 @@
             <a:buNone/>
           </a:pPr>
           <a:r>
-            <a:rPr lang="en-US" sz="2200" kern="1200" dirty="0"/>
-            <a:t>TODO</a:t>
+            <a:rPr lang="en-US" sz="1600" kern="1200" dirty="0"/>
+            <a:t>Together with Memento you can implement undo functionality</a:t>
           </a:r>
         </a:p>
       </dsp:txBody>
@@ -3731,7 +6126,7 @@
         </a:bodyPr>
         <a:lstStyle/>
         <a:p>
-          <a:pPr marL="0" lvl="0" indent="0" algn="l" defTabSz="977900">
+          <a:pPr marL="0" lvl="0" indent="0" algn="l" defTabSz="711200">
             <a:lnSpc>
               <a:spcPct val="100000"/>
             </a:lnSpc>
@@ -3744,9 +6139,1312 @@
             <a:buNone/>
           </a:pPr>
           <a:r>
-            <a:rPr lang="en-US" sz="2200" kern="1200" dirty="0"/>
-            <a:t>TODO</a:t>
+            <a:rPr lang="en-US" sz="1600" kern="1200" dirty="0"/>
+            <a:t>Macro command = it receives multiple receivers in the constructor</a:t>
           </a:r>
+        </a:p>
+      </dsp:txBody>
+      <dsp:txXfrm>
+        <a:off x="910646" y="2958199"/>
+        <a:ext cx="3729089" cy="788438"/>
+      </dsp:txXfrm>
+    </dsp:sp>
+  </dsp:spTree>
+</dsp:drawing>
+</file>
+
+<file path=ppt/diagrams/drawing3.xml><?xml version="1.0" encoding="utf-8"?>
+<dsp:drawing xmlns:dgm="http://schemas.openxmlformats.org/drawingml/2006/diagram" xmlns:dsp="http://schemas.microsoft.com/office/drawing/2008/diagram" xmlns:a="http://schemas.openxmlformats.org/drawingml/2006/main">
+  <dsp:spTree>
+    <dsp:nvGrpSpPr>
+      <dsp:cNvPr id="0" name=""/>
+      <dsp:cNvGrpSpPr/>
+    </dsp:nvGrpSpPr>
+    <dsp:grpSpPr/>
+    <dsp:sp modelId="{8FAC3CA6-DB25-4C68-BA9A-AD1D71B4FF5F}">
+      <dsp:nvSpPr>
+        <dsp:cNvPr id="0" name=""/>
+        <dsp:cNvSpPr/>
+      </dsp:nvSpPr>
+      <dsp:spPr>
+        <a:xfrm>
+          <a:off x="0" y="1555"/>
+          <a:ext cx="4639736" cy="788438"/>
+        </a:xfrm>
+        <a:prstGeom prst="roundRect">
+          <a:avLst>
+            <a:gd name="adj" fmla="val 10000"/>
+          </a:avLst>
+        </a:prstGeom>
+        <a:solidFill>
+          <a:schemeClr val="accent1">
+            <a:tint val="40000"/>
+            <a:hueOff val="0"/>
+            <a:satOff val="0"/>
+            <a:lumOff val="0"/>
+            <a:alphaOff val="0"/>
+          </a:schemeClr>
+        </a:solidFill>
+        <a:ln>
+          <a:noFill/>
+        </a:ln>
+        <a:effectLst/>
+      </dsp:spPr>
+      <dsp:style>
+        <a:lnRef idx="0">
+          <a:scrgbClr r="0" g="0" b="0"/>
+        </a:lnRef>
+        <a:fillRef idx="1">
+          <a:scrgbClr r="0" g="0" b="0"/>
+        </a:fillRef>
+        <a:effectRef idx="0">
+          <a:scrgbClr r="0" g="0" b="0"/>
+        </a:effectRef>
+        <a:fontRef idx="minor"/>
+      </dsp:style>
+    </dsp:sp>
+    <dsp:sp modelId="{EE8C7A60-76B2-49C3-B369-A96EA3E5C2D4}">
+      <dsp:nvSpPr>
+        <dsp:cNvPr id="0" name=""/>
+        <dsp:cNvSpPr/>
+      </dsp:nvSpPr>
+      <dsp:spPr>
+        <a:xfrm>
+          <a:off x="238502" y="178954"/>
+          <a:ext cx="433641" cy="433641"/>
+        </a:xfrm>
+        <a:prstGeom prst="rect">
+          <a:avLst/>
+        </a:prstGeom>
+        <a:blipFill>
+          <a:blip xmlns:r="http://schemas.openxmlformats.org/officeDocument/2006/relationships" r:embed="rId1">
+            <a:extLst>
+              <a:ext uri="{28A0092B-C50C-407E-A947-70E740481C1C}">
+                <a14:useLocalDpi xmlns:a14="http://schemas.microsoft.com/office/drawing/2010/main" val="0"/>
+              </a:ext>
+              <a:ext uri="{96DAC541-7B7A-43D3-8B79-37D633B846F1}">
+                <asvg:svgBlip xmlns:asvg="http://schemas.microsoft.com/office/drawing/2016/SVG/main" r:embed="rId2"/>
+              </a:ext>
+            </a:extLst>
+          </a:blip>
+          <a:stretch>
+            <a:fillRect/>
+          </a:stretch>
+        </a:blipFill>
+        <a:ln w="15875" cap="flat" cmpd="sng" algn="ctr">
+          <a:solidFill>
+            <a:schemeClr val="lt1">
+              <a:hueOff val="0"/>
+              <a:satOff val="0"/>
+              <a:lumOff val="0"/>
+              <a:alphaOff val="0"/>
+            </a:schemeClr>
+          </a:solidFill>
+          <a:prstDash val="solid"/>
+        </a:ln>
+        <a:effectLst/>
+      </dsp:spPr>
+      <dsp:style>
+        <a:lnRef idx="2">
+          <a:scrgbClr r="0" g="0" b="0"/>
+        </a:lnRef>
+        <a:fillRef idx="1">
+          <a:scrgbClr r="0" g="0" b="0"/>
+        </a:fillRef>
+        <a:effectRef idx="0">
+          <a:scrgbClr r="0" g="0" b="0"/>
+        </a:effectRef>
+        <a:fontRef idx="minor">
+          <a:schemeClr val="lt1"/>
+        </a:fontRef>
+      </dsp:style>
+    </dsp:sp>
+    <dsp:sp modelId="{E59E20F8-4207-45B4-B668-018957100416}">
+      <dsp:nvSpPr>
+        <dsp:cNvPr id="0" name=""/>
+        <dsp:cNvSpPr/>
+      </dsp:nvSpPr>
+      <dsp:spPr>
+        <a:xfrm>
+          <a:off x="910646" y="1555"/>
+          <a:ext cx="3729089" cy="788438"/>
+        </a:xfrm>
+        <a:prstGeom prst="rect">
+          <a:avLst/>
+        </a:prstGeom>
+        <a:noFill/>
+        <a:ln>
+          <a:noFill/>
+        </a:ln>
+        <a:effectLst/>
+      </dsp:spPr>
+      <dsp:style>
+        <a:lnRef idx="0">
+          <a:scrgbClr r="0" g="0" b="0"/>
+        </a:lnRef>
+        <a:fillRef idx="0">
+          <a:scrgbClr r="0" g="0" b="0"/>
+        </a:fillRef>
+        <a:effectRef idx="0">
+          <a:scrgbClr r="0" g="0" b="0"/>
+        </a:effectRef>
+        <a:fontRef idx="minor"/>
+      </dsp:style>
+      <dsp:txBody>
+        <a:bodyPr spcFirstLastPara="0" vert="horz" wrap="square" lIns="83443" tIns="83443" rIns="83443" bIns="83443" numCol="1" spcCol="1270" anchor="ctr" anchorCtr="0">
+          <a:noAutofit/>
+        </a:bodyPr>
+        <a:lstStyle/>
+        <a:p>
+          <a:pPr marL="0" lvl="0" indent="0" algn="l" defTabSz="889000">
+            <a:lnSpc>
+              <a:spcPct val="100000"/>
+            </a:lnSpc>
+            <a:spcBef>
+              <a:spcPct val="0"/>
+            </a:spcBef>
+            <a:spcAft>
+              <a:spcPct val="35000"/>
+            </a:spcAft>
+            <a:buNone/>
+          </a:pPr>
+          <a:r>
+            <a:rPr lang="en-US" sz="2000" kern="1200" dirty="0"/>
+            <a:t>Eliminate dependencies between a set of system components</a:t>
+          </a:r>
+        </a:p>
+      </dsp:txBody>
+      <dsp:txXfrm>
+        <a:off x="910646" y="1555"/>
+        <a:ext cx="3729089" cy="788438"/>
+      </dsp:txXfrm>
+    </dsp:sp>
+    <dsp:sp modelId="{37F77629-432B-4A69-837C-14C65DEDD20C}">
+      <dsp:nvSpPr>
+        <dsp:cNvPr id="0" name=""/>
+        <dsp:cNvSpPr/>
+      </dsp:nvSpPr>
+      <dsp:spPr>
+        <a:xfrm>
+          <a:off x="0" y="987103"/>
+          <a:ext cx="4639736" cy="788438"/>
+        </a:xfrm>
+        <a:prstGeom prst="roundRect">
+          <a:avLst>
+            <a:gd name="adj" fmla="val 10000"/>
+          </a:avLst>
+        </a:prstGeom>
+        <a:solidFill>
+          <a:schemeClr val="accent1">
+            <a:tint val="40000"/>
+            <a:hueOff val="0"/>
+            <a:satOff val="0"/>
+            <a:lumOff val="0"/>
+            <a:alphaOff val="0"/>
+          </a:schemeClr>
+        </a:solidFill>
+        <a:ln>
+          <a:noFill/>
+        </a:ln>
+        <a:effectLst/>
+      </dsp:spPr>
+      <dsp:style>
+        <a:lnRef idx="0">
+          <a:scrgbClr r="0" g="0" b="0"/>
+        </a:lnRef>
+        <a:fillRef idx="1">
+          <a:scrgbClr r="0" g="0" b="0"/>
+        </a:fillRef>
+        <a:effectRef idx="0">
+          <a:scrgbClr r="0" g="0" b="0"/>
+        </a:effectRef>
+        <a:fontRef idx="minor"/>
+      </dsp:style>
+    </dsp:sp>
+    <dsp:sp modelId="{C1FCEA5C-0298-4163-931F-016E81AAB647}">
+      <dsp:nvSpPr>
+        <dsp:cNvPr id="0" name=""/>
+        <dsp:cNvSpPr/>
+      </dsp:nvSpPr>
+      <dsp:spPr>
+        <a:xfrm>
+          <a:off x="238502" y="1164502"/>
+          <a:ext cx="433641" cy="433641"/>
+        </a:xfrm>
+        <a:prstGeom prst="rect">
+          <a:avLst/>
+        </a:prstGeom>
+        <a:blipFill>
+          <a:blip xmlns:r="http://schemas.openxmlformats.org/officeDocument/2006/relationships" r:embed="rId3">
+            <a:extLst>
+              <a:ext uri="{28A0092B-C50C-407E-A947-70E740481C1C}">
+                <a14:useLocalDpi xmlns:a14="http://schemas.microsoft.com/office/drawing/2010/main" val="0"/>
+              </a:ext>
+              <a:ext uri="{96DAC541-7B7A-43D3-8B79-37D633B846F1}">
+                <asvg:svgBlip xmlns:asvg="http://schemas.microsoft.com/office/drawing/2016/SVG/main" r:embed="rId4"/>
+              </a:ext>
+            </a:extLst>
+          </a:blip>
+          <a:stretch>
+            <a:fillRect/>
+          </a:stretch>
+        </a:blipFill>
+        <a:ln w="15875" cap="flat" cmpd="sng" algn="ctr">
+          <a:solidFill>
+            <a:schemeClr val="lt1">
+              <a:hueOff val="0"/>
+              <a:satOff val="0"/>
+              <a:lumOff val="0"/>
+              <a:alphaOff val="0"/>
+            </a:schemeClr>
+          </a:solidFill>
+          <a:prstDash val="solid"/>
+        </a:ln>
+        <a:effectLst/>
+      </dsp:spPr>
+      <dsp:style>
+        <a:lnRef idx="2">
+          <a:scrgbClr r="0" g="0" b="0"/>
+        </a:lnRef>
+        <a:fillRef idx="1">
+          <a:scrgbClr r="0" g="0" b="0"/>
+        </a:fillRef>
+        <a:effectRef idx="0">
+          <a:scrgbClr r="0" g="0" b="0"/>
+        </a:effectRef>
+        <a:fontRef idx="minor">
+          <a:schemeClr val="lt1"/>
+        </a:fontRef>
+      </dsp:style>
+    </dsp:sp>
+    <dsp:sp modelId="{7DE8E408-DE79-443F-8629-C089FBA689E3}">
+      <dsp:nvSpPr>
+        <dsp:cNvPr id="0" name=""/>
+        <dsp:cNvSpPr/>
+      </dsp:nvSpPr>
+      <dsp:spPr>
+        <a:xfrm>
+          <a:off x="910646" y="987103"/>
+          <a:ext cx="3729089" cy="788438"/>
+        </a:xfrm>
+        <a:prstGeom prst="rect">
+          <a:avLst/>
+        </a:prstGeom>
+        <a:noFill/>
+        <a:ln>
+          <a:noFill/>
+        </a:ln>
+        <a:effectLst/>
+      </dsp:spPr>
+      <dsp:style>
+        <a:lnRef idx="0">
+          <a:scrgbClr r="0" g="0" b="0"/>
+        </a:lnRef>
+        <a:fillRef idx="0">
+          <a:scrgbClr r="0" g="0" b="0"/>
+        </a:fillRef>
+        <a:effectRef idx="0">
+          <a:scrgbClr r="0" g="0" b="0"/>
+        </a:effectRef>
+        <a:fontRef idx="minor"/>
+      </dsp:style>
+      <dsp:txBody>
+        <a:bodyPr spcFirstLastPara="0" vert="horz" wrap="square" lIns="83443" tIns="83443" rIns="83443" bIns="83443" numCol="1" spcCol="1270" anchor="ctr" anchorCtr="0">
+          <a:noAutofit/>
+        </a:bodyPr>
+        <a:lstStyle/>
+        <a:p>
+          <a:pPr marL="0" lvl="0" indent="0" algn="l" defTabSz="889000">
+            <a:lnSpc>
+              <a:spcPct val="100000"/>
+            </a:lnSpc>
+            <a:spcBef>
+              <a:spcPct val="0"/>
+            </a:spcBef>
+            <a:spcAft>
+              <a:spcPct val="35000"/>
+            </a:spcAft>
+            <a:buNone/>
+          </a:pPr>
+          <a:r>
+            <a:rPr lang="en-US" sz="2000" kern="1200" dirty="0"/>
+            <a:t>Defines interaction between components</a:t>
+          </a:r>
+        </a:p>
+      </dsp:txBody>
+      <dsp:txXfrm>
+        <a:off x="910646" y="987103"/>
+        <a:ext cx="3729089" cy="788438"/>
+      </dsp:txXfrm>
+    </dsp:sp>
+    <dsp:sp modelId="{7760943E-59EA-4625-8C71-92A18A3E7522}">
+      <dsp:nvSpPr>
+        <dsp:cNvPr id="0" name=""/>
+        <dsp:cNvSpPr/>
+      </dsp:nvSpPr>
+      <dsp:spPr>
+        <a:xfrm>
+          <a:off x="0" y="1972651"/>
+          <a:ext cx="4639736" cy="788438"/>
+        </a:xfrm>
+        <a:prstGeom prst="roundRect">
+          <a:avLst>
+            <a:gd name="adj" fmla="val 10000"/>
+          </a:avLst>
+        </a:prstGeom>
+        <a:solidFill>
+          <a:schemeClr val="accent1">
+            <a:tint val="40000"/>
+            <a:hueOff val="0"/>
+            <a:satOff val="0"/>
+            <a:lumOff val="0"/>
+            <a:alphaOff val="0"/>
+          </a:schemeClr>
+        </a:solidFill>
+        <a:ln>
+          <a:noFill/>
+        </a:ln>
+        <a:effectLst/>
+      </dsp:spPr>
+      <dsp:style>
+        <a:lnRef idx="0">
+          <a:scrgbClr r="0" g="0" b="0"/>
+        </a:lnRef>
+        <a:fillRef idx="1">
+          <a:scrgbClr r="0" g="0" b="0"/>
+        </a:fillRef>
+        <a:effectRef idx="0">
+          <a:scrgbClr r="0" g="0" b="0"/>
+        </a:effectRef>
+        <a:fontRef idx="minor"/>
+      </dsp:style>
+    </dsp:sp>
+    <dsp:sp modelId="{676EE63F-6485-4E2A-ABAE-83CF265BF069}">
+      <dsp:nvSpPr>
+        <dsp:cNvPr id="0" name=""/>
+        <dsp:cNvSpPr/>
+      </dsp:nvSpPr>
+      <dsp:spPr>
+        <a:xfrm>
+          <a:off x="238502" y="2150049"/>
+          <a:ext cx="433641" cy="433641"/>
+        </a:xfrm>
+        <a:prstGeom prst="rect">
+          <a:avLst/>
+        </a:prstGeom>
+        <a:blipFill>
+          <a:blip xmlns:r="http://schemas.openxmlformats.org/officeDocument/2006/relationships" r:embed="rId5">
+            <a:extLst>
+              <a:ext uri="{28A0092B-C50C-407E-A947-70E740481C1C}">
+                <a14:useLocalDpi xmlns:a14="http://schemas.microsoft.com/office/drawing/2010/main" val="0"/>
+              </a:ext>
+              <a:ext uri="{96DAC541-7B7A-43D3-8B79-37D633B846F1}">
+                <asvg:svgBlip xmlns:asvg="http://schemas.microsoft.com/office/drawing/2016/SVG/main" r:embed="rId6"/>
+              </a:ext>
+            </a:extLst>
+          </a:blip>
+          <a:stretch>
+            <a:fillRect/>
+          </a:stretch>
+        </a:blipFill>
+        <a:ln w="15875" cap="flat" cmpd="sng" algn="ctr">
+          <a:solidFill>
+            <a:schemeClr val="lt1">
+              <a:hueOff val="0"/>
+              <a:satOff val="0"/>
+              <a:lumOff val="0"/>
+              <a:alphaOff val="0"/>
+            </a:schemeClr>
+          </a:solidFill>
+          <a:prstDash val="solid"/>
+        </a:ln>
+        <a:effectLst/>
+      </dsp:spPr>
+      <dsp:style>
+        <a:lnRef idx="2">
+          <a:scrgbClr r="0" g="0" b="0"/>
+        </a:lnRef>
+        <a:fillRef idx="1">
+          <a:scrgbClr r="0" g="0" b="0"/>
+        </a:fillRef>
+        <a:effectRef idx="0">
+          <a:scrgbClr r="0" g="0" b="0"/>
+        </a:effectRef>
+        <a:fontRef idx="minor">
+          <a:schemeClr val="lt1"/>
+        </a:fontRef>
+      </dsp:style>
+    </dsp:sp>
+    <dsp:sp modelId="{B9DB9720-3FDF-4ACB-85FA-66976B22A528}">
+      <dsp:nvSpPr>
+        <dsp:cNvPr id="0" name=""/>
+        <dsp:cNvSpPr/>
+      </dsp:nvSpPr>
+      <dsp:spPr>
+        <a:xfrm>
+          <a:off x="910646" y="1972651"/>
+          <a:ext cx="3729089" cy="788438"/>
+        </a:xfrm>
+        <a:prstGeom prst="rect">
+          <a:avLst/>
+        </a:prstGeom>
+        <a:noFill/>
+        <a:ln>
+          <a:noFill/>
+        </a:ln>
+        <a:effectLst/>
+      </dsp:spPr>
+      <dsp:style>
+        <a:lnRef idx="0">
+          <a:scrgbClr r="0" g="0" b="0"/>
+        </a:lnRef>
+        <a:fillRef idx="0">
+          <a:scrgbClr r="0" g="0" b="0"/>
+        </a:fillRef>
+        <a:effectRef idx="0">
+          <a:scrgbClr r="0" g="0" b="0"/>
+        </a:effectRef>
+        <a:fontRef idx="minor"/>
+      </dsp:style>
+      <dsp:txBody>
+        <a:bodyPr spcFirstLastPara="0" vert="horz" wrap="square" lIns="83443" tIns="83443" rIns="83443" bIns="83443" numCol="1" spcCol="1270" anchor="ctr" anchorCtr="0">
+          <a:noAutofit/>
+        </a:bodyPr>
+        <a:lstStyle/>
+        <a:p>
+          <a:pPr marL="0" lvl="0" indent="0" algn="l" defTabSz="889000">
+            <a:lnSpc>
+              <a:spcPct val="100000"/>
+            </a:lnSpc>
+            <a:spcBef>
+              <a:spcPct val="0"/>
+            </a:spcBef>
+            <a:spcAft>
+              <a:spcPct val="35000"/>
+            </a:spcAft>
+            <a:buNone/>
+          </a:pPr>
+          <a:r>
+            <a:rPr lang="en-US" sz="2000" kern="1200" dirty="0"/>
+            <a:t>Components are very often called “colleagues”</a:t>
+          </a:r>
+        </a:p>
+      </dsp:txBody>
+      <dsp:txXfrm>
+        <a:off x="910646" y="1972651"/>
+        <a:ext cx="3729089" cy="788438"/>
+      </dsp:txXfrm>
+    </dsp:sp>
+    <dsp:sp modelId="{79AEF808-314B-4C4B-82AA-6EEA54A65F07}">
+      <dsp:nvSpPr>
+        <dsp:cNvPr id="0" name=""/>
+        <dsp:cNvSpPr/>
+      </dsp:nvSpPr>
+      <dsp:spPr>
+        <a:xfrm>
+          <a:off x="0" y="2958199"/>
+          <a:ext cx="4639736" cy="788438"/>
+        </a:xfrm>
+        <a:prstGeom prst="roundRect">
+          <a:avLst>
+            <a:gd name="adj" fmla="val 10000"/>
+          </a:avLst>
+        </a:prstGeom>
+        <a:solidFill>
+          <a:schemeClr val="accent1">
+            <a:tint val="40000"/>
+            <a:hueOff val="0"/>
+            <a:satOff val="0"/>
+            <a:lumOff val="0"/>
+            <a:alphaOff val="0"/>
+          </a:schemeClr>
+        </a:solidFill>
+        <a:ln>
+          <a:noFill/>
+        </a:ln>
+        <a:effectLst/>
+      </dsp:spPr>
+      <dsp:style>
+        <a:lnRef idx="0">
+          <a:scrgbClr r="0" g="0" b="0"/>
+        </a:lnRef>
+        <a:fillRef idx="1">
+          <a:scrgbClr r="0" g="0" b="0"/>
+        </a:fillRef>
+        <a:effectRef idx="0">
+          <a:scrgbClr r="0" g="0" b="0"/>
+        </a:effectRef>
+        <a:fontRef idx="minor"/>
+      </dsp:style>
+    </dsp:sp>
+    <dsp:sp modelId="{73575651-229C-4229-B203-88512EEA95C5}">
+      <dsp:nvSpPr>
+        <dsp:cNvPr id="0" name=""/>
+        <dsp:cNvSpPr/>
+      </dsp:nvSpPr>
+      <dsp:spPr>
+        <a:xfrm>
+          <a:off x="238502" y="3135597"/>
+          <a:ext cx="433641" cy="433641"/>
+        </a:xfrm>
+        <a:prstGeom prst="rect">
+          <a:avLst/>
+        </a:prstGeom>
+        <a:blipFill>
+          <a:blip xmlns:r="http://schemas.openxmlformats.org/officeDocument/2006/relationships" r:embed="rId7">
+            <a:extLst>
+              <a:ext uri="{28A0092B-C50C-407E-A947-70E740481C1C}">
+                <a14:useLocalDpi xmlns:a14="http://schemas.microsoft.com/office/drawing/2010/main" val="0"/>
+              </a:ext>
+              <a:ext uri="{96DAC541-7B7A-43D3-8B79-37D633B846F1}">
+                <asvg:svgBlip xmlns:asvg="http://schemas.microsoft.com/office/drawing/2016/SVG/main" r:embed="rId8"/>
+              </a:ext>
+            </a:extLst>
+          </a:blip>
+          <a:stretch>
+            <a:fillRect/>
+          </a:stretch>
+        </a:blipFill>
+        <a:ln w="15875" cap="flat" cmpd="sng" algn="ctr">
+          <a:solidFill>
+            <a:schemeClr val="lt1">
+              <a:hueOff val="0"/>
+              <a:satOff val="0"/>
+              <a:lumOff val="0"/>
+              <a:alphaOff val="0"/>
+            </a:schemeClr>
+          </a:solidFill>
+          <a:prstDash val="solid"/>
+        </a:ln>
+        <a:effectLst/>
+      </dsp:spPr>
+      <dsp:style>
+        <a:lnRef idx="2">
+          <a:scrgbClr r="0" g="0" b="0"/>
+        </a:lnRef>
+        <a:fillRef idx="1">
+          <a:scrgbClr r="0" g="0" b="0"/>
+        </a:fillRef>
+        <a:effectRef idx="0">
+          <a:scrgbClr r="0" g="0" b="0"/>
+        </a:effectRef>
+        <a:fontRef idx="minor">
+          <a:schemeClr val="lt1"/>
+        </a:fontRef>
+      </dsp:style>
+    </dsp:sp>
+    <dsp:sp modelId="{77CFAC55-D3CF-45EA-A63C-9656646CA42E}">
+      <dsp:nvSpPr>
+        <dsp:cNvPr id="0" name=""/>
+        <dsp:cNvSpPr/>
+      </dsp:nvSpPr>
+      <dsp:spPr>
+        <a:xfrm>
+          <a:off x="910646" y="2958199"/>
+          <a:ext cx="3729089" cy="788438"/>
+        </a:xfrm>
+        <a:prstGeom prst="rect">
+          <a:avLst/>
+        </a:prstGeom>
+        <a:noFill/>
+        <a:ln>
+          <a:noFill/>
+        </a:ln>
+        <a:effectLst/>
+      </dsp:spPr>
+      <dsp:style>
+        <a:lnRef idx="0">
+          <a:scrgbClr r="0" g="0" b="0"/>
+        </a:lnRef>
+        <a:fillRef idx="0">
+          <a:scrgbClr r="0" g="0" b="0"/>
+        </a:fillRef>
+        <a:effectRef idx="0">
+          <a:scrgbClr r="0" g="0" b="0"/>
+        </a:effectRef>
+        <a:fontRef idx="minor"/>
+      </dsp:style>
+      <dsp:txBody>
+        <a:bodyPr spcFirstLastPara="0" vert="horz" wrap="square" lIns="83443" tIns="83443" rIns="83443" bIns="83443" numCol="1" spcCol="1270" anchor="ctr" anchorCtr="0">
+          <a:noAutofit/>
+        </a:bodyPr>
+        <a:lstStyle/>
+        <a:p>
+          <a:pPr marL="0" lvl="0" indent="0" algn="l" defTabSz="889000">
+            <a:lnSpc>
+              <a:spcPct val="100000"/>
+            </a:lnSpc>
+            <a:spcBef>
+              <a:spcPct val="0"/>
+            </a:spcBef>
+            <a:spcAft>
+              <a:spcPct val="35000"/>
+            </a:spcAft>
+            <a:buNone/>
+          </a:pPr>
+          <a:r>
+            <a:rPr lang="en-US" sz="2000" kern="1200" dirty="0"/>
+            <a:t>Classic pitfall: </a:t>
+          </a:r>
+          <a:r>
+            <a:rPr lang="en-US" sz="2000" kern="1200" dirty="0">
+              <a:hlinkClick xmlns:r="http://schemas.openxmlformats.org/officeDocument/2006/relationships" r:id="rId9"/>
+            </a:rPr>
+            <a:t>God object</a:t>
+          </a:r>
+          <a:endParaRPr lang="en-US" sz="2000" kern="1200" dirty="0"/>
+        </a:p>
+      </dsp:txBody>
+      <dsp:txXfrm>
+        <a:off x="910646" y="2958199"/>
+        <a:ext cx="3729089" cy="788438"/>
+      </dsp:txXfrm>
+    </dsp:sp>
+  </dsp:spTree>
+</dsp:drawing>
+</file>
+
+<file path=ppt/diagrams/drawing4.xml><?xml version="1.0" encoding="utf-8"?>
+<dsp:drawing xmlns:dgm="http://schemas.openxmlformats.org/drawingml/2006/diagram" xmlns:dsp="http://schemas.microsoft.com/office/drawing/2008/diagram" xmlns:a="http://schemas.openxmlformats.org/drawingml/2006/main">
+  <dsp:spTree>
+    <dsp:nvGrpSpPr>
+      <dsp:cNvPr id="0" name=""/>
+      <dsp:cNvGrpSpPr/>
+    </dsp:nvGrpSpPr>
+    <dsp:grpSpPr/>
+    <dsp:sp modelId="{8FAC3CA6-DB25-4C68-BA9A-AD1D71B4FF5F}">
+      <dsp:nvSpPr>
+        <dsp:cNvPr id="0" name=""/>
+        <dsp:cNvSpPr/>
+      </dsp:nvSpPr>
+      <dsp:spPr>
+        <a:xfrm>
+          <a:off x="0" y="1555"/>
+          <a:ext cx="4639736" cy="788438"/>
+        </a:xfrm>
+        <a:prstGeom prst="roundRect">
+          <a:avLst>
+            <a:gd name="adj" fmla="val 10000"/>
+          </a:avLst>
+        </a:prstGeom>
+        <a:solidFill>
+          <a:schemeClr val="accent1">
+            <a:tint val="40000"/>
+            <a:hueOff val="0"/>
+            <a:satOff val="0"/>
+            <a:lumOff val="0"/>
+            <a:alphaOff val="0"/>
+          </a:schemeClr>
+        </a:solidFill>
+        <a:ln>
+          <a:noFill/>
+        </a:ln>
+        <a:effectLst/>
+      </dsp:spPr>
+      <dsp:style>
+        <a:lnRef idx="0">
+          <a:scrgbClr r="0" g="0" b="0"/>
+        </a:lnRef>
+        <a:fillRef idx="1">
+          <a:scrgbClr r="0" g="0" b="0"/>
+        </a:fillRef>
+        <a:effectRef idx="0">
+          <a:scrgbClr r="0" g="0" b="0"/>
+        </a:effectRef>
+        <a:fontRef idx="minor"/>
+      </dsp:style>
+    </dsp:sp>
+    <dsp:sp modelId="{EE8C7A60-76B2-49C3-B369-A96EA3E5C2D4}">
+      <dsp:nvSpPr>
+        <dsp:cNvPr id="0" name=""/>
+        <dsp:cNvSpPr/>
+      </dsp:nvSpPr>
+      <dsp:spPr>
+        <a:xfrm>
+          <a:off x="238502" y="178954"/>
+          <a:ext cx="433641" cy="433641"/>
+        </a:xfrm>
+        <a:prstGeom prst="rect">
+          <a:avLst/>
+        </a:prstGeom>
+        <a:blipFill>
+          <a:blip xmlns:r="http://schemas.openxmlformats.org/officeDocument/2006/relationships" r:embed="rId1">
+            <a:extLst>
+              <a:ext uri="{28A0092B-C50C-407E-A947-70E740481C1C}">
+                <a14:useLocalDpi xmlns:a14="http://schemas.microsoft.com/office/drawing/2010/main" val="0"/>
+              </a:ext>
+              <a:ext uri="{96DAC541-7B7A-43D3-8B79-37D633B846F1}">
+                <asvg:svgBlip xmlns:asvg="http://schemas.microsoft.com/office/drawing/2016/SVG/main" r:embed="rId2"/>
+              </a:ext>
+            </a:extLst>
+          </a:blip>
+          <a:stretch>
+            <a:fillRect/>
+          </a:stretch>
+        </a:blipFill>
+        <a:ln w="15875" cap="flat" cmpd="sng" algn="ctr">
+          <a:solidFill>
+            <a:schemeClr val="lt1">
+              <a:hueOff val="0"/>
+              <a:satOff val="0"/>
+              <a:lumOff val="0"/>
+              <a:alphaOff val="0"/>
+            </a:schemeClr>
+          </a:solidFill>
+          <a:prstDash val="solid"/>
+        </a:ln>
+        <a:effectLst/>
+      </dsp:spPr>
+      <dsp:style>
+        <a:lnRef idx="2">
+          <a:scrgbClr r="0" g="0" b="0"/>
+        </a:lnRef>
+        <a:fillRef idx="1">
+          <a:scrgbClr r="0" g="0" b="0"/>
+        </a:fillRef>
+        <a:effectRef idx="0">
+          <a:scrgbClr r="0" g="0" b="0"/>
+        </a:effectRef>
+        <a:fontRef idx="minor">
+          <a:schemeClr val="lt1"/>
+        </a:fontRef>
+      </dsp:style>
+    </dsp:sp>
+    <dsp:sp modelId="{E59E20F8-4207-45B4-B668-018957100416}">
+      <dsp:nvSpPr>
+        <dsp:cNvPr id="0" name=""/>
+        <dsp:cNvSpPr/>
+      </dsp:nvSpPr>
+      <dsp:spPr>
+        <a:xfrm>
+          <a:off x="910646" y="1555"/>
+          <a:ext cx="3729089" cy="788438"/>
+        </a:xfrm>
+        <a:prstGeom prst="rect">
+          <a:avLst/>
+        </a:prstGeom>
+        <a:noFill/>
+        <a:ln>
+          <a:noFill/>
+        </a:ln>
+        <a:effectLst/>
+      </dsp:spPr>
+      <dsp:style>
+        <a:lnRef idx="0">
+          <a:scrgbClr r="0" g="0" b="0"/>
+        </a:lnRef>
+        <a:fillRef idx="0">
+          <a:scrgbClr r="0" g="0" b="0"/>
+        </a:fillRef>
+        <a:effectRef idx="0">
+          <a:scrgbClr r="0" g="0" b="0"/>
+        </a:effectRef>
+        <a:fontRef idx="minor"/>
+      </dsp:style>
+      <dsp:txBody>
+        <a:bodyPr spcFirstLastPara="0" vert="horz" wrap="square" lIns="83443" tIns="83443" rIns="83443" bIns="83443" numCol="1" spcCol="1270" anchor="ctr" anchorCtr="0">
+          <a:noAutofit/>
+        </a:bodyPr>
+        <a:lstStyle/>
+        <a:p>
+          <a:pPr marL="0" lvl="0" indent="0" algn="l" defTabSz="800100">
+            <a:lnSpc>
+              <a:spcPct val="100000"/>
+            </a:lnSpc>
+            <a:spcBef>
+              <a:spcPct val="0"/>
+            </a:spcBef>
+            <a:spcAft>
+              <a:spcPct val="35000"/>
+            </a:spcAft>
+            <a:buNone/>
+          </a:pPr>
+          <a:r>
+            <a:rPr lang="en-US" sz="1800" kern="1200" dirty="0"/>
+            <a:t>Suitable for complex data structure</a:t>
+          </a:r>
+        </a:p>
+      </dsp:txBody>
+      <dsp:txXfrm>
+        <a:off x="910646" y="1555"/>
+        <a:ext cx="3729089" cy="788438"/>
+      </dsp:txXfrm>
+    </dsp:sp>
+    <dsp:sp modelId="{37F77629-432B-4A69-837C-14C65DEDD20C}">
+      <dsp:nvSpPr>
+        <dsp:cNvPr id="0" name=""/>
+        <dsp:cNvSpPr/>
+      </dsp:nvSpPr>
+      <dsp:spPr>
+        <a:xfrm>
+          <a:off x="0" y="913881"/>
+          <a:ext cx="4639736" cy="788438"/>
+        </a:xfrm>
+        <a:prstGeom prst="roundRect">
+          <a:avLst>
+            <a:gd name="adj" fmla="val 10000"/>
+          </a:avLst>
+        </a:prstGeom>
+        <a:solidFill>
+          <a:schemeClr val="accent1">
+            <a:tint val="40000"/>
+            <a:hueOff val="0"/>
+            <a:satOff val="0"/>
+            <a:lumOff val="0"/>
+            <a:alphaOff val="0"/>
+          </a:schemeClr>
+        </a:solidFill>
+        <a:ln>
+          <a:noFill/>
+        </a:ln>
+        <a:effectLst/>
+      </dsp:spPr>
+      <dsp:style>
+        <a:lnRef idx="0">
+          <a:scrgbClr r="0" g="0" b="0"/>
+        </a:lnRef>
+        <a:fillRef idx="1">
+          <a:scrgbClr r="0" g="0" b="0"/>
+        </a:fillRef>
+        <a:effectRef idx="0">
+          <a:scrgbClr r="0" g="0" b="0"/>
+        </a:effectRef>
+        <a:fontRef idx="minor"/>
+      </dsp:style>
+    </dsp:sp>
+    <dsp:sp modelId="{C1FCEA5C-0298-4163-931F-016E81AAB647}">
+      <dsp:nvSpPr>
+        <dsp:cNvPr id="0" name=""/>
+        <dsp:cNvSpPr/>
+      </dsp:nvSpPr>
+      <dsp:spPr>
+        <a:xfrm>
+          <a:off x="238502" y="1164502"/>
+          <a:ext cx="433641" cy="433641"/>
+        </a:xfrm>
+        <a:prstGeom prst="rect">
+          <a:avLst/>
+        </a:prstGeom>
+        <a:blipFill>
+          <a:blip xmlns:r="http://schemas.openxmlformats.org/officeDocument/2006/relationships" r:embed="rId3">
+            <a:extLst>
+              <a:ext uri="{28A0092B-C50C-407E-A947-70E740481C1C}">
+                <a14:useLocalDpi xmlns:a14="http://schemas.microsoft.com/office/drawing/2010/main" val="0"/>
+              </a:ext>
+              <a:ext uri="{96DAC541-7B7A-43D3-8B79-37D633B846F1}">
+                <asvg:svgBlip xmlns:asvg="http://schemas.microsoft.com/office/drawing/2016/SVG/main" r:embed="rId4"/>
+              </a:ext>
+            </a:extLst>
+          </a:blip>
+          <a:stretch>
+            <a:fillRect/>
+          </a:stretch>
+        </a:blipFill>
+        <a:ln w="15875" cap="flat" cmpd="sng" algn="ctr">
+          <a:solidFill>
+            <a:schemeClr val="lt1">
+              <a:hueOff val="0"/>
+              <a:satOff val="0"/>
+              <a:lumOff val="0"/>
+              <a:alphaOff val="0"/>
+            </a:schemeClr>
+          </a:solidFill>
+          <a:prstDash val="solid"/>
+        </a:ln>
+        <a:effectLst/>
+      </dsp:spPr>
+      <dsp:style>
+        <a:lnRef idx="2">
+          <a:scrgbClr r="0" g="0" b="0"/>
+        </a:lnRef>
+        <a:fillRef idx="1">
+          <a:scrgbClr r="0" g="0" b="0"/>
+        </a:fillRef>
+        <a:effectRef idx="0">
+          <a:scrgbClr r="0" g="0" b="0"/>
+        </a:effectRef>
+        <a:fontRef idx="minor">
+          <a:schemeClr val="lt1"/>
+        </a:fontRef>
+      </dsp:style>
+    </dsp:sp>
+    <dsp:sp modelId="{7DE8E408-DE79-443F-8629-C089FBA689E3}">
+      <dsp:nvSpPr>
+        <dsp:cNvPr id="0" name=""/>
+        <dsp:cNvSpPr/>
+      </dsp:nvSpPr>
+      <dsp:spPr>
+        <a:xfrm>
+          <a:off x="910646" y="987103"/>
+          <a:ext cx="3729089" cy="788438"/>
+        </a:xfrm>
+        <a:prstGeom prst="rect">
+          <a:avLst/>
+        </a:prstGeom>
+        <a:noFill/>
+        <a:ln>
+          <a:noFill/>
+        </a:ln>
+        <a:effectLst/>
+      </dsp:spPr>
+      <dsp:style>
+        <a:lnRef idx="0">
+          <a:scrgbClr r="0" g="0" b="0"/>
+        </a:lnRef>
+        <a:fillRef idx="0">
+          <a:scrgbClr r="0" g="0" b="0"/>
+        </a:fillRef>
+        <a:effectRef idx="0">
+          <a:scrgbClr r="0" g="0" b="0"/>
+        </a:effectRef>
+        <a:fontRef idx="minor"/>
+      </dsp:style>
+      <dsp:txBody>
+        <a:bodyPr spcFirstLastPara="0" vert="horz" wrap="square" lIns="83443" tIns="83443" rIns="83443" bIns="83443" numCol="1" spcCol="1270" anchor="ctr" anchorCtr="0">
+          <a:noAutofit/>
+        </a:bodyPr>
+        <a:lstStyle/>
+        <a:p>
+          <a:pPr marL="0" lvl="0" indent="0" algn="l" defTabSz="800100">
+            <a:lnSpc>
+              <a:spcPct val="100000"/>
+            </a:lnSpc>
+            <a:spcBef>
+              <a:spcPct val="0"/>
+            </a:spcBef>
+            <a:spcAft>
+              <a:spcPct val="35000"/>
+            </a:spcAft>
+            <a:buNone/>
+          </a:pPr>
+          <a:r>
+            <a:rPr lang="en-US" sz="1800" kern="1200" dirty="0">
+              <a:hlinkClick xmlns:r="http://schemas.openxmlformats.org/officeDocument/2006/relationships" r:id="rId5"/>
+            </a:rPr>
+            <a:t>Fail fast vs fail safe</a:t>
+          </a:r>
+          <a:endParaRPr lang="en-US" sz="1800" kern="1200" dirty="0"/>
+        </a:p>
+      </dsp:txBody>
+      <dsp:txXfrm>
+        <a:off x="910646" y="987103"/>
+        <a:ext cx="3729089" cy="788438"/>
+      </dsp:txXfrm>
+    </dsp:sp>
+    <dsp:sp modelId="{7760943E-59EA-4625-8C71-92A18A3E7522}">
+      <dsp:nvSpPr>
+        <dsp:cNvPr id="0" name=""/>
+        <dsp:cNvSpPr/>
+      </dsp:nvSpPr>
+      <dsp:spPr>
+        <a:xfrm>
+          <a:off x="0" y="1972651"/>
+          <a:ext cx="4639736" cy="788438"/>
+        </a:xfrm>
+        <a:prstGeom prst="roundRect">
+          <a:avLst>
+            <a:gd name="adj" fmla="val 10000"/>
+          </a:avLst>
+        </a:prstGeom>
+        <a:solidFill>
+          <a:schemeClr val="accent1">
+            <a:tint val="40000"/>
+            <a:hueOff val="0"/>
+            <a:satOff val="0"/>
+            <a:lumOff val="0"/>
+            <a:alphaOff val="0"/>
+          </a:schemeClr>
+        </a:solidFill>
+        <a:ln>
+          <a:noFill/>
+        </a:ln>
+        <a:effectLst/>
+      </dsp:spPr>
+      <dsp:style>
+        <a:lnRef idx="0">
+          <a:scrgbClr r="0" g="0" b="0"/>
+        </a:lnRef>
+        <a:fillRef idx="1">
+          <a:scrgbClr r="0" g="0" b="0"/>
+        </a:fillRef>
+        <a:effectRef idx="0">
+          <a:scrgbClr r="0" g="0" b="0"/>
+        </a:effectRef>
+        <a:fontRef idx="minor"/>
+      </dsp:style>
+    </dsp:sp>
+    <dsp:sp modelId="{676EE63F-6485-4E2A-ABAE-83CF265BF069}">
+      <dsp:nvSpPr>
+        <dsp:cNvPr id="0" name=""/>
+        <dsp:cNvSpPr/>
+      </dsp:nvSpPr>
+      <dsp:spPr>
+        <a:xfrm>
+          <a:off x="238502" y="2150049"/>
+          <a:ext cx="433641" cy="433641"/>
+        </a:xfrm>
+        <a:prstGeom prst="rect">
+          <a:avLst/>
+        </a:prstGeom>
+        <a:blipFill>
+          <a:blip xmlns:r="http://schemas.openxmlformats.org/officeDocument/2006/relationships" r:embed="rId6">
+            <a:extLst>
+              <a:ext uri="{28A0092B-C50C-407E-A947-70E740481C1C}">
+                <a14:useLocalDpi xmlns:a14="http://schemas.microsoft.com/office/drawing/2010/main" val="0"/>
+              </a:ext>
+              <a:ext uri="{96DAC541-7B7A-43D3-8B79-37D633B846F1}">
+                <asvg:svgBlip xmlns:asvg="http://schemas.microsoft.com/office/drawing/2016/SVG/main" r:embed="rId7"/>
+              </a:ext>
+            </a:extLst>
+          </a:blip>
+          <a:stretch>
+            <a:fillRect/>
+          </a:stretch>
+        </a:blipFill>
+        <a:ln w="15875" cap="flat" cmpd="sng" algn="ctr">
+          <a:solidFill>
+            <a:schemeClr val="lt1">
+              <a:hueOff val="0"/>
+              <a:satOff val="0"/>
+              <a:lumOff val="0"/>
+              <a:alphaOff val="0"/>
+            </a:schemeClr>
+          </a:solidFill>
+          <a:prstDash val="solid"/>
+        </a:ln>
+        <a:effectLst/>
+      </dsp:spPr>
+      <dsp:style>
+        <a:lnRef idx="2">
+          <a:scrgbClr r="0" g="0" b="0"/>
+        </a:lnRef>
+        <a:fillRef idx="1">
+          <a:scrgbClr r="0" g="0" b="0"/>
+        </a:fillRef>
+        <a:effectRef idx="0">
+          <a:scrgbClr r="0" g="0" b="0"/>
+        </a:effectRef>
+        <a:fontRef idx="minor">
+          <a:schemeClr val="lt1"/>
+        </a:fontRef>
+      </dsp:style>
+    </dsp:sp>
+    <dsp:sp modelId="{B9DB9720-3FDF-4ACB-85FA-66976B22A528}">
+      <dsp:nvSpPr>
+        <dsp:cNvPr id="0" name=""/>
+        <dsp:cNvSpPr/>
+      </dsp:nvSpPr>
+      <dsp:spPr>
+        <a:xfrm>
+          <a:off x="910646" y="1972651"/>
+          <a:ext cx="3729089" cy="788438"/>
+        </a:xfrm>
+        <a:prstGeom prst="rect">
+          <a:avLst/>
+        </a:prstGeom>
+        <a:noFill/>
+        <a:ln>
+          <a:noFill/>
+        </a:ln>
+        <a:effectLst/>
+      </dsp:spPr>
+      <dsp:style>
+        <a:lnRef idx="0">
+          <a:scrgbClr r="0" g="0" b="0"/>
+        </a:lnRef>
+        <a:fillRef idx="0">
+          <a:scrgbClr r="0" g="0" b="0"/>
+        </a:fillRef>
+        <a:effectRef idx="0">
+          <a:scrgbClr r="0" g="0" b="0"/>
+        </a:effectRef>
+        <a:fontRef idx="minor"/>
+      </dsp:style>
+      <dsp:txBody>
+        <a:bodyPr spcFirstLastPara="0" vert="horz" wrap="square" lIns="83443" tIns="83443" rIns="83443" bIns="83443" numCol="1" spcCol="1270" anchor="ctr" anchorCtr="0">
+          <a:noAutofit/>
+        </a:bodyPr>
+        <a:lstStyle/>
+        <a:p>
+          <a:pPr marL="0" lvl="0" indent="0" algn="l" defTabSz="800100">
+            <a:lnSpc>
+              <a:spcPct val="100000"/>
+            </a:lnSpc>
+            <a:spcBef>
+              <a:spcPct val="0"/>
+            </a:spcBef>
+            <a:spcAft>
+              <a:spcPct val="35000"/>
+            </a:spcAft>
+            <a:buNone/>
+          </a:pPr>
+          <a:r>
+            <a:rPr lang="en-US" sz="1800" kern="1200" dirty="0"/>
+            <a:t>Does not expose collection structure, so no index, like in a for loop</a:t>
+          </a:r>
+        </a:p>
+      </dsp:txBody>
+      <dsp:txXfrm>
+        <a:off x="910646" y="1972651"/>
+        <a:ext cx="3729089" cy="788438"/>
+      </dsp:txXfrm>
+    </dsp:sp>
+    <dsp:sp modelId="{79AEF808-314B-4C4B-82AA-6EEA54A65F07}">
+      <dsp:nvSpPr>
+        <dsp:cNvPr id="0" name=""/>
+        <dsp:cNvSpPr/>
+      </dsp:nvSpPr>
+      <dsp:spPr>
+        <a:xfrm>
+          <a:off x="0" y="2958199"/>
+          <a:ext cx="4639736" cy="788438"/>
+        </a:xfrm>
+        <a:prstGeom prst="roundRect">
+          <a:avLst>
+            <a:gd name="adj" fmla="val 10000"/>
+          </a:avLst>
+        </a:prstGeom>
+        <a:solidFill>
+          <a:schemeClr val="accent1">
+            <a:tint val="40000"/>
+            <a:hueOff val="0"/>
+            <a:satOff val="0"/>
+            <a:lumOff val="0"/>
+            <a:alphaOff val="0"/>
+          </a:schemeClr>
+        </a:solidFill>
+        <a:ln>
+          <a:noFill/>
+        </a:ln>
+        <a:effectLst/>
+      </dsp:spPr>
+      <dsp:style>
+        <a:lnRef idx="0">
+          <a:scrgbClr r="0" g="0" b="0"/>
+        </a:lnRef>
+        <a:fillRef idx="1">
+          <a:scrgbClr r="0" g="0" b="0"/>
+        </a:fillRef>
+        <a:effectRef idx="0">
+          <a:scrgbClr r="0" g="0" b="0"/>
+        </a:effectRef>
+        <a:fontRef idx="minor"/>
+      </dsp:style>
+    </dsp:sp>
+    <dsp:sp modelId="{73575651-229C-4229-B203-88512EEA95C5}">
+      <dsp:nvSpPr>
+        <dsp:cNvPr id="0" name=""/>
+        <dsp:cNvSpPr/>
+      </dsp:nvSpPr>
+      <dsp:spPr>
+        <a:xfrm>
+          <a:off x="238502" y="3135597"/>
+          <a:ext cx="433641" cy="433641"/>
+        </a:xfrm>
+        <a:prstGeom prst="rect">
+          <a:avLst/>
+        </a:prstGeom>
+        <a:blipFill>
+          <a:blip xmlns:r="http://schemas.openxmlformats.org/officeDocument/2006/relationships" r:embed="rId8">
+            <a:extLst>
+              <a:ext uri="{28A0092B-C50C-407E-A947-70E740481C1C}">
+                <a14:useLocalDpi xmlns:a14="http://schemas.microsoft.com/office/drawing/2010/main" val="0"/>
+              </a:ext>
+              <a:ext uri="{96DAC541-7B7A-43D3-8B79-37D633B846F1}">
+                <asvg:svgBlip xmlns:asvg="http://schemas.microsoft.com/office/drawing/2016/SVG/main" r:embed="rId9"/>
+              </a:ext>
+            </a:extLst>
+          </a:blip>
+          <a:stretch>
+            <a:fillRect/>
+          </a:stretch>
+        </a:blipFill>
+        <a:ln w="15875" cap="flat" cmpd="sng" algn="ctr">
+          <a:solidFill>
+            <a:schemeClr val="lt1">
+              <a:hueOff val="0"/>
+              <a:satOff val="0"/>
+              <a:lumOff val="0"/>
+              <a:alphaOff val="0"/>
+            </a:schemeClr>
+          </a:solidFill>
+          <a:prstDash val="solid"/>
+        </a:ln>
+        <a:effectLst/>
+      </dsp:spPr>
+      <dsp:style>
+        <a:lnRef idx="2">
+          <a:scrgbClr r="0" g="0" b="0"/>
+        </a:lnRef>
+        <a:fillRef idx="1">
+          <a:scrgbClr r="0" g="0" b="0"/>
+        </a:fillRef>
+        <a:effectRef idx="0">
+          <a:scrgbClr r="0" g="0" b="0"/>
+        </a:effectRef>
+        <a:fontRef idx="minor">
+          <a:schemeClr val="lt1"/>
+        </a:fontRef>
+      </dsp:style>
+    </dsp:sp>
+    <dsp:sp modelId="{77CFAC55-D3CF-45EA-A63C-9656646CA42E}">
+      <dsp:nvSpPr>
+        <dsp:cNvPr id="0" name=""/>
+        <dsp:cNvSpPr/>
+      </dsp:nvSpPr>
+      <dsp:spPr>
+        <a:xfrm>
+          <a:off x="910646" y="2958199"/>
+          <a:ext cx="3729089" cy="788438"/>
+        </a:xfrm>
+        <a:prstGeom prst="rect">
+          <a:avLst/>
+        </a:prstGeom>
+        <a:noFill/>
+        <a:ln>
+          <a:noFill/>
+        </a:ln>
+        <a:effectLst/>
+      </dsp:spPr>
+      <dsp:style>
+        <a:lnRef idx="0">
+          <a:scrgbClr r="0" g="0" b="0"/>
+        </a:lnRef>
+        <a:fillRef idx="0">
+          <a:scrgbClr r="0" g="0" b="0"/>
+        </a:fillRef>
+        <a:effectRef idx="0">
+          <a:scrgbClr r="0" g="0" b="0"/>
+        </a:effectRef>
+        <a:fontRef idx="minor"/>
+      </dsp:style>
+      <dsp:txBody>
+        <a:bodyPr spcFirstLastPara="0" vert="horz" wrap="square" lIns="83443" tIns="83443" rIns="83443" bIns="83443" numCol="1" spcCol="1270" anchor="ctr" anchorCtr="0">
+          <a:noAutofit/>
+        </a:bodyPr>
+        <a:lstStyle/>
+        <a:p>
+          <a:pPr marL="0" lvl="0" indent="0" algn="l" defTabSz="800100">
+            <a:lnSpc>
+              <a:spcPct val="100000"/>
+            </a:lnSpc>
+            <a:spcBef>
+              <a:spcPct val="0"/>
+            </a:spcBef>
+            <a:spcAft>
+              <a:spcPct val="35000"/>
+            </a:spcAft>
+            <a:buNone/>
+          </a:pPr>
+          <a:r>
+            <a:rPr lang="en-US" sz="1800" kern="1200" dirty="0"/>
+            <a:t>Can</a:t>
+          </a:r>
+          <a:r>
+            <a:rPr lang="en-US" sz="1800" kern="1200" baseline="0" dirty="0"/>
+            <a:t> also be implemented for security reasons</a:t>
+          </a:r>
+          <a:endParaRPr lang="en-US" sz="1800" kern="1200" dirty="0"/>
         </a:p>
       </dsp:txBody>
       <dsp:txXfrm>
@@ -4346,6 +8044,594 @@
 </dgm:layoutDef>
 </file>
 
+<file path=ppt/diagrams/layout3.xml><?xml version="1.0" encoding="utf-8"?>
+<dgm:layoutDef xmlns:dgm="http://schemas.openxmlformats.org/drawingml/2006/diagram" xmlns:a="http://schemas.openxmlformats.org/drawingml/2006/main" uniqueId="urn:microsoft.com/office/officeart/2018/2/layout/IconVerticalSolidList">
+  <dgm:title val="Icon Vertical Solid List"/>
+  <dgm:desc val="Use to show a series of visuals from top to bottom with Level 1 or Level 1 and Level 2 text grouped in a shape. Works best with icons or small pictures with lengthier descriptions."/>
+  <dgm:catLst>
+    <dgm:cat type="icon" pri="500"/>
+  </dgm:catLst>
+  <dgm:sampData useDef="1">
+    <dgm:dataModel>
+      <dgm:ptLst/>
+      <dgm:bg/>
+      <dgm:whole/>
+    </dgm:dataModel>
+  </dgm:sampData>
+  <dgm:styleData useDef="1">
+    <dgm:dataModel>
+      <dgm:ptLst/>
+      <dgm:bg/>
+      <dgm:whole/>
+    </dgm:dataModel>
+  </dgm:styleData>
+  <dgm:clrData useDef="1">
+    <dgm:dataModel>
+      <dgm:ptLst/>
+      <dgm:bg/>
+      <dgm:whole/>
+    </dgm:dataModel>
+  </dgm:clrData>
+  <dgm:layoutNode name="root">
+    <dgm:varLst>
+      <dgm:dir/>
+      <dgm:resizeHandles val="exact"/>
+    </dgm:varLst>
+    <dgm:choose name="Name0">
+      <dgm:if name="Name1" axis="self" func="var" arg="dir" op="equ" val="norm">
+        <dgm:alg type="lin">
+          <dgm:param type="linDir" val="fromT"/>
+          <dgm:param type="nodeHorzAlign" val="l"/>
+        </dgm:alg>
+      </dgm:if>
+      <dgm:else name="Name2">
+        <dgm:alg type="lin">
+          <dgm:param type="linDir" val="fromT"/>
+          <dgm:param type="nodeHorzAlign" val="r"/>
+        </dgm:alg>
+      </dgm:else>
+    </dgm:choose>
+    <dgm:shape xmlns:r="http://schemas.openxmlformats.org/officeDocument/2006/relationships" r:blip="">
+      <dgm:adjLst/>
+    </dgm:shape>
+    <dgm:presOf/>
+    <dgm:choose name="Name3">
+      <dgm:if name="Name4" axis="ch" ptType="node" func="cnt" op="lte" val="3">
+        <dgm:constrLst>
+          <dgm:constr type="h" for="ch" forName="compNode" refType="h" fact="0.3"/>
+          <dgm:constr type="w" for="ch" forName="compNode" refType="w"/>
+          <dgm:constr type="h" for="ch" forName="sibTrans" refType="h" refFor="ch" refForName="compNode" fact="0.25"/>
+          <dgm:constr type="primFontSz" for="des" forName="parTx" val="25"/>
+          <dgm:constr type="primFontSz" for="des" forName="desTx" refType="primFontSz" refFor="des" refForName="parTx" op="lte" fact="0.75"/>
+          <dgm:constr type="h" for="des" forName="compNode" op="equ"/>
+          <dgm:constr type="h" for="des" forName="bgRect" op="equ"/>
+          <dgm:constr type="h" for="des" forName="iconRect" op="equ"/>
+          <dgm:constr type="w" for="des" forName="iconRect" op="equ"/>
+          <dgm:constr type="h" for="des" forName="spaceRect" op="equ"/>
+          <dgm:constr type="h" for="des" forName="parTx" op="equ"/>
+          <dgm:constr type="h" for="des" forName="desTx" op="equ"/>
+        </dgm:constrLst>
+      </dgm:if>
+      <dgm:if name="Name5" axis="ch" ptType="node" func="cnt" op="lte" val="4">
+        <dgm:constrLst>
+          <dgm:constr type="h" for="ch" forName="compNode" refType="h" fact="0.3"/>
+          <dgm:constr type="w" for="ch" forName="compNode" refType="w"/>
+          <dgm:constr type="h" for="ch" forName="sibTrans" refType="h" refFor="ch" refForName="compNode" fact="0.25"/>
+          <dgm:constr type="primFontSz" for="des" forName="parTx" val="22"/>
+          <dgm:constr type="primFontSz" for="des" forName="desTx" refType="primFontSz" refFor="des" refForName="parTx" op="lte" fact="0.75"/>
+          <dgm:constr type="h" for="des" forName="compNode" op="equ"/>
+          <dgm:constr type="h" for="des" forName="bgRect" op="equ"/>
+          <dgm:constr type="h" for="des" forName="iconRect" op="equ"/>
+          <dgm:constr type="w" for="des" forName="iconRect" op="equ"/>
+          <dgm:constr type="h" for="des" forName="spaceRect" op="equ"/>
+          <dgm:constr type="h" for="des" forName="parTx" op="equ"/>
+          <dgm:constr type="h" for="des" forName="desTx" op="equ"/>
+        </dgm:constrLst>
+      </dgm:if>
+      <dgm:if name="Name6" axis="ch" ptType="node" func="cnt" op="lte" val="6">
+        <dgm:constrLst>
+          <dgm:constr type="h" for="ch" forName="compNode" refType="h" fact="0.3"/>
+          <dgm:constr type="w" for="ch" forName="compNode" refType="w"/>
+          <dgm:constr type="h" for="ch" forName="sibTrans" refType="h" refFor="ch" refForName="compNode" fact="0.25"/>
+          <dgm:constr type="primFontSz" for="des" forName="parTx" val="19"/>
+          <dgm:constr type="primFontSz" for="des" forName="desTx" refType="primFontSz" refFor="des" refForName="parTx" op="lte" fact="0.75"/>
+          <dgm:constr type="h" for="des" forName="compNode" op="equ"/>
+          <dgm:constr type="h" for="des" forName="bgRect" op="equ"/>
+          <dgm:constr type="h" for="des" forName="iconRect" op="equ"/>
+          <dgm:constr type="w" for="des" forName="iconRect" op="equ"/>
+          <dgm:constr type="h" for="des" forName="spaceRect" op="equ"/>
+          <dgm:constr type="h" for="des" forName="parTx" op="equ"/>
+          <dgm:constr type="h" for="des" forName="desTx" op="equ"/>
+        </dgm:constrLst>
+      </dgm:if>
+      <dgm:else name="Name7">
+        <dgm:constrLst>
+          <dgm:constr type="h" for="ch" forName="compNode" refType="h" fact="0.3"/>
+          <dgm:constr type="w" for="ch" forName="compNode" refType="w"/>
+          <dgm:constr type="h" for="ch" forName="sibTrans" refType="h" refFor="ch" refForName="compNode" fact="0.25"/>
+          <dgm:constr type="primFontSz" for="des" forName="parTx" val="16"/>
+          <dgm:constr type="primFontSz" for="des" forName="desTx" refType="primFontSz" refFor="des" refForName="parTx" op="lte" fact="0.75"/>
+          <dgm:constr type="h" for="des" forName="compNode" op="equ"/>
+          <dgm:constr type="h" for="des" forName="bgRect" op="equ"/>
+          <dgm:constr type="h" for="des" forName="iconRect" op="equ"/>
+          <dgm:constr type="w" for="des" forName="iconRect" op="equ"/>
+          <dgm:constr type="h" for="des" forName="spaceRect" op="equ"/>
+          <dgm:constr type="h" for="des" forName="parTx" op="equ"/>
+          <dgm:constr type="h" for="des" forName="desTx" op="equ"/>
+        </dgm:constrLst>
+      </dgm:else>
+    </dgm:choose>
+    <dgm:ruleLst>
+      <dgm:rule type="h" for="ch" forName="compNode" val="0" fact="NaN" max="NaN"/>
+    </dgm:ruleLst>
+    <dgm:forEach name="Name8" axis="ch" ptType="node">
+      <dgm:layoutNode name="compNode">
+        <dgm:alg type="composite"/>
+        <dgm:shape xmlns:r="http://schemas.openxmlformats.org/officeDocument/2006/relationships" r:blip="">
+          <dgm:adjLst/>
+        </dgm:shape>
+        <dgm:presOf axis="self"/>
+        <dgm:choose name="Name9">
+          <dgm:if name="Name10" axis="ch" ptType="node" func="cnt" op="gte" val="1">
+            <dgm:constrLst>
+              <dgm:constr type="w" for="ch" forName="bgRect" refType="w"/>
+              <dgm:constr type="h" for="ch" forName="bgRect" refType="h"/>
+              <dgm:constr type="l" for="ch" forName="bgRect"/>
+              <dgm:constr type="t" for="ch" forName="bgRect"/>
+              <dgm:constr type="h" for="ch" forName="iconRect" refType="h" fact="0.55"/>
+              <dgm:constr type="w" for="ch" forName="iconRect" refType="h" refFor="ch" refForName="iconRect"/>
+              <dgm:constr type="l" for="ch" forName="iconRect" refType="h" refFor="ch" refForName="iconRect" fact="0.55"/>
+              <dgm:constr type="ctrY" for="ch" forName="iconRect" refType="ctrY" refFor="ch" refForName="bgRect"/>
+              <dgm:constr type="w" for="ch" forName="spaceRect" refType="l" refFor="ch" refForName="iconRect"/>
+              <dgm:constr type="h" for="ch" forName="spaceRect" refType="h"/>
+              <dgm:constr type="l" for="ch" forName="spaceRect" refType="r" refFor="ch" refForName="iconRect"/>
+              <dgm:constr type="t" for="ch" forName="spaceRect"/>
+              <dgm:constr type="w" for="ch" forName="parTx" refType="w" fact="0.45"/>
+              <dgm:constr type="h" for="ch" forName="parTx" refType="h"/>
+              <dgm:constr type="l" for="ch" forName="parTx" refType="r" refFor="ch" refForName="spaceRect"/>
+              <dgm:constr type="t" for="ch" forName="parTx"/>
+              <dgm:constr type="h" for="ch" forName="desTx" refType="h"/>
+              <dgm:constr type="l" for="ch" forName="desTx" refType="r" refFor="ch" refForName="parTx"/>
+              <dgm:constr type="t" for="ch" forName="desTx"/>
+            </dgm:constrLst>
+          </dgm:if>
+          <dgm:else name="Name11">
+            <dgm:constrLst>
+              <dgm:constr type="w" for="ch" forName="bgRect" refType="w"/>
+              <dgm:constr type="h" for="ch" forName="bgRect" refType="h"/>
+              <dgm:constr type="l" for="ch" forName="bgRect"/>
+              <dgm:constr type="t" for="ch" forName="bgRect"/>
+              <dgm:constr type="h" for="ch" forName="iconRect" refType="h" fact="0.55"/>
+              <dgm:constr type="w" for="ch" forName="iconRect" refType="h" refFor="ch" refForName="iconRect"/>
+              <dgm:constr type="l" for="ch" forName="iconRect" refType="h" refFor="ch" refForName="iconRect" fact="0.55"/>
+              <dgm:constr type="ctrY" for="ch" forName="iconRect" refType="ctrY" refFor="ch" refForName="bgRect"/>
+              <dgm:constr type="w" for="ch" forName="spaceRect" refType="l" refFor="ch" refForName="iconRect"/>
+              <dgm:constr type="h" for="ch" forName="spaceRect" refType="h"/>
+              <dgm:constr type="l" for="ch" forName="spaceRect" refType="r" refFor="ch" refForName="iconRect"/>
+              <dgm:constr type="t" for="ch" forName="spaceRect"/>
+              <dgm:constr type="h" for="ch" forName="parTx" refType="h"/>
+              <dgm:constr type="l" for="ch" forName="parTx" refType="r" refFor="ch" refForName="spaceRect"/>
+              <dgm:constr type="t" for="ch" forName="parTx"/>
+            </dgm:constrLst>
+          </dgm:else>
+        </dgm:choose>
+        <dgm:ruleLst>
+          <dgm:rule type="h" val="INF" fact="NaN" max="NaN"/>
+        </dgm:ruleLst>
+        <dgm:layoutNode name="bgRect" styleLbl="bgShp">
+          <dgm:alg type="sp"/>
+          <dgm:shape xmlns:r="http://schemas.openxmlformats.org/officeDocument/2006/relationships" type="roundRect" r:blip="">
+            <dgm:adjLst>
+              <dgm:adj idx="1" val="0.1"/>
+            </dgm:adjLst>
+          </dgm:shape>
+          <dgm:presOf/>
+          <dgm:constrLst/>
+          <dgm:ruleLst/>
+        </dgm:layoutNode>
+        <dgm:layoutNode name="iconRect" styleLbl="node1">
+          <dgm:alg type="sp"/>
+          <dgm:shape xmlns:r="http://schemas.openxmlformats.org/officeDocument/2006/relationships" type="rect" r:blip="" blipPhldr="1">
+            <dgm:adjLst/>
+          </dgm:shape>
+          <dgm:presOf/>
+          <dgm:constrLst/>
+          <dgm:ruleLst/>
+        </dgm:layoutNode>
+        <dgm:layoutNode name="spaceRect">
+          <dgm:alg type="sp"/>
+          <dgm:shape xmlns:r="http://schemas.openxmlformats.org/officeDocument/2006/relationships" r:blip="">
+            <dgm:adjLst/>
+          </dgm:shape>
+          <dgm:presOf/>
+          <dgm:constrLst/>
+          <dgm:ruleLst/>
+        </dgm:layoutNode>
+        <dgm:layoutNode name="parTx" styleLbl="revTx">
+          <dgm:varLst>
+            <dgm:chMax val="0"/>
+            <dgm:chPref val="0"/>
+          </dgm:varLst>
+          <dgm:alg type="tx">
+            <dgm:param type="txAnchorVert" val="mid"/>
+            <dgm:param type="parTxLTRAlign" val="l"/>
+            <dgm:param type="shpTxLTRAlignCh" val="l"/>
+            <dgm:param type="parTxRTLAlign" val="r"/>
+            <dgm:param type="shpTxRTLAlignCh" val="r"/>
+          </dgm:alg>
+          <dgm:shape xmlns:r="http://schemas.openxmlformats.org/officeDocument/2006/relationships" type="rect" r:blip="">
+            <dgm:adjLst/>
+          </dgm:shape>
+          <dgm:presOf axis="self" ptType="node"/>
+          <dgm:constrLst>
+            <dgm:constr type="lMarg" refType="h" fact="0.3"/>
+            <dgm:constr type="rMarg" refType="h" fact="0.3"/>
+            <dgm:constr type="tMarg" refType="h" fact="0.3"/>
+            <dgm:constr type="bMarg" refType="h" fact="0.3"/>
+          </dgm:constrLst>
+          <dgm:ruleLst>
+            <dgm:rule type="primFontSz" val="14" fact="NaN" max="NaN"/>
+            <dgm:rule type="h" val="INF" fact="NaN" max="NaN"/>
+          </dgm:ruleLst>
+        </dgm:layoutNode>
+        <dgm:choose name="Name12">
+          <dgm:if name="Name13" axis="ch" ptType="node" func="cnt" op="gte" val="1">
+            <dgm:layoutNode name="desTx" styleLbl="revTx">
+              <dgm:varLst/>
+              <dgm:alg type="tx">
+                <dgm:param type="txAnchorVertCh" val="mid"/>
+                <dgm:param type="parTxLTRAlign" val="l"/>
+                <dgm:param type="shpTxLTRAlignCh" val="l"/>
+                <dgm:param type="parTxRTLAlign" val="r"/>
+                <dgm:param type="shpTxRTLAlignCh" val="r"/>
+                <dgm:param type="stBulletLvl" val="0"/>
+              </dgm:alg>
+              <dgm:shape xmlns:r="http://schemas.openxmlformats.org/officeDocument/2006/relationships" type="rect" r:blip="">
+                <dgm:adjLst/>
+              </dgm:shape>
+              <dgm:presOf axis="des" ptType="node"/>
+              <dgm:constrLst>
+                <dgm:constr type="primFontSz" val="18"/>
+                <dgm:constr type="secFontSz" refType="primFontSz"/>
+                <dgm:constr type="lMarg" refType="h" fact="0.3"/>
+                <dgm:constr type="rMarg" refType="h" fact="0.3"/>
+                <dgm:constr type="tMarg" refType="h" fact="0.3"/>
+                <dgm:constr type="bMarg" refType="h" fact="0.3"/>
+              </dgm:constrLst>
+              <dgm:ruleLst>
+                <dgm:rule type="primFontSz" val="11" fact="NaN" max="NaN"/>
+              </dgm:ruleLst>
+            </dgm:layoutNode>
+          </dgm:if>
+          <dgm:else name="Name14"/>
+        </dgm:choose>
+      </dgm:layoutNode>
+      <dgm:forEach name="Name15" axis="followSib" ptType="sibTrans" cnt="1">
+        <dgm:layoutNode name="sibTrans">
+          <dgm:alg type="sp"/>
+          <dgm:shape xmlns:r="http://schemas.openxmlformats.org/officeDocument/2006/relationships" r:blip="">
+            <dgm:adjLst/>
+          </dgm:shape>
+          <dgm:presOf axis="self"/>
+          <dgm:constrLst/>
+          <dgm:ruleLst/>
+        </dgm:layoutNode>
+      </dgm:forEach>
+    </dgm:forEach>
+  </dgm:layoutNode>
+  <dgm:extLst>
+    <a:ext uri="{68A01E43-0DF5-4B5B-8FA6-DAF915123BFB}">
+      <dgm1612:lstStyle xmlns:dgm1612="http://schemas.microsoft.com/office/drawing/2016/12/diagram">
+        <a:lvl1pPr>
+          <a:lnSpc>
+            <a:spcPct val="100000"/>
+          </a:lnSpc>
+        </a:lvl1pPr>
+        <a:lvl2pPr>
+          <a:lnSpc>
+            <a:spcPct val="100000"/>
+          </a:lnSpc>
+        </a:lvl2pPr>
+      </dgm1612:lstStyle>
+    </a:ext>
+  </dgm:extLst>
+</dgm:layoutDef>
+</file>
+
+<file path=ppt/diagrams/layout4.xml><?xml version="1.0" encoding="utf-8"?>
+<dgm:layoutDef xmlns:dgm="http://schemas.openxmlformats.org/drawingml/2006/diagram" xmlns:a="http://schemas.openxmlformats.org/drawingml/2006/main" uniqueId="urn:microsoft.com/office/officeart/2018/2/layout/IconVerticalSolidList">
+  <dgm:title val="Icon Vertical Solid List"/>
+  <dgm:desc val="Use to show a series of visuals from top to bottom with Level 1 or Level 1 and Level 2 text grouped in a shape. Works best with icons or small pictures with lengthier descriptions."/>
+  <dgm:catLst>
+    <dgm:cat type="icon" pri="500"/>
+  </dgm:catLst>
+  <dgm:sampData useDef="1">
+    <dgm:dataModel>
+      <dgm:ptLst/>
+      <dgm:bg/>
+      <dgm:whole/>
+    </dgm:dataModel>
+  </dgm:sampData>
+  <dgm:styleData useDef="1">
+    <dgm:dataModel>
+      <dgm:ptLst/>
+      <dgm:bg/>
+      <dgm:whole/>
+    </dgm:dataModel>
+  </dgm:styleData>
+  <dgm:clrData useDef="1">
+    <dgm:dataModel>
+      <dgm:ptLst/>
+      <dgm:bg/>
+      <dgm:whole/>
+    </dgm:dataModel>
+  </dgm:clrData>
+  <dgm:layoutNode name="root">
+    <dgm:varLst>
+      <dgm:dir/>
+      <dgm:resizeHandles val="exact"/>
+    </dgm:varLst>
+    <dgm:choose name="Name0">
+      <dgm:if name="Name1" axis="self" func="var" arg="dir" op="equ" val="norm">
+        <dgm:alg type="lin">
+          <dgm:param type="linDir" val="fromT"/>
+          <dgm:param type="nodeHorzAlign" val="l"/>
+        </dgm:alg>
+      </dgm:if>
+      <dgm:else name="Name2">
+        <dgm:alg type="lin">
+          <dgm:param type="linDir" val="fromT"/>
+          <dgm:param type="nodeHorzAlign" val="r"/>
+        </dgm:alg>
+      </dgm:else>
+    </dgm:choose>
+    <dgm:shape xmlns:r="http://schemas.openxmlformats.org/officeDocument/2006/relationships" r:blip="">
+      <dgm:adjLst/>
+    </dgm:shape>
+    <dgm:presOf/>
+    <dgm:choose name="Name3">
+      <dgm:if name="Name4" axis="ch" ptType="node" func="cnt" op="lte" val="3">
+        <dgm:constrLst>
+          <dgm:constr type="h" for="ch" forName="compNode" refType="h" fact="0.3"/>
+          <dgm:constr type="w" for="ch" forName="compNode" refType="w"/>
+          <dgm:constr type="h" for="ch" forName="sibTrans" refType="h" refFor="ch" refForName="compNode" fact="0.25"/>
+          <dgm:constr type="primFontSz" for="des" forName="parTx" val="25"/>
+          <dgm:constr type="primFontSz" for="des" forName="desTx" refType="primFontSz" refFor="des" refForName="parTx" op="lte" fact="0.75"/>
+          <dgm:constr type="h" for="des" forName="compNode" op="equ"/>
+          <dgm:constr type="h" for="des" forName="bgRect" op="equ"/>
+          <dgm:constr type="h" for="des" forName="iconRect" op="equ"/>
+          <dgm:constr type="w" for="des" forName="iconRect" op="equ"/>
+          <dgm:constr type="h" for="des" forName="spaceRect" op="equ"/>
+          <dgm:constr type="h" for="des" forName="parTx" op="equ"/>
+          <dgm:constr type="h" for="des" forName="desTx" op="equ"/>
+        </dgm:constrLst>
+      </dgm:if>
+      <dgm:if name="Name5" axis="ch" ptType="node" func="cnt" op="lte" val="4">
+        <dgm:constrLst>
+          <dgm:constr type="h" for="ch" forName="compNode" refType="h" fact="0.3"/>
+          <dgm:constr type="w" for="ch" forName="compNode" refType="w"/>
+          <dgm:constr type="h" for="ch" forName="sibTrans" refType="h" refFor="ch" refForName="compNode" fact="0.25"/>
+          <dgm:constr type="primFontSz" for="des" forName="parTx" val="22"/>
+          <dgm:constr type="primFontSz" for="des" forName="desTx" refType="primFontSz" refFor="des" refForName="parTx" op="lte" fact="0.75"/>
+          <dgm:constr type="h" for="des" forName="compNode" op="equ"/>
+          <dgm:constr type="h" for="des" forName="bgRect" op="equ"/>
+          <dgm:constr type="h" for="des" forName="iconRect" op="equ"/>
+          <dgm:constr type="w" for="des" forName="iconRect" op="equ"/>
+          <dgm:constr type="h" for="des" forName="spaceRect" op="equ"/>
+          <dgm:constr type="h" for="des" forName="parTx" op="equ"/>
+          <dgm:constr type="h" for="des" forName="desTx" op="equ"/>
+        </dgm:constrLst>
+      </dgm:if>
+      <dgm:if name="Name6" axis="ch" ptType="node" func="cnt" op="lte" val="6">
+        <dgm:constrLst>
+          <dgm:constr type="h" for="ch" forName="compNode" refType="h" fact="0.3"/>
+          <dgm:constr type="w" for="ch" forName="compNode" refType="w"/>
+          <dgm:constr type="h" for="ch" forName="sibTrans" refType="h" refFor="ch" refForName="compNode" fact="0.25"/>
+          <dgm:constr type="primFontSz" for="des" forName="parTx" val="19"/>
+          <dgm:constr type="primFontSz" for="des" forName="desTx" refType="primFontSz" refFor="des" refForName="parTx" op="lte" fact="0.75"/>
+          <dgm:constr type="h" for="des" forName="compNode" op="equ"/>
+          <dgm:constr type="h" for="des" forName="bgRect" op="equ"/>
+          <dgm:constr type="h" for="des" forName="iconRect" op="equ"/>
+          <dgm:constr type="w" for="des" forName="iconRect" op="equ"/>
+          <dgm:constr type="h" for="des" forName="spaceRect" op="equ"/>
+          <dgm:constr type="h" for="des" forName="parTx" op="equ"/>
+          <dgm:constr type="h" for="des" forName="desTx" op="equ"/>
+        </dgm:constrLst>
+      </dgm:if>
+      <dgm:else name="Name7">
+        <dgm:constrLst>
+          <dgm:constr type="h" for="ch" forName="compNode" refType="h" fact="0.3"/>
+          <dgm:constr type="w" for="ch" forName="compNode" refType="w"/>
+          <dgm:constr type="h" for="ch" forName="sibTrans" refType="h" refFor="ch" refForName="compNode" fact="0.25"/>
+          <dgm:constr type="primFontSz" for="des" forName="parTx" val="16"/>
+          <dgm:constr type="primFontSz" for="des" forName="desTx" refType="primFontSz" refFor="des" refForName="parTx" op="lte" fact="0.75"/>
+          <dgm:constr type="h" for="des" forName="compNode" op="equ"/>
+          <dgm:constr type="h" for="des" forName="bgRect" op="equ"/>
+          <dgm:constr type="h" for="des" forName="iconRect" op="equ"/>
+          <dgm:constr type="w" for="des" forName="iconRect" op="equ"/>
+          <dgm:constr type="h" for="des" forName="spaceRect" op="equ"/>
+          <dgm:constr type="h" for="des" forName="parTx" op="equ"/>
+          <dgm:constr type="h" for="des" forName="desTx" op="equ"/>
+        </dgm:constrLst>
+      </dgm:else>
+    </dgm:choose>
+    <dgm:ruleLst>
+      <dgm:rule type="h" for="ch" forName="compNode" val="0" fact="NaN" max="NaN"/>
+    </dgm:ruleLst>
+    <dgm:forEach name="Name8" axis="ch" ptType="node">
+      <dgm:layoutNode name="compNode">
+        <dgm:alg type="composite"/>
+        <dgm:shape xmlns:r="http://schemas.openxmlformats.org/officeDocument/2006/relationships" r:blip="">
+          <dgm:adjLst/>
+        </dgm:shape>
+        <dgm:presOf axis="self"/>
+        <dgm:choose name="Name9">
+          <dgm:if name="Name10" axis="ch" ptType="node" func="cnt" op="gte" val="1">
+            <dgm:constrLst>
+              <dgm:constr type="w" for="ch" forName="bgRect" refType="w"/>
+              <dgm:constr type="h" for="ch" forName="bgRect" refType="h"/>
+              <dgm:constr type="l" for="ch" forName="bgRect"/>
+              <dgm:constr type="t" for="ch" forName="bgRect"/>
+              <dgm:constr type="h" for="ch" forName="iconRect" refType="h" fact="0.55"/>
+              <dgm:constr type="w" for="ch" forName="iconRect" refType="h" refFor="ch" refForName="iconRect"/>
+              <dgm:constr type="l" for="ch" forName="iconRect" refType="h" refFor="ch" refForName="iconRect" fact="0.55"/>
+              <dgm:constr type="ctrY" for="ch" forName="iconRect" refType="ctrY" refFor="ch" refForName="bgRect"/>
+              <dgm:constr type="w" for="ch" forName="spaceRect" refType="l" refFor="ch" refForName="iconRect"/>
+              <dgm:constr type="h" for="ch" forName="spaceRect" refType="h"/>
+              <dgm:constr type="l" for="ch" forName="spaceRect" refType="r" refFor="ch" refForName="iconRect"/>
+              <dgm:constr type="t" for="ch" forName="spaceRect"/>
+              <dgm:constr type="w" for="ch" forName="parTx" refType="w" fact="0.45"/>
+              <dgm:constr type="h" for="ch" forName="parTx" refType="h"/>
+              <dgm:constr type="l" for="ch" forName="parTx" refType="r" refFor="ch" refForName="spaceRect"/>
+              <dgm:constr type="t" for="ch" forName="parTx"/>
+              <dgm:constr type="h" for="ch" forName="desTx" refType="h"/>
+              <dgm:constr type="l" for="ch" forName="desTx" refType="r" refFor="ch" refForName="parTx"/>
+              <dgm:constr type="t" for="ch" forName="desTx"/>
+            </dgm:constrLst>
+          </dgm:if>
+          <dgm:else name="Name11">
+            <dgm:constrLst>
+              <dgm:constr type="w" for="ch" forName="bgRect" refType="w"/>
+              <dgm:constr type="h" for="ch" forName="bgRect" refType="h"/>
+              <dgm:constr type="l" for="ch" forName="bgRect"/>
+              <dgm:constr type="t" for="ch" forName="bgRect"/>
+              <dgm:constr type="h" for="ch" forName="iconRect" refType="h" fact="0.55"/>
+              <dgm:constr type="w" for="ch" forName="iconRect" refType="h" refFor="ch" refForName="iconRect"/>
+              <dgm:constr type="l" for="ch" forName="iconRect" refType="h" refFor="ch" refForName="iconRect" fact="0.55"/>
+              <dgm:constr type="ctrY" for="ch" forName="iconRect" refType="ctrY" refFor="ch" refForName="bgRect"/>
+              <dgm:constr type="w" for="ch" forName="spaceRect" refType="l" refFor="ch" refForName="iconRect"/>
+              <dgm:constr type="h" for="ch" forName="spaceRect" refType="h"/>
+              <dgm:constr type="l" for="ch" forName="spaceRect" refType="r" refFor="ch" refForName="iconRect"/>
+              <dgm:constr type="t" for="ch" forName="spaceRect"/>
+              <dgm:constr type="h" for="ch" forName="parTx" refType="h"/>
+              <dgm:constr type="l" for="ch" forName="parTx" refType="r" refFor="ch" refForName="spaceRect"/>
+              <dgm:constr type="t" for="ch" forName="parTx"/>
+            </dgm:constrLst>
+          </dgm:else>
+        </dgm:choose>
+        <dgm:ruleLst>
+          <dgm:rule type="h" val="INF" fact="NaN" max="NaN"/>
+        </dgm:ruleLst>
+        <dgm:layoutNode name="bgRect" styleLbl="bgShp">
+          <dgm:alg type="sp"/>
+          <dgm:shape xmlns:r="http://schemas.openxmlformats.org/officeDocument/2006/relationships" type="roundRect" r:blip="">
+            <dgm:adjLst>
+              <dgm:adj idx="1" val="0.1"/>
+            </dgm:adjLst>
+          </dgm:shape>
+          <dgm:presOf/>
+          <dgm:constrLst/>
+          <dgm:ruleLst/>
+        </dgm:layoutNode>
+        <dgm:layoutNode name="iconRect" styleLbl="node1">
+          <dgm:alg type="sp"/>
+          <dgm:shape xmlns:r="http://schemas.openxmlformats.org/officeDocument/2006/relationships" type="rect" r:blip="" blipPhldr="1">
+            <dgm:adjLst/>
+          </dgm:shape>
+          <dgm:presOf/>
+          <dgm:constrLst/>
+          <dgm:ruleLst/>
+        </dgm:layoutNode>
+        <dgm:layoutNode name="spaceRect">
+          <dgm:alg type="sp"/>
+          <dgm:shape xmlns:r="http://schemas.openxmlformats.org/officeDocument/2006/relationships" r:blip="">
+            <dgm:adjLst/>
+          </dgm:shape>
+          <dgm:presOf/>
+          <dgm:constrLst/>
+          <dgm:ruleLst/>
+        </dgm:layoutNode>
+        <dgm:layoutNode name="parTx" styleLbl="revTx">
+          <dgm:varLst>
+            <dgm:chMax val="0"/>
+            <dgm:chPref val="0"/>
+          </dgm:varLst>
+          <dgm:alg type="tx">
+            <dgm:param type="txAnchorVert" val="mid"/>
+            <dgm:param type="parTxLTRAlign" val="l"/>
+            <dgm:param type="shpTxLTRAlignCh" val="l"/>
+            <dgm:param type="parTxRTLAlign" val="r"/>
+            <dgm:param type="shpTxRTLAlignCh" val="r"/>
+          </dgm:alg>
+          <dgm:shape xmlns:r="http://schemas.openxmlformats.org/officeDocument/2006/relationships" type="rect" r:blip="">
+            <dgm:adjLst/>
+          </dgm:shape>
+          <dgm:presOf axis="self" ptType="node"/>
+          <dgm:constrLst>
+            <dgm:constr type="lMarg" refType="h" fact="0.3"/>
+            <dgm:constr type="rMarg" refType="h" fact="0.3"/>
+            <dgm:constr type="tMarg" refType="h" fact="0.3"/>
+            <dgm:constr type="bMarg" refType="h" fact="0.3"/>
+          </dgm:constrLst>
+          <dgm:ruleLst>
+            <dgm:rule type="primFontSz" val="14" fact="NaN" max="NaN"/>
+            <dgm:rule type="h" val="INF" fact="NaN" max="NaN"/>
+          </dgm:ruleLst>
+        </dgm:layoutNode>
+        <dgm:choose name="Name12">
+          <dgm:if name="Name13" axis="ch" ptType="node" func="cnt" op="gte" val="1">
+            <dgm:layoutNode name="desTx" styleLbl="revTx">
+              <dgm:varLst/>
+              <dgm:alg type="tx">
+                <dgm:param type="txAnchorVertCh" val="mid"/>
+                <dgm:param type="parTxLTRAlign" val="l"/>
+                <dgm:param type="shpTxLTRAlignCh" val="l"/>
+                <dgm:param type="parTxRTLAlign" val="r"/>
+                <dgm:param type="shpTxRTLAlignCh" val="r"/>
+                <dgm:param type="stBulletLvl" val="0"/>
+              </dgm:alg>
+              <dgm:shape xmlns:r="http://schemas.openxmlformats.org/officeDocument/2006/relationships" type="rect" r:blip="">
+                <dgm:adjLst/>
+              </dgm:shape>
+              <dgm:presOf axis="des" ptType="node"/>
+              <dgm:constrLst>
+                <dgm:constr type="primFontSz" val="18"/>
+                <dgm:constr type="secFontSz" refType="primFontSz"/>
+                <dgm:constr type="lMarg" refType="h" fact="0.3"/>
+                <dgm:constr type="rMarg" refType="h" fact="0.3"/>
+                <dgm:constr type="tMarg" refType="h" fact="0.3"/>
+                <dgm:constr type="bMarg" refType="h" fact="0.3"/>
+              </dgm:constrLst>
+              <dgm:ruleLst>
+                <dgm:rule type="primFontSz" val="11" fact="NaN" max="NaN"/>
+              </dgm:ruleLst>
+            </dgm:layoutNode>
+          </dgm:if>
+          <dgm:else name="Name14"/>
+        </dgm:choose>
+      </dgm:layoutNode>
+      <dgm:forEach name="Name15" axis="followSib" ptType="sibTrans" cnt="1">
+        <dgm:layoutNode name="sibTrans">
+          <dgm:alg type="sp"/>
+          <dgm:shape xmlns:r="http://schemas.openxmlformats.org/officeDocument/2006/relationships" r:blip="">
+            <dgm:adjLst/>
+          </dgm:shape>
+          <dgm:presOf axis="self"/>
+          <dgm:constrLst/>
+          <dgm:ruleLst/>
+        </dgm:layoutNode>
+      </dgm:forEach>
+    </dgm:forEach>
+  </dgm:layoutNode>
+  <dgm:extLst>
+    <a:ext uri="{68A01E43-0DF5-4B5B-8FA6-DAF915123BFB}">
+      <dgm1612:lstStyle xmlns:dgm1612="http://schemas.microsoft.com/office/drawing/2016/12/diagram">
+        <a:lvl1pPr>
+          <a:lnSpc>
+            <a:spcPct val="100000"/>
+          </a:lnSpc>
+        </a:lvl1pPr>
+        <a:lvl2pPr>
+          <a:lnSpc>
+            <a:spcPct val="100000"/>
+          </a:lnSpc>
+        </a:lvl2pPr>
+      </dgm1612:lstStyle>
+    </a:ext>
+  </dgm:extLst>
+</dgm:layoutDef>
+</file>
+
 <file path=ppt/diagrams/quickStyle1.xml><?xml version="1.0" encoding="utf-8"?>
 <dgm:styleDef xmlns:dgm="http://schemas.openxmlformats.org/drawingml/2006/diagram" xmlns:a="http://schemas.openxmlformats.org/drawingml/2006/main" uniqueId="urn:microsoft.com/office/officeart/2005/8/quickstyle/simple1">
   <dgm:title val=""/>
@@ -5381,6 +9667,2074 @@
 </file>
 
 <file path=ppt/diagrams/quickStyle2.xml><?xml version="1.0" encoding="utf-8"?>
+<dgm:styleDef xmlns:dgm="http://schemas.openxmlformats.org/drawingml/2006/diagram" xmlns:a="http://schemas.openxmlformats.org/drawingml/2006/main" uniqueId="urn:microsoft.com/office/officeart/2005/8/quickstyle/simple1">
+  <dgm:title val=""/>
+  <dgm:desc val=""/>
+  <dgm:catLst>
+    <dgm:cat type="simple" pri="10100"/>
+  </dgm:catLst>
+  <dgm:scene3d>
+    <a:camera prst="orthographicFront"/>
+    <a:lightRig rig="threePt" dir="t"/>
+  </dgm:scene3d>
+  <dgm:styleLbl name="node0">
+    <dgm:scene3d>
+      <a:camera prst="orthographicFront"/>
+      <a:lightRig rig="threePt" dir="t"/>
+    </dgm:scene3d>
+    <dgm:sp3d/>
+    <dgm:txPr/>
+    <dgm:style>
+      <a:lnRef idx="2">
+        <a:scrgbClr r="0" g="0" b="0"/>
+      </a:lnRef>
+      <a:fillRef idx="1">
+        <a:scrgbClr r="0" g="0" b="0"/>
+      </a:fillRef>
+      <a:effectRef idx="0">
+        <a:scrgbClr r="0" g="0" b="0"/>
+      </a:effectRef>
+      <a:fontRef idx="minor">
+        <a:schemeClr val="lt1"/>
+      </a:fontRef>
+    </dgm:style>
+  </dgm:styleLbl>
+  <dgm:styleLbl name="lnNode1">
+    <dgm:scene3d>
+      <a:camera prst="orthographicFront"/>
+      <a:lightRig rig="threePt" dir="t"/>
+    </dgm:scene3d>
+    <dgm:sp3d/>
+    <dgm:txPr/>
+    <dgm:style>
+      <a:lnRef idx="2">
+        <a:scrgbClr r="0" g="0" b="0"/>
+      </a:lnRef>
+      <a:fillRef idx="1">
+        <a:scrgbClr r="0" g="0" b="0"/>
+      </a:fillRef>
+      <a:effectRef idx="0">
+        <a:scrgbClr r="0" g="0" b="0"/>
+      </a:effectRef>
+      <a:fontRef idx="minor">
+        <a:schemeClr val="lt1"/>
+      </a:fontRef>
+    </dgm:style>
+  </dgm:styleLbl>
+  <dgm:styleLbl name="vennNode1">
+    <dgm:scene3d>
+      <a:camera prst="orthographicFront"/>
+      <a:lightRig rig="threePt" dir="t"/>
+    </dgm:scene3d>
+    <dgm:sp3d/>
+    <dgm:txPr/>
+    <dgm:style>
+      <a:lnRef idx="2">
+        <a:scrgbClr r="0" g="0" b="0"/>
+      </a:lnRef>
+      <a:fillRef idx="1">
+        <a:scrgbClr r="0" g="0" b="0"/>
+      </a:fillRef>
+      <a:effectRef idx="0">
+        <a:scrgbClr r="0" g="0" b="0"/>
+      </a:effectRef>
+      <a:fontRef idx="minor">
+        <a:schemeClr val="tx1"/>
+      </a:fontRef>
+    </dgm:style>
+  </dgm:styleLbl>
+  <dgm:styleLbl name="alignNode1">
+    <dgm:scene3d>
+      <a:camera prst="orthographicFront"/>
+      <a:lightRig rig="threePt" dir="t"/>
+    </dgm:scene3d>
+    <dgm:sp3d/>
+    <dgm:txPr/>
+    <dgm:style>
+      <a:lnRef idx="2">
+        <a:scrgbClr r="0" g="0" b="0"/>
+      </a:lnRef>
+      <a:fillRef idx="1">
+        <a:scrgbClr r="0" g="0" b="0"/>
+      </a:fillRef>
+      <a:effectRef idx="0">
+        <a:scrgbClr r="0" g="0" b="0"/>
+      </a:effectRef>
+      <a:fontRef idx="minor">
+        <a:schemeClr val="lt1"/>
+      </a:fontRef>
+    </dgm:style>
+  </dgm:styleLbl>
+  <dgm:styleLbl name="node1">
+    <dgm:scene3d>
+      <a:camera prst="orthographicFront"/>
+      <a:lightRig rig="threePt" dir="t"/>
+    </dgm:scene3d>
+    <dgm:sp3d/>
+    <dgm:txPr/>
+    <dgm:style>
+      <a:lnRef idx="2">
+        <a:scrgbClr r="0" g="0" b="0"/>
+      </a:lnRef>
+      <a:fillRef idx="1">
+        <a:scrgbClr r="0" g="0" b="0"/>
+      </a:fillRef>
+      <a:effectRef idx="0">
+        <a:scrgbClr r="0" g="0" b="0"/>
+      </a:effectRef>
+      <a:fontRef idx="minor">
+        <a:schemeClr val="lt1"/>
+      </a:fontRef>
+    </dgm:style>
+  </dgm:styleLbl>
+  <dgm:styleLbl name="node2">
+    <dgm:scene3d>
+      <a:camera prst="orthographicFront"/>
+      <a:lightRig rig="threePt" dir="t"/>
+    </dgm:scene3d>
+    <dgm:sp3d/>
+    <dgm:txPr/>
+    <dgm:style>
+      <a:lnRef idx="2">
+        <a:scrgbClr r="0" g="0" b="0"/>
+      </a:lnRef>
+      <a:fillRef idx="1">
+        <a:scrgbClr r="0" g="0" b="0"/>
+      </a:fillRef>
+      <a:effectRef idx="0">
+        <a:scrgbClr r="0" g="0" b="0"/>
+      </a:effectRef>
+      <a:fontRef idx="minor">
+        <a:schemeClr val="lt1"/>
+      </a:fontRef>
+    </dgm:style>
+  </dgm:styleLbl>
+  <dgm:styleLbl name="node3">
+    <dgm:scene3d>
+      <a:camera prst="orthographicFront"/>
+      <a:lightRig rig="threePt" dir="t"/>
+    </dgm:scene3d>
+    <dgm:sp3d/>
+    <dgm:txPr/>
+    <dgm:style>
+      <a:lnRef idx="2">
+        <a:scrgbClr r="0" g="0" b="0"/>
+      </a:lnRef>
+      <a:fillRef idx="1">
+        <a:scrgbClr r="0" g="0" b="0"/>
+      </a:fillRef>
+      <a:effectRef idx="0">
+        <a:scrgbClr r="0" g="0" b="0"/>
+      </a:effectRef>
+      <a:fontRef idx="minor">
+        <a:schemeClr val="lt1"/>
+      </a:fontRef>
+    </dgm:style>
+  </dgm:styleLbl>
+  <dgm:styleLbl name="node4">
+    <dgm:scene3d>
+      <a:camera prst="orthographicFront"/>
+      <a:lightRig rig="threePt" dir="t"/>
+    </dgm:scene3d>
+    <dgm:sp3d/>
+    <dgm:txPr/>
+    <dgm:style>
+      <a:lnRef idx="2">
+        <a:scrgbClr r="0" g="0" b="0"/>
+      </a:lnRef>
+      <a:fillRef idx="1">
+        <a:scrgbClr r="0" g="0" b="0"/>
+      </a:fillRef>
+      <a:effectRef idx="0">
+        <a:scrgbClr r="0" g="0" b="0"/>
+      </a:effectRef>
+      <a:fontRef idx="minor">
+        <a:schemeClr val="lt1"/>
+      </a:fontRef>
+    </dgm:style>
+  </dgm:styleLbl>
+  <dgm:styleLbl name="fgImgPlace1">
+    <dgm:scene3d>
+      <a:camera prst="orthographicFront"/>
+      <a:lightRig rig="threePt" dir="t"/>
+    </dgm:scene3d>
+    <dgm:sp3d/>
+    <dgm:txPr/>
+    <dgm:style>
+      <a:lnRef idx="2">
+        <a:scrgbClr r="0" g="0" b="0"/>
+      </a:lnRef>
+      <a:fillRef idx="1">
+        <a:scrgbClr r="0" g="0" b="0"/>
+      </a:fillRef>
+      <a:effectRef idx="0">
+        <a:scrgbClr r="0" g="0" b="0"/>
+      </a:effectRef>
+      <a:fontRef idx="minor"/>
+    </dgm:style>
+  </dgm:styleLbl>
+  <dgm:styleLbl name="alignImgPlace1">
+    <dgm:scene3d>
+      <a:camera prst="orthographicFront"/>
+      <a:lightRig rig="threePt" dir="t"/>
+    </dgm:scene3d>
+    <dgm:sp3d/>
+    <dgm:txPr/>
+    <dgm:style>
+      <a:lnRef idx="2">
+        <a:scrgbClr r="0" g="0" b="0"/>
+      </a:lnRef>
+      <a:fillRef idx="1">
+        <a:scrgbClr r="0" g="0" b="0"/>
+      </a:fillRef>
+      <a:effectRef idx="0">
+        <a:scrgbClr r="0" g="0" b="0"/>
+      </a:effectRef>
+      <a:fontRef idx="minor"/>
+    </dgm:style>
+  </dgm:styleLbl>
+  <dgm:styleLbl name="bgImgPlace1">
+    <dgm:scene3d>
+      <a:camera prst="orthographicFront"/>
+      <a:lightRig rig="threePt" dir="t"/>
+    </dgm:scene3d>
+    <dgm:sp3d/>
+    <dgm:txPr/>
+    <dgm:style>
+      <a:lnRef idx="2">
+        <a:scrgbClr r="0" g="0" b="0"/>
+      </a:lnRef>
+      <a:fillRef idx="1">
+        <a:scrgbClr r="0" g="0" b="0"/>
+      </a:fillRef>
+      <a:effectRef idx="0">
+        <a:scrgbClr r="0" g="0" b="0"/>
+      </a:effectRef>
+      <a:fontRef idx="minor"/>
+    </dgm:style>
+  </dgm:styleLbl>
+  <dgm:styleLbl name="sibTrans2D1">
+    <dgm:scene3d>
+      <a:camera prst="orthographicFront"/>
+      <a:lightRig rig="threePt" dir="t"/>
+    </dgm:scene3d>
+    <dgm:sp3d/>
+    <dgm:txPr/>
+    <dgm:style>
+      <a:lnRef idx="0">
+        <a:scrgbClr r="0" g="0" b="0"/>
+      </a:lnRef>
+      <a:fillRef idx="1">
+        <a:scrgbClr r="0" g="0" b="0"/>
+      </a:fillRef>
+      <a:effectRef idx="0">
+        <a:scrgbClr r="0" g="0" b="0"/>
+      </a:effectRef>
+      <a:fontRef idx="minor">
+        <a:schemeClr val="lt1"/>
+      </a:fontRef>
+    </dgm:style>
+  </dgm:styleLbl>
+  <dgm:styleLbl name="fgSibTrans2D1">
+    <dgm:scene3d>
+      <a:camera prst="orthographicFront"/>
+      <a:lightRig rig="threePt" dir="t"/>
+    </dgm:scene3d>
+    <dgm:sp3d/>
+    <dgm:txPr/>
+    <dgm:style>
+      <a:lnRef idx="0">
+        <a:scrgbClr r="0" g="0" b="0"/>
+      </a:lnRef>
+      <a:fillRef idx="1">
+        <a:scrgbClr r="0" g="0" b="0"/>
+      </a:fillRef>
+      <a:effectRef idx="0">
+        <a:scrgbClr r="0" g="0" b="0"/>
+      </a:effectRef>
+      <a:fontRef idx="minor">
+        <a:schemeClr val="lt1"/>
+      </a:fontRef>
+    </dgm:style>
+  </dgm:styleLbl>
+  <dgm:styleLbl name="bgSibTrans2D1">
+    <dgm:scene3d>
+      <a:camera prst="orthographicFront"/>
+      <a:lightRig rig="threePt" dir="t"/>
+    </dgm:scene3d>
+    <dgm:sp3d/>
+    <dgm:txPr/>
+    <dgm:style>
+      <a:lnRef idx="0">
+        <a:scrgbClr r="0" g="0" b="0"/>
+      </a:lnRef>
+      <a:fillRef idx="1">
+        <a:scrgbClr r="0" g="0" b="0"/>
+      </a:fillRef>
+      <a:effectRef idx="0">
+        <a:scrgbClr r="0" g="0" b="0"/>
+      </a:effectRef>
+      <a:fontRef idx="minor">
+        <a:schemeClr val="lt1"/>
+      </a:fontRef>
+    </dgm:style>
+  </dgm:styleLbl>
+  <dgm:styleLbl name="sibTrans1D1">
+    <dgm:scene3d>
+      <a:camera prst="orthographicFront"/>
+      <a:lightRig rig="threePt" dir="t"/>
+    </dgm:scene3d>
+    <dgm:sp3d/>
+    <dgm:txPr/>
+    <dgm:style>
+      <a:lnRef idx="1">
+        <a:scrgbClr r="0" g="0" b="0"/>
+      </a:lnRef>
+      <a:fillRef idx="0">
+        <a:scrgbClr r="0" g="0" b="0"/>
+      </a:fillRef>
+      <a:effectRef idx="0">
+        <a:scrgbClr r="0" g="0" b="0"/>
+      </a:effectRef>
+      <a:fontRef idx="minor"/>
+    </dgm:style>
+  </dgm:styleLbl>
+  <dgm:styleLbl name="callout">
+    <dgm:scene3d>
+      <a:camera prst="orthographicFront"/>
+      <a:lightRig rig="threePt" dir="t"/>
+    </dgm:scene3d>
+    <dgm:sp3d/>
+    <dgm:txPr/>
+    <dgm:style>
+      <a:lnRef idx="2">
+        <a:scrgbClr r="0" g="0" b="0"/>
+      </a:lnRef>
+      <a:fillRef idx="1">
+        <a:scrgbClr r="0" g="0" b="0"/>
+      </a:fillRef>
+      <a:effectRef idx="0">
+        <a:scrgbClr r="0" g="0" b="0"/>
+      </a:effectRef>
+      <a:fontRef idx="minor"/>
+    </dgm:style>
+  </dgm:styleLbl>
+  <dgm:styleLbl name="asst0">
+    <dgm:scene3d>
+      <a:camera prst="orthographicFront"/>
+      <a:lightRig rig="threePt" dir="t"/>
+    </dgm:scene3d>
+    <dgm:sp3d/>
+    <dgm:txPr/>
+    <dgm:style>
+      <a:lnRef idx="2">
+        <a:scrgbClr r="0" g="0" b="0"/>
+      </a:lnRef>
+      <a:fillRef idx="1">
+        <a:scrgbClr r="0" g="0" b="0"/>
+      </a:fillRef>
+      <a:effectRef idx="0">
+        <a:scrgbClr r="0" g="0" b="0"/>
+      </a:effectRef>
+      <a:fontRef idx="minor">
+        <a:schemeClr val="lt1"/>
+      </a:fontRef>
+    </dgm:style>
+  </dgm:styleLbl>
+  <dgm:styleLbl name="asst1">
+    <dgm:scene3d>
+      <a:camera prst="orthographicFront"/>
+      <a:lightRig rig="threePt" dir="t"/>
+    </dgm:scene3d>
+    <dgm:sp3d/>
+    <dgm:txPr/>
+    <dgm:style>
+      <a:lnRef idx="2">
+        <a:scrgbClr r="0" g="0" b="0"/>
+      </a:lnRef>
+      <a:fillRef idx="1">
+        <a:scrgbClr r="0" g="0" b="0"/>
+      </a:fillRef>
+      <a:effectRef idx="0">
+        <a:scrgbClr r="0" g="0" b="0"/>
+      </a:effectRef>
+      <a:fontRef idx="minor">
+        <a:schemeClr val="lt1"/>
+      </a:fontRef>
+    </dgm:style>
+  </dgm:styleLbl>
+  <dgm:styleLbl name="asst2">
+    <dgm:scene3d>
+      <a:camera prst="orthographicFront"/>
+      <a:lightRig rig="threePt" dir="t"/>
+    </dgm:scene3d>
+    <dgm:sp3d/>
+    <dgm:txPr/>
+    <dgm:style>
+      <a:lnRef idx="2">
+        <a:scrgbClr r="0" g="0" b="0"/>
+      </a:lnRef>
+      <a:fillRef idx="1">
+        <a:scrgbClr r="0" g="0" b="0"/>
+      </a:fillRef>
+      <a:effectRef idx="0">
+        <a:scrgbClr r="0" g="0" b="0"/>
+      </a:effectRef>
+      <a:fontRef idx="minor">
+        <a:schemeClr val="lt1"/>
+      </a:fontRef>
+    </dgm:style>
+  </dgm:styleLbl>
+  <dgm:styleLbl name="asst3">
+    <dgm:scene3d>
+      <a:camera prst="orthographicFront"/>
+      <a:lightRig rig="threePt" dir="t"/>
+    </dgm:scene3d>
+    <dgm:sp3d/>
+    <dgm:txPr/>
+    <dgm:style>
+      <a:lnRef idx="2">
+        <a:scrgbClr r="0" g="0" b="0"/>
+      </a:lnRef>
+      <a:fillRef idx="1">
+        <a:scrgbClr r="0" g="0" b="0"/>
+      </a:fillRef>
+      <a:effectRef idx="0">
+        <a:scrgbClr r="0" g="0" b="0"/>
+      </a:effectRef>
+      <a:fontRef idx="minor">
+        <a:schemeClr val="lt1"/>
+      </a:fontRef>
+    </dgm:style>
+  </dgm:styleLbl>
+  <dgm:styleLbl name="asst4">
+    <dgm:scene3d>
+      <a:camera prst="orthographicFront"/>
+      <a:lightRig rig="threePt" dir="t"/>
+    </dgm:scene3d>
+    <dgm:sp3d/>
+    <dgm:txPr/>
+    <dgm:style>
+      <a:lnRef idx="2">
+        <a:scrgbClr r="0" g="0" b="0"/>
+      </a:lnRef>
+      <a:fillRef idx="1">
+        <a:scrgbClr r="0" g="0" b="0"/>
+      </a:fillRef>
+      <a:effectRef idx="0">
+        <a:scrgbClr r="0" g="0" b="0"/>
+      </a:effectRef>
+      <a:fontRef idx="minor">
+        <a:schemeClr val="lt1"/>
+      </a:fontRef>
+    </dgm:style>
+  </dgm:styleLbl>
+  <dgm:styleLbl name="parChTrans2D1">
+    <dgm:scene3d>
+      <a:camera prst="orthographicFront"/>
+      <a:lightRig rig="threePt" dir="t"/>
+    </dgm:scene3d>
+    <dgm:sp3d/>
+    <dgm:txPr/>
+    <dgm:style>
+      <a:lnRef idx="2">
+        <a:scrgbClr r="0" g="0" b="0"/>
+      </a:lnRef>
+      <a:fillRef idx="1">
+        <a:scrgbClr r="0" g="0" b="0"/>
+      </a:fillRef>
+      <a:effectRef idx="0">
+        <a:scrgbClr r="0" g="0" b="0"/>
+      </a:effectRef>
+      <a:fontRef idx="minor">
+        <a:schemeClr val="lt1"/>
+      </a:fontRef>
+    </dgm:style>
+  </dgm:styleLbl>
+  <dgm:styleLbl name="parChTrans2D2">
+    <dgm:scene3d>
+      <a:camera prst="orthographicFront"/>
+      <a:lightRig rig="threePt" dir="t"/>
+    </dgm:scene3d>
+    <dgm:sp3d/>
+    <dgm:txPr/>
+    <dgm:style>
+      <a:lnRef idx="2">
+        <a:scrgbClr r="0" g="0" b="0"/>
+      </a:lnRef>
+      <a:fillRef idx="1">
+        <a:scrgbClr r="0" g="0" b="0"/>
+      </a:fillRef>
+      <a:effectRef idx="0">
+        <a:scrgbClr r="0" g="0" b="0"/>
+      </a:effectRef>
+      <a:fontRef idx="minor">
+        <a:schemeClr val="lt1"/>
+      </a:fontRef>
+    </dgm:style>
+  </dgm:styleLbl>
+  <dgm:styleLbl name="parChTrans2D3">
+    <dgm:scene3d>
+      <a:camera prst="orthographicFront"/>
+      <a:lightRig rig="threePt" dir="t"/>
+    </dgm:scene3d>
+    <dgm:sp3d/>
+    <dgm:txPr/>
+    <dgm:style>
+      <a:lnRef idx="2">
+        <a:scrgbClr r="0" g="0" b="0"/>
+      </a:lnRef>
+      <a:fillRef idx="1">
+        <a:scrgbClr r="0" g="0" b="0"/>
+      </a:fillRef>
+      <a:effectRef idx="0">
+        <a:scrgbClr r="0" g="0" b="0"/>
+      </a:effectRef>
+      <a:fontRef idx="minor">
+        <a:schemeClr val="lt1"/>
+      </a:fontRef>
+    </dgm:style>
+  </dgm:styleLbl>
+  <dgm:styleLbl name="parChTrans2D4">
+    <dgm:scene3d>
+      <a:camera prst="orthographicFront"/>
+      <a:lightRig rig="threePt" dir="t"/>
+    </dgm:scene3d>
+    <dgm:sp3d/>
+    <dgm:txPr/>
+    <dgm:style>
+      <a:lnRef idx="2">
+        <a:scrgbClr r="0" g="0" b="0"/>
+      </a:lnRef>
+      <a:fillRef idx="1">
+        <a:scrgbClr r="0" g="0" b="0"/>
+      </a:fillRef>
+      <a:effectRef idx="0">
+        <a:scrgbClr r="0" g="0" b="0"/>
+      </a:effectRef>
+      <a:fontRef idx="minor">
+        <a:schemeClr val="lt1"/>
+      </a:fontRef>
+    </dgm:style>
+  </dgm:styleLbl>
+  <dgm:styleLbl name="parChTrans1D1">
+    <dgm:scene3d>
+      <a:camera prst="orthographicFront"/>
+      <a:lightRig rig="threePt" dir="t"/>
+    </dgm:scene3d>
+    <dgm:sp3d/>
+    <dgm:txPr/>
+    <dgm:style>
+      <a:lnRef idx="2">
+        <a:scrgbClr r="0" g="0" b="0"/>
+      </a:lnRef>
+      <a:fillRef idx="0">
+        <a:scrgbClr r="0" g="0" b="0"/>
+      </a:fillRef>
+      <a:effectRef idx="0">
+        <a:scrgbClr r="0" g="0" b="0"/>
+      </a:effectRef>
+      <a:fontRef idx="minor"/>
+    </dgm:style>
+  </dgm:styleLbl>
+  <dgm:styleLbl name="parChTrans1D2">
+    <dgm:scene3d>
+      <a:camera prst="orthographicFront"/>
+      <a:lightRig rig="threePt" dir="t"/>
+    </dgm:scene3d>
+    <dgm:sp3d/>
+    <dgm:txPr/>
+    <dgm:style>
+      <a:lnRef idx="2">
+        <a:scrgbClr r="0" g="0" b="0"/>
+      </a:lnRef>
+      <a:fillRef idx="0">
+        <a:scrgbClr r="0" g="0" b="0"/>
+      </a:fillRef>
+      <a:effectRef idx="0">
+        <a:scrgbClr r="0" g="0" b="0"/>
+      </a:effectRef>
+      <a:fontRef idx="minor"/>
+    </dgm:style>
+  </dgm:styleLbl>
+  <dgm:styleLbl name="parChTrans1D3">
+    <dgm:scene3d>
+      <a:camera prst="orthographicFront"/>
+      <a:lightRig rig="threePt" dir="t"/>
+    </dgm:scene3d>
+    <dgm:sp3d/>
+    <dgm:txPr/>
+    <dgm:style>
+      <a:lnRef idx="2">
+        <a:scrgbClr r="0" g="0" b="0"/>
+      </a:lnRef>
+      <a:fillRef idx="0">
+        <a:scrgbClr r="0" g="0" b="0"/>
+      </a:fillRef>
+      <a:effectRef idx="0">
+        <a:scrgbClr r="0" g="0" b="0"/>
+      </a:effectRef>
+      <a:fontRef idx="minor"/>
+    </dgm:style>
+  </dgm:styleLbl>
+  <dgm:styleLbl name="parChTrans1D4">
+    <dgm:scene3d>
+      <a:camera prst="orthographicFront"/>
+      <a:lightRig rig="threePt" dir="t"/>
+    </dgm:scene3d>
+    <dgm:sp3d/>
+    <dgm:txPr/>
+    <dgm:style>
+      <a:lnRef idx="2">
+        <a:scrgbClr r="0" g="0" b="0"/>
+      </a:lnRef>
+      <a:fillRef idx="0">
+        <a:scrgbClr r="0" g="0" b="0"/>
+      </a:fillRef>
+      <a:effectRef idx="0">
+        <a:scrgbClr r="0" g="0" b="0"/>
+      </a:effectRef>
+      <a:fontRef idx="minor"/>
+    </dgm:style>
+  </dgm:styleLbl>
+  <dgm:styleLbl name="fgAcc1">
+    <dgm:scene3d>
+      <a:camera prst="orthographicFront"/>
+      <a:lightRig rig="threePt" dir="t"/>
+    </dgm:scene3d>
+    <dgm:sp3d/>
+    <dgm:txPr/>
+    <dgm:style>
+      <a:lnRef idx="2">
+        <a:scrgbClr r="0" g="0" b="0"/>
+      </a:lnRef>
+      <a:fillRef idx="1">
+        <a:scrgbClr r="0" g="0" b="0"/>
+      </a:fillRef>
+      <a:effectRef idx="0">
+        <a:scrgbClr r="0" g="0" b="0"/>
+      </a:effectRef>
+      <a:fontRef idx="minor"/>
+    </dgm:style>
+  </dgm:styleLbl>
+  <dgm:styleLbl name="conFgAcc1">
+    <dgm:scene3d>
+      <a:camera prst="orthographicFront"/>
+      <a:lightRig rig="threePt" dir="t"/>
+    </dgm:scene3d>
+    <dgm:sp3d/>
+    <dgm:txPr/>
+    <dgm:style>
+      <a:lnRef idx="2">
+        <a:scrgbClr r="0" g="0" b="0"/>
+      </a:lnRef>
+      <a:fillRef idx="1">
+        <a:scrgbClr r="0" g="0" b="0"/>
+      </a:fillRef>
+      <a:effectRef idx="0">
+        <a:scrgbClr r="0" g="0" b="0"/>
+      </a:effectRef>
+      <a:fontRef idx="minor"/>
+    </dgm:style>
+  </dgm:styleLbl>
+  <dgm:styleLbl name="alignAcc1">
+    <dgm:scene3d>
+      <a:camera prst="orthographicFront"/>
+      <a:lightRig rig="threePt" dir="t"/>
+    </dgm:scene3d>
+    <dgm:sp3d/>
+    <dgm:txPr/>
+    <dgm:style>
+      <a:lnRef idx="2">
+        <a:scrgbClr r="0" g="0" b="0"/>
+      </a:lnRef>
+      <a:fillRef idx="1">
+        <a:scrgbClr r="0" g="0" b="0"/>
+      </a:fillRef>
+      <a:effectRef idx="0">
+        <a:scrgbClr r="0" g="0" b="0"/>
+      </a:effectRef>
+      <a:fontRef idx="minor"/>
+    </dgm:style>
+  </dgm:styleLbl>
+  <dgm:styleLbl name="trAlignAcc1">
+    <dgm:scene3d>
+      <a:camera prst="orthographicFront"/>
+      <a:lightRig rig="threePt" dir="t"/>
+    </dgm:scene3d>
+    <dgm:sp3d/>
+    <dgm:txPr/>
+    <dgm:style>
+      <a:lnRef idx="1">
+        <a:scrgbClr r="0" g="0" b="0"/>
+      </a:lnRef>
+      <a:fillRef idx="1">
+        <a:scrgbClr r="0" g="0" b="0"/>
+      </a:fillRef>
+      <a:effectRef idx="0">
+        <a:scrgbClr r="0" g="0" b="0"/>
+      </a:effectRef>
+      <a:fontRef idx="minor"/>
+    </dgm:style>
+  </dgm:styleLbl>
+  <dgm:styleLbl name="bgAcc1">
+    <dgm:scene3d>
+      <a:camera prst="orthographicFront"/>
+      <a:lightRig rig="threePt" dir="t"/>
+    </dgm:scene3d>
+    <dgm:sp3d/>
+    <dgm:txPr/>
+    <dgm:style>
+      <a:lnRef idx="2">
+        <a:scrgbClr r="0" g="0" b="0"/>
+      </a:lnRef>
+      <a:fillRef idx="1">
+        <a:scrgbClr r="0" g="0" b="0"/>
+      </a:fillRef>
+      <a:effectRef idx="0">
+        <a:scrgbClr r="0" g="0" b="0"/>
+      </a:effectRef>
+      <a:fontRef idx="minor"/>
+    </dgm:style>
+  </dgm:styleLbl>
+  <dgm:styleLbl name="solidFgAcc1">
+    <dgm:scene3d>
+      <a:camera prst="orthographicFront"/>
+      <a:lightRig rig="threePt" dir="t"/>
+    </dgm:scene3d>
+    <dgm:sp3d/>
+    <dgm:txPr/>
+    <dgm:style>
+      <a:lnRef idx="2">
+        <a:scrgbClr r="0" g="0" b="0"/>
+      </a:lnRef>
+      <a:fillRef idx="1">
+        <a:scrgbClr r="0" g="0" b="0"/>
+      </a:fillRef>
+      <a:effectRef idx="0">
+        <a:scrgbClr r="0" g="0" b="0"/>
+      </a:effectRef>
+      <a:fontRef idx="minor"/>
+    </dgm:style>
+  </dgm:styleLbl>
+  <dgm:styleLbl name="solidAlignAcc1">
+    <dgm:scene3d>
+      <a:camera prst="orthographicFront"/>
+      <a:lightRig rig="threePt" dir="t"/>
+    </dgm:scene3d>
+    <dgm:sp3d/>
+    <dgm:txPr/>
+    <dgm:style>
+      <a:lnRef idx="2">
+        <a:scrgbClr r="0" g="0" b="0"/>
+      </a:lnRef>
+      <a:fillRef idx="1">
+        <a:scrgbClr r="0" g="0" b="0"/>
+      </a:fillRef>
+      <a:effectRef idx="0">
+        <a:scrgbClr r="0" g="0" b="0"/>
+      </a:effectRef>
+      <a:fontRef idx="minor"/>
+    </dgm:style>
+  </dgm:styleLbl>
+  <dgm:styleLbl name="solidBgAcc1">
+    <dgm:scene3d>
+      <a:camera prst="orthographicFront"/>
+      <a:lightRig rig="threePt" dir="t"/>
+    </dgm:scene3d>
+    <dgm:sp3d/>
+    <dgm:txPr/>
+    <dgm:style>
+      <a:lnRef idx="2">
+        <a:scrgbClr r="0" g="0" b="0"/>
+      </a:lnRef>
+      <a:fillRef idx="1">
+        <a:scrgbClr r="0" g="0" b="0"/>
+      </a:fillRef>
+      <a:effectRef idx="0">
+        <a:scrgbClr r="0" g="0" b="0"/>
+      </a:effectRef>
+      <a:fontRef idx="minor"/>
+    </dgm:style>
+  </dgm:styleLbl>
+  <dgm:styleLbl name="fgAccFollowNode1">
+    <dgm:scene3d>
+      <a:camera prst="orthographicFront"/>
+      <a:lightRig rig="threePt" dir="t"/>
+    </dgm:scene3d>
+    <dgm:sp3d/>
+    <dgm:txPr/>
+    <dgm:style>
+      <a:lnRef idx="2">
+        <a:scrgbClr r="0" g="0" b="0"/>
+      </a:lnRef>
+      <a:fillRef idx="1">
+        <a:scrgbClr r="0" g="0" b="0"/>
+      </a:fillRef>
+      <a:effectRef idx="0">
+        <a:scrgbClr r="0" g="0" b="0"/>
+      </a:effectRef>
+      <a:fontRef idx="minor"/>
+    </dgm:style>
+  </dgm:styleLbl>
+  <dgm:styleLbl name="alignAccFollowNode1">
+    <dgm:scene3d>
+      <a:camera prst="orthographicFront"/>
+      <a:lightRig rig="threePt" dir="t"/>
+    </dgm:scene3d>
+    <dgm:sp3d/>
+    <dgm:txPr/>
+    <dgm:style>
+      <a:lnRef idx="2">
+        <a:scrgbClr r="0" g="0" b="0"/>
+      </a:lnRef>
+      <a:fillRef idx="1">
+        <a:scrgbClr r="0" g="0" b="0"/>
+      </a:fillRef>
+      <a:effectRef idx="0">
+        <a:scrgbClr r="0" g="0" b="0"/>
+      </a:effectRef>
+      <a:fontRef idx="minor"/>
+    </dgm:style>
+  </dgm:styleLbl>
+  <dgm:styleLbl name="bgAccFollowNode1">
+    <dgm:scene3d>
+      <a:camera prst="orthographicFront"/>
+      <a:lightRig rig="threePt" dir="t"/>
+    </dgm:scene3d>
+    <dgm:sp3d/>
+    <dgm:txPr/>
+    <dgm:style>
+      <a:lnRef idx="2">
+        <a:scrgbClr r="0" g="0" b="0"/>
+      </a:lnRef>
+      <a:fillRef idx="1">
+        <a:scrgbClr r="0" g="0" b="0"/>
+      </a:fillRef>
+      <a:effectRef idx="0">
+        <a:scrgbClr r="0" g="0" b="0"/>
+      </a:effectRef>
+      <a:fontRef idx="minor"/>
+    </dgm:style>
+  </dgm:styleLbl>
+  <dgm:styleLbl name="fgAcc0">
+    <dgm:scene3d>
+      <a:camera prst="orthographicFront"/>
+      <a:lightRig rig="threePt" dir="t"/>
+    </dgm:scene3d>
+    <dgm:sp3d/>
+    <dgm:txPr/>
+    <dgm:style>
+      <a:lnRef idx="2">
+        <a:scrgbClr r="0" g="0" b="0"/>
+      </a:lnRef>
+      <a:fillRef idx="1">
+        <a:scrgbClr r="0" g="0" b="0"/>
+      </a:fillRef>
+      <a:effectRef idx="0">
+        <a:scrgbClr r="0" g="0" b="0"/>
+      </a:effectRef>
+      <a:fontRef idx="minor"/>
+    </dgm:style>
+  </dgm:styleLbl>
+  <dgm:styleLbl name="fgAcc2">
+    <dgm:scene3d>
+      <a:camera prst="orthographicFront"/>
+      <a:lightRig rig="threePt" dir="t"/>
+    </dgm:scene3d>
+    <dgm:sp3d/>
+    <dgm:txPr/>
+    <dgm:style>
+      <a:lnRef idx="2">
+        <a:scrgbClr r="0" g="0" b="0"/>
+      </a:lnRef>
+      <a:fillRef idx="1">
+        <a:scrgbClr r="0" g="0" b="0"/>
+      </a:fillRef>
+      <a:effectRef idx="0">
+        <a:scrgbClr r="0" g="0" b="0"/>
+      </a:effectRef>
+      <a:fontRef idx="minor"/>
+    </dgm:style>
+  </dgm:styleLbl>
+  <dgm:styleLbl name="fgAcc3">
+    <dgm:scene3d>
+      <a:camera prst="orthographicFront"/>
+      <a:lightRig rig="threePt" dir="t"/>
+    </dgm:scene3d>
+    <dgm:sp3d/>
+    <dgm:txPr/>
+    <dgm:style>
+      <a:lnRef idx="2">
+        <a:scrgbClr r="0" g="0" b="0"/>
+      </a:lnRef>
+      <a:fillRef idx="1">
+        <a:scrgbClr r="0" g="0" b="0"/>
+      </a:fillRef>
+      <a:effectRef idx="0">
+        <a:scrgbClr r="0" g="0" b="0"/>
+      </a:effectRef>
+      <a:fontRef idx="minor"/>
+    </dgm:style>
+  </dgm:styleLbl>
+  <dgm:styleLbl name="fgAcc4">
+    <dgm:scene3d>
+      <a:camera prst="orthographicFront"/>
+      <a:lightRig rig="threePt" dir="t"/>
+    </dgm:scene3d>
+    <dgm:sp3d/>
+    <dgm:txPr/>
+    <dgm:style>
+      <a:lnRef idx="2">
+        <a:scrgbClr r="0" g="0" b="0"/>
+      </a:lnRef>
+      <a:fillRef idx="1">
+        <a:scrgbClr r="0" g="0" b="0"/>
+      </a:fillRef>
+      <a:effectRef idx="0">
+        <a:scrgbClr r="0" g="0" b="0"/>
+      </a:effectRef>
+      <a:fontRef idx="minor"/>
+    </dgm:style>
+  </dgm:styleLbl>
+  <dgm:styleLbl name="bgShp">
+    <dgm:scene3d>
+      <a:camera prst="orthographicFront"/>
+      <a:lightRig rig="threePt" dir="t"/>
+    </dgm:scene3d>
+    <dgm:sp3d/>
+    <dgm:txPr/>
+    <dgm:style>
+      <a:lnRef idx="0">
+        <a:scrgbClr r="0" g="0" b="0"/>
+      </a:lnRef>
+      <a:fillRef idx="1">
+        <a:scrgbClr r="0" g="0" b="0"/>
+      </a:fillRef>
+      <a:effectRef idx="0">
+        <a:scrgbClr r="0" g="0" b="0"/>
+      </a:effectRef>
+      <a:fontRef idx="minor"/>
+    </dgm:style>
+  </dgm:styleLbl>
+  <dgm:styleLbl name="dkBgShp">
+    <dgm:scene3d>
+      <a:camera prst="orthographicFront"/>
+      <a:lightRig rig="threePt" dir="t"/>
+    </dgm:scene3d>
+    <dgm:sp3d/>
+    <dgm:txPr/>
+    <dgm:style>
+      <a:lnRef idx="0">
+        <a:scrgbClr r="0" g="0" b="0"/>
+      </a:lnRef>
+      <a:fillRef idx="1">
+        <a:scrgbClr r="0" g="0" b="0"/>
+      </a:fillRef>
+      <a:effectRef idx="0">
+        <a:scrgbClr r="0" g="0" b="0"/>
+      </a:effectRef>
+      <a:fontRef idx="minor"/>
+    </dgm:style>
+  </dgm:styleLbl>
+  <dgm:styleLbl name="trBgShp">
+    <dgm:scene3d>
+      <a:camera prst="orthographicFront"/>
+      <a:lightRig rig="threePt" dir="t"/>
+    </dgm:scene3d>
+    <dgm:sp3d/>
+    <dgm:txPr/>
+    <dgm:style>
+      <a:lnRef idx="0">
+        <a:scrgbClr r="0" g="0" b="0"/>
+      </a:lnRef>
+      <a:fillRef idx="1">
+        <a:scrgbClr r="0" g="0" b="0"/>
+      </a:fillRef>
+      <a:effectRef idx="0">
+        <a:scrgbClr r="0" g="0" b="0"/>
+      </a:effectRef>
+      <a:fontRef idx="minor"/>
+    </dgm:style>
+  </dgm:styleLbl>
+  <dgm:styleLbl name="fgShp">
+    <dgm:scene3d>
+      <a:camera prst="orthographicFront"/>
+      <a:lightRig rig="threePt" dir="t"/>
+    </dgm:scene3d>
+    <dgm:sp3d/>
+    <dgm:txPr/>
+    <dgm:style>
+      <a:lnRef idx="2">
+        <a:scrgbClr r="0" g="0" b="0"/>
+      </a:lnRef>
+      <a:fillRef idx="1">
+        <a:scrgbClr r="0" g="0" b="0"/>
+      </a:fillRef>
+      <a:effectRef idx="0">
+        <a:scrgbClr r="0" g="0" b="0"/>
+      </a:effectRef>
+      <a:fontRef idx="minor"/>
+    </dgm:style>
+  </dgm:styleLbl>
+  <dgm:styleLbl name="revTx">
+    <dgm:scene3d>
+      <a:camera prst="orthographicFront"/>
+      <a:lightRig rig="threePt" dir="t"/>
+    </dgm:scene3d>
+    <dgm:sp3d/>
+    <dgm:txPr/>
+    <dgm:style>
+      <a:lnRef idx="0">
+        <a:scrgbClr r="0" g="0" b="0"/>
+      </a:lnRef>
+      <a:fillRef idx="0">
+        <a:scrgbClr r="0" g="0" b="0"/>
+      </a:fillRef>
+      <a:effectRef idx="0">
+        <a:scrgbClr r="0" g="0" b="0"/>
+      </a:effectRef>
+      <a:fontRef idx="minor"/>
+    </dgm:style>
+  </dgm:styleLbl>
+</dgm:styleDef>
+</file>
+
+<file path=ppt/diagrams/quickStyle3.xml><?xml version="1.0" encoding="utf-8"?>
+<dgm:styleDef xmlns:dgm="http://schemas.openxmlformats.org/drawingml/2006/diagram" xmlns:a="http://schemas.openxmlformats.org/drawingml/2006/main" uniqueId="urn:microsoft.com/office/officeart/2005/8/quickstyle/simple1">
+  <dgm:title val=""/>
+  <dgm:desc val=""/>
+  <dgm:catLst>
+    <dgm:cat type="simple" pri="10100"/>
+  </dgm:catLst>
+  <dgm:scene3d>
+    <a:camera prst="orthographicFront"/>
+    <a:lightRig rig="threePt" dir="t"/>
+  </dgm:scene3d>
+  <dgm:styleLbl name="node0">
+    <dgm:scene3d>
+      <a:camera prst="orthographicFront"/>
+      <a:lightRig rig="threePt" dir="t"/>
+    </dgm:scene3d>
+    <dgm:sp3d/>
+    <dgm:txPr/>
+    <dgm:style>
+      <a:lnRef idx="2">
+        <a:scrgbClr r="0" g="0" b="0"/>
+      </a:lnRef>
+      <a:fillRef idx="1">
+        <a:scrgbClr r="0" g="0" b="0"/>
+      </a:fillRef>
+      <a:effectRef idx="0">
+        <a:scrgbClr r="0" g="0" b="0"/>
+      </a:effectRef>
+      <a:fontRef idx="minor">
+        <a:schemeClr val="lt1"/>
+      </a:fontRef>
+    </dgm:style>
+  </dgm:styleLbl>
+  <dgm:styleLbl name="lnNode1">
+    <dgm:scene3d>
+      <a:camera prst="orthographicFront"/>
+      <a:lightRig rig="threePt" dir="t"/>
+    </dgm:scene3d>
+    <dgm:sp3d/>
+    <dgm:txPr/>
+    <dgm:style>
+      <a:lnRef idx="2">
+        <a:scrgbClr r="0" g="0" b="0"/>
+      </a:lnRef>
+      <a:fillRef idx="1">
+        <a:scrgbClr r="0" g="0" b="0"/>
+      </a:fillRef>
+      <a:effectRef idx="0">
+        <a:scrgbClr r="0" g="0" b="0"/>
+      </a:effectRef>
+      <a:fontRef idx="minor">
+        <a:schemeClr val="lt1"/>
+      </a:fontRef>
+    </dgm:style>
+  </dgm:styleLbl>
+  <dgm:styleLbl name="vennNode1">
+    <dgm:scene3d>
+      <a:camera prst="orthographicFront"/>
+      <a:lightRig rig="threePt" dir="t"/>
+    </dgm:scene3d>
+    <dgm:sp3d/>
+    <dgm:txPr/>
+    <dgm:style>
+      <a:lnRef idx="2">
+        <a:scrgbClr r="0" g="0" b="0"/>
+      </a:lnRef>
+      <a:fillRef idx="1">
+        <a:scrgbClr r="0" g="0" b="0"/>
+      </a:fillRef>
+      <a:effectRef idx="0">
+        <a:scrgbClr r="0" g="0" b="0"/>
+      </a:effectRef>
+      <a:fontRef idx="minor">
+        <a:schemeClr val="tx1"/>
+      </a:fontRef>
+    </dgm:style>
+  </dgm:styleLbl>
+  <dgm:styleLbl name="alignNode1">
+    <dgm:scene3d>
+      <a:camera prst="orthographicFront"/>
+      <a:lightRig rig="threePt" dir="t"/>
+    </dgm:scene3d>
+    <dgm:sp3d/>
+    <dgm:txPr/>
+    <dgm:style>
+      <a:lnRef idx="2">
+        <a:scrgbClr r="0" g="0" b="0"/>
+      </a:lnRef>
+      <a:fillRef idx="1">
+        <a:scrgbClr r="0" g="0" b="0"/>
+      </a:fillRef>
+      <a:effectRef idx="0">
+        <a:scrgbClr r="0" g="0" b="0"/>
+      </a:effectRef>
+      <a:fontRef idx="minor">
+        <a:schemeClr val="lt1"/>
+      </a:fontRef>
+    </dgm:style>
+  </dgm:styleLbl>
+  <dgm:styleLbl name="node1">
+    <dgm:scene3d>
+      <a:camera prst="orthographicFront"/>
+      <a:lightRig rig="threePt" dir="t"/>
+    </dgm:scene3d>
+    <dgm:sp3d/>
+    <dgm:txPr/>
+    <dgm:style>
+      <a:lnRef idx="2">
+        <a:scrgbClr r="0" g="0" b="0"/>
+      </a:lnRef>
+      <a:fillRef idx="1">
+        <a:scrgbClr r="0" g="0" b="0"/>
+      </a:fillRef>
+      <a:effectRef idx="0">
+        <a:scrgbClr r="0" g="0" b="0"/>
+      </a:effectRef>
+      <a:fontRef idx="minor">
+        <a:schemeClr val="lt1"/>
+      </a:fontRef>
+    </dgm:style>
+  </dgm:styleLbl>
+  <dgm:styleLbl name="node2">
+    <dgm:scene3d>
+      <a:camera prst="orthographicFront"/>
+      <a:lightRig rig="threePt" dir="t"/>
+    </dgm:scene3d>
+    <dgm:sp3d/>
+    <dgm:txPr/>
+    <dgm:style>
+      <a:lnRef idx="2">
+        <a:scrgbClr r="0" g="0" b="0"/>
+      </a:lnRef>
+      <a:fillRef idx="1">
+        <a:scrgbClr r="0" g="0" b="0"/>
+      </a:fillRef>
+      <a:effectRef idx="0">
+        <a:scrgbClr r="0" g="0" b="0"/>
+      </a:effectRef>
+      <a:fontRef idx="minor">
+        <a:schemeClr val="lt1"/>
+      </a:fontRef>
+    </dgm:style>
+  </dgm:styleLbl>
+  <dgm:styleLbl name="node3">
+    <dgm:scene3d>
+      <a:camera prst="orthographicFront"/>
+      <a:lightRig rig="threePt" dir="t"/>
+    </dgm:scene3d>
+    <dgm:sp3d/>
+    <dgm:txPr/>
+    <dgm:style>
+      <a:lnRef idx="2">
+        <a:scrgbClr r="0" g="0" b="0"/>
+      </a:lnRef>
+      <a:fillRef idx="1">
+        <a:scrgbClr r="0" g="0" b="0"/>
+      </a:fillRef>
+      <a:effectRef idx="0">
+        <a:scrgbClr r="0" g="0" b="0"/>
+      </a:effectRef>
+      <a:fontRef idx="minor">
+        <a:schemeClr val="lt1"/>
+      </a:fontRef>
+    </dgm:style>
+  </dgm:styleLbl>
+  <dgm:styleLbl name="node4">
+    <dgm:scene3d>
+      <a:camera prst="orthographicFront"/>
+      <a:lightRig rig="threePt" dir="t"/>
+    </dgm:scene3d>
+    <dgm:sp3d/>
+    <dgm:txPr/>
+    <dgm:style>
+      <a:lnRef idx="2">
+        <a:scrgbClr r="0" g="0" b="0"/>
+      </a:lnRef>
+      <a:fillRef idx="1">
+        <a:scrgbClr r="0" g="0" b="0"/>
+      </a:fillRef>
+      <a:effectRef idx="0">
+        <a:scrgbClr r="0" g="0" b="0"/>
+      </a:effectRef>
+      <a:fontRef idx="minor">
+        <a:schemeClr val="lt1"/>
+      </a:fontRef>
+    </dgm:style>
+  </dgm:styleLbl>
+  <dgm:styleLbl name="fgImgPlace1">
+    <dgm:scene3d>
+      <a:camera prst="orthographicFront"/>
+      <a:lightRig rig="threePt" dir="t"/>
+    </dgm:scene3d>
+    <dgm:sp3d/>
+    <dgm:txPr/>
+    <dgm:style>
+      <a:lnRef idx="2">
+        <a:scrgbClr r="0" g="0" b="0"/>
+      </a:lnRef>
+      <a:fillRef idx="1">
+        <a:scrgbClr r="0" g="0" b="0"/>
+      </a:fillRef>
+      <a:effectRef idx="0">
+        <a:scrgbClr r="0" g="0" b="0"/>
+      </a:effectRef>
+      <a:fontRef idx="minor"/>
+    </dgm:style>
+  </dgm:styleLbl>
+  <dgm:styleLbl name="alignImgPlace1">
+    <dgm:scene3d>
+      <a:camera prst="orthographicFront"/>
+      <a:lightRig rig="threePt" dir="t"/>
+    </dgm:scene3d>
+    <dgm:sp3d/>
+    <dgm:txPr/>
+    <dgm:style>
+      <a:lnRef idx="2">
+        <a:scrgbClr r="0" g="0" b="0"/>
+      </a:lnRef>
+      <a:fillRef idx="1">
+        <a:scrgbClr r="0" g="0" b="0"/>
+      </a:fillRef>
+      <a:effectRef idx="0">
+        <a:scrgbClr r="0" g="0" b="0"/>
+      </a:effectRef>
+      <a:fontRef idx="minor"/>
+    </dgm:style>
+  </dgm:styleLbl>
+  <dgm:styleLbl name="bgImgPlace1">
+    <dgm:scene3d>
+      <a:camera prst="orthographicFront"/>
+      <a:lightRig rig="threePt" dir="t"/>
+    </dgm:scene3d>
+    <dgm:sp3d/>
+    <dgm:txPr/>
+    <dgm:style>
+      <a:lnRef idx="2">
+        <a:scrgbClr r="0" g="0" b="0"/>
+      </a:lnRef>
+      <a:fillRef idx="1">
+        <a:scrgbClr r="0" g="0" b="0"/>
+      </a:fillRef>
+      <a:effectRef idx="0">
+        <a:scrgbClr r="0" g="0" b="0"/>
+      </a:effectRef>
+      <a:fontRef idx="minor"/>
+    </dgm:style>
+  </dgm:styleLbl>
+  <dgm:styleLbl name="sibTrans2D1">
+    <dgm:scene3d>
+      <a:camera prst="orthographicFront"/>
+      <a:lightRig rig="threePt" dir="t"/>
+    </dgm:scene3d>
+    <dgm:sp3d/>
+    <dgm:txPr/>
+    <dgm:style>
+      <a:lnRef idx="0">
+        <a:scrgbClr r="0" g="0" b="0"/>
+      </a:lnRef>
+      <a:fillRef idx="1">
+        <a:scrgbClr r="0" g="0" b="0"/>
+      </a:fillRef>
+      <a:effectRef idx="0">
+        <a:scrgbClr r="0" g="0" b="0"/>
+      </a:effectRef>
+      <a:fontRef idx="minor">
+        <a:schemeClr val="lt1"/>
+      </a:fontRef>
+    </dgm:style>
+  </dgm:styleLbl>
+  <dgm:styleLbl name="fgSibTrans2D1">
+    <dgm:scene3d>
+      <a:camera prst="orthographicFront"/>
+      <a:lightRig rig="threePt" dir="t"/>
+    </dgm:scene3d>
+    <dgm:sp3d/>
+    <dgm:txPr/>
+    <dgm:style>
+      <a:lnRef idx="0">
+        <a:scrgbClr r="0" g="0" b="0"/>
+      </a:lnRef>
+      <a:fillRef idx="1">
+        <a:scrgbClr r="0" g="0" b="0"/>
+      </a:fillRef>
+      <a:effectRef idx="0">
+        <a:scrgbClr r="0" g="0" b="0"/>
+      </a:effectRef>
+      <a:fontRef idx="minor">
+        <a:schemeClr val="lt1"/>
+      </a:fontRef>
+    </dgm:style>
+  </dgm:styleLbl>
+  <dgm:styleLbl name="bgSibTrans2D1">
+    <dgm:scene3d>
+      <a:camera prst="orthographicFront"/>
+      <a:lightRig rig="threePt" dir="t"/>
+    </dgm:scene3d>
+    <dgm:sp3d/>
+    <dgm:txPr/>
+    <dgm:style>
+      <a:lnRef idx="0">
+        <a:scrgbClr r="0" g="0" b="0"/>
+      </a:lnRef>
+      <a:fillRef idx="1">
+        <a:scrgbClr r="0" g="0" b="0"/>
+      </a:fillRef>
+      <a:effectRef idx="0">
+        <a:scrgbClr r="0" g="0" b="0"/>
+      </a:effectRef>
+      <a:fontRef idx="minor">
+        <a:schemeClr val="lt1"/>
+      </a:fontRef>
+    </dgm:style>
+  </dgm:styleLbl>
+  <dgm:styleLbl name="sibTrans1D1">
+    <dgm:scene3d>
+      <a:camera prst="orthographicFront"/>
+      <a:lightRig rig="threePt" dir="t"/>
+    </dgm:scene3d>
+    <dgm:sp3d/>
+    <dgm:txPr/>
+    <dgm:style>
+      <a:lnRef idx="1">
+        <a:scrgbClr r="0" g="0" b="0"/>
+      </a:lnRef>
+      <a:fillRef idx="0">
+        <a:scrgbClr r="0" g="0" b="0"/>
+      </a:fillRef>
+      <a:effectRef idx="0">
+        <a:scrgbClr r="0" g="0" b="0"/>
+      </a:effectRef>
+      <a:fontRef idx="minor"/>
+    </dgm:style>
+  </dgm:styleLbl>
+  <dgm:styleLbl name="callout">
+    <dgm:scene3d>
+      <a:camera prst="orthographicFront"/>
+      <a:lightRig rig="threePt" dir="t"/>
+    </dgm:scene3d>
+    <dgm:sp3d/>
+    <dgm:txPr/>
+    <dgm:style>
+      <a:lnRef idx="2">
+        <a:scrgbClr r="0" g="0" b="0"/>
+      </a:lnRef>
+      <a:fillRef idx="1">
+        <a:scrgbClr r="0" g="0" b="0"/>
+      </a:fillRef>
+      <a:effectRef idx="0">
+        <a:scrgbClr r="0" g="0" b="0"/>
+      </a:effectRef>
+      <a:fontRef idx="minor"/>
+    </dgm:style>
+  </dgm:styleLbl>
+  <dgm:styleLbl name="asst0">
+    <dgm:scene3d>
+      <a:camera prst="orthographicFront"/>
+      <a:lightRig rig="threePt" dir="t"/>
+    </dgm:scene3d>
+    <dgm:sp3d/>
+    <dgm:txPr/>
+    <dgm:style>
+      <a:lnRef idx="2">
+        <a:scrgbClr r="0" g="0" b="0"/>
+      </a:lnRef>
+      <a:fillRef idx="1">
+        <a:scrgbClr r="0" g="0" b="0"/>
+      </a:fillRef>
+      <a:effectRef idx="0">
+        <a:scrgbClr r="0" g="0" b="0"/>
+      </a:effectRef>
+      <a:fontRef idx="minor">
+        <a:schemeClr val="lt1"/>
+      </a:fontRef>
+    </dgm:style>
+  </dgm:styleLbl>
+  <dgm:styleLbl name="asst1">
+    <dgm:scene3d>
+      <a:camera prst="orthographicFront"/>
+      <a:lightRig rig="threePt" dir="t"/>
+    </dgm:scene3d>
+    <dgm:sp3d/>
+    <dgm:txPr/>
+    <dgm:style>
+      <a:lnRef idx="2">
+        <a:scrgbClr r="0" g="0" b="0"/>
+      </a:lnRef>
+      <a:fillRef idx="1">
+        <a:scrgbClr r="0" g="0" b="0"/>
+      </a:fillRef>
+      <a:effectRef idx="0">
+        <a:scrgbClr r="0" g="0" b="0"/>
+      </a:effectRef>
+      <a:fontRef idx="minor">
+        <a:schemeClr val="lt1"/>
+      </a:fontRef>
+    </dgm:style>
+  </dgm:styleLbl>
+  <dgm:styleLbl name="asst2">
+    <dgm:scene3d>
+      <a:camera prst="orthographicFront"/>
+      <a:lightRig rig="threePt" dir="t"/>
+    </dgm:scene3d>
+    <dgm:sp3d/>
+    <dgm:txPr/>
+    <dgm:style>
+      <a:lnRef idx="2">
+        <a:scrgbClr r="0" g="0" b="0"/>
+      </a:lnRef>
+      <a:fillRef idx="1">
+        <a:scrgbClr r="0" g="0" b="0"/>
+      </a:fillRef>
+      <a:effectRef idx="0">
+        <a:scrgbClr r="0" g="0" b="0"/>
+      </a:effectRef>
+      <a:fontRef idx="minor">
+        <a:schemeClr val="lt1"/>
+      </a:fontRef>
+    </dgm:style>
+  </dgm:styleLbl>
+  <dgm:styleLbl name="asst3">
+    <dgm:scene3d>
+      <a:camera prst="orthographicFront"/>
+      <a:lightRig rig="threePt" dir="t"/>
+    </dgm:scene3d>
+    <dgm:sp3d/>
+    <dgm:txPr/>
+    <dgm:style>
+      <a:lnRef idx="2">
+        <a:scrgbClr r="0" g="0" b="0"/>
+      </a:lnRef>
+      <a:fillRef idx="1">
+        <a:scrgbClr r="0" g="0" b="0"/>
+      </a:fillRef>
+      <a:effectRef idx="0">
+        <a:scrgbClr r="0" g="0" b="0"/>
+      </a:effectRef>
+      <a:fontRef idx="minor">
+        <a:schemeClr val="lt1"/>
+      </a:fontRef>
+    </dgm:style>
+  </dgm:styleLbl>
+  <dgm:styleLbl name="asst4">
+    <dgm:scene3d>
+      <a:camera prst="orthographicFront"/>
+      <a:lightRig rig="threePt" dir="t"/>
+    </dgm:scene3d>
+    <dgm:sp3d/>
+    <dgm:txPr/>
+    <dgm:style>
+      <a:lnRef idx="2">
+        <a:scrgbClr r="0" g="0" b="0"/>
+      </a:lnRef>
+      <a:fillRef idx="1">
+        <a:scrgbClr r="0" g="0" b="0"/>
+      </a:fillRef>
+      <a:effectRef idx="0">
+        <a:scrgbClr r="0" g="0" b="0"/>
+      </a:effectRef>
+      <a:fontRef idx="minor">
+        <a:schemeClr val="lt1"/>
+      </a:fontRef>
+    </dgm:style>
+  </dgm:styleLbl>
+  <dgm:styleLbl name="parChTrans2D1">
+    <dgm:scene3d>
+      <a:camera prst="orthographicFront"/>
+      <a:lightRig rig="threePt" dir="t"/>
+    </dgm:scene3d>
+    <dgm:sp3d/>
+    <dgm:txPr/>
+    <dgm:style>
+      <a:lnRef idx="2">
+        <a:scrgbClr r="0" g="0" b="0"/>
+      </a:lnRef>
+      <a:fillRef idx="1">
+        <a:scrgbClr r="0" g="0" b="0"/>
+      </a:fillRef>
+      <a:effectRef idx="0">
+        <a:scrgbClr r="0" g="0" b="0"/>
+      </a:effectRef>
+      <a:fontRef idx="minor">
+        <a:schemeClr val="lt1"/>
+      </a:fontRef>
+    </dgm:style>
+  </dgm:styleLbl>
+  <dgm:styleLbl name="parChTrans2D2">
+    <dgm:scene3d>
+      <a:camera prst="orthographicFront"/>
+      <a:lightRig rig="threePt" dir="t"/>
+    </dgm:scene3d>
+    <dgm:sp3d/>
+    <dgm:txPr/>
+    <dgm:style>
+      <a:lnRef idx="2">
+        <a:scrgbClr r="0" g="0" b="0"/>
+      </a:lnRef>
+      <a:fillRef idx="1">
+        <a:scrgbClr r="0" g="0" b="0"/>
+      </a:fillRef>
+      <a:effectRef idx="0">
+        <a:scrgbClr r="0" g="0" b="0"/>
+      </a:effectRef>
+      <a:fontRef idx="minor">
+        <a:schemeClr val="lt1"/>
+      </a:fontRef>
+    </dgm:style>
+  </dgm:styleLbl>
+  <dgm:styleLbl name="parChTrans2D3">
+    <dgm:scene3d>
+      <a:camera prst="orthographicFront"/>
+      <a:lightRig rig="threePt" dir="t"/>
+    </dgm:scene3d>
+    <dgm:sp3d/>
+    <dgm:txPr/>
+    <dgm:style>
+      <a:lnRef idx="2">
+        <a:scrgbClr r="0" g="0" b="0"/>
+      </a:lnRef>
+      <a:fillRef idx="1">
+        <a:scrgbClr r="0" g="0" b="0"/>
+      </a:fillRef>
+      <a:effectRef idx="0">
+        <a:scrgbClr r="0" g="0" b="0"/>
+      </a:effectRef>
+      <a:fontRef idx="minor">
+        <a:schemeClr val="lt1"/>
+      </a:fontRef>
+    </dgm:style>
+  </dgm:styleLbl>
+  <dgm:styleLbl name="parChTrans2D4">
+    <dgm:scene3d>
+      <a:camera prst="orthographicFront"/>
+      <a:lightRig rig="threePt" dir="t"/>
+    </dgm:scene3d>
+    <dgm:sp3d/>
+    <dgm:txPr/>
+    <dgm:style>
+      <a:lnRef idx="2">
+        <a:scrgbClr r="0" g="0" b="0"/>
+      </a:lnRef>
+      <a:fillRef idx="1">
+        <a:scrgbClr r="0" g="0" b="0"/>
+      </a:fillRef>
+      <a:effectRef idx="0">
+        <a:scrgbClr r="0" g="0" b="0"/>
+      </a:effectRef>
+      <a:fontRef idx="minor">
+        <a:schemeClr val="lt1"/>
+      </a:fontRef>
+    </dgm:style>
+  </dgm:styleLbl>
+  <dgm:styleLbl name="parChTrans1D1">
+    <dgm:scene3d>
+      <a:camera prst="orthographicFront"/>
+      <a:lightRig rig="threePt" dir="t"/>
+    </dgm:scene3d>
+    <dgm:sp3d/>
+    <dgm:txPr/>
+    <dgm:style>
+      <a:lnRef idx="2">
+        <a:scrgbClr r="0" g="0" b="0"/>
+      </a:lnRef>
+      <a:fillRef idx="0">
+        <a:scrgbClr r="0" g="0" b="0"/>
+      </a:fillRef>
+      <a:effectRef idx="0">
+        <a:scrgbClr r="0" g="0" b="0"/>
+      </a:effectRef>
+      <a:fontRef idx="minor"/>
+    </dgm:style>
+  </dgm:styleLbl>
+  <dgm:styleLbl name="parChTrans1D2">
+    <dgm:scene3d>
+      <a:camera prst="orthographicFront"/>
+      <a:lightRig rig="threePt" dir="t"/>
+    </dgm:scene3d>
+    <dgm:sp3d/>
+    <dgm:txPr/>
+    <dgm:style>
+      <a:lnRef idx="2">
+        <a:scrgbClr r="0" g="0" b="0"/>
+      </a:lnRef>
+      <a:fillRef idx="0">
+        <a:scrgbClr r="0" g="0" b="0"/>
+      </a:fillRef>
+      <a:effectRef idx="0">
+        <a:scrgbClr r="0" g="0" b="0"/>
+      </a:effectRef>
+      <a:fontRef idx="minor"/>
+    </dgm:style>
+  </dgm:styleLbl>
+  <dgm:styleLbl name="parChTrans1D3">
+    <dgm:scene3d>
+      <a:camera prst="orthographicFront"/>
+      <a:lightRig rig="threePt" dir="t"/>
+    </dgm:scene3d>
+    <dgm:sp3d/>
+    <dgm:txPr/>
+    <dgm:style>
+      <a:lnRef idx="2">
+        <a:scrgbClr r="0" g="0" b="0"/>
+      </a:lnRef>
+      <a:fillRef idx="0">
+        <a:scrgbClr r="0" g="0" b="0"/>
+      </a:fillRef>
+      <a:effectRef idx="0">
+        <a:scrgbClr r="0" g="0" b="0"/>
+      </a:effectRef>
+      <a:fontRef idx="minor"/>
+    </dgm:style>
+  </dgm:styleLbl>
+  <dgm:styleLbl name="parChTrans1D4">
+    <dgm:scene3d>
+      <a:camera prst="orthographicFront"/>
+      <a:lightRig rig="threePt" dir="t"/>
+    </dgm:scene3d>
+    <dgm:sp3d/>
+    <dgm:txPr/>
+    <dgm:style>
+      <a:lnRef idx="2">
+        <a:scrgbClr r="0" g="0" b="0"/>
+      </a:lnRef>
+      <a:fillRef idx="0">
+        <a:scrgbClr r="0" g="0" b="0"/>
+      </a:fillRef>
+      <a:effectRef idx="0">
+        <a:scrgbClr r="0" g="0" b="0"/>
+      </a:effectRef>
+      <a:fontRef idx="minor"/>
+    </dgm:style>
+  </dgm:styleLbl>
+  <dgm:styleLbl name="fgAcc1">
+    <dgm:scene3d>
+      <a:camera prst="orthographicFront"/>
+      <a:lightRig rig="threePt" dir="t"/>
+    </dgm:scene3d>
+    <dgm:sp3d/>
+    <dgm:txPr/>
+    <dgm:style>
+      <a:lnRef idx="2">
+        <a:scrgbClr r="0" g="0" b="0"/>
+      </a:lnRef>
+      <a:fillRef idx="1">
+        <a:scrgbClr r="0" g="0" b="0"/>
+      </a:fillRef>
+      <a:effectRef idx="0">
+        <a:scrgbClr r="0" g="0" b="0"/>
+      </a:effectRef>
+      <a:fontRef idx="minor"/>
+    </dgm:style>
+  </dgm:styleLbl>
+  <dgm:styleLbl name="conFgAcc1">
+    <dgm:scene3d>
+      <a:camera prst="orthographicFront"/>
+      <a:lightRig rig="threePt" dir="t"/>
+    </dgm:scene3d>
+    <dgm:sp3d/>
+    <dgm:txPr/>
+    <dgm:style>
+      <a:lnRef idx="2">
+        <a:scrgbClr r="0" g="0" b="0"/>
+      </a:lnRef>
+      <a:fillRef idx="1">
+        <a:scrgbClr r="0" g="0" b="0"/>
+      </a:fillRef>
+      <a:effectRef idx="0">
+        <a:scrgbClr r="0" g="0" b="0"/>
+      </a:effectRef>
+      <a:fontRef idx="minor"/>
+    </dgm:style>
+  </dgm:styleLbl>
+  <dgm:styleLbl name="alignAcc1">
+    <dgm:scene3d>
+      <a:camera prst="orthographicFront"/>
+      <a:lightRig rig="threePt" dir="t"/>
+    </dgm:scene3d>
+    <dgm:sp3d/>
+    <dgm:txPr/>
+    <dgm:style>
+      <a:lnRef idx="2">
+        <a:scrgbClr r="0" g="0" b="0"/>
+      </a:lnRef>
+      <a:fillRef idx="1">
+        <a:scrgbClr r="0" g="0" b="0"/>
+      </a:fillRef>
+      <a:effectRef idx="0">
+        <a:scrgbClr r="0" g="0" b="0"/>
+      </a:effectRef>
+      <a:fontRef idx="minor"/>
+    </dgm:style>
+  </dgm:styleLbl>
+  <dgm:styleLbl name="trAlignAcc1">
+    <dgm:scene3d>
+      <a:camera prst="orthographicFront"/>
+      <a:lightRig rig="threePt" dir="t"/>
+    </dgm:scene3d>
+    <dgm:sp3d/>
+    <dgm:txPr/>
+    <dgm:style>
+      <a:lnRef idx="1">
+        <a:scrgbClr r="0" g="0" b="0"/>
+      </a:lnRef>
+      <a:fillRef idx="1">
+        <a:scrgbClr r="0" g="0" b="0"/>
+      </a:fillRef>
+      <a:effectRef idx="0">
+        <a:scrgbClr r="0" g="0" b="0"/>
+      </a:effectRef>
+      <a:fontRef idx="minor"/>
+    </dgm:style>
+  </dgm:styleLbl>
+  <dgm:styleLbl name="bgAcc1">
+    <dgm:scene3d>
+      <a:camera prst="orthographicFront"/>
+      <a:lightRig rig="threePt" dir="t"/>
+    </dgm:scene3d>
+    <dgm:sp3d/>
+    <dgm:txPr/>
+    <dgm:style>
+      <a:lnRef idx="2">
+        <a:scrgbClr r="0" g="0" b="0"/>
+      </a:lnRef>
+      <a:fillRef idx="1">
+        <a:scrgbClr r="0" g="0" b="0"/>
+      </a:fillRef>
+      <a:effectRef idx="0">
+        <a:scrgbClr r="0" g="0" b="0"/>
+      </a:effectRef>
+      <a:fontRef idx="minor"/>
+    </dgm:style>
+  </dgm:styleLbl>
+  <dgm:styleLbl name="solidFgAcc1">
+    <dgm:scene3d>
+      <a:camera prst="orthographicFront"/>
+      <a:lightRig rig="threePt" dir="t"/>
+    </dgm:scene3d>
+    <dgm:sp3d/>
+    <dgm:txPr/>
+    <dgm:style>
+      <a:lnRef idx="2">
+        <a:scrgbClr r="0" g="0" b="0"/>
+      </a:lnRef>
+      <a:fillRef idx="1">
+        <a:scrgbClr r="0" g="0" b="0"/>
+      </a:fillRef>
+      <a:effectRef idx="0">
+        <a:scrgbClr r="0" g="0" b="0"/>
+      </a:effectRef>
+      <a:fontRef idx="minor"/>
+    </dgm:style>
+  </dgm:styleLbl>
+  <dgm:styleLbl name="solidAlignAcc1">
+    <dgm:scene3d>
+      <a:camera prst="orthographicFront"/>
+      <a:lightRig rig="threePt" dir="t"/>
+    </dgm:scene3d>
+    <dgm:sp3d/>
+    <dgm:txPr/>
+    <dgm:style>
+      <a:lnRef idx="2">
+        <a:scrgbClr r="0" g="0" b="0"/>
+      </a:lnRef>
+      <a:fillRef idx="1">
+        <a:scrgbClr r="0" g="0" b="0"/>
+      </a:fillRef>
+      <a:effectRef idx="0">
+        <a:scrgbClr r="0" g="0" b="0"/>
+      </a:effectRef>
+      <a:fontRef idx="minor"/>
+    </dgm:style>
+  </dgm:styleLbl>
+  <dgm:styleLbl name="solidBgAcc1">
+    <dgm:scene3d>
+      <a:camera prst="orthographicFront"/>
+      <a:lightRig rig="threePt" dir="t"/>
+    </dgm:scene3d>
+    <dgm:sp3d/>
+    <dgm:txPr/>
+    <dgm:style>
+      <a:lnRef idx="2">
+        <a:scrgbClr r="0" g="0" b="0"/>
+      </a:lnRef>
+      <a:fillRef idx="1">
+        <a:scrgbClr r="0" g="0" b="0"/>
+      </a:fillRef>
+      <a:effectRef idx="0">
+        <a:scrgbClr r="0" g="0" b="0"/>
+      </a:effectRef>
+      <a:fontRef idx="minor"/>
+    </dgm:style>
+  </dgm:styleLbl>
+  <dgm:styleLbl name="fgAccFollowNode1">
+    <dgm:scene3d>
+      <a:camera prst="orthographicFront"/>
+      <a:lightRig rig="threePt" dir="t"/>
+    </dgm:scene3d>
+    <dgm:sp3d/>
+    <dgm:txPr/>
+    <dgm:style>
+      <a:lnRef idx="2">
+        <a:scrgbClr r="0" g="0" b="0"/>
+      </a:lnRef>
+      <a:fillRef idx="1">
+        <a:scrgbClr r="0" g="0" b="0"/>
+      </a:fillRef>
+      <a:effectRef idx="0">
+        <a:scrgbClr r="0" g="0" b="0"/>
+      </a:effectRef>
+      <a:fontRef idx="minor"/>
+    </dgm:style>
+  </dgm:styleLbl>
+  <dgm:styleLbl name="alignAccFollowNode1">
+    <dgm:scene3d>
+      <a:camera prst="orthographicFront"/>
+      <a:lightRig rig="threePt" dir="t"/>
+    </dgm:scene3d>
+    <dgm:sp3d/>
+    <dgm:txPr/>
+    <dgm:style>
+      <a:lnRef idx="2">
+        <a:scrgbClr r="0" g="0" b="0"/>
+      </a:lnRef>
+      <a:fillRef idx="1">
+        <a:scrgbClr r="0" g="0" b="0"/>
+      </a:fillRef>
+      <a:effectRef idx="0">
+        <a:scrgbClr r="0" g="0" b="0"/>
+      </a:effectRef>
+      <a:fontRef idx="minor"/>
+    </dgm:style>
+  </dgm:styleLbl>
+  <dgm:styleLbl name="bgAccFollowNode1">
+    <dgm:scene3d>
+      <a:camera prst="orthographicFront"/>
+      <a:lightRig rig="threePt" dir="t"/>
+    </dgm:scene3d>
+    <dgm:sp3d/>
+    <dgm:txPr/>
+    <dgm:style>
+      <a:lnRef idx="2">
+        <a:scrgbClr r="0" g="0" b="0"/>
+      </a:lnRef>
+      <a:fillRef idx="1">
+        <a:scrgbClr r="0" g="0" b="0"/>
+      </a:fillRef>
+      <a:effectRef idx="0">
+        <a:scrgbClr r="0" g="0" b="0"/>
+      </a:effectRef>
+      <a:fontRef idx="minor"/>
+    </dgm:style>
+  </dgm:styleLbl>
+  <dgm:styleLbl name="fgAcc0">
+    <dgm:scene3d>
+      <a:camera prst="orthographicFront"/>
+      <a:lightRig rig="threePt" dir="t"/>
+    </dgm:scene3d>
+    <dgm:sp3d/>
+    <dgm:txPr/>
+    <dgm:style>
+      <a:lnRef idx="2">
+        <a:scrgbClr r="0" g="0" b="0"/>
+      </a:lnRef>
+      <a:fillRef idx="1">
+        <a:scrgbClr r="0" g="0" b="0"/>
+      </a:fillRef>
+      <a:effectRef idx="0">
+        <a:scrgbClr r="0" g="0" b="0"/>
+      </a:effectRef>
+      <a:fontRef idx="minor"/>
+    </dgm:style>
+  </dgm:styleLbl>
+  <dgm:styleLbl name="fgAcc2">
+    <dgm:scene3d>
+      <a:camera prst="orthographicFront"/>
+      <a:lightRig rig="threePt" dir="t"/>
+    </dgm:scene3d>
+    <dgm:sp3d/>
+    <dgm:txPr/>
+    <dgm:style>
+      <a:lnRef idx="2">
+        <a:scrgbClr r="0" g="0" b="0"/>
+      </a:lnRef>
+      <a:fillRef idx="1">
+        <a:scrgbClr r="0" g="0" b="0"/>
+      </a:fillRef>
+      <a:effectRef idx="0">
+        <a:scrgbClr r="0" g="0" b="0"/>
+      </a:effectRef>
+      <a:fontRef idx="minor"/>
+    </dgm:style>
+  </dgm:styleLbl>
+  <dgm:styleLbl name="fgAcc3">
+    <dgm:scene3d>
+      <a:camera prst="orthographicFront"/>
+      <a:lightRig rig="threePt" dir="t"/>
+    </dgm:scene3d>
+    <dgm:sp3d/>
+    <dgm:txPr/>
+    <dgm:style>
+      <a:lnRef idx="2">
+        <a:scrgbClr r="0" g="0" b="0"/>
+      </a:lnRef>
+      <a:fillRef idx="1">
+        <a:scrgbClr r="0" g="0" b="0"/>
+      </a:fillRef>
+      <a:effectRef idx="0">
+        <a:scrgbClr r="0" g="0" b="0"/>
+      </a:effectRef>
+      <a:fontRef idx="minor"/>
+    </dgm:style>
+  </dgm:styleLbl>
+  <dgm:styleLbl name="fgAcc4">
+    <dgm:scene3d>
+      <a:camera prst="orthographicFront"/>
+      <a:lightRig rig="threePt" dir="t"/>
+    </dgm:scene3d>
+    <dgm:sp3d/>
+    <dgm:txPr/>
+    <dgm:style>
+      <a:lnRef idx="2">
+        <a:scrgbClr r="0" g="0" b="0"/>
+      </a:lnRef>
+      <a:fillRef idx="1">
+        <a:scrgbClr r="0" g="0" b="0"/>
+      </a:fillRef>
+      <a:effectRef idx="0">
+        <a:scrgbClr r="0" g="0" b="0"/>
+      </a:effectRef>
+      <a:fontRef idx="minor"/>
+    </dgm:style>
+  </dgm:styleLbl>
+  <dgm:styleLbl name="bgShp">
+    <dgm:scene3d>
+      <a:camera prst="orthographicFront"/>
+      <a:lightRig rig="threePt" dir="t"/>
+    </dgm:scene3d>
+    <dgm:sp3d/>
+    <dgm:txPr/>
+    <dgm:style>
+      <a:lnRef idx="0">
+        <a:scrgbClr r="0" g="0" b="0"/>
+      </a:lnRef>
+      <a:fillRef idx="1">
+        <a:scrgbClr r="0" g="0" b="0"/>
+      </a:fillRef>
+      <a:effectRef idx="0">
+        <a:scrgbClr r="0" g="0" b="0"/>
+      </a:effectRef>
+      <a:fontRef idx="minor"/>
+    </dgm:style>
+  </dgm:styleLbl>
+  <dgm:styleLbl name="dkBgShp">
+    <dgm:scene3d>
+      <a:camera prst="orthographicFront"/>
+      <a:lightRig rig="threePt" dir="t"/>
+    </dgm:scene3d>
+    <dgm:sp3d/>
+    <dgm:txPr/>
+    <dgm:style>
+      <a:lnRef idx="0">
+        <a:scrgbClr r="0" g="0" b="0"/>
+      </a:lnRef>
+      <a:fillRef idx="1">
+        <a:scrgbClr r="0" g="0" b="0"/>
+      </a:fillRef>
+      <a:effectRef idx="0">
+        <a:scrgbClr r="0" g="0" b="0"/>
+      </a:effectRef>
+      <a:fontRef idx="minor"/>
+    </dgm:style>
+  </dgm:styleLbl>
+  <dgm:styleLbl name="trBgShp">
+    <dgm:scene3d>
+      <a:camera prst="orthographicFront"/>
+      <a:lightRig rig="threePt" dir="t"/>
+    </dgm:scene3d>
+    <dgm:sp3d/>
+    <dgm:txPr/>
+    <dgm:style>
+      <a:lnRef idx="0">
+        <a:scrgbClr r="0" g="0" b="0"/>
+      </a:lnRef>
+      <a:fillRef idx="1">
+        <a:scrgbClr r="0" g="0" b="0"/>
+      </a:fillRef>
+      <a:effectRef idx="0">
+        <a:scrgbClr r="0" g="0" b="0"/>
+      </a:effectRef>
+      <a:fontRef idx="minor"/>
+    </dgm:style>
+  </dgm:styleLbl>
+  <dgm:styleLbl name="fgShp">
+    <dgm:scene3d>
+      <a:camera prst="orthographicFront"/>
+      <a:lightRig rig="threePt" dir="t"/>
+    </dgm:scene3d>
+    <dgm:sp3d/>
+    <dgm:txPr/>
+    <dgm:style>
+      <a:lnRef idx="2">
+        <a:scrgbClr r="0" g="0" b="0"/>
+      </a:lnRef>
+      <a:fillRef idx="1">
+        <a:scrgbClr r="0" g="0" b="0"/>
+      </a:fillRef>
+      <a:effectRef idx="0">
+        <a:scrgbClr r="0" g="0" b="0"/>
+      </a:effectRef>
+      <a:fontRef idx="minor"/>
+    </dgm:style>
+  </dgm:styleLbl>
+  <dgm:styleLbl name="revTx">
+    <dgm:scene3d>
+      <a:camera prst="orthographicFront"/>
+      <a:lightRig rig="threePt" dir="t"/>
+    </dgm:scene3d>
+    <dgm:sp3d/>
+    <dgm:txPr/>
+    <dgm:style>
+      <a:lnRef idx="0">
+        <a:scrgbClr r="0" g="0" b="0"/>
+      </a:lnRef>
+      <a:fillRef idx="0">
+        <a:scrgbClr r="0" g="0" b="0"/>
+      </a:fillRef>
+      <a:effectRef idx="0">
+        <a:scrgbClr r="0" g="0" b="0"/>
+      </a:effectRef>
+      <a:fontRef idx="minor"/>
+    </dgm:style>
+  </dgm:styleLbl>
+</dgm:styleDef>
+</file>
+
+<file path=ppt/diagrams/quickStyle4.xml><?xml version="1.0" encoding="utf-8"?>
 <dgm:styleDef xmlns:dgm="http://schemas.openxmlformats.org/drawingml/2006/diagram" xmlns:a="http://schemas.openxmlformats.org/drawingml/2006/main" uniqueId="urn:microsoft.com/office/officeart/2005/8/quickstyle/simple1">
   <dgm:title val=""/>
   <dgm:desc val=""/>
@@ -6496,7 +12850,7 @@
           <a:p>
             <a:fld id="{5100E855-DC3F-44F7-B6F1-F5D0C0D1A424}" type="datetimeFigureOut">
               <a:rPr lang="en-US" smtClean="0"/>
-              <a:t>4/5/2021</a:t>
+              <a:t>4/6/2021</a:t>
             </a:fld>
             <a:endParaRPr lang="en-US"/>
           </a:p>
@@ -7168,6 +13522,357 @@
 </p:notes>
 </file>
 
+<file path=ppt/notesSlides/notesSlide2.xml><?xml version="1.0" encoding="utf-8"?>
+<p:notes xmlns:a="http://schemas.openxmlformats.org/drawingml/2006/main" xmlns:r="http://schemas.openxmlformats.org/officeDocument/2006/relationships" xmlns:p="http://schemas.openxmlformats.org/presentationml/2006/main">
+  <p:cSld>
+    <p:spTree>
+      <p:nvGrpSpPr>
+        <p:cNvPr id="1" name=""/>
+        <p:cNvGrpSpPr/>
+        <p:nvPr/>
+      </p:nvGrpSpPr>
+      <p:grpSpPr>
+        <a:xfrm>
+          <a:off x="0" y="0"/>
+          <a:ext cx="0" cy="0"/>
+          <a:chOff x="0" y="0"/>
+          <a:chExt cx="0" cy="0"/>
+        </a:xfrm>
+      </p:grpSpPr>
+      <p:sp>
+        <p:nvSpPr>
+          <p:cNvPr id="2" name="Slide Image Placeholder 1"/>
+          <p:cNvSpPr>
+            <a:spLocks noGrp="1" noRot="1" noChangeAspect="1"/>
+          </p:cNvSpPr>
+          <p:nvPr>
+            <p:ph type="sldImg"/>
+          </p:nvPr>
+        </p:nvSpPr>
+        <p:spPr/>
+      </p:sp>
+      <p:sp>
+        <p:nvSpPr>
+          <p:cNvPr id="3" name="Notes Placeholder 2"/>
+          <p:cNvSpPr>
+            <a:spLocks noGrp="1"/>
+          </p:cNvSpPr>
+          <p:nvPr>
+            <p:ph type="body" idx="1"/>
+          </p:nvPr>
+        </p:nvSpPr>
+        <p:spPr/>
+        <p:txBody>
+          <a:bodyPr/>
+          <a:lstStyle/>
+          <a:p>
+            <a:r>
+              <a:rPr lang="en-US" dirty="0"/>
+              <a:t>Separate invocation from performing. You delegate work to other objects</a:t>
+            </a:r>
+          </a:p>
+          <a:p>
+            <a:r>
+              <a:rPr lang="en-US" dirty="0"/>
+              <a:t>Real world example light and switch</a:t>
+            </a:r>
+          </a:p>
+          <a:p>
+            <a:r>
+              <a:rPr lang="en-US" dirty="0"/>
+              <a:t>Receiver = the one who receives the command</a:t>
+            </a:r>
+          </a:p>
+          <a:p>
+            <a:r>
+              <a:rPr lang="en-US" dirty="0"/>
+              <a:t>Invoker = the one who sends the command </a:t>
+            </a:r>
+          </a:p>
+          <a:p>
+            <a:r>
+              <a:rPr lang="en-US" dirty="0"/>
+              <a:t>The client does not execute the command directly on the receiver, but it sends it to the Command through the Invoker.</a:t>
+            </a:r>
+          </a:p>
+          <a:p>
+            <a:r>
+              <a:rPr lang="en-US" dirty="0"/>
+              <a:t>Macro command = it receives multiple receivers in the constructor</a:t>
+            </a:r>
+          </a:p>
+          <a:p>
+            <a:r>
+              <a:rPr lang="en-US" dirty="0"/>
+              <a:t>On short, the implementation forces you to have a method in all commands, “execute”, “run”, and you have the receiver object and the parameters available, you just have to call the given command</a:t>
+            </a:r>
+          </a:p>
+          <a:p>
+            <a:r>
+              <a:rPr lang="en-US" dirty="0"/>
+              <a:t>You can use for operation Java reflection or C++ pointers</a:t>
+            </a:r>
+          </a:p>
+        </p:txBody>
+      </p:sp>
+      <p:sp>
+        <p:nvSpPr>
+          <p:cNvPr id="4" name="Slide Number Placeholder 3"/>
+          <p:cNvSpPr>
+            <a:spLocks noGrp="1"/>
+          </p:cNvSpPr>
+          <p:nvPr>
+            <p:ph type="sldNum" sz="quarter" idx="5"/>
+          </p:nvPr>
+        </p:nvSpPr>
+        <p:spPr/>
+        <p:txBody>
+          <a:bodyPr/>
+          <a:lstStyle/>
+          <a:p>
+            <a:fld id="{378EC67B-05AF-45BD-9870-8FF3B10B57E3}" type="slidenum">
+              <a:rPr lang="en-US" smtClean="0"/>
+              <a:t>5</a:t>
+            </a:fld>
+            <a:endParaRPr lang="en-US"/>
+          </a:p>
+        </p:txBody>
+      </p:sp>
+    </p:spTree>
+    <p:extLst>
+      <p:ext uri="{BB962C8B-B14F-4D97-AF65-F5344CB8AC3E}">
+        <p14:creationId xmlns:p14="http://schemas.microsoft.com/office/powerpoint/2010/main" val="989695710"/>
+      </p:ext>
+    </p:extLst>
+  </p:cSld>
+  <p:clrMapOvr>
+    <a:masterClrMapping/>
+  </p:clrMapOvr>
+</p:notes>
+</file>
+
+<file path=ppt/notesSlides/notesSlide3.xml><?xml version="1.0" encoding="utf-8"?>
+<p:notes xmlns:a="http://schemas.openxmlformats.org/drawingml/2006/main" xmlns:r="http://schemas.openxmlformats.org/officeDocument/2006/relationships" xmlns:p="http://schemas.openxmlformats.org/presentationml/2006/main">
+  <p:cSld>
+    <p:spTree>
+      <p:nvGrpSpPr>
+        <p:cNvPr id="1" name=""/>
+        <p:cNvGrpSpPr/>
+        <p:nvPr/>
+      </p:nvGrpSpPr>
+      <p:grpSpPr>
+        <a:xfrm>
+          <a:off x="0" y="0"/>
+          <a:ext cx="0" cy="0"/>
+          <a:chOff x="0" y="0"/>
+          <a:chExt cx="0" cy="0"/>
+        </a:xfrm>
+      </p:grpSpPr>
+      <p:sp>
+        <p:nvSpPr>
+          <p:cNvPr id="2" name="Slide Image Placeholder 1"/>
+          <p:cNvSpPr>
+            <a:spLocks noGrp="1" noRot="1" noChangeAspect="1"/>
+          </p:cNvSpPr>
+          <p:nvPr>
+            <p:ph type="sldImg"/>
+          </p:nvPr>
+        </p:nvSpPr>
+        <p:spPr/>
+      </p:sp>
+      <p:sp>
+        <p:nvSpPr>
+          <p:cNvPr id="3" name="Notes Placeholder 2"/>
+          <p:cNvSpPr>
+            <a:spLocks noGrp="1"/>
+          </p:cNvSpPr>
+          <p:nvPr>
+            <p:ph type="body" idx="1"/>
+          </p:nvPr>
+        </p:nvSpPr>
+        <p:spPr/>
+        <p:txBody>
+          <a:bodyPr/>
+          <a:lstStyle/>
+          <a:p>
+            <a:r>
+              <a:rPr lang="en-US" dirty="0"/>
+              <a:t>Mediator eliminates communication between objects. It forces them to communicate through a mediator.</a:t>
+            </a:r>
+          </a:p>
+          <a:p>
+            <a:r>
+              <a:rPr lang="en-US" dirty="0"/>
+              <a:t>As the dictionary says, it occupies a middle position.</a:t>
+            </a:r>
+          </a:p>
+          <a:p>
+            <a:r>
+              <a:rPr lang="en-US" dirty="0"/>
+              <a:t>Common use cases: chat application, UI forms, think of a login/register form, or create/edit something form.</a:t>
+            </a:r>
+          </a:p>
+          <a:p>
+            <a:r>
+              <a:rPr lang="en-US" dirty="0"/>
+              <a:t>The pitfall here is to create the so-called God object, knows too much, does too much</a:t>
+            </a:r>
+          </a:p>
+          <a:p>
+            <a:r>
+              <a:rPr lang="en-US" dirty="0"/>
+              <a:t>Only the mediator knows about colleagues/components, they don’t know about each other. </a:t>
+            </a:r>
+          </a:p>
+          <a:p>
+            <a:r>
+              <a:rPr lang="en-US" dirty="0"/>
+              <a:t>The mediator is responsible of defining the interaction between components.</a:t>
+            </a:r>
+          </a:p>
+          <a:p>
+            <a:r>
+              <a:rPr lang="en-US" dirty="0"/>
+              <a:t>The main advantages are that it minimize inheritance and it has loose coupling.</a:t>
+            </a:r>
+          </a:p>
+        </p:txBody>
+      </p:sp>
+      <p:sp>
+        <p:nvSpPr>
+          <p:cNvPr id="4" name="Slide Number Placeholder 3"/>
+          <p:cNvSpPr>
+            <a:spLocks noGrp="1"/>
+          </p:cNvSpPr>
+          <p:nvPr>
+            <p:ph type="sldNum" sz="quarter" idx="5"/>
+          </p:nvPr>
+        </p:nvSpPr>
+        <p:spPr/>
+        <p:txBody>
+          <a:bodyPr/>
+          <a:lstStyle/>
+          <a:p>
+            <a:fld id="{378EC67B-05AF-45BD-9870-8FF3B10B57E3}" type="slidenum">
+              <a:rPr lang="en-US" smtClean="0"/>
+              <a:t>7</a:t>
+            </a:fld>
+            <a:endParaRPr lang="en-US"/>
+          </a:p>
+        </p:txBody>
+      </p:sp>
+    </p:spTree>
+    <p:extLst>
+      <p:ext uri="{BB962C8B-B14F-4D97-AF65-F5344CB8AC3E}">
+        <p14:creationId xmlns:p14="http://schemas.microsoft.com/office/powerpoint/2010/main" val="1747027201"/>
+      </p:ext>
+    </p:extLst>
+  </p:cSld>
+  <p:clrMapOvr>
+    <a:masterClrMapping/>
+  </p:clrMapOvr>
+</p:notes>
+</file>
+
+<file path=ppt/notesSlides/notesSlide4.xml><?xml version="1.0" encoding="utf-8"?>
+<p:notes xmlns:a="http://schemas.openxmlformats.org/drawingml/2006/main" xmlns:r="http://schemas.openxmlformats.org/officeDocument/2006/relationships" xmlns:p="http://schemas.openxmlformats.org/presentationml/2006/main">
+  <p:cSld>
+    <p:spTree>
+      <p:nvGrpSpPr>
+        <p:cNvPr id="1" name=""/>
+        <p:cNvGrpSpPr/>
+        <p:nvPr/>
+      </p:nvGrpSpPr>
+      <p:grpSpPr>
+        <a:xfrm>
+          <a:off x="0" y="0"/>
+          <a:ext cx="0" cy="0"/>
+          <a:chOff x="0" y="0"/>
+          <a:chExt cx="0" cy="0"/>
+        </a:xfrm>
+      </p:grpSpPr>
+      <p:sp>
+        <p:nvSpPr>
+          <p:cNvPr id="2" name="Slide Image Placeholder 1"/>
+          <p:cNvSpPr>
+            <a:spLocks noGrp="1" noRot="1" noChangeAspect="1"/>
+          </p:cNvSpPr>
+          <p:nvPr>
+            <p:ph type="sldImg"/>
+          </p:nvPr>
+        </p:nvSpPr>
+        <p:spPr/>
+      </p:sp>
+      <p:sp>
+        <p:nvSpPr>
+          <p:cNvPr id="3" name="Notes Placeholder 2"/>
+          <p:cNvSpPr>
+            <a:spLocks noGrp="1"/>
+          </p:cNvSpPr>
+          <p:nvPr>
+            <p:ph type="body" idx="1"/>
+          </p:nvPr>
+        </p:nvSpPr>
+        <p:spPr/>
+        <p:txBody>
+          <a:bodyPr/>
+          <a:lstStyle/>
+          <a:p>
+            <a:r>
+              <a:rPr lang="en-US" dirty="0"/>
+              <a:t>We use iterators a lot in out daily lives. How we look into nature with our eyes, how a secretary knows all the files, how we decide to get dressed, how we switch between TV channels.</a:t>
+            </a:r>
+          </a:p>
+          <a:p>
+            <a:r>
+              <a:rPr lang="en-US" dirty="0"/>
+              <a:t>Iterator can traverse Composites, in your implementations.</a:t>
+            </a:r>
+          </a:p>
+          <a:p>
+            <a:r>
+              <a:rPr lang="en-US" dirty="0"/>
+              <a:t>It can be slower  </a:t>
+            </a:r>
+          </a:p>
+        </p:txBody>
+      </p:sp>
+      <p:sp>
+        <p:nvSpPr>
+          <p:cNvPr id="4" name="Slide Number Placeholder 3"/>
+          <p:cNvSpPr>
+            <a:spLocks noGrp="1"/>
+          </p:cNvSpPr>
+          <p:nvPr>
+            <p:ph type="sldNum" sz="quarter" idx="5"/>
+          </p:nvPr>
+        </p:nvSpPr>
+        <p:spPr/>
+        <p:txBody>
+          <a:bodyPr/>
+          <a:lstStyle/>
+          <a:p>
+            <a:fld id="{378EC67B-05AF-45BD-9870-8FF3B10B57E3}" type="slidenum">
+              <a:rPr lang="en-US" smtClean="0"/>
+              <a:t>9</a:t>
+            </a:fld>
+            <a:endParaRPr lang="en-US"/>
+          </a:p>
+        </p:txBody>
+      </p:sp>
+    </p:spTree>
+    <p:extLst>
+      <p:ext uri="{BB962C8B-B14F-4D97-AF65-F5344CB8AC3E}">
+        <p14:creationId xmlns:p14="http://schemas.microsoft.com/office/powerpoint/2010/main" val="3801968762"/>
+      </p:ext>
+    </p:extLst>
+  </p:cSld>
+  <p:clrMapOvr>
+    <a:masterClrMapping/>
+  </p:clrMapOvr>
+</p:notes>
+</file>
+
 <file path=ppt/slideLayouts/slideLayout1.xml><?xml version="1.0" encoding="utf-8"?>
 <p:sldLayout xmlns:a="http://schemas.openxmlformats.org/drawingml/2006/main" xmlns:r="http://schemas.openxmlformats.org/officeDocument/2006/relationships" xmlns:p="http://schemas.openxmlformats.org/presentationml/2006/main" showMasterSp="0" type="title" preserve="1">
   <p:cSld name="Title Slide">
@@ -7412,7 +14117,7 @@
           <a:p>
             <a:fld id="{9184DA70-C731-4C70-880D-CCD4705E623C}" type="datetime1">
               <a:rPr lang="en-US" smtClean="0"/>
-              <a:t>4/5/2021</a:t>
+              <a:t>4/6/2021</a:t>
             </a:fld>
             <a:endParaRPr lang="en-US" dirty="0"/>
           </a:p>
@@ -7600,7 +14305,7 @@
           <a:p>
             <a:fld id="{4BE1D723-8F53-4F53-90B0-1982A396982E}" type="datetime1">
               <a:rPr lang="en-US" smtClean="0"/>
-              <a:t>4/5/2021</a:t>
+              <a:t>4/6/2021</a:t>
             </a:fld>
             <a:endParaRPr lang="en-US" dirty="0"/>
           </a:p>
@@ -7973,7 +14678,7 @@
           <a:p>
             <a:fld id="{97669AF7-7BEB-44E4-9852-375E34362B5B}" type="datetime1">
               <a:rPr lang="en-US" smtClean="0"/>
-              <a:t>4/5/2021</a:t>
+              <a:t>4/6/2021</a:t>
             </a:fld>
             <a:endParaRPr lang="en-US" dirty="0"/>
           </a:p>
@@ -8228,7 +14933,7 @@
           <a:p>
             <a:fld id="{BAAAC38D-0552-4C82-B593-E6124DFADBE2}" type="datetime1">
               <a:rPr lang="en-US" smtClean="0"/>
-              <a:t>4/5/2021</a:t>
+              <a:t>4/6/2021</a:t>
             </a:fld>
             <a:endParaRPr lang="en-US" dirty="0"/>
           </a:p>
@@ -8625,7 +15330,7 @@
           <a:p>
             <a:fld id="{D9DF0F1C-5577-4ACB-BB62-DF8F3C494C7E}" type="datetime1">
               <a:rPr lang="en-US" smtClean="0"/>
-              <a:t>4/5/2021</a:t>
+              <a:t>4/6/2021</a:t>
             </a:fld>
             <a:endParaRPr lang="en-US" dirty="0"/>
           </a:p>
@@ -8761,7 +15466,7 @@
           <a:p>
             <a:fld id="{1775B394-D9F9-4F0C-B15D-605F45CB9E9F}" type="datetime1">
               <a:rPr lang="en-US" smtClean="0"/>
-              <a:t>4/5/2021</a:t>
+              <a:t>4/6/2021</a:t>
             </a:fld>
             <a:endParaRPr lang="en-US" dirty="0"/>
           </a:p>
@@ -8918,7 +15623,7 @@
           <a:p>
             <a:fld id="{39667345-2558-425A-8533-9BFDBCE15005}" type="datetime1">
               <a:rPr lang="en-US" smtClean="0"/>
-              <a:t>4/5/2021</a:t>
+              <a:t>4/6/2021</a:t>
             </a:fld>
             <a:endParaRPr lang="en-US" dirty="0"/>
           </a:p>
@@ -9247,7 +15952,7 @@
           <a:p>
             <a:fld id="{92BEA474-078D-4E9B-9B14-09A87B19DC46}" type="datetime1">
               <a:rPr lang="en-US" smtClean="0"/>
-              <a:t>4/5/2021</a:t>
+              <a:t>4/6/2021</a:t>
             </a:fld>
             <a:endParaRPr lang="en-US" dirty="0"/>
           </a:p>
@@ -9597,7 +16302,7 @@
           <a:p>
             <a:fld id="{4907D986-8816-4272-A432-0437A28A9828}" type="datetime1">
               <a:rPr lang="en-US" smtClean="0"/>
-              <a:t>4/5/2021</a:t>
+              <a:t>4/6/2021</a:t>
             </a:fld>
             <a:endParaRPr lang="en-US" dirty="0"/>
           </a:p>
@@ -9858,7 +16563,7 @@
           <a:p>
             <a:fld id="{62D6E202-B606-4609-B914-27C9371A1F6D}" type="datetime1">
               <a:rPr lang="en-US" smtClean="0"/>
-              <a:t>4/5/2021</a:t>
+              <a:t>4/6/2021</a:t>
             </a:fld>
             <a:endParaRPr lang="en-US" dirty="0"/>
           </a:p>
@@ -10823,6 +17528,295 @@
 </p:sld>
 </file>
 
+<file path=ppt/slides/slide10.xml><?xml version="1.0" encoding="utf-8"?>
+<p:sld xmlns:a="http://schemas.openxmlformats.org/drawingml/2006/main" xmlns:r="http://schemas.openxmlformats.org/officeDocument/2006/relationships" xmlns:p="http://schemas.openxmlformats.org/presentationml/2006/main">
+  <p:cSld>
+    <p:spTree>
+      <p:nvGrpSpPr>
+        <p:cNvPr id="1" name=""/>
+        <p:cNvGrpSpPr/>
+        <p:nvPr/>
+      </p:nvGrpSpPr>
+      <p:grpSpPr>
+        <a:xfrm>
+          <a:off x="0" y="0"/>
+          <a:ext cx="0" cy="0"/>
+          <a:chOff x="0" y="0"/>
+          <a:chExt cx="0" cy="0"/>
+        </a:xfrm>
+      </p:grpSpPr>
+      <p:sp>
+        <p:nvSpPr>
+          <p:cNvPr id="5" name="Title 4">
+            <a:extLst>
+              <a:ext uri="{FF2B5EF4-FFF2-40B4-BE49-F238E27FC236}">
+                <a16:creationId xmlns:a16="http://schemas.microsoft.com/office/drawing/2014/main" id="{15DE6CDC-3760-4614-8575-CB1459F11CD8}"/>
+              </a:ext>
+            </a:extLst>
+          </p:cNvPr>
+          <p:cNvSpPr>
+            <a:spLocks noGrp="1"/>
+          </p:cNvSpPr>
+          <p:nvPr>
+            <p:ph type="title"/>
+          </p:nvPr>
+        </p:nvSpPr>
+        <p:spPr/>
+        <p:txBody>
+          <a:bodyPr>
+            <a:normAutofit/>
+          </a:bodyPr>
+          <a:lstStyle/>
+          <a:p>
+            <a:r>
+              <a:rPr lang="en-US" dirty="0"/>
+              <a:t>Iterator in a few words + examples from open-source projects</a:t>
+            </a:r>
+          </a:p>
+        </p:txBody>
+      </p:sp>
+      <p:graphicFrame>
+        <p:nvGraphicFramePr>
+          <p:cNvPr id="10" name="Content Placeholder 5">
+            <a:extLst>
+              <a:ext uri="{FF2B5EF4-FFF2-40B4-BE49-F238E27FC236}">
+                <a16:creationId xmlns:a16="http://schemas.microsoft.com/office/drawing/2014/main" id="{1DA604AA-B0C5-4DE1-8F1A-F3546A2ED7F0}"/>
+              </a:ext>
+            </a:extLst>
+          </p:cNvPr>
+          <p:cNvGraphicFramePr>
+            <a:graphicFrameLocks noGrp="1"/>
+          </p:cNvGraphicFramePr>
+          <p:nvPr>
+            <p:ph sz="half" idx="1"/>
+            <p:extLst>
+              <p:ext uri="{D42A27DB-BD31-4B8C-83A1-F6EECF244321}">
+                <p14:modId xmlns:p14="http://schemas.microsoft.com/office/powerpoint/2010/main" val="3968255056"/>
+              </p:ext>
+            </p:extLst>
+          </p:nvPr>
+        </p:nvGraphicFramePr>
+        <p:xfrm>
+          <a:off x="1097280" y="2120900"/>
+          <a:ext cx="4639736" cy="3748193"/>
+        </p:xfrm>
+        <a:graphic>
+          <a:graphicData uri="http://schemas.openxmlformats.org/drawingml/2006/diagram">
+            <dgm:relIds xmlns:dgm="http://schemas.openxmlformats.org/drawingml/2006/diagram" xmlns:r="http://schemas.openxmlformats.org/officeDocument/2006/relationships" r:dm="rId2" r:lo="rId3" r:qs="rId4" r:cs="rId5"/>
+          </a:graphicData>
+        </a:graphic>
+      </p:graphicFrame>
+      <p:sp>
+        <p:nvSpPr>
+          <p:cNvPr id="7" name="Content Placeholder 6">
+            <a:extLst>
+              <a:ext uri="{FF2B5EF4-FFF2-40B4-BE49-F238E27FC236}">
+                <a16:creationId xmlns:a16="http://schemas.microsoft.com/office/drawing/2014/main" id="{DB492ABE-1506-4371-999F-C690661B3366}"/>
+              </a:ext>
+            </a:extLst>
+          </p:cNvPr>
+          <p:cNvSpPr>
+            <a:spLocks noGrp="1"/>
+          </p:cNvSpPr>
+          <p:nvPr>
+            <p:ph sz="half" idx="2"/>
+          </p:nvPr>
+        </p:nvSpPr>
+        <p:spPr>
+          <a:xfrm>
+            <a:off x="6363093" y="2120899"/>
+            <a:ext cx="4911365" cy="3748194"/>
+          </a:xfrm>
+        </p:spPr>
+        <p:txBody>
+          <a:bodyPr>
+            <a:normAutofit/>
+          </a:bodyPr>
+          <a:lstStyle/>
+          <a:p>
+            <a:r>
+              <a:rPr lang="en-US" dirty="0"/>
+              <a:t>C#: </a:t>
+            </a:r>
+            <a:r>
+              <a:rPr lang="en-US" b="0" i="0" dirty="0" err="1">
+                <a:solidFill>
+                  <a:srgbClr val="242729"/>
+                </a:solidFill>
+                <a:effectLst/>
+              </a:rPr>
+              <a:t>System.Collections.Ienumerable</a:t>
+            </a:r>
+            <a:r>
+              <a:rPr lang="en-US" b="0" i="0" dirty="0">
+                <a:solidFill>
+                  <a:srgbClr val="242729"/>
+                </a:solidFill>
+                <a:effectLst/>
+              </a:rPr>
+              <a:t>, </a:t>
+            </a:r>
+            <a:r>
+              <a:rPr lang="en-US" b="0" i="0" dirty="0" err="1">
+                <a:solidFill>
+                  <a:srgbClr val="242729"/>
+                </a:solidFill>
+                <a:effectLst/>
+              </a:rPr>
+              <a:t>System.Data.IDataReader</a:t>
+            </a:r>
+            <a:endParaRPr lang="en-US" b="0" i="0" dirty="0">
+              <a:solidFill>
+                <a:srgbClr val="242729"/>
+              </a:solidFill>
+              <a:effectLst/>
+            </a:endParaRPr>
+          </a:p>
+          <a:p>
+            <a:r>
+              <a:rPr lang="en-US" dirty="0"/>
+              <a:t>Java: </a:t>
+            </a:r>
+            <a:r>
+              <a:rPr lang="en-US" dirty="0" err="1"/>
+              <a:t>java.util.Iterator</a:t>
+            </a:r>
+            <a:endParaRPr lang="en-US" dirty="0"/>
+          </a:p>
+          <a:p>
+            <a:r>
+              <a:rPr lang="en-US" dirty="0"/>
+              <a:t>foreach (in several languages)</a:t>
+            </a:r>
+          </a:p>
+          <a:p>
+            <a:r>
+              <a:rPr lang="en-US" dirty="0"/>
+              <a:t>Generators (Python and JavaScript)</a:t>
+            </a:r>
+          </a:p>
+        </p:txBody>
+      </p:sp>
+      <p:sp>
+        <p:nvSpPr>
+          <p:cNvPr id="8" name="Rectangle 1">
+            <a:extLst>
+              <a:ext uri="{FF2B5EF4-FFF2-40B4-BE49-F238E27FC236}">
+                <a16:creationId xmlns:a16="http://schemas.microsoft.com/office/drawing/2014/main" id="{B065E2E4-AE49-41FC-8842-63643489E193}"/>
+              </a:ext>
+            </a:extLst>
+          </p:cNvPr>
+          <p:cNvSpPr>
+            <a:spLocks noChangeArrowheads="1"/>
+          </p:cNvSpPr>
+          <p:nvPr/>
+        </p:nvSpPr>
+        <p:spPr bwMode="auto">
+          <a:xfrm>
+            <a:off x="0" y="159350"/>
+            <a:ext cx="25648" cy="138499"/>
+          </a:xfrm>
+          <a:prstGeom prst="rect">
+            <a:avLst/>
+          </a:prstGeom>
+          <a:noFill/>
+          <a:ln>
+            <a:noFill/>
+          </a:ln>
+          <a:effectLst/>
+          <a:extLst>
+            <a:ext uri="{909E8E84-426E-40DD-AFC4-6F175D3DCCD1}">
+              <a14:hiddenFill xmlns:a14="http://schemas.microsoft.com/office/drawing/2010/main">
+                <a:solidFill>
+                  <a:schemeClr val="accent1"/>
+                </a:solidFill>
+              </a14:hiddenFill>
+            </a:ext>
+            <a:ext uri="{91240B29-F687-4F45-9708-019B960494DF}">
+              <a14:hiddenLine xmlns:a14="http://schemas.microsoft.com/office/drawing/2010/main" w="9525">
+                <a:solidFill>
+                  <a:schemeClr val="tx1"/>
+                </a:solidFill>
+                <a:miter lim="800000"/>
+                <a:headEnd/>
+                <a:tailEnd/>
+              </a14:hiddenLine>
+            </a:ext>
+            <a:ext uri="{AF507438-7753-43E0-B8FC-AC1667EBCBE1}">
+              <a14:hiddenEffects xmlns:a14="http://schemas.microsoft.com/office/drawing/2010/main">
+                <a:effectLst>
+                  <a:outerShdw dist="35921" dir="2700000" algn="ctr" rotWithShape="0">
+                    <a:schemeClr val="bg2"/>
+                  </a:outerShdw>
+                </a:effectLst>
+              </a14:hiddenEffects>
+            </a:ext>
+          </a:extLst>
+        </p:spPr>
+        <p:txBody>
+          <a:bodyPr vert="horz" wrap="none" lIns="0" tIns="0" rIns="0" bIns="0" numCol="1" anchor="ctr" anchorCtr="0" compatLnSpc="1">
+            <a:prstTxWarp prst="textNoShape">
+              <a:avLst/>
+            </a:prstTxWarp>
+            <a:spAutoFit/>
+          </a:bodyPr>
+          <a:lstStyle/>
+          <a:p>
+            <a:pPr marL="0" marR="0" lvl="0" indent="0" algn="l" defTabSz="914400" rtl="0" eaLnBrk="0" fontAlgn="base" latinLnBrk="0" hangingPunct="0">
+              <a:lnSpc>
+                <a:spcPct val="100000"/>
+              </a:lnSpc>
+              <a:spcBef>
+                <a:spcPct val="0"/>
+              </a:spcBef>
+              <a:spcAft>
+                <a:spcPct val="0"/>
+              </a:spcAft>
+              <a:buClrTx/>
+              <a:buSzTx/>
+              <a:buFontTx/>
+              <a:buNone/>
+              <a:tabLst/>
+            </a:pPr>
+            <a:r>
+              <a:rPr kumimoji="0" lang="en-US" altLang="en-US" sz="900" b="0" i="0" u="none" strike="noStrike" cap="none" normalizeH="0" baseline="0" dirty="0">
+                <a:ln>
+                  <a:noFill/>
+                </a:ln>
+                <a:solidFill>
+                  <a:schemeClr val="tx1"/>
+                </a:solidFill>
+                <a:effectLst/>
+                <a:latin typeface="inherit"/>
+              </a:rPr>
+              <a:t> </a:t>
+            </a:r>
+            <a:endParaRPr kumimoji="0" lang="en-US" altLang="en-US" sz="1800" b="0" i="0" u="none" strike="noStrike" cap="none" normalizeH="0" baseline="0" dirty="0">
+              <a:ln>
+                <a:noFill/>
+              </a:ln>
+              <a:solidFill>
+                <a:schemeClr val="tx1"/>
+              </a:solidFill>
+              <a:effectLst/>
+              <a:latin typeface="Arial" panose="020B0604020202020204" pitchFamily="34" charset="0"/>
+            </a:endParaRPr>
+          </a:p>
+        </p:txBody>
+      </p:sp>
+    </p:spTree>
+    <p:extLst>
+      <p:ext uri="{BB962C8B-B14F-4D97-AF65-F5344CB8AC3E}">
+        <p14:creationId xmlns:p14="http://schemas.microsoft.com/office/powerpoint/2010/main" val="1411694423"/>
+      </p:ext>
+    </p:extLst>
+  </p:cSld>
+  <p:clrMapOvr>
+    <a:masterClrMapping/>
+  </p:clrMapOvr>
+</p:sld>
+</file>
+
 <file path=ppt/slides/slide2.xml><?xml version="1.0" encoding="utf-8"?>
 <p:sld xmlns:a="http://schemas.openxmlformats.org/drawingml/2006/main" xmlns:r="http://schemas.openxmlformats.org/officeDocument/2006/relationships" xmlns:p="http://schemas.openxmlformats.org/presentationml/2006/main">
   <p:cSld>
@@ -12267,7 +19261,7 @@
             <a:pPr algn="r"/>
             <a:r>
               <a:rPr lang="en-US" sz="4000" dirty="0"/>
-              <a:t>Mediator</a:t>
+              <a:t>Command</a:t>
             </a:r>
           </a:p>
         </p:txBody>
@@ -12369,7 +19363,7 @@
             </a:r>
             <a:r>
               <a:rPr lang="en-US" dirty="0"/>
-              <a:t>: </a:t>
+              <a:t>: Components coupled too tight with business logic</a:t>
             </a:r>
           </a:p>
           <a:p>
@@ -12390,17 +19384,17 @@
             </a:r>
             <a:r>
               <a:rPr lang="en-US" dirty="0"/>
-              <a:t>:</a:t>
+              <a:t>: Create intermediary objects that are able to handle commands, separate invocation from performing </a:t>
             </a:r>
           </a:p>
         </p:txBody>
       </p:sp>
       <p:pic>
         <p:nvPicPr>
-          <p:cNvPr id="2" name="Picture 2" descr="Structure of the Mediator design pattern">
+          <p:cNvPr id="1032" name="Picture 8" descr="Structure of the Command design pattern">
             <a:extLst>
               <a:ext uri="{FF2B5EF4-FFF2-40B4-BE49-F238E27FC236}">
-                <a16:creationId xmlns:a16="http://schemas.microsoft.com/office/drawing/2014/main" id="{125380CC-11FF-4950-BF22-DF3FE4E05C7B}"/>
+                <a16:creationId xmlns:a16="http://schemas.microsoft.com/office/drawing/2014/main" id="{1AB96FD3-745B-47A4-A20D-C1C60859CD08}"/>
               </a:ext>
             </a:extLst>
           </p:cNvPr>
@@ -12410,7 +19404,7 @@
           <p:nvPr/>
         </p:nvPicPr>
         <p:blipFill>
-          <a:blip r:embed="rId2">
+          <a:blip r:embed="rId3">
             <a:extLst>
               <a:ext uri="{28A0092B-C50C-407E-A947-70E740481C1C}">
                 <a14:useLocalDpi xmlns:a14="http://schemas.microsoft.com/office/drawing/2010/main" val="0"/>
@@ -12424,8 +19418,8 @@
         </p:blipFill>
         <p:spPr bwMode="auto">
           <a:xfrm>
-            <a:off x="3344270" y="228867"/>
-            <a:ext cx="4953000" cy="4095750"/>
+            <a:off x="2999075" y="398214"/>
+            <a:ext cx="6193850" cy="3637658"/>
           </a:xfrm>
           <a:prstGeom prst="rect">
             <a:avLst/>
@@ -12445,7 +19439,7 @@
     </p:spTree>
     <p:extLst>
       <p:ext uri="{BB962C8B-B14F-4D97-AF65-F5344CB8AC3E}">
-        <p14:creationId xmlns:p14="http://schemas.microsoft.com/office/powerpoint/2010/main" val="3087674750"/>
+        <p14:creationId xmlns:p14="http://schemas.microsoft.com/office/powerpoint/2010/main" val="1610630366"/>
       </p:ext>
     </p:extLst>
   </p:cSld>
@@ -12497,7 +19491,7 @@
           <a:p>
             <a:r>
               <a:rPr lang="en-US" dirty="0"/>
-              <a:t>Mediator in a few words + examples from open-source projects</a:t>
+              <a:t>Command in a few words + examples from open-source projects</a:t>
             </a:r>
           </a:p>
         </p:txBody>
@@ -12518,7 +19512,7 @@
             <p:ph sz="half" idx="1"/>
             <p:extLst>
               <p:ext uri="{D42A27DB-BD31-4B8C-83A1-F6EECF244321}">
-                <p14:modId xmlns:p14="http://schemas.microsoft.com/office/powerpoint/2010/main" val="1869364889"/>
+                <p14:modId xmlns:p14="http://schemas.microsoft.com/office/powerpoint/2010/main" val="3192795080"/>
               </p:ext>
             </p:extLst>
           </p:nvPr>
@@ -12551,193 +19545,62 @@
         </p:nvSpPr>
         <p:spPr>
           <a:xfrm>
-            <a:off x="6363093" y="2120899"/>
-            <a:ext cx="4911365" cy="3748194"/>
+            <a:off x="6515943" y="2120900"/>
+            <a:ext cx="5041647" cy="3748194"/>
           </a:xfrm>
         </p:spPr>
         <p:txBody>
           <a:bodyPr>
-            <a:normAutofit lnSpcReduction="10000"/>
+            <a:normAutofit/>
           </a:bodyPr>
           <a:lstStyle/>
           <a:p>
             <a:r>
               <a:rPr lang="en-US" dirty="0"/>
-              <a:t>C#: </a:t>
-            </a:r>
-            <a:r>
-              <a:rPr lang="en-US" b="0" i="0" dirty="0" err="1">
-                <a:solidFill>
-                  <a:srgbClr val="242729"/>
-                </a:solidFill>
-                <a:effectLst/>
-              </a:rPr>
-              <a:t>System.Threading.Timer</a:t>
-            </a:r>
-            <a:endParaRPr lang="en-US" b="0" i="0" dirty="0">
-              <a:solidFill>
-                <a:srgbClr val="242729"/>
-              </a:solidFill>
-              <a:effectLst/>
-            </a:endParaRPr>
+              <a:t>Java: </a:t>
+            </a:r>
+            <a:r>
+              <a:rPr lang="en-US" dirty="0" err="1"/>
+              <a:t>java.lang.Runnable</a:t>
+            </a:r>
+            <a:r>
+              <a:rPr lang="en-US" dirty="0"/>
+              <a:t>, </a:t>
+            </a:r>
+            <a:r>
+              <a:rPr lang="en-US" dirty="0" err="1"/>
+              <a:t>javax.swing.Action</a:t>
+            </a:r>
+            <a:endParaRPr lang="en-US" dirty="0"/>
           </a:p>
           <a:p>
             <a:r>
               <a:rPr lang="en-US" dirty="0"/>
-              <a:t>Java: </a:t>
-            </a:r>
+              <a:t>C#: </a:t>
+            </a:r>
+            <a:r>
+              <a:rPr lang="en-US" dirty="0" err="1"/>
+              <a:t>System.Windows.RoutedEventArgs</a:t>
+            </a:r>
+            <a:endParaRPr lang="en-US" dirty="0"/>
           </a:p>
           <a:p>
-            <a:pPr algn="l">
-              <a:buFont typeface="Arial" panose="020B0604020202020204" pitchFamily="34" charset="0"/>
-              <a:buChar char="•"/>
-            </a:pPr>
-            <a:r>
-              <a:rPr lang="en-US" b="0" i="0" dirty="0">
-                <a:solidFill>
-                  <a:srgbClr val="373B41"/>
-                </a:solidFill>
-                <a:effectLst/>
-              </a:rPr>
-              <a:t> </a:t>
-            </a:r>
-            <a:r>
-              <a:rPr lang="en-US" b="0" i="0" dirty="0" err="1">
-                <a:solidFill>
-                  <a:srgbClr val="373B41"/>
-                </a:solidFill>
-                <a:effectLst/>
-              </a:rPr>
-              <a:t>scheduleXXX</a:t>
-            </a:r>
-            <a:r>
-              <a:rPr lang="en-US" b="0" i="0" dirty="0">
-                <a:solidFill>
-                  <a:srgbClr val="373B41"/>
-                </a:solidFill>
-                <a:effectLst/>
-              </a:rPr>
-              <a:t>() methods of </a:t>
-            </a:r>
-            <a:r>
-              <a:rPr lang="en-US" b="0" i="0" u="none" strike="noStrike" dirty="0" err="1">
-                <a:solidFill>
-                  <a:srgbClr val="81A2BE"/>
-                </a:solidFill>
-                <a:effectLst/>
+            <a:r>
+              <a:rPr lang="en-US" dirty="0"/>
+              <a:t>Extra docs: </a:t>
+            </a:r>
+            <a:r>
+              <a:rPr lang="en-US" dirty="0">
                 <a:hlinkClick r:id="rId7"/>
               </a:rPr>
-              <a:t>java.util.Timer</a:t>
-            </a:r>
-            <a:endParaRPr lang="en-US" b="0" i="0" dirty="0">
-              <a:solidFill>
-                <a:srgbClr val="373B41"/>
-              </a:solidFill>
-              <a:effectLst/>
-            </a:endParaRPr>
+              <a:t>https://sourcemaking.com/design_patterns/command</a:t>
+            </a:r>
+            <a:endParaRPr lang="en-US" dirty="0"/>
           </a:p>
           <a:p>
-            <a:pPr algn="l">
-              <a:buFont typeface="Arial" panose="020B0604020202020204" pitchFamily="34" charset="0"/>
-              <a:buChar char="•"/>
+            <a:pPr marL="0" indent="0">
+              <a:buNone/>
             </a:pPr>
-            <a:r>
-              <a:rPr lang="en-US" b="0" i="0" dirty="0">
-                <a:solidFill>
-                  <a:srgbClr val="373B41"/>
-                </a:solidFill>
-                <a:effectLst/>
-              </a:rPr>
-              <a:t> </a:t>
-            </a:r>
-            <a:r>
-              <a:rPr lang="en-US" b="0" i="0" dirty="0" err="1">
-                <a:solidFill>
-                  <a:srgbClr val="373B41"/>
-                </a:solidFill>
-                <a:effectLst/>
-              </a:rPr>
-              <a:t>scheduleXXX</a:t>
-            </a:r>
-            <a:r>
-              <a:rPr lang="en-US" b="0" i="0" dirty="0">
-                <a:solidFill>
-                  <a:srgbClr val="373B41"/>
-                </a:solidFill>
-                <a:effectLst/>
-              </a:rPr>
-              <a:t>() methods of </a:t>
-            </a:r>
-            <a:r>
-              <a:rPr lang="en-US" b="0" i="0" u="none" strike="noStrike" dirty="0" err="1">
-                <a:solidFill>
-                  <a:srgbClr val="81A2BE"/>
-                </a:solidFill>
-                <a:effectLst/>
-                <a:hlinkClick r:id="rId8"/>
-              </a:rPr>
-              <a:t>java.util.concurrent.ScheduledExecutorService</a:t>
-            </a:r>
-            <a:endParaRPr lang="en-US" b="0" i="0" dirty="0">
-              <a:solidFill>
-                <a:srgbClr val="373B41"/>
-              </a:solidFill>
-              <a:effectLst/>
-            </a:endParaRPr>
-          </a:p>
-          <a:p>
-            <a:pPr algn="l">
-              <a:buFont typeface="Arial" panose="020B0604020202020204" pitchFamily="34" charset="0"/>
-              <a:buChar char="•"/>
-            </a:pPr>
-            <a:r>
-              <a:rPr lang="en-US" b="0" i="0" u="none" strike="noStrike" dirty="0">
-                <a:solidFill>
-                  <a:srgbClr val="81A2BE"/>
-                </a:solidFill>
-                <a:effectLst/>
-                <a:hlinkClick r:id="rId9"/>
-              </a:rPr>
-              <a:t> </a:t>
-            </a:r>
-            <a:r>
-              <a:rPr lang="en-US" b="0" i="0" u="none" strike="noStrike" dirty="0" err="1">
-                <a:solidFill>
-                  <a:srgbClr val="81A2BE"/>
-                </a:solidFill>
-                <a:effectLst/>
-                <a:hlinkClick r:id="rId9"/>
-              </a:rPr>
-              <a:t>java.lang.reflect.Method#invoke</a:t>
-            </a:r>
-            <a:r>
-              <a:rPr lang="en-US" b="0" i="0" u="none" strike="noStrike" dirty="0">
-                <a:solidFill>
-                  <a:srgbClr val="81A2BE"/>
-                </a:solidFill>
-                <a:effectLst/>
-                <a:hlinkClick r:id="rId9"/>
-              </a:rPr>
-              <a:t>()</a:t>
-            </a:r>
-            <a:endParaRPr lang="en-US" b="0" i="0" u="none" strike="noStrike" dirty="0">
-              <a:solidFill>
-                <a:srgbClr val="81A2BE"/>
-              </a:solidFill>
-              <a:effectLst/>
-            </a:endParaRPr>
-          </a:p>
-          <a:p>
-            <a:r>
-              <a:rPr lang="en-US" dirty="0"/>
-              <a:t>Mediator.js: </a:t>
-            </a:r>
-            <a:r>
-              <a:rPr lang="en-US" dirty="0">
-                <a:hlinkClick r:id="rId10"/>
-              </a:rPr>
-              <a:t>https://www.npmjs.com/package/mediator-js</a:t>
-            </a:r>
             <a:endParaRPr lang="en-US" dirty="0"/>
           </a:p>
           <a:p>
@@ -12855,7 +19718,1355 @@
     </p:spTree>
     <p:extLst>
       <p:ext uri="{BB962C8B-B14F-4D97-AF65-F5344CB8AC3E}">
+        <p14:creationId xmlns:p14="http://schemas.microsoft.com/office/powerpoint/2010/main" val="3336366627"/>
+      </p:ext>
+    </p:extLst>
+  </p:cSld>
+  <p:clrMapOvr>
+    <a:masterClrMapping/>
+  </p:clrMapOvr>
+</p:sld>
+</file>
+
+<file path=ppt/slides/slide7.xml><?xml version="1.0" encoding="utf-8"?>
+<p:sld xmlns:a="http://schemas.openxmlformats.org/drawingml/2006/main" xmlns:r="http://schemas.openxmlformats.org/officeDocument/2006/relationships" xmlns:p="http://schemas.openxmlformats.org/presentationml/2006/main">
+  <p:cSld>
+    <p:bg>
+      <p:bgPr>
+        <a:solidFill>
+          <a:schemeClr val="bg1"/>
+        </a:solidFill>
+        <a:effectLst/>
+      </p:bgPr>
+    </p:bg>
+    <p:spTree>
+      <p:nvGrpSpPr>
+        <p:cNvPr id="1" name=""/>
+        <p:cNvGrpSpPr/>
+        <p:nvPr/>
+      </p:nvGrpSpPr>
+      <p:grpSpPr>
+        <a:xfrm>
+          <a:off x="0" y="0"/>
+          <a:ext cx="0" cy="0"/>
+          <a:chOff x="0" y="0"/>
+          <a:chExt cx="0" cy="0"/>
+        </a:xfrm>
+      </p:grpSpPr>
+      <p:sp>
+        <p:nvSpPr>
+          <p:cNvPr id="1034" name="Rectangle 76">
+            <a:extLst>
+              <a:ext uri="{FF2B5EF4-FFF2-40B4-BE49-F238E27FC236}">
+                <a16:creationId xmlns:a16="http://schemas.microsoft.com/office/drawing/2014/main" id="{416A0E3C-60E6-4F39-BC55-5F7C224E1F7C}"/>
+              </a:ext>
+              <a:ext uri="{C183D7F6-B498-43B3-948B-1728B52AA6E4}">
+                <adec:decorative xmlns:adec="http://schemas.microsoft.com/office/drawing/2017/decorative" val="1"/>
+              </a:ext>
+            </a:extLst>
+          </p:cNvPr>
+          <p:cNvSpPr>
+            <a:spLocks noGrp="1" noRot="1" noChangeAspect="1" noMove="1" noResize="1" noEditPoints="1" noAdjustHandles="1" noChangeArrowheads="1" noChangeShapeType="1" noTextEdit="1"/>
+          </p:cNvSpPr>
+          <p:nvPr>
+            <p:extLst>
+              <p:ext uri="{386F3935-93C4-4BCD-93E2-E3B085C9AB24}">
+                <p16:designElem xmlns:p16="http://schemas.microsoft.com/office/powerpoint/2015/main" val="1"/>
+              </p:ext>
+            </p:extLst>
+          </p:nvPr>
+        </p:nvSpPr>
+        <p:spPr>
+          <a:xfrm>
+            <a:off x="3175" y="6400800"/>
+            <a:ext cx="12188825" cy="457200"/>
+          </a:xfrm>
+          <a:prstGeom prst="rect">
+            <a:avLst/>
+          </a:prstGeom>
+          <a:solidFill>
+            <a:srgbClr val="262626"/>
+          </a:solidFill>
+          <a:ln>
+            <a:noFill/>
+          </a:ln>
+        </p:spPr>
+        <p:style>
+          <a:lnRef idx="2">
+            <a:schemeClr val="accent1">
+              <a:shade val="50000"/>
+            </a:schemeClr>
+          </a:lnRef>
+          <a:fillRef idx="1">
+            <a:schemeClr val="accent1"/>
+          </a:fillRef>
+          <a:effectRef idx="0">
+            <a:schemeClr val="accent1"/>
+          </a:effectRef>
+          <a:fontRef idx="minor">
+            <a:schemeClr val="lt1"/>
+          </a:fontRef>
+        </p:style>
+      </p:sp>
+      <p:cxnSp>
+        <p:nvCxnSpPr>
+          <p:cNvPr id="1035" name="Straight Connector 78">
+            <a:extLst>
+              <a:ext uri="{FF2B5EF4-FFF2-40B4-BE49-F238E27FC236}">
+                <a16:creationId xmlns:a16="http://schemas.microsoft.com/office/drawing/2014/main" id="{C5025DAC-8B93-4160-B017-3A274A5828C0}"/>
+              </a:ext>
+              <a:ext uri="{C183D7F6-B498-43B3-948B-1728B52AA6E4}">
+                <adec:decorative xmlns:adec="http://schemas.microsoft.com/office/drawing/2017/decorative" val="1"/>
+              </a:ext>
+            </a:extLst>
+          </p:cNvPr>
+          <p:cNvCxnSpPr>
+            <a:cxnSpLocks noGrp="1" noRot="1" noChangeAspect="1" noMove="1" noResize="1" noEditPoints="1" noAdjustHandles="1" noChangeArrowheads="1" noChangeShapeType="1"/>
+          </p:cNvCxnSpPr>
+          <p:nvPr>
+            <p:extLst>
+              <p:ext uri="{386F3935-93C4-4BCD-93E2-E3B085C9AB24}">
+                <p16:designElem xmlns:p16="http://schemas.microsoft.com/office/powerpoint/2015/main" val="1"/>
+              </p:ext>
+            </p:extLst>
+          </p:nvPr>
+        </p:nvCxnSpPr>
+        <p:spPr>
+          <a:xfrm>
+            <a:off x="1193532" y="1897380"/>
+            <a:ext cx="9966960" cy="0"/>
+          </a:xfrm>
+          <a:prstGeom prst="line">
+            <a:avLst/>
+          </a:prstGeom>
+          <a:ln w="12700">
+            <a:solidFill>
+              <a:schemeClr val="tx1">
+                <a:lumMod val="75000"/>
+                <a:lumOff val="25000"/>
+              </a:schemeClr>
+            </a:solidFill>
+          </a:ln>
+        </p:spPr>
+        <p:style>
+          <a:lnRef idx="1">
+            <a:schemeClr val="accent1"/>
+          </a:lnRef>
+          <a:fillRef idx="0">
+            <a:schemeClr val="accent1"/>
+          </a:fillRef>
+          <a:effectRef idx="0">
+            <a:schemeClr val="accent1"/>
+          </a:effectRef>
+          <a:fontRef idx="minor">
+            <a:schemeClr val="tx1"/>
+          </a:fontRef>
+        </p:style>
+      </p:cxnSp>
+      <p:sp useBgFill="1">
+        <p:nvSpPr>
+          <p:cNvPr id="1036" name="Rectangle 80">
+            <a:extLst>
+              <a:ext uri="{FF2B5EF4-FFF2-40B4-BE49-F238E27FC236}">
+                <a16:creationId xmlns:a16="http://schemas.microsoft.com/office/drawing/2014/main" id="{39B4056F-1959-4627-A683-77F6C0603FCD}"/>
+              </a:ext>
+              <a:ext uri="{C183D7F6-B498-43B3-948B-1728B52AA6E4}">
+                <adec:decorative xmlns:adec="http://schemas.microsoft.com/office/drawing/2017/decorative" val="1"/>
+              </a:ext>
+            </a:extLst>
+          </p:cNvPr>
+          <p:cNvSpPr>
+            <a:spLocks noGrp="1" noRot="1" noChangeAspect="1" noMove="1" noResize="1" noEditPoints="1" noAdjustHandles="1" noChangeArrowheads="1" noChangeShapeType="1" noTextEdit="1"/>
+          </p:cNvSpPr>
+          <p:nvPr>
+            <p:extLst>
+              <p:ext uri="{386F3935-93C4-4BCD-93E2-E3B085C9AB24}">
+                <p16:designElem xmlns:p16="http://schemas.microsoft.com/office/powerpoint/2015/main" val="1"/>
+              </p:ext>
+            </p:extLst>
+          </p:nvPr>
+        </p:nvSpPr>
+        <p:spPr>
+          <a:xfrm>
+            <a:off x="0" y="0"/>
+            <a:ext cx="12192001" cy="6858000"/>
+          </a:xfrm>
+          <a:prstGeom prst="rect">
+            <a:avLst/>
+          </a:prstGeom>
+          <a:ln>
+            <a:noFill/>
+          </a:ln>
+        </p:spPr>
+        <p:style>
+          <a:lnRef idx="2">
+            <a:schemeClr val="accent1">
+              <a:shade val="50000"/>
+            </a:schemeClr>
+          </a:lnRef>
+          <a:fillRef idx="1">
+            <a:schemeClr val="accent1"/>
+          </a:fillRef>
+          <a:effectRef idx="0">
+            <a:schemeClr val="accent1"/>
+          </a:effectRef>
+          <a:fontRef idx="minor">
+            <a:schemeClr val="lt1"/>
+          </a:fontRef>
+        </p:style>
+        <p:txBody>
+          <a:bodyPr rtlCol="0" anchor="ctr"/>
+          <a:lstStyle/>
+          <a:p>
+            <a:pPr algn="ctr"/>
+            <a:endParaRPr lang="en-US"/>
+          </a:p>
+        </p:txBody>
+      </p:sp>
+      <p:sp>
+        <p:nvSpPr>
+          <p:cNvPr id="1037" name="Rectangle 82">
+            <a:extLst>
+              <a:ext uri="{FF2B5EF4-FFF2-40B4-BE49-F238E27FC236}">
+                <a16:creationId xmlns:a16="http://schemas.microsoft.com/office/drawing/2014/main" id="{D8D7349B-C9FA-4FCE-A1FF-948F460A3A9A}"/>
+              </a:ext>
+              <a:ext uri="{C183D7F6-B498-43B3-948B-1728B52AA6E4}">
+                <adec:decorative xmlns:adec="http://schemas.microsoft.com/office/drawing/2017/decorative" val="1"/>
+              </a:ext>
+            </a:extLst>
+          </p:cNvPr>
+          <p:cNvSpPr>
+            <a:spLocks noGrp="1" noRot="1" noChangeAspect="1" noMove="1" noResize="1" noEditPoints="1" noAdjustHandles="1" noChangeArrowheads="1" noChangeShapeType="1" noTextEdit="1"/>
+          </p:cNvSpPr>
+          <p:nvPr>
+            <p:extLst>
+              <p:ext uri="{386F3935-93C4-4BCD-93E2-E3B085C9AB24}">
+                <p16:designElem xmlns:p16="http://schemas.microsoft.com/office/powerpoint/2015/main" val="1"/>
+              </p:ext>
+            </p:extLst>
+          </p:nvPr>
+        </p:nvSpPr>
+        <p:spPr bwMode="white">
+          <a:xfrm>
+            <a:off x="1507" y="4554906"/>
+            <a:ext cx="12188952" cy="2303094"/>
+          </a:xfrm>
+          <a:prstGeom prst="rect">
+            <a:avLst/>
+          </a:prstGeom>
+          <a:solidFill>
+            <a:srgbClr val="262626"/>
+          </a:solidFill>
+          <a:ln>
+            <a:noFill/>
+          </a:ln>
+        </p:spPr>
+        <p:style>
+          <a:lnRef idx="2">
+            <a:schemeClr val="accent1">
+              <a:shade val="50000"/>
+            </a:schemeClr>
+          </a:lnRef>
+          <a:fillRef idx="1">
+            <a:schemeClr val="accent1"/>
+          </a:fillRef>
+          <a:effectRef idx="0">
+            <a:schemeClr val="accent1"/>
+          </a:effectRef>
+          <a:fontRef idx="minor">
+            <a:schemeClr val="lt1"/>
+          </a:fontRef>
+        </p:style>
+      </p:sp>
+      <p:sp>
+        <p:nvSpPr>
+          <p:cNvPr id="5" name="Title 4">
+            <a:extLst>
+              <a:ext uri="{FF2B5EF4-FFF2-40B4-BE49-F238E27FC236}">
+                <a16:creationId xmlns:a16="http://schemas.microsoft.com/office/drawing/2014/main" id="{643C2EDD-9B02-481C-9721-A6669C7B7060}"/>
+              </a:ext>
+            </a:extLst>
+          </p:cNvPr>
+          <p:cNvSpPr>
+            <a:spLocks noGrp="1"/>
+          </p:cNvSpPr>
+          <p:nvPr>
+            <p:ph type="title"/>
+          </p:nvPr>
+        </p:nvSpPr>
+        <p:spPr>
+          <a:xfrm>
+            <a:off x="633998" y="4905301"/>
+            <a:ext cx="4988879" cy="1554485"/>
+          </a:xfrm>
+        </p:spPr>
+        <p:txBody>
+          <a:bodyPr vert="horz" lIns="91440" tIns="45720" rIns="91440" bIns="45720" rtlCol="0" anchor="ctr">
+            <a:normAutofit/>
+          </a:bodyPr>
+          <a:lstStyle/>
+          <a:p>
+            <a:pPr algn="r"/>
+            <a:r>
+              <a:rPr lang="en-US" sz="4000" dirty="0"/>
+              <a:t>Mediator</a:t>
+            </a:r>
+          </a:p>
+        </p:txBody>
+      </p:sp>
+      <p:cxnSp>
+        <p:nvCxnSpPr>
+          <p:cNvPr id="85" name="Straight Connector 84">
+            <a:extLst>
+              <a:ext uri="{FF2B5EF4-FFF2-40B4-BE49-F238E27FC236}">
+                <a16:creationId xmlns:a16="http://schemas.microsoft.com/office/drawing/2014/main" id="{55646586-8E5D-4A2B-BDA9-01CE28AC89A1}"/>
+              </a:ext>
+              <a:ext uri="{C183D7F6-B498-43B3-948B-1728B52AA6E4}">
+                <adec:decorative xmlns:adec="http://schemas.microsoft.com/office/drawing/2017/decorative" val="1"/>
+              </a:ext>
+            </a:extLst>
+          </p:cNvPr>
+          <p:cNvCxnSpPr>
+            <a:cxnSpLocks noGrp="1" noRot="1" noChangeAspect="1" noMove="1" noResize="1" noEditPoints="1" noAdjustHandles="1" noChangeArrowheads="1" noChangeShapeType="1"/>
+          </p:cNvCxnSpPr>
+          <p:nvPr>
+            <p:extLst>
+              <p:ext uri="{386F3935-93C4-4BCD-93E2-E3B085C9AB24}">
+                <p16:designElem xmlns:p16="http://schemas.microsoft.com/office/powerpoint/2015/main" val="1"/>
+              </p:ext>
+            </p:extLst>
+          </p:nvPr>
+        </p:nvCxnSpPr>
+        <p:spPr>
+          <a:xfrm>
+            <a:off x="5820770" y="5247564"/>
+            <a:ext cx="0" cy="873457"/>
+          </a:xfrm>
+          <a:prstGeom prst="line">
+            <a:avLst/>
+          </a:prstGeom>
+          <a:ln w="19050">
+            <a:solidFill>
+              <a:srgbClr val="FFC578"/>
+            </a:solidFill>
+          </a:ln>
+        </p:spPr>
+        <p:style>
+          <a:lnRef idx="1">
+            <a:schemeClr val="accent1"/>
+          </a:lnRef>
+          <a:fillRef idx="0">
+            <a:schemeClr val="accent1"/>
+          </a:fillRef>
+          <a:effectRef idx="0">
+            <a:schemeClr val="accent1"/>
+          </a:effectRef>
+          <a:fontRef idx="minor">
+            <a:schemeClr val="tx1"/>
+          </a:fontRef>
+        </p:style>
+      </p:cxnSp>
+      <p:sp>
+        <p:nvSpPr>
+          <p:cNvPr id="7" name="Text Placeholder 6">
+            <a:extLst>
+              <a:ext uri="{FF2B5EF4-FFF2-40B4-BE49-F238E27FC236}">
+                <a16:creationId xmlns:a16="http://schemas.microsoft.com/office/drawing/2014/main" id="{7E8F4492-485A-4DE4-AF79-08F65DEE159B}"/>
+              </a:ext>
+            </a:extLst>
+          </p:cNvPr>
+          <p:cNvSpPr>
+            <a:spLocks noGrp="1"/>
+          </p:cNvSpPr>
+          <p:nvPr>
+            <p:ph type="body" sz="half" idx="2"/>
+          </p:nvPr>
+        </p:nvSpPr>
+        <p:spPr>
+          <a:xfrm>
+            <a:off x="6064301" y="4905300"/>
+            <a:ext cx="5493699" cy="1554485"/>
+          </a:xfrm>
+        </p:spPr>
+        <p:txBody>
+          <a:bodyPr vert="horz" lIns="0" tIns="45720" rIns="0" bIns="45720" rtlCol="0" anchor="ctr">
+            <a:normAutofit/>
+          </a:bodyPr>
+          <a:lstStyle/>
+          <a:p>
+            <a:pPr>
+              <a:lnSpc>
+                <a:spcPct val="100000"/>
+              </a:lnSpc>
+            </a:pPr>
+            <a:r>
+              <a:rPr lang="en-US" dirty="0">
+                <a:solidFill>
+                  <a:schemeClr val="accent5">
+                    <a:lumMod val="75000"/>
+                  </a:schemeClr>
+                </a:solidFill>
+              </a:rPr>
+              <a:t>Problem</a:t>
+            </a:r>
+            <a:r>
+              <a:rPr lang="en-US" dirty="0"/>
+              <a:t>: a lot of dependencies between objects, “spaghetti code”</a:t>
+            </a:r>
+          </a:p>
+          <a:p>
+            <a:pPr>
+              <a:lnSpc>
+                <a:spcPct val="100000"/>
+              </a:lnSpc>
+            </a:pPr>
+            <a:r>
+              <a:rPr lang="en-US" dirty="0">
+                <a:solidFill>
+                  <a:schemeClr val="accent5">
+                    <a:lumMod val="75000"/>
+                  </a:schemeClr>
+                </a:solidFill>
+              </a:rPr>
+              <a:t>Solution</a:t>
+            </a:r>
+            <a:r>
+              <a:rPr lang="en-US" dirty="0"/>
+              <a:t>: create a mediator that is responsible to handle requests and react with needed updates on other components</a:t>
+            </a:r>
+          </a:p>
+        </p:txBody>
+      </p:sp>
+      <p:pic>
+        <p:nvPicPr>
+          <p:cNvPr id="2" name="Picture 2" descr="Structure of the Mediator design pattern">
+            <a:extLst>
+              <a:ext uri="{FF2B5EF4-FFF2-40B4-BE49-F238E27FC236}">
+                <a16:creationId xmlns:a16="http://schemas.microsoft.com/office/drawing/2014/main" id="{125380CC-11FF-4950-BF22-DF3FE4E05C7B}"/>
+              </a:ext>
+            </a:extLst>
+          </p:cNvPr>
+          <p:cNvPicPr>
+            <a:picLocks noChangeAspect="1" noChangeArrowheads="1"/>
+          </p:cNvPicPr>
+          <p:nvPr/>
+        </p:nvPicPr>
+        <p:blipFill>
+          <a:blip r:embed="rId3">
+            <a:extLst>
+              <a:ext uri="{28A0092B-C50C-407E-A947-70E740481C1C}">
+                <a14:useLocalDpi xmlns:a14="http://schemas.microsoft.com/office/drawing/2010/main" val="0"/>
+              </a:ext>
+            </a:extLst>
+          </a:blip>
+          <a:srcRect/>
+          <a:stretch>
+            <a:fillRect/>
+          </a:stretch>
+        </p:blipFill>
+        <p:spPr bwMode="auto">
+          <a:xfrm>
+            <a:off x="3344270" y="228867"/>
+            <a:ext cx="4953000" cy="4095750"/>
+          </a:xfrm>
+          <a:prstGeom prst="rect">
+            <a:avLst/>
+          </a:prstGeom>
+          <a:noFill/>
+          <a:extLst>
+            <a:ext uri="{909E8E84-426E-40DD-AFC4-6F175D3DCCD1}">
+              <a14:hiddenFill xmlns:a14="http://schemas.microsoft.com/office/drawing/2010/main">
+                <a:solidFill>
+                  <a:srgbClr val="FFFFFF"/>
+                </a:solidFill>
+              </a14:hiddenFill>
+            </a:ext>
+          </a:extLst>
+        </p:spPr>
+      </p:pic>
+    </p:spTree>
+    <p:extLst>
+      <p:ext uri="{BB962C8B-B14F-4D97-AF65-F5344CB8AC3E}">
+        <p14:creationId xmlns:p14="http://schemas.microsoft.com/office/powerpoint/2010/main" val="3087674750"/>
+      </p:ext>
+    </p:extLst>
+  </p:cSld>
+  <p:clrMapOvr>
+    <a:masterClrMapping/>
+  </p:clrMapOvr>
+</p:sld>
+</file>
+
+<file path=ppt/slides/slide8.xml><?xml version="1.0" encoding="utf-8"?>
+<p:sld xmlns:a="http://schemas.openxmlformats.org/drawingml/2006/main" xmlns:r="http://schemas.openxmlformats.org/officeDocument/2006/relationships" xmlns:p="http://schemas.openxmlformats.org/presentationml/2006/main">
+  <p:cSld>
+    <p:spTree>
+      <p:nvGrpSpPr>
+        <p:cNvPr id="1" name=""/>
+        <p:cNvGrpSpPr/>
+        <p:nvPr/>
+      </p:nvGrpSpPr>
+      <p:grpSpPr>
+        <a:xfrm>
+          <a:off x="0" y="0"/>
+          <a:ext cx="0" cy="0"/>
+          <a:chOff x="0" y="0"/>
+          <a:chExt cx="0" cy="0"/>
+        </a:xfrm>
+      </p:grpSpPr>
+      <p:sp>
+        <p:nvSpPr>
+          <p:cNvPr id="5" name="Title 4">
+            <a:extLst>
+              <a:ext uri="{FF2B5EF4-FFF2-40B4-BE49-F238E27FC236}">
+                <a16:creationId xmlns:a16="http://schemas.microsoft.com/office/drawing/2014/main" id="{15DE6CDC-3760-4614-8575-CB1459F11CD8}"/>
+              </a:ext>
+            </a:extLst>
+          </p:cNvPr>
+          <p:cNvSpPr>
+            <a:spLocks noGrp="1"/>
+          </p:cNvSpPr>
+          <p:nvPr>
+            <p:ph type="title"/>
+          </p:nvPr>
+        </p:nvSpPr>
+        <p:spPr/>
+        <p:txBody>
+          <a:bodyPr>
+            <a:normAutofit fontScale="90000"/>
+          </a:bodyPr>
+          <a:lstStyle/>
+          <a:p>
+            <a:r>
+              <a:rPr lang="en-US" dirty="0"/>
+              <a:t>Mediator in a few words + examples from open-source projects</a:t>
+            </a:r>
+          </a:p>
+        </p:txBody>
+      </p:sp>
+      <p:graphicFrame>
+        <p:nvGraphicFramePr>
+          <p:cNvPr id="10" name="Content Placeholder 5">
+            <a:extLst>
+              <a:ext uri="{FF2B5EF4-FFF2-40B4-BE49-F238E27FC236}">
+                <a16:creationId xmlns:a16="http://schemas.microsoft.com/office/drawing/2014/main" id="{1DA604AA-B0C5-4DE1-8F1A-F3546A2ED7F0}"/>
+              </a:ext>
+            </a:extLst>
+          </p:cNvPr>
+          <p:cNvGraphicFramePr>
+            <a:graphicFrameLocks noGrp="1"/>
+          </p:cNvGraphicFramePr>
+          <p:nvPr>
+            <p:ph sz="half" idx="1"/>
+            <p:extLst>
+              <p:ext uri="{D42A27DB-BD31-4B8C-83A1-F6EECF244321}">
+                <p14:modId xmlns:p14="http://schemas.microsoft.com/office/powerpoint/2010/main" val="2378090803"/>
+              </p:ext>
+            </p:extLst>
+          </p:nvPr>
+        </p:nvGraphicFramePr>
+        <p:xfrm>
+          <a:off x="1097280" y="2120900"/>
+          <a:ext cx="4639736" cy="3748193"/>
+        </p:xfrm>
+        <a:graphic>
+          <a:graphicData uri="http://schemas.openxmlformats.org/drawingml/2006/diagram">
+            <dgm:relIds xmlns:dgm="http://schemas.openxmlformats.org/drawingml/2006/diagram" xmlns:r="http://schemas.openxmlformats.org/officeDocument/2006/relationships" r:dm="rId2" r:lo="rId3" r:qs="rId4" r:cs="rId5"/>
+          </a:graphicData>
+        </a:graphic>
+      </p:graphicFrame>
+      <p:sp>
+        <p:nvSpPr>
+          <p:cNvPr id="7" name="Content Placeholder 6">
+            <a:extLst>
+              <a:ext uri="{FF2B5EF4-FFF2-40B4-BE49-F238E27FC236}">
+                <a16:creationId xmlns:a16="http://schemas.microsoft.com/office/drawing/2014/main" id="{DB492ABE-1506-4371-999F-C690661B3366}"/>
+              </a:ext>
+            </a:extLst>
+          </p:cNvPr>
+          <p:cNvSpPr>
+            <a:spLocks noGrp="1"/>
+          </p:cNvSpPr>
+          <p:nvPr>
+            <p:ph sz="half" idx="2"/>
+          </p:nvPr>
+        </p:nvSpPr>
+        <p:spPr>
+          <a:xfrm>
+            <a:off x="6363093" y="2120899"/>
+            <a:ext cx="4911365" cy="3748194"/>
+          </a:xfrm>
+        </p:spPr>
+        <p:txBody>
+          <a:bodyPr>
+            <a:normAutofit lnSpcReduction="10000"/>
+          </a:bodyPr>
+          <a:lstStyle/>
+          <a:p>
+            <a:r>
+              <a:rPr lang="en-US" dirty="0"/>
+              <a:t>C#: </a:t>
+            </a:r>
+            <a:r>
+              <a:rPr lang="en-US" b="0" i="0" dirty="0" err="1">
+                <a:solidFill>
+                  <a:srgbClr val="242729"/>
+                </a:solidFill>
+                <a:effectLst/>
+              </a:rPr>
+              <a:t>System.Threading.Timer</a:t>
+            </a:r>
+            <a:endParaRPr lang="en-US" b="0" i="0" dirty="0">
+              <a:solidFill>
+                <a:srgbClr val="242729"/>
+              </a:solidFill>
+              <a:effectLst/>
+            </a:endParaRPr>
+          </a:p>
+          <a:p>
+            <a:r>
+              <a:rPr lang="en-US" dirty="0"/>
+              <a:t>Java: </a:t>
+            </a:r>
+          </a:p>
+          <a:p>
+            <a:pPr algn="l">
+              <a:buFont typeface="Arial" panose="020B0604020202020204" pitchFamily="34" charset="0"/>
+              <a:buChar char="•"/>
+            </a:pPr>
+            <a:r>
+              <a:rPr lang="en-US" b="0" i="0" dirty="0">
+                <a:solidFill>
+                  <a:srgbClr val="373B41"/>
+                </a:solidFill>
+                <a:effectLst/>
+              </a:rPr>
+              <a:t> </a:t>
+            </a:r>
+            <a:r>
+              <a:rPr lang="en-US" b="0" i="0" dirty="0" err="1">
+                <a:solidFill>
+                  <a:srgbClr val="373B41"/>
+                </a:solidFill>
+                <a:effectLst/>
+              </a:rPr>
+              <a:t>scheduleXXX</a:t>
+            </a:r>
+            <a:r>
+              <a:rPr lang="en-US" b="0" i="0" dirty="0">
+                <a:solidFill>
+                  <a:srgbClr val="373B41"/>
+                </a:solidFill>
+                <a:effectLst/>
+              </a:rPr>
+              <a:t>() methods of </a:t>
+            </a:r>
+            <a:r>
+              <a:rPr lang="en-US" b="0" i="0" u="none" strike="noStrike" dirty="0" err="1">
+                <a:solidFill>
+                  <a:srgbClr val="81A2BE"/>
+                </a:solidFill>
+                <a:effectLst/>
+                <a:hlinkClick r:id="rId7"/>
+              </a:rPr>
+              <a:t>java.util.Timer</a:t>
+            </a:r>
+            <a:endParaRPr lang="en-US" b="0" i="0" dirty="0">
+              <a:solidFill>
+                <a:srgbClr val="373B41"/>
+              </a:solidFill>
+              <a:effectLst/>
+            </a:endParaRPr>
+          </a:p>
+          <a:p>
+            <a:pPr algn="l">
+              <a:buFont typeface="Arial" panose="020B0604020202020204" pitchFamily="34" charset="0"/>
+              <a:buChar char="•"/>
+            </a:pPr>
+            <a:r>
+              <a:rPr lang="en-US" b="0" i="0" dirty="0">
+                <a:solidFill>
+                  <a:srgbClr val="373B41"/>
+                </a:solidFill>
+                <a:effectLst/>
+              </a:rPr>
+              <a:t> </a:t>
+            </a:r>
+            <a:r>
+              <a:rPr lang="en-US" b="0" i="0" dirty="0" err="1">
+                <a:solidFill>
+                  <a:srgbClr val="373B41"/>
+                </a:solidFill>
+                <a:effectLst/>
+              </a:rPr>
+              <a:t>scheduleXXX</a:t>
+            </a:r>
+            <a:r>
+              <a:rPr lang="en-US" b="0" i="0" dirty="0">
+                <a:solidFill>
+                  <a:srgbClr val="373B41"/>
+                </a:solidFill>
+                <a:effectLst/>
+              </a:rPr>
+              <a:t>() methods of </a:t>
+            </a:r>
+            <a:r>
+              <a:rPr lang="en-US" b="0" i="0" u="none" strike="noStrike" dirty="0" err="1">
+                <a:solidFill>
+                  <a:srgbClr val="81A2BE"/>
+                </a:solidFill>
+                <a:effectLst/>
+                <a:hlinkClick r:id="rId8"/>
+              </a:rPr>
+              <a:t>java.util.concurrent.ScheduledExecutorService</a:t>
+            </a:r>
+            <a:endParaRPr lang="en-US" b="0" i="0" dirty="0">
+              <a:solidFill>
+                <a:srgbClr val="373B41"/>
+              </a:solidFill>
+              <a:effectLst/>
+            </a:endParaRPr>
+          </a:p>
+          <a:p>
+            <a:pPr algn="l">
+              <a:buFont typeface="Arial" panose="020B0604020202020204" pitchFamily="34" charset="0"/>
+              <a:buChar char="•"/>
+            </a:pPr>
+            <a:r>
+              <a:rPr lang="en-US" b="0" i="0" u="none" strike="noStrike" dirty="0">
+                <a:solidFill>
+                  <a:srgbClr val="81A2BE"/>
+                </a:solidFill>
+                <a:effectLst/>
+                <a:hlinkClick r:id="rId9"/>
+              </a:rPr>
+              <a:t> </a:t>
+            </a:r>
+            <a:r>
+              <a:rPr lang="en-US" b="0" i="0" u="none" strike="noStrike" dirty="0" err="1">
+                <a:solidFill>
+                  <a:srgbClr val="81A2BE"/>
+                </a:solidFill>
+                <a:effectLst/>
+                <a:hlinkClick r:id="rId9"/>
+              </a:rPr>
+              <a:t>java.lang.reflect.Method#invoke</a:t>
+            </a:r>
+            <a:r>
+              <a:rPr lang="en-US" b="0" i="0" u="none" strike="noStrike" dirty="0">
+                <a:solidFill>
+                  <a:srgbClr val="81A2BE"/>
+                </a:solidFill>
+                <a:effectLst/>
+                <a:hlinkClick r:id="rId9"/>
+              </a:rPr>
+              <a:t>()</a:t>
+            </a:r>
+            <a:endParaRPr lang="en-US" b="0" i="0" u="none" strike="noStrike" dirty="0">
+              <a:solidFill>
+                <a:srgbClr val="81A2BE"/>
+              </a:solidFill>
+              <a:effectLst/>
+            </a:endParaRPr>
+          </a:p>
+          <a:p>
+            <a:r>
+              <a:rPr lang="en-US" dirty="0"/>
+              <a:t>Mediator.js: </a:t>
+            </a:r>
+            <a:r>
+              <a:rPr lang="en-US" dirty="0">
+                <a:hlinkClick r:id="rId10"/>
+              </a:rPr>
+              <a:t>https://www.npmjs.com/package/mediator-js</a:t>
+            </a:r>
+            <a:endParaRPr lang="en-US" dirty="0"/>
+          </a:p>
+          <a:p>
+            <a:endParaRPr lang="en-US" dirty="0"/>
+          </a:p>
+        </p:txBody>
+      </p:sp>
+      <p:sp>
+        <p:nvSpPr>
+          <p:cNvPr id="8" name="Rectangle 1">
+            <a:extLst>
+              <a:ext uri="{FF2B5EF4-FFF2-40B4-BE49-F238E27FC236}">
+                <a16:creationId xmlns:a16="http://schemas.microsoft.com/office/drawing/2014/main" id="{B065E2E4-AE49-41FC-8842-63643489E193}"/>
+              </a:ext>
+            </a:extLst>
+          </p:cNvPr>
+          <p:cNvSpPr>
+            <a:spLocks noChangeArrowheads="1"/>
+          </p:cNvSpPr>
+          <p:nvPr/>
+        </p:nvSpPr>
+        <p:spPr bwMode="auto">
+          <a:xfrm>
+            <a:off x="0" y="159350"/>
+            <a:ext cx="25648" cy="138499"/>
+          </a:xfrm>
+          <a:prstGeom prst="rect">
+            <a:avLst/>
+          </a:prstGeom>
+          <a:noFill/>
+          <a:ln>
+            <a:noFill/>
+          </a:ln>
+          <a:effectLst/>
+          <a:extLst>
+            <a:ext uri="{909E8E84-426E-40DD-AFC4-6F175D3DCCD1}">
+              <a14:hiddenFill xmlns:a14="http://schemas.microsoft.com/office/drawing/2010/main">
+                <a:solidFill>
+                  <a:schemeClr val="accent1"/>
+                </a:solidFill>
+              </a14:hiddenFill>
+            </a:ext>
+            <a:ext uri="{91240B29-F687-4F45-9708-019B960494DF}">
+              <a14:hiddenLine xmlns:a14="http://schemas.microsoft.com/office/drawing/2010/main" w="9525">
+                <a:solidFill>
+                  <a:schemeClr val="tx1"/>
+                </a:solidFill>
+                <a:miter lim="800000"/>
+                <a:headEnd/>
+                <a:tailEnd/>
+              </a14:hiddenLine>
+            </a:ext>
+            <a:ext uri="{AF507438-7753-43E0-B8FC-AC1667EBCBE1}">
+              <a14:hiddenEffects xmlns:a14="http://schemas.microsoft.com/office/drawing/2010/main">
+                <a:effectLst>
+                  <a:outerShdw dist="35921" dir="2700000" algn="ctr" rotWithShape="0">
+                    <a:schemeClr val="bg2"/>
+                  </a:outerShdw>
+                </a:effectLst>
+              </a14:hiddenEffects>
+            </a:ext>
+          </a:extLst>
+        </p:spPr>
+        <p:txBody>
+          <a:bodyPr vert="horz" wrap="none" lIns="0" tIns="0" rIns="0" bIns="0" numCol="1" anchor="ctr" anchorCtr="0" compatLnSpc="1">
+            <a:prstTxWarp prst="textNoShape">
+              <a:avLst/>
+            </a:prstTxWarp>
+            <a:spAutoFit/>
+          </a:bodyPr>
+          <a:lstStyle/>
+          <a:p>
+            <a:pPr marL="0" marR="0" lvl="0" indent="0" algn="l" defTabSz="914400" rtl="0" eaLnBrk="0" fontAlgn="base" latinLnBrk="0" hangingPunct="0">
+              <a:lnSpc>
+                <a:spcPct val="100000"/>
+              </a:lnSpc>
+              <a:spcBef>
+                <a:spcPct val="0"/>
+              </a:spcBef>
+              <a:spcAft>
+                <a:spcPct val="0"/>
+              </a:spcAft>
+              <a:buClrTx/>
+              <a:buSzTx/>
+              <a:buFontTx/>
+              <a:buNone/>
+              <a:tabLst/>
+            </a:pPr>
+            <a:r>
+              <a:rPr kumimoji="0" lang="en-US" altLang="en-US" sz="900" b="0" i="0" u="none" strike="noStrike" cap="none" normalizeH="0" baseline="0" dirty="0">
+                <a:ln>
+                  <a:noFill/>
+                </a:ln>
+                <a:solidFill>
+                  <a:schemeClr val="tx1"/>
+                </a:solidFill>
+                <a:effectLst/>
+                <a:latin typeface="inherit"/>
+              </a:rPr>
+              <a:t> </a:t>
+            </a:r>
+            <a:endParaRPr kumimoji="0" lang="en-US" altLang="en-US" sz="1800" b="0" i="0" u="none" strike="noStrike" cap="none" normalizeH="0" baseline="0" dirty="0">
+              <a:ln>
+                <a:noFill/>
+              </a:ln>
+              <a:solidFill>
+                <a:schemeClr val="tx1"/>
+              </a:solidFill>
+              <a:effectLst/>
+              <a:latin typeface="Arial" panose="020B0604020202020204" pitchFamily="34" charset="0"/>
+            </a:endParaRPr>
+          </a:p>
+        </p:txBody>
+      </p:sp>
+    </p:spTree>
+    <p:extLst>
+      <p:ext uri="{BB962C8B-B14F-4D97-AF65-F5344CB8AC3E}">
         <p14:creationId xmlns:p14="http://schemas.microsoft.com/office/powerpoint/2010/main" val="1052716486"/>
+      </p:ext>
+    </p:extLst>
+  </p:cSld>
+  <p:clrMapOvr>
+    <a:masterClrMapping/>
+  </p:clrMapOvr>
+</p:sld>
+</file>
+
+<file path=ppt/slides/slide9.xml><?xml version="1.0" encoding="utf-8"?>
+<p:sld xmlns:a="http://schemas.openxmlformats.org/drawingml/2006/main" xmlns:r="http://schemas.openxmlformats.org/officeDocument/2006/relationships" xmlns:p="http://schemas.openxmlformats.org/presentationml/2006/main">
+  <p:cSld>
+    <p:bg>
+      <p:bgPr>
+        <a:solidFill>
+          <a:schemeClr val="bg1"/>
+        </a:solidFill>
+        <a:effectLst/>
+      </p:bgPr>
+    </p:bg>
+    <p:spTree>
+      <p:nvGrpSpPr>
+        <p:cNvPr id="1" name=""/>
+        <p:cNvGrpSpPr/>
+        <p:nvPr/>
+      </p:nvGrpSpPr>
+      <p:grpSpPr>
+        <a:xfrm>
+          <a:off x="0" y="0"/>
+          <a:ext cx="0" cy="0"/>
+          <a:chOff x="0" y="0"/>
+          <a:chExt cx="0" cy="0"/>
+        </a:xfrm>
+      </p:grpSpPr>
+      <p:sp>
+        <p:nvSpPr>
+          <p:cNvPr id="1034" name="Rectangle 76">
+            <a:extLst>
+              <a:ext uri="{FF2B5EF4-FFF2-40B4-BE49-F238E27FC236}">
+                <a16:creationId xmlns:a16="http://schemas.microsoft.com/office/drawing/2014/main" id="{416A0E3C-60E6-4F39-BC55-5F7C224E1F7C}"/>
+              </a:ext>
+              <a:ext uri="{C183D7F6-B498-43B3-948B-1728B52AA6E4}">
+                <adec:decorative xmlns:adec="http://schemas.microsoft.com/office/drawing/2017/decorative" val="1"/>
+              </a:ext>
+            </a:extLst>
+          </p:cNvPr>
+          <p:cNvSpPr>
+            <a:spLocks noGrp="1" noRot="1" noChangeAspect="1" noMove="1" noResize="1" noEditPoints="1" noAdjustHandles="1" noChangeArrowheads="1" noChangeShapeType="1" noTextEdit="1"/>
+          </p:cNvSpPr>
+          <p:nvPr>
+            <p:extLst>
+              <p:ext uri="{386F3935-93C4-4BCD-93E2-E3B085C9AB24}">
+                <p16:designElem xmlns:p16="http://schemas.microsoft.com/office/powerpoint/2015/main" val="1"/>
+              </p:ext>
+            </p:extLst>
+          </p:nvPr>
+        </p:nvSpPr>
+        <p:spPr>
+          <a:xfrm>
+            <a:off x="3175" y="6400800"/>
+            <a:ext cx="12188825" cy="457200"/>
+          </a:xfrm>
+          <a:prstGeom prst="rect">
+            <a:avLst/>
+          </a:prstGeom>
+          <a:solidFill>
+            <a:srgbClr val="262626"/>
+          </a:solidFill>
+          <a:ln>
+            <a:noFill/>
+          </a:ln>
+        </p:spPr>
+        <p:style>
+          <a:lnRef idx="2">
+            <a:schemeClr val="accent1">
+              <a:shade val="50000"/>
+            </a:schemeClr>
+          </a:lnRef>
+          <a:fillRef idx="1">
+            <a:schemeClr val="accent1"/>
+          </a:fillRef>
+          <a:effectRef idx="0">
+            <a:schemeClr val="accent1"/>
+          </a:effectRef>
+          <a:fontRef idx="minor">
+            <a:schemeClr val="lt1"/>
+          </a:fontRef>
+        </p:style>
+      </p:sp>
+      <p:cxnSp>
+        <p:nvCxnSpPr>
+          <p:cNvPr id="1035" name="Straight Connector 78">
+            <a:extLst>
+              <a:ext uri="{FF2B5EF4-FFF2-40B4-BE49-F238E27FC236}">
+                <a16:creationId xmlns:a16="http://schemas.microsoft.com/office/drawing/2014/main" id="{C5025DAC-8B93-4160-B017-3A274A5828C0}"/>
+              </a:ext>
+              <a:ext uri="{C183D7F6-B498-43B3-948B-1728B52AA6E4}">
+                <adec:decorative xmlns:adec="http://schemas.microsoft.com/office/drawing/2017/decorative" val="1"/>
+              </a:ext>
+            </a:extLst>
+          </p:cNvPr>
+          <p:cNvCxnSpPr>
+            <a:cxnSpLocks noGrp="1" noRot="1" noChangeAspect="1" noMove="1" noResize="1" noEditPoints="1" noAdjustHandles="1" noChangeArrowheads="1" noChangeShapeType="1"/>
+          </p:cNvCxnSpPr>
+          <p:nvPr>
+            <p:extLst>
+              <p:ext uri="{386F3935-93C4-4BCD-93E2-E3B085C9AB24}">
+                <p16:designElem xmlns:p16="http://schemas.microsoft.com/office/powerpoint/2015/main" val="1"/>
+              </p:ext>
+            </p:extLst>
+          </p:nvPr>
+        </p:nvCxnSpPr>
+        <p:spPr>
+          <a:xfrm>
+            <a:off x="1193532" y="1897380"/>
+            <a:ext cx="9966960" cy="0"/>
+          </a:xfrm>
+          <a:prstGeom prst="line">
+            <a:avLst/>
+          </a:prstGeom>
+          <a:ln w="12700">
+            <a:solidFill>
+              <a:schemeClr val="tx1">
+                <a:lumMod val="75000"/>
+                <a:lumOff val="25000"/>
+              </a:schemeClr>
+            </a:solidFill>
+          </a:ln>
+        </p:spPr>
+        <p:style>
+          <a:lnRef idx="1">
+            <a:schemeClr val="accent1"/>
+          </a:lnRef>
+          <a:fillRef idx="0">
+            <a:schemeClr val="accent1"/>
+          </a:fillRef>
+          <a:effectRef idx="0">
+            <a:schemeClr val="accent1"/>
+          </a:effectRef>
+          <a:fontRef idx="minor">
+            <a:schemeClr val="tx1"/>
+          </a:fontRef>
+        </p:style>
+      </p:cxnSp>
+      <p:sp useBgFill="1">
+        <p:nvSpPr>
+          <p:cNvPr id="1036" name="Rectangle 80">
+            <a:extLst>
+              <a:ext uri="{FF2B5EF4-FFF2-40B4-BE49-F238E27FC236}">
+                <a16:creationId xmlns:a16="http://schemas.microsoft.com/office/drawing/2014/main" id="{39B4056F-1959-4627-A683-77F6C0603FCD}"/>
+              </a:ext>
+              <a:ext uri="{C183D7F6-B498-43B3-948B-1728B52AA6E4}">
+                <adec:decorative xmlns:adec="http://schemas.microsoft.com/office/drawing/2017/decorative" val="1"/>
+              </a:ext>
+            </a:extLst>
+          </p:cNvPr>
+          <p:cNvSpPr>
+            <a:spLocks noGrp="1" noRot="1" noChangeAspect="1" noMove="1" noResize="1" noEditPoints="1" noAdjustHandles="1" noChangeArrowheads="1" noChangeShapeType="1" noTextEdit="1"/>
+          </p:cNvSpPr>
+          <p:nvPr>
+            <p:extLst>
+              <p:ext uri="{386F3935-93C4-4BCD-93E2-E3B085C9AB24}">
+                <p16:designElem xmlns:p16="http://schemas.microsoft.com/office/powerpoint/2015/main" val="1"/>
+              </p:ext>
+            </p:extLst>
+          </p:nvPr>
+        </p:nvSpPr>
+        <p:spPr>
+          <a:xfrm>
+            <a:off x="0" y="0"/>
+            <a:ext cx="12192001" cy="6858000"/>
+          </a:xfrm>
+          <a:prstGeom prst="rect">
+            <a:avLst/>
+          </a:prstGeom>
+          <a:ln>
+            <a:noFill/>
+          </a:ln>
+        </p:spPr>
+        <p:style>
+          <a:lnRef idx="2">
+            <a:schemeClr val="accent1">
+              <a:shade val="50000"/>
+            </a:schemeClr>
+          </a:lnRef>
+          <a:fillRef idx="1">
+            <a:schemeClr val="accent1"/>
+          </a:fillRef>
+          <a:effectRef idx="0">
+            <a:schemeClr val="accent1"/>
+          </a:effectRef>
+          <a:fontRef idx="minor">
+            <a:schemeClr val="lt1"/>
+          </a:fontRef>
+        </p:style>
+        <p:txBody>
+          <a:bodyPr rtlCol="0" anchor="ctr"/>
+          <a:lstStyle/>
+          <a:p>
+            <a:pPr algn="ctr"/>
+            <a:endParaRPr lang="en-US"/>
+          </a:p>
+        </p:txBody>
+      </p:sp>
+      <p:sp>
+        <p:nvSpPr>
+          <p:cNvPr id="1037" name="Rectangle 82">
+            <a:extLst>
+              <a:ext uri="{FF2B5EF4-FFF2-40B4-BE49-F238E27FC236}">
+                <a16:creationId xmlns:a16="http://schemas.microsoft.com/office/drawing/2014/main" id="{D8D7349B-C9FA-4FCE-A1FF-948F460A3A9A}"/>
+              </a:ext>
+              <a:ext uri="{C183D7F6-B498-43B3-948B-1728B52AA6E4}">
+                <adec:decorative xmlns:adec="http://schemas.microsoft.com/office/drawing/2017/decorative" val="1"/>
+              </a:ext>
+            </a:extLst>
+          </p:cNvPr>
+          <p:cNvSpPr>
+            <a:spLocks noGrp="1" noRot="1" noChangeAspect="1" noMove="1" noResize="1" noEditPoints="1" noAdjustHandles="1" noChangeArrowheads="1" noChangeShapeType="1" noTextEdit="1"/>
+          </p:cNvSpPr>
+          <p:nvPr>
+            <p:extLst>
+              <p:ext uri="{386F3935-93C4-4BCD-93E2-E3B085C9AB24}">
+                <p16:designElem xmlns:p16="http://schemas.microsoft.com/office/powerpoint/2015/main" val="1"/>
+              </p:ext>
+            </p:extLst>
+          </p:nvPr>
+        </p:nvSpPr>
+        <p:spPr bwMode="white">
+          <a:xfrm>
+            <a:off x="1507" y="4554906"/>
+            <a:ext cx="12188952" cy="2303094"/>
+          </a:xfrm>
+          <a:prstGeom prst="rect">
+            <a:avLst/>
+          </a:prstGeom>
+          <a:solidFill>
+            <a:srgbClr val="262626"/>
+          </a:solidFill>
+          <a:ln>
+            <a:noFill/>
+          </a:ln>
+        </p:spPr>
+        <p:style>
+          <a:lnRef idx="2">
+            <a:schemeClr val="accent1">
+              <a:shade val="50000"/>
+            </a:schemeClr>
+          </a:lnRef>
+          <a:fillRef idx="1">
+            <a:schemeClr val="accent1"/>
+          </a:fillRef>
+          <a:effectRef idx="0">
+            <a:schemeClr val="accent1"/>
+          </a:effectRef>
+          <a:fontRef idx="minor">
+            <a:schemeClr val="lt1"/>
+          </a:fontRef>
+        </p:style>
+      </p:sp>
+      <p:sp>
+        <p:nvSpPr>
+          <p:cNvPr id="5" name="Title 4">
+            <a:extLst>
+              <a:ext uri="{FF2B5EF4-FFF2-40B4-BE49-F238E27FC236}">
+                <a16:creationId xmlns:a16="http://schemas.microsoft.com/office/drawing/2014/main" id="{643C2EDD-9B02-481C-9721-A6669C7B7060}"/>
+              </a:ext>
+            </a:extLst>
+          </p:cNvPr>
+          <p:cNvSpPr>
+            <a:spLocks noGrp="1"/>
+          </p:cNvSpPr>
+          <p:nvPr>
+            <p:ph type="title"/>
+          </p:nvPr>
+        </p:nvSpPr>
+        <p:spPr>
+          <a:xfrm>
+            <a:off x="633998" y="4905301"/>
+            <a:ext cx="4988879" cy="1554485"/>
+          </a:xfrm>
+        </p:spPr>
+        <p:txBody>
+          <a:bodyPr vert="horz" lIns="91440" tIns="45720" rIns="91440" bIns="45720" rtlCol="0" anchor="ctr">
+            <a:normAutofit/>
+          </a:bodyPr>
+          <a:lstStyle/>
+          <a:p>
+            <a:pPr algn="r"/>
+            <a:r>
+              <a:rPr lang="en-US" sz="4000" dirty="0"/>
+              <a:t>Iterator</a:t>
+            </a:r>
+          </a:p>
+        </p:txBody>
+      </p:sp>
+      <p:cxnSp>
+        <p:nvCxnSpPr>
+          <p:cNvPr id="85" name="Straight Connector 84">
+            <a:extLst>
+              <a:ext uri="{FF2B5EF4-FFF2-40B4-BE49-F238E27FC236}">
+                <a16:creationId xmlns:a16="http://schemas.microsoft.com/office/drawing/2014/main" id="{55646586-8E5D-4A2B-BDA9-01CE28AC89A1}"/>
+              </a:ext>
+              <a:ext uri="{C183D7F6-B498-43B3-948B-1728B52AA6E4}">
+                <adec:decorative xmlns:adec="http://schemas.microsoft.com/office/drawing/2017/decorative" val="1"/>
+              </a:ext>
+            </a:extLst>
+          </p:cNvPr>
+          <p:cNvCxnSpPr>
+            <a:cxnSpLocks noGrp="1" noRot="1" noChangeAspect="1" noMove="1" noResize="1" noEditPoints="1" noAdjustHandles="1" noChangeArrowheads="1" noChangeShapeType="1"/>
+          </p:cNvCxnSpPr>
+          <p:nvPr>
+            <p:extLst>
+              <p:ext uri="{386F3935-93C4-4BCD-93E2-E3B085C9AB24}">
+                <p16:designElem xmlns:p16="http://schemas.microsoft.com/office/powerpoint/2015/main" val="1"/>
+              </p:ext>
+            </p:extLst>
+          </p:nvPr>
+        </p:nvCxnSpPr>
+        <p:spPr>
+          <a:xfrm>
+            <a:off x="5820770" y="5247564"/>
+            <a:ext cx="0" cy="873457"/>
+          </a:xfrm>
+          <a:prstGeom prst="line">
+            <a:avLst/>
+          </a:prstGeom>
+          <a:ln w="19050">
+            <a:solidFill>
+              <a:srgbClr val="FFC578"/>
+            </a:solidFill>
+          </a:ln>
+        </p:spPr>
+        <p:style>
+          <a:lnRef idx="1">
+            <a:schemeClr val="accent1"/>
+          </a:lnRef>
+          <a:fillRef idx="0">
+            <a:schemeClr val="accent1"/>
+          </a:fillRef>
+          <a:effectRef idx="0">
+            <a:schemeClr val="accent1"/>
+          </a:effectRef>
+          <a:fontRef idx="minor">
+            <a:schemeClr val="tx1"/>
+          </a:fontRef>
+        </p:style>
+      </p:cxnSp>
+      <p:sp>
+        <p:nvSpPr>
+          <p:cNvPr id="7" name="Text Placeholder 6">
+            <a:extLst>
+              <a:ext uri="{FF2B5EF4-FFF2-40B4-BE49-F238E27FC236}">
+                <a16:creationId xmlns:a16="http://schemas.microsoft.com/office/drawing/2014/main" id="{7E8F4492-485A-4DE4-AF79-08F65DEE159B}"/>
+              </a:ext>
+            </a:extLst>
+          </p:cNvPr>
+          <p:cNvSpPr>
+            <a:spLocks noGrp="1"/>
+          </p:cNvSpPr>
+          <p:nvPr>
+            <p:ph type="body" sz="half" idx="2"/>
+          </p:nvPr>
+        </p:nvSpPr>
+        <p:spPr>
+          <a:xfrm>
+            <a:off x="6064301" y="4905300"/>
+            <a:ext cx="5493699" cy="1554485"/>
+          </a:xfrm>
+        </p:spPr>
+        <p:txBody>
+          <a:bodyPr vert="horz" lIns="0" tIns="45720" rIns="0" bIns="45720" rtlCol="0" anchor="ctr">
+            <a:normAutofit/>
+          </a:bodyPr>
+          <a:lstStyle/>
+          <a:p>
+            <a:pPr>
+              <a:lnSpc>
+                <a:spcPct val="100000"/>
+              </a:lnSpc>
+            </a:pPr>
+            <a:r>
+              <a:rPr lang="en-US" dirty="0">
+                <a:solidFill>
+                  <a:schemeClr val="accent5">
+                    <a:lumMod val="75000"/>
+                  </a:schemeClr>
+                </a:solidFill>
+              </a:rPr>
+              <a:t>Problem</a:t>
+            </a:r>
+            <a:r>
+              <a:rPr lang="en-US" dirty="0"/>
+              <a:t>: the need for a unified way to traverse any data structures, regardless of its underlying representation</a:t>
+            </a:r>
+          </a:p>
+          <a:p>
+            <a:pPr>
+              <a:lnSpc>
+                <a:spcPct val="100000"/>
+              </a:lnSpc>
+            </a:pPr>
+            <a:r>
+              <a:rPr lang="en-US" dirty="0">
+                <a:solidFill>
+                  <a:schemeClr val="accent5">
+                    <a:lumMod val="75000"/>
+                  </a:schemeClr>
+                </a:solidFill>
+              </a:rPr>
+              <a:t>Solution</a:t>
+            </a:r>
+            <a:r>
+              <a:rPr lang="en-US" dirty="0"/>
+              <a:t>:  defined standard traversal protocol in order to decouple your data from the algorithms</a:t>
+            </a:r>
+          </a:p>
+        </p:txBody>
+      </p:sp>
+      <p:pic>
+        <p:nvPicPr>
+          <p:cNvPr id="2050" name="Picture 2" descr="Iterator example">
+            <a:extLst>
+              <a:ext uri="{FF2B5EF4-FFF2-40B4-BE49-F238E27FC236}">
+                <a16:creationId xmlns:a16="http://schemas.microsoft.com/office/drawing/2014/main" id="{40142E7A-B145-4591-9E39-61A1FE060B11}"/>
+              </a:ext>
+            </a:extLst>
+          </p:cNvPr>
+          <p:cNvPicPr>
+            <a:picLocks noChangeAspect="1" noChangeArrowheads="1"/>
+          </p:cNvPicPr>
+          <p:nvPr/>
+        </p:nvPicPr>
+        <p:blipFill>
+          <a:blip r:embed="rId3">
+            <a:extLst>
+              <a:ext uri="{28A0092B-C50C-407E-A947-70E740481C1C}">
+                <a14:useLocalDpi xmlns:a14="http://schemas.microsoft.com/office/drawing/2010/main" val="0"/>
+              </a:ext>
+            </a:extLst>
+          </a:blip>
+          <a:srcRect/>
+          <a:stretch>
+            <a:fillRect/>
+          </a:stretch>
+        </p:blipFill>
+        <p:spPr bwMode="auto">
+          <a:xfrm>
+            <a:off x="3057574" y="465252"/>
+            <a:ext cx="6238875" cy="3743325"/>
+          </a:xfrm>
+          <a:prstGeom prst="rect">
+            <a:avLst/>
+          </a:prstGeom>
+          <a:noFill/>
+          <a:extLst>
+            <a:ext uri="{909E8E84-426E-40DD-AFC4-6F175D3DCCD1}">
+              <a14:hiddenFill xmlns:a14="http://schemas.microsoft.com/office/drawing/2010/main">
+                <a:solidFill>
+                  <a:srgbClr val="FFFFFF"/>
+                </a:solidFill>
+              </a14:hiddenFill>
+            </a:ext>
+          </a:extLst>
+        </p:spPr>
+      </p:pic>
+    </p:spTree>
+    <p:extLst>
+      <p:ext uri="{BB962C8B-B14F-4D97-AF65-F5344CB8AC3E}">
+        <p14:creationId xmlns:p14="http://schemas.microsoft.com/office/powerpoint/2010/main" val="3846258241"/>
       </p:ext>
     </p:extLst>
   </p:cSld>
@@ -13487,6 +21698,24 @@
 </file>
 
 <file path=customXml/item1.xml><?xml version="1.0" encoding="utf-8"?>
+<p:properties xmlns:p="http://schemas.microsoft.com/office/2006/metadata/properties" xmlns:xsi="http://www.w3.org/2001/XMLSchema-instance" xmlns:pc="http://schemas.microsoft.com/office/infopath/2007/PartnerControls">
+  <documentManagement>
+    <Status xmlns="71af3243-3dd4-4a8d-8c0d-dd76da1f02a5">Not started</Status>
+    <MediaServiceKeyPoints xmlns="71af3243-3dd4-4a8d-8c0d-dd76da1f02a5" xsi:nil="true"/>
+  </documentManagement>
+</p:properties>
+</file>
+
+<file path=customXml/item2.xml><?xml version="1.0" encoding="utf-8"?>
+<?mso-contentType ?>
+<FormTemplates xmlns="http://schemas.microsoft.com/sharepoint/v3/contenttype/forms">
+  <Display>DocumentLibraryForm</Display>
+  <Edit>DocumentLibraryForm</Edit>
+  <New>DocumentLibraryForm</New>
+</FormTemplates>
+</file>
+
+<file path=customXml/item3.xml><?xml version="1.0" encoding="utf-8"?>
 <ct:contentTypeSchema xmlns:ct="http://schemas.microsoft.com/office/2006/metadata/contentType" xmlns:ma="http://schemas.microsoft.com/office/2006/metadata/properties/metaAttributes" ct:_="" ma:_="" ma:contentTypeName="Document" ma:contentTypeID="0x01010079F111ED35F8CC479449609E8A0923A6" ma:contentTypeVersion="12" ma:contentTypeDescription="Create a new document." ma:contentTypeScope="" ma:versionID="426e97fa315356fffbdcd9876fe988c2">
   <xsd:schema xmlns:xsd="http://www.w3.org/2001/XMLSchema" xmlns:xs="http://www.w3.org/2001/XMLSchema" xmlns:p="http://schemas.microsoft.com/office/2006/metadata/properties" xmlns:ns2="71af3243-3dd4-4a8d-8c0d-dd76da1f02a5" xmlns:ns3="16c05727-aa75-4e4a-9b5f-8a80a1165891" targetNamespace="http://schemas.microsoft.com/office/2006/metadata/properties" ma:root="true" ma:fieldsID="14b8f0def80e6d70ce3def20c90759ae" ns2:_="" ns3:_="">
     <xsd:import namespace="71af3243-3dd4-4a8d-8c0d-dd76da1f02a5"/>
@@ -13707,25 +21936,25 @@
 </ct:contentTypeSchema>
 </file>
 
-<file path=customXml/item2.xml><?xml version="1.0" encoding="utf-8"?>
-<?mso-contentType ?>
-<FormTemplates xmlns="http://schemas.microsoft.com/sharepoint/v3/contenttype/forms">
-  <Display>DocumentLibraryForm</Display>
-  <Edit>DocumentLibraryForm</Edit>
-  <New>DocumentLibraryForm</New>
-</FormTemplates>
+<file path=customXml/itemProps1.xml><?xml version="1.0" encoding="utf-8"?>
+<ds:datastoreItem xmlns:ds="http://schemas.openxmlformats.org/officeDocument/2006/customXml" ds:itemID="{84F503EC-3FFF-4193-A86F-39150E2BAC75}">
+  <ds:schemaRefs>
+    <ds:schemaRef ds:uri="http://schemas.microsoft.com/office/2006/metadata/properties"/>
+    <ds:schemaRef ds:uri="http://schemas.microsoft.com/office/infopath/2007/PartnerControls"/>
+    <ds:schemaRef ds:uri="71af3243-3dd4-4a8d-8c0d-dd76da1f02a5"/>
+  </ds:schemaRefs>
+</ds:datastoreItem>
 </file>
 
-<file path=customXml/item3.xml><?xml version="1.0" encoding="utf-8"?>
-<p:properties xmlns:p="http://schemas.microsoft.com/office/2006/metadata/properties" xmlns:xsi="http://www.w3.org/2001/XMLSchema-instance" xmlns:pc="http://schemas.microsoft.com/office/infopath/2007/PartnerControls">
-  <documentManagement>
-    <Status xmlns="71af3243-3dd4-4a8d-8c0d-dd76da1f02a5">Not started</Status>
-    <MediaServiceKeyPoints xmlns="71af3243-3dd4-4a8d-8c0d-dd76da1f02a5" xsi:nil="true"/>
-  </documentManagement>
-</p:properties>
+<file path=customXml/itemProps2.xml><?xml version="1.0" encoding="utf-8"?>
+<ds:datastoreItem xmlns:ds="http://schemas.openxmlformats.org/officeDocument/2006/customXml" ds:itemID="{2E5ECA37-C458-4BA2-A090-D7A19E07B434}">
+  <ds:schemaRefs>
+    <ds:schemaRef ds:uri="http://schemas.microsoft.com/sharepoint/v3/contenttype/forms"/>
+  </ds:schemaRefs>
+</ds:datastoreItem>
 </file>
 
-<file path=customXml/itemProps1.xml><?xml version="1.0" encoding="utf-8"?>
+<file path=customXml/itemProps3.xml><?xml version="1.0" encoding="utf-8"?>
 <ds:datastoreItem xmlns:ds="http://schemas.openxmlformats.org/officeDocument/2006/customXml" ds:itemID="{7A26AAF5-6CFC-4C52-B7DF-08410EDE6701}">
   <ds:schemaRefs>
     <ds:schemaRef ds:uri="http://schemas.microsoft.com/office/2006/metadata/contentType"/>
@@ -13742,22 +21971,4 @@
     <ds:schemaRef ds:uri="http://schemas.microsoft.com/internal/obd"/>
   </ds:schemaRefs>
 </ds:datastoreItem>
-</file>
-
-<file path=customXml/itemProps2.xml><?xml version="1.0" encoding="utf-8"?>
-<ds:datastoreItem xmlns:ds="http://schemas.openxmlformats.org/officeDocument/2006/customXml" ds:itemID="{2E5ECA37-C458-4BA2-A090-D7A19E07B434}">
-  <ds:schemaRefs>
-    <ds:schemaRef ds:uri="http://schemas.microsoft.com/sharepoint/v3/contenttype/forms"/>
-  </ds:schemaRefs>
-</ds:datastoreItem>
-</file>
-
-<file path=customXml/itemProps3.xml><?xml version="1.0" encoding="utf-8"?>
-<ds:datastoreItem xmlns:ds="http://schemas.openxmlformats.org/officeDocument/2006/customXml" ds:itemID="{84F503EC-3FFF-4193-A86F-39150E2BAC75}">
-  <ds:schemaRefs>
-    <ds:schemaRef ds:uri="http://schemas.microsoft.com/office/2006/metadata/properties"/>
-    <ds:schemaRef ds:uri="http://schemas.microsoft.com/office/infopath/2007/PartnerControls"/>
-    <ds:schemaRef ds:uri="71af3243-3dd4-4a8d-8c0d-dd76da1f02a5"/>
-  </ds:schemaRefs>
-</ds:datastoreItem>
 </file>
--- a/PPT Presentations/DesignPatterns-BehavioralPatterns.pptx
+++ b/PPT Presentations/DesignPatterns-BehavioralPatterns.pptx
@@ -5,7 +5,7 @@
     <p:sldMasterId id="2147483660" r:id="rId4"/>
   </p:sldMasterIdLst>
   <p:notesMasterIdLst>
-    <p:notesMasterId r:id="rId15"/>
+    <p:notesMasterId r:id="rId17"/>
   </p:notesMasterIdLst>
   <p:sldIdLst>
     <p:sldId id="287" r:id="rId5"/>
@@ -18,6 +18,8 @@
     <p:sldId id="293" r:id="rId12"/>
     <p:sldId id="296" r:id="rId13"/>
     <p:sldId id="297" r:id="rId14"/>
+    <p:sldId id="298" r:id="rId15"/>
+    <p:sldId id="299" r:id="rId16"/>
   </p:sldIdLst>
   <p:sldSz cx="12192000" cy="6858000"/>
   <p:notesSz cx="6858000" cy="9144000"/>
@@ -2392,6 +2394,753 @@
 </file>
 
 <file path=ppt/diagrams/colors4.xml><?xml version="1.0" encoding="utf-8"?>
+<dgm:colorsDef xmlns:dgm="http://schemas.openxmlformats.org/drawingml/2006/diagram" xmlns:a="http://schemas.openxmlformats.org/drawingml/2006/main" uniqueId="urn:microsoft.com/office/officeart/2005/8/colors/accent1_2">
+  <dgm:title val=""/>
+  <dgm:desc val=""/>
+  <dgm:catLst>
+    <dgm:cat type="accent1" pri="11200"/>
+  </dgm:catLst>
+  <dgm:styleLbl name="node0">
+    <dgm:fillClrLst meth="repeat">
+      <a:schemeClr val="accent1"/>
+    </dgm:fillClrLst>
+    <dgm:linClrLst meth="repeat">
+      <a:schemeClr val="lt1"/>
+    </dgm:linClrLst>
+    <dgm:effectClrLst/>
+    <dgm:txLinClrLst/>
+    <dgm:txFillClrLst/>
+    <dgm:txEffectClrLst/>
+  </dgm:styleLbl>
+  <dgm:styleLbl name="alignNode1">
+    <dgm:fillClrLst meth="repeat">
+      <a:schemeClr val="accent1"/>
+    </dgm:fillClrLst>
+    <dgm:linClrLst meth="repeat">
+      <a:schemeClr val="accent1"/>
+    </dgm:linClrLst>
+    <dgm:effectClrLst/>
+    <dgm:txLinClrLst/>
+    <dgm:txFillClrLst/>
+    <dgm:txEffectClrLst/>
+  </dgm:styleLbl>
+  <dgm:styleLbl name="node1">
+    <dgm:fillClrLst meth="repeat">
+      <a:schemeClr val="accent1"/>
+    </dgm:fillClrLst>
+    <dgm:linClrLst meth="repeat">
+      <a:schemeClr val="lt1"/>
+    </dgm:linClrLst>
+    <dgm:effectClrLst/>
+    <dgm:txLinClrLst/>
+    <dgm:txFillClrLst/>
+    <dgm:txEffectClrLst/>
+  </dgm:styleLbl>
+  <dgm:styleLbl name="lnNode1">
+    <dgm:fillClrLst meth="repeat">
+      <a:schemeClr val="accent1"/>
+    </dgm:fillClrLst>
+    <dgm:linClrLst meth="repeat">
+      <a:schemeClr val="lt1"/>
+    </dgm:linClrLst>
+    <dgm:effectClrLst/>
+    <dgm:txLinClrLst/>
+    <dgm:txFillClrLst/>
+    <dgm:txEffectClrLst/>
+  </dgm:styleLbl>
+  <dgm:styleLbl name="vennNode1">
+    <dgm:fillClrLst meth="repeat">
+      <a:schemeClr val="accent1">
+        <a:alpha val="50000"/>
+      </a:schemeClr>
+    </dgm:fillClrLst>
+    <dgm:linClrLst meth="repeat">
+      <a:schemeClr val="lt1"/>
+    </dgm:linClrLst>
+    <dgm:effectClrLst/>
+    <dgm:txLinClrLst/>
+    <dgm:txFillClrLst/>
+    <dgm:txEffectClrLst/>
+  </dgm:styleLbl>
+  <dgm:styleLbl name="node2">
+    <dgm:fillClrLst meth="repeat">
+      <a:schemeClr val="accent1"/>
+    </dgm:fillClrLst>
+    <dgm:linClrLst meth="repeat">
+      <a:schemeClr val="lt1"/>
+    </dgm:linClrLst>
+    <dgm:effectClrLst/>
+    <dgm:txLinClrLst/>
+    <dgm:txFillClrLst/>
+    <dgm:txEffectClrLst/>
+  </dgm:styleLbl>
+  <dgm:styleLbl name="node3">
+    <dgm:fillClrLst meth="repeat">
+      <a:schemeClr val="accent1"/>
+    </dgm:fillClrLst>
+    <dgm:linClrLst meth="repeat">
+      <a:schemeClr val="lt1"/>
+    </dgm:linClrLst>
+    <dgm:effectClrLst/>
+    <dgm:txLinClrLst/>
+    <dgm:txFillClrLst/>
+    <dgm:txEffectClrLst/>
+  </dgm:styleLbl>
+  <dgm:styleLbl name="node4">
+    <dgm:fillClrLst meth="repeat">
+      <a:schemeClr val="accent1"/>
+    </dgm:fillClrLst>
+    <dgm:linClrLst meth="repeat">
+      <a:schemeClr val="lt1"/>
+    </dgm:linClrLst>
+    <dgm:effectClrLst/>
+    <dgm:txLinClrLst/>
+    <dgm:txFillClrLst/>
+    <dgm:txEffectClrLst/>
+  </dgm:styleLbl>
+  <dgm:styleLbl name="fgImgPlace1">
+    <dgm:fillClrLst meth="repeat">
+      <a:schemeClr val="accent1">
+        <a:tint val="50000"/>
+      </a:schemeClr>
+    </dgm:fillClrLst>
+    <dgm:linClrLst meth="repeat">
+      <a:schemeClr val="lt1"/>
+    </dgm:linClrLst>
+    <dgm:effectClrLst/>
+    <dgm:txLinClrLst/>
+    <dgm:txFillClrLst meth="repeat">
+      <a:schemeClr val="lt1"/>
+    </dgm:txFillClrLst>
+    <dgm:txEffectClrLst/>
+  </dgm:styleLbl>
+  <dgm:styleLbl name="alignImgPlace1">
+    <dgm:fillClrLst meth="repeat">
+      <a:schemeClr val="accent1">
+        <a:tint val="50000"/>
+      </a:schemeClr>
+    </dgm:fillClrLst>
+    <dgm:linClrLst meth="repeat">
+      <a:schemeClr val="lt1"/>
+    </dgm:linClrLst>
+    <dgm:effectClrLst/>
+    <dgm:txLinClrLst/>
+    <dgm:txFillClrLst meth="repeat">
+      <a:schemeClr val="lt1"/>
+    </dgm:txFillClrLst>
+    <dgm:txEffectClrLst/>
+  </dgm:styleLbl>
+  <dgm:styleLbl name="bgImgPlace1">
+    <dgm:fillClrLst meth="repeat">
+      <a:schemeClr val="accent1">
+        <a:tint val="50000"/>
+      </a:schemeClr>
+    </dgm:fillClrLst>
+    <dgm:linClrLst meth="repeat">
+      <a:schemeClr val="lt1"/>
+    </dgm:linClrLst>
+    <dgm:effectClrLst/>
+    <dgm:txLinClrLst/>
+    <dgm:txFillClrLst meth="repeat">
+      <a:schemeClr val="lt1"/>
+    </dgm:txFillClrLst>
+    <dgm:txEffectClrLst/>
+  </dgm:styleLbl>
+  <dgm:styleLbl name="sibTrans2D1">
+    <dgm:fillClrLst meth="repeat">
+      <a:schemeClr val="accent1">
+        <a:tint val="60000"/>
+      </a:schemeClr>
+    </dgm:fillClrLst>
+    <dgm:linClrLst meth="repeat">
+      <a:schemeClr val="accent1">
+        <a:tint val="60000"/>
+      </a:schemeClr>
+    </dgm:linClrLst>
+    <dgm:effectClrLst/>
+    <dgm:txLinClrLst/>
+    <dgm:txFillClrLst/>
+    <dgm:txEffectClrLst/>
+  </dgm:styleLbl>
+  <dgm:styleLbl name="fgSibTrans2D1">
+    <dgm:fillClrLst meth="repeat">
+      <a:schemeClr val="accent1">
+        <a:tint val="60000"/>
+      </a:schemeClr>
+    </dgm:fillClrLst>
+    <dgm:linClrLst meth="repeat">
+      <a:schemeClr val="accent1">
+        <a:tint val="60000"/>
+      </a:schemeClr>
+    </dgm:linClrLst>
+    <dgm:effectClrLst/>
+    <dgm:txLinClrLst/>
+    <dgm:txFillClrLst/>
+    <dgm:txEffectClrLst/>
+  </dgm:styleLbl>
+  <dgm:styleLbl name="bgSibTrans2D1">
+    <dgm:fillClrLst meth="repeat">
+      <a:schemeClr val="accent1">
+        <a:tint val="60000"/>
+      </a:schemeClr>
+    </dgm:fillClrLst>
+    <dgm:linClrLst meth="repeat">
+      <a:schemeClr val="accent1">
+        <a:tint val="60000"/>
+      </a:schemeClr>
+    </dgm:linClrLst>
+    <dgm:effectClrLst/>
+    <dgm:txLinClrLst/>
+    <dgm:txFillClrLst/>
+    <dgm:txEffectClrLst/>
+  </dgm:styleLbl>
+  <dgm:styleLbl name="sibTrans1D1">
+    <dgm:fillClrLst meth="repeat">
+      <a:schemeClr val="accent1"/>
+    </dgm:fillClrLst>
+    <dgm:linClrLst meth="repeat">
+      <a:schemeClr val="accent1"/>
+    </dgm:linClrLst>
+    <dgm:effectClrLst/>
+    <dgm:txLinClrLst/>
+    <dgm:txFillClrLst meth="repeat">
+      <a:schemeClr val="tx1"/>
+    </dgm:txFillClrLst>
+    <dgm:txEffectClrLst/>
+  </dgm:styleLbl>
+  <dgm:styleLbl name="callout">
+    <dgm:fillClrLst meth="repeat">
+      <a:schemeClr val="accent1"/>
+    </dgm:fillClrLst>
+    <dgm:linClrLst meth="repeat">
+      <a:schemeClr val="accent1">
+        <a:tint val="50000"/>
+      </a:schemeClr>
+    </dgm:linClrLst>
+    <dgm:effectClrLst/>
+    <dgm:txLinClrLst/>
+    <dgm:txFillClrLst meth="repeat">
+      <a:schemeClr val="tx1"/>
+    </dgm:txFillClrLst>
+    <dgm:txEffectClrLst/>
+  </dgm:styleLbl>
+  <dgm:styleLbl name="asst0">
+    <dgm:fillClrLst meth="repeat">
+      <a:schemeClr val="accent1"/>
+    </dgm:fillClrLst>
+    <dgm:linClrLst meth="repeat">
+      <a:schemeClr val="lt1"/>
+    </dgm:linClrLst>
+    <dgm:effectClrLst/>
+    <dgm:txLinClrLst/>
+    <dgm:txFillClrLst/>
+    <dgm:txEffectClrLst/>
+  </dgm:styleLbl>
+  <dgm:styleLbl name="asst1">
+    <dgm:fillClrLst meth="repeat">
+      <a:schemeClr val="accent1"/>
+    </dgm:fillClrLst>
+    <dgm:linClrLst meth="repeat">
+      <a:schemeClr val="lt1"/>
+    </dgm:linClrLst>
+    <dgm:effectClrLst/>
+    <dgm:txLinClrLst/>
+    <dgm:txFillClrLst/>
+    <dgm:txEffectClrLst/>
+  </dgm:styleLbl>
+  <dgm:styleLbl name="asst2">
+    <dgm:fillClrLst meth="repeat">
+      <a:schemeClr val="accent1"/>
+    </dgm:fillClrLst>
+    <dgm:linClrLst meth="repeat">
+      <a:schemeClr val="lt1"/>
+    </dgm:linClrLst>
+    <dgm:effectClrLst/>
+    <dgm:txLinClrLst/>
+    <dgm:txFillClrLst/>
+    <dgm:txEffectClrLst/>
+  </dgm:styleLbl>
+  <dgm:styleLbl name="asst3">
+    <dgm:fillClrLst meth="repeat">
+      <a:schemeClr val="accent1"/>
+    </dgm:fillClrLst>
+    <dgm:linClrLst meth="repeat">
+      <a:schemeClr val="lt1"/>
+    </dgm:linClrLst>
+    <dgm:effectClrLst/>
+    <dgm:txLinClrLst/>
+    <dgm:txFillClrLst/>
+    <dgm:txEffectClrLst/>
+  </dgm:styleLbl>
+  <dgm:styleLbl name="asst4">
+    <dgm:fillClrLst meth="repeat">
+      <a:schemeClr val="accent1"/>
+    </dgm:fillClrLst>
+    <dgm:linClrLst meth="repeat">
+      <a:schemeClr val="lt1"/>
+    </dgm:linClrLst>
+    <dgm:effectClrLst/>
+    <dgm:txLinClrLst/>
+    <dgm:txFillClrLst/>
+    <dgm:txEffectClrLst/>
+  </dgm:styleLbl>
+  <dgm:styleLbl name="parChTrans2D1">
+    <dgm:fillClrLst meth="repeat">
+      <a:schemeClr val="accent1">
+        <a:tint val="60000"/>
+      </a:schemeClr>
+    </dgm:fillClrLst>
+    <dgm:linClrLst meth="repeat">
+      <a:schemeClr val="accent1">
+        <a:tint val="60000"/>
+      </a:schemeClr>
+    </dgm:linClrLst>
+    <dgm:effectClrLst/>
+    <dgm:txLinClrLst/>
+    <dgm:txFillClrLst meth="repeat">
+      <a:schemeClr val="lt1"/>
+    </dgm:txFillClrLst>
+    <dgm:txEffectClrLst/>
+  </dgm:styleLbl>
+  <dgm:styleLbl name="parChTrans2D2">
+    <dgm:fillClrLst meth="repeat">
+      <a:schemeClr val="accent1"/>
+    </dgm:fillClrLst>
+    <dgm:linClrLst meth="repeat">
+      <a:schemeClr val="accent1"/>
+    </dgm:linClrLst>
+    <dgm:effectClrLst/>
+    <dgm:txLinClrLst/>
+    <dgm:txFillClrLst meth="repeat">
+      <a:schemeClr val="lt1"/>
+    </dgm:txFillClrLst>
+    <dgm:txEffectClrLst/>
+  </dgm:styleLbl>
+  <dgm:styleLbl name="parChTrans2D3">
+    <dgm:fillClrLst meth="repeat">
+      <a:schemeClr val="accent1"/>
+    </dgm:fillClrLst>
+    <dgm:linClrLst meth="repeat">
+      <a:schemeClr val="accent1"/>
+    </dgm:linClrLst>
+    <dgm:effectClrLst/>
+    <dgm:txLinClrLst/>
+    <dgm:txFillClrLst meth="repeat">
+      <a:schemeClr val="lt1"/>
+    </dgm:txFillClrLst>
+    <dgm:txEffectClrLst/>
+  </dgm:styleLbl>
+  <dgm:styleLbl name="parChTrans2D4">
+    <dgm:fillClrLst meth="repeat">
+      <a:schemeClr val="accent1"/>
+    </dgm:fillClrLst>
+    <dgm:linClrLst meth="repeat">
+      <a:schemeClr val="accent1"/>
+    </dgm:linClrLst>
+    <dgm:effectClrLst/>
+    <dgm:txLinClrLst/>
+    <dgm:txFillClrLst meth="repeat">
+      <a:schemeClr val="lt1"/>
+    </dgm:txFillClrLst>
+    <dgm:txEffectClrLst/>
+  </dgm:styleLbl>
+  <dgm:styleLbl name="parChTrans1D1">
+    <dgm:fillClrLst meth="repeat">
+      <a:schemeClr val="accent1"/>
+    </dgm:fillClrLst>
+    <dgm:linClrLst meth="repeat">
+      <a:schemeClr val="accent1">
+        <a:shade val="60000"/>
+      </a:schemeClr>
+    </dgm:linClrLst>
+    <dgm:effectClrLst/>
+    <dgm:txLinClrLst/>
+    <dgm:txFillClrLst meth="repeat">
+      <a:schemeClr val="tx1"/>
+    </dgm:txFillClrLst>
+    <dgm:txEffectClrLst/>
+  </dgm:styleLbl>
+  <dgm:styleLbl name="parChTrans1D2">
+    <dgm:fillClrLst meth="repeat">
+      <a:schemeClr val="accent1"/>
+    </dgm:fillClrLst>
+    <dgm:linClrLst meth="repeat">
+      <a:schemeClr val="accent1">
+        <a:shade val="60000"/>
+      </a:schemeClr>
+    </dgm:linClrLst>
+    <dgm:effectClrLst/>
+    <dgm:txLinClrLst/>
+    <dgm:txFillClrLst meth="repeat">
+      <a:schemeClr val="tx1"/>
+    </dgm:txFillClrLst>
+    <dgm:txEffectClrLst/>
+  </dgm:styleLbl>
+  <dgm:styleLbl name="parChTrans1D3">
+    <dgm:fillClrLst meth="repeat">
+      <a:schemeClr val="accent1"/>
+    </dgm:fillClrLst>
+    <dgm:linClrLst meth="repeat">
+      <a:schemeClr val="accent1">
+        <a:shade val="80000"/>
+      </a:schemeClr>
+    </dgm:linClrLst>
+    <dgm:effectClrLst/>
+    <dgm:txLinClrLst/>
+    <dgm:txFillClrLst meth="repeat">
+      <a:schemeClr val="tx1"/>
+    </dgm:txFillClrLst>
+    <dgm:txEffectClrLst/>
+  </dgm:styleLbl>
+  <dgm:styleLbl name="parChTrans1D4">
+    <dgm:fillClrLst meth="repeat">
+      <a:schemeClr val="accent1"/>
+    </dgm:fillClrLst>
+    <dgm:linClrLst meth="repeat">
+      <a:schemeClr val="accent1">
+        <a:shade val="80000"/>
+      </a:schemeClr>
+    </dgm:linClrLst>
+    <dgm:effectClrLst/>
+    <dgm:txLinClrLst/>
+    <dgm:txFillClrLst meth="repeat">
+      <a:schemeClr val="tx1"/>
+    </dgm:txFillClrLst>
+    <dgm:txEffectClrLst/>
+  </dgm:styleLbl>
+  <dgm:styleLbl name="fgAcc1">
+    <dgm:fillClrLst meth="repeat">
+      <a:schemeClr val="lt1">
+        <a:alpha val="90000"/>
+      </a:schemeClr>
+    </dgm:fillClrLst>
+    <dgm:linClrLst meth="repeat">
+      <a:schemeClr val="accent1"/>
+    </dgm:linClrLst>
+    <dgm:effectClrLst/>
+    <dgm:txLinClrLst/>
+    <dgm:txFillClrLst meth="repeat">
+      <a:schemeClr val="dk1"/>
+    </dgm:txFillClrLst>
+    <dgm:txEffectClrLst/>
+  </dgm:styleLbl>
+  <dgm:styleLbl name="conFgAcc1">
+    <dgm:fillClrLst meth="repeat">
+      <a:schemeClr val="lt1">
+        <a:alpha val="90000"/>
+      </a:schemeClr>
+    </dgm:fillClrLst>
+    <dgm:linClrLst meth="repeat">
+      <a:schemeClr val="accent1"/>
+    </dgm:linClrLst>
+    <dgm:effectClrLst/>
+    <dgm:txLinClrLst/>
+    <dgm:txFillClrLst meth="repeat">
+      <a:schemeClr val="dk1"/>
+    </dgm:txFillClrLst>
+    <dgm:txEffectClrLst/>
+  </dgm:styleLbl>
+  <dgm:styleLbl name="alignAcc1">
+    <dgm:fillClrLst meth="repeat">
+      <a:schemeClr val="lt1">
+        <a:alpha val="90000"/>
+      </a:schemeClr>
+    </dgm:fillClrLst>
+    <dgm:linClrLst meth="repeat">
+      <a:schemeClr val="accent1"/>
+    </dgm:linClrLst>
+    <dgm:effectClrLst/>
+    <dgm:txLinClrLst/>
+    <dgm:txFillClrLst meth="repeat">
+      <a:schemeClr val="dk1"/>
+    </dgm:txFillClrLst>
+    <dgm:txEffectClrLst/>
+  </dgm:styleLbl>
+  <dgm:styleLbl name="trAlignAcc1">
+    <dgm:fillClrLst meth="repeat">
+      <a:schemeClr val="lt1">
+        <a:alpha val="40000"/>
+      </a:schemeClr>
+    </dgm:fillClrLst>
+    <dgm:linClrLst meth="repeat">
+      <a:schemeClr val="accent1"/>
+    </dgm:linClrLst>
+    <dgm:effectClrLst/>
+    <dgm:txLinClrLst/>
+    <dgm:txFillClrLst meth="repeat">
+      <a:schemeClr val="dk1"/>
+    </dgm:txFillClrLst>
+    <dgm:txEffectClrLst/>
+  </dgm:styleLbl>
+  <dgm:styleLbl name="bgAcc1">
+    <dgm:fillClrLst meth="repeat">
+      <a:schemeClr val="lt1">
+        <a:alpha val="90000"/>
+      </a:schemeClr>
+    </dgm:fillClrLst>
+    <dgm:linClrLst meth="repeat">
+      <a:schemeClr val="accent1"/>
+    </dgm:linClrLst>
+    <dgm:effectClrLst/>
+    <dgm:txLinClrLst/>
+    <dgm:txFillClrLst meth="repeat">
+      <a:schemeClr val="dk1"/>
+    </dgm:txFillClrLst>
+    <dgm:txEffectClrLst/>
+  </dgm:styleLbl>
+  <dgm:styleLbl name="solidFgAcc1">
+    <dgm:fillClrLst meth="repeat">
+      <a:schemeClr val="lt1"/>
+    </dgm:fillClrLst>
+    <dgm:linClrLst meth="repeat">
+      <a:schemeClr val="accent1"/>
+    </dgm:linClrLst>
+    <dgm:effectClrLst/>
+    <dgm:txLinClrLst/>
+    <dgm:txFillClrLst meth="repeat">
+      <a:schemeClr val="dk1"/>
+    </dgm:txFillClrLst>
+    <dgm:txEffectClrLst/>
+  </dgm:styleLbl>
+  <dgm:styleLbl name="solidAlignAcc1">
+    <dgm:fillClrLst meth="repeat">
+      <a:schemeClr val="lt1"/>
+    </dgm:fillClrLst>
+    <dgm:linClrLst meth="repeat">
+      <a:schemeClr val="accent1"/>
+    </dgm:linClrLst>
+    <dgm:effectClrLst/>
+    <dgm:txLinClrLst/>
+    <dgm:txFillClrLst meth="repeat">
+      <a:schemeClr val="dk1"/>
+    </dgm:txFillClrLst>
+    <dgm:txEffectClrLst/>
+  </dgm:styleLbl>
+  <dgm:styleLbl name="solidBgAcc1">
+    <dgm:fillClrLst meth="repeat">
+      <a:schemeClr val="lt1"/>
+    </dgm:fillClrLst>
+    <dgm:linClrLst meth="repeat">
+      <a:schemeClr val="accent1"/>
+    </dgm:linClrLst>
+    <dgm:effectClrLst/>
+    <dgm:txLinClrLst/>
+    <dgm:txFillClrLst meth="repeat">
+      <a:schemeClr val="dk1"/>
+    </dgm:txFillClrLst>
+    <dgm:txEffectClrLst/>
+  </dgm:styleLbl>
+  <dgm:styleLbl name="fgAccFollowNode1">
+    <dgm:fillClrLst meth="repeat">
+      <a:schemeClr val="accent1">
+        <a:alpha val="90000"/>
+        <a:tint val="40000"/>
+      </a:schemeClr>
+    </dgm:fillClrLst>
+    <dgm:linClrLst meth="repeat">
+      <a:schemeClr val="accent1">
+        <a:alpha val="90000"/>
+        <a:tint val="40000"/>
+      </a:schemeClr>
+    </dgm:linClrLst>
+    <dgm:effectClrLst/>
+    <dgm:txLinClrLst/>
+    <dgm:txFillClrLst meth="repeat">
+      <a:schemeClr val="dk1"/>
+    </dgm:txFillClrLst>
+    <dgm:txEffectClrLst/>
+  </dgm:styleLbl>
+  <dgm:styleLbl name="alignAccFollowNode1">
+    <dgm:fillClrLst meth="repeat">
+      <a:schemeClr val="accent1">
+        <a:alpha val="90000"/>
+        <a:tint val="40000"/>
+      </a:schemeClr>
+    </dgm:fillClrLst>
+    <dgm:linClrLst meth="repeat">
+      <a:schemeClr val="accent1">
+        <a:alpha val="90000"/>
+        <a:tint val="40000"/>
+      </a:schemeClr>
+    </dgm:linClrLst>
+    <dgm:effectClrLst/>
+    <dgm:txLinClrLst/>
+    <dgm:txFillClrLst meth="repeat">
+      <a:schemeClr val="dk1"/>
+    </dgm:txFillClrLst>
+    <dgm:txEffectClrLst/>
+  </dgm:styleLbl>
+  <dgm:styleLbl name="bgAccFollowNode1">
+    <dgm:fillClrLst meth="repeat">
+      <a:schemeClr val="accent1">
+        <a:alpha val="90000"/>
+        <a:tint val="40000"/>
+      </a:schemeClr>
+    </dgm:fillClrLst>
+    <dgm:linClrLst meth="repeat">
+      <a:schemeClr val="accent1">
+        <a:alpha val="90000"/>
+        <a:tint val="40000"/>
+      </a:schemeClr>
+    </dgm:linClrLst>
+    <dgm:effectClrLst/>
+    <dgm:txLinClrLst/>
+    <dgm:txFillClrLst meth="repeat">
+      <a:schemeClr val="dk1"/>
+    </dgm:txFillClrLst>
+    <dgm:txEffectClrLst/>
+  </dgm:styleLbl>
+  <dgm:styleLbl name="fgAcc0">
+    <dgm:fillClrLst meth="repeat">
+      <a:schemeClr val="lt1">
+        <a:alpha val="90000"/>
+      </a:schemeClr>
+    </dgm:fillClrLst>
+    <dgm:linClrLst meth="repeat">
+      <a:schemeClr val="accent1"/>
+    </dgm:linClrLst>
+    <dgm:effectClrLst/>
+    <dgm:txLinClrLst/>
+    <dgm:txFillClrLst meth="repeat">
+      <a:schemeClr val="dk1"/>
+    </dgm:txFillClrLst>
+    <dgm:txEffectClrLst/>
+  </dgm:styleLbl>
+  <dgm:styleLbl name="fgAcc2">
+    <dgm:fillClrLst meth="repeat">
+      <a:schemeClr val="lt1">
+        <a:alpha val="90000"/>
+      </a:schemeClr>
+    </dgm:fillClrLst>
+    <dgm:linClrLst meth="repeat">
+      <a:schemeClr val="accent1"/>
+    </dgm:linClrLst>
+    <dgm:effectClrLst/>
+    <dgm:txLinClrLst/>
+    <dgm:txFillClrLst meth="repeat">
+      <a:schemeClr val="dk1"/>
+    </dgm:txFillClrLst>
+    <dgm:txEffectClrLst/>
+  </dgm:styleLbl>
+  <dgm:styleLbl name="fgAcc3">
+    <dgm:fillClrLst meth="repeat">
+      <a:schemeClr val="lt1">
+        <a:alpha val="90000"/>
+      </a:schemeClr>
+    </dgm:fillClrLst>
+    <dgm:linClrLst meth="repeat">
+      <a:schemeClr val="accent1"/>
+    </dgm:linClrLst>
+    <dgm:effectClrLst/>
+    <dgm:txLinClrLst/>
+    <dgm:txFillClrLst meth="repeat">
+      <a:schemeClr val="dk1"/>
+    </dgm:txFillClrLst>
+    <dgm:txEffectClrLst/>
+  </dgm:styleLbl>
+  <dgm:styleLbl name="fgAcc4">
+    <dgm:fillClrLst meth="repeat">
+      <a:schemeClr val="lt1">
+        <a:alpha val="90000"/>
+      </a:schemeClr>
+    </dgm:fillClrLst>
+    <dgm:linClrLst meth="repeat">
+      <a:schemeClr val="accent1"/>
+    </dgm:linClrLst>
+    <dgm:effectClrLst/>
+    <dgm:txLinClrLst/>
+    <dgm:txFillClrLst meth="repeat">
+      <a:schemeClr val="dk1"/>
+    </dgm:txFillClrLst>
+    <dgm:txEffectClrLst/>
+  </dgm:styleLbl>
+  <dgm:styleLbl name="bgShp">
+    <dgm:fillClrLst meth="repeat">
+      <a:schemeClr val="accent1">
+        <a:tint val="40000"/>
+      </a:schemeClr>
+    </dgm:fillClrLst>
+    <dgm:linClrLst meth="repeat">
+      <a:schemeClr val="accent1"/>
+    </dgm:linClrLst>
+    <dgm:effectClrLst/>
+    <dgm:txLinClrLst/>
+    <dgm:txFillClrLst meth="repeat">
+      <a:schemeClr val="dk1"/>
+    </dgm:txFillClrLst>
+    <dgm:txEffectClrLst/>
+  </dgm:styleLbl>
+  <dgm:styleLbl name="dkBgShp">
+    <dgm:fillClrLst meth="repeat">
+      <a:schemeClr val="accent1">
+        <a:shade val="80000"/>
+      </a:schemeClr>
+    </dgm:fillClrLst>
+    <dgm:linClrLst meth="repeat">
+      <a:schemeClr val="accent1"/>
+    </dgm:linClrLst>
+    <dgm:effectClrLst/>
+    <dgm:txLinClrLst/>
+    <dgm:txFillClrLst meth="repeat">
+      <a:schemeClr val="lt1"/>
+    </dgm:txFillClrLst>
+    <dgm:txEffectClrLst/>
+  </dgm:styleLbl>
+  <dgm:styleLbl name="trBgShp">
+    <dgm:fillClrLst meth="repeat">
+      <a:schemeClr val="accent1">
+        <a:tint val="50000"/>
+        <a:alpha val="40000"/>
+      </a:schemeClr>
+    </dgm:fillClrLst>
+    <dgm:linClrLst meth="repeat">
+      <a:schemeClr val="accent1"/>
+    </dgm:linClrLst>
+    <dgm:effectClrLst/>
+    <dgm:txLinClrLst/>
+    <dgm:txFillClrLst meth="repeat">
+      <a:schemeClr val="lt1"/>
+    </dgm:txFillClrLst>
+    <dgm:txEffectClrLst/>
+  </dgm:styleLbl>
+  <dgm:styleLbl name="fgShp">
+    <dgm:fillClrLst meth="repeat">
+      <a:schemeClr val="accent1">
+        <a:tint val="60000"/>
+      </a:schemeClr>
+    </dgm:fillClrLst>
+    <dgm:linClrLst meth="repeat">
+      <a:schemeClr val="lt1"/>
+    </dgm:linClrLst>
+    <dgm:effectClrLst/>
+    <dgm:txLinClrLst/>
+    <dgm:txFillClrLst meth="repeat">
+      <a:schemeClr val="dk1"/>
+    </dgm:txFillClrLst>
+    <dgm:txEffectClrLst/>
+  </dgm:styleLbl>
+  <dgm:styleLbl name="revTx">
+    <dgm:fillClrLst meth="repeat">
+      <a:schemeClr val="lt1">
+        <a:alpha val="0"/>
+      </a:schemeClr>
+    </dgm:fillClrLst>
+    <dgm:linClrLst meth="repeat">
+      <a:schemeClr val="dk1">
+        <a:alpha val="0"/>
+      </a:schemeClr>
+    </dgm:linClrLst>
+    <dgm:effectClrLst/>
+    <dgm:txLinClrLst/>
+    <dgm:txFillClrLst meth="repeat">
+      <a:schemeClr val="tx1"/>
+    </dgm:txFillClrLst>
+    <dgm:txEffectClrLst/>
+  </dgm:styleLbl>
+</dgm:colorsDef>
+</file>
+
+<file path=ppt/diagrams/colors5.xml><?xml version="1.0" encoding="utf-8"?>
 <dgm:colorsDef xmlns:dgm="http://schemas.openxmlformats.org/drawingml/2006/diagram" xmlns:a="http://schemas.openxmlformats.org/drawingml/2006/main" uniqueId="urn:microsoft.com/office/officeart/2005/8/colors/accent1_2">
   <dgm:title val=""/>
   <dgm:desc val=""/>
@@ -4588,6 +5337,450 @@
           <a:r>
             <a:rPr lang="en-US" baseline="0" dirty="0"/>
             <a:t> also be implemented for security reasons</a:t>
+          </a:r>
+          <a:endParaRPr lang="en-US" dirty="0"/>
+        </a:p>
+      </dgm:t>
+    </dgm:pt>
+    <dgm:pt modelId="{88215926-66BF-48C4-A93B-2B9055E4B30E}" type="parTrans" cxnId="{2C52642D-1657-4F8D-BBDD-B987CC65BE05}">
+      <dgm:prSet/>
+      <dgm:spPr/>
+      <dgm:t>
+        <a:bodyPr/>
+        <a:lstStyle/>
+        <a:p>
+          <a:endParaRPr lang="en-US"/>
+        </a:p>
+      </dgm:t>
+    </dgm:pt>
+    <dgm:pt modelId="{69F2F367-DB05-4C42-B3B6-E5FAE86F9F26}" type="sibTrans" cxnId="{2C52642D-1657-4F8D-BBDD-B987CC65BE05}">
+      <dgm:prSet/>
+      <dgm:spPr/>
+      <dgm:t>
+        <a:bodyPr/>
+        <a:lstStyle/>
+        <a:p>
+          <a:endParaRPr lang="en-US"/>
+        </a:p>
+      </dgm:t>
+    </dgm:pt>
+    <dgm:pt modelId="{933F326E-830B-4831-B1CB-C533857382D0}" type="pres">
+      <dgm:prSet presAssocID="{730B5E20-22E8-49EE-849D-2F09EB7C5E55}" presName="root" presStyleCnt="0">
+        <dgm:presLayoutVars>
+          <dgm:dir/>
+          <dgm:resizeHandles val="exact"/>
+        </dgm:presLayoutVars>
+      </dgm:prSet>
+      <dgm:spPr/>
+    </dgm:pt>
+    <dgm:pt modelId="{76D33545-207A-477F-A16B-BB2B9D7F2D3A}" type="pres">
+      <dgm:prSet presAssocID="{D23F440E-398D-41B6-A80F-74494D5847CA}" presName="compNode" presStyleCnt="0"/>
+      <dgm:spPr/>
+    </dgm:pt>
+    <dgm:pt modelId="{8FAC3CA6-DB25-4C68-BA9A-AD1D71B4FF5F}" type="pres">
+      <dgm:prSet presAssocID="{D23F440E-398D-41B6-A80F-74494D5847CA}" presName="bgRect" presStyleLbl="bgShp" presStyleIdx="0" presStyleCnt="4"/>
+      <dgm:spPr/>
+    </dgm:pt>
+    <dgm:pt modelId="{EE8C7A60-76B2-49C3-B369-A96EA3E5C2D4}" type="pres">
+      <dgm:prSet presAssocID="{D23F440E-398D-41B6-A80F-74494D5847CA}" presName="iconRect" presStyleLbl="node1" presStyleIdx="0" presStyleCnt="4"/>
+      <dgm:spPr>
+        <a:blipFill>
+          <a:blip xmlns:r="http://schemas.openxmlformats.org/officeDocument/2006/relationships" r:embed="rId2">
+            <a:extLst>
+              <a:ext uri="{28A0092B-C50C-407E-A947-70E740481C1C}">
+                <a14:useLocalDpi xmlns:a14="http://schemas.microsoft.com/office/drawing/2010/main" val="0"/>
+              </a:ext>
+              <a:ext uri="{96DAC541-7B7A-43D3-8B79-37D633B846F1}">
+                <asvg:svgBlip xmlns:asvg="http://schemas.microsoft.com/office/drawing/2016/SVG/main" r:embed="rId3"/>
+              </a:ext>
+            </a:extLst>
+          </a:blip>
+          <a:stretch>
+            <a:fillRect/>
+          </a:stretch>
+        </a:blipFill>
+      </dgm:spPr>
+      <dgm:extLst>
+        <a:ext uri="{E40237B7-FDA0-4F09-8148-C483321AD2D9}">
+          <dgm14:cNvPr xmlns:dgm14="http://schemas.microsoft.com/office/drawing/2010/diagram" id="0" name="" descr="Cement truck"/>
+        </a:ext>
+      </dgm:extLst>
+    </dgm:pt>
+    <dgm:pt modelId="{B6D7E020-35D4-4D94-A1B9-406EAB63801E}" type="pres">
+      <dgm:prSet presAssocID="{D23F440E-398D-41B6-A80F-74494D5847CA}" presName="spaceRect" presStyleCnt="0"/>
+      <dgm:spPr/>
+    </dgm:pt>
+    <dgm:pt modelId="{E59E20F8-4207-45B4-B668-018957100416}" type="pres">
+      <dgm:prSet presAssocID="{D23F440E-398D-41B6-A80F-74494D5847CA}" presName="parTx" presStyleLbl="revTx" presStyleIdx="0" presStyleCnt="4">
+        <dgm:presLayoutVars>
+          <dgm:chMax val="0"/>
+          <dgm:chPref val="0"/>
+        </dgm:presLayoutVars>
+      </dgm:prSet>
+      <dgm:spPr/>
+    </dgm:pt>
+    <dgm:pt modelId="{5E9395D8-4450-4F9F-846C-719251944482}" type="pres">
+      <dgm:prSet presAssocID="{039D6CC6-CBE0-4615-AC1E-542A7D83BEE4}" presName="sibTrans" presStyleCnt="0"/>
+      <dgm:spPr/>
+    </dgm:pt>
+    <dgm:pt modelId="{4317EA3C-F64C-49F9-8D0C-2AD3C7D8B19A}" type="pres">
+      <dgm:prSet presAssocID="{F8289849-E987-4255-8EC8-44B4F81CB10E}" presName="compNode" presStyleCnt="0"/>
+      <dgm:spPr/>
+    </dgm:pt>
+    <dgm:pt modelId="{37F77629-432B-4A69-837C-14C65DEDD20C}" type="pres">
+      <dgm:prSet presAssocID="{F8289849-E987-4255-8EC8-44B4F81CB10E}" presName="bgRect" presStyleLbl="bgShp" presStyleIdx="1" presStyleCnt="4" custLinFactNeighborX="-15354" custLinFactNeighborY="-9287"/>
+      <dgm:spPr/>
+    </dgm:pt>
+    <dgm:pt modelId="{C1FCEA5C-0298-4163-931F-016E81AAB647}" type="pres">
+      <dgm:prSet presAssocID="{F8289849-E987-4255-8EC8-44B4F81CB10E}" presName="iconRect" presStyleLbl="node1" presStyleIdx="1" presStyleCnt="4"/>
+      <dgm:spPr>
+        <a:blipFill>
+          <a:blip xmlns:r="http://schemas.openxmlformats.org/officeDocument/2006/relationships" r:embed="rId4">
+            <a:extLst>
+              <a:ext uri="{28A0092B-C50C-407E-A947-70E740481C1C}">
+                <a14:useLocalDpi xmlns:a14="http://schemas.microsoft.com/office/drawing/2010/main" val="0"/>
+              </a:ext>
+              <a:ext uri="{96DAC541-7B7A-43D3-8B79-37D633B846F1}">
+                <asvg:svgBlip xmlns:asvg="http://schemas.microsoft.com/office/drawing/2016/SVG/main" r:embed="rId5"/>
+              </a:ext>
+            </a:extLst>
+          </a:blip>
+          <a:stretch>
+            <a:fillRect/>
+          </a:stretch>
+        </a:blipFill>
+      </dgm:spPr>
+      <dgm:extLst>
+        <a:ext uri="{E40237B7-FDA0-4F09-8148-C483321AD2D9}">
+          <dgm14:cNvPr xmlns:dgm14="http://schemas.microsoft.com/office/drawing/2010/diagram" id="0" name="" descr="Excavator"/>
+        </a:ext>
+      </dgm:extLst>
+    </dgm:pt>
+    <dgm:pt modelId="{4E01C590-E7DA-4835-86D2-4CCA915CA9A6}" type="pres">
+      <dgm:prSet presAssocID="{F8289849-E987-4255-8EC8-44B4F81CB10E}" presName="spaceRect" presStyleCnt="0"/>
+      <dgm:spPr/>
+    </dgm:pt>
+    <dgm:pt modelId="{7DE8E408-DE79-443F-8629-C089FBA689E3}" type="pres">
+      <dgm:prSet presAssocID="{F8289849-E987-4255-8EC8-44B4F81CB10E}" presName="parTx" presStyleLbl="revTx" presStyleIdx="1" presStyleCnt="4">
+        <dgm:presLayoutVars>
+          <dgm:chMax val="0"/>
+          <dgm:chPref val="0"/>
+        </dgm:presLayoutVars>
+      </dgm:prSet>
+      <dgm:spPr/>
+    </dgm:pt>
+    <dgm:pt modelId="{6F5BEA2C-D35A-40CD-AADB-C93FF0714F82}" type="pres">
+      <dgm:prSet presAssocID="{CFDFBA7F-EFFF-4644-9D4D-D4EA2AB33D7D}" presName="sibTrans" presStyleCnt="0"/>
+      <dgm:spPr/>
+    </dgm:pt>
+    <dgm:pt modelId="{061BB9BD-3EFB-484E-9E1E-584C8BD2EBBC}" type="pres">
+      <dgm:prSet presAssocID="{B987AC83-493B-4B18-BBDE-1E83EAF7E925}" presName="compNode" presStyleCnt="0"/>
+      <dgm:spPr/>
+    </dgm:pt>
+    <dgm:pt modelId="{7760943E-59EA-4625-8C71-92A18A3E7522}" type="pres">
+      <dgm:prSet presAssocID="{B987AC83-493B-4B18-BBDE-1E83EAF7E925}" presName="bgRect" presStyleLbl="bgShp" presStyleIdx="2" presStyleCnt="4"/>
+      <dgm:spPr/>
+    </dgm:pt>
+    <dgm:pt modelId="{676EE63F-6485-4E2A-ABAE-83CF265BF069}" type="pres">
+      <dgm:prSet presAssocID="{B987AC83-493B-4B18-BBDE-1E83EAF7E925}" presName="iconRect" presStyleLbl="node1" presStyleIdx="2" presStyleCnt="4"/>
+      <dgm:spPr>
+        <a:blipFill>
+          <a:blip xmlns:r="http://schemas.openxmlformats.org/officeDocument/2006/relationships" r:embed="rId6">
+            <a:extLst>
+              <a:ext uri="{28A0092B-C50C-407E-A947-70E740481C1C}">
+                <a14:useLocalDpi xmlns:a14="http://schemas.microsoft.com/office/drawing/2010/main" val="0"/>
+              </a:ext>
+              <a:ext uri="{96DAC541-7B7A-43D3-8B79-37D633B846F1}">
+                <asvg:svgBlip xmlns:asvg="http://schemas.microsoft.com/office/drawing/2016/SVG/main" r:embed="rId7"/>
+              </a:ext>
+            </a:extLst>
+          </a:blip>
+          <a:stretch>
+            <a:fillRect/>
+          </a:stretch>
+        </a:blipFill>
+      </dgm:spPr>
+      <dgm:extLst>
+        <a:ext uri="{E40237B7-FDA0-4F09-8148-C483321AD2D9}">
+          <dgm14:cNvPr xmlns:dgm14="http://schemas.microsoft.com/office/drawing/2010/diagram" id="0" name="" descr="Factory"/>
+        </a:ext>
+      </dgm:extLst>
+    </dgm:pt>
+    <dgm:pt modelId="{028304A6-CF27-4F1D-99F6-FE8D277AEE17}" type="pres">
+      <dgm:prSet presAssocID="{B987AC83-493B-4B18-BBDE-1E83EAF7E925}" presName="spaceRect" presStyleCnt="0"/>
+      <dgm:spPr/>
+    </dgm:pt>
+    <dgm:pt modelId="{B9DB9720-3FDF-4ACB-85FA-66976B22A528}" type="pres">
+      <dgm:prSet presAssocID="{B987AC83-493B-4B18-BBDE-1E83EAF7E925}" presName="parTx" presStyleLbl="revTx" presStyleIdx="2" presStyleCnt="4">
+        <dgm:presLayoutVars>
+          <dgm:chMax val="0"/>
+          <dgm:chPref val="0"/>
+        </dgm:presLayoutVars>
+      </dgm:prSet>
+      <dgm:spPr/>
+    </dgm:pt>
+    <dgm:pt modelId="{2B0E55DF-6C35-4664-BC0E-365BF51E4C99}" type="pres">
+      <dgm:prSet presAssocID="{3871E768-D972-4239-9CDD-D2C93D59DC76}" presName="sibTrans" presStyleCnt="0"/>
+      <dgm:spPr/>
+    </dgm:pt>
+    <dgm:pt modelId="{F128A80F-4611-4111-9193-176AF502C376}" type="pres">
+      <dgm:prSet presAssocID="{D18979C8-D283-4F11-8056-816DA377F0C0}" presName="compNode" presStyleCnt="0"/>
+      <dgm:spPr/>
+    </dgm:pt>
+    <dgm:pt modelId="{79AEF808-314B-4C4B-82AA-6EEA54A65F07}" type="pres">
+      <dgm:prSet presAssocID="{D18979C8-D283-4F11-8056-816DA377F0C0}" presName="bgRect" presStyleLbl="bgShp" presStyleIdx="3" presStyleCnt="4"/>
+      <dgm:spPr/>
+    </dgm:pt>
+    <dgm:pt modelId="{73575651-229C-4229-B203-88512EEA95C5}" type="pres">
+      <dgm:prSet presAssocID="{D18979C8-D283-4F11-8056-816DA377F0C0}" presName="iconRect" presStyleLbl="node1" presStyleIdx="3" presStyleCnt="4"/>
+      <dgm:spPr>
+        <a:blipFill>
+          <a:blip xmlns:r="http://schemas.openxmlformats.org/officeDocument/2006/relationships" r:embed="rId8">
+            <a:extLst>
+              <a:ext uri="{28A0092B-C50C-407E-A947-70E740481C1C}">
+                <a14:useLocalDpi xmlns:a14="http://schemas.microsoft.com/office/drawing/2010/main" val="0"/>
+              </a:ext>
+              <a:ext uri="{96DAC541-7B7A-43D3-8B79-37D633B846F1}">
+                <asvg:svgBlip xmlns:asvg="http://schemas.microsoft.com/office/drawing/2016/SVG/main" r:embed="rId9"/>
+              </a:ext>
+            </a:extLst>
+          </a:blip>
+          <a:stretch>
+            <a:fillRect/>
+          </a:stretch>
+        </a:blipFill>
+      </dgm:spPr>
+      <dgm:extLst>
+        <a:ext uri="{E40237B7-FDA0-4F09-8148-C483321AD2D9}">
+          <dgm14:cNvPr xmlns:dgm14="http://schemas.microsoft.com/office/drawing/2010/diagram" id="0" name="" descr="Projector"/>
+        </a:ext>
+      </dgm:extLst>
+    </dgm:pt>
+    <dgm:pt modelId="{806002CB-A457-44F2-A2DD-11D2572CD18C}" type="pres">
+      <dgm:prSet presAssocID="{D18979C8-D283-4F11-8056-816DA377F0C0}" presName="spaceRect" presStyleCnt="0"/>
+      <dgm:spPr/>
+    </dgm:pt>
+    <dgm:pt modelId="{77CFAC55-D3CF-45EA-A63C-9656646CA42E}" type="pres">
+      <dgm:prSet presAssocID="{D18979C8-D283-4F11-8056-816DA377F0C0}" presName="parTx" presStyleLbl="revTx" presStyleIdx="3" presStyleCnt="4">
+        <dgm:presLayoutVars>
+          <dgm:chMax val="0"/>
+          <dgm:chPref val="0"/>
+        </dgm:presLayoutVars>
+      </dgm:prSet>
+      <dgm:spPr/>
+    </dgm:pt>
+  </dgm:ptLst>
+  <dgm:cxnLst>
+    <dgm:cxn modelId="{ABD03D04-9D53-4E00-AB81-F25AC035AAD4}" srcId="{730B5E20-22E8-49EE-849D-2F09EB7C5E55}" destId="{D23F440E-398D-41B6-A80F-74494D5847CA}" srcOrd="0" destOrd="0" parTransId="{90B11B28-5797-4553-BCD6-924D483AEFA1}" sibTransId="{039D6CC6-CBE0-4615-AC1E-542A7D83BEE4}"/>
+    <dgm:cxn modelId="{B69A751B-F5A4-4FDF-A1ED-C6E1EE94BDBA}" type="presOf" srcId="{F8289849-E987-4255-8EC8-44B4F81CB10E}" destId="{7DE8E408-DE79-443F-8629-C089FBA689E3}" srcOrd="0" destOrd="0" presId="urn:microsoft.com/office/officeart/2018/2/layout/IconVerticalSolidList"/>
+    <dgm:cxn modelId="{2C52642D-1657-4F8D-BBDD-B987CC65BE05}" srcId="{730B5E20-22E8-49EE-849D-2F09EB7C5E55}" destId="{D18979C8-D283-4F11-8056-816DA377F0C0}" srcOrd="3" destOrd="0" parTransId="{88215926-66BF-48C4-A93B-2B9055E4B30E}" sibTransId="{69F2F367-DB05-4C42-B3B6-E5FAE86F9F26}"/>
+    <dgm:cxn modelId="{27CB5032-1C28-4B71-9DE7-3B8573DAA06B}" type="presOf" srcId="{D18979C8-D283-4F11-8056-816DA377F0C0}" destId="{77CFAC55-D3CF-45EA-A63C-9656646CA42E}" srcOrd="0" destOrd="0" presId="urn:microsoft.com/office/officeart/2018/2/layout/IconVerticalSolidList"/>
+    <dgm:cxn modelId="{36BA1767-35CA-4C91-93C5-94F0ADD921AD}" type="presOf" srcId="{730B5E20-22E8-49EE-849D-2F09EB7C5E55}" destId="{933F326E-830B-4831-B1CB-C533857382D0}" srcOrd="0" destOrd="0" presId="urn:microsoft.com/office/officeart/2018/2/layout/IconVerticalSolidList"/>
+    <dgm:cxn modelId="{70466650-EF21-44D4-9C56-FBD4098B58CE}" srcId="{730B5E20-22E8-49EE-849D-2F09EB7C5E55}" destId="{B987AC83-493B-4B18-BBDE-1E83EAF7E925}" srcOrd="2" destOrd="0" parTransId="{8B487908-3605-4A42-980E-D4512632196F}" sibTransId="{3871E768-D972-4239-9CDD-D2C93D59DC76}"/>
+    <dgm:cxn modelId="{0DECB193-7D07-48D4-B4D0-8A44B02B0EFC}" srcId="{730B5E20-22E8-49EE-849D-2F09EB7C5E55}" destId="{F8289849-E987-4255-8EC8-44B4F81CB10E}" srcOrd="1" destOrd="0" parTransId="{58406139-B729-43A1-9AA7-0431547BE2D4}" sibTransId="{CFDFBA7F-EFFF-4644-9D4D-D4EA2AB33D7D}"/>
+    <dgm:cxn modelId="{44162A95-8BE4-488C-B835-013E9523D7C9}" type="presOf" srcId="{B987AC83-493B-4B18-BBDE-1E83EAF7E925}" destId="{B9DB9720-3FDF-4ACB-85FA-66976B22A528}" srcOrd="0" destOrd="0" presId="urn:microsoft.com/office/officeart/2018/2/layout/IconVerticalSolidList"/>
+    <dgm:cxn modelId="{CBA314A9-2DA4-4A96-8AAA-82DB60A2107B}" type="presOf" srcId="{D23F440E-398D-41B6-A80F-74494D5847CA}" destId="{E59E20F8-4207-45B4-B668-018957100416}" srcOrd="0" destOrd="0" presId="urn:microsoft.com/office/officeart/2018/2/layout/IconVerticalSolidList"/>
+    <dgm:cxn modelId="{9530F58C-F371-4809-A58E-6A168C19975B}" type="presParOf" srcId="{933F326E-830B-4831-B1CB-C533857382D0}" destId="{76D33545-207A-477F-A16B-BB2B9D7F2D3A}" srcOrd="0" destOrd="0" presId="urn:microsoft.com/office/officeart/2018/2/layout/IconVerticalSolidList"/>
+    <dgm:cxn modelId="{E451D301-FBDE-471F-ABE3-C1348C32FA64}" type="presParOf" srcId="{76D33545-207A-477F-A16B-BB2B9D7F2D3A}" destId="{8FAC3CA6-DB25-4C68-BA9A-AD1D71B4FF5F}" srcOrd="0" destOrd="0" presId="urn:microsoft.com/office/officeart/2018/2/layout/IconVerticalSolidList"/>
+    <dgm:cxn modelId="{14E7CD92-A38A-4FAF-9BA9-5FF42774E845}" type="presParOf" srcId="{76D33545-207A-477F-A16B-BB2B9D7F2D3A}" destId="{EE8C7A60-76B2-49C3-B369-A96EA3E5C2D4}" srcOrd="1" destOrd="0" presId="urn:microsoft.com/office/officeart/2018/2/layout/IconVerticalSolidList"/>
+    <dgm:cxn modelId="{5D26878D-4F9B-405F-8E85-83F7C0F8E1DB}" type="presParOf" srcId="{76D33545-207A-477F-A16B-BB2B9D7F2D3A}" destId="{B6D7E020-35D4-4D94-A1B9-406EAB63801E}" srcOrd="2" destOrd="0" presId="urn:microsoft.com/office/officeart/2018/2/layout/IconVerticalSolidList"/>
+    <dgm:cxn modelId="{C9133D54-CFA6-4961-AF72-CCA5E88723C5}" type="presParOf" srcId="{76D33545-207A-477F-A16B-BB2B9D7F2D3A}" destId="{E59E20F8-4207-45B4-B668-018957100416}" srcOrd="3" destOrd="0" presId="urn:microsoft.com/office/officeart/2018/2/layout/IconVerticalSolidList"/>
+    <dgm:cxn modelId="{CD16DBD8-D5DB-4E7C-B56A-F7994BF3480C}" type="presParOf" srcId="{933F326E-830B-4831-B1CB-C533857382D0}" destId="{5E9395D8-4450-4F9F-846C-719251944482}" srcOrd="1" destOrd="0" presId="urn:microsoft.com/office/officeart/2018/2/layout/IconVerticalSolidList"/>
+    <dgm:cxn modelId="{C5884024-B1F3-44A6-AAC9-EA7FDF63D1F4}" type="presParOf" srcId="{933F326E-830B-4831-B1CB-C533857382D0}" destId="{4317EA3C-F64C-49F9-8D0C-2AD3C7D8B19A}" srcOrd="2" destOrd="0" presId="urn:microsoft.com/office/officeart/2018/2/layout/IconVerticalSolidList"/>
+    <dgm:cxn modelId="{B61F5F59-BFC6-4790-A4CB-49481E4A7E67}" type="presParOf" srcId="{4317EA3C-F64C-49F9-8D0C-2AD3C7D8B19A}" destId="{37F77629-432B-4A69-837C-14C65DEDD20C}" srcOrd="0" destOrd="0" presId="urn:microsoft.com/office/officeart/2018/2/layout/IconVerticalSolidList"/>
+    <dgm:cxn modelId="{F26FB358-72F0-4DE0-BF50-574AA8D7675B}" type="presParOf" srcId="{4317EA3C-F64C-49F9-8D0C-2AD3C7D8B19A}" destId="{C1FCEA5C-0298-4163-931F-016E81AAB647}" srcOrd="1" destOrd="0" presId="urn:microsoft.com/office/officeart/2018/2/layout/IconVerticalSolidList"/>
+    <dgm:cxn modelId="{04F992BD-F4A0-4C73-8E88-0DCB02F4B0DA}" type="presParOf" srcId="{4317EA3C-F64C-49F9-8D0C-2AD3C7D8B19A}" destId="{4E01C590-E7DA-4835-86D2-4CCA915CA9A6}" srcOrd="2" destOrd="0" presId="urn:microsoft.com/office/officeart/2018/2/layout/IconVerticalSolidList"/>
+    <dgm:cxn modelId="{D9501396-62D3-464C-AFF5-D80F72C0E0A4}" type="presParOf" srcId="{4317EA3C-F64C-49F9-8D0C-2AD3C7D8B19A}" destId="{7DE8E408-DE79-443F-8629-C089FBA689E3}" srcOrd="3" destOrd="0" presId="urn:microsoft.com/office/officeart/2018/2/layout/IconVerticalSolidList"/>
+    <dgm:cxn modelId="{B64CE750-A220-423D-A5EB-CB9BECD78567}" type="presParOf" srcId="{933F326E-830B-4831-B1CB-C533857382D0}" destId="{6F5BEA2C-D35A-40CD-AADB-C93FF0714F82}" srcOrd="3" destOrd="0" presId="urn:microsoft.com/office/officeart/2018/2/layout/IconVerticalSolidList"/>
+    <dgm:cxn modelId="{CEE0C149-DA4E-4DAA-86E5-5BAFB611B822}" type="presParOf" srcId="{933F326E-830B-4831-B1CB-C533857382D0}" destId="{061BB9BD-3EFB-484E-9E1E-584C8BD2EBBC}" srcOrd="4" destOrd="0" presId="urn:microsoft.com/office/officeart/2018/2/layout/IconVerticalSolidList"/>
+    <dgm:cxn modelId="{A46EC668-5ED2-4686-99BE-1BD7F730D13B}" type="presParOf" srcId="{061BB9BD-3EFB-484E-9E1E-584C8BD2EBBC}" destId="{7760943E-59EA-4625-8C71-92A18A3E7522}" srcOrd="0" destOrd="0" presId="urn:microsoft.com/office/officeart/2018/2/layout/IconVerticalSolidList"/>
+    <dgm:cxn modelId="{A9A84054-A6B0-499D-BCD3-576032380D45}" type="presParOf" srcId="{061BB9BD-3EFB-484E-9E1E-584C8BD2EBBC}" destId="{676EE63F-6485-4E2A-ABAE-83CF265BF069}" srcOrd="1" destOrd="0" presId="urn:microsoft.com/office/officeart/2018/2/layout/IconVerticalSolidList"/>
+    <dgm:cxn modelId="{194187CE-E057-4230-A3BD-9459A03BE67D}" type="presParOf" srcId="{061BB9BD-3EFB-484E-9E1E-584C8BD2EBBC}" destId="{028304A6-CF27-4F1D-99F6-FE8D277AEE17}" srcOrd="2" destOrd="0" presId="urn:microsoft.com/office/officeart/2018/2/layout/IconVerticalSolidList"/>
+    <dgm:cxn modelId="{8C1E721E-A458-4A52-900B-6C798D950C87}" type="presParOf" srcId="{061BB9BD-3EFB-484E-9E1E-584C8BD2EBBC}" destId="{B9DB9720-3FDF-4ACB-85FA-66976B22A528}" srcOrd="3" destOrd="0" presId="urn:microsoft.com/office/officeart/2018/2/layout/IconVerticalSolidList"/>
+    <dgm:cxn modelId="{0F6C0F8A-C0DA-459D-A474-7474A6218E97}" type="presParOf" srcId="{933F326E-830B-4831-B1CB-C533857382D0}" destId="{2B0E55DF-6C35-4664-BC0E-365BF51E4C99}" srcOrd="5" destOrd="0" presId="urn:microsoft.com/office/officeart/2018/2/layout/IconVerticalSolidList"/>
+    <dgm:cxn modelId="{C21BD3D6-F6A4-4D28-8A3D-E08E8BD04862}" type="presParOf" srcId="{933F326E-830B-4831-B1CB-C533857382D0}" destId="{F128A80F-4611-4111-9193-176AF502C376}" srcOrd="6" destOrd="0" presId="urn:microsoft.com/office/officeart/2018/2/layout/IconVerticalSolidList"/>
+    <dgm:cxn modelId="{7B6F3B4D-5C95-42B1-92C1-75F8AB45D4B7}" type="presParOf" srcId="{F128A80F-4611-4111-9193-176AF502C376}" destId="{79AEF808-314B-4C4B-82AA-6EEA54A65F07}" srcOrd="0" destOrd="0" presId="urn:microsoft.com/office/officeart/2018/2/layout/IconVerticalSolidList"/>
+    <dgm:cxn modelId="{F14DA5EF-E538-446F-BE7C-45C876E34890}" type="presParOf" srcId="{F128A80F-4611-4111-9193-176AF502C376}" destId="{73575651-229C-4229-B203-88512EEA95C5}" srcOrd="1" destOrd="0" presId="urn:microsoft.com/office/officeart/2018/2/layout/IconVerticalSolidList"/>
+    <dgm:cxn modelId="{E9A85B14-90AD-48A2-9B16-6090607A5F65}" type="presParOf" srcId="{F128A80F-4611-4111-9193-176AF502C376}" destId="{806002CB-A457-44F2-A2DD-11D2572CD18C}" srcOrd="2" destOrd="0" presId="urn:microsoft.com/office/officeart/2018/2/layout/IconVerticalSolidList"/>
+    <dgm:cxn modelId="{18B0CAC5-6463-418B-8377-8680A23E679D}" type="presParOf" srcId="{F128A80F-4611-4111-9193-176AF502C376}" destId="{77CFAC55-D3CF-45EA-A63C-9656646CA42E}" srcOrd="3" destOrd="0" presId="urn:microsoft.com/office/officeart/2018/2/layout/IconVerticalSolidList"/>
+  </dgm:cxnLst>
+  <dgm:bg/>
+  <dgm:whole/>
+  <dgm:extLst>
+    <a:ext uri="http://schemas.microsoft.com/office/drawing/2008/diagram">
+      <dsp:dataModelExt xmlns:dsp="http://schemas.microsoft.com/office/drawing/2008/diagram" relId="rId6" minVer="http://schemas.openxmlformats.org/drawingml/2006/diagram"/>
+    </a:ext>
+  </dgm:extLst>
+</dgm:dataModel>
+</file>
+
+<file path=ppt/diagrams/data5.xml><?xml version="1.0" encoding="utf-8"?>
+<dgm:dataModel xmlns:dgm="http://schemas.openxmlformats.org/drawingml/2006/diagram" xmlns:a="http://schemas.openxmlformats.org/drawingml/2006/main">
+  <dgm:ptLst>
+    <dgm:pt modelId="{730B5E20-22E8-49EE-849D-2F09EB7C5E55}" type="doc">
+      <dgm:prSet loTypeId="urn:microsoft.com/office/officeart/2018/2/layout/IconVerticalSolidList" loCatId="icon" qsTypeId="urn:microsoft.com/office/officeart/2005/8/quickstyle/simple1" qsCatId="simple" csTypeId="urn:microsoft.com/office/officeart/2005/8/colors/accent1_2" csCatId="accent1" phldr="1"/>
+      <dgm:spPr/>
+      <dgm:t>
+        <a:bodyPr/>
+        <a:lstStyle/>
+        <a:p>
+          <a:endParaRPr lang="en-US"/>
+        </a:p>
+      </dgm:t>
+    </dgm:pt>
+    <dgm:pt modelId="{D23F440E-398D-41B6-A80F-74494D5847CA}">
+      <dgm:prSet/>
+      <dgm:spPr/>
+      <dgm:t>
+        <a:bodyPr/>
+        <a:lstStyle/>
+        <a:p>
+          <a:pPr>
+            <a:lnSpc>
+              <a:spcPct val="100000"/>
+            </a:lnSpc>
+          </a:pPr>
+          <a:r>
+            <a:rPr lang="en-US" dirty="0"/>
+            <a:t>Used to restore</a:t>
+          </a:r>
+          <a:r>
+            <a:rPr lang="en-US" baseline="0" dirty="0"/>
+            <a:t> a previous state</a:t>
+          </a:r>
+          <a:endParaRPr lang="en-US" dirty="0"/>
+        </a:p>
+      </dgm:t>
+    </dgm:pt>
+    <dgm:pt modelId="{90B11B28-5797-4553-BCD6-924D483AEFA1}" type="parTrans" cxnId="{ABD03D04-9D53-4E00-AB81-F25AC035AAD4}">
+      <dgm:prSet/>
+      <dgm:spPr/>
+      <dgm:t>
+        <a:bodyPr/>
+        <a:lstStyle/>
+        <a:p>
+          <a:endParaRPr lang="en-US"/>
+        </a:p>
+      </dgm:t>
+    </dgm:pt>
+    <dgm:pt modelId="{039D6CC6-CBE0-4615-AC1E-542A7D83BEE4}" type="sibTrans" cxnId="{ABD03D04-9D53-4E00-AB81-F25AC035AAD4}">
+      <dgm:prSet/>
+      <dgm:spPr/>
+      <dgm:t>
+        <a:bodyPr/>
+        <a:lstStyle/>
+        <a:p>
+          <a:endParaRPr lang="en-US"/>
+        </a:p>
+      </dgm:t>
+    </dgm:pt>
+    <dgm:pt modelId="{F8289849-E987-4255-8EC8-44B4F81CB10E}">
+      <dgm:prSet/>
+      <dgm:spPr/>
+      <dgm:t>
+        <a:bodyPr/>
+        <a:lstStyle/>
+        <a:p>
+          <a:pPr>
+            <a:lnSpc>
+              <a:spcPct val="100000"/>
+            </a:lnSpc>
+          </a:pPr>
+          <a:r>
+            <a:rPr lang="en-US" dirty="0"/>
+            <a:t>Memento must be immutable, so no setter methods</a:t>
+          </a:r>
+        </a:p>
+      </dgm:t>
+    </dgm:pt>
+    <dgm:pt modelId="{58406139-B729-43A1-9AA7-0431547BE2D4}" type="parTrans" cxnId="{0DECB193-7D07-48D4-B4D0-8A44B02B0EFC}">
+      <dgm:prSet/>
+      <dgm:spPr/>
+      <dgm:t>
+        <a:bodyPr/>
+        <a:lstStyle/>
+        <a:p>
+          <a:endParaRPr lang="en-US"/>
+        </a:p>
+      </dgm:t>
+    </dgm:pt>
+    <dgm:pt modelId="{CFDFBA7F-EFFF-4644-9D4D-D4EA2AB33D7D}" type="sibTrans" cxnId="{0DECB193-7D07-48D4-B4D0-8A44B02B0EFC}">
+      <dgm:prSet/>
+      <dgm:spPr/>
+      <dgm:t>
+        <a:bodyPr/>
+        <a:lstStyle/>
+        <a:p>
+          <a:endParaRPr lang="en-US"/>
+        </a:p>
+      </dgm:t>
+    </dgm:pt>
+    <dgm:pt modelId="{B987AC83-493B-4B18-BBDE-1E83EAF7E925}">
+      <dgm:prSet/>
+      <dgm:spPr/>
+      <dgm:t>
+        <a:bodyPr/>
+        <a:lstStyle/>
+        <a:p>
+          <a:pPr>
+            <a:lnSpc>
+              <a:spcPct val="100000"/>
+            </a:lnSpc>
+          </a:pPr>
+          <a:r>
+            <a:rPr lang="en-US" dirty="0"/>
+            <a:t>Classic use case: undo functionality</a:t>
+          </a:r>
+        </a:p>
+      </dgm:t>
+    </dgm:pt>
+    <dgm:pt modelId="{8B487908-3605-4A42-980E-D4512632196F}" type="parTrans" cxnId="{70466650-EF21-44D4-9C56-FBD4098B58CE}">
+      <dgm:prSet/>
+      <dgm:spPr/>
+      <dgm:t>
+        <a:bodyPr/>
+        <a:lstStyle/>
+        <a:p>
+          <a:endParaRPr lang="en-US"/>
+        </a:p>
+      </dgm:t>
+    </dgm:pt>
+    <dgm:pt modelId="{3871E768-D972-4239-9CDD-D2C93D59DC76}" type="sibTrans" cxnId="{70466650-EF21-44D4-9C56-FBD4098B58CE}">
+      <dgm:prSet/>
+      <dgm:spPr/>
+      <dgm:t>
+        <a:bodyPr/>
+        <a:lstStyle/>
+        <a:p>
+          <a:endParaRPr lang="en-US"/>
+        </a:p>
+      </dgm:t>
+    </dgm:pt>
+    <dgm:pt modelId="{D18979C8-D283-4F11-8056-816DA377F0C0}">
+      <dgm:prSet/>
+      <dgm:spPr/>
+      <dgm:t>
+        <a:bodyPr/>
+        <a:lstStyle/>
+        <a:p>
+          <a:pPr>
+            <a:lnSpc>
+              <a:spcPct val="100000"/>
+            </a:lnSpc>
+          </a:pPr>
+          <a:r>
+            <a:rPr lang="en-US" dirty="0"/>
+            <a:t>Several</a:t>
+          </a:r>
+          <a:r>
+            <a:rPr lang="en-US" baseline="0" dirty="0"/>
+            <a:t> implementations: nested classes, interface </a:t>
+          </a:r>
+          <a:r>
+            <a:rPr lang="en-US" baseline="0" dirty="0">
+              <a:hlinkClick xmlns:r="http://schemas.openxmlformats.org/officeDocument/2006/relationships" r:id="rId1"/>
+            </a:rPr>
+            <a:t>(find more details here)</a:t>
           </a:r>
           <a:endParaRPr lang="en-US" dirty="0"/>
         </a:p>
@@ -7456,6 +8649,666 @@
 </dsp:drawing>
 </file>
 
+<file path=ppt/diagrams/drawing5.xml><?xml version="1.0" encoding="utf-8"?>
+<dsp:drawing xmlns:dgm="http://schemas.openxmlformats.org/drawingml/2006/diagram" xmlns:dsp="http://schemas.microsoft.com/office/drawing/2008/diagram" xmlns:a="http://schemas.openxmlformats.org/drawingml/2006/main">
+  <dsp:spTree>
+    <dsp:nvGrpSpPr>
+      <dsp:cNvPr id="0" name=""/>
+      <dsp:cNvGrpSpPr/>
+    </dsp:nvGrpSpPr>
+    <dsp:grpSpPr/>
+    <dsp:sp modelId="{8FAC3CA6-DB25-4C68-BA9A-AD1D71B4FF5F}">
+      <dsp:nvSpPr>
+        <dsp:cNvPr id="0" name=""/>
+        <dsp:cNvSpPr/>
+      </dsp:nvSpPr>
+      <dsp:spPr>
+        <a:xfrm>
+          <a:off x="0" y="1555"/>
+          <a:ext cx="4639736" cy="788438"/>
+        </a:xfrm>
+        <a:prstGeom prst="roundRect">
+          <a:avLst>
+            <a:gd name="adj" fmla="val 10000"/>
+          </a:avLst>
+        </a:prstGeom>
+        <a:solidFill>
+          <a:schemeClr val="accent1">
+            <a:tint val="40000"/>
+            <a:hueOff val="0"/>
+            <a:satOff val="0"/>
+            <a:lumOff val="0"/>
+            <a:alphaOff val="0"/>
+          </a:schemeClr>
+        </a:solidFill>
+        <a:ln>
+          <a:noFill/>
+        </a:ln>
+        <a:effectLst/>
+      </dsp:spPr>
+      <dsp:style>
+        <a:lnRef idx="0">
+          <a:scrgbClr r="0" g="0" b="0"/>
+        </a:lnRef>
+        <a:fillRef idx="1">
+          <a:scrgbClr r="0" g="0" b="0"/>
+        </a:fillRef>
+        <a:effectRef idx="0">
+          <a:scrgbClr r="0" g="0" b="0"/>
+        </a:effectRef>
+        <a:fontRef idx="minor"/>
+      </dsp:style>
+    </dsp:sp>
+    <dsp:sp modelId="{EE8C7A60-76B2-49C3-B369-A96EA3E5C2D4}">
+      <dsp:nvSpPr>
+        <dsp:cNvPr id="0" name=""/>
+        <dsp:cNvSpPr/>
+      </dsp:nvSpPr>
+      <dsp:spPr>
+        <a:xfrm>
+          <a:off x="238502" y="178954"/>
+          <a:ext cx="433641" cy="433641"/>
+        </a:xfrm>
+        <a:prstGeom prst="rect">
+          <a:avLst/>
+        </a:prstGeom>
+        <a:blipFill>
+          <a:blip xmlns:r="http://schemas.openxmlformats.org/officeDocument/2006/relationships" r:embed="rId1">
+            <a:extLst>
+              <a:ext uri="{28A0092B-C50C-407E-A947-70E740481C1C}">
+                <a14:useLocalDpi xmlns:a14="http://schemas.microsoft.com/office/drawing/2010/main" val="0"/>
+              </a:ext>
+              <a:ext uri="{96DAC541-7B7A-43D3-8B79-37D633B846F1}">
+                <asvg:svgBlip xmlns:asvg="http://schemas.microsoft.com/office/drawing/2016/SVG/main" r:embed="rId2"/>
+              </a:ext>
+            </a:extLst>
+          </a:blip>
+          <a:stretch>
+            <a:fillRect/>
+          </a:stretch>
+        </a:blipFill>
+        <a:ln w="15875" cap="flat" cmpd="sng" algn="ctr">
+          <a:solidFill>
+            <a:schemeClr val="lt1">
+              <a:hueOff val="0"/>
+              <a:satOff val="0"/>
+              <a:lumOff val="0"/>
+              <a:alphaOff val="0"/>
+            </a:schemeClr>
+          </a:solidFill>
+          <a:prstDash val="solid"/>
+        </a:ln>
+        <a:effectLst/>
+      </dsp:spPr>
+      <dsp:style>
+        <a:lnRef idx="2">
+          <a:scrgbClr r="0" g="0" b="0"/>
+        </a:lnRef>
+        <a:fillRef idx="1">
+          <a:scrgbClr r="0" g="0" b="0"/>
+        </a:fillRef>
+        <a:effectRef idx="0">
+          <a:scrgbClr r="0" g="0" b="0"/>
+        </a:effectRef>
+        <a:fontRef idx="minor">
+          <a:schemeClr val="lt1"/>
+        </a:fontRef>
+      </dsp:style>
+    </dsp:sp>
+    <dsp:sp modelId="{E59E20F8-4207-45B4-B668-018957100416}">
+      <dsp:nvSpPr>
+        <dsp:cNvPr id="0" name=""/>
+        <dsp:cNvSpPr/>
+      </dsp:nvSpPr>
+      <dsp:spPr>
+        <a:xfrm>
+          <a:off x="910646" y="1555"/>
+          <a:ext cx="3729089" cy="788438"/>
+        </a:xfrm>
+        <a:prstGeom prst="rect">
+          <a:avLst/>
+        </a:prstGeom>
+        <a:noFill/>
+        <a:ln>
+          <a:noFill/>
+        </a:ln>
+        <a:effectLst/>
+      </dsp:spPr>
+      <dsp:style>
+        <a:lnRef idx="0">
+          <a:scrgbClr r="0" g="0" b="0"/>
+        </a:lnRef>
+        <a:fillRef idx="0">
+          <a:scrgbClr r="0" g="0" b="0"/>
+        </a:fillRef>
+        <a:effectRef idx="0">
+          <a:scrgbClr r="0" g="0" b="0"/>
+        </a:effectRef>
+        <a:fontRef idx="minor"/>
+      </dsp:style>
+      <dsp:txBody>
+        <a:bodyPr spcFirstLastPara="0" vert="horz" wrap="square" lIns="83443" tIns="83443" rIns="83443" bIns="83443" numCol="1" spcCol="1270" anchor="ctr" anchorCtr="0">
+          <a:noAutofit/>
+        </a:bodyPr>
+        <a:lstStyle/>
+        <a:p>
+          <a:pPr marL="0" lvl="0" indent="0" algn="l" defTabSz="711200">
+            <a:lnSpc>
+              <a:spcPct val="100000"/>
+            </a:lnSpc>
+            <a:spcBef>
+              <a:spcPct val="0"/>
+            </a:spcBef>
+            <a:spcAft>
+              <a:spcPct val="35000"/>
+            </a:spcAft>
+            <a:buNone/>
+          </a:pPr>
+          <a:r>
+            <a:rPr lang="en-US" sz="1600" kern="1200" dirty="0"/>
+            <a:t>Used to restore</a:t>
+          </a:r>
+          <a:r>
+            <a:rPr lang="en-US" sz="1600" kern="1200" baseline="0" dirty="0"/>
+            <a:t> a previous state</a:t>
+          </a:r>
+          <a:endParaRPr lang="en-US" sz="1600" kern="1200" dirty="0"/>
+        </a:p>
+      </dsp:txBody>
+      <dsp:txXfrm>
+        <a:off x="910646" y="1555"/>
+        <a:ext cx="3729089" cy="788438"/>
+      </dsp:txXfrm>
+    </dsp:sp>
+    <dsp:sp modelId="{37F77629-432B-4A69-837C-14C65DEDD20C}">
+      <dsp:nvSpPr>
+        <dsp:cNvPr id="0" name=""/>
+        <dsp:cNvSpPr/>
+      </dsp:nvSpPr>
+      <dsp:spPr>
+        <a:xfrm>
+          <a:off x="0" y="913881"/>
+          <a:ext cx="4639736" cy="788438"/>
+        </a:xfrm>
+        <a:prstGeom prst="roundRect">
+          <a:avLst>
+            <a:gd name="adj" fmla="val 10000"/>
+          </a:avLst>
+        </a:prstGeom>
+        <a:solidFill>
+          <a:schemeClr val="accent1">
+            <a:tint val="40000"/>
+            <a:hueOff val="0"/>
+            <a:satOff val="0"/>
+            <a:lumOff val="0"/>
+            <a:alphaOff val="0"/>
+          </a:schemeClr>
+        </a:solidFill>
+        <a:ln>
+          <a:noFill/>
+        </a:ln>
+        <a:effectLst/>
+      </dsp:spPr>
+      <dsp:style>
+        <a:lnRef idx="0">
+          <a:scrgbClr r="0" g="0" b="0"/>
+        </a:lnRef>
+        <a:fillRef idx="1">
+          <a:scrgbClr r="0" g="0" b="0"/>
+        </a:fillRef>
+        <a:effectRef idx="0">
+          <a:scrgbClr r="0" g="0" b="0"/>
+        </a:effectRef>
+        <a:fontRef idx="minor"/>
+      </dsp:style>
+    </dsp:sp>
+    <dsp:sp modelId="{C1FCEA5C-0298-4163-931F-016E81AAB647}">
+      <dsp:nvSpPr>
+        <dsp:cNvPr id="0" name=""/>
+        <dsp:cNvSpPr/>
+      </dsp:nvSpPr>
+      <dsp:spPr>
+        <a:xfrm>
+          <a:off x="238502" y="1164502"/>
+          <a:ext cx="433641" cy="433641"/>
+        </a:xfrm>
+        <a:prstGeom prst="rect">
+          <a:avLst/>
+        </a:prstGeom>
+        <a:blipFill>
+          <a:blip xmlns:r="http://schemas.openxmlformats.org/officeDocument/2006/relationships" r:embed="rId3">
+            <a:extLst>
+              <a:ext uri="{28A0092B-C50C-407E-A947-70E740481C1C}">
+                <a14:useLocalDpi xmlns:a14="http://schemas.microsoft.com/office/drawing/2010/main" val="0"/>
+              </a:ext>
+              <a:ext uri="{96DAC541-7B7A-43D3-8B79-37D633B846F1}">
+                <asvg:svgBlip xmlns:asvg="http://schemas.microsoft.com/office/drawing/2016/SVG/main" r:embed="rId4"/>
+              </a:ext>
+            </a:extLst>
+          </a:blip>
+          <a:stretch>
+            <a:fillRect/>
+          </a:stretch>
+        </a:blipFill>
+        <a:ln w="15875" cap="flat" cmpd="sng" algn="ctr">
+          <a:solidFill>
+            <a:schemeClr val="lt1">
+              <a:hueOff val="0"/>
+              <a:satOff val="0"/>
+              <a:lumOff val="0"/>
+              <a:alphaOff val="0"/>
+            </a:schemeClr>
+          </a:solidFill>
+          <a:prstDash val="solid"/>
+        </a:ln>
+        <a:effectLst/>
+      </dsp:spPr>
+      <dsp:style>
+        <a:lnRef idx="2">
+          <a:scrgbClr r="0" g="0" b="0"/>
+        </a:lnRef>
+        <a:fillRef idx="1">
+          <a:scrgbClr r="0" g="0" b="0"/>
+        </a:fillRef>
+        <a:effectRef idx="0">
+          <a:scrgbClr r="0" g="0" b="0"/>
+        </a:effectRef>
+        <a:fontRef idx="minor">
+          <a:schemeClr val="lt1"/>
+        </a:fontRef>
+      </dsp:style>
+    </dsp:sp>
+    <dsp:sp modelId="{7DE8E408-DE79-443F-8629-C089FBA689E3}">
+      <dsp:nvSpPr>
+        <dsp:cNvPr id="0" name=""/>
+        <dsp:cNvSpPr/>
+      </dsp:nvSpPr>
+      <dsp:spPr>
+        <a:xfrm>
+          <a:off x="910646" y="987103"/>
+          <a:ext cx="3729089" cy="788438"/>
+        </a:xfrm>
+        <a:prstGeom prst="rect">
+          <a:avLst/>
+        </a:prstGeom>
+        <a:noFill/>
+        <a:ln>
+          <a:noFill/>
+        </a:ln>
+        <a:effectLst/>
+      </dsp:spPr>
+      <dsp:style>
+        <a:lnRef idx="0">
+          <a:scrgbClr r="0" g="0" b="0"/>
+        </a:lnRef>
+        <a:fillRef idx="0">
+          <a:scrgbClr r="0" g="0" b="0"/>
+        </a:fillRef>
+        <a:effectRef idx="0">
+          <a:scrgbClr r="0" g="0" b="0"/>
+        </a:effectRef>
+        <a:fontRef idx="minor"/>
+      </dsp:style>
+      <dsp:txBody>
+        <a:bodyPr spcFirstLastPara="0" vert="horz" wrap="square" lIns="83443" tIns="83443" rIns="83443" bIns="83443" numCol="1" spcCol="1270" anchor="ctr" anchorCtr="0">
+          <a:noAutofit/>
+        </a:bodyPr>
+        <a:lstStyle/>
+        <a:p>
+          <a:pPr marL="0" lvl="0" indent="0" algn="l" defTabSz="711200">
+            <a:lnSpc>
+              <a:spcPct val="100000"/>
+            </a:lnSpc>
+            <a:spcBef>
+              <a:spcPct val="0"/>
+            </a:spcBef>
+            <a:spcAft>
+              <a:spcPct val="35000"/>
+            </a:spcAft>
+            <a:buNone/>
+          </a:pPr>
+          <a:r>
+            <a:rPr lang="en-US" sz="1600" kern="1200" dirty="0"/>
+            <a:t>Memento must be immutable, so no setter methods</a:t>
+          </a:r>
+        </a:p>
+      </dsp:txBody>
+      <dsp:txXfrm>
+        <a:off x="910646" y="987103"/>
+        <a:ext cx="3729089" cy="788438"/>
+      </dsp:txXfrm>
+    </dsp:sp>
+    <dsp:sp modelId="{7760943E-59EA-4625-8C71-92A18A3E7522}">
+      <dsp:nvSpPr>
+        <dsp:cNvPr id="0" name=""/>
+        <dsp:cNvSpPr/>
+      </dsp:nvSpPr>
+      <dsp:spPr>
+        <a:xfrm>
+          <a:off x="0" y="1972651"/>
+          <a:ext cx="4639736" cy="788438"/>
+        </a:xfrm>
+        <a:prstGeom prst="roundRect">
+          <a:avLst>
+            <a:gd name="adj" fmla="val 10000"/>
+          </a:avLst>
+        </a:prstGeom>
+        <a:solidFill>
+          <a:schemeClr val="accent1">
+            <a:tint val="40000"/>
+            <a:hueOff val="0"/>
+            <a:satOff val="0"/>
+            <a:lumOff val="0"/>
+            <a:alphaOff val="0"/>
+          </a:schemeClr>
+        </a:solidFill>
+        <a:ln>
+          <a:noFill/>
+        </a:ln>
+        <a:effectLst/>
+      </dsp:spPr>
+      <dsp:style>
+        <a:lnRef idx="0">
+          <a:scrgbClr r="0" g="0" b="0"/>
+        </a:lnRef>
+        <a:fillRef idx="1">
+          <a:scrgbClr r="0" g="0" b="0"/>
+        </a:fillRef>
+        <a:effectRef idx="0">
+          <a:scrgbClr r="0" g="0" b="0"/>
+        </a:effectRef>
+        <a:fontRef idx="minor"/>
+      </dsp:style>
+    </dsp:sp>
+    <dsp:sp modelId="{676EE63F-6485-4E2A-ABAE-83CF265BF069}">
+      <dsp:nvSpPr>
+        <dsp:cNvPr id="0" name=""/>
+        <dsp:cNvSpPr/>
+      </dsp:nvSpPr>
+      <dsp:spPr>
+        <a:xfrm>
+          <a:off x="238502" y="2150049"/>
+          <a:ext cx="433641" cy="433641"/>
+        </a:xfrm>
+        <a:prstGeom prst="rect">
+          <a:avLst/>
+        </a:prstGeom>
+        <a:blipFill>
+          <a:blip xmlns:r="http://schemas.openxmlformats.org/officeDocument/2006/relationships" r:embed="rId5">
+            <a:extLst>
+              <a:ext uri="{28A0092B-C50C-407E-A947-70E740481C1C}">
+                <a14:useLocalDpi xmlns:a14="http://schemas.microsoft.com/office/drawing/2010/main" val="0"/>
+              </a:ext>
+              <a:ext uri="{96DAC541-7B7A-43D3-8B79-37D633B846F1}">
+                <asvg:svgBlip xmlns:asvg="http://schemas.microsoft.com/office/drawing/2016/SVG/main" r:embed="rId6"/>
+              </a:ext>
+            </a:extLst>
+          </a:blip>
+          <a:stretch>
+            <a:fillRect/>
+          </a:stretch>
+        </a:blipFill>
+        <a:ln w="15875" cap="flat" cmpd="sng" algn="ctr">
+          <a:solidFill>
+            <a:schemeClr val="lt1">
+              <a:hueOff val="0"/>
+              <a:satOff val="0"/>
+              <a:lumOff val="0"/>
+              <a:alphaOff val="0"/>
+            </a:schemeClr>
+          </a:solidFill>
+          <a:prstDash val="solid"/>
+        </a:ln>
+        <a:effectLst/>
+      </dsp:spPr>
+      <dsp:style>
+        <a:lnRef idx="2">
+          <a:scrgbClr r="0" g="0" b="0"/>
+        </a:lnRef>
+        <a:fillRef idx="1">
+          <a:scrgbClr r="0" g="0" b="0"/>
+        </a:fillRef>
+        <a:effectRef idx="0">
+          <a:scrgbClr r="0" g="0" b="0"/>
+        </a:effectRef>
+        <a:fontRef idx="minor">
+          <a:schemeClr val="lt1"/>
+        </a:fontRef>
+      </dsp:style>
+    </dsp:sp>
+    <dsp:sp modelId="{B9DB9720-3FDF-4ACB-85FA-66976B22A528}">
+      <dsp:nvSpPr>
+        <dsp:cNvPr id="0" name=""/>
+        <dsp:cNvSpPr/>
+      </dsp:nvSpPr>
+      <dsp:spPr>
+        <a:xfrm>
+          <a:off x="910646" y="1972651"/>
+          <a:ext cx="3729089" cy="788438"/>
+        </a:xfrm>
+        <a:prstGeom prst="rect">
+          <a:avLst/>
+        </a:prstGeom>
+        <a:noFill/>
+        <a:ln>
+          <a:noFill/>
+        </a:ln>
+        <a:effectLst/>
+      </dsp:spPr>
+      <dsp:style>
+        <a:lnRef idx="0">
+          <a:scrgbClr r="0" g="0" b="0"/>
+        </a:lnRef>
+        <a:fillRef idx="0">
+          <a:scrgbClr r="0" g="0" b="0"/>
+        </a:fillRef>
+        <a:effectRef idx="0">
+          <a:scrgbClr r="0" g="0" b="0"/>
+        </a:effectRef>
+        <a:fontRef idx="minor"/>
+      </dsp:style>
+      <dsp:txBody>
+        <a:bodyPr spcFirstLastPara="0" vert="horz" wrap="square" lIns="83443" tIns="83443" rIns="83443" bIns="83443" numCol="1" spcCol="1270" anchor="ctr" anchorCtr="0">
+          <a:noAutofit/>
+        </a:bodyPr>
+        <a:lstStyle/>
+        <a:p>
+          <a:pPr marL="0" lvl="0" indent="0" algn="l" defTabSz="711200">
+            <a:lnSpc>
+              <a:spcPct val="100000"/>
+            </a:lnSpc>
+            <a:spcBef>
+              <a:spcPct val="0"/>
+            </a:spcBef>
+            <a:spcAft>
+              <a:spcPct val="35000"/>
+            </a:spcAft>
+            <a:buNone/>
+          </a:pPr>
+          <a:r>
+            <a:rPr lang="en-US" sz="1600" kern="1200" dirty="0"/>
+            <a:t>Classic use case: undo functionality</a:t>
+          </a:r>
+        </a:p>
+      </dsp:txBody>
+      <dsp:txXfrm>
+        <a:off x="910646" y="1972651"/>
+        <a:ext cx="3729089" cy="788438"/>
+      </dsp:txXfrm>
+    </dsp:sp>
+    <dsp:sp modelId="{79AEF808-314B-4C4B-82AA-6EEA54A65F07}">
+      <dsp:nvSpPr>
+        <dsp:cNvPr id="0" name=""/>
+        <dsp:cNvSpPr/>
+      </dsp:nvSpPr>
+      <dsp:spPr>
+        <a:xfrm>
+          <a:off x="0" y="2958199"/>
+          <a:ext cx="4639736" cy="788438"/>
+        </a:xfrm>
+        <a:prstGeom prst="roundRect">
+          <a:avLst>
+            <a:gd name="adj" fmla="val 10000"/>
+          </a:avLst>
+        </a:prstGeom>
+        <a:solidFill>
+          <a:schemeClr val="accent1">
+            <a:tint val="40000"/>
+            <a:hueOff val="0"/>
+            <a:satOff val="0"/>
+            <a:lumOff val="0"/>
+            <a:alphaOff val="0"/>
+          </a:schemeClr>
+        </a:solidFill>
+        <a:ln>
+          <a:noFill/>
+        </a:ln>
+        <a:effectLst/>
+      </dsp:spPr>
+      <dsp:style>
+        <a:lnRef idx="0">
+          <a:scrgbClr r="0" g="0" b="0"/>
+        </a:lnRef>
+        <a:fillRef idx="1">
+          <a:scrgbClr r="0" g="0" b="0"/>
+        </a:fillRef>
+        <a:effectRef idx="0">
+          <a:scrgbClr r="0" g="0" b="0"/>
+        </a:effectRef>
+        <a:fontRef idx="minor"/>
+      </dsp:style>
+    </dsp:sp>
+    <dsp:sp modelId="{73575651-229C-4229-B203-88512EEA95C5}">
+      <dsp:nvSpPr>
+        <dsp:cNvPr id="0" name=""/>
+        <dsp:cNvSpPr/>
+      </dsp:nvSpPr>
+      <dsp:spPr>
+        <a:xfrm>
+          <a:off x="238502" y="3135597"/>
+          <a:ext cx="433641" cy="433641"/>
+        </a:xfrm>
+        <a:prstGeom prst="rect">
+          <a:avLst/>
+        </a:prstGeom>
+        <a:blipFill>
+          <a:blip xmlns:r="http://schemas.openxmlformats.org/officeDocument/2006/relationships" r:embed="rId7">
+            <a:extLst>
+              <a:ext uri="{28A0092B-C50C-407E-A947-70E740481C1C}">
+                <a14:useLocalDpi xmlns:a14="http://schemas.microsoft.com/office/drawing/2010/main" val="0"/>
+              </a:ext>
+              <a:ext uri="{96DAC541-7B7A-43D3-8B79-37D633B846F1}">
+                <asvg:svgBlip xmlns:asvg="http://schemas.microsoft.com/office/drawing/2016/SVG/main" r:embed="rId8"/>
+              </a:ext>
+            </a:extLst>
+          </a:blip>
+          <a:stretch>
+            <a:fillRect/>
+          </a:stretch>
+        </a:blipFill>
+        <a:ln w="15875" cap="flat" cmpd="sng" algn="ctr">
+          <a:solidFill>
+            <a:schemeClr val="lt1">
+              <a:hueOff val="0"/>
+              <a:satOff val="0"/>
+              <a:lumOff val="0"/>
+              <a:alphaOff val="0"/>
+            </a:schemeClr>
+          </a:solidFill>
+          <a:prstDash val="solid"/>
+        </a:ln>
+        <a:effectLst/>
+      </dsp:spPr>
+      <dsp:style>
+        <a:lnRef idx="2">
+          <a:scrgbClr r="0" g="0" b="0"/>
+        </a:lnRef>
+        <a:fillRef idx="1">
+          <a:scrgbClr r="0" g="0" b="0"/>
+        </a:fillRef>
+        <a:effectRef idx="0">
+          <a:scrgbClr r="0" g="0" b="0"/>
+        </a:effectRef>
+        <a:fontRef idx="minor">
+          <a:schemeClr val="lt1"/>
+        </a:fontRef>
+      </dsp:style>
+    </dsp:sp>
+    <dsp:sp modelId="{77CFAC55-D3CF-45EA-A63C-9656646CA42E}">
+      <dsp:nvSpPr>
+        <dsp:cNvPr id="0" name=""/>
+        <dsp:cNvSpPr/>
+      </dsp:nvSpPr>
+      <dsp:spPr>
+        <a:xfrm>
+          <a:off x="910646" y="2958199"/>
+          <a:ext cx="3729089" cy="788438"/>
+        </a:xfrm>
+        <a:prstGeom prst="rect">
+          <a:avLst/>
+        </a:prstGeom>
+        <a:noFill/>
+        <a:ln>
+          <a:noFill/>
+        </a:ln>
+        <a:effectLst/>
+      </dsp:spPr>
+      <dsp:style>
+        <a:lnRef idx="0">
+          <a:scrgbClr r="0" g="0" b="0"/>
+        </a:lnRef>
+        <a:fillRef idx="0">
+          <a:scrgbClr r="0" g="0" b="0"/>
+        </a:fillRef>
+        <a:effectRef idx="0">
+          <a:scrgbClr r="0" g="0" b="0"/>
+        </a:effectRef>
+        <a:fontRef idx="minor"/>
+      </dsp:style>
+      <dsp:txBody>
+        <a:bodyPr spcFirstLastPara="0" vert="horz" wrap="square" lIns="83443" tIns="83443" rIns="83443" bIns="83443" numCol="1" spcCol="1270" anchor="ctr" anchorCtr="0">
+          <a:noAutofit/>
+        </a:bodyPr>
+        <a:lstStyle/>
+        <a:p>
+          <a:pPr marL="0" lvl="0" indent="0" algn="l" defTabSz="711200">
+            <a:lnSpc>
+              <a:spcPct val="100000"/>
+            </a:lnSpc>
+            <a:spcBef>
+              <a:spcPct val="0"/>
+            </a:spcBef>
+            <a:spcAft>
+              <a:spcPct val="35000"/>
+            </a:spcAft>
+            <a:buNone/>
+          </a:pPr>
+          <a:r>
+            <a:rPr lang="en-US" sz="1600" kern="1200" dirty="0"/>
+            <a:t>Several</a:t>
+          </a:r>
+          <a:r>
+            <a:rPr lang="en-US" sz="1600" kern="1200" baseline="0" dirty="0"/>
+            <a:t> implementations: nested classes, interface </a:t>
+          </a:r>
+          <a:r>
+            <a:rPr lang="en-US" sz="1600" kern="1200" baseline="0" dirty="0">
+              <a:hlinkClick xmlns:r="http://schemas.openxmlformats.org/officeDocument/2006/relationships" r:id="rId9"/>
+            </a:rPr>
+            <a:t>(find more details here)</a:t>
+          </a:r>
+          <a:endParaRPr lang="en-US" sz="1600" kern="1200" dirty="0"/>
+        </a:p>
+      </dsp:txBody>
+      <dsp:txXfrm>
+        <a:off x="910646" y="2958199"/>
+        <a:ext cx="3729089" cy="788438"/>
+      </dsp:txXfrm>
+    </dsp:sp>
+  </dsp:spTree>
+</dsp:drawing>
+</file>
+
 <file path=ppt/diagrams/layout1.xml><?xml version="1.0" encoding="utf-8"?>
 <dgm:layoutDef xmlns:dgm="http://schemas.openxmlformats.org/drawingml/2006/diagram" xmlns:a="http://schemas.openxmlformats.org/drawingml/2006/main" uniqueId="urn:microsoft.com/office/officeart/2018/2/layout/IconVerticalSolidList">
   <dgm:title val="Icon Vertical Solid List"/>
@@ -8632,6 +10485,300 @@
 </dgm:layoutDef>
 </file>
 
+<file path=ppt/diagrams/layout5.xml><?xml version="1.0" encoding="utf-8"?>
+<dgm:layoutDef xmlns:dgm="http://schemas.openxmlformats.org/drawingml/2006/diagram" xmlns:a="http://schemas.openxmlformats.org/drawingml/2006/main" uniqueId="urn:microsoft.com/office/officeart/2018/2/layout/IconVerticalSolidList">
+  <dgm:title val="Icon Vertical Solid List"/>
+  <dgm:desc val="Use to show a series of visuals from top to bottom with Level 1 or Level 1 and Level 2 text grouped in a shape. Works best with icons or small pictures with lengthier descriptions."/>
+  <dgm:catLst>
+    <dgm:cat type="icon" pri="500"/>
+  </dgm:catLst>
+  <dgm:sampData useDef="1">
+    <dgm:dataModel>
+      <dgm:ptLst/>
+      <dgm:bg/>
+      <dgm:whole/>
+    </dgm:dataModel>
+  </dgm:sampData>
+  <dgm:styleData useDef="1">
+    <dgm:dataModel>
+      <dgm:ptLst/>
+      <dgm:bg/>
+      <dgm:whole/>
+    </dgm:dataModel>
+  </dgm:styleData>
+  <dgm:clrData useDef="1">
+    <dgm:dataModel>
+      <dgm:ptLst/>
+      <dgm:bg/>
+      <dgm:whole/>
+    </dgm:dataModel>
+  </dgm:clrData>
+  <dgm:layoutNode name="root">
+    <dgm:varLst>
+      <dgm:dir/>
+      <dgm:resizeHandles val="exact"/>
+    </dgm:varLst>
+    <dgm:choose name="Name0">
+      <dgm:if name="Name1" axis="self" func="var" arg="dir" op="equ" val="norm">
+        <dgm:alg type="lin">
+          <dgm:param type="linDir" val="fromT"/>
+          <dgm:param type="nodeHorzAlign" val="l"/>
+        </dgm:alg>
+      </dgm:if>
+      <dgm:else name="Name2">
+        <dgm:alg type="lin">
+          <dgm:param type="linDir" val="fromT"/>
+          <dgm:param type="nodeHorzAlign" val="r"/>
+        </dgm:alg>
+      </dgm:else>
+    </dgm:choose>
+    <dgm:shape xmlns:r="http://schemas.openxmlformats.org/officeDocument/2006/relationships" r:blip="">
+      <dgm:adjLst/>
+    </dgm:shape>
+    <dgm:presOf/>
+    <dgm:choose name="Name3">
+      <dgm:if name="Name4" axis="ch" ptType="node" func="cnt" op="lte" val="3">
+        <dgm:constrLst>
+          <dgm:constr type="h" for="ch" forName="compNode" refType="h" fact="0.3"/>
+          <dgm:constr type="w" for="ch" forName="compNode" refType="w"/>
+          <dgm:constr type="h" for="ch" forName="sibTrans" refType="h" refFor="ch" refForName="compNode" fact="0.25"/>
+          <dgm:constr type="primFontSz" for="des" forName="parTx" val="25"/>
+          <dgm:constr type="primFontSz" for="des" forName="desTx" refType="primFontSz" refFor="des" refForName="parTx" op="lte" fact="0.75"/>
+          <dgm:constr type="h" for="des" forName="compNode" op="equ"/>
+          <dgm:constr type="h" for="des" forName="bgRect" op="equ"/>
+          <dgm:constr type="h" for="des" forName="iconRect" op="equ"/>
+          <dgm:constr type="w" for="des" forName="iconRect" op="equ"/>
+          <dgm:constr type="h" for="des" forName="spaceRect" op="equ"/>
+          <dgm:constr type="h" for="des" forName="parTx" op="equ"/>
+          <dgm:constr type="h" for="des" forName="desTx" op="equ"/>
+        </dgm:constrLst>
+      </dgm:if>
+      <dgm:if name="Name5" axis="ch" ptType="node" func="cnt" op="lte" val="4">
+        <dgm:constrLst>
+          <dgm:constr type="h" for="ch" forName="compNode" refType="h" fact="0.3"/>
+          <dgm:constr type="w" for="ch" forName="compNode" refType="w"/>
+          <dgm:constr type="h" for="ch" forName="sibTrans" refType="h" refFor="ch" refForName="compNode" fact="0.25"/>
+          <dgm:constr type="primFontSz" for="des" forName="parTx" val="22"/>
+          <dgm:constr type="primFontSz" for="des" forName="desTx" refType="primFontSz" refFor="des" refForName="parTx" op="lte" fact="0.75"/>
+          <dgm:constr type="h" for="des" forName="compNode" op="equ"/>
+          <dgm:constr type="h" for="des" forName="bgRect" op="equ"/>
+          <dgm:constr type="h" for="des" forName="iconRect" op="equ"/>
+          <dgm:constr type="w" for="des" forName="iconRect" op="equ"/>
+          <dgm:constr type="h" for="des" forName="spaceRect" op="equ"/>
+          <dgm:constr type="h" for="des" forName="parTx" op="equ"/>
+          <dgm:constr type="h" for="des" forName="desTx" op="equ"/>
+        </dgm:constrLst>
+      </dgm:if>
+      <dgm:if name="Name6" axis="ch" ptType="node" func="cnt" op="lte" val="6">
+        <dgm:constrLst>
+          <dgm:constr type="h" for="ch" forName="compNode" refType="h" fact="0.3"/>
+          <dgm:constr type="w" for="ch" forName="compNode" refType="w"/>
+          <dgm:constr type="h" for="ch" forName="sibTrans" refType="h" refFor="ch" refForName="compNode" fact="0.25"/>
+          <dgm:constr type="primFontSz" for="des" forName="parTx" val="19"/>
+          <dgm:constr type="primFontSz" for="des" forName="desTx" refType="primFontSz" refFor="des" refForName="parTx" op="lte" fact="0.75"/>
+          <dgm:constr type="h" for="des" forName="compNode" op="equ"/>
+          <dgm:constr type="h" for="des" forName="bgRect" op="equ"/>
+          <dgm:constr type="h" for="des" forName="iconRect" op="equ"/>
+          <dgm:constr type="w" for="des" forName="iconRect" op="equ"/>
+          <dgm:constr type="h" for="des" forName="spaceRect" op="equ"/>
+          <dgm:constr type="h" for="des" forName="parTx" op="equ"/>
+          <dgm:constr type="h" for="des" forName="desTx" op="equ"/>
+        </dgm:constrLst>
+      </dgm:if>
+      <dgm:else name="Name7">
+        <dgm:constrLst>
+          <dgm:constr type="h" for="ch" forName="compNode" refType="h" fact="0.3"/>
+          <dgm:constr type="w" for="ch" forName="compNode" refType="w"/>
+          <dgm:constr type="h" for="ch" forName="sibTrans" refType="h" refFor="ch" refForName="compNode" fact="0.25"/>
+          <dgm:constr type="primFontSz" for="des" forName="parTx" val="16"/>
+          <dgm:constr type="primFontSz" for="des" forName="desTx" refType="primFontSz" refFor="des" refForName="parTx" op="lte" fact="0.75"/>
+          <dgm:constr type="h" for="des" forName="compNode" op="equ"/>
+          <dgm:constr type="h" for="des" forName="bgRect" op="equ"/>
+          <dgm:constr type="h" for="des" forName="iconRect" op="equ"/>
+          <dgm:constr type="w" for="des" forName="iconRect" op="equ"/>
+          <dgm:constr type="h" for="des" forName="spaceRect" op="equ"/>
+          <dgm:constr type="h" for="des" forName="parTx" op="equ"/>
+          <dgm:constr type="h" for="des" forName="desTx" op="equ"/>
+        </dgm:constrLst>
+      </dgm:else>
+    </dgm:choose>
+    <dgm:ruleLst>
+      <dgm:rule type="h" for="ch" forName="compNode" val="0" fact="NaN" max="NaN"/>
+    </dgm:ruleLst>
+    <dgm:forEach name="Name8" axis="ch" ptType="node">
+      <dgm:layoutNode name="compNode">
+        <dgm:alg type="composite"/>
+        <dgm:shape xmlns:r="http://schemas.openxmlformats.org/officeDocument/2006/relationships" r:blip="">
+          <dgm:adjLst/>
+        </dgm:shape>
+        <dgm:presOf axis="self"/>
+        <dgm:choose name="Name9">
+          <dgm:if name="Name10" axis="ch" ptType="node" func="cnt" op="gte" val="1">
+            <dgm:constrLst>
+              <dgm:constr type="w" for="ch" forName="bgRect" refType="w"/>
+              <dgm:constr type="h" for="ch" forName="bgRect" refType="h"/>
+              <dgm:constr type="l" for="ch" forName="bgRect"/>
+              <dgm:constr type="t" for="ch" forName="bgRect"/>
+              <dgm:constr type="h" for="ch" forName="iconRect" refType="h" fact="0.55"/>
+              <dgm:constr type="w" for="ch" forName="iconRect" refType="h" refFor="ch" refForName="iconRect"/>
+              <dgm:constr type="l" for="ch" forName="iconRect" refType="h" refFor="ch" refForName="iconRect" fact="0.55"/>
+              <dgm:constr type="ctrY" for="ch" forName="iconRect" refType="ctrY" refFor="ch" refForName="bgRect"/>
+              <dgm:constr type="w" for="ch" forName="spaceRect" refType="l" refFor="ch" refForName="iconRect"/>
+              <dgm:constr type="h" for="ch" forName="spaceRect" refType="h"/>
+              <dgm:constr type="l" for="ch" forName="spaceRect" refType="r" refFor="ch" refForName="iconRect"/>
+              <dgm:constr type="t" for="ch" forName="spaceRect"/>
+              <dgm:constr type="w" for="ch" forName="parTx" refType="w" fact="0.45"/>
+              <dgm:constr type="h" for="ch" forName="parTx" refType="h"/>
+              <dgm:constr type="l" for="ch" forName="parTx" refType="r" refFor="ch" refForName="spaceRect"/>
+              <dgm:constr type="t" for="ch" forName="parTx"/>
+              <dgm:constr type="h" for="ch" forName="desTx" refType="h"/>
+              <dgm:constr type="l" for="ch" forName="desTx" refType="r" refFor="ch" refForName="parTx"/>
+              <dgm:constr type="t" for="ch" forName="desTx"/>
+            </dgm:constrLst>
+          </dgm:if>
+          <dgm:else name="Name11">
+            <dgm:constrLst>
+              <dgm:constr type="w" for="ch" forName="bgRect" refType="w"/>
+              <dgm:constr type="h" for="ch" forName="bgRect" refType="h"/>
+              <dgm:constr type="l" for="ch" forName="bgRect"/>
+              <dgm:constr type="t" for="ch" forName="bgRect"/>
+              <dgm:constr type="h" for="ch" forName="iconRect" refType="h" fact="0.55"/>
+              <dgm:constr type="w" for="ch" forName="iconRect" refType="h" refFor="ch" refForName="iconRect"/>
+              <dgm:constr type="l" for="ch" forName="iconRect" refType="h" refFor="ch" refForName="iconRect" fact="0.55"/>
+              <dgm:constr type="ctrY" for="ch" forName="iconRect" refType="ctrY" refFor="ch" refForName="bgRect"/>
+              <dgm:constr type="w" for="ch" forName="spaceRect" refType="l" refFor="ch" refForName="iconRect"/>
+              <dgm:constr type="h" for="ch" forName="spaceRect" refType="h"/>
+              <dgm:constr type="l" for="ch" forName="spaceRect" refType="r" refFor="ch" refForName="iconRect"/>
+              <dgm:constr type="t" for="ch" forName="spaceRect"/>
+              <dgm:constr type="h" for="ch" forName="parTx" refType="h"/>
+              <dgm:constr type="l" for="ch" forName="parTx" refType="r" refFor="ch" refForName="spaceRect"/>
+              <dgm:constr type="t" for="ch" forName="parTx"/>
+            </dgm:constrLst>
+          </dgm:else>
+        </dgm:choose>
+        <dgm:ruleLst>
+          <dgm:rule type="h" val="INF" fact="NaN" max="NaN"/>
+        </dgm:ruleLst>
+        <dgm:layoutNode name="bgRect" styleLbl="bgShp">
+          <dgm:alg type="sp"/>
+          <dgm:shape xmlns:r="http://schemas.openxmlformats.org/officeDocument/2006/relationships" type="roundRect" r:blip="">
+            <dgm:adjLst>
+              <dgm:adj idx="1" val="0.1"/>
+            </dgm:adjLst>
+          </dgm:shape>
+          <dgm:presOf/>
+          <dgm:constrLst/>
+          <dgm:ruleLst/>
+        </dgm:layoutNode>
+        <dgm:layoutNode name="iconRect" styleLbl="node1">
+          <dgm:alg type="sp"/>
+          <dgm:shape xmlns:r="http://schemas.openxmlformats.org/officeDocument/2006/relationships" type="rect" r:blip="" blipPhldr="1">
+            <dgm:adjLst/>
+          </dgm:shape>
+          <dgm:presOf/>
+          <dgm:constrLst/>
+          <dgm:ruleLst/>
+        </dgm:layoutNode>
+        <dgm:layoutNode name="spaceRect">
+          <dgm:alg type="sp"/>
+          <dgm:shape xmlns:r="http://schemas.openxmlformats.org/officeDocument/2006/relationships" r:blip="">
+            <dgm:adjLst/>
+          </dgm:shape>
+          <dgm:presOf/>
+          <dgm:constrLst/>
+          <dgm:ruleLst/>
+        </dgm:layoutNode>
+        <dgm:layoutNode name="parTx" styleLbl="revTx">
+          <dgm:varLst>
+            <dgm:chMax val="0"/>
+            <dgm:chPref val="0"/>
+          </dgm:varLst>
+          <dgm:alg type="tx">
+            <dgm:param type="txAnchorVert" val="mid"/>
+            <dgm:param type="parTxLTRAlign" val="l"/>
+            <dgm:param type="shpTxLTRAlignCh" val="l"/>
+            <dgm:param type="parTxRTLAlign" val="r"/>
+            <dgm:param type="shpTxRTLAlignCh" val="r"/>
+          </dgm:alg>
+          <dgm:shape xmlns:r="http://schemas.openxmlformats.org/officeDocument/2006/relationships" type="rect" r:blip="">
+            <dgm:adjLst/>
+          </dgm:shape>
+          <dgm:presOf axis="self" ptType="node"/>
+          <dgm:constrLst>
+            <dgm:constr type="lMarg" refType="h" fact="0.3"/>
+            <dgm:constr type="rMarg" refType="h" fact="0.3"/>
+            <dgm:constr type="tMarg" refType="h" fact="0.3"/>
+            <dgm:constr type="bMarg" refType="h" fact="0.3"/>
+          </dgm:constrLst>
+          <dgm:ruleLst>
+            <dgm:rule type="primFontSz" val="14" fact="NaN" max="NaN"/>
+            <dgm:rule type="h" val="INF" fact="NaN" max="NaN"/>
+          </dgm:ruleLst>
+        </dgm:layoutNode>
+        <dgm:choose name="Name12">
+          <dgm:if name="Name13" axis="ch" ptType="node" func="cnt" op="gte" val="1">
+            <dgm:layoutNode name="desTx" styleLbl="revTx">
+              <dgm:varLst/>
+              <dgm:alg type="tx">
+                <dgm:param type="txAnchorVertCh" val="mid"/>
+                <dgm:param type="parTxLTRAlign" val="l"/>
+                <dgm:param type="shpTxLTRAlignCh" val="l"/>
+                <dgm:param type="parTxRTLAlign" val="r"/>
+                <dgm:param type="shpTxRTLAlignCh" val="r"/>
+                <dgm:param type="stBulletLvl" val="0"/>
+              </dgm:alg>
+              <dgm:shape xmlns:r="http://schemas.openxmlformats.org/officeDocument/2006/relationships" type="rect" r:blip="">
+                <dgm:adjLst/>
+              </dgm:shape>
+              <dgm:presOf axis="des" ptType="node"/>
+              <dgm:constrLst>
+                <dgm:constr type="primFontSz" val="18"/>
+                <dgm:constr type="secFontSz" refType="primFontSz"/>
+                <dgm:constr type="lMarg" refType="h" fact="0.3"/>
+                <dgm:constr type="rMarg" refType="h" fact="0.3"/>
+                <dgm:constr type="tMarg" refType="h" fact="0.3"/>
+                <dgm:constr type="bMarg" refType="h" fact="0.3"/>
+              </dgm:constrLst>
+              <dgm:ruleLst>
+                <dgm:rule type="primFontSz" val="11" fact="NaN" max="NaN"/>
+              </dgm:ruleLst>
+            </dgm:layoutNode>
+          </dgm:if>
+          <dgm:else name="Name14"/>
+        </dgm:choose>
+      </dgm:layoutNode>
+      <dgm:forEach name="Name15" axis="followSib" ptType="sibTrans" cnt="1">
+        <dgm:layoutNode name="sibTrans">
+          <dgm:alg type="sp"/>
+          <dgm:shape xmlns:r="http://schemas.openxmlformats.org/officeDocument/2006/relationships" r:blip="">
+            <dgm:adjLst/>
+          </dgm:shape>
+          <dgm:presOf axis="self"/>
+          <dgm:constrLst/>
+          <dgm:ruleLst/>
+        </dgm:layoutNode>
+      </dgm:forEach>
+    </dgm:forEach>
+  </dgm:layoutNode>
+  <dgm:extLst>
+    <a:ext uri="{68A01E43-0DF5-4B5B-8FA6-DAF915123BFB}">
+      <dgm1612:lstStyle xmlns:dgm1612="http://schemas.microsoft.com/office/drawing/2016/12/diagram">
+        <a:lvl1pPr>
+          <a:lnSpc>
+            <a:spcPct val="100000"/>
+          </a:lnSpc>
+        </a:lvl1pPr>
+        <a:lvl2pPr>
+          <a:lnSpc>
+            <a:spcPct val="100000"/>
+          </a:lnSpc>
+        </a:lvl2pPr>
+      </dgm1612:lstStyle>
+    </a:ext>
+  </dgm:extLst>
+</dgm:layoutDef>
+</file>
+
 <file path=ppt/diagrams/quickStyle1.xml><?xml version="1.0" encoding="utf-8"?>
 <dgm:styleDef xmlns:dgm="http://schemas.openxmlformats.org/drawingml/2006/diagram" xmlns:a="http://schemas.openxmlformats.org/drawingml/2006/main" uniqueId="urn:microsoft.com/office/officeart/2005/8/quickstyle/simple1">
   <dgm:title val=""/>
@@ -11735,6 +13882,1040 @@
 </file>
 
 <file path=ppt/diagrams/quickStyle4.xml><?xml version="1.0" encoding="utf-8"?>
+<dgm:styleDef xmlns:dgm="http://schemas.openxmlformats.org/drawingml/2006/diagram" xmlns:a="http://schemas.openxmlformats.org/drawingml/2006/main" uniqueId="urn:microsoft.com/office/officeart/2005/8/quickstyle/simple1">
+  <dgm:title val=""/>
+  <dgm:desc val=""/>
+  <dgm:catLst>
+    <dgm:cat type="simple" pri="10100"/>
+  </dgm:catLst>
+  <dgm:scene3d>
+    <a:camera prst="orthographicFront"/>
+    <a:lightRig rig="threePt" dir="t"/>
+  </dgm:scene3d>
+  <dgm:styleLbl name="node0">
+    <dgm:scene3d>
+      <a:camera prst="orthographicFront"/>
+      <a:lightRig rig="threePt" dir="t"/>
+    </dgm:scene3d>
+    <dgm:sp3d/>
+    <dgm:txPr/>
+    <dgm:style>
+      <a:lnRef idx="2">
+        <a:scrgbClr r="0" g="0" b="0"/>
+      </a:lnRef>
+      <a:fillRef idx="1">
+        <a:scrgbClr r="0" g="0" b="0"/>
+      </a:fillRef>
+      <a:effectRef idx="0">
+        <a:scrgbClr r="0" g="0" b="0"/>
+      </a:effectRef>
+      <a:fontRef idx="minor">
+        <a:schemeClr val="lt1"/>
+      </a:fontRef>
+    </dgm:style>
+  </dgm:styleLbl>
+  <dgm:styleLbl name="lnNode1">
+    <dgm:scene3d>
+      <a:camera prst="orthographicFront"/>
+      <a:lightRig rig="threePt" dir="t"/>
+    </dgm:scene3d>
+    <dgm:sp3d/>
+    <dgm:txPr/>
+    <dgm:style>
+      <a:lnRef idx="2">
+        <a:scrgbClr r="0" g="0" b="0"/>
+      </a:lnRef>
+      <a:fillRef idx="1">
+        <a:scrgbClr r="0" g="0" b="0"/>
+      </a:fillRef>
+      <a:effectRef idx="0">
+        <a:scrgbClr r="0" g="0" b="0"/>
+      </a:effectRef>
+      <a:fontRef idx="minor">
+        <a:schemeClr val="lt1"/>
+      </a:fontRef>
+    </dgm:style>
+  </dgm:styleLbl>
+  <dgm:styleLbl name="vennNode1">
+    <dgm:scene3d>
+      <a:camera prst="orthographicFront"/>
+      <a:lightRig rig="threePt" dir="t"/>
+    </dgm:scene3d>
+    <dgm:sp3d/>
+    <dgm:txPr/>
+    <dgm:style>
+      <a:lnRef idx="2">
+        <a:scrgbClr r="0" g="0" b="0"/>
+      </a:lnRef>
+      <a:fillRef idx="1">
+        <a:scrgbClr r="0" g="0" b="0"/>
+      </a:fillRef>
+      <a:effectRef idx="0">
+        <a:scrgbClr r="0" g="0" b="0"/>
+      </a:effectRef>
+      <a:fontRef idx="minor">
+        <a:schemeClr val="tx1"/>
+      </a:fontRef>
+    </dgm:style>
+  </dgm:styleLbl>
+  <dgm:styleLbl name="alignNode1">
+    <dgm:scene3d>
+      <a:camera prst="orthographicFront"/>
+      <a:lightRig rig="threePt" dir="t"/>
+    </dgm:scene3d>
+    <dgm:sp3d/>
+    <dgm:txPr/>
+    <dgm:style>
+      <a:lnRef idx="2">
+        <a:scrgbClr r="0" g="0" b="0"/>
+      </a:lnRef>
+      <a:fillRef idx="1">
+        <a:scrgbClr r="0" g="0" b="0"/>
+      </a:fillRef>
+      <a:effectRef idx="0">
+        <a:scrgbClr r="0" g="0" b="0"/>
+      </a:effectRef>
+      <a:fontRef idx="minor">
+        <a:schemeClr val="lt1"/>
+      </a:fontRef>
+    </dgm:style>
+  </dgm:styleLbl>
+  <dgm:styleLbl name="node1">
+    <dgm:scene3d>
+      <a:camera prst="orthographicFront"/>
+      <a:lightRig rig="threePt" dir="t"/>
+    </dgm:scene3d>
+    <dgm:sp3d/>
+    <dgm:txPr/>
+    <dgm:style>
+      <a:lnRef idx="2">
+        <a:scrgbClr r="0" g="0" b="0"/>
+      </a:lnRef>
+      <a:fillRef idx="1">
+        <a:scrgbClr r="0" g="0" b="0"/>
+      </a:fillRef>
+      <a:effectRef idx="0">
+        <a:scrgbClr r="0" g="0" b="0"/>
+      </a:effectRef>
+      <a:fontRef idx="minor">
+        <a:schemeClr val="lt1"/>
+      </a:fontRef>
+    </dgm:style>
+  </dgm:styleLbl>
+  <dgm:styleLbl name="node2">
+    <dgm:scene3d>
+      <a:camera prst="orthographicFront"/>
+      <a:lightRig rig="threePt" dir="t"/>
+    </dgm:scene3d>
+    <dgm:sp3d/>
+    <dgm:txPr/>
+    <dgm:style>
+      <a:lnRef idx="2">
+        <a:scrgbClr r="0" g="0" b="0"/>
+      </a:lnRef>
+      <a:fillRef idx="1">
+        <a:scrgbClr r="0" g="0" b="0"/>
+      </a:fillRef>
+      <a:effectRef idx="0">
+        <a:scrgbClr r="0" g="0" b="0"/>
+      </a:effectRef>
+      <a:fontRef idx="minor">
+        <a:schemeClr val="lt1"/>
+      </a:fontRef>
+    </dgm:style>
+  </dgm:styleLbl>
+  <dgm:styleLbl name="node3">
+    <dgm:scene3d>
+      <a:camera prst="orthographicFront"/>
+      <a:lightRig rig="threePt" dir="t"/>
+    </dgm:scene3d>
+    <dgm:sp3d/>
+    <dgm:txPr/>
+    <dgm:style>
+      <a:lnRef idx="2">
+        <a:scrgbClr r="0" g="0" b="0"/>
+      </a:lnRef>
+      <a:fillRef idx="1">
+        <a:scrgbClr r="0" g="0" b="0"/>
+      </a:fillRef>
+      <a:effectRef idx="0">
+        <a:scrgbClr r="0" g="0" b="0"/>
+      </a:effectRef>
+      <a:fontRef idx="minor">
+        <a:schemeClr val="lt1"/>
+      </a:fontRef>
+    </dgm:style>
+  </dgm:styleLbl>
+  <dgm:styleLbl name="node4">
+    <dgm:scene3d>
+      <a:camera prst="orthographicFront"/>
+      <a:lightRig rig="threePt" dir="t"/>
+    </dgm:scene3d>
+    <dgm:sp3d/>
+    <dgm:txPr/>
+    <dgm:style>
+      <a:lnRef idx="2">
+        <a:scrgbClr r="0" g="0" b="0"/>
+      </a:lnRef>
+      <a:fillRef idx="1">
+        <a:scrgbClr r="0" g="0" b="0"/>
+      </a:fillRef>
+      <a:effectRef idx="0">
+        <a:scrgbClr r="0" g="0" b="0"/>
+      </a:effectRef>
+      <a:fontRef idx="minor">
+        <a:schemeClr val="lt1"/>
+      </a:fontRef>
+    </dgm:style>
+  </dgm:styleLbl>
+  <dgm:styleLbl name="fgImgPlace1">
+    <dgm:scene3d>
+      <a:camera prst="orthographicFront"/>
+      <a:lightRig rig="threePt" dir="t"/>
+    </dgm:scene3d>
+    <dgm:sp3d/>
+    <dgm:txPr/>
+    <dgm:style>
+      <a:lnRef idx="2">
+        <a:scrgbClr r="0" g="0" b="0"/>
+      </a:lnRef>
+      <a:fillRef idx="1">
+        <a:scrgbClr r="0" g="0" b="0"/>
+      </a:fillRef>
+      <a:effectRef idx="0">
+        <a:scrgbClr r="0" g="0" b="0"/>
+      </a:effectRef>
+      <a:fontRef idx="minor"/>
+    </dgm:style>
+  </dgm:styleLbl>
+  <dgm:styleLbl name="alignImgPlace1">
+    <dgm:scene3d>
+      <a:camera prst="orthographicFront"/>
+      <a:lightRig rig="threePt" dir="t"/>
+    </dgm:scene3d>
+    <dgm:sp3d/>
+    <dgm:txPr/>
+    <dgm:style>
+      <a:lnRef idx="2">
+        <a:scrgbClr r="0" g="0" b="0"/>
+      </a:lnRef>
+      <a:fillRef idx="1">
+        <a:scrgbClr r="0" g="0" b="0"/>
+      </a:fillRef>
+      <a:effectRef idx="0">
+        <a:scrgbClr r="0" g="0" b="0"/>
+      </a:effectRef>
+      <a:fontRef idx="minor"/>
+    </dgm:style>
+  </dgm:styleLbl>
+  <dgm:styleLbl name="bgImgPlace1">
+    <dgm:scene3d>
+      <a:camera prst="orthographicFront"/>
+      <a:lightRig rig="threePt" dir="t"/>
+    </dgm:scene3d>
+    <dgm:sp3d/>
+    <dgm:txPr/>
+    <dgm:style>
+      <a:lnRef idx="2">
+        <a:scrgbClr r="0" g="0" b="0"/>
+      </a:lnRef>
+      <a:fillRef idx="1">
+        <a:scrgbClr r="0" g="0" b="0"/>
+      </a:fillRef>
+      <a:effectRef idx="0">
+        <a:scrgbClr r="0" g="0" b="0"/>
+      </a:effectRef>
+      <a:fontRef idx="minor"/>
+    </dgm:style>
+  </dgm:styleLbl>
+  <dgm:styleLbl name="sibTrans2D1">
+    <dgm:scene3d>
+      <a:camera prst="orthographicFront"/>
+      <a:lightRig rig="threePt" dir="t"/>
+    </dgm:scene3d>
+    <dgm:sp3d/>
+    <dgm:txPr/>
+    <dgm:style>
+      <a:lnRef idx="0">
+        <a:scrgbClr r="0" g="0" b="0"/>
+      </a:lnRef>
+      <a:fillRef idx="1">
+        <a:scrgbClr r="0" g="0" b="0"/>
+      </a:fillRef>
+      <a:effectRef idx="0">
+        <a:scrgbClr r="0" g="0" b="0"/>
+      </a:effectRef>
+      <a:fontRef idx="minor">
+        <a:schemeClr val="lt1"/>
+      </a:fontRef>
+    </dgm:style>
+  </dgm:styleLbl>
+  <dgm:styleLbl name="fgSibTrans2D1">
+    <dgm:scene3d>
+      <a:camera prst="orthographicFront"/>
+      <a:lightRig rig="threePt" dir="t"/>
+    </dgm:scene3d>
+    <dgm:sp3d/>
+    <dgm:txPr/>
+    <dgm:style>
+      <a:lnRef idx="0">
+        <a:scrgbClr r="0" g="0" b="0"/>
+      </a:lnRef>
+      <a:fillRef idx="1">
+        <a:scrgbClr r="0" g="0" b="0"/>
+      </a:fillRef>
+      <a:effectRef idx="0">
+        <a:scrgbClr r="0" g="0" b="0"/>
+      </a:effectRef>
+      <a:fontRef idx="minor">
+        <a:schemeClr val="lt1"/>
+      </a:fontRef>
+    </dgm:style>
+  </dgm:styleLbl>
+  <dgm:styleLbl name="bgSibTrans2D1">
+    <dgm:scene3d>
+      <a:camera prst="orthographicFront"/>
+      <a:lightRig rig="threePt" dir="t"/>
+    </dgm:scene3d>
+    <dgm:sp3d/>
+    <dgm:txPr/>
+    <dgm:style>
+      <a:lnRef idx="0">
+        <a:scrgbClr r="0" g="0" b="0"/>
+      </a:lnRef>
+      <a:fillRef idx="1">
+        <a:scrgbClr r="0" g="0" b="0"/>
+      </a:fillRef>
+      <a:effectRef idx="0">
+        <a:scrgbClr r="0" g="0" b="0"/>
+      </a:effectRef>
+      <a:fontRef idx="minor">
+        <a:schemeClr val="lt1"/>
+      </a:fontRef>
+    </dgm:style>
+  </dgm:styleLbl>
+  <dgm:styleLbl name="sibTrans1D1">
+    <dgm:scene3d>
+      <a:camera prst="orthographicFront"/>
+      <a:lightRig rig="threePt" dir="t"/>
+    </dgm:scene3d>
+    <dgm:sp3d/>
+    <dgm:txPr/>
+    <dgm:style>
+      <a:lnRef idx="1">
+        <a:scrgbClr r="0" g="0" b="0"/>
+      </a:lnRef>
+      <a:fillRef idx="0">
+        <a:scrgbClr r="0" g="0" b="0"/>
+      </a:fillRef>
+      <a:effectRef idx="0">
+        <a:scrgbClr r="0" g="0" b="0"/>
+      </a:effectRef>
+      <a:fontRef idx="minor"/>
+    </dgm:style>
+  </dgm:styleLbl>
+  <dgm:styleLbl name="callout">
+    <dgm:scene3d>
+      <a:camera prst="orthographicFront"/>
+      <a:lightRig rig="threePt" dir="t"/>
+    </dgm:scene3d>
+    <dgm:sp3d/>
+    <dgm:txPr/>
+    <dgm:style>
+      <a:lnRef idx="2">
+        <a:scrgbClr r="0" g="0" b="0"/>
+      </a:lnRef>
+      <a:fillRef idx="1">
+        <a:scrgbClr r="0" g="0" b="0"/>
+      </a:fillRef>
+      <a:effectRef idx="0">
+        <a:scrgbClr r="0" g="0" b="0"/>
+      </a:effectRef>
+      <a:fontRef idx="minor"/>
+    </dgm:style>
+  </dgm:styleLbl>
+  <dgm:styleLbl name="asst0">
+    <dgm:scene3d>
+      <a:camera prst="orthographicFront"/>
+      <a:lightRig rig="threePt" dir="t"/>
+    </dgm:scene3d>
+    <dgm:sp3d/>
+    <dgm:txPr/>
+    <dgm:style>
+      <a:lnRef idx="2">
+        <a:scrgbClr r="0" g="0" b="0"/>
+      </a:lnRef>
+      <a:fillRef idx="1">
+        <a:scrgbClr r="0" g="0" b="0"/>
+      </a:fillRef>
+      <a:effectRef idx="0">
+        <a:scrgbClr r="0" g="0" b="0"/>
+      </a:effectRef>
+      <a:fontRef idx="minor">
+        <a:schemeClr val="lt1"/>
+      </a:fontRef>
+    </dgm:style>
+  </dgm:styleLbl>
+  <dgm:styleLbl name="asst1">
+    <dgm:scene3d>
+      <a:camera prst="orthographicFront"/>
+      <a:lightRig rig="threePt" dir="t"/>
+    </dgm:scene3d>
+    <dgm:sp3d/>
+    <dgm:txPr/>
+    <dgm:style>
+      <a:lnRef idx="2">
+        <a:scrgbClr r="0" g="0" b="0"/>
+      </a:lnRef>
+      <a:fillRef idx="1">
+        <a:scrgbClr r="0" g="0" b="0"/>
+      </a:fillRef>
+      <a:effectRef idx="0">
+        <a:scrgbClr r="0" g="0" b="0"/>
+      </a:effectRef>
+      <a:fontRef idx="minor">
+        <a:schemeClr val="lt1"/>
+      </a:fontRef>
+    </dgm:style>
+  </dgm:styleLbl>
+  <dgm:styleLbl name="asst2">
+    <dgm:scene3d>
+      <a:camera prst="orthographicFront"/>
+      <a:lightRig rig="threePt" dir="t"/>
+    </dgm:scene3d>
+    <dgm:sp3d/>
+    <dgm:txPr/>
+    <dgm:style>
+      <a:lnRef idx="2">
+        <a:scrgbClr r="0" g="0" b="0"/>
+      </a:lnRef>
+      <a:fillRef idx="1">
+        <a:scrgbClr r="0" g="0" b="0"/>
+      </a:fillRef>
+      <a:effectRef idx="0">
+        <a:scrgbClr r="0" g="0" b="0"/>
+      </a:effectRef>
+      <a:fontRef idx="minor">
+        <a:schemeClr val="lt1"/>
+      </a:fontRef>
+    </dgm:style>
+  </dgm:styleLbl>
+  <dgm:styleLbl name="asst3">
+    <dgm:scene3d>
+      <a:camera prst="orthographicFront"/>
+      <a:lightRig rig="threePt" dir="t"/>
+    </dgm:scene3d>
+    <dgm:sp3d/>
+    <dgm:txPr/>
+    <dgm:style>
+      <a:lnRef idx="2">
+        <a:scrgbClr r="0" g="0" b="0"/>
+      </a:lnRef>
+      <a:fillRef idx="1">
+        <a:scrgbClr r="0" g="0" b="0"/>
+      </a:fillRef>
+      <a:effectRef idx="0">
+        <a:scrgbClr r="0" g="0" b="0"/>
+      </a:effectRef>
+      <a:fontRef idx="minor">
+        <a:schemeClr val="lt1"/>
+      </a:fontRef>
+    </dgm:style>
+  </dgm:styleLbl>
+  <dgm:styleLbl name="asst4">
+    <dgm:scene3d>
+      <a:camera prst="orthographicFront"/>
+      <a:lightRig rig="threePt" dir="t"/>
+    </dgm:scene3d>
+    <dgm:sp3d/>
+    <dgm:txPr/>
+    <dgm:style>
+      <a:lnRef idx="2">
+        <a:scrgbClr r="0" g="0" b="0"/>
+      </a:lnRef>
+      <a:fillRef idx="1">
+        <a:scrgbClr r="0" g="0" b="0"/>
+      </a:fillRef>
+      <a:effectRef idx="0">
+        <a:scrgbClr r="0" g="0" b="0"/>
+      </a:effectRef>
+      <a:fontRef idx="minor">
+        <a:schemeClr val="lt1"/>
+      </a:fontRef>
+    </dgm:style>
+  </dgm:styleLbl>
+  <dgm:styleLbl name="parChTrans2D1">
+    <dgm:scene3d>
+      <a:camera prst="orthographicFront"/>
+      <a:lightRig rig="threePt" dir="t"/>
+    </dgm:scene3d>
+    <dgm:sp3d/>
+    <dgm:txPr/>
+    <dgm:style>
+      <a:lnRef idx="2">
+        <a:scrgbClr r="0" g="0" b="0"/>
+      </a:lnRef>
+      <a:fillRef idx="1">
+        <a:scrgbClr r="0" g="0" b="0"/>
+      </a:fillRef>
+      <a:effectRef idx="0">
+        <a:scrgbClr r="0" g="0" b="0"/>
+      </a:effectRef>
+      <a:fontRef idx="minor">
+        <a:schemeClr val="lt1"/>
+      </a:fontRef>
+    </dgm:style>
+  </dgm:styleLbl>
+  <dgm:styleLbl name="parChTrans2D2">
+    <dgm:scene3d>
+      <a:camera prst="orthographicFront"/>
+      <a:lightRig rig="threePt" dir="t"/>
+    </dgm:scene3d>
+    <dgm:sp3d/>
+    <dgm:txPr/>
+    <dgm:style>
+      <a:lnRef idx="2">
+        <a:scrgbClr r="0" g="0" b="0"/>
+      </a:lnRef>
+      <a:fillRef idx="1">
+        <a:scrgbClr r="0" g="0" b="0"/>
+      </a:fillRef>
+      <a:effectRef idx="0">
+        <a:scrgbClr r="0" g="0" b="0"/>
+      </a:effectRef>
+      <a:fontRef idx="minor">
+        <a:schemeClr val="lt1"/>
+      </a:fontRef>
+    </dgm:style>
+  </dgm:styleLbl>
+  <dgm:styleLbl name="parChTrans2D3">
+    <dgm:scene3d>
+      <a:camera prst="orthographicFront"/>
+      <a:lightRig rig="threePt" dir="t"/>
+    </dgm:scene3d>
+    <dgm:sp3d/>
+    <dgm:txPr/>
+    <dgm:style>
+      <a:lnRef idx="2">
+        <a:scrgbClr r="0" g="0" b="0"/>
+      </a:lnRef>
+      <a:fillRef idx="1">
+        <a:scrgbClr r="0" g="0" b="0"/>
+      </a:fillRef>
+      <a:effectRef idx="0">
+        <a:scrgbClr r="0" g="0" b="0"/>
+      </a:effectRef>
+      <a:fontRef idx="minor">
+        <a:schemeClr val="lt1"/>
+      </a:fontRef>
+    </dgm:style>
+  </dgm:styleLbl>
+  <dgm:styleLbl name="parChTrans2D4">
+    <dgm:scene3d>
+      <a:camera prst="orthographicFront"/>
+      <a:lightRig rig="threePt" dir="t"/>
+    </dgm:scene3d>
+    <dgm:sp3d/>
+    <dgm:txPr/>
+    <dgm:style>
+      <a:lnRef idx="2">
+        <a:scrgbClr r="0" g="0" b="0"/>
+      </a:lnRef>
+      <a:fillRef idx="1">
+        <a:scrgbClr r="0" g="0" b="0"/>
+      </a:fillRef>
+      <a:effectRef idx="0">
+        <a:scrgbClr r="0" g="0" b="0"/>
+      </a:effectRef>
+      <a:fontRef idx="minor">
+        <a:schemeClr val="lt1"/>
+      </a:fontRef>
+    </dgm:style>
+  </dgm:styleLbl>
+  <dgm:styleLbl name="parChTrans1D1">
+    <dgm:scene3d>
+      <a:camera prst="orthographicFront"/>
+      <a:lightRig rig="threePt" dir="t"/>
+    </dgm:scene3d>
+    <dgm:sp3d/>
+    <dgm:txPr/>
+    <dgm:style>
+      <a:lnRef idx="2">
+        <a:scrgbClr r="0" g="0" b="0"/>
+      </a:lnRef>
+      <a:fillRef idx="0">
+        <a:scrgbClr r="0" g="0" b="0"/>
+      </a:fillRef>
+      <a:effectRef idx="0">
+        <a:scrgbClr r="0" g="0" b="0"/>
+      </a:effectRef>
+      <a:fontRef idx="minor"/>
+    </dgm:style>
+  </dgm:styleLbl>
+  <dgm:styleLbl name="parChTrans1D2">
+    <dgm:scene3d>
+      <a:camera prst="orthographicFront"/>
+      <a:lightRig rig="threePt" dir="t"/>
+    </dgm:scene3d>
+    <dgm:sp3d/>
+    <dgm:txPr/>
+    <dgm:style>
+      <a:lnRef idx="2">
+        <a:scrgbClr r="0" g="0" b="0"/>
+      </a:lnRef>
+      <a:fillRef idx="0">
+        <a:scrgbClr r="0" g="0" b="0"/>
+      </a:fillRef>
+      <a:effectRef idx="0">
+        <a:scrgbClr r="0" g="0" b="0"/>
+      </a:effectRef>
+      <a:fontRef idx="minor"/>
+    </dgm:style>
+  </dgm:styleLbl>
+  <dgm:styleLbl name="parChTrans1D3">
+    <dgm:scene3d>
+      <a:camera prst="orthographicFront"/>
+      <a:lightRig rig="threePt" dir="t"/>
+    </dgm:scene3d>
+    <dgm:sp3d/>
+    <dgm:txPr/>
+    <dgm:style>
+      <a:lnRef idx="2">
+        <a:scrgbClr r="0" g="0" b="0"/>
+      </a:lnRef>
+      <a:fillRef idx="0">
+        <a:scrgbClr r="0" g="0" b="0"/>
+      </a:fillRef>
+      <a:effectRef idx="0">
+        <a:scrgbClr r="0" g="0" b="0"/>
+      </a:effectRef>
+      <a:fontRef idx="minor"/>
+    </dgm:style>
+  </dgm:styleLbl>
+  <dgm:styleLbl name="parChTrans1D4">
+    <dgm:scene3d>
+      <a:camera prst="orthographicFront"/>
+      <a:lightRig rig="threePt" dir="t"/>
+    </dgm:scene3d>
+    <dgm:sp3d/>
+    <dgm:txPr/>
+    <dgm:style>
+      <a:lnRef idx="2">
+        <a:scrgbClr r="0" g="0" b="0"/>
+      </a:lnRef>
+      <a:fillRef idx="0">
+        <a:scrgbClr r="0" g="0" b="0"/>
+      </a:fillRef>
+      <a:effectRef idx="0">
+        <a:scrgbClr r="0" g="0" b="0"/>
+      </a:effectRef>
+      <a:fontRef idx="minor"/>
+    </dgm:style>
+  </dgm:styleLbl>
+  <dgm:styleLbl name="fgAcc1">
+    <dgm:scene3d>
+      <a:camera prst="orthographicFront"/>
+      <a:lightRig rig="threePt" dir="t"/>
+    </dgm:scene3d>
+    <dgm:sp3d/>
+    <dgm:txPr/>
+    <dgm:style>
+      <a:lnRef idx="2">
+        <a:scrgbClr r="0" g="0" b="0"/>
+      </a:lnRef>
+      <a:fillRef idx="1">
+        <a:scrgbClr r="0" g="0" b="0"/>
+      </a:fillRef>
+      <a:effectRef idx="0">
+        <a:scrgbClr r="0" g="0" b="0"/>
+      </a:effectRef>
+      <a:fontRef idx="minor"/>
+    </dgm:style>
+  </dgm:styleLbl>
+  <dgm:styleLbl name="conFgAcc1">
+    <dgm:scene3d>
+      <a:camera prst="orthographicFront"/>
+      <a:lightRig rig="threePt" dir="t"/>
+    </dgm:scene3d>
+    <dgm:sp3d/>
+    <dgm:txPr/>
+    <dgm:style>
+      <a:lnRef idx="2">
+        <a:scrgbClr r="0" g="0" b="0"/>
+      </a:lnRef>
+      <a:fillRef idx="1">
+        <a:scrgbClr r="0" g="0" b="0"/>
+      </a:fillRef>
+      <a:effectRef idx="0">
+        <a:scrgbClr r="0" g="0" b="0"/>
+      </a:effectRef>
+      <a:fontRef idx="minor"/>
+    </dgm:style>
+  </dgm:styleLbl>
+  <dgm:styleLbl name="alignAcc1">
+    <dgm:scene3d>
+      <a:camera prst="orthographicFront"/>
+      <a:lightRig rig="threePt" dir="t"/>
+    </dgm:scene3d>
+    <dgm:sp3d/>
+    <dgm:txPr/>
+    <dgm:style>
+      <a:lnRef idx="2">
+        <a:scrgbClr r="0" g="0" b="0"/>
+      </a:lnRef>
+      <a:fillRef idx="1">
+        <a:scrgbClr r="0" g="0" b="0"/>
+      </a:fillRef>
+      <a:effectRef idx="0">
+        <a:scrgbClr r="0" g="0" b="0"/>
+      </a:effectRef>
+      <a:fontRef idx="minor"/>
+    </dgm:style>
+  </dgm:styleLbl>
+  <dgm:styleLbl name="trAlignAcc1">
+    <dgm:scene3d>
+      <a:camera prst="orthographicFront"/>
+      <a:lightRig rig="threePt" dir="t"/>
+    </dgm:scene3d>
+    <dgm:sp3d/>
+    <dgm:txPr/>
+    <dgm:style>
+      <a:lnRef idx="1">
+        <a:scrgbClr r="0" g="0" b="0"/>
+      </a:lnRef>
+      <a:fillRef idx="1">
+        <a:scrgbClr r="0" g="0" b="0"/>
+      </a:fillRef>
+      <a:effectRef idx="0">
+        <a:scrgbClr r="0" g="0" b="0"/>
+      </a:effectRef>
+      <a:fontRef idx="minor"/>
+    </dgm:style>
+  </dgm:styleLbl>
+  <dgm:styleLbl name="bgAcc1">
+    <dgm:scene3d>
+      <a:camera prst="orthographicFront"/>
+      <a:lightRig rig="threePt" dir="t"/>
+    </dgm:scene3d>
+    <dgm:sp3d/>
+    <dgm:txPr/>
+    <dgm:style>
+      <a:lnRef idx="2">
+        <a:scrgbClr r="0" g="0" b="0"/>
+      </a:lnRef>
+      <a:fillRef idx="1">
+        <a:scrgbClr r="0" g="0" b="0"/>
+      </a:fillRef>
+      <a:effectRef idx="0">
+        <a:scrgbClr r="0" g="0" b="0"/>
+      </a:effectRef>
+      <a:fontRef idx="minor"/>
+    </dgm:style>
+  </dgm:styleLbl>
+  <dgm:styleLbl name="solidFgAcc1">
+    <dgm:scene3d>
+      <a:camera prst="orthographicFront"/>
+      <a:lightRig rig="threePt" dir="t"/>
+    </dgm:scene3d>
+    <dgm:sp3d/>
+    <dgm:txPr/>
+    <dgm:style>
+      <a:lnRef idx="2">
+        <a:scrgbClr r="0" g="0" b="0"/>
+      </a:lnRef>
+      <a:fillRef idx="1">
+        <a:scrgbClr r="0" g="0" b="0"/>
+      </a:fillRef>
+      <a:effectRef idx="0">
+        <a:scrgbClr r="0" g="0" b="0"/>
+      </a:effectRef>
+      <a:fontRef idx="minor"/>
+    </dgm:style>
+  </dgm:styleLbl>
+  <dgm:styleLbl name="solidAlignAcc1">
+    <dgm:scene3d>
+      <a:camera prst="orthographicFront"/>
+      <a:lightRig rig="threePt" dir="t"/>
+    </dgm:scene3d>
+    <dgm:sp3d/>
+    <dgm:txPr/>
+    <dgm:style>
+      <a:lnRef idx="2">
+        <a:scrgbClr r="0" g="0" b="0"/>
+      </a:lnRef>
+      <a:fillRef idx="1">
+        <a:scrgbClr r="0" g="0" b="0"/>
+      </a:fillRef>
+      <a:effectRef idx="0">
+        <a:scrgbClr r="0" g="0" b="0"/>
+      </a:effectRef>
+      <a:fontRef idx="minor"/>
+    </dgm:style>
+  </dgm:styleLbl>
+  <dgm:styleLbl name="solidBgAcc1">
+    <dgm:scene3d>
+      <a:camera prst="orthographicFront"/>
+      <a:lightRig rig="threePt" dir="t"/>
+    </dgm:scene3d>
+    <dgm:sp3d/>
+    <dgm:txPr/>
+    <dgm:style>
+      <a:lnRef idx="2">
+        <a:scrgbClr r="0" g="0" b="0"/>
+      </a:lnRef>
+      <a:fillRef idx="1">
+        <a:scrgbClr r="0" g="0" b="0"/>
+      </a:fillRef>
+      <a:effectRef idx="0">
+        <a:scrgbClr r="0" g="0" b="0"/>
+      </a:effectRef>
+      <a:fontRef idx="minor"/>
+    </dgm:style>
+  </dgm:styleLbl>
+  <dgm:styleLbl name="fgAccFollowNode1">
+    <dgm:scene3d>
+      <a:camera prst="orthographicFront"/>
+      <a:lightRig rig="threePt" dir="t"/>
+    </dgm:scene3d>
+    <dgm:sp3d/>
+    <dgm:txPr/>
+    <dgm:style>
+      <a:lnRef idx="2">
+        <a:scrgbClr r="0" g="0" b="0"/>
+      </a:lnRef>
+      <a:fillRef idx="1">
+        <a:scrgbClr r="0" g="0" b="0"/>
+      </a:fillRef>
+      <a:effectRef idx="0">
+        <a:scrgbClr r="0" g="0" b="0"/>
+      </a:effectRef>
+      <a:fontRef idx="minor"/>
+    </dgm:style>
+  </dgm:styleLbl>
+  <dgm:styleLbl name="alignAccFollowNode1">
+    <dgm:scene3d>
+      <a:camera prst="orthographicFront"/>
+      <a:lightRig rig="threePt" dir="t"/>
+    </dgm:scene3d>
+    <dgm:sp3d/>
+    <dgm:txPr/>
+    <dgm:style>
+      <a:lnRef idx="2">
+        <a:scrgbClr r="0" g="0" b="0"/>
+      </a:lnRef>
+      <a:fillRef idx="1">
+        <a:scrgbClr r="0" g="0" b="0"/>
+      </a:fillRef>
+      <a:effectRef idx="0">
+        <a:scrgbClr r="0" g="0" b="0"/>
+      </a:effectRef>
+      <a:fontRef idx="minor"/>
+    </dgm:style>
+  </dgm:styleLbl>
+  <dgm:styleLbl name="bgAccFollowNode1">
+    <dgm:scene3d>
+      <a:camera prst="orthographicFront"/>
+      <a:lightRig rig="threePt" dir="t"/>
+    </dgm:scene3d>
+    <dgm:sp3d/>
+    <dgm:txPr/>
+    <dgm:style>
+      <a:lnRef idx="2">
+        <a:scrgbClr r="0" g="0" b="0"/>
+      </a:lnRef>
+      <a:fillRef idx="1">
+        <a:scrgbClr r="0" g="0" b="0"/>
+      </a:fillRef>
+      <a:effectRef idx="0">
+        <a:scrgbClr r="0" g="0" b="0"/>
+      </a:effectRef>
+      <a:fontRef idx="minor"/>
+    </dgm:style>
+  </dgm:styleLbl>
+  <dgm:styleLbl name="fgAcc0">
+    <dgm:scene3d>
+      <a:camera prst="orthographicFront"/>
+      <a:lightRig rig="threePt" dir="t"/>
+    </dgm:scene3d>
+    <dgm:sp3d/>
+    <dgm:txPr/>
+    <dgm:style>
+      <a:lnRef idx="2">
+        <a:scrgbClr r="0" g="0" b="0"/>
+      </a:lnRef>
+      <a:fillRef idx="1">
+        <a:scrgbClr r="0" g="0" b="0"/>
+      </a:fillRef>
+      <a:effectRef idx="0">
+        <a:scrgbClr r="0" g="0" b="0"/>
+      </a:effectRef>
+      <a:fontRef idx="minor"/>
+    </dgm:style>
+  </dgm:styleLbl>
+  <dgm:styleLbl name="fgAcc2">
+    <dgm:scene3d>
+      <a:camera prst="orthographicFront"/>
+      <a:lightRig rig="threePt" dir="t"/>
+    </dgm:scene3d>
+    <dgm:sp3d/>
+    <dgm:txPr/>
+    <dgm:style>
+      <a:lnRef idx="2">
+        <a:scrgbClr r="0" g="0" b="0"/>
+      </a:lnRef>
+      <a:fillRef idx="1">
+        <a:scrgbClr r="0" g="0" b="0"/>
+      </a:fillRef>
+      <a:effectRef idx="0">
+        <a:scrgbClr r="0" g="0" b="0"/>
+      </a:effectRef>
+      <a:fontRef idx="minor"/>
+    </dgm:style>
+  </dgm:styleLbl>
+  <dgm:styleLbl name="fgAcc3">
+    <dgm:scene3d>
+      <a:camera prst="orthographicFront"/>
+      <a:lightRig rig="threePt" dir="t"/>
+    </dgm:scene3d>
+    <dgm:sp3d/>
+    <dgm:txPr/>
+    <dgm:style>
+      <a:lnRef idx="2">
+        <a:scrgbClr r="0" g="0" b="0"/>
+      </a:lnRef>
+      <a:fillRef idx="1">
+        <a:scrgbClr r="0" g="0" b="0"/>
+      </a:fillRef>
+      <a:effectRef idx="0">
+        <a:scrgbClr r="0" g="0" b="0"/>
+      </a:effectRef>
+      <a:fontRef idx="minor"/>
+    </dgm:style>
+  </dgm:styleLbl>
+  <dgm:styleLbl name="fgAcc4">
+    <dgm:scene3d>
+      <a:camera prst="orthographicFront"/>
+      <a:lightRig rig="threePt" dir="t"/>
+    </dgm:scene3d>
+    <dgm:sp3d/>
+    <dgm:txPr/>
+    <dgm:style>
+      <a:lnRef idx="2">
+        <a:scrgbClr r="0" g="0" b="0"/>
+      </a:lnRef>
+      <a:fillRef idx="1">
+        <a:scrgbClr r="0" g="0" b="0"/>
+      </a:fillRef>
+      <a:effectRef idx="0">
+        <a:scrgbClr r="0" g="0" b="0"/>
+      </a:effectRef>
+      <a:fontRef idx="minor"/>
+    </dgm:style>
+  </dgm:styleLbl>
+  <dgm:styleLbl name="bgShp">
+    <dgm:scene3d>
+      <a:camera prst="orthographicFront"/>
+      <a:lightRig rig="threePt" dir="t"/>
+    </dgm:scene3d>
+    <dgm:sp3d/>
+    <dgm:txPr/>
+    <dgm:style>
+      <a:lnRef idx="0">
+        <a:scrgbClr r="0" g="0" b="0"/>
+      </a:lnRef>
+      <a:fillRef idx="1">
+        <a:scrgbClr r="0" g="0" b="0"/>
+      </a:fillRef>
+      <a:effectRef idx="0">
+        <a:scrgbClr r="0" g="0" b="0"/>
+      </a:effectRef>
+      <a:fontRef idx="minor"/>
+    </dgm:style>
+  </dgm:styleLbl>
+  <dgm:styleLbl name="dkBgShp">
+    <dgm:scene3d>
+      <a:camera prst="orthographicFront"/>
+      <a:lightRig rig="threePt" dir="t"/>
+    </dgm:scene3d>
+    <dgm:sp3d/>
+    <dgm:txPr/>
+    <dgm:style>
+      <a:lnRef idx="0">
+        <a:scrgbClr r="0" g="0" b="0"/>
+      </a:lnRef>
+      <a:fillRef idx="1">
+        <a:scrgbClr r="0" g="0" b="0"/>
+      </a:fillRef>
+      <a:effectRef idx="0">
+        <a:scrgbClr r="0" g="0" b="0"/>
+      </a:effectRef>
+      <a:fontRef idx="minor"/>
+    </dgm:style>
+  </dgm:styleLbl>
+  <dgm:styleLbl name="trBgShp">
+    <dgm:scene3d>
+      <a:camera prst="orthographicFront"/>
+      <a:lightRig rig="threePt" dir="t"/>
+    </dgm:scene3d>
+    <dgm:sp3d/>
+    <dgm:txPr/>
+    <dgm:style>
+      <a:lnRef idx="0">
+        <a:scrgbClr r="0" g="0" b="0"/>
+      </a:lnRef>
+      <a:fillRef idx="1">
+        <a:scrgbClr r="0" g="0" b="0"/>
+      </a:fillRef>
+      <a:effectRef idx="0">
+        <a:scrgbClr r="0" g="0" b="0"/>
+      </a:effectRef>
+      <a:fontRef idx="minor"/>
+    </dgm:style>
+  </dgm:styleLbl>
+  <dgm:styleLbl name="fgShp">
+    <dgm:scene3d>
+      <a:camera prst="orthographicFront"/>
+      <a:lightRig rig="threePt" dir="t"/>
+    </dgm:scene3d>
+    <dgm:sp3d/>
+    <dgm:txPr/>
+    <dgm:style>
+      <a:lnRef idx="2">
+        <a:scrgbClr r="0" g="0" b="0"/>
+      </a:lnRef>
+      <a:fillRef idx="1">
+        <a:scrgbClr r="0" g="0" b="0"/>
+      </a:fillRef>
+      <a:effectRef idx="0">
+        <a:scrgbClr r="0" g="0" b="0"/>
+      </a:effectRef>
+      <a:fontRef idx="minor"/>
+    </dgm:style>
+  </dgm:styleLbl>
+  <dgm:styleLbl name="revTx">
+    <dgm:scene3d>
+      <a:camera prst="orthographicFront"/>
+      <a:lightRig rig="threePt" dir="t"/>
+    </dgm:scene3d>
+    <dgm:sp3d/>
+    <dgm:txPr/>
+    <dgm:style>
+      <a:lnRef idx="0">
+        <a:scrgbClr r="0" g="0" b="0"/>
+      </a:lnRef>
+      <a:fillRef idx="0">
+        <a:scrgbClr r="0" g="0" b="0"/>
+      </a:fillRef>
+      <a:effectRef idx="0">
+        <a:scrgbClr r="0" g="0" b="0"/>
+      </a:effectRef>
+      <a:fontRef idx="minor"/>
+    </dgm:style>
+  </dgm:styleLbl>
+</dgm:styleDef>
+</file>
+
+<file path=ppt/diagrams/quickStyle5.xml><?xml version="1.0" encoding="utf-8"?>
 <dgm:styleDef xmlns:dgm="http://schemas.openxmlformats.org/drawingml/2006/diagram" xmlns:a="http://schemas.openxmlformats.org/drawingml/2006/main" uniqueId="urn:microsoft.com/office/officeart/2005/8/quickstyle/simple1">
   <dgm:title val=""/>
   <dgm:desc val=""/>
@@ -13864,6 +17045,90 @@
     <p:extLst>
       <p:ext uri="{BB962C8B-B14F-4D97-AF65-F5344CB8AC3E}">
         <p14:creationId xmlns:p14="http://schemas.microsoft.com/office/powerpoint/2010/main" val="3801968762"/>
+      </p:ext>
+    </p:extLst>
+  </p:cSld>
+  <p:clrMapOvr>
+    <a:masterClrMapping/>
+  </p:clrMapOvr>
+</p:notes>
+</file>
+
+<file path=ppt/notesSlides/notesSlide5.xml><?xml version="1.0" encoding="utf-8"?>
+<p:notes xmlns:a="http://schemas.openxmlformats.org/drawingml/2006/main" xmlns:r="http://schemas.openxmlformats.org/officeDocument/2006/relationships" xmlns:p="http://schemas.openxmlformats.org/presentationml/2006/main">
+  <p:cSld>
+    <p:spTree>
+      <p:nvGrpSpPr>
+        <p:cNvPr id="1" name=""/>
+        <p:cNvGrpSpPr/>
+        <p:nvPr/>
+      </p:nvGrpSpPr>
+      <p:grpSpPr>
+        <a:xfrm>
+          <a:off x="0" y="0"/>
+          <a:ext cx="0" cy="0"/>
+          <a:chOff x="0" y="0"/>
+          <a:chExt cx="0" cy="0"/>
+        </a:xfrm>
+      </p:grpSpPr>
+      <p:sp>
+        <p:nvSpPr>
+          <p:cNvPr id="2" name="Slide Image Placeholder 1"/>
+          <p:cNvSpPr>
+            <a:spLocks noGrp="1" noRot="1" noChangeAspect="1"/>
+          </p:cNvSpPr>
+          <p:nvPr>
+            <p:ph type="sldImg"/>
+          </p:nvPr>
+        </p:nvSpPr>
+        <p:spPr/>
+      </p:sp>
+      <p:sp>
+        <p:nvSpPr>
+          <p:cNvPr id="3" name="Notes Placeholder 2"/>
+          <p:cNvSpPr>
+            <a:spLocks noGrp="1"/>
+          </p:cNvSpPr>
+          <p:nvPr>
+            <p:ph type="body" idx="1"/>
+          </p:nvPr>
+        </p:nvSpPr>
+        <p:spPr/>
+        <p:txBody>
+          <a:bodyPr/>
+          <a:lstStyle/>
+          <a:p>
+            <a:endParaRPr lang="en-US" dirty="0"/>
+          </a:p>
+        </p:txBody>
+      </p:sp>
+      <p:sp>
+        <p:nvSpPr>
+          <p:cNvPr id="4" name="Slide Number Placeholder 3"/>
+          <p:cNvSpPr>
+            <a:spLocks noGrp="1"/>
+          </p:cNvSpPr>
+          <p:nvPr>
+            <p:ph type="sldNum" sz="quarter" idx="5"/>
+          </p:nvPr>
+        </p:nvSpPr>
+        <p:spPr/>
+        <p:txBody>
+          <a:bodyPr/>
+          <a:lstStyle/>
+          <a:p>
+            <a:fld id="{378EC67B-05AF-45BD-9870-8FF3B10B57E3}" type="slidenum">
+              <a:rPr lang="en-US" smtClean="0"/>
+              <a:t>11</a:t>
+            </a:fld>
+            <a:endParaRPr lang="en-US"/>
+          </a:p>
+        </p:txBody>
+      </p:sp>
+    </p:spTree>
+    <p:extLst>
+      <p:ext uri="{BB962C8B-B14F-4D97-AF65-F5344CB8AC3E}">
+        <p14:creationId xmlns:p14="http://schemas.microsoft.com/office/powerpoint/2010/main" val="2274538939"/>
       </p:ext>
     </p:extLst>
   </p:cSld>
@@ -17817,6 +21082,785 @@
 </p:sld>
 </file>
 
+<file path=ppt/slides/slide11.xml><?xml version="1.0" encoding="utf-8"?>
+<p:sld xmlns:a="http://schemas.openxmlformats.org/drawingml/2006/main" xmlns:r="http://schemas.openxmlformats.org/officeDocument/2006/relationships" xmlns:p="http://schemas.openxmlformats.org/presentationml/2006/main">
+  <p:cSld>
+    <p:bg>
+      <p:bgPr>
+        <a:solidFill>
+          <a:schemeClr val="bg1"/>
+        </a:solidFill>
+        <a:effectLst/>
+      </p:bgPr>
+    </p:bg>
+    <p:spTree>
+      <p:nvGrpSpPr>
+        <p:cNvPr id="1" name=""/>
+        <p:cNvGrpSpPr/>
+        <p:nvPr/>
+      </p:nvGrpSpPr>
+      <p:grpSpPr>
+        <a:xfrm>
+          <a:off x="0" y="0"/>
+          <a:ext cx="0" cy="0"/>
+          <a:chOff x="0" y="0"/>
+          <a:chExt cx="0" cy="0"/>
+        </a:xfrm>
+      </p:grpSpPr>
+      <p:sp>
+        <p:nvSpPr>
+          <p:cNvPr id="1034" name="Rectangle 76">
+            <a:extLst>
+              <a:ext uri="{FF2B5EF4-FFF2-40B4-BE49-F238E27FC236}">
+                <a16:creationId xmlns:a16="http://schemas.microsoft.com/office/drawing/2014/main" id="{416A0E3C-60E6-4F39-BC55-5F7C224E1F7C}"/>
+              </a:ext>
+              <a:ext uri="{C183D7F6-B498-43B3-948B-1728B52AA6E4}">
+                <adec:decorative xmlns:adec="http://schemas.microsoft.com/office/drawing/2017/decorative" val="1"/>
+              </a:ext>
+            </a:extLst>
+          </p:cNvPr>
+          <p:cNvSpPr>
+            <a:spLocks noGrp="1" noRot="1" noChangeAspect="1" noMove="1" noResize="1" noEditPoints="1" noAdjustHandles="1" noChangeArrowheads="1" noChangeShapeType="1" noTextEdit="1"/>
+          </p:cNvSpPr>
+          <p:nvPr>
+            <p:extLst>
+              <p:ext uri="{386F3935-93C4-4BCD-93E2-E3B085C9AB24}">
+                <p16:designElem xmlns:p16="http://schemas.microsoft.com/office/powerpoint/2015/main" val="1"/>
+              </p:ext>
+            </p:extLst>
+          </p:nvPr>
+        </p:nvSpPr>
+        <p:spPr>
+          <a:xfrm>
+            <a:off x="3175" y="6400800"/>
+            <a:ext cx="12188825" cy="457200"/>
+          </a:xfrm>
+          <a:prstGeom prst="rect">
+            <a:avLst/>
+          </a:prstGeom>
+          <a:solidFill>
+            <a:srgbClr val="262626"/>
+          </a:solidFill>
+          <a:ln>
+            <a:noFill/>
+          </a:ln>
+        </p:spPr>
+        <p:style>
+          <a:lnRef idx="2">
+            <a:schemeClr val="accent1">
+              <a:shade val="50000"/>
+            </a:schemeClr>
+          </a:lnRef>
+          <a:fillRef idx="1">
+            <a:schemeClr val="accent1"/>
+          </a:fillRef>
+          <a:effectRef idx="0">
+            <a:schemeClr val="accent1"/>
+          </a:effectRef>
+          <a:fontRef idx="minor">
+            <a:schemeClr val="lt1"/>
+          </a:fontRef>
+        </p:style>
+      </p:sp>
+      <p:cxnSp>
+        <p:nvCxnSpPr>
+          <p:cNvPr id="1035" name="Straight Connector 78">
+            <a:extLst>
+              <a:ext uri="{FF2B5EF4-FFF2-40B4-BE49-F238E27FC236}">
+                <a16:creationId xmlns:a16="http://schemas.microsoft.com/office/drawing/2014/main" id="{C5025DAC-8B93-4160-B017-3A274A5828C0}"/>
+              </a:ext>
+              <a:ext uri="{C183D7F6-B498-43B3-948B-1728B52AA6E4}">
+                <adec:decorative xmlns:adec="http://schemas.microsoft.com/office/drawing/2017/decorative" val="1"/>
+              </a:ext>
+            </a:extLst>
+          </p:cNvPr>
+          <p:cNvCxnSpPr>
+            <a:cxnSpLocks noGrp="1" noRot="1" noChangeAspect="1" noMove="1" noResize="1" noEditPoints="1" noAdjustHandles="1" noChangeArrowheads="1" noChangeShapeType="1"/>
+          </p:cNvCxnSpPr>
+          <p:nvPr>
+            <p:extLst>
+              <p:ext uri="{386F3935-93C4-4BCD-93E2-E3B085C9AB24}">
+                <p16:designElem xmlns:p16="http://schemas.microsoft.com/office/powerpoint/2015/main" val="1"/>
+              </p:ext>
+            </p:extLst>
+          </p:nvPr>
+        </p:nvCxnSpPr>
+        <p:spPr>
+          <a:xfrm>
+            <a:off x="1193532" y="1897380"/>
+            <a:ext cx="9966960" cy="0"/>
+          </a:xfrm>
+          <a:prstGeom prst="line">
+            <a:avLst/>
+          </a:prstGeom>
+          <a:ln w="12700">
+            <a:solidFill>
+              <a:schemeClr val="tx1">
+                <a:lumMod val="75000"/>
+                <a:lumOff val="25000"/>
+              </a:schemeClr>
+            </a:solidFill>
+          </a:ln>
+        </p:spPr>
+        <p:style>
+          <a:lnRef idx="1">
+            <a:schemeClr val="accent1"/>
+          </a:lnRef>
+          <a:fillRef idx="0">
+            <a:schemeClr val="accent1"/>
+          </a:fillRef>
+          <a:effectRef idx="0">
+            <a:schemeClr val="accent1"/>
+          </a:effectRef>
+          <a:fontRef idx="minor">
+            <a:schemeClr val="tx1"/>
+          </a:fontRef>
+        </p:style>
+      </p:cxnSp>
+      <p:sp useBgFill="1">
+        <p:nvSpPr>
+          <p:cNvPr id="1036" name="Rectangle 80">
+            <a:extLst>
+              <a:ext uri="{FF2B5EF4-FFF2-40B4-BE49-F238E27FC236}">
+                <a16:creationId xmlns:a16="http://schemas.microsoft.com/office/drawing/2014/main" id="{39B4056F-1959-4627-A683-77F6C0603FCD}"/>
+              </a:ext>
+              <a:ext uri="{C183D7F6-B498-43B3-948B-1728B52AA6E4}">
+                <adec:decorative xmlns:adec="http://schemas.microsoft.com/office/drawing/2017/decorative" val="1"/>
+              </a:ext>
+            </a:extLst>
+          </p:cNvPr>
+          <p:cNvSpPr>
+            <a:spLocks noGrp="1" noRot="1" noChangeAspect="1" noMove="1" noResize="1" noEditPoints="1" noAdjustHandles="1" noChangeArrowheads="1" noChangeShapeType="1" noTextEdit="1"/>
+          </p:cNvSpPr>
+          <p:nvPr>
+            <p:extLst>
+              <p:ext uri="{386F3935-93C4-4BCD-93E2-E3B085C9AB24}">
+                <p16:designElem xmlns:p16="http://schemas.microsoft.com/office/powerpoint/2015/main" val="1"/>
+              </p:ext>
+            </p:extLst>
+          </p:nvPr>
+        </p:nvSpPr>
+        <p:spPr>
+          <a:xfrm>
+            <a:off x="0" y="0"/>
+            <a:ext cx="12192001" cy="6858000"/>
+          </a:xfrm>
+          <a:prstGeom prst="rect">
+            <a:avLst/>
+          </a:prstGeom>
+          <a:ln>
+            <a:noFill/>
+          </a:ln>
+        </p:spPr>
+        <p:style>
+          <a:lnRef idx="2">
+            <a:schemeClr val="accent1">
+              <a:shade val="50000"/>
+            </a:schemeClr>
+          </a:lnRef>
+          <a:fillRef idx="1">
+            <a:schemeClr val="accent1"/>
+          </a:fillRef>
+          <a:effectRef idx="0">
+            <a:schemeClr val="accent1"/>
+          </a:effectRef>
+          <a:fontRef idx="minor">
+            <a:schemeClr val="lt1"/>
+          </a:fontRef>
+        </p:style>
+        <p:txBody>
+          <a:bodyPr rtlCol="0" anchor="ctr"/>
+          <a:lstStyle/>
+          <a:p>
+            <a:pPr algn="ctr"/>
+            <a:endParaRPr lang="en-US"/>
+          </a:p>
+        </p:txBody>
+      </p:sp>
+      <p:sp>
+        <p:nvSpPr>
+          <p:cNvPr id="1037" name="Rectangle 82">
+            <a:extLst>
+              <a:ext uri="{FF2B5EF4-FFF2-40B4-BE49-F238E27FC236}">
+                <a16:creationId xmlns:a16="http://schemas.microsoft.com/office/drawing/2014/main" id="{D8D7349B-C9FA-4FCE-A1FF-948F460A3A9A}"/>
+              </a:ext>
+              <a:ext uri="{C183D7F6-B498-43B3-948B-1728B52AA6E4}">
+                <adec:decorative xmlns:adec="http://schemas.microsoft.com/office/drawing/2017/decorative" val="1"/>
+              </a:ext>
+            </a:extLst>
+          </p:cNvPr>
+          <p:cNvSpPr>
+            <a:spLocks noGrp="1" noRot="1" noChangeAspect="1" noMove="1" noResize="1" noEditPoints="1" noAdjustHandles="1" noChangeArrowheads="1" noChangeShapeType="1" noTextEdit="1"/>
+          </p:cNvSpPr>
+          <p:nvPr>
+            <p:extLst>
+              <p:ext uri="{386F3935-93C4-4BCD-93E2-E3B085C9AB24}">
+                <p16:designElem xmlns:p16="http://schemas.microsoft.com/office/powerpoint/2015/main" val="1"/>
+              </p:ext>
+            </p:extLst>
+          </p:nvPr>
+        </p:nvSpPr>
+        <p:spPr bwMode="white">
+          <a:xfrm>
+            <a:off x="1507" y="4554906"/>
+            <a:ext cx="12188952" cy="2303094"/>
+          </a:xfrm>
+          <a:prstGeom prst="rect">
+            <a:avLst/>
+          </a:prstGeom>
+          <a:solidFill>
+            <a:srgbClr val="262626"/>
+          </a:solidFill>
+          <a:ln>
+            <a:noFill/>
+          </a:ln>
+        </p:spPr>
+        <p:style>
+          <a:lnRef idx="2">
+            <a:schemeClr val="accent1">
+              <a:shade val="50000"/>
+            </a:schemeClr>
+          </a:lnRef>
+          <a:fillRef idx="1">
+            <a:schemeClr val="accent1"/>
+          </a:fillRef>
+          <a:effectRef idx="0">
+            <a:schemeClr val="accent1"/>
+          </a:effectRef>
+          <a:fontRef idx="minor">
+            <a:schemeClr val="lt1"/>
+          </a:fontRef>
+        </p:style>
+      </p:sp>
+      <p:sp>
+        <p:nvSpPr>
+          <p:cNvPr id="5" name="Title 4">
+            <a:extLst>
+              <a:ext uri="{FF2B5EF4-FFF2-40B4-BE49-F238E27FC236}">
+                <a16:creationId xmlns:a16="http://schemas.microsoft.com/office/drawing/2014/main" id="{643C2EDD-9B02-481C-9721-A6669C7B7060}"/>
+              </a:ext>
+            </a:extLst>
+          </p:cNvPr>
+          <p:cNvSpPr>
+            <a:spLocks noGrp="1"/>
+          </p:cNvSpPr>
+          <p:nvPr>
+            <p:ph type="title"/>
+          </p:nvPr>
+        </p:nvSpPr>
+        <p:spPr>
+          <a:xfrm>
+            <a:off x="633998" y="4905301"/>
+            <a:ext cx="4988879" cy="1554485"/>
+          </a:xfrm>
+        </p:spPr>
+        <p:txBody>
+          <a:bodyPr vert="horz" lIns="91440" tIns="45720" rIns="91440" bIns="45720" rtlCol="0" anchor="ctr">
+            <a:normAutofit/>
+          </a:bodyPr>
+          <a:lstStyle/>
+          <a:p>
+            <a:pPr algn="r"/>
+            <a:r>
+              <a:rPr lang="en-US" sz="4000" dirty="0"/>
+              <a:t>Memento</a:t>
+            </a:r>
+          </a:p>
+        </p:txBody>
+      </p:sp>
+      <p:cxnSp>
+        <p:nvCxnSpPr>
+          <p:cNvPr id="85" name="Straight Connector 84">
+            <a:extLst>
+              <a:ext uri="{FF2B5EF4-FFF2-40B4-BE49-F238E27FC236}">
+                <a16:creationId xmlns:a16="http://schemas.microsoft.com/office/drawing/2014/main" id="{55646586-8E5D-4A2B-BDA9-01CE28AC89A1}"/>
+              </a:ext>
+              <a:ext uri="{C183D7F6-B498-43B3-948B-1728B52AA6E4}">
+                <adec:decorative xmlns:adec="http://schemas.microsoft.com/office/drawing/2017/decorative" val="1"/>
+              </a:ext>
+            </a:extLst>
+          </p:cNvPr>
+          <p:cNvCxnSpPr>
+            <a:cxnSpLocks noGrp="1" noRot="1" noChangeAspect="1" noMove="1" noResize="1" noEditPoints="1" noAdjustHandles="1" noChangeArrowheads="1" noChangeShapeType="1"/>
+          </p:cNvCxnSpPr>
+          <p:nvPr>
+            <p:extLst>
+              <p:ext uri="{386F3935-93C4-4BCD-93E2-E3B085C9AB24}">
+                <p16:designElem xmlns:p16="http://schemas.microsoft.com/office/powerpoint/2015/main" val="1"/>
+              </p:ext>
+            </p:extLst>
+          </p:nvPr>
+        </p:nvCxnSpPr>
+        <p:spPr>
+          <a:xfrm>
+            <a:off x="5820770" y="5247564"/>
+            <a:ext cx="0" cy="873457"/>
+          </a:xfrm>
+          <a:prstGeom prst="line">
+            <a:avLst/>
+          </a:prstGeom>
+          <a:ln w="19050">
+            <a:solidFill>
+              <a:srgbClr val="FFC578"/>
+            </a:solidFill>
+          </a:ln>
+        </p:spPr>
+        <p:style>
+          <a:lnRef idx="1">
+            <a:schemeClr val="accent1"/>
+          </a:lnRef>
+          <a:fillRef idx="0">
+            <a:schemeClr val="accent1"/>
+          </a:fillRef>
+          <a:effectRef idx="0">
+            <a:schemeClr val="accent1"/>
+          </a:effectRef>
+          <a:fontRef idx="minor">
+            <a:schemeClr val="tx1"/>
+          </a:fontRef>
+        </p:style>
+      </p:cxnSp>
+      <p:sp>
+        <p:nvSpPr>
+          <p:cNvPr id="7" name="Text Placeholder 6">
+            <a:extLst>
+              <a:ext uri="{FF2B5EF4-FFF2-40B4-BE49-F238E27FC236}">
+                <a16:creationId xmlns:a16="http://schemas.microsoft.com/office/drawing/2014/main" id="{7E8F4492-485A-4DE4-AF79-08F65DEE159B}"/>
+              </a:ext>
+            </a:extLst>
+          </p:cNvPr>
+          <p:cNvSpPr>
+            <a:spLocks noGrp="1"/>
+          </p:cNvSpPr>
+          <p:nvPr>
+            <p:ph type="body" sz="half" idx="2"/>
+          </p:nvPr>
+        </p:nvSpPr>
+        <p:spPr>
+          <a:xfrm>
+            <a:off x="6064301" y="4673829"/>
+            <a:ext cx="5493699" cy="2088477"/>
+          </a:xfrm>
+        </p:spPr>
+        <p:txBody>
+          <a:bodyPr vert="horz" lIns="0" tIns="45720" rIns="0" bIns="45720" rtlCol="0" anchor="ctr">
+            <a:normAutofit fontScale="92500" lnSpcReduction="10000"/>
+          </a:bodyPr>
+          <a:lstStyle/>
+          <a:p>
+            <a:pPr>
+              <a:lnSpc>
+                <a:spcPct val="100000"/>
+              </a:lnSpc>
+            </a:pPr>
+            <a:r>
+              <a:rPr lang="en-US" dirty="0">
+                <a:solidFill>
+                  <a:schemeClr val="accent5">
+                    <a:lumMod val="75000"/>
+                  </a:schemeClr>
+                </a:solidFill>
+              </a:rPr>
+              <a:t>Problem</a:t>
+            </a:r>
+            <a:r>
+              <a:rPr lang="en-US" dirty="0"/>
+              <a:t>: need to restore previous states of an object (undo, rollback operations)</a:t>
+            </a:r>
+          </a:p>
+          <a:p>
+            <a:pPr>
+              <a:lnSpc>
+                <a:spcPct val="100000"/>
+              </a:lnSpc>
+            </a:pPr>
+            <a:r>
+              <a:rPr lang="en-US" dirty="0">
+                <a:solidFill>
+                  <a:schemeClr val="accent5">
+                    <a:lumMod val="75000"/>
+                  </a:schemeClr>
+                </a:solidFill>
+              </a:rPr>
+              <a:t>Solution</a:t>
+            </a:r>
+            <a:r>
+              <a:rPr lang="en-US" dirty="0"/>
+              <a:t>:  </a:t>
+            </a:r>
+          </a:p>
+          <a:p>
+            <a:pPr>
+              <a:lnSpc>
+                <a:spcPct val="100000"/>
+              </a:lnSpc>
+            </a:pPr>
+            <a:r>
+              <a:rPr lang="en-US" dirty="0"/>
+              <a:t>Memento – immutable, nested class (there are other implementations as well)</a:t>
+            </a:r>
+          </a:p>
+          <a:p>
+            <a:pPr>
+              <a:lnSpc>
+                <a:spcPct val="100000"/>
+              </a:lnSpc>
+            </a:pPr>
+            <a:r>
+              <a:rPr lang="en-US" dirty="0"/>
+              <a:t>Caretaker – decides when and what to restore</a:t>
+            </a:r>
+          </a:p>
+          <a:p>
+            <a:pPr>
+              <a:lnSpc>
+                <a:spcPct val="100000"/>
+              </a:lnSpc>
+            </a:pPr>
+            <a:r>
+              <a:rPr lang="en-US" dirty="0"/>
+              <a:t>Originator – saves its state to memento</a:t>
+            </a:r>
+          </a:p>
+        </p:txBody>
+      </p:sp>
+      <p:pic>
+        <p:nvPicPr>
+          <p:cNvPr id="1028" name="Picture 4" descr="Memento based on nested classes">
+            <a:extLst>
+              <a:ext uri="{FF2B5EF4-FFF2-40B4-BE49-F238E27FC236}">
+                <a16:creationId xmlns:a16="http://schemas.microsoft.com/office/drawing/2014/main" id="{3118B0D1-0138-404A-8A43-EF58A9A41A04}"/>
+              </a:ext>
+            </a:extLst>
+          </p:cNvPr>
+          <p:cNvPicPr>
+            <a:picLocks noChangeAspect="1" noChangeArrowheads="1"/>
+          </p:cNvPicPr>
+          <p:nvPr/>
+        </p:nvPicPr>
+        <p:blipFill>
+          <a:blip r:embed="rId3">
+            <a:extLst>
+              <a:ext uri="{28A0092B-C50C-407E-A947-70E740481C1C}">
+                <a14:useLocalDpi xmlns:a14="http://schemas.microsoft.com/office/drawing/2010/main" val="0"/>
+              </a:ext>
+            </a:extLst>
+          </a:blip>
+          <a:srcRect/>
+          <a:stretch>
+            <a:fillRect/>
+          </a:stretch>
+        </p:blipFill>
+        <p:spPr bwMode="auto">
+          <a:xfrm>
+            <a:off x="3039907" y="669665"/>
+            <a:ext cx="6112186" cy="3266858"/>
+          </a:xfrm>
+          <a:prstGeom prst="rect">
+            <a:avLst/>
+          </a:prstGeom>
+          <a:noFill/>
+          <a:extLst>
+            <a:ext uri="{909E8E84-426E-40DD-AFC4-6F175D3DCCD1}">
+              <a14:hiddenFill xmlns:a14="http://schemas.microsoft.com/office/drawing/2010/main">
+                <a:solidFill>
+                  <a:srgbClr val="FFFFFF"/>
+                </a:solidFill>
+              </a14:hiddenFill>
+            </a:ext>
+          </a:extLst>
+        </p:spPr>
+      </p:pic>
+    </p:spTree>
+    <p:extLst>
+      <p:ext uri="{BB962C8B-B14F-4D97-AF65-F5344CB8AC3E}">
+        <p14:creationId xmlns:p14="http://schemas.microsoft.com/office/powerpoint/2010/main" val="1197643011"/>
+      </p:ext>
+    </p:extLst>
+  </p:cSld>
+  <p:clrMapOvr>
+    <a:masterClrMapping/>
+  </p:clrMapOvr>
+</p:sld>
+</file>
+
+<file path=ppt/slides/slide12.xml><?xml version="1.0" encoding="utf-8"?>
+<p:sld xmlns:a="http://schemas.openxmlformats.org/drawingml/2006/main" xmlns:r="http://schemas.openxmlformats.org/officeDocument/2006/relationships" xmlns:p="http://schemas.openxmlformats.org/presentationml/2006/main">
+  <p:cSld>
+    <p:spTree>
+      <p:nvGrpSpPr>
+        <p:cNvPr id="1" name=""/>
+        <p:cNvGrpSpPr/>
+        <p:nvPr/>
+      </p:nvGrpSpPr>
+      <p:grpSpPr>
+        <a:xfrm>
+          <a:off x="0" y="0"/>
+          <a:ext cx="0" cy="0"/>
+          <a:chOff x="0" y="0"/>
+          <a:chExt cx="0" cy="0"/>
+        </a:xfrm>
+      </p:grpSpPr>
+      <p:sp>
+        <p:nvSpPr>
+          <p:cNvPr id="5" name="Title 4">
+            <a:extLst>
+              <a:ext uri="{FF2B5EF4-FFF2-40B4-BE49-F238E27FC236}">
+                <a16:creationId xmlns:a16="http://schemas.microsoft.com/office/drawing/2014/main" id="{15DE6CDC-3760-4614-8575-CB1459F11CD8}"/>
+              </a:ext>
+            </a:extLst>
+          </p:cNvPr>
+          <p:cNvSpPr>
+            <a:spLocks noGrp="1"/>
+          </p:cNvSpPr>
+          <p:nvPr>
+            <p:ph type="title"/>
+          </p:nvPr>
+        </p:nvSpPr>
+        <p:spPr/>
+        <p:txBody>
+          <a:bodyPr>
+            <a:normAutofit fontScale="90000"/>
+          </a:bodyPr>
+          <a:lstStyle/>
+          <a:p>
+            <a:r>
+              <a:rPr lang="en-US" dirty="0"/>
+              <a:t>Memento in a few words + examples from open-source projects</a:t>
+            </a:r>
+          </a:p>
+        </p:txBody>
+      </p:sp>
+      <p:graphicFrame>
+        <p:nvGraphicFramePr>
+          <p:cNvPr id="10" name="Content Placeholder 5">
+            <a:extLst>
+              <a:ext uri="{FF2B5EF4-FFF2-40B4-BE49-F238E27FC236}">
+                <a16:creationId xmlns:a16="http://schemas.microsoft.com/office/drawing/2014/main" id="{1DA604AA-B0C5-4DE1-8F1A-F3546A2ED7F0}"/>
+              </a:ext>
+            </a:extLst>
+          </p:cNvPr>
+          <p:cNvGraphicFramePr>
+            <a:graphicFrameLocks noGrp="1"/>
+          </p:cNvGraphicFramePr>
+          <p:nvPr>
+            <p:ph sz="half" idx="1"/>
+            <p:extLst>
+              <p:ext uri="{D42A27DB-BD31-4B8C-83A1-F6EECF244321}">
+                <p14:modId xmlns:p14="http://schemas.microsoft.com/office/powerpoint/2010/main" val="2766393785"/>
+              </p:ext>
+            </p:extLst>
+          </p:nvPr>
+        </p:nvGraphicFramePr>
+        <p:xfrm>
+          <a:off x="1097280" y="2120900"/>
+          <a:ext cx="4639736" cy="3748193"/>
+        </p:xfrm>
+        <a:graphic>
+          <a:graphicData uri="http://schemas.openxmlformats.org/drawingml/2006/diagram">
+            <dgm:relIds xmlns:dgm="http://schemas.openxmlformats.org/drawingml/2006/diagram" xmlns:r="http://schemas.openxmlformats.org/officeDocument/2006/relationships" r:dm="rId2" r:lo="rId3" r:qs="rId4" r:cs="rId5"/>
+          </a:graphicData>
+        </a:graphic>
+      </p:graphicFrame>
+      <p:sp>
+        <p:nvSpPr>
+          <p:cNvPr id="7" name="Content Placeholder 6">
+            <a:extLst>
+              <a:ext uri="{FF2B5EF4-FFF2-40B4-BE49-F238E27FC236}">
+                <a16:creationId xmlns:a16="http://schemas.microsoft.com/office/drawing/2014/main" id="{DB492ABE-1506-4371-999F-C690661B3366}"/>
+              </a:ext>
+            </a:extLst>
+          </p:cNvPr>
+          <p:cNvSpPr>
+            <a:spLocks noGrp="1"/>
+          </p:cNvSpPr>
+          <p:nvPr>
+            <p:ph sz="half" idx="2"/>
+          </p:nvPr>
+        </p:nvSpPr>
+        <p:spPr>
+          <a:xfrm>
+            <a:off x="6363093" y="2120899"/>
+            <a:ext cx="4911365" cy="3748194"/>
+          </a:xfrm>
+        </p:spPr>
+        <p:txBody>
+          <a:bodyPr>
+            <a:normAutofit/>
+          </a:bodyPr>
+          <a:lstStyle/>
+          <a:p>
+            <a:r>
+              <a:rPr lang="en-US" dirty="0"/>
+              <a:t>Java: </a:t>
+            </a:r>
+          </a:p>
+          <a:p>
+            <a:r>
+              <a:rPr lang="en-US" dirty="0" err="1"/>
+              <a:t>java.io.Serializable</a:t>
+            </a:r>
+            <a:endParaRPr lang="en-US" dirty="0"/>
+          </a:p>
+          <a:p>
+            <a:r>
+              <a:rPr lang="en-US" dirty="0" err="1"/>
+              <a:t>javax.faces.component.StateHolder</a:t>
+            </a:r>
+            <a:r>
+              <a:rPr lang="en-US" dirty="0"/>
+              <a:t> </a:t>
+            </a:r>
+          </a:p>
+          <a:p>
+            <a:r>
+              <a:rPr lang="en-US" dirty="0" err="1"/>
+              <a:t>java.util.Date</a:t>
+            </a:r>
+            <a:endParaRPr lang="en-US" dirty="0"/>
+          </a:p>
+          <a:p>
+            <a:endParaRPr lang="en-US" dirty="0"/>
+          </a:p>
+          <a:p>
+            <a:r>
+              <a:rPr lang="en-US" dirty="0"/>
+              <a:t>C#: </a:t>
+            </a:r>
+            <a:r>
+              <a:rPr lang="en-US" dirty="0" err="1"/>
+              <a:t>Sytem.Runtime.Serialization.Iserializable</a:t>
+            </a:r>
+            <a:endParaRPr lang="en-US" dirty="0"/>
+          </a:p>
+          <a:p>
+            <a:endParaRPr lang="en-US" dirty="0"/>
+          </a:p>
+          <a:p>
+            <a:endParaRPr lang="en-US" dirty="0"/>
+          </a:p>
+        </p:txBody>
+      </p:sp>
+      <p:sp>
+        <p:nvSpPr>
+          <p:cNvPr id="8" name="Rectangle 1">
+            <a:extLst>
+              <a:ext uri="{FF2B5EF4-FFF2-40B4-BE49-F238E27FC236}">
+                <a16:creationId xmlns:a16="http://schemas.microsoft.com/office/drawing/2014/main" id="{B065E2E4-AE49-41FC-8842-63643489E193}"/>
+              </a:ext>
+            </a:extLst>
+          </p:cNvPr>
+          <p:cNvSpPr>
+            <a:spLocks noChangeArrowheads="1"/>
+          </p:cNvSpPr>
+          <p:nvPr/>
+        </p:nvSpPr>
+        <p:spPr bwMode="auto">
+          <a:xfrm>
+            <a:off x="0" y="159350"/>
+            <a:ext cx="25648" cy="138499"/>
+          </a:xfrm>
+          <a:prstGeom prst="rect">
+            <a:avLst/>
+          </a:prstGeom>
+          <a:noFill/>
+          <a:ln>
+            <a:noFill/>
+          </a:ln>
+          <a:effectLst/>
+          <a:extLst>
+            <a:ext uri="{909E8E84-426E-40DD-AFC4-6F175D3DCCD1}">
+              <a14:hiddenFill xmlns:a14="http://schemas.microsoft.com/office/drawing/2010/main">
+                <a:solidFill>
+                  <a:schemeClr val="accent1"/>
+                </a:solidFill>
+              </a14:hiddenFill>
+            </a:ext>
+            <a:ext uri="{91240B29-F687-4F45-9708-019B960494DF}">
+              <a14:hiddenLine xmlns:a14="http://schemas.microsoft.com/office/drawing/2010/main" w="9525">
+                <a:solidFill>
+                  <a:schemeClr val="tx1"/>
+                </a:solidFill>
+                <a:miter lim="800000"/>
+                <a:headEnd/>
+                <a:tailEnd/>
+              </a14:hiddenLine>
+            </a:ext>
+            <a:ext uri="{AF507438-7753-43E0-B8FC-AC1667EBCBE1}">
+              <a14:hiddenEffects xmlns:a14="http://schemas.microsoft.com/office/drawing/2010/main">
+                <a:effectLst>
+                  <a:outerShdw dist="35921" dir="2700000" algn="ctr" rotWithShape="0">
+                    <a:schemeClr val="bg2"/>
+                  </a:outerShdw>
+                </a:effectLst>
+              </a14:hiddenEffects>
+            </a:ext>
+          </a:extLst>
+        </p:spPr>
+        <p:txBody>
+          <a:bodyPr vert="horz" wrap="none" lIns="0" tIns="0" rIns="0" bIns="0" numCol="1" anchor="ctr" anchorCtr="0" compatLnSpc="1">
+            <a:prstTxWarp prst="textNoShape">
+              <a:avLst/>
+            </a:prstTxWarp>
+            <a:spAutoFit/>
+          </a:bodyPr>
+          <a:lstStyle/>
+          <a:p>
+            <a:pPr marL="0" marR="0" lvl="0" indent="0" algn="l" defTabSz="914400" rtl="0" eaLnBrk="0" fontAlgn="base" latinLnBrk="0" hangingPunct="0">
+              <a:lnSpc>
+                <a:spcPct val="100000"/>
+              </a:lnSpc>
+              <a:spcBef>
+                <a:spcPct val="0"/>
+              </a:spcBef>
+              <a:spcAft>
+                <a:spcPct val="0"/>
+              </a:spcAft>
+              <a:buClrTx/>
+              <a:buSzTx/>
+              <a:buFontTx/>
+              <a:buNone/>
+              <a:tabLst/>
+            </a:pPr>
+            <a:r>
+              <a:rPr kumimoji="0" lang="en-US" altLang="en-US" sz="900" b="0" i="0" u="none" strike="noStrike" cap="none" normalizeH="0" baseline="0" dirty="0">
+                <a:ln>
+                  <a:noFill/>
+                </a:ln>
+                <a:solidFill>
+                  <a:schemeClr val="tx1"/>
+                </a:solidFill>
+                <a:effectLst/>
+                <a:latin typeface="inherit"/>
+              </a:rPr>
+              <a:t> </a:t>
+            </a:r>
+            <a:endParaRPr kumimoji="0" lang="en-US" altLang="en-US" sz="1800" b="0" i="0" u="none" strike="noStrike" cap="none" normalizeH="0" baseline="0" dirty="0">
+              <a:ln>
+                <a:noFill/>
+              </a:ln>
+              <a:solidFill>
+                <a:schemeClr val="tx1"/>
+              </a:solidFill>
+              <a:effectLst/>
+              <a:latin typeface="Arial" panose="020B0604020202020204" pitchFamily="34" charset="0"/>
+            </a:endParaRPr>
+          </a:p>
+        </p:txBody>
+      </p:sp>
+    </p:spTree>
+    <p:extLst>
+      <p:ext uri="{BB962C8B-B14F-4D97-AF65-F5344CB8AC3E}">
+        <p14:creationId xmlns:p14="http://schemas.microsoft.com/office/powerpoint/2010/main" val="602677226"/>
+      </p:ext>
+    </p:extLst>
+  </p:cSld>
+  <p:clrMapOvr>
+    <a:masterClrMapping/>
+  </p:clrMapOvr>
+</p:sld>
+</file>
+
 <file path=ppt/slides/slide2.xml><?xml version="1.0" encoding="utf-8"?>
 <p:sld xmlns:a="http://schemas.openxmlformats.org/drawingml/2006/main" xmlns:r="http://schemas.openxmlformats.org/officeDocument/2006/relationships" xmlns:p="http://schemas.openxmlformats.org/presentationml/2006/main">
   <p:cSld>
@@ -21707,15 +25751,6 @@
 </file>
 
 <file path=customXml/item2.xml><?xml version="1.0" encoding="utf-8"?>
-<?mso-contentType ?>
-<FormTemplates xmlns="http://schemas.microsoft.com/sharepoint/v3/contenttype/forms">
-  <Display>DocumentLibraryForm</Display>
-  <Edit>DocumentLibraryForm</Edit>
-  <New>DocumentLibraryForm</New>
-</FormTemplates>
-</file>
-
-<file path=customXml/item3.xml><?xml version="1.0" encoding="utf-8"?>
 <ct:contentTypeSchema xmlns:ct="http://schemas.microsoft.com/office/2006/metadata/contentType" xmlns:ma="http://schemas.microsoft.com/office/2006/metadata/properties/metaAttributes" ct:_="" ma:_="" ma:contentTypeName="Document" ma:contentTypeID="0x01010079F111ED35F8CC479449609E8A0923A6" ma:contentTypeVersion="12" ma:contentTypeDescription="Create a new document." ma:contentTypeScope="" ma:versionID="426e97fa315356fffbdcd9876fe988c2">
   <xsd:schema xmlns:xsd="http://www.w3.org/2001/XMLSchema" xmlns:xs="http://www.w3.org/2001/XMLSchema" xmlns:p="http://schemas.microsoft.com/office/2006/metadata/properties" xmlns:ns2="71af3243-3dd4-4a8d-8c0d-dd76da1f02a5" xmlns:ns3="16c05727-aa75-4e4a-9b5f-8a80a1165891" targetNamespace="http://schemas.microsoft.com/office/2006/metadata/properties" ma:root="true" ma:fieldsID="14b8f0def80e6d70ce3def20c90759ae" ns2:_="" ns3:_="">
     <xsd:import namespace="71af3243-3dd4-4a8d-8c0d-dd76da1f02a5"/>
@@ -21936,6 +25971,15 @@
 </ct:contentTypeSchema>
 </file>
 
+<file path=customXml/item3.xml><?xml version="1.0" encoding="utf-8"?>
+<?mso-contentType ?>
+<FormTemplates xmlns="http://schemas.microsoft.com/sharepoint/v3/contenttype/forms">
+  <Display>DocumentLibraryForm</Display>
+  <Edit>DocumentLibraryForm</Edit>
+  <New>DocumentLibraryForm</New>
+</FormTemplates>
+</file>
+
 <file path=customXml/itemProps1.xml><?xml version="1.0" encoding="utf-8"?>
 <ds:datastoreItem xmlns:ds="http://schemas.openxmlformats.org/officeDocument/2006/customXml" ds:itemID="{84F503EC-3FFF-4193-A86F-39150E2BAC75}">
   <ds:schemaRefs>
@@ -21947,14 +25991,6 @@
 </file>
 
 <file path=customXml/itemProps2.xml><?xml version="1.0" encoding="utf-8"?>
-<ds:datastoreItem xmlns:ds="http://schemas.openxmlformats.org/officeDocument/2006/customXml" ds:itemID="{2E5ECA37-C458-4BA2-A090-D7A19E07B434}">
-  <ds:schemaRefs>
-    <ds:schemaRef ds:uri="http://schemas.microsoft.com/sharepoint/v3/contenttype/forms"/>
-  </ds:schemaRefs>
-</ds:datastoreItem>
-</file>
-
-<file path=customXml/itemProps3.xml><?xml version="1.0" encoding="utf-8"?>
 <ds:datastoreItem xmlns:ds="http://schemas.openxmlformats.org/officeDocument/2006/customXml" ds:itemID="{7A26AAF5-6CFC-4C52-B7DF-08410EDE6701}">
   <ds:schemaRefs>
     <ds:schemaRef ds:uri="http://schemas.microsoft.com/office/2006/metadata/contentType"/>
@@ -21971,4 +26007,12 @@
     <ds:schemaRef ds:uri="http://schemas.microsoft.com/internal/obd"/>
   </ds:schemaRefs>
 </ds:datastoreItem>
+</file>
+
+<file path=customXml/itemProps3.xml><?xml version="1.0" encoding="utf-8"?>
+<ds:datastoreItem xmlns:ds="http://schemas.openxmlformats.org/officeDocument/2006/customXml" ds:itemID="{2E5ECA37-C458-4BA2-A090-D7A19E07B434}">
+  <ds:schemaRefs>
+    <ds:schemaRef ds:uri="http://schemas.microsoft.com/sharepoint/v3/contenttype/forms"/>
+  </ds:schemaRefs>
+</ds:datastoreItem>
 </file>
--- a/PPT Presentations/DesignPatterns-BehavioralPatterns.pptx
+++ b/PPT Presentations/DesignPatterns-BehavioralPatterns.pptx
@@ -5,7 +5,7 @@
     <p:sldMasterId id="2147483660" r:id="rId4"/>
   </p:sldMasterIdLst>
   <p:notesMasterIdLst>
-    <p:notesMasterId r:id="rId17"/>
+    <p:notesMasterId r:id="rId19"/>
   </p:notesMasterIdLst>
   <p:sldIdLst>
     <p:sldId id="287" r:id="rId5"/>
@@ -20,6 +20,8 @@
     <p:sldId id="297" r:id="rId14"/>
     <p:sldId id="298" r:id="rId15"/>
     <p:sldId id="299" r:id="rId16"/>
+    <p:sldId id="300" r:id="rId17"/>
+    <p:sldId id="301" r:id="rId18"/>
   </p:sldIdLst>
   <p:sldSz cx="12192000" cy="6858000"/>
   <p:notesSz cx="6858000" cy="9144000"/>
@@ -3141,6 +3143,753 @@
 </file>
 
 <file path=ppt/diagrams/colors5.xml><?xml version="1.0" encoding="utf-8"?>
+<dgm:colorsDef xmlns:dgm="http://schemas.openxmlformats.org/drawingml/2006/diagram" xmlns:a="http://schemas.openxmlformats.org/drawingml/2006/main" uniqueId="urn:microsoft.com/office/officeart/2005/8/colors/accent1_2">
+  <dgm:title val=""/>
+  <dgm:desc val=""/>
+  <dgm:catLst>
+    <dgm:cat type="accent1" pri="11200"/>
+  </dgm:catLst>
+  <dgm:styleLbl name="node0">
+    <dgm:fillClrLst meth="repeat">
+      <a:schemeClr val="accent1"/>
+    </dgm:fillClrLst>
+    <dgm:linClrLst meth="repeat">
+      <a:schemeClr val="lt1"/>
+    </dgm:linClrLst>
+    <dgm:effectClrLst/>
+    <dgm:txLinClrLst/>
+    <dgm:txFillClrLst/>
+    <dgm:txEffectClrLst/>
+  </dgm:styleLbl>
+  <dgm:styleLbl name="alignNode1">
+    <dgm:fillClrLst meth="repeat">
+      <a:schemeClr val="accent1"/>
+    </dgm:fillClrLst>
+    <dgm:linClrLst meth="repeat">
+      <a:schemeClr val="accent1"/>
+    </dgm:linClrLst>
+    <dgm:effectClrLst/>
+    <dgm:txLinClrLst/>
+    <dgm:txFillClrLst/>
+    <dgm:txEffectClrLst/>
+  </dgm:styleLbl>
+  <dgm:styleLbl name="node1">
+    <dgm:fillClrLst meth="repeat">
+      <a:schemeClr val="accent1"/>
+    </dgm:fillClrLst>
+    <dgm:linClrLst meth="repeat">
+      <a:schemeClr val="lt1"/>
+    </dgm:linClrLst>
+    <dgm:effectClrLst/>
+    <dgm:txLinClrLst/>
+    <dgm:txFillClrLst/>
+    <dgm:txEffectClrLst/>
+  </dgm:styleLbl>
+  <dgm:styleLbl name="lnNode1">
+    <dgm:fillClrLst meth="repeat">
+      <a:schemeClr val="accent1"/>
+    </dgm:fillClrLst>
+    <dgm:linClrLst meth="repeat">
+      <a:schemeClr val="lt1"/>
+    </dgm:linClrLst>
+    <dgm:effectClrLst/>
+    <dgm:txLinClrLst/>
+    <dgm:txFillClrLst/>
+    <dgm:txEffectClrLst/>
+  </dgm:styleLbl>
+  <dgm:styleLbl name="vennNode1">
+    <dgm:fillClrLst meth="repeat">
+      <a:schemeClr val="accent1">
+        <a:alpha val="50000"/>
+      </a:schemeClr>
+    </dgm:fillClrLst>
+    <dgm:linClrLst meth="repeat">
+      <a:schemeClr val="lt1"/>
+    </dgm:linClrLst>
+    <dgm:effectClrLst/>
+    <dgm:txLinClrLst/>
+    <dgm:txFillClrLst/>
+    <dgm:txEffectClrLst/>
+  </dgm:styleLbl>
+  <dgm:styleLbl name="node2">
+    <dgm:fillClrLst meth="repeat">
+      <a:schemeClr val="accent1"/>
+    </dgm:fillClrLst>
+    <dgm:linClrLst meth="repeat">
+      <a:schemeClr val="lt1"/>
+    </dgm:linClrLst>
+    <dgm:effectClrLst/>
+    <dgm:txLinClrLst/>
+    <dgm:txFillClrLst/>
+    <dgm:txEffectClrLst/>
+  </dgm:styleLbl>
+  <dgm:styleLbl name="node3">
+    <dgm:fillClrLst meth="repeat">
+      <a:schemeClr val="accent1"/>
+    </dgm:fillClrLst>
+    <dgm:linClrLst meth="repeat">
+      <a:schemeClr val="lt1"/>
+    </dgm:linClrLst>
+    <dgm:effectClrLst/>
+    <dgm:txLinClrLst/>
+    <dgm:txFillClrLst/>
+    <dgm:txEffectClrLst/>
+  </dgm:styleLbl>
+  <dgm:styleLbl name="node4">
+    <dgm:fillClrLst meth="repeat">
+      <a:schemeClr val="accent1"/>
+    </dgm:fillClrLst>
+    <dgm:linClrLst meth="repeat">
+      <a:schemeClr val="lt1"/>
+    </dgm:linClrLst>
+    <dgm:effectClrLst/>
+    <dgm:txLinClrLst/>
+    <dgm:txFillClrLst/>
+    <dgm:txEffectClrLst/>
+  </dgm:styleLbl>
+  <dgm:styleLbl name="fgImgPlace1">
+    <dgm:fillClrLst meth="repeat">
+      <a:schemeClr val="accent1">
+        <a:tint val="50000"/>
+      </a:schemeClr>
+    </dgm:fillClrLst>
+    <dgm:linClrLst meth="repeat">
+      <a:schemeClr val="lt1"/>
+    </dgm:linClrLst>
+    <dgm:effectClrLst/>
+    <dgm:txLinClrLst/>
+    <dgm:txFillClrLst meth="repeat">
+      <a:schemeClr val="lt1"/>
+    </dgm:txFillClrLst>
+    <dgm:txEffectClrLst/>
+  </dgm:styleLbl>
+  <dgm:styleLbl name="alignImgPlace1">
+    <dgm:fillClrLst meth="repeat">
+      <a:schemeClr val="accent1">
+        <a:tint val="50000"/>
+      </a:schemeClr>
+    </dgm:fillClrLst>
+    <dgm:linClrLst meth="repeat">
+      <a:schemeClr val="lt1"/>
+    </dgm:linClrLst>
+    <dgm:effectClrLst/>
+    <dgm:txLinClrLst/>
+    <dgm:txFillClrLst meth="repeat">
+      <a:schemeClr val="lt1"/>
+    </dgm:txFillClrLst>
+    <dgm:txEffectClrLst/>
+  </dgm:styleLbl>
+  <dgm:styleLbl name="bgImgPlace1">
+    <dgm:fillClrLst meth="repeat">
+      <a:schemeClr val="accent1">
+        <a:tint val="50000"/>
+      </a:schemeClr>
+    </dgm:fillClrLst>
+    <dgm:linClrLst meth="repeat">
+      <a:schemeClr val="lt1"/>
+    </dgm:linClrLst>
+    <dgm:effectClrLst/>
+    <dgm:txLinClrLst/>
+    <dgm:txFillClrLst meth="repeat">
+      <a:schemeClr val="lt1"/>
+    </dgm:txFillClrLst>
+    <dgm:txEffectClrLst/>
+  </dgm:styleLbl>
+  <dgm:styleLbl name="sibTrans2D1">
+    <dgm:fillClrLst meth="repeat">
+      <a:schemeClr val="accent1">
+        <a:tint val="60000"/>
+      </a:schemeClr>
+    </dgm:fillClrLst>
+    <dgm:linClrLst meth="repeat">
+      <a:schemeClr val="accent1">
+        <a:tint val="60000"/>
+      </a:schemeClr>
+    </dgm:linClrLst>
+    <dgm:effectClrLst/>
+    <dgm:txLinClrLst/>
+    <dgm:txFillClrLst/>
+    <dgm:txEffectClrLst/>
+  </dgm:styleLbl>
+  <dgm:styleLbl name="fgSibTrans2D1">
+    <dgm:fillClrLst meth="repeat">
+      <a:schemeClr val="accent1">
+        <a:tint val="60000"/>
+      </a:schemeClr>
+    </dgm:fillClrLst>
+    <dgm:linClrLst meth="repeat">
+      <a:schemeClr val="accent1">
+        <a:tint val="60000"/>
+      </a:schemeClr>
+    </dgm:linClrLst>
+    <dgm:effectClrLst/>
+    <dgm:txLinClrLst/>
+    <dgm:txFillClrLst/>
+    <dgm:txEffectClrLst/>
+  </dgm:styleLbl>
+  <dgm:styleLbl name="bgSibTrans2D1">
+    <dgm:fillClrLst meth="repeat">
+      <a:schemeClr val="accent1">
+        <a:tint val="60000"/>
+      </a:schemeClr>
+    </dgm:fillClrLst>
+    <dgm:linClrLst meth="repeat">
+      <a:schemeClr val="accent1">
+        <a:tint val="60000"/>
+      </a:schemeClr>
+    </dgm:linClrLst>
+    <dgm:effectClrLst/>
+    <dgm:txLinClrLst/>
+    <dgm:txFillClrLst/>
+    <dgm:txEffectClrLst/>
+  </dgm:styleLbl>
+  <dgm:styleLbl name="sibTrans1D1">
+    <dgm:fillClrLst meth="repeat">
+      <a:schemeClr val="accent1"/>
+    </dgm:fillClrLst>
+    <dgm:linClrLst meth="repeat">
+      <a:schemeClr val="accent1"/>
+    </dgm:linClrLst>
+    <dgm:effectClrLst/>
+    <dgm:txLinClrLst/>
+    <dgm:txFillClrLst meth="repeat">
+      <a:schemeClr val="tx1"/>
+    </dgm:txFillClrLst>
+    <dgm:txEffectClrLst/>
+  </dgm:styleLbl>
+  <dgm:styleLbl name="callout">
+    <dgm:fillClrLst meth="repeat">
+      <a:schemeClr val="accent1"/>
+    </dgm:fillClrLst>
+    <dgm:linClrLst meth="repeat">
+      <a:schemeClr val="accent1">
+        <a:tint val="50000"/>
+      </a:schemeClr>
+    </dgm:linClrLst>
+    <dgm:effectClrLst/>
+    <dgm:txLinClrLst/>
+    <dgm:txFillClrLst meth="repeat">
+      <a:schemeClr val="tx1"/>
+    </dgm:txFillClrLst>
+    <dgm:txEffectClrLst/>
+  </dgm:styleLbl>
+  <dgm:styleLbl name="asst0">
+    <dgm:fillClrLst meth="repeat">
+      <a:schemeClr val="accent1"/>
+    </dgm:fillClrLst>
+    <dgm:linClrLst meth="repeat">
+      <a:schemeClr val="lt1"/>
+    </dgm:linClrLst>
+    <dgm:effectClrLst/>
+    <dgm:txLinClrLst/>
+    <dgm:txFillClrLst/>
+    <dgm:txEffectClrLst/>
+  </dgm:styleLbl>
+  <dgm:styleLbl name="asst1">
+    <dgm:fillClrLst meth="repeat">
+      <a:schemeClr val="accent1"/>
+    </dgm:fillClrLst>
+    <dgm:linClrLst meth="repeat">
+      <a:schemeClr val="lt1"/>
+    </dgm:linClrLst>
+    <dgm:effectClrLst/>
+    <dgm:txLinClrLst/>
+    <dgm:txFillClrLst/>
+    <dgm:txEffectClrLst/>
+  </dgm:styleLbl>
+  <dgm:styleLbl name="asst2">
+    <dgm:fillClrLst meth="repeat">
+      <a:schemeClr val="accent1"/>
+    </dgm:fillClrLst>
+    <dgm:linClrLst meth="repeat">
+      <a:schemeClr val="lt1"/>
+    </dgm:linClrLst>
+    <dgm:effectClrLst/>
+    <dgm:txLinClrLst/>
+    <dgm:txFillClrLst/>
+    <dgm:txEffectClrLst/>
+  </dgm:styleLbl>
+  <dgm:styleLbl name="asst3">
+    <dgm:fillClrLst meth="repeat">
+      <a:schemeClr val="accent1"/>
+    </dgm:fillClrLst>
+    <dgm:linClrLst meth="repeat">
+      <a:schemeClr val="lt1"/>
+    </dgm:linClrLst>
+    <dgm:effectClrLst/>
+    <dgm:txLinClrLst/>
+    <dgm:txFillClrLst/>
+    <dgm:txEffectClrLst/>
+  </dgm:styleLbl>
+  <dgm:styleLbl name="asst4">
+    <dgm:fillClrLst meth="repeat">
+      <a:schemeClr val="accent1"/>
+    </dgm:fillClrLst>
+    <dgm:linClrLst meth="repeat">
+      <a:schemeClr val="lt1"/>
+    </dgm:linClrLst>
+    <dgm:effectClrLst/>
+    <dgm:txLinClrLst/>
+    <dgm:txFillClrLst/>
+    <dgm:txEffectClrLst/>
+  </dgm:styleLbl>
+  <dgm:styleLbl name="parChTrans2D1">
+    <dgm:fillClrLst meth="repeat">
+      <a:schemeClr val="accent1">
+        <a:tint val="60000"/>
+      </a:schemeClr>
+    </dgm:fillClrLst>
+    <dgm:linClrLst meth="repeat">
+      <a:schemeClr val="accent1">
+        <a:tint val="60000"/>
+      </a:schemeClr>
+    </dgm:linClrLst>
+    <dgm:effectClrLst/>
+    <dgm:txLinClrLst/>
+    <dgm:txFillClrLst meth="repeat">
+      <a:schemeClr val="lt1"/>
+    </dgm:txFillClrLst>
+    <dgm:txEffectClrLst/>
+  </dgm:styleLbl>
+  <dgm:styleLbl name="parChTrans2D2">
+    <dgm:fillClrLst meth="repeat">
+      <a:schemeClr val="accent1"/>
+    </dgm:fillClrLst>
+    <dgm:linClrLst meth="repeat">
+      <a:schemeClr val="accent1"/>
+    </dgm:linClrLst>
+    <dgm:effectClrLst/>
+    <dgm:txLinClrLst/>
+    <dgm:txFillClrLst meth="repeat">
+      <a:schemeClr val="lt1"/>
+    </dgm:txFillClrLst>
+    <dgm:txEffectClrLst/>
+  </dgm:styleLbl>
+  <dgm:styleLbl name="parChTrans2D3">
+    <dgm:fillClrLst meth="repeat">
+      <a:schemeClr val="accent1"/>
+    </dgm:fillClrLst>
+    <dgm:linClrLst meth="repeat">
+      <a:schemeClr val="accent1"/>
+    </dgm:linClrLst>
+    <dgm:effectClrLst/>
+    <dgm:txLinClrLst/>
+    <dgm:txFillClrLst meth="repeat">
+      <a:schemeClr val="lt1"/>
+    </dgm:txFillClrLst>
+    <dgm:txEffectClrLst/>
+  </dgm:styleLbl>
+  <dgm:styleLbl name="parChTrans2D4">
+    <dgm:fillClrLst meth="repeat">
+      <a:schemeClr val="accent1"/>
+    </dgm:fillClrLst>
+    <dgm:linClrLst meth="repeat">
+      <a:schemeClr val="accent1"/>
+    </dgm:linClrLst>
+    <dgm:effectClrLst/>
+    <dgm:txLinClrLst/>
+    <dgm:txFillClrLst meth="repeat">
+      <a:schemeClr val="lt1"/>
+    </dgm:txFillClrLst>
+    <dgm:txEffectClrLst/>
+  </dgm:styleLbl>
+  <dgm:styleLbl name="parChTrans1D1">
+    <dgm:fillClrLst meth="repeat">
+      <a:schemeClr val="accent1"/>
+    </dgm:fillClrLst>
+    <dgm:linClrLst meth="repeat">
+      <a:schemeClr val="accent1">
+        <a:shade val="60000"/>
+      </a:schemeClr>
+    </dgm:linClrLst>
+    <dgm:effectClrLst/>
+    <dgm:txLinClrLst/>
+    <dgm:txFillClrLst meth="repeat">
+      <a:schemeClr val="tx1"/>
+    </dgm:txFillClrLst>
+    <dgm:txEffectClrLst/>
+  </dgm:styleLbl>
+  <dgm:styleLbl name="parChTrans1D2">
+    <dgm:fillClrLst meth="repeat">
+      <a:schemeClr val="accent1"/>
+    </dgm:fillClrLst>
+    <dgm:linClrLst meth="repeat">
+      <a:schemeClr val="accent1">
+        <a:shade val="60000"/>
+      </a:schemeClr>
+    </dgm:linClrLst>
+    <dgm:effectClrLst/>
+    <dgm:txLinClrLst/>
+    <dgm:txFillClrLst meth="repeat">
+      <a:schemeClr val="tx1"/>
+    </dgm:txFillClrLst>
+    <dgm:txEffectClrLst/>
+  </dgm:styleLbl>
+  <dgm:styleLbl name="parChTrans1D3">
+    <dgm:fillClrLst meth="repeat">
+      <a:schemeClr val="accent1"/>
+    </dgm:fillClrLst>
+    <dgm:linClrLst meth="repeat">
+      <a:schemeClr val="accent1">
+        <a:shade val="80000"/>
+      </a:schemeClr>
+    </dgm:linClrLst>
+    <dgm:effectClrLst/>
+    <dgm:txLinClrLst/>
+    <dgm:txFillClrLst meth="repeat">
+      <a:schemeClr val="tx1"/>
+    </dgm:txFillClrLst>
+    <dgm:txEffectClrLst/>
+  </dgm:styleLbl>
+  <dgm:styleLbl name="parChTrans1D4">
+    <dgm:fillClrLst meth="repeat">
+      <a:schemeClr val="accent1"/>
+    </dgm:fillClrLst>
+    <dgm:linClrLst meth="repeat">
+      <a:schemeClr val="accent1">
+        <a:shade val="80000"/>
+      </a:schemeClr>
+    </dgm:linClrLst>
+    <dgm:effectClrLst/>
+    <dgm:txLinClrLst/>
+    <dgm:txFillClrLst meth="repeat">
+      <a:schemeClr val="tx1"/>
+    </dgm:txFillClrLst>
+    <dgm:txEffectClrLst/>
+  </dgm:styleLbl>
+  <dgm:styleLbl name="fgAcc1">
+    <dgm:fillClrLst meth="repeat">
+      <a:schemeClr val="lt1">
+        <a:alpha val="90000"/>
+      </a:schemeClr>
+    </dgm:fillClrLst>
+    <dgm:linClrLst meth="repeat">
+      <a:schemeClr val="accent1"/>
+    </dgm:linClrLst>
+    <dgm:effectClrLst/>
+    <dgm:txLinClrLst/>
+    <dgm:txFillClrLst meth="repeat">
+      <a:schemeClr val="dk1"/>
+    </dgm:txFillClrLst>
+    <dgm:txEffectClrLst/>
+  </dgm:styleLbl>
+  <dgm:styleLbl name="conFgAcc1">
+    <dgm:fillClrLst meth="repeat">
+      <a:schemeClr val="lt1">
+        <a:alpha val="90000"/>
+      </a:schemeClr>
+    </dgm:fillClrLst>
+    <dgm:linClrLst meth="repeat">
+      <a:schemeClr val="accent1"/>
+    </dgm:linClrLst>
+    <dgm:effectClrLst/>
+    <dgm:txLinClrLst/>
+    <dgm:txFillClrLst meth="repeat">
+      <a:schemeClr val="dk1"/>
+    </dgm:txFillClrLst>
+    <dgm:txEffectClrLst/>
+  </dgm:styleLbl>
+  <dgm:styleLbl name="alignAcc1">
+    <dgm:fillClrLst meth="repeat">
+      <a:schemeClr val="lt1">
+        <a:alpha val="90000"/>
+      </a:schemeClr>
+    </dgm:fillClrLst>
+    <dgm:linClrLst meth="repeat">
+      <a:schemeClr val="accent1"/>
+    </dgm:linClrLst>
+    <dgm:effectClrLst/>
+    <dgm:txLinClrLst/>
+    <dgm:txFillClrLst meth="repeat">
+      <a:schemeClr val="dk1"/>
+    </dgm:txFillClrLst>
+    <dgm:txEffectClrLst/>
+  </dgm:styleLbl>
+  <dgm:styleLbl name="trAlignAcc1">
+    <dgm:fillClrLst meth="repeat">
+      <a:schemeClr val="lt1">
+        <a:alpha val="40000"/>
+      </a:schemeClr>
+    </dgm:fillClrLst>
+    <dgm:linClrLst meth="repeat">
+      <a:schemeClr val="accent1"/>
+    </dgm:linClrLst>
+    <dgm:effectClrLst/>
+    <dgm:txLinClrLst/>
+    <dgm:txFillClrLst meth="repeat">
+      <a:schemeClr val="dk1"/>
+    </dgm:txFillClrLst>
+    <dgm:txEffectClrLst/>
+  </dgm:styleLbl>
+  <dgm:styleLbl name="bgAcc1">
+    <dgm:fillClrLst meth="repeat">
+      <a:schemeClr val="lt1">
+        <a:alpha val="90000"/>
+      </a:schemeClr>
+    </dgm:fillClrLst>
+    <dgm:linClrLst meth="repeat">
+      <a:schemeClr val="accent1"/>
+    </dgm:linClrLst>
+    <dgm:effectClrLst/>
+    <dgm:txLinClrLst/>
+    <dgm:txFillClrLst meth="repeat">
+      <a:schemeClr val="dk1"/>
+    </dgm:txFillClrLst>
+    <dgm:txEffectClrLst/>
+  </dgm:styleLbl>
+  <dgm:styleLbl name="solidFgAcc1">
+    <dgm:fillClrLst meth="repeat">
+      <a:schemeClr val="lt1"/>
+    </dgm:fillClrLst>
+    <dgm:linClrLst meth="repeat">
+      <a:schemeClr val="accent1"/>
+    </dgm:linClrLst>
+    <dgm:effectClrLst/>
+    <dgm:txLinClrLst/>
+    <dgm:txFillClrLst meth="repeat">
+      <a:schemeClr val="dk1"/>
+    </dgm:txFillClrLst>
+    <dgm:txEffectClrLst/>
+  </dgm:styleLbl>
+  <dgm:styleLbl name="solidAlignAcc1">
+    <dgm:fillClrLst meth="repeat">
+      <a:schemeClr val="lt1"/>
+    </dgm:fillClrLst>
+    <dgm:linClrLst meth="repeat">
+      <a:schemeClr val="accent1"/>
+    </dgm:linClrLst>
+    <dgm:effectClrLst/>
+    <dgm:txLinClrLst/>
+    <dgm:txFillClrLst meth="repeat">
+      <a:schemeClr val="dk1"/>
+    </dgm:txFillClrLst>
+    <dgm:txEffectClrLst/>
+  </dgm:styleLbl>
+  <dgm:styleLbl name="solidBgAcc1">
+    <dgm:fillClrLst meth="repeat">
+      <a:schemeClr val="lt1"/>
+    </dgm:fillClrLst>
+    <dgm:linClrLst meth="repeat">
+      <a:schemeClr val="accent1"/>
+    </dgm:linClrLst>
+    <dgm:effectClrLst/>
+    <dgm:txLinClrLst/>
+    <dgm:txFillClrLst meth="repeat">
+      <a:schemeClr val="dk1"/>
+    </dgm:txFillClrLst>
+    <dgm:txEffectClrLst/>
+  </dgm:styleLbl>
+  <dgm:styleLbl name="fgAccFollowNode1">
+    <dgm:fillClrLst meth="repeat">
+      <a:schemeClr val="accent1">
+        <a:alpha val="90000"/>
+        <a:tint val="40000"/>
+      </a:schemeClr>
+    </dgm:fillClrLst>
+    <dgm:linClrLst meth="repeat">
+      <a:schemeClr val="accent1">
+        <a:alpha val="90000"/>
+        <a:tint val="40000"/>
+      </a:schemeClr>
+    </dgm:linClrLst>
+    <dgm:effectClrLst/>
+    <dgm:txLinClrLst/>
+    <dgm:txFillClrLst meth="repeat">
+      <a:schemeClr val="dk1"/>
+    </dgm:txFillClrLst>
+    <dgm:txEffectClrLst/>
+  </dgm:styleLbl>
+  <dgm:styleLbl name="alignAccFollowNode1">
+    <dgm:fillClrLst meth="repeat">
+      <a:schemeClr val="accent1">
+        <a:alpha val="90000"/>
+        <a:tint val="40000"/>
+      </a:schemeClr>
+    </dgm:fillClrLst>
+    <dgm:linClrLst meth="repeat">
+      <a:schemeClr val="accent1">
+        <a:alpha val="90000"/>
+        <a:tint val="40000"/>
+      </a:schemeClr>
+    </dgm:linClrLst>
+    <dgm:effectClrLst/>
+    <dgm:txLinClrLst/>
+    <dgm:txFillClrLst meth="repeat">
+      <a:schemeClr val="dk1"/>
+    </dgm:txFillClrLst>
+    <dgm:txEffectClrLst/>
+  </dgm:styleLbl>
+  <dgm:styleLbl name="bgAccFollowNode1">
+    <dgm:fillClrLst meth="repeat">
+      <a:schemeClr val="accent1">
+        <a:alpha val="90000"/>
+        <a:tint val="40000"/>
+      </a:schemeClr>
+    </dgm:fillClrLst>
+    <dgm:linClrLst meth="repeat">
+      <a:schemeClr val="accent1">
+        <a:alpha val="90000"/>
+        <a:tint val="40000"/>
+      </a:schemeClr>
+    </dgm:linClrLst>
+    <dgm:effectClrLst/>
+    <dgm:txLinClrLst/>
+    <dgm:txFillClrLst meth="repeat">
+      <a:schemeClr val="dk1"/>
+    </dgm:txFillClrLst>
+    <dgm:txEffectClrLst/>
+  </dgm:styleLbl>
+  <dgm:styleLbl name="fgAcc0">
+    <dgm:fillClrLst meth="repeat">
+      <a:schemeClr val="lt1">
+        <a:alpha val="90000"/>
+      </a:schemeClr>
+    </dgm:fillClrLst>
+    <dgm:linClrLst meth="repeat">
+      <a:schemeClr val="accent1"/>
+    </dgm:linClrLst>
+    <dgm:effectClrLst/>
+    <dgm:txLinClrLst/>
+    <dgm:txFillClrLst meth="repeat">
+      <a:schemeClr val="dk1"/>
+    </dgm:txFillClrLst>
+    <dgm:txEffectClrLst/>
+  </dgm:styleLbl>
+  <dgm:styleLbl name="fgAcc2">
+    <dgm:fillClrLst meth="repeat">
+      <a:schemeClr val="lt1">
+        <a:alpha val="90000"/>
+      </a:schemeClr>
+    </dgm:fillClrLst>
+    <dgm:linClrLst meth="repeat">
+      <a:schemeClr val="accent1"/>
+    </dgm:linClrLst>
+    <dgm:effectClrLst/>
+    <dgm:txLinClrLst/>
+    <dgm:txFillClrLst meth="repeat">
+      <a:schemeClr val="dk1"/>
+    </dgm:txFillClrLst>
+    <dgm:txEffectClrLst/>
+  </dgm:styleLbl>
+  <dgm:styleLbl name="fgAcc3">
+    <dgm:fillClrLst meth="repeat">
+      <a:schemeClr val="lt1">
+        <a:alpha val="90000"/>
+      </a:schemeClr>
+    </dgm:fillClrLst>
+    <dgm:linClrLst meth="repeat">
+      <a:schemeClr val="accent1"/>
+    </dgm:linClrLst>
+    <dgm:effectClrLst/>
+    <dgm:txLinClrLst/>
+    <dgm:txFillClrLst meth="repeat">
+      <a:schemeClr val="dk1"/>
+    </dgm:txFillClrLst>
+    <dgm:txEffectClrLst/>
+  </dgm:styleLbl>
+  <dgm:styleLbl name="fgAcc4">
+    <dgm:fillClrLst meth="repeat">
+      <a:schemeClr val="lt1">
+        <a:alpha val="90000"/>
+      </a:schemeClr>
+    </dgm:fillClrLst>
+    <dgm:linClrLst meth="repeat">
+      <a:schemeClr val="accent1"/>
+    </dgm:linClrLst>
+    <dgm:effectClrLst/>
+    <dgm:txLinClrLst/>
+    <dgm:txFillClrLst meth="repeat">
+      <a:schemeClr val="dk1"/>
+    </dgm:txFillClrLst>
+    <dgm:txEffectClrLst/>
+  </dgm:styleLbl>
+  <dgm:styleLbl name="bgShp">
+    <dgm:fillClrLst meth="repeat">
+      <a:schemeClr val="accent1">
+        <a:tint val="40000"/>
+      </a:schemeClr>
+    </dgm:fillClrLst>
+    <dgm:linClrLst meth="repeat">
+      <a:schemeClr val="accent1"/>
+    </dgm:linClrLst>
+    <dgm:effectClrLst/>
+    <dgm:txLinClrLst/>
+    <dgm:txFillClrLst meth="repeat">
+      <a:schemeClr val="dk1"/>
+    </dgm:txFillClrLst>
+    <dgm:txEffectClrLst/>
+  </dgm:styleLbl>
+  <dgm:styleLbl name="dkBgShp">
+    <dgm:fillClrLst meth="repeat">
+      <a:schemeClr val="accent1">
+        <a:shade val="80000"/>
+      </a:schemeClr>
+    </dgm:fillClrLst>
+    <dgm:linClrLst meth="repeat">
+      <a:schemeClr val="accent1"/>
+    </dgm:linClrLst>
+    <dgm:effectClrLst/>
+    <dgm:txLinClrLst/>
+    <dgm:txFillClrLst meth="repeat">
+      <a:schemeClr val="lt1"/>
+    </dgm:txFillClrLst>
+    <dgm:txEffectClrLst/>
+  </dgm:styleLbl>
+  <dgm:styleLbl name="trBgShp">
+    <dgm:fillClrLst meth="repeat">
+      <a:schemeClr val="accent1">
+        <a:tint val="50000"/>
+        <a:alpha val="40000"/>
+      </a:schemeClr>
+    </dgm:fillClrLst>
+    <dgm:linClrLst meth="repeat">
+      <a:schemeClr val="accent1"/>
+    </dgm:linClrLst>
+    <dgm:effectClrLst/>
+    <dgm:txLinClrLst/>
+    <dgm:txFillClrLst meth="repeat">
+      <a:schemeClr val="lt1"/>
+    </dgm:txFillClrLst>
+    <dgm:txEffectClrLst/>
+  </dgm:styleLbl>
+  <dgm:styleLbl name="fgShp">
+    <dgm:fillClrLst meth="repeat">
+      <a:schemeClr val="accent1">
+        <a:tint val="60000"/>
+      </a:schemeClr>
+    </dgm:fillClrLst>
+    <dgm:linClrLst meth="repeat">
+      <a:schemeClr val="lt1"/>
+    </dgm:linClrLst>
+    <dgm:effectClrLst/>
+    <dgm:txLinClrLst/>
+    <dgm:txFillClrLst meth="repeat">
+      <a:schemeClr val="dk1"/>
+    </dgm:txFillClrLst>
+    <dgm:txEffectClrLst/>
+  </dgm:styleLbl>
+  <dgm:styleLbl name="revTx">
+    <dgm:fillClrLst meth="repeat">
+      <a:schemeClr val="lt1">
+        <a:alpha val="0"/>
+      </a:schemeClr>
+    </dgm:fillClrLst>
+    <dgm:linClrLst meth="repeat">
+      <a:schemeClr val="dk1">
+        <a:alpha val="0"/>
+      </a:schemeClr>
+    </dgm:linClrLst>
+    <dgm:effectClrLst/>
+    <dgm:txLinClrLst/>
+    <dgm:txFillClrLst meth="repeat">
+      <a:schemeClr val="tx1"/>
+    </dgm:txFillClrLst>
+    <dgm:txEffectClrLst/>
+  </dgm:styleLbl>
+</dgm:colorsDef>
+</file>
+
+<file path=ppt/diagrams/colors6.xml><?xml version="1.0" encoding="utf-8"?>
 <dgm:colorsDef xmlns:dgm="http://schemas.openxmlformats.org/drawingml/2006/diagram" xmlns:a="http://schemas.openxmlformats.org/drawingml/2006/main" uniqueId="urn:microsoft.com/office/officeart/2005/8/colors/accent1_2">
   <dgm:title val=""/>
   <dgm:desc val=""/>
@@ -5986,6 +6735,434 @@
               </a:ext>
               <a:ext uri="{96DAC541-7B7A-43D3-8B79-37D633B846F1}">
                 <asvg:svgBlip xmlns:asvg="http://schemas.microsoft.com/office/drawing/2016/SVG/main" r:embed="rId9"/>
+              </a:ext>
+            </a:extLst>
+          </a:blip>
+          <a:stretch>
+            <a:fillRect/>
+          </a:stretch>
+        </a:blipFill>
+      </dgm:spPr>
+      <dgm:extLst>
+        <a:ext uri="{E40237B7-FDA0-4F09-8148-C483321AD2D9}">
+          <dgm14:cNvPr xmlns:dgm14="http://schemas.microsoft.com/office/drawing/2010/diagram" id="0" name="" descr="Projector"/>
+        </a:ext>
+      </dgm:extLst>
+    </dgm:pt>
+    <dgm:pt modelId="{806002CB-A457-44F2-A2DD-11D2572CD18C}" type="pres">
+      <dgm:prSet presAssocID="{D18979C8-D283-4F11-8056-816DA377F0C0}" presName="spaceRect" presStyleCnt="0"/>
+      <dgm:spPr/>
+    </dgm:pt>
+    <dgm:pt modelId="{77CFAC55-D3CF-45EA-A63C-9656646CA42E}" type="pres">
+      <dgm:prSet presAssocID="{D18979C8-D283-4F11-8056-816DA377F0C0}" presName="parTx" presStyleLbl="revTx" presStyleIdx="3" presStyleCnt="4">
+        <dgm:presLayoutVars>
+          <dgm:chMax val="0"/>
+          <dgm:chPref val="0"/>
+        </dgm:presLayoutVars>
+      </dgm:prSet>
+      <dgm:spPr/>
+    </dgm:pt>
+  </dgm:ptLst>
+  <dgm:cxnLst>
+    <dgm:cxn modelId="{ABD03D04-9D53-4E00-AB81-F25AC035AAD4}" srcId="{730B5E20-22E8-49EE-849D-2F09EB7C5E55}" destId="{D23F440E-398D-41B6-A80F-74494D5847CA}" srcOrd="0" destOrd="0" parTransId="{90B11B28-5797-4553-BCD6-924D483AEFA1}" sibTransId="{039D6CC6-CBE0-4615-AC1E-542A7D83BEE4}"/>
+    <dgm:cxn modelId="{B69A751B-F5A4-4FDF-A1ED-C6E1EE94BDBA}" type="presOf" srcId="{F8289849-E987-4255-8EC8-44B4F81CB10E}" destId="{7DE8E408-DE79-443F-8629-C089FBA689E3}" srcOrd="0" destOrd="0" presId="urn:microsoft.com/office/officeart/2018/2/layout/IconVerticalSolidList"/>
+    <dgm:cxn modelId="{2C52642D-1657-4F8D-BBDD-B987CC65BE05}" srcId="{730B5E20-22E8-49EE-849D-2F09EB7C5E55}" destId="{D18979C8-D283-4F11-8056-816DA377F0C0}" srcOrd="3" destOrd="0" parTransId="{88215926-66BF-48C4-A93B-2B9055E4B30E}" sibTransId="{69F2F367-DB05-4C42-B3B6-E5FAE86F9F26}"/>
+    <dgm:cxn modelId="{27CB5032-1C28-4B71-9DE7-3B8573DAA06B}" type="presOf" srcId="{D18979C8-D283-4F11-8056-816DA377F0C0}" destId="{77CFAC55-D3CF-45EA-A63C-9656646CA42E}" srcOrd="0" destOrd="0" presId="urn:microsoft.com/office/officeart/2018/2/layout/IconVerticalSolidList"/>
+    <dgm:cxn modelId="{36BA1767-35CA-4C91-93C5-94F0ADD921AD}" type="presOf" srcId="{730B5E20-22E8-49EE-849D-2F09EB7C5E55}" destId="{933F326E-830B-4831-B1CB-C533857382D0}" srcOrd="0" destOrd="0" presId="urn:microsoft.com/office/officeart/2018/2/layout/IconVerticalSolidList"/>
+    <dgm:cxn modelId="{70466650-EF21-44D4-9C56-FBD4098B58CE}" srcId="{730B5E20-22E8-49EE-849D-2F09EB7C5E55}" destId="{B987AC83-493B-4B18-BBDE-1E83EAF7E925}" srcOrd="2" destOrd="0" parTransId="{8B487908-3605-4A42-980E-D4512632196F}" sibTransId="{3871E768-D972-4239-9CDD-D2C93D59DC76}"/>
+    <dgm:cxn modelId="{0DECB193-7D07-48D4-B4D0-8A44B02B0EFC}" srcId="{730B5E20-22E8-49EE-849D-2F09EB7C5E55}" destId="{F8289849-E987-4255-8EC8-44B4F81CB10E}" srcOrd="1" destOrd="0" parTransId="{58406139-B729-43A1-9AA7-0431547BE2D4}" sibTransId="{CFDFBA7F-EFFF-4644-9D4D-D4EA2AB33D7D}"/>
+    <dgm:cxn modelId="{44162A95-8BE4-488C-B835-013E9523D7C9}" type="presOf" srcId="{B987AC83-493B-4B18-BBDE-1E83EAF7E925}" destId="{B9DB9720-3FDF-4ACB-85FA-66976B22A528}" srcOrd="0" destOrd="0" presId="urn:microsoft.com/office/officeart/2018/2/layout/IconVerticalSolidList"/>
+    <dgm:cxn modelId="{CBA314A9-2DA4-4A96-8AAA-82DB60A2107B}" type="presOf" srcId="{D23F440E-398D-41B6-A80F-74494D5847CA}" destId="{E59E20F8-4207-45B4-B668-018957100416}" srcOrd="0" destOrd="0" presId="urn:microsoft.com/office/officeart/2018/2/layout/IconVerticalSolidList"/>
+    <dgm:cxn modelId="{9530F58C-F371-4809-A58E-6A168C19975B}" type="presParOf" srcId="{933F326E-830B-4831-B1CB-C533857382D0}" destId="{76D33545-207A-477F-A16B-BB2B9D7F2D3A}" srcOrd="0" destOrd="0" presId="urn:microsoft.com/office/officeart/2018/2/layout/IconVerticalSolidList"/>
+    <dgm:cxn modelId="{E451D301-FBDE-471F-ABE3-C1348C32FA64}" type="presParOf" srcId="{76D33545-207A-477F-A16B-BB2B9D7F2D3A}" destId="{8FAC3CA6-DB25-4C68-BA9A-AD1D71B4FF5F}" srcOrd="0" destOrd="0" presId="urn:microsoft.com/office/officeart/2018/2/layout/IconVerticalSolidList"/>
+    <dgm:cxn modelId="{14E7CD92-A38A-4FAF-9BA9-5FF42774E845}" type="presParOf" srcId="{76D33545-207A-477F-A16B-BB2B9D7F2D3A}" destId="{EE8C7A60-76B2-49C3-B369-A96EA3E5C2D4}" srcOrd="1" destOrd="0" presId="urn:microsoft.com/office/officeart/2018/2/layout/IconVerticalSolidList"/>
+    <dgm:cxn modelId="{5D26878D-4F9B-405F-8E85-83F7C0F8E1DB}" type="presParOf" srcId="{76D33545-207A-477F-A16B-BB2B9D7F2D3A}" destId="{B6D7E020-35D4-4D94-A1B9-406EAB63801E}" srcOrd="2" destOrd="0" presId="urn:microsoft.com/office/officeart/2018/2/layout/IconVerticalSolidList"/>
+    <dgm:cxn modelId="{C9133D54-CFA6-4961-AF72-CCA5E88723C5}" type="presParOf" srcId="{76D33545-207A-477F-A16B-BB2B9D7F2D3A}" destId="{E59E20F8-4207-45B4-B668-018957100416}" srcOrd="3" destOrd="0" presId="urn:microsoft.com/office/officeart/2018/2/layout/IconVerticalSolidList"/>
+    <dgm:cxn modelId="{CD16DBD8-D5DB-4E7C-B56A-F7994BF3480C}" type="presParOf" srcId="{933F326E-830B-4831-B1CB-C533857382D0}" destId="{5E9395D8-4450-4F9F-846C-719251944482}" srcOrd="1" destOrd="0" presId="urn:microsoft.com/office/officeart/2018/2/layout/IconVerticalSolidList"/>
+    <dgm:cxn modelId="{C5884024-B1F3-44A6-AAC9-EA7FDF63D1F4}" type="presParOf" srcId="{933F326E-830B-4831-B1CB-C533857382D0}" destId="{4317EA3C-F64C-49F9-8D0C-2AD3C7D8B19A}" srcOrd="2" destOrd="0" presId="urn:microsoft.com/office/officeart/2018/2/layout/IconVerticalSolidList"/>
+    <dgm:cxn modelId="{B61F5F59-BFC6-4790-A4CB-49481E4A7E67}" type="presParOf" srcId="{4317EA3C-F64C-49F9-8D0C-2AD3C7D8B19A}" destId="{37F77629-432B-4A69-837C-14C65DEDD20C}" srcOrd="0" destOrd="0" presId="urn:microsoft.com/office/officeart/2018/2/layout/IconVerticalSolidList"/>
+    <dgm:cxn modelId="{F26FB358-72F0-4DE0-BF50-574AA8D7675B}" type="presParOf" srcId="{4317EA3C-F64C-49F9-8D0C-2AD3C7D8B19A}" destId="{C1FCEA5C-0298-4163-931F-016E81AAB647}" srcOrd="1" destOrd="0" presId="urn:microsoft.com/office/officeart/2018/2/layout/IconVerticalSolidList"/>
+    <dgm:cxn modelId="{04F992BD-F4A0-4C73-8E88-0DCB02F4B0DA}" type="presParOf" srcId="{4317EA3C-F64C-49F9-8D0C-2AD3C7D8B19A}" destId="{4E01C590-E7DA-4835-86D2-4CCA915CA9A6}" srcOrd="2" destOrd="0" presId="urn:microsoft.com/office/officeart/2018/2/layout/IconVerticalSolidList"/>
+    <dgm:cxn modelId="{D9501396-62D3-464C-AFF5-D80F72C0E0A4}" type="presParOf" srcId="{4317EA3C-F64C-49F9-8D0C-2AD3C7D8B19A}" destId="{7DE8E408-DE79-443F-8629-C089FBA689E3}" srcOrd="3" destOrd="0" presId="urn:microsoft.com/office/officeart/2018/2/layout/IconVerticalSolidList"/>
+    <dgm:cxn modelId="{B64CE750-A220-423D-A5EB-CB9BECD78567}" type="presParOf" srcId="{933F326E-830B-4831-B1CB-C533857382D0}" destId="{6F5BEA2C-D35A-40CD-AADB-C93FF0714F82}" srcOrd="3" destOrd="0" presId="urn:microsoft.com/office/officeart/2018/2/layout/IconVerticalSolidList"/>
+    <dgm:cxn modelId="{CEE0C149-DA4E-4DAA-86E5-5BAFB611B822}" type="presParOf" srcId="{933F326E-830B-4831-B1CB-C533857382D0}" destId="{061BB9BD-3EFB-484E-9E1E-584C8BD2EBBC}" srcOrd="4" destOrd="0" presId="urn:microsoft.com/office/officeart/2018/2/layout/IconVerticalSolidList"/>
+    <dgm:cxn modelId="{A46EC668-5ED2-4686-99BE-1BD7F730D13B}" type="presParOf" srcId="{061BB9BD-3EFB-484E-9E1E-584C8BD2EBBC}" destId="{7760943E-59EA-4625-8C71-92A18A3E7522}" srcOrd="0" destOrd="0" presId="urn:microsoft.com/office/officeart/2018/2/layout/IconVerticalSolidList"/>
+    <dgm:cxn modelId="{A9A84054-A6B0-499D-BCD3-576032380D45}" type="presParOf" srcId="{061BB9BD-3EFB-484E-9E1E-584C8BD2EBBC}" destId="{676EE63F-6485-4E2A-ABAE-83CF265BF069}" srcOrd="1" destOrd="0" presId="urn:microsoft.com/office/officeart/2018/2/layout/IconVerticalSolidList"/>
+    <dgm:cxn modelId="{194187CE-E057-4230-A3BD-9459A03BE67D}" type="presParOf" srcId="{061BB9BD-3EFB-484E-9E1E-584C8BD2EBBC}" destId="{028304A6-CF27-4F1D-99F6-FE8D277AEE17}" srcOrd="2" destOrd="0" presId="urn:microsoft.com/office/officeart/2018/2/layout/IconVerticalSolidList"/>
+    <dgm:cxn modelId="{8C1E721E-A458-4A52-900B-6C798D950C87}" type="presParOf" srcId="{061BB9BD-3EFB-484E-9E1E-584C8BD2EBBC}" destId="{B9DB9720-3FDF-4ACB-85FA-66976B22A528}" srcOrd="3" destOrd="0" presId="urn:microsoft.com/office/officeart/2018/2/layout/IconVerticalSolidList"/>
+    <dgm:cxn modelId="{0F6C0F8A-C0DA-459D-A474-7474A6218E97}" type="presParOf" srcId="{933F326E-830B-4831-B1CB-C533857382D0}" destId="{2B0E55DF-6C35-4664-BC0E-365BF51E4C99}" srcOrd="5" destOrd="0" presId="urn:microsoft.com/office/officeart/2018/2/layout/IconVerticalSolidList"/>
+    <dgm:cxn modelId="{C21BD3D6-F6A4-4D28-8A3D-E08E8BD04862}" type="presParOf" srcId="{933F326E-830B-4831-B1CB-C533857382D0}" destId="{F128A80F-4611-4111-9193-176AF502C376}" srcOrd="6" destOrd="0" presId="urn:microsoft.com/office/officeart/2018/2/layout/IconVerticalSolidList"/>
+    <dgm:cxn modelId="{7B6F3B4D-5C95-42B1-92C1-75F8AB45D4B7}" type="presParOf" srcId="{F128A80F-4611-4111-9193-176AF502C376}" destId="{79AEF808-314B-4C4B-82AA-6EEA54A65F07}" srcOrd="0" destOrd="0" presId="urn:microsoft.com/office/officeart/2018/2/layout/IconVerticalSolidList"/>
+    <dgm:cxn modelId="{F14DA5EF-E538-446F-BE7C-45C876E34890}" type="presParOf" srcId="{F128A80F-4611-4111-9193-176AF502C376}" destId="{73575651-229C-4229-B203-88512EEA95C5}" srcOrd="1" destOrd="0" presId="urn:microsoft.com/office/officeart/2018/2/layout/IconVerticalSolidList"/>
+    <dgm:cxn modelId="{E9A85B14-90AD-48A2-9B16-6090607A5F65}" type="presParOf" srcId="{F128A80F-4611-4111-9193-176AF502C376}" destId="{806002CB-A457-44F2-A2DD-11D2572CD18C}" srcOrd="2" destOrd="0" presId="urn:microsoft.com/office/officeart/2018/2/layout/IconVerticalSolidList"/>
+    <dgm:cxn modelId="{18B0CAC5-6463-418B-8377-8680A23E679D}" type="presParOf" srcId="{F128A80F-4611-4111-9193-176AF502C376}" destId="{77CFAC55-D3CF-45EA-A63C-9656646CA42E}" srcOrd="3" destOrd="0" presId="urn:microsoft.com/office/officeart/2018/2/layout/IconVerticalSolidList"/>
+  </dgm:cxnLst>
+  <dgm:bg/>
+  <dgm:whole/>
+  <dgm:extLst>
+    <a:ext uri="http://schemas.microsoft.com/office/drawing/2008/diagram">
+      <dsp:dataModelExt xmlns:dsp="http://schemas.microsoft.com/office/drawing/2008/diagram" relId="rId6" minVer="http://schemas.openxmlformats.org/drawingml/2006/diagram"/>
+    </a:ext>
+  </dgm:extLst>
+</dgm:dataModel>
+</file>
+
+<file path=ppt/diagrams/data6.xml><?xml version="1.0" encoding="utf-8"?>
+<dgm:dataModel xmlns:dgm="http://schemas.openxmlformats.org/drawingml/2006/diagram" xmlns:a="http://schemas.openxmlformats.org/drawingml/2006/main">
+  <dgm:ptLst>
+    <dgm:pt modelId="{730B5E20-22E8-49EE-849D-2F09EB7C5E55}" type="doc">
+      <dgm:prSet loTypeId="urn:microsoft.com/office/officeart/2018/2/layout/IconVerticalSolidList" loCatId="icon" qsTypeId="urn:microsoft.com/office/officeart/2005/8/quickstyle/simple1" qsCatId="simple" csTypeId="urn:microsoft.com/office/officeart/2005/8/colors/accent1_2" csCatId="accent1" phldr="1"/>
+      <dgm:spPr/>
+      <dgm:t>
+        <a:bodyPr/>
+        <a:lstStyle/>
+        <a:p>
+          <a:endParaRPr lang="en-US"/>
+        </a:p>
+      </dgm:t>
+    </dgm:pt>
+    <dgm:pt modelId="{D23F440E-398D-41B6-A80F-74494D5847CA}">
+      <dgm:prSet/>
+      <dgm:spPr/>
+      <dgm:t>
+        <a:bodyPr/>
+        <a:lstStyle/>
+        <a:p>
+          <a:pPr>
+            <a:lnSpc>
+              <a:spcPct val="100000"/>
+            </a:lnSpc>
+          </a:pPr>
+          <a:r>
+            <a:rPr lang="en-US" dirty="0"/>
+            <a:t>All subscribers need to follow the same interface, so that the Subject/Publisher can interact uniformly with them</a:t>
+          </a:r>
+        </a:p>
+      </dgm:t>
+    </dgm:pt>
+    <dgm:pt modelId="{90B11B28-5797-4553-BCD6-924D483AEFA1}" type="parTrans" cxnId="{ABD03D04-9D53-4E00-AB81-F25AC035AAD4}">
+      <dgm:prSet/>
+      <dgm:spPr/>
+      <dgm:t>
+        <a:bodyPr/>
+        <a:lstStyle/>
+        <a:p>
+          <a:endParaRPr lang="en-US"/>
+        </a:p>
+      </dgm:t>
+    </dgm:pt>
+    <dgm:pt modelId="{039D6CC6-CBE0-4615-AC1E-542A7D83BEE4}" type="sibTrans" cxnId="{ABD03D04-9D53-4E00-AB81-F25AC035AAD4}">
+      <dgm:prSet/>
+      <dgm:spPr/>
+      <dgm:t>
+        <a:bodyPr/>
+        <a:lstStyle/>
+        <a:p>
+          <a:endParaRPr lang="en-US"/>
+        </a:p>
+      </dgm:t>
+    </dgm:pt>
+    <dgm:pt modelId="{F8289849-E987-4255-8EC8-44B4F81CB10E}">
+      <dgm:prSet/>
+      <dgm:spPr/>
+      <dgm:t>
+        <a:bodyPr/>
+        <a:lstStyle/>
+        <a:p>
+          <a:pPr>
+            <a:lnSpc>
+              <a:spcPct val="100000"/>
+            </a:lnSpc>
+          </a:pPr>
+          <a:r>
+            <a:rPr lang="en-US" dirty="0"/>
+            <a:t>Usually, 1 to many relationship (1 observable with many subscribers)</a:t>
+          </a:r>
+        </a:p>
+      </dgm:t>
+    </dgm:pt>
+    <dgm:pt modelId="{58406139-B729-43A1-9AA7-0431547BE2D4}" type="parTrans" cxnId="{0DECB193-7D07-48D4-B4D0-8A44B02B0EFC}">
+      <dgm:prSet/>
+      <dgm:spPr/>
+      <dgm:t>
+        <a:bodyPr/>
+        <a:lstStyle/>
+        <a:p>
+          <a:endParaRPr lang="en-US"/>
+        </a:p>
+      </dgm:t>
+    </dgm:pt>
+    <dgm:pt modelId="{CFDFBA7F-EFFF-4644-9D4D-D4EA2AB33D7D}" type="sibTrans" cxnId="{0DECB193-7D07-48D4-B4D0-8A44B02B0EFC}">
+      <dgm:prSet/>
+      <dgm:spPr/>
+      <dgm:t>
+        <a:bodyPr/>
+        <a:lstStyle/>
+        <a:p>
+          <a:endParaRPr lang="en-US"/>
+        </a:p>
+      </dgm:t>
+    </dgm:pt>
+    <dgm:pt modelId="{B987AC83-493B-4B18-BBDE-1E83EAF7E925}">
+      <dgm:prSet/>
+      <dgm:spPr/>
+      <dgm:t>
+        <a:bodyPr/>
+        <a:lstStyle/>
+        <a:p>
+          <a:pPr>
+            <a:lnSpc>
+              <a:spcPct val="100000"/>
+            </a:lnSpc>
+          </a:pPr>
+          <a:r>
+            <a:rPr lang="en-US" dirty="0"/>
+            <a:t>Change subscribers at runtime</a:t>
+          </a:r>
+        </a:p>
+      </dgm:t>
+    </dgm:pt>
+    <dgm:pt modelId="{8B487908-3605-4A42-980E-D4512632196F}" type="parTrans" cxnId="{70466650-EF21-44D4-9C56-FBD4098B58CE}">
+      <dgm:prSet/>
+      <dgm:spPr/>
+      <dgm:t>
+        <a:bodyPr/>
+        <a:lstStyle/>
+        <a:p>
+          <a:endParaRPr lang="en-US"/>
+        </a:p>
+      </dgm:t>
+    </dgm:pt>
+    <dgm:pt modelId="{3871E768-D972-4239-9CDD-D2C93D59DC76}" type="sibTrans" cxnId="{70466650-EF21-44D4-9C56-FBD4098B58CE}">
+      <dgm:prSet/>
+      <dgm:spPr/>
+      <dgm:t>
+        <a:bodyPr/>
+        <a:lstStyle/>
+        <a:p>
+          <a:endParaRPr lang="en-US"/>
+        </a:p>
+      </dgm:t>
+    </dgm:pt>
+    <dgm:pt modelId="{D18979C8-D283-4F11-8056-816DA377F0C0}">
+      <dgm:prSet/>
+      <dgm:spPr/>
+      <dgm:t>
+        <a:bodyPr/>
+        <a:lstStyle/>
+        <a:p>
+          <a:pPr>
+            <a:lnSpc>
+              <a:spcPct val="100000"/>
+            </a:lnSpc>
+          </a:pPr>
+          <a:r>
+            <a:rPr lang="en-US" dirty="0"/>
+            <a:t>Can make debugging difficult, can lead to unexpected updates</a:t>
+          </a:r>
+        </a:p>
+      </dgm:t>
+    </dgm:pt>
+    <dgm:pt modelId="{88215926-66BF-48C4-A93B-2B9055E4B30E}" type="parTrans" cxnId="{2C52642D-1657-4F8D-BBDD-B987CC65BE05}">
+      <dgm:prSet/>
+      <dgm:spPr/>
+      <dgm:t>
+        <a:bodyPr/>
+        <a:lstStyle/>
+        <a:p>
+          <a:endParaRPr lang="en-US"/>
+        </a:p>
+      </dgm:t>
+    </dgm:pt>
+    <dgm:pt modelId="{69F2F367-DB05-4C42-B3B6-E5FAE86F9F26}" type="sibTrans" cxnId="{2C52642D-1657-4F8D-BBDD-B987CC65BE05}">
+      <dgm:prSet/>
+      <dgm:spPr/>
+      <dgm:t>
+        <a:bodyPr/>
+        <a:lstStyle/>
+        <a:p>
+          <a:endParaRPr lang="en-US"/>
+        </a:p>
+      </dgm:t>
+    </dgm:pt>
+    <dgm:pt modelId="{933F326E-830B-4831-B1CB-C533857382D0}" type="pres">
+      <dgm:prSet presAssocID="{730B5E20-22E8-49EE-849D-2F09EB7C5E55}" presName="root" presStyleCnt="0">
+        <dgm:presLayoutVars>
+          <dgm:dir/>
+          <dgm:resizeHandles val="exact"/>
+        </dgm:presLayoutVars>
+      </dgm:prSet>
+      <dgm:spPr/>
+    </dgm:pt>
+    <dgm:pt modelId="{76D33545-207A-477F-A16B-BB2B9D7F2D3A}" type="pres">
+      <dgm:prSet presAssocID="{D23F440E-398D-41B6-A80F-74494D5847CA}" presName="compNode" presStyleCnt="0"/>
+      <dgm:spPr/>
+    </dgm:pt>
+    <dgm:pt modelId="{8FAC3CA6-DB25-4C68-BA9A-AD1D71B4FF5F}" type="pres">
+      <dgm:prSet presAssocID="{D23F440E-398D-41B6-A80F-74494D5847CA}" presName="bgRect" presStyleLbl="bgShp" presStyleIdx="0" presStyleCnt="4"/>
+      <dgm:spPr/>
+    </dgm:pt>
+    <dgm:pt modelId="{EE8C7A60-76B2-49C3-B369-A96EA3E5C2D4}" type="pres">
+      <dgm:prSet presAssocID="{D23F440E-398D-41B6-A80F-74494D5847CA}" presName="iconRect" presStyleLbl="node1" presStyleIdx="0" presStyleCnt="4"/>
+      <dgm:spPr>
+        <a:blipFill>
+          <a:blip xmlns:r="http://schemas.openxmlformats.org/officeDocument/2006/relationships" r:embed="rId1">
+            <a:extLst>
+              <a:ext uri="{28A0092B-C50C-407E-A947-70E740481C1C}">
+                <a14:useLocalDpi xmlns:a14="http://schemas.microsoft.com/office/drawing/2010/main" val="0"/>
+              </a:ext>
+              <a:ext uri="{96DAC541-7B7A-43D3-8B79-37D633B846F1}">
+                <asvg:svgBlip xmlns:asvg="http://schemas.microsoft.com/office/drawing/2016/SVG/main" r:embed="rId2"/>
+              </a:ext>
+            </a:extLst>
+          </a:blip>
+          <a:stretch>
+            <a:fillRect/>
+          </a:stretch>
+        </a:blipFill>
+      </dgm:spPr>
+      <dgm:extLst>
+        <a:ext uri="{E40237B7-FDA0-4F09-8148-C483321AD2D9}">
+          <dgm14:cNvPr xmlns:dgm14="http://schemas.microsoft.com/office/drawing/2010/diagram" id="0" name="" descr="Cement truck"/>
+        </a:ext>
+      </dgm:extLst>
+    </dgm:pt>
+    <dgm:pt modelId="{B6D7E020-35D4-4D94-A1B9-406EAB63801E}" type="pres">
+      <dgm:prSet presAssocID="{D23F440E-398D-41B6-A80F-74494D5847CA}" presName="spaceRect" presStyleCnt="0"/>
+      <dgm:spPr/>
+    </dgm:pt>
+    <dgm:pt modelId="{E59E20F8-4207-45B4-B668-018957100416}" type="pres">
+      <dgm:prSet presAssocID="{D23F440E-398D-41B6-A80F-74494D5847CA}" presName="parTx" presStyleLbl="revTx" presStyleIdx="0" presStyleCnt="4">
+        <dgm:presLayoutVars>
+          <dgm:chMax val="0"/>
+          <dgm:chPref val="0"/>
+        </dgm:presLayoutVars>
+      </dgm:prSet>
+      <dgm:spPr/>
+    </dgm:pt>
+    <dgm:pt modelId="{5E9395D8-4450-4F9F-846C-719251944482}" type="pres">
+      <dgm:prSet presAssocID="{039D6CC6-CBE0-4615-AC1E-542A7D83BEE4}" presName="sibTrans" presStyleCnt="0"/>
+      <dgm:spPr/>
+    </dgm:pt>
+    <dgm:pt modelId="{4317EA3C-F64C-49F9-8D0C-2AD3C7D8B19A}" type="pres">
+      <dgm:prSet presAssocID="{F8289849-E987-4255-8EC8-44B4F81CB10E}" presName="compNode" presStyleCnt="0"/>
+      <dgm:spPr/>
+    </dgm:pt>
+    <dgm:pt modelId="{37F77629-432B-4A69-837C-14C65DEDD20C}" type="pres">
+      <dgm:prSet presAssocID="{F8289849-E987-4255-8EC8-44B4F81CB10E}" presName="bgRect" presStyleLbl="bgShp" presStyleIdx="1" presStyleCnt="4" custLinFactNeighborX="-15354" custLinFactNeighborY="-9287"/>
+      <dgm:spPr/>
+    </dgm:pt>
+    <dgm:pt modelId="{C1FCEA5C-0298-4163-931F-016E81AAB647}" type="pres">
+      <dgm:prSet presAssocID="{F8289849-E987-4255-8EC8-44B4F81CB10E}" presName="iconRect" presStyleLbl="node1" presStyleIdx="1" presStyleCnt="4"/>
+      <dgm:spPr>
+        <a:blipFill>
+          <a:blip xmlns:r="http://schemas.openxmlformats.org/officeDocument/2006/relationships" r:embed="rId3">
+            <a:extLst>
+              <a:ext uri="{28A0092B-C50C-407E-A947-70E740481C1C}">
+                <a14:useLocalDpi xmlns:a14="http://schemas.microsoft.com/office/drawing/2010/main" val="0"/>
+              </a:ext>
+              <a:ext uri="{96DAC541-7B7A-43D3-8B79-37D633B846F1}">
+                <asvg:svgBlip xmlns:asvg="http://schemas.microsoft.com/office/drawing/2016/SVG/main" r:embed="rId4"/>
+              </a:ext>
+            </a:extLst>
+          </a:blip>
+          <a:stretch>
+            <a:fillRect/>
+          </a:stretch>
+        </a:blipFill>
+      </dgm:spPr>
+      <dgm:extLst>
+        <a:ext uri="{E40237B7-FDA0-4F09-8148-C483321AD2D9}">
+          <dgm14:cNvPr xmlns:dgm14="http://schemas.microsoft.com/office/drawing/2010/diagram" id="0" name="" descr="Excavator"/>
+        </a:ext>
+      </dgm:extLst>
+    </dgm:pt>
+    <dgm:pt modelId="{4E01C590-E7DA-4835-86D2-4CCA915CA9A6}" type="pres">
+      <dgm:prSet presAssocID="{F8289849-E987-4255-8EC8-44B4F81CB10E}" presName="spaceRect" presStyleCnt="0"/>
+      <dgm:spPr/>
+    </dgm:pt>
+    <dgm:pt modelId="{7DE8E408-DE79-443F-8629-C089FBA689E3}" type="pres">
+      <dgm:prSet presAssocID="{F8289849-E987-4255-8EC8-44B4F81CB10E}" presName="parTx" presStyleLbl="revTx" presStyleIdx="1" presStyleCnt="4">
+        <dgm:presLayoutVars>
+          <dgm:chMax val="0"/>
+          <dgm:chPref val="0"/>
+        </dgm:presLayoutVars>
+      </dgm:prSet>
+      <dgm:spPr/>
+    </dgm:pt>
+    <dgm:pt modelId="{6F5BEA2C-D35A-40CD-AADB-C93FF0714F82}" type="pres">
+      <dgm:prSet presAssocID="{CFDFBA7F-EFFF-4644-9D4D-D4EA2AB33D7D}" presName="sibTrans" presStyleCnt="0"/>
+      <dgm:spPr/>
+    </dgm:pt>
+    <dgm:pt modelId="{061BB9BD-3EFB-484E-9E1E-584C8BD2EBBC}" type="pres">
+      <dgm:prSet presAssocID="{B987AC83-493B-4B18-BBDE-1E83EAF7E925}" presName="compNode" presStyleCnt="0"/>
+      <dgm:spPr/>
+    </dgm:pt>
+    <dgm:pt modelId="{7760943E-59EA-4625-8C71-92A18A3E7522}" type="pres">
+      <dgm:prSet presAssocID="{B987AC83-493B-4B18-BBDE-1E83EAF7E925}" presName="bgRect" presStyleLbl="bgShp" presStyleIdx="2" presStyleCnt="4"/>
+      <dgm:spPr/>
+    </dgm:pt>
+    <dgm:pt modelId="{676EE63F-6485-4E2A-ABAE-83CF265BF069}" type="pres">
+      <dgm:prSet presAssocID="{B987AC83-493B-4B18-BBDE-1E83EAF7E925}" presName="iconRect" presStyleLbl="node1" presStyleIdx="2" presStyleCnt="4"/>
+      <dgm:spPr>
+        <a:blipFill>
+          <a:blip xmlns:r="http://schemas.openxmlformats.org/officeDocument/2006/relationships" r:embed="rId5">
+            <a:extLst>
+              <a:ext uri="{28A0092B-C50C-407E-A947-70E740481C1C}">
+                <a14:useLocalDpi xmlns:a14="http://schemas.microsoft.com/office/drawing/2010/main" val="0"/>
+              </a:ext>
+              <a:ext uri="{96DAC541-7B7A-43D3-8B79-37D633B846F1}">
+                <asvg:svgBlip xmlns:asvg="http://schemas.microsoft.com/office/drawing/2016/SVG/main" r:embed="rId6"/>
+              </a:ext>
+            </a:extLst>
+          </a:blip>
+          <a:stretch>
+            <a:fillRect/>
+          </a:stretch>
+        </a:blipFill>
+      </dgm:spPr>
+      <dgm:extLst>
+        <a:ext uri="{E40237B7-FDA0-4F09-8148-C483321AD2D9}">
+          <dgm14:cNvPr xmlns:dgm14="http://schemas.microsoft.com/office/drawing/2010/diagram" id="0" name="" descr="Factory"/>
+        </a:ext>
+      </dgm:extLst>
+    </dgm:pt>
+    <dgm:pt modelId="{028304A6-CF27-4F1D-99F6-FE8D277AEE17}" type="pres">
+      <dgm:prSet presAssocID="{B987AC83-493B-4B18-BBDE-1E83EAF7E925}" presName="spaceRect" presStyleCnt="0"/>
+      <dgm:spPr/>
+    </dgm:pt>
+    <dgm:pt modelId="{B9DB9720-3FDF-4ACB-85FA-66976B22A528}" type="pres">
+      <dgm:prSet presAssocID="{B987AC83-493B-4B18-BBDE-1E83EAF7E925}" presName="parTx" presStyleLbl="revTx" presStyleIdx="2" presStyleCnt="4">
+        <dgm:presLayoutVars>
+          <dgm:chMax val="0"/>
+          <dgm:chPref val="0"/>
+        </dgm:presLayoutVars>
+      </dgm:prSet>
+      <dgm:spPr/>
+    </dgm:pt>
+    <dgm:pt modelId="{2B0E55DF-6C35-4664-BC0E-365BF51E4C99}" type="pres">
+      <dgm:prSet presAssocID="{3871E768-D972-4239-9CDD-D2C93D59DC76}" presName="sibTrans" presStyleCnt="0"/>
+      <dgm:spPr/>
+    </dgm:pt>
+    <dgm:pt modelId="{F128A80F-4611-4111-9193-176AF502C376}" type="pres">
+      <dgm:prSet presAssocID="{D18979C8-D283-4F11-8056-816DA377F0C0}" presName="compNode" presStyleCnt="0"/>
+      <dgm:spPr/>
+    </dgm:pt>
+    <dgm:pt modelId="{79AEF808-314B-4C4B-82AA-6EEA54A65F07}" type="pres">
+      <dgm:prSet presAssocID="{D18979C8-D283-4F11-8056-816DA377F0C0}" presName="bgRect" presStyleLbl="bgShp" presStyleIdx="3" presStyleCnt="4"/>
+      <dgm:spPr/>
+    </dgm:pt>
+    <dgm:pt modelId="{73575651-229C-4229-B203-88512EEA95C5}" type="pres">
+      <dgm:prSet presAssocID="{D18979C8-D283-4F11-8056-816DA377F0C0}" presName="iconRect" presStyleLbl="node1" presStyleIdx="3" presStyleCnt="4"/>
+      <dgm:spPr>
+        <a:blipFill>
+          <a:blip xmlns:r="http://schemas.openxmlformats.org/officeDocument/2006/relationships" r:embed="rId7">
+            <a:extLst>
+              <a:ext uri="{28A0092B-C50C-407E-A947-70E740481C1C}">
+                <a14:useLocalDpi xmlns:a14="http://schemas.microsoft.com/office/drawing/2010/main" val="0"/>
+              </a:ext>
+              <a:ext uri="{96DAC541-7B7A-43D3-8B79-37D633B846F1}">
+                <asvg:svgBlip xmlns:asvg="http://schemas.microsoft.com/office/drawing/2016/SVG/main" r:embed="rId8"/>
               </a:ext>
             </a:extLst>
           </a:blip>
@@ -9309,6 +10486,650 @@
 </dsp:drawing>
 </file>
 
+<file path=ppt/diagrams/drawing6.xml><?xml version="1.0" encoding="utf-8"?>
+<dsp:drawing xmlns:dgm="http://schemas.openxmlformats.org/drawingml/2006/diagram" xmlns:dsp="http://schemas.microsoft.com/office/drawing/2008/diagram" xmlns:a="http://schemas.openxmlformats.org/drawingml/2006/main">
+  <dsp:spTree>
+    <dsp:nvGrpSpPr>
+      <dsp:cNvPr id="0" name=""/>
+      <dsp:cNvGrpSpPr/>
+    </dsp:nvGrpSpPr>
+    <dsp:grpSpPr/>
+    <dsp:sp modelId="{8FAC3CA6-DB25-4C68-BA9A-AD1D71B4FF5F}">
+      <dsp:nvSpPr>
+        <dsp:cNvPr id="0" name=""/>
+        <dsp:cNvSpPr/>
+      </dsp:nvSpPr>
+      <dsp:spPr>
+        <a:xfrm>
+          <a:off x="0" y="1555"/>
+          <a:ext cx="4639736" cy="788438"/>
+        </a:xfrm>
+        <a:prstGeom prst="roundRect">
+          <a:avLst>
+            <a:gd name="adj" fmla="val 10000"/>
+          </a:avLst>
+        </a:prstGeom>
+        <a:solidFill>
+          <a:schemeClr val="accent1">
+            <a:tint val="40000"/>
+            <a:hueOff val="0"/>
+            <a:satOff val="0"/>
+            <a:lumOff val="0"/>
+            <a:alphaOff val="0"/>
+          </a:schemeClr>
+        </a:solidFill>
+        <a:ln>
+          <a:noFill/>
+        </a:ln>
+        <a:effectLst/>
+      </dsp:spPr>
+      <dsp:style>
+        <a:lnRef idx="0">
+          <a:scrgbClr r="0" g="0" b="0"/>
+        </a:lnRef>
+        <a:fillRef idx="1">
+          <a:scrgbClr r="0" g="0" b="0"/>
+        </a:fillRef>
+        <a:effectRef idx="0">
+          <a:scrgbClr r="0" g="0" b="0"/>
+        </a:effectRef>
+        <a:fontRef idx="minor"/>
+      </dsp:style>
+    </dsp:sp>
+    <dsp:sp modelId="{EE8C7A60-76B2-49C3-B369-A96EA3E5C2D4}">
+      <dsp:nvSpPr>
+        <dsp:cNvPr id="0" name=""/>
+        <dsp:cNvSpPr/>
+      </dsp:nvSpPr>
+      <dsp:spPr>
+        <a:xfrm>
+          <a:off x="238502" y="178954"/>
+          <a:ext cx="433641" cy="433641"/>
+        </a:xfrm>
+        <a:prstGeom prst="rect">
+          <a:avLst/>
+        </a:prstGeom>
+        <a:blipFill>
+          <a:blip xmlns:r="http://schemas.openxmlformats.org/officeDocument/2006/relationships" r:embed="rId1">
+            <a:extLst>
+              <a:ext uri="{28A0092B-C50C-407E-A947-70E740481C1C}">
+                <a14:useLocalDpi xmlns:a14="http://schemas.microsoft.com/office/drawing/2010/main" val="0"/>
+              </a:ext>
+              <a:ext uri="{96DAC541-7B7A-43D3-8B79-37D633B846F1}">
+                <asvg:svgBlip xmlns:asvg="http://schemas.microsoft.com/office/drawing/2016/SVG/main" r:embed="rId2"/>
+              </a:ext>
+            </a:extLst>
+          </a:blip>
+          <a:stretch>
+            <a:fillRect/>
+          </a:stretch>
+        </a:blipFill>
+        <a:ln w="15875" cap="flat" cmpd="sng" algn="ctr">
+          <a:solidFill>
+            <a:schemeClr val="lt1">
+              <a:hueOff val="0"/>
+              <a:satOff val="0"/>
+              <a:lumOff val="0"/>
+              <a:alphaOff val="0"/>
+            </a:schemeClr>
+          </a:solidFill>
+          <a:prstDash val="solid"/>
+        </a:ln>
+        <a:effectLst/>
+      </dsp:spPr>
+      <dsp:style>
+        <a:lnRef idx="2">
+          <a:scrgbClr r="0" g="0" b="0"/>
+        </a:lnRef>
+        <a:fillRef idx="1">
+          <a:scrgbClr r="0" g="0" b="0"/>
+        </a:fillRef>
+        <a:effectRef idx="0">
+          <a:scrgbClr r="0" g="0" b="0"/>
+        </a:effectRef>
+        <a:fontRef idx="minor">
+          <a:schemeClr val="lt1"/>
+        </a:fontRef>
+      </dsp:style>
+    </dsp:sp>
+    <dsp:sp modelId="{E59E20F8-4207-45B4-B668-018957100416}">
+      <dsp:nvSpPr>
+        <dsp:cNvPr id="0" name=""/>
+        <dsp:cNvSpPr/>
+      </dsp:nvSpPr>
+      <dsp:spPr>
+        <a:xfrm>
+          <a:off x="910646" y="1555"/>
+          <a:ext cx="3729089" cy="788438"/>
+        </a:xfrm>
+        <a:prstGeom prst="rect">
+          <a:avLst/>
+        </a:prstGeom>
+        <a:noFill/>
+        <a:ln>
+          <a:noFill/>
+        </a:ln>
+        <a:effectLst/>
+      </dsp:spPr>
+      <dsp:style>
+        <a:lnRef idx="0">
+          <a:scrgbClr r="0" g="0" b="0"/>
+        </a:lnRef>
+        <a:fillRef idx="0">
+          <a:scrgbClr r="0" g="0" b="0"/>
+        </a:fillRef>
+        <a:effectRef idx="0">
+          <a:scrgbClr r="0" g="0" b="0"/>
+        </a:effectRef>
+        <a:fontRef idx="minor"/>
+      </dsp:style>
+      <dsp:txBody>
+        <a:bodyPr spcFirstLastPara="0" vert="horz" wrap="square" lIns="83443" tIns="83443" rIns="83443" bIns="83443" numCol="1" spcCol="1270" anchor="ctr" anchorCtr="0">
+          <a:noAutofit/>
+        </a:bodyPr>
+        <a:lstStyle/>
+        <a:p>
+          <a:pPr marL="0" lvl="0" indent="0" algn="l" defTabSz="622300">
+            <a:lnSpc>
+              <a:spcPct val="100000"/>
+            </a:lnSpc>
+            <a:spcBef>
+              <a:spcPct val="0"/>
+            </a:spcBef>
+            <a:spcAft>
+              <a:spcPct val="35000"/>
+            </a:spcAft>
+            <a:buNone/>
+          </a:pPr>
+          <a:r>
+            <a:rPr lang="en-US" sz="1400" kern="1200" dirty="0"/>
+            <a:t>All subscribers need to follow the same interface, so that the Subject/Publisher can interact uniformly with them</a:t>
+          </a:r>
+        </a:p>
+      </dsp:txBody>
+      <dsp:txXfrm>
+        <a:off x="910646" y="1555"/>
+        <a:ext cx="3729089" cy="788438"/>
+      </dsp:txXfrm>
+    </dsp:sp>
+    <dsp:sp modelId="{37F77629-432B-4A69-837C-14C65DEDD20C}">
+      <dsp:nvSpPr>
+        <dsp:cNvPr id="0" name=""/>
+        <dsp:cNvSpPr/>
+      </dsp:nvSpPr>
+      <dsp:spPr>
+        <a:xfrm>
+          <a:off x="0" y="913881"/>
+          <a:ext cx="4639736" cy="788438"/>
+        </a:xfrm>
+        <a:prstGeom prst="roundRect">
+          <a:avLst>
+            <a:gd name="adj" fmla="val 10000"/>
+          </a:avLst>
+        </a:prstGeom>
+        <a:solidFill>
+          <a:schemeClr val="accent1">
+            <a:tint val="40000"/>
+            <a:hueOff val="0"/>
+            <a:satOff val="0"/>
+            <a:lumOff val="0"/>
+            <a:alphaOff val="0"/>
+          </a:schemeClr>
+        </a:solidFill>
+        <a:ln>
+          <a:noFill/>
+        </a:ln>
+        <a:effectLst/>
+      </dsp:spPr>
+      <dsp:style>
+        <a:lnRef idx="0">
+          <a:scrgbClr r="0" g="0" b="0"/>
+        </a:lnRef>
+        <a:fillRef idx="1">
+          <a:scrgbClr r="0" g="0" b="0"/>
+        </a:fillRef>
+        <a:effectRef idx="0">
+          <a:scrgbClr r="0" g="0" b="0"/>
+        </a:effectRef>
+        <a:fontRef idx="minor"/>
+      </dsp:style>
+    </dsp:sp>
+    <dsp:sp modelId="{C1FCEA5C-0298-4163-931F-016E81AAB647}">
+      <dsp:nvSpPr>
+        <dsp:cNvPr id="0" name=""/>
+        <dsp:cNvSpPr/>
+      </dsp:nvSpPr>
+      <dsp:spPr>
+        <a:xfrm>
+          <a:off x="238502" y="1164502"/>
+          <a:ext cx="433641" cy="433641"/>
+        </a:xfrm>
+        <a:prstGeom prst="rect">
+          <a:avLst/>
+        </a:prstGeom>
+        <a:blipFill>
+          <a:blip xmlns:r="http://schemas.openxmlformats.org/officeDocument/2006/relationships" r:embed="rId3">
+            <a:extLst>
+              <a:ext uri="{28A0092B-C50C-407E-A947-70E740481C1C}">
+                <a14:useLocalDpi xmlns:a14="http://schemas.microsoft.com/office/drawing/2010/main" val="0"/>
+              </a:ext>
+              <a:ext uri="{96DAC541-7B7A-43D3-8B79-37D633B846F1}">
+                <asvg:svgBlip xmlns:asvg="http://schemas.microsoft.com/office/drawing/2016/SVG/main" r:embed="rId4"/>
+              </a:ext>
+            </a:extLst>
+          </a:blip>
+          <a:stretch>
+            <a:fillRect/>
+          </a:stretch>
+        </a:blipFill>
+        <a:ln w="15875" cap="flat" cmpd="sng" algn="ctr">
+          <a:solidFill>
+            <a:schemeClr val="lt1">
+              <a:hueOff val="0"/>
+              <a:satOff val="0"/>
+              <a:lumOff val="0"/>
+              <a:alphaOff val="0"/>
+            </a:schemeClr>
+          </a:solidFill>
+          <a:prstDash val="solid"/>
+        </a:ln>
+        <a:effectLst/>
+      </dsp:spPr>
+      <dsp:style>
+        <a:lnRef idx="2">
+          <a:scrgbClr r="0" g="0" b="0"/>
+        </a:lnRef>
+        <a:fillRef idx="1">
+          <a:scrgbClr r="0" g="0" b="0"/>
+        </a:fillRef>
+        <a:effectRef idx="0">
+          <a:scrgbClr r="0" g="0" b="0"/>
+        </a:effectRef>
+        <a:fontRef idx="minor">
+          <a:schemeClr val="lt1"/>
+        </a:fontRef>
+      </dsp:style>
+    </dsp:sp>
+    <dsp:sp modelId="{7DE8E408-DE79-443F-8629-C089FBA689E3}">
+      <dsp:nvSpPr>
+        <dsp:cNvPr id="0" name=""/>
+        <dsp:cNvSpPr/>
+      </dsp:nvSpPr>
+      <dsp:spPr>
+        <a:xfrm>
+          <a:off x="910646" y="987103"/>
+          <a:ext cx="3729089" cy="788438"/>
+        </a:xfrm>
+        <a:prstGeom prst="rect">
+          <a:avLst/>
+        </a:prstGeom>
+        <a:noFill/>
+        <a:ln>
+          <a:noFill/>
+        </a:ln>
+        <a:effectLst/>
+      </dsp:spPr>
+      <dsp:style>
+        <a:lnRef idx="0">
+          <a:scrgbClr r="0" g="0" b="0"/>
+        </a:lnRef>
+        <a:fillRef idx="0">
+          <a:scrgbClr r="0" g="0" b="0"/>
+        </a:fillRef>
+        <a:effectRef idx="0">
+          <a:scrgbClr r="0" g="0" b="0"/>
+        </a:effectRef>
+        <a:fontRef idx="minor"/>
+      </dsp:style>
+      <dsp:txBody>
+        <a:bodyPr spcFirstLastPara="0" vert="horz" wrap="square" lIns="83443" tIns="83443" rIns="83443" bIns="83443" numCol="1" spcCol="1270" anchor="ctr" anchorCtr="0">
+          <a:noAutofit/>
+        </a:bodyPr>
+        <a:lstStyle/>
+        <a:p>
+          <a:pPr marL="0" lvl="0" indent="0" algn="l" defTabSz="622300">
+            <a:lnSpc>
+              <a:spcPct val="100000"/>
+            </a:lnSpc>
+            <a:spcBef>
+              <a:spcPct val="0"/>
+            </a:spcBef>
+            <a:spcAft>
+              <a:spcPct val="35000"/>
+            </a:spcAft>
+            <a:buNone/>
+          </a:pPr>
+          <a:r>
+            <a:rPr lang="en-US" sz="1400" kern="1200" dirty="0"/>
+            <a:t>Usually, 1 to many relationship (1 observable with many subscribers)</a:t>
+          </a:r>
+        </a:p>
+      </dsp:txBody>
+      <dsp:txXfrm>
+        <a:off x="910646" y="987103"/>
+        <a:ext cx="3729089" cy="788438"/>
+      </dsp:txXfrm>
+    </dsp:sp>
+    <dsp:sp modelId="{7760943E-59EA-4625-8C71-92A18A3E7522}">
+      <dsp:nvSpPr>
+        <dsp:cNvPr id="0" name=""/>
+        <dsp:cNvSpPr/>
+      </dsp:nvSpPr>
+      <dsp:spPr>
+        <a:xfrm>
+          <a:off x="0" y="1972651"/>
+          <a:ext cx="4639736" cy="788438"/>
+        </a:xfrm>
+        <a:prstGeom prst="roundRect">
+          <a:avLst>
+            <a:gd name="adj" fmla="val 10000"/>
+          </a:avLst>
+        </a:prstGeom>
+        <a:solidFill>
+          <a:schemeClr val="accent1">
+            <a:tint val="40000"/>
+            <a:hueOff val="0"/>
+            <a:satOff val="0"/>
+            <a:lumOff val="0"/>
+            <a:alphaOff val="0"/>
+          </a:schemeClr>
+        </a:solidFill>
+        <a:ln>
+          <a:noFill/>
+        </a:ln>
+        <a:effectLst/>
+      </dsp:spPr>
+      <dsp:style>
+        <a:lnRef idx="0">
+          <a:scrgbClr r="0" g="0" b="0"/>
+        </a:lnRef>
+        <a:fillRef idx="1">
+          <a:scrgbClr r="0" g="0" b="0"/>
+        </a:fillRef>
+        <a:effectRef idx="0">
+          <a:scrgbClr r="0" g="0" b="0"/>
+        </a:effectRef>
+        <a:fontRef idx="minor"/>
+      </dsp:style>
+    </dsp:sp>
+    <dsp:sp modelId="{676EE63F-6485-4E2A-ABAE-83CF265BF069}">
+      <dsp:nvSpPr>
+        <dsp:cNvPr id="0" name=""/>
+        <dsp:cNvSpPr/>
+      </dsp:nvSpPr>
+      <dsp:spPr>
+        <a:xfrm>
+          <a:off x="238502" y="2150049"/>
+          <a:ext cx="433641" cy="433641"/>
+        </a:xfrm>
+        <a:prstGeom prst="rect">
+          <a:avLst/>
+        </a:prstGeom>
+        <a:blipFill>
+          <a:blip xmlns:r="http://schemas.openxmlformats.org/officeDocument/2006/relationships" r:embed="rId5">
+            <a:extLst>
+              <a:ext uri="{28A0092B-C50C-407E-A947-70E740481C1C}">
+                <a14:useLocalDpi xmlns:a14="http://schemas.microsoft.com/office/drawing/2010/main" val="0"/>
+              </a:ext>
+              <a:ext uri="{96DAC541-7B7A-43D3-8B79-37D633B846F1}">
+                <asvg:svgBlip xmlns:asvg="http://schemas.microsoft.com/office/drawing/2016/SVG/main" r:embed="rId6"/>
+              </a:ext>
+            </a:extLst>
+          </a:blip>
+          <a:stretch>
+            <a:fillRect/>
+          </a:stretch>
+        </a:blipFill>
+        <a:ln w="15875" cap="flat" cmpd="sng" algn="ctr">
+          <a:solidFill>
+            <a:schemeClr val="lt1">
+              <a:hueOff val="0"/>
+              <a:satOff val="0"/>
+              <a:lumOff val="0"/>
+              <a:alphaOff val="0"/>
+            </a:schemeClr>
+          </a:solidFill>
+          <a:prstDash val="solid"/>
+        </a:ln>
+        <a:effectLst/>
+      </dsp:spPr>
+      <dsp:style>
+        <a:lnRef idx="2">
+          <a:scrgbClr r="0" g="0" b="0"/>
+        </a:lnRef>
+        <a:fillRef idx="1">
+          <a:scrgbClr r="0" g="0" b="0"/>
+        </a:fillRef>
+        <a:effectRef idx="0">
+          <a:scrgbClr r="0" g="0" b="0"/>
+        </a:effectRef>
+        <a:fontRef idx="minor">
+          <a:schemeClr val="lt1"/>
+        </a:fontRef>
+      </dsp:style>
+    </dsp:sp>
+    <dsp:sp modelId="{B9DB9720-3FDF-4ACB-85FA-66976B22A528}">
+      <dsp:nvSpPr>
+        <dsp:cNvPr id="0" name=""/>
+        <dsp:cNvSpPr/>
+      </dsp:nvSpPr>
+      <dsp:spPr>
+        <a:xfrm>
+          <a:off x="910646" y="1972651"/>
+          <a:ext cx="3729089" cy="788438"/>
+        </a:xfrm>
+        <a:prstGeom prst="rect">
+          <a:avLst/>
+        </a:prstGeom>
+        <a:noFill/>
+        <a:ln>
+          <a:noFill/>
+        </a:ln>
+        <a:effectLst/>
+      </dsp:spPr>
+      <dsp:style>
+        <a:lnRef idx="0">
+          <a:scrgbClr r="0" g="0" b="0"/>
+        </a:lnRef>
+        <a:fillRef idx="0">
+          <a:scrgbClr r="0" g="0" b="0"/>
+        </a:fillRef>
+        <a:effectRef idx="0">
+          <a:scrgbClr r="0" g="0" b="0"/>
+        </a:effectRef>
+        <a:fontRef idx="minor"/>
+      </dsp:style>
+      <dsp:txBody>
+        <a:bodyPr spcFirstLastPara="0" vert="horz" wrap="square" lIns="83443" tIns="83443" rIns="83443" bIns="83443" numCol="1" spcCol="1270" anchor="ctr" anchorCtr="0">
+          <a:noAutofit/>
+        </a:bodyPr>
+        <a:lstStyle/>
+        <a:p>
+          <a:pPr marL="0" lvl="0" indent="0" algn="l" defTabSz="622300">
+            <a:lnSpc>
+              <a:spcPct val="100000"/>
+            </a:lnSpc>
+            <a:spcBef>
+              <a:spcPct val="0"/>
+            </a:spcBef>
+            <a:spcAft>
+              <a:spcPct val="35000"/>
+            </a:spcAft>
+            <a:buNone/>
+          </a:pPr>
+          <a:r>
+            <a:rPr lang="en-US" sz="1400" kern="1200" dirty="0"/>
+            <a:t>Change subscribers at runtime</a:t>
+          </a:r>
+        </a:p>
+      </dsp:txBody>
+      <dsp:txXfrm>
+        <a:off x="910646" y="1972651"/>
+        <a:ext cx="3729089" cy="788438"/>
+      </dsp:txXfrm>
+    </dsp:sp>
+    <dsp:sp modelId="{79AEF808-314B-4C4B-82AA-6EEA54A65F07}">
+      <dsp:nvSpPr>
+        <dsp:cNvPr id="0" name=""/>
+        <dsp:cNvSpPr/>
+      </dsp:nvSpPr>
+      <dsp:spPr>
+        <a:xfrm>
+          <a:off x="0" y="2958199"/>
+          <a:ext cx="4639736" cy="788438"/>
+        </a:xfrm>
+        <a:prstGeom prst="roundRect">
+          <a:avLst>
+            <a:gd name="adj" fmla="val 10000"/>
+          </a:avLst>
+        </a:prstGeom>
+        <a:solidFill>
+          <a:schemeClr val="accent1">
+            <a:tint val="40000"/>
+            <a:hueOff val="0"/>
+            <a:satOff val="0"/>
+            <a:lumOff val="0"/>
+            <a:alphaOff val="0"/>
+          </a:schemeClr>
+        </a:solidFill>
+        <a:ln>
+          <a:noFill/>
+        </a:ln>
+        <a:effectLst/>
+      </dsp:spPr>
+      <dsp:style>
+        <a:lnRef idx="0">
+          <a:scrgbClr r="0" g="0" b="0"/>
+        </a:lnRef>
+        <a:fillRef idx="1">
+          <a:scrgbClr r="0" g="0" b="0"/>
+        </a:fillRef>
+        <a:effectRef idx="0">
+          <a:scrgbClr r="0" g="0" b="0"/>
+        </a:effectRef>
+        <a:fontRef idx="minor"/>
+      </dsp:style>
+    </dsp:sp>
+    <dsp:sp modelId="{73575651-229C-4229-B203-88512EEA95C5}">
+      <dsp:nvSpPr>
+        <dsp:cNvPr id="0" name=""/>
+        <dsp:cNvSpPr/>
+      </dsp:nvSpPr>
+      <dsp:spPr>
+        <a:xfrm>
+          <a:off x="238502" y="3135597"/>
+          <a:ext cx="433641" cy="433641"/>
+        </a:xfrm>
+        <a:prstGeom prst="rect">
+          <a:avLst/>
+        </a:prstGeom>
+        <a:blipFill>
+          <a:blip xmlns:r="http://schemas.openxmlformats.org/officeDocument/2006/relationships" r:embed="rId7">
+            <a:extLst>
+              <a:ext uri="{28A0092B-C50C-407E-A947-70E740481C1C}">
+                <a14:useLocalDpi xmlns:a14="http://schemas.microsoft.com/office/drawing/2010/main" val="0"/>
+              </a:ext>
+              <a:ext uri="{96DAC541-7B7A-43D3-8B79-37D633B846F1}">
+                <asvg:svgBlip xmlns:asvg="http://schemas.microsoft.com/office/drawing/2016/SVG/main" r:embed="rId8"/>
+              </a:ext>
+            </a:extLst>
+          </a:blip>
+          <a:stretch>
+            <a:fillRect/>
+          </a:stretch>
+        </a:blipFill>
+        <a:ln w="15875" cap="flat" cmpd="sng" algn="ctr">
+          <a:solidFill>
+            <a:schemeClr val="lt1">
+              <a:hueOff val="0"/>
+              <a:satOff val="0"/>
+              <a:lumOff val="0"/>
+              <a:alphaOff val="0"/>
+            </a:schemeClr>
+          </a:solidFill>
+          <a:prstDash val="solid"/>
+        </a:ln>
+        <a:effectLst/>
+      </dsp:spPr>
+      <dsp:style>
+        <a:lnRef idx="2">
+          <a:scrgbClr r="0" g="0" b="0"/>
+        </a:lnRef>
+        <a:fillRef idx="1">
+          <a:scrgbClr r="0" g="0" b="0"/>
+        </a:fillRef>
+        <a:effectRef idx="0">
+          <a:scrgbClr r="0" g="0" b="0"/>
+        </a:effectRef>
+        <a:fontRef idx="minor">
+          <a:schemeClr val="lt1"/>
+        </a:fontRef>
+      </dsp:style>
+    </dsp:sp>
+    <dsp:sp modelId="{77CFAC55-D3CF-45EA-A63C-9656646CA42E}">
+      <dsp:nvSpPr>
+        <dsp:cNvPr id="0" name=""/>
+        <dsp:cNvSpPr/>
+      </dsp:nvSpPr>
+      <dsp:spPr>
+        <a:xfrm>
+          <a:off x="910646" y="2958199"/>
+          <a:ext cx="3729089" cy="788438"/>
+        </a:xfrm>
+        <a:prstGeom prst="rect">
+          <a:avLst/>
+        </a:prstGeom>
+        <a:noFill/>
+        <a:ln>
+          <a:noFill/>
+        </a:ln>
+        <a:effectLst/>
+      </dsp:spPr>
+      <dsp:style>
+        <a:lnRef idx="0">
+          <a:scrgbClr r="0" g="0" b="0"/>
+        </a:lnRef>
+        <a:fillRef idx="0">
+          <a:scrgbClr r="0" g="0" b="0"/>
+        </a:fillRef>
+        <a:effectRef idx="0">
+          <a:scrgbClr r="0" g="0" b="0"/>
+        </a:effectRef>
+        <a:fontRef idx="minor"/>
+      </dsp:style>
+      <dsp:txBody>
+        <a:bodyPr spcFirstLastPara="0" vert="horz" wrap="square" lIns="83443" tIns="83443" rIns="83443" bIns="83443" numCol="1" spcCol="1270" anchor="ctr" anchorCtr="0">
+          <a:noAutofit/>
+        </a:bodyPr>
+        <a:lstStyle/>
+        <a:p>
+          <a:pPr marL="0" lvl="0" indent="0" algn="l" defTabSz="622300">
+            <a:lnSpc>
+              <a:spcPct val="100000"/>
+            </a:lnSpc>
+            <a:spcBef>
+              <a:spcPct val="0"/>
+            </a:spcBef>
+            <a:spcAft>
+              <a:spcPct val="35000"/>
+            </a:spcAft>
+            <a:buNone/>
+          </a:pPr>
+          <a:r>
+            <a:rPr lang="en-US" sz="1400" kern="1200" dirty="0"/>
+            <a:t>Can make debugging difficult, can lead to unexpected updates</a:t>
+          </a:r>
+        </a:p>
+      </dsp:txBody>
+      <dsp:txXfrm>
+        <a:off x="910646" y="2958199"/>
+        <a:ext cx="3729089" cy="788438"/>
+      </dsp:txXfrm>
+    </dsp:sp>
+  </dsp:spTree>
+</dsp:drawing>
+</file>
+
 <file path=ppt/diagrams/layout1.xml><?xml version="1.0" encoding="utf-8"?>
 <dgm:layoutDef xmlns:dgm="http://schemas.openxmlformats.org/drawingml/2006/diagram" xmlns:a="http://schemas.openxmlformats.org/drawingml/2006/main" uniqueId="urn:microsoft.com/office/officeart/2018/2/layout/IconVerticalSolidList">
   <dgm:title val="Icon Vertical Solid List"/>
@@ -10779,6 +12600,300 @@
 </dgm:layoutDef>
 </file>
 
+<file path=ppt/diagrams/layout6.xml><?xml version="1.0" encoding="utf-8"?>
+<dgm:layoutDef xmlns:dgm="http://schemas.openxmlformats.org/drawingml/2006/diagram" xmlns:a="http://schemas.openxmlformats.org/drawingml/2006/main" uniqueId="urn:microsoft.com/office/officeart/2018/2/layout/IconVerticalSolidList">
+  <dgm:title val="Icon Vertical Solid List"/>
+  <dgm:desc val="Use to show a series of visuals from top to bottom with Level 1 or Level 1 and Level 2 text grouped in a shape. Works best with icons or small pictures with lengthier descriptions."/>
+  <dgm:catLst>
+    <dgm:cat type="icon" pri="500"/>
+  </dgm:catLst>
+  <dgm:sampData useDef="1">
+    <dgm:dataModel>
+      <dgm:ptLst/>
+      <dgm:bg/>
+      <dgm:whole/>
+    </dgm:dataModel>
+  </dgm:sampData>
+  <dgm:styleData useDef="1">
+    <dgm:dataModel>
+      <dgm:ptLst/>
+      <dgm:bg/>
+      <dgm:whole/>
+    </dgm:dataModel>
+  </dgm:styleData>
+  <dgm:clrData useDef="1">
+    <dgm:dataModel>
+      <dgm:ptLst/>
+      <dgm:bg/>
+      <dgm:whole/>
+    </dgm:dataModel>
+  </dgm:clrData>
+  <dgm:layoutNode name="root">
+    <dgm:varLst>
+      <dgm:dir/>
+      <dgm:resizeHandles val="exact"/>
+    </dgm:varLst>
+    <dgm:choose name="Name0">
+      <dgm:if name="Name1" axis="self" func="var" arg="dir" op="equ" val="norm">
+        <dgm:alg type="lin">
+          <dgm:param type="linDir" val="fromT"/>
+          <dgm:param type="nodeHorzAlign" val="l"/>
+        </dgm:alg>
+      </dgm:if>
+      <dgm:else name="Name2">
+        <dgm:alg type="lin">
+          <dgm:param type="linDir" val="fromT"/>
+          <dgm:param type="nodeHorzAlign" val="r"/>
+        </dgm:alg>
+      </dgm:else>
+    </dgm:choose>
+    <dgm:shape xmlns:r="http://schemas.openxmlformats.org/officeDocument/2006/relationships" r:blip="">
+      <dgm:adjLst/>
+    </dgm:shape>
+    <dgm:presOf/>
+    <dgm:choose name="Name3">
+      <dgm:if name="Name4" axis="ch" ptType="node" func="cnt" op="lte" val="3">
+        <dgm:constrLst>
+          <dgm:constr type="h" for="ch" forName="compNode" refType="h" fact="0.3"/>
+          <dgm:constr type="w" for="ch" forName="compNode" refType="w"/>
+          <dgm:constr type="h" for="ch" forName="sibTrans" refType="h" refFor="ch" refForName="compNode" fact="0.25"/>
+          <dgm:constr type="primFontSz" for="des" forName="parTx" val="25"/>
+          <dgm:constr type="primFontSz" for="des" forName="desTx" refType="primFontSz" refFor="des" refForName="parTx" op="lte" fact="0.75"/>
+          <dgm:constr type="h" for="des" forName="compNode" op="equ"/>
+          <dgm:constr type="h" for="des" forName="bgRect" op="equ"/>
+          <dgm:constr type="h" for="des" forName="iconRect" op="equ"/>
+          <dgm:constr type="w" for="des" forName="iconRect" op="equ"/>
+          <dgm:constr type="h" for="des" forName="spaceRect" op="equ"/>
+          <dgm:constr type="h" for="des" forName="parTx" op="equ"/>
+          <dgm:constr type="h" for="des" forName="desTx" op="equ"/>
+        </dgm:constrLst>
+      </dgm:if>
+      <dgm:if name="Name5" axis="ch" ptType="node" func="cnt" op="lte" val="4">
+        <dgm:constrLst>
+          <dgm:constr type="h" for="ch" forName="compNode" refType="h" fact="0.3"/>
+          <dgm:constr type="w" for="ch" forName="compNode" refType="w"/>
+          <dgm:constr type="h" for="ch" forName="sibTrans" refType="h" refFor="ch" refForName="compNode" fact="0.25"/>
+          <dgm:constr type="primFontSz" for="des" forName="parTx" val="22"/>
+          <dgm:constr type="primFontSz" for="des" forName="desTx" refType="primFontSz" refFor="des" refForName="parTx" op="lte" fact="0.75"/>
+          <dgm:constr type="h" for="des" forName="compNode" op="equ"/>
+          <dgm:constr type="h" for="des" forName="bgRect" op="equ"/>
+          <dgm:constr type="h" for="des" forName="iconRect" op="equ"/>
+          <dgm:constr type="w" for="des" forName="iconRect" op="equ"/>
+          <dgm:constr type="h" for="des" forName="spaceRect" op="equ"/>
+          <dgm:constr type="h" for="des" forName="parTx" op="equ"/>
+          <dgm:constr type="h" for="des" forName="desTx" op="equ"/>
+        </dgm:constrLst>
+      </dgm:if>
+      <dgm:if name="Name6" axis="ch" ptType="node" func="cnt" op="lte" val="6">
+        <dgm:constrLst>
+          <dgm:constr type="h" for="ch" forName="compNode" refType="h" fact="0.3"/>
+          <dgm:constr type="w" for="ch" forName="compNode" refType="w"/>
+          <dgm:constr type="h" for="ch" forName="sibTrans" refType="h" refFor="ch" refForName="compNode" fact="0.25"/>
+          <dgm:constr type="primFontSz" for="des" forName="parTx" val="19"/>
+          <dgm:constr type="primFontSz" for="des" forName="desTx" refType="primFontSz" refFor="des" refForName="parTx" op="lte" fact="0.75"/>
+          <dgm:constr type="h" for="des" forName="compNode" op="equ"/>
+          <dgm:constr type="h" for="des" forName="bgRect" op="equ"/>
+          <dgm:constr type="h" for="des" forName="iconRect" op="equ"/>
+          <dgm:constr type="w" for="des" forName="iconRect" op="equ"/>
+          <dgm:constr type="h" for="des" forName="spaceRect" op="equ"/>
+          <dgm:constr type="h" for="des" forName="parTx" op="equ"/>
+          <dgm:constr type="h" for="des" forName="desTx" op="equ"/>
+        </dgm:constrLst>
+      </dgm:if>
+      <dgm:else name="Name7">
+        <dgm:constrLst>
+          <dgm:constr type="h" for="ch" forName="compNode" refType="h" fact="0.3"/>
+          <dgm:constr type="w" for="ch" forName="compNode" refType="w"/>
+          <dgm:constr type="h" for="ch" forName="sibTrans" refType="h" refFor="ch" refForName="compNode" fact="0.25"/>
+          <dgm:constr type="primFontSz" for="des" forName="parTx" val="16"/>
+          <dgm:constr type="primFontSz" for="des" forName="desTx" refType="primFontSz" refFor="des" refForName="parTx" op="lte" fact="0.75"/>
+          <dgm:constr type="h" for="des" forName="compNode" op="equ"/>
+          <dgm:constr type="h" for="des" forName="bgRect" op="equ"/>
+          <dgm:constr type="h" for="des" forName="iconRect" op="equ"/>
+          <dgm:constr type="w" for="des" forName="iconRect" op="equ"/>
+          <dgm:constr type="h" for="des" forName="spaceRect" op="equ"/>
+          <dgm:constr type="h" for="des" forName="parTx" op="equ"/>
+          <dgm:constr type="h" for="des" forName="desTx" op="equ"/>
+        </dgm:constrLst>
+      </dgm:else>
+    </dgm:choose>
+    <dgm:ruleLst>
+      <dgm:rule type="h" for="ch" forName="compNode" val="0" fact="NaN" max="NaN"/>
+    </dgm:ruleLst>
+    <dgm:forEach name="Name8" axis="ch" ptType="node">
+      <dgm:layoutNode name="compNode">
+        <dgm:alg type="composite"/>
+        <dgm:shape xmlns:r="http://schemas.openxmlformats.org/officeDocument/2006/relationships" r:blip="">
+          <dgm:adjLst/>
+        </dgm:shape>
+        <dgm:presOf axis="self"/>
+        <dgm:choose name="Name9">
+          <dgm:if name="Name10" axis="ch" ptType="node" func="cnt" op="gte" val="1">
+            <dgm:constrLst>
+              <dgm:constr type="w" for="ch" forName="bgRect" refType="w"/>
+              <dgm:constr type="h" for="ch" forName="bgRect" refType="h"/>
+              <dgm:constr type="l" for="ch" forName="bgRect"/>
+              <dgm:constr type="t" for="ch" forName="bgRect"/>
+              <dgm:constr type="h" for="ch" forName="iconRect" refType="h" fact="0.55"/>
+              <dgm:constr type="w" for="ch" forName="iconRect" refType="h" refFor="ch" refForName="iconRect"/>
+              <dgm:constr type="l" for="ch" forName="iconRect" refType="h" refFor="ch" refForName="iconRect" fact="0.55"/>
+              <dgm:constr type="ctrY" for="ch" forName="iconRect" refType="ctrY" refFor="ch" refForName="bgRect"/>
+              <dgm:constr type="w" for="ch" forName="spaceRect" refType="l" refFor="ch" refForName="iconRect"/>
+              <dgm:constr type="h" for="ch" forName="spaceRect" refType="h"/>
+              <dgm:constr type="l" for="ch" forName="spaceRect" refType="r" refFor="ch" refForName="iconRect"/>
+              <dgm:constr type="t" for="ch" forName="spaceRect"/>
+              <dgm:constr type="w" for="ch" forName="parTx" refType="w" fact="0.45"/>
+              <dgm:constr type="h" for="ch" forName="parTx" refType="h"/>
+              <dgm:constr type="l" for="ch" forName="parTx" refType="r" refFor="ch" refForName="spaceRect"/>
+              <dgm:constr type="t" for="ch" forName="parTx"/>
+              <dgm:constr type="h" for="ch" forName="desTx" refType="h"/>
+              <dgm:constr type="l" for="ch" forName="desTx" refType="r" refFor="ch" refForName="parTx"/>
+              <dgm:constr type="t" for="ch" forName="desTx"/>
+            </dgm:constrLst>
+          </dgm:if>
+          <dgm:else name="Name11">
+            <dgm:constrLst>
+              <dgm:constr type="w" for="ch" forName="bgRect" refType="w"/>
+              <dgm:constr type="h" for="ch" forName="bgRect" refType="h"/>
+              <dgm:constr type="l" for="ch" forName="bgRect"/>
+              <dgm:constr type="t" for="ch" forName="bgRect"/>
+              <dgm:constr type="h" for="ch" forName="iconRect" refType="h" fact="0.55"/>
+              <dgm:constr type="w" for="ch" forName="iconRect" refType="h" refFor="ch" refForName="iconRect"/>
+              <dgm:constr type="l" for="ch" forName="iconRect" refType="h" refFor="ch" refForName="iconRect" fact="0.55"/>
+              <dgm:constr type="ctrY" for="ch" forName="iconRect" refType="ctrY" refFor="ch" refForName="bgRect"/>
+              <dgm:constr type="w" for="ch" forName="spaceRect" refType="l" refFor="ch" refForName="iconRect"/>
+              <dgm:constr type="h" for="ch" forName="spaceRect" refType="h"/>
+              <dgm:constr type="l" for="ch" forName="spaceRect" refType="r" refFor="ch" refForName="iconRect"/>
+              <dgm:constr type="t" for="ch" forName="spaceRect"/>
+              <dgm:constr type="h" for="ch" forName="parTx" refType="h"/>
+              <dgm:constr type="l" for="ch" forName="parTx" refType="r" refFor="ch" refForName="spaceRect"/>
+              <dgm:constr type="t" for="ch" forName="parTx"/>
+            </dgm:constrLst>
+          </dgm:else>
+        </dgm:choose>
+        <dgm:ruleLst>
+          <dgm:rule type="h" val="INF" fact="NaN" max="NaN"/>
+        </dgm:ruleLst>
+        <dgm:layoutNode name="bgRect" styleLbl="bgShp">
+          <dgm:alg type="sp"/>
+          <dgm:shape xmlns:r="http://schemas.openxmlformats.org/officeDocument/2006/relationships" type="roundRect" r:blip="">
+            <dgm:adjLst>
+              <dgm:adj idx="1" val="0.1"/>
+            </dgm:adjLst>
+          </dgm:shape>
+          <dgm:presOf/>
+          <dgm:constrLst/>
+          <dgm:ruleLst/>
+        </dgm:layoutNode>
+        <dgm:layoutNode name="iconRect" styleLbl="node1">
+          <dgm:alg type="sp"/>
+          <dgm:shape xmlns:r="http://schemas.openxmlformats.org/officeDocument/2006/relationships" type="rect" r:blip="" blipPhldr="1">
+            <dgm:adjLst/>
+          </dgm:shape>
+          <dgm:presOf/>
+          <dgm:constrLst/>
+          <dgm:ruleLst/>
+        </dgm:layoutNode>
+        <dgm:layoutNode name="spaceRect">
+          <dgm:alg type="sp"/>
+          <dgm:shape xmlns:r="http://schemas.openxmlformats.org/officeDocument/2006/relationships" r:blip="">
+            <dgm:adjLst/>
+          </dgm:shape>
+          <dgm:presOf/>
+          <dgm:constrLst/>
+          <dgm:ruleLst/>
+        </dgm:layoutNode>
+        <dgm:layoutNode name="parTx" styleLbl="revTx">
+          <dgm:varLst>
+            <dgm:chMax val="0"/>
+            <dgm:chPref val="0"/>
+          </dgm:varLst>
+          <dgm:alg type="tx">
+            <dgm:param type="txAnchorVert" val="mid"/>
+            <dgm:param type="parTxLTRAlign" val="l"/>
+            <dgm:param type="shpTxLTRAlignCh" val="l"/>
+            <dgm:param type="parTxRTLAlign" val="r"/>
+            <dgm:param type="shpTxRTLAlignCh" val="r"/>
+          </dgm:alg>
+          <dgm:shape xmlns:r="http://schemas.openxmlformats.org/officeDocument/2006/relationships" type="rect" r:blip="">
+            <dgm:adjLst/>
+          </dgm:shape>
+          <dgm:presOf axis="self" ptType="node"/>
+          <dgm:constrLst>
+            <dgm:constr type="lMarg" refType="h" fact="0.3"/>
+            <dgm:constr type="rMarg" refType="h" fact="0.3"/>
+            <dgm:constr type="tMarg" refType="h" fact="0.3"/>
+            <dgm:constr type="bMarg" refType="h" fact="0.3"/>
+          </dgm:constrLst>
+          <dgm:ruleLst>
+            <dgm:rule type="primFontSz" val="14" fact="NaN" max="NaN"/>
+            <dgm:rule type="h" val="INF" fact="NaN" max="NaN"/>
+          </dgm:ruleLst>
+        </dgm:layoutNode>
+        <dgm:choose name="Name12">
+          <dgm:if name="Name13" axis="ch" ptType="node" func="cnt" op="gte" val="1">
+            <dgm:layoutNode name="desTx" styleLbl="revTx">
+              <dgm:varLst/>
+              <dgm:alg type="tx">
+                <dgm:param type="txAnchorVertCh" val="mid"/>
+                <dgm:param type="parTxLTRAlign" val="l"/>
+                <dgm:param type="shpTxLTRAlignCh" val="l"/>
+                <dgm:param type="parTxRTLAlign" val="r"/>
+                <dgm:param type="shpTxRTLAlignCh" val="r"/>
+                <dgm:param type="stBulletLvl" val="0"/>
+              </dgm:alg>
+              <dgm:shape xmlns:r="http://schemas.openxmlformats.org/officeDocument/2006/relationships" type="rect" r:blip="">
+                <dgm:adjLst/>
+              </dgm:shape>
+              <dgm:presOf axis="des" ptType="node"/>
+              <dgm:constrLst>
+                <dgm:constr type="primFontSz" val="18"/>
+                <dgm:constr type="secFontSz" refType="primFontSz"/>
+                <dgm:constr type="lMarg" refType="h" fact="0.3"/>
+                <dgm:constr type="rMarg" refType="h" fact="0.3"/>
+                <dgm:constr type="tMarg" refType="h" fact="0.3"/>
+                <dgm:constr type="bMarg" refType="h" fact="0.3"/>
+              </dgm:constrLst>
+              <dgm:ruleLst>
+                <dgm:rule type="primFontSz" val="11" fact="NaN" max="NaN"/>
+              </dgm:ruleLst>
+            </dgm:layoutNode>
+          </dgm:if>
+          <dgm:else name="Name14"/>
+        </dgm:choose>
+      </dgm:layoutNode>
+      <dgm:forEach name="Name15" axis="followSib" ptType="sibTrans" cnt="1">
+        <dgm:layoutNode name="sibTrans">
+          <dgm:alg type="sp"/>
+          <dgm:shape xmlns:r="http://schemas.openxmlformats.org/officeDocument/2006/relationships" r:blip="">
+            <dgm:adjLst/>
+          </dgm:shape>
+          <dgm:presOf axis="self"/>
+          <dgm:constrLst/>
+          <dgm:ruleLst/>
+        </dgm:layoutNode>
+      </dgm:forEach>
+    </dgm:forEach>
+  </dgm:layoutNode>
+  <dgm:extLst>
+    <a:ext uri="{68A01E43-0DF5-4B5B-8FA6-DAF915123BFB}">
+      <dgm1612:lstStyle xmlns:dgm1612="http://schemas.microsoft.com/office/drawing/2016/12/diagram">
+        <a:lvl1pPr>
+          <a:lnSpc>
+            <a:spcPct val="100000"/>
+          </a:lnSpc>
+        </a:lvl1pPr>
+        <a:lvl2pPr>
+          <a:lnSpc>
+            <a:spcPct val="100000"/>
+          </a:lnSpc>
+        </a:lvl2pPr>
+      </dgm1612:lstStyle>
+    </a:ext>
+  </dgm:extLst>
+</dgm:layoutDef>
+</file>
+
 <file path=ppt/diagrams/quickStyle1.xml><?xml version="1.0" encoding="utf-8"?>
 <dgm:styleDef xmlns:dgm="http://schemas.openxmlformats.org/drawingml/2006/diagram" xmlns:a="http://schemas.openxmlformats.org/drawingml/2006/main" uniqueId="urn:microsoft.com/office/officeart/2005/8/quickstyle/simple1">
   <dgm:title val=""/>
@@ -14916,6 +17031,1040 @@
 </file>
 
 <file path=ppt/diagrams/quickStyle5.xml><?xml version="1.0" encoding="utf-8"?>
+<dgm:styleDef xmlns:dgm="http://schemas.openxmlformats.org/drawingml/2006/diagram" xmlns:a="http://schemas.openxmlformats.org/drawingml/2006/main" uniqueId="urn:microsoft.com/office/officeart/2005/8/quickstyle/simple1">
+  <dgm:title val=""/>
+  <dgm:desc val=""/>
+  <dgm:catLst>
+    <dgm:cat type="simple" pri="10100"/>
+  </dgm:catLst>
+  <dgm:scene3d>
+    <a:camera prst="orthographicFront"/>
+    <a:lightRig rig="threePt" dir="t"/>
+  </dgm:scene3d>
+  <dgm:styleLbl name="node0">
+    <dgm:scene3d>
+      <a:camera prst="orthographicFront"/>
+      <a:lightRig rig="threePt" dir="t"/>
+    </dgm:scene3d>
+    <dgm:sp3d/>
+    <dgm:txPr/>
+    <dgm:style>
+      <a:lnRef idx="2">
+        <a:scrgbClr r="0" g="0" b="0"/>
+      </a:lnRef>
+      <a:fillRef idx="1">
+        <a:scrgbClr r="0" g="0" b="0"/>
+      </a:fillRef>
+      <a:effectRef idx="0">
+        <a:scrgbClr r="0" g="0" b="0"/>
+      </a:effectRef>
+      <a:fontRef idx="minor">
+        <a:schemeClr val="lt1"/>
+      </a:fontRef>
+    </dgm:style>
+  </dgm:styleLbl>
+  <dgm:styleLbl name="lnNode1">
+    <dgm:scene3d>
+      <a:camera prst="orthographicFront"/>
+      <a:lightRig rig="threePt" dir="t"/>
+    </dgm:scene3d>
+    <dgm:sp3d/>
+    <dgm:txPr/>
+    <dgm:style>
+      <a:lnRef idx="2">
+        <a:scrgbClr r="0" g="0" b="0"/>
+      </a:lnRef>
+      <a:fillRef idx="1">
+        <a:scrgbClr r="0" g="0" b="0"/>
+      </a:fillRef>
+      <a:effectRef idx="0">
+        <a:scrgbClr r="0" g="0" b="0"/>
+      </a:effectRef>
+      <a:fontRef idx="minor">
+        <a:schemeClr val="lt1"/>
+      </a:fontRef>
+    </dgm:style>
+  </dgm:styleLbl>
+  <dgm:styleLbl name="vennNode1">
+    <dgm:scene3d>
+      <a:camera prst="orthographicFront"/>
+      <a:lightRig rig="threePt" dir="t"/>
+    </dgm:scene3d>
+    <dgm:sp3d/>
+    <dgm:txPr/>
+    <dgm:style>
+      <a:lnRef idx="2">
+        <a:scrgbClr r="0" g="0" b="0"/>
+      </a:lnRef>
+      <a:fillRef idx="1">
+        <a:scrgbClr r="0" g="0" b="0"/>
+      </a:fillRef>
+      <a:effectRef idx="0">
+        <a:scrgbClr r="0" g="0" b="0"/>
+      </a:effectRef>
+      <a:fontRef idx="minor">
+        <a:schemeClr val="tx1"/>
+      </a:fontRef>
+    </dgm:style>
+  </dgm:styleLbl>
+  <dgm:styleLbl name="alignNode1">
+    <dgm:scene3d>
+      <a:camera prst="orthographicFront"/>
+      <a:lightRig rig="threePt" dir="t"/>
+    </dgm:scene3d>
+    <dgm:sp3d/>
+    <dgm:txPr/>
+    <dgm:style>
+      <a:lnRef idx="2">
+        <a:scrgbClr r="0" g="0" b="0"/>
+      </a:lnRef>
+      <a:fillRef idx="1">
+        <a:scrgbClr r="0" g="0" b="0"/>
+      </a:fillRef>
+      <a:effectRef idx="0">
+        <a:scrgbClr r="0" g="0" b="0"/>
+      </a:effectRef>
+      <a:fontRef idx="minor">
+        <a:schemeClr val="lt1"/>
+      </a:fontRef>
+    </dgm:style>
+  </dgm:styleLbl>
+  <dgm:styleLbl name="node1">
+    <dgm:scene3d>
+      <a:camera prst="orthographicFront"/>
+      <a:lightRig rig="threePt" dir="t"/>
+    </dgm:scene3d>
+    <dgm:sp3d/>
+    <dgm:txPr/>
+    <dgm:style>
+      <a:lnRef idx="2">
+        <a:scrgbClr r="0" g="0" b="0"/>
+      </a:lnRef>
+      <a:fillRef idx="1">
+        <a:scrgbClr r="0" g="0" b="0"/>
+      </a:fillRef>
+      <a:effectRef idx="0">
+        <a:scrgbClr r="0" g="0" b="0"/>
+      </a:effectRef>
+      <a:fontRef idx="minor">
+        <a:schemeClr val="lt1"/>
+      </a:fontRef>
+    </dgm:style>
+  </dgm:styleLbl>
+  <dgm:styleLbl name="node2">
+    <dgm:scene3d>
+      <a:camera prst="orthographicFront"/>
+      <a:lightRig rig="threePt" dir="t"/>
+    </dgm:scene3d>
+    <dgm:sp3d/>
+    <dgm:txPr/>
+    <dgm:style>
+      <a:lnRef idx="2">
+        <a:scrgbClr r="0" g="0" b="0"/>
+      </a:lnRef>
+      <a:fillRef idx="1">
+        <a:scrgbClr r="0" g="0" b="0"/>
+      </a:fillRef>
+      <a:effectRef idx="0">
+        <a:scrgbClr r="0" g="0" b="0"/>
+      </a:effectRef>
+      <a:fontRef idx="minor">
+        <a:schemeClr val="lt1"/>
+      </a:fontRef>
+    </dgm:style>
+  </dgm:styleLbl>
+  <dgm:styleLbl name="node3">
+    <dgm:scene3d>
+      <a:camera prst="orthographicFront"/>
+      <a:lightRig rig="threePt" dir="t"/>
+    </dgm:scene3d>
+    <dgm:sp3d/>
+    <dgm:txPr/>
+    <dgm:style>
+      <a:lnRef idx="2">
+        <a:scrgbClr r="0" g="0" b="0"/>
+      </a:lnRef>
+      <a:fillRef idx="1">
+        <a:scrgbClr r="0" g="0" b="0"/>
+      </a:fillRef>
+      <a:effectRef idx="0">
+        <a:scrgbClr r="0" g="0" b="0"/>
+      </a:effectRef>
+      <a:fontRef idx="minor">
+        <a:schemeClr val="lt1"/>
+      </a:fontRef>
+    </dgm:style>
+  </dgm:styleLbl>
+  <dgm:styleLbl name="node4">
+    <dgm:scene3d>
+      <a:camera prst="orthographicFront"/>
+      <a:lightRig rig="threePt" dir="t"/>
+    </dgm:scene3d>
+    <dgm:sp3d/>
+    <dgm:txPr/>
+    <dgm:style>
+      <a:lnRef idx="2">
+        <a:scrgbClr r="0" g="0" b="0"/>
+      </a:lnRef>
+      <a:fillRef idx="1">
+        <a:scrgbClr r="0" g="0" b="0"/>
+      </a:fillRef>
+      <a:effectRef idx="0">
+        <a:scrgbClr r="0" g="0" b="0"/>
+      </a:effectRef>
+      <a:fontRef idx="minor">
+        <a:schemeClr val="lt1"/>
+      </a:fontRef>
+    </dgm:style>
+  </dgm:styleLbl>
+  <dgm:styleLbl name="fgImgPlace1">
+    <dgm:scene3d>
+      <a:camera prst="orthographicFront"/>
+      <a:lightRig rig="threePt" dir="t"/>
+    </dgm:scene3d>
+    <dgm:sp3d/>
+    <dgm:txPr/>
+    <dgm:style>
+      <a:lnRef idx="2">
+        <a:scrgbClr r="0" g="0" b="0"/>
+      </a:lnRef>
+      <a:fillRef idx="1">
+        <a:scrgbClr r="0" g="0" b="0"/>
+      </a:fillRef>
+      <a:effectRef idx="0">
+        <a:scrgbClr r="0" g="0" b="0"/>
+      </a:effectRef>
+      <a:fontRef idx="minor"/>
+    </dgm:style>
+  </dgm:styleLbl>
+  <dgm:styleLbl name="alignImgPlace1">
+    <dgm:scene3d>
+      <a:camera prst="orthographicFront"/>
+      <a:lightRig rig="threePt" dir="t"/>
+    </dgm:scene3d>
+    <dgm:sp3d/>
+    <dgm:txPr/>
+    <dgm:style>
+      <a:lnRef idx="2">
+        <a:scrgbClr r="0" g="0" b="0"/>
+      </a:lnRef>
+      <a:fillRef idx="1">
+        <a:scrgbClr r="0" g="0" b="0"/>
+      </a:fillRef>
+      <a:effectRef idx="0">
+        <a:scrgbClr r="0" g="0" b="0"/>
+      </a:effectRef>
+      <a:fontRef idx="minor"/>
+    </dgm:style>
+  </dgm:styleLbl>
+  <dgm:styleLbl name="bgImgPlace1">
+    <dgm:scene3d>
+      <a:camera prst="orthographicFront"/>
+      <a:lightRig rig="threePt" dir="t"/>
+    </dgm:scene3d>
+    <dgm:sp3d/>
+    <dgm:txPr/>
+    <dgm:style>
+      <a:lnRef idx="2">
+        <a:scrgbClr r="0" g="0" b="0"/>
+      </a:lnRef>
+      <a:fillRef idx="1">
+        <a:scrgbClr r="0" g="0" b="0"/>
+      </a:fillRef>
+      <a:effectRef idx="0">
+        <a:scrgbClr r="0" g="0" b="0"/>
+      </a:effectRef>
+      <a:fontRef idx="minor"/>
+    </dgm:style>
+  </dgm:styleLbl>
+  <dgm:styleLbl name="sibTrans2D1">
+    <dgm:scene3d>
+      <a:camera prst="orthographicFront"/>
+      <a:lightRig rig="threePt" dir="t"/>
+    </dgm:scene3d>
+    <dgm:sp3d/>
+    <dgm:txPr/>
+    <dgm:style>
+      <a:lnRef idx="0">
+        <a:scrgbClr r="0" g="0" b="0"/>
+      </a:lnRef>
+      <a:fillRef idx="1">
+        <a:scrgbClr r="0" g="0" b="0"/>
+      </a:fillRef>
+      <a:effectRef idx="0">
+        <a:scrgbClr r="0" g="0" b="0"/>
+      </a:effectRef>
+      <a:fontRef idx="minor">
+        <a:schemeClr val="lt1"/>
+      </a:fontRef>
+    </dgm:style>
+  </dgm:styleLbl>
+  <dgm:styleLbl name="fgSibTrans2D1">
+    <dgm:scene3d>
+      <a:camera prst="orthographicFront"/>
+      <a:lightRig rig="threePt" dir="t"/>
+    </dgm:scene3d>
+    <dgm:sp3d/>
+    <dgm:txPr/>
+    <dgm:style>
+      <a:lnRef idx="0">
+        <a:scrgbClr r="0" g="0" b="0"/>
+      </a:lnRef>
+      <a:fillRef idx="1">
+        <a:scrgbClr r="0" g="0" b="0"/>
+      </a:fillRef>
+      <a:effectRef idx="0">
+        <a:scrgbClr r="0" g="0" b="0"/>
+      </a:effectRef>
+      <a:fontRef idx="minor">
+        <a:schemeClr val="lt1"/>
+      </a:fontRef>
+    </dgm:style>
+  </dgm:styleLbl>
+  <dgm:styleLbl name="bgSibTrans2D1">
+    <dgm:scene3d>
+      <a:camera prst="orthographicFront"/>
+      <a:lightRig rig="threePt" dir="t"/>
+    </dgm:scene3d>
+    <dgm:sp3d/>
+    <dgm:txPr/>
+    <dgm:style>
+      <a:lnRef idx="0">
+        <a:scrgbClr r="0" g="0" b="0"/>
+      </a:lnRef>
+      <a:fillRef idx="1">
+        <a:scrgbClr r="0" g="0" b="0"/>
+      </a:fillRef>
+      <a:effectRef idx="0">
+        <a:scrgbClr r="0" g="0" b="0"/>
+      </a:effectRef>
+      <a:fontRef idx="minor">
+        <a:schemeClr val="lt1"/>
+      </a:fontRef>
+    </dgm:style>
+  </dgm:styleLbl>
+  <dgm:styleLbl name="sibTrans1D1">
+    <dgm:scene3d>
+      <a:camera prst="orthographicFront"/>
+      <a:lightRig rig="threePt" dir="t"/>
+    </dgm:scene3d>
+    <dgm:sp3d/>
+    <dgm:txPr/>
+    <dgm:style>
+      <a:lnRef idx="1">
+        <a:scrgbClr r="0" g="0" b="0"/>
+      </a:lnRef>
+      <a:fillRef idx="0">
+        <a:scrgbClr r="0" g="0" b="0"/>
+      </a:fillRef>
+      <a:effectRef idx="0">
+        <a:scrgbClr r="0" g="0" b="0"/>
+      </a:effectRef>
+      <a:fontRef idx="minor"/>
+    </dgm:style>
+  </dgm:styleLbl>
+  <dgm:styleLbl name="callout">
+    <dgm:scene3d>
+      <a:camera prst="orthographicFront"/>
+      <a:lightRig rig="threePt" dir="t"/>
+    </dgm:scene3d>
+    <dgm:sp3d/>
+    <dgm:txPr/>
+    <dgm:style>
+      <a:lnRef idx="2">
+        <a:scrgbClr r="0" g="0" b="0"/>
+      </a:lnRef>
+      <a:fillRef idx="1">
+        <a:scrgbClr r="0" g="0" b="0"/>
+      </a:fillRef>
+      <a:effectRef idx="0">
+        <a:scrgbClr r="0" g="0" b="0"/>
+      </a:effectRef>
+      <a:fontRef idx="minor"/>
+    </dgm:style>
+  </dgm:styleLbl>
+  <dgm:styleLbl name="asst0">
+    <dgm:scene3d>
+      <a:camera prst="orthographicFront"/>
+      <a:lightRig rig="threePt" dir="t"/>
+    </dgm:scene3d>
+    <dgm:sp3d/>
+    <dgm:txPr/>
+    <dgm:style>
+      <a:lnRef idx="2">
+        <a:scrgbClr r="0" g="0" b="0"/>
+      </a:lnRef>
+      <a:fillRef idx="1">
+        <a:scrgbClr r="0" g="0" b="0"/>
+      </a:fillRef>
+      <a:effectRef idx="0">
+        <a:scrgbClr r="0" g="0" b="0"/>
+      </a:effectRef>
+      <a:fontRef idx="minor">
+        <a:schemeClr val="lt1"/>
+      </a:fontRef>
+    </dgm:style>
+  </dgm:styleLbl>
+  <dgm:styleLbl name="asst1">
+    <dgm:scene3d>
+      <a:camera prst="orthographicFront"/>
+      <a:lightRig rig="threePt" dir="t"/>
+    </dgm:scene3d>
+    <dgm:sp3d/>
+    <dgm:txPr/>
+    <dgm:style>
+      <a:lnRef idx="2">
+        <a:scrgbClr r="0" g="0" b="0"/>
+      </a:lnRef>
+      <a:fillRef idx="1">
+        <a:scrgbClr r="0" g="0" b="0"/>
+      </a:fillRef>
+      <a:effectRef idx="0">
+        <a:scrgbClr r="0" g="0" b="0"/>
+      </a:effectRef>
+      <a:fontRef idx="minor">
+        <a:schemeClr val="lt1"/>
+      </a:fontRef>
+    </dgm:style>
+  </dgm:styleLbl>
+  <dgm:styleLbl name="asst2">
+    <dgm:scene3d>
+      <a:camera prst="orthographicFront"/>
+      <a:lightRig rig="threePt" dir="t"/>
+    </dgm:scene3d>
+    <dgm:sp3d/>
+    <dgm:txPr/>
+    <dgm:style>
+      <a:lnRef idx="2">
+        <a:scrgbClr r="0" g="0" b="0"/>
+      </a:lnRef>
+      <a:fillRef idx="1">
+        <a:scrgbClr r="0" g="0" b="0"/>
+      </a:fillRef>
+      <a:effectRef idx="0">
+        <a:scrgbClr r="0" g="0" b="0"/>
+      </a:effectRef>
+      <a:fontRef idx="minor">
+        <a:schemeClr val="lt1"/>
+      </a:fontRef>
+    </dgm:style>
+  </dgm:styleLbl>
+  <dgm:styleLbl name="asst3">
+    <dgm:scene3d>
+      <a:camera prst="orthographicFront"/>
+      <a:lightRig rig="threePt" dir="t"/>
+    </dgm:scene3d>
+    <dgm:sp3d/>
+    <dgm:txPr/>
+    <dgm:style>
+      <a:lnRef idx="2">
+        <a:scrgbClr r="0" g="0" b="0"/>
+      </a:lnRef>
+      <a:fillRef idx="1">
+        <a:scrgbClr r="0" g="0" b="0"/>
+      </a:fillRef>
+      <a:effectRef idx="0">
+        <a:scrgbClr r="0" g="0" b="0"/>
+      </a:effectRef>
+      <a:fontRef idx="minor">
+        <a:schemeClr val="lt1"/>
+      </a:fontRef>
+    </dgm:style>
+  </dgm:styleLbl>
+  <dgm:styleLbl name="asst4">
+    <dgm:scene3d>
+      <a:camera prst="orthographicFront"/>
+      <a:lightRig rig="threePt" dir="t"/>
+    </dgm:scene3d>
+    <dgm:sp3d/>
+    <dgm:txPr/>
+    <dgm:style>
+      <a:lnRef idx="2">
+        <a:scrgbClr r="0" g="0" b="0"/>
+      </a:lnRef>
+      <a:fillRef idx="1">
+        <a:scrgbClr r="0" g="0" b="0"/>
+      </a:fillRef>
+      <a:effectRef idx="0">
+        <a:scrgbClr r="0" g="0" b="0"/>
+      </a:effectRef>
+      <a:fontRef idx="minor">
+        <a:schemeClr val="lt1"/>
+      </a:fontRef>
+    </dgm:style>
+  </dgm:styleLbl>
+  <dgm:styleLbl name="parChTrans2D1">
+    <dgm:scene3d>
+      <a:camera prst="orthographicFront"/>
+      <a:lightRig rig="threePt" dir="t"/>
+    </dgm:scene3d>
+    <dgm:sp3d/>
+    <dgm:txPr/>
+    <dgm:style>
+      <a:lnRef idx="2">
+        <a:scrgbClr r="0" g="0" b="0"/>
+      </a:lnRef>
+      <a:fillRef idx="1">
+        <a:scrgbClr r="0" g="0" b="0"/>
+      </a:fillRef>
+      <a:effectRef idx="0">
+        <a:scrgbClr r="0" g="0" b="0"/>
+      </a:effectRef>
+      <a:fontRef idx="minor">
+        <a:schemeClr val="lt1"/>
+      </a:fontRef>
+    </dgm:style>
+  </dgm:styleLbl>
+  <dgm:styleLbl name="parChTrans2D2">
+    <dgm:scene3d>
+      <a:camera prst="orthographicFront"/>
+      <a:lightRig rig="threePt" dir="t"/>
+    </dgm:scene3d>
+    <dgm:sp3d/>
+    <dgm:txPr/>
+    <dgm:style>
+      <a:lnRef idx="2">
+        <a:scrgbClr r="0" g="0" b="0"/>
+      </a:lnRef>
+      <a:fillRef idx="1">
+        <a:scrgbClr r="0" g="0" b="0"/>
+      </a:fillRef>
+      <a:effectRef idx="0">
+        <a:scrgbClr r="0" g="0" b="0"/>
+      </a:effectRef>
+      <a:fontRef idx="minor">
+        <a:schemeClr val="lt1"/>
+      </a:fontRef>
+    </dgm:style>
+  </dgm:styleLbl>
+  <dgm:styleLbl name="parChTrans2D3">
+    <dgm:scene3d>
+      <a:camera prst="orthographicFront"/>
+      <a:lightRig rig="threePt" dir="t"/>
+    </dgm:scene3d>
+    <dgm:sp3d/>
+    <dgm:txPr/>
+    <dgm:style>
+      <a:lnRef idx="2">
+        <a:scrgbClr r="0" g="0" b="0"/>
+      </a:lnRef>
+      <a:fillRef idx="1">
+        <a:scrgbClr r="0" g="0" b="0"/>
+      </a:fillRef>
+      <a:effectRef idx="0">
+        <a:scrgbClr r="0" g="0" b="0"/>
+      </a:effectRef>
+      <a:fontRef idx="minor">
+        <a:schemeClr val="lt1"/>
+      </a:fontRef>
+    </dgm:style>
+  </dgm:styleLbl>
+  <dgm:styleLbl name="parChTrans2D4">
+    <dgm:scene3d>
+      <a:camera prst="orthographicFront"/>
+      <a:lightRig rig="threePt" dir="t"/>
+    </dgm:scene3d>
+    <dgm:sp3d/>
+    <dgm:txPr/>
+    <dgm:style>
+      <a:lnRef idx="2">
+        <a:scrgbClr r="0" g="0" b="0"/>
+      </a:lnRef>
+      <a:fillRef idx="1">
+        <a:scrgbClr r="0" g="0" b="0"/>
+      </a:fillRef>
+      <a:effectRef idx="0">
+        <a:scrgbClr r="0" g="0" b="0"/>
+      </a:effectRef>
+      <a:fontRef idx="minor">
+        <a:schemeClr val="lt1"/>
+      </a:fontRef>
+    </dgm:style>
+  </dgm:styleLbl>
+  <dgm:styleLbl name="parChTrans1D1">
+    <dgm:scene3d>
+      <a:camera prst="orthographicFront"/>
+      <a:lightRig rig="threePt" dir="t"/>
+    </dgm:scene3d>
+    <dgm:sp3d/>
+    <dgm:txPr/>
+    <dgm:style>
+      <a:lnRef idx="2">
+        <a:scrgbClr r="0" g="0" b="0"/>
+      </a:lnRef>
+      <a:fillRef idx="0">
+        <a:scrgbClr r="0" g="0" b="0"/>
+      </a:fillRef>
+      <a:effectRef idx="0">
+        <a:scrgbClr r="0" g="0" b="0"/>
+      </a:effectRef>
+      <a:fontRef idx="minor"/>
+    </dgm:style>
+  </dgm:styleLbl>
+  <dgm:styleLbl name="parChTrans1D2">
+    <dgm:scene3d>
+      <a:camera prst="orthographicFront"/>
+      <a:lightRig rig="threePt" dir="t"/>
+    </dgm:scene3d>
+    <dgm:sp3d/>
+    <dgm:txPr/>
+    <dgm:style>
+      <a:lnRef idx="2">
+        <a:scrgbClr r="0" g="0" b="0"/>
+      </a:lnRef>
+      <a:fillRef idx="0">
+        <a:scrgbClr r="0" g="0" b="0"/>
+      </a:fillRef>
+      <a:effectRef idx="0">
+        <a:scrgbClr r="0" g="0" b="0"/>
+      </a:effectRef>
+      <a:fontRef idx="minor"/>
+    </dgm:style>
+  </dgm:styleLbl>
+  <dgm:styleLbl name="parChTrans1D3">
+    <dgm:scene3d>
+      <a:camera prst="orthographicFront"/>
+      <a:lightRig rig="threePt" dir="t"/>
+    </dgm:scene3d>
+    <dgm:sp3d/>
+    <dgm:txPr/>
+    <dgm:style>
+      <a:lnRef idx="2">
+        <a:scrgbClr r="0" g="0" b="0"/>
+      </a:lnRef>
+      <a:fillRef idx="0">
+        <a:scrgbClr r="0" g="0" b="0"/>
+      </a:fillRef>
+      <a:effectRef idx="0">
+        <a:scrgbClr r="0" g="0" b="0"/>
+      </a:effectRef>
+      <a:fontRef idx="minor"/>
+    </dgm:style>
+  </dgm:styleLbl>
+  <dgm:styleLbl name="parChTrans1D4">
+    <dgm:scene3d>
+      <a:camera prst="orthographicFront"/>
+      <a:lightRig rig="threePt" dir="t"/>
+    </dgm:scene3d>
+    <dgm:sp3d/>
+    <dgm:txPr/>
+    <dgm:style>
+      <a:lnRef idx="2">
+        <a:scrgbClr r="0" g="0" b="0"/>
+      </a:lnRef>
+      <a:fillRef idx="0">
+        <a:scrgbClr r="0" g="0" b="0"/>
+      </a:fillRef>
+      <a:effectRef idx="0">
+        <a:scrgbClr r="0" g="0" b="0"/>
+      </a:effectRef>
+      <a:fontRef idx="minor"/>
+    </dgm:style>
+  </dgm:styleLbl>
+  <dgm:styleLbl name="fgAcc1">
+    <dgm:scene3d>
+      <a:camera prst="orthographicFront"/>
+      <a:lightRig rig="threePt" dir="t"/>
+    </dgm:scene3d>
+    <dgm:sp3d/>
+    <dgm:txPr/>
+    <dgm:style>
+      <a:lnRef idx="2">
+        <a:scrgbClr r="0" g="0" b="0"/>
+      </a:lnRef>
+      <a:fillRef idx="1">
+        <a:scrgbClr r="0" g="0" b="0"/>
+      </a:fillRef>
+      <a:effectRef idx="0">
+        <a:scrgbClr r="0" g="0" b="0"/>
+      </a:effectRef>
+      <a:fontRef idx="minor"/>
+    </dgm:style>
+  </dgm:styleLbl>
+  <dgm:styleLbl name="conFgAcc1">
+    <dgm:scene3d>
+      <a:camera prst="orthographicFront"/>
+      <a:lightRig rig="threePt" dir="t"/>
+    </dgm:scene3d>
+    <dgm:sp3d/>
+    <dgm:txPr/>
+    <dgm:style>
+      <a:lnRef idx="2">
+        <a:scrgbClr r="0" g="0" b="0"/>
+      </a:lnRef>
+      <a:fillRef idx="1">
+        <a:scrgbClr r="0" g="0" b="0"/>
+      </a:fillRef>
+      <a:effectRef idx="0">
+        <a:scrgbClr r="0" g="0" b="0"/>
+      </a:effectRef>
+      <a:fontRef idx="minor"/>
+    </dgm:style>
+  </dgm:styleLbl>
+  <dgm:styleLbl name="alignAcc1">
+    <dgm:scene3d>
+      <a:camera prst="orthographicFront"/>
+      <a:lightRig rig="threePt" dir="t"/>
+    </dgm:scene3d>
+    <dgm:sp3d/>
+    <dgm:txPr/>
+    <dgm:style>
+      <a:lnRef idx="2">
+        <a:scrgbClr r="0" g="0" b="0"/>
+      </a:lnRef>
+      <a:fillRef idx="1">
+        <a:scrgbClr r="0" g="0" b="0"/>
+      </a:fillRef>
+      <a:effectRef idx="0">
+        <a:scrgbClr r="0" g="0" b="0"/>
+      </a:effectRef>
+      <a:fontRef idx="minor"/>
+    </dgm:style>
+  </dgm:styleLbl>
+  <dgm:styleLbl name="trAlignAcc1">
+    <dgm:scene3d>
+      <a:camera prst="orthographicFront"/>
+      <a:lightRig rig="threePt" dir="t"/>
+    </dgm:scene3d>
+    <dgm:sp3d/>
+    <dgm:txPr/>
+    <dgm:style>
+      <a:lnRef idx="1">
+        <a:scrgbClr r="0" g="0" b="0"/>
+      </a:lnRef>
+      <a:fillRef idx="1">
+        <a:scrgbClr r="0" g="0" b="0"/>
+      </a:fillRef>
+      <a:effectRef idx="0">
+        <a:scrgbClr r="0" g="0" b="0"/>
+      </a:effectRef>
+      <a:fontRef idx="minor"/>
+    </dgm:style>
+  </dgm:styleLbl>
+  <dgm:styleLbl name="bgAcc1">
+    <dgm:scene3d>
+      <a:camera prst="orthographicFront"/>
+      <a:lightRig rig="threePt" dir="t"/>
+    </dgm:scene3d>
+    <dgm:sp3d/>
+    <dgm:txPr/>
+    <dgm:style>
+      <a:lnRef idx="2">
+        <a:scrgbClr r="0" g="0" b="0"/>
+      </a:lnRef>
+      <a:fillRef idx="1">
+        <a:scrgbClr r="0" g="0" b="0"/>
+      </a:fillRef>
+      <a:effectRef idx="0">
+        <a:scrgbClr r="0" g="0" b="0"/>
+      </a:effectRef>
+      <a:fontRef idx="minor"/>
+    </dgm:style>
+  </dgm:styleLbl>
+  <dgm:styleLbl name="solidFgAcc1">
+    <dgm:scene3d>
+      <a:camera prst="orthographicFront"/>
+      <a:lightRig rig="threePt" dir="t"/>
+    </dgm:scene3d>
+    <dgm:sp3d/>
+    <dgm:txPr/>
+    <dgm:style>
+      <a:lnRef idx="2">
+        <a:scrgbClr r="0" g="0" b="0"/>
+      </a:lnRef>
+      <a:fillRef idx="1">
+        <a:scrgbClr r="0" g="0" b="0"/>
+      </a:fillRef>
+      <a:effectRef idx="0">
+        <a:scrgbClr r="0" g="0" b="0"/>
+      </a:effectRef>
+      <a:fontRef idx="minor"/>
+    </dgm:style>
+  </dgm:styleLbl>
+  <dgm:styleLbl name="solidAlignAcc1">
+    <dgm:scene3d>
+      <a:camera prst="orthographicFront"/>
+      <a:lightRig rig="threePt" dir="t"/>
+    </dgm:scene3d>
+    <dgm:sp3d/>
+    <dgm:txPr/>
+    <dgm:style>
+      <a:lnRef idx="2">
+        <a:scrgbClr r="0" g="0" b="0"/>
+      </a:lnRef>
+      <a:fillRef idx="1">
+        <a:scrgbClr r="0" g="0" b="0"/>
+      </a:fillRef>
+      <a:effectRef idx="0">
+        <a:scrgbClr r="0" g="0" b="0"/>
+      </a:effectRef>
+      <a:fontRef idx="minor"/>
+    </dgm:style>
+  </dgm:styleLbl>
+  <dgm:styleLbl name="solidBgAcc1">
+    <dgm:scene3d>
+      <a:camera prst="orthographicFront"/>
+      <a:lightRig rig="threePt" dir="t"/>
+    </dgm:scene3d>
+    <dgm:sp3d/>
+    <dgm:txPr/>
+    <dgm:style>
+      <a:lnRef idx="2">
+        <a:scrgbClr r="0" g="0" b="0"/>
+      </a:lnRef>
+      <a:fillRef idx="1">
+        <a:scrgbClr r="0" g="0" b="0"/>
+      </a:fillRef>
+      <a:effectRef idx="0">
+        <a:scrgbClr r="0" g="0" b="0"/>
+      </a:effectRef>
+      <a:fontRef idx="minor"/>
+    </dgm:style>
+  </dgm:styleLbl>
+  <dgm:styleLbl name="fgAccFollowNode1">
+    <dgm:scene3d>
+      <a:camera prst="orthographicFront"/>
+      <a:lightRig rig="threePt" dir="t"/>
+    </dgm:scene3d>
+    <dgm:sp3d/>
+    <dgm:txPr/>
+    <dgm:style>
+      <a:lnRef idx="2">
+        <a:scrgbClr r="0" g="0" b="0"/>
+      </a:lnRef>
+      <a:fillRef idx="1">
+        <a:scrgbClr r="0" g="0" b="0"/>
+      </a:fillRef>
+      <a:effectRef idx="0">
+        <a:scrgbClr r="0" g="0" b="0"/>
+      </a:effectRef>
+      <a:fontRef idx="minor"/>
+    </dgm:style>
+  </dgm:styleLbl>
+  <dgm:styleLbl name="alignAccFollowNode1">
+    <dgm:scene3d>
+      <a:camera prst="orthographicFront"/>
+      <a:lightRig rig="threePt" dir="t"/>
+    </dgm:scene3d>
+    <dgm:sp3d/>
+    <dgm:txPr/>
+    <dgm:style>
+      <a:lnRef idx="2">
+        <a:scrgbClr r="0" g="0" b="0"/>
+      </a:lnRef>
+      <a:fillRef idx="1">
+        <a:scrgbClr r="0" g="0" b="0"/>
+      </a:fillRef>
+      <a:effectRef idx="0">
+        <a:scrgbClr r="0" g="0" b="0"/>
+      </a:effectRef>
+      <a:fontRef idx="minor"/>
+    </dgm:style>
+  </dgm:styleLbl>
+  <dgm:styleLbl name="bgAccFollowNode1">
+    <dgm:scene3d>
+      <a:camera prst="orthographicFront"/>
+      <a:lightRig rig="threePt" dir="t"/>
+    </dgm:scene3d>
+    <dgm:sp3d/>
+    <dgm:txPr/>
+    <dgm:style>
+      <a:lnRef idx="2">
+        <a:scrgbClr r="0" g="0" b="0"/>
+      </a:lnRef>
+      <a:fillRef idx="1">
+        <a:scrgbClr r="0" g="0" b="0"/>
+      </a:fillRef>
+      <a:effectRef idx="0">
+        <a:scrgbClr r="0" g="0" b="0"/>
+      </a:effectRef>
+      <a:fontRef idx="minor"/>
+    </dgm:style>
+  </dgm:styleLbl>
+  <dgm:styleLbl name="fgAcc0">
+    <dgm:scene3d>
+      <a:camera prst="orthographicFront"/>
+      <a:lightRig rig="threePt" dir="t"/>
+    </dgm:scene3d>
+    <dgm:sp3d/>
+    <dgm:txPr/>
+    <dgm:style>
+      <a:lnRef idx="2">
+        <a:scrgbClr r="0" g="0" b="0"/>
+      </a:lnRef>
+      <a:fillRef idx="1">
+        <a:scrgbClr r="0" g="0" b="0"/>
+      </a:fillRef>
+      <a:effectRef idx="0">
+        <a:scrgbClr r="0" g="0" b="0"/>
+      </a:effectRef>
+      <a:fontRef idx="minor"/>
+    </dgm:style>
+  </dgm:styleLbl>
+  <dgm:styleLbl name="fgAcc2">
+    <dgm:scene3d>
+      <a:camera prst="orthographicFront"/>
+      <a:lightRig rig="threePt" dir="t"/>
+    </dgm:scene3d>
+    <dgm:sp3d/>
+    <dgm:txPr/>
+    <dgm:style>
+      <a:lnRef idx="2">
+        <a:scrgbClr r="0" g="0" b="0"/>
+      </a:lnRef>
+      <a:fillRef idx="1">
+        <a:scrgbClr r="0" g="0" b="0"/>
+      </a:fillRef>
+      <a:effectRef idx="0">
+        <a:scrgbClr r="0" g="0" b="0"/>
+      </a:effectRef>
+      <a:fontRef idx="minor"/>
+    </dgm:style>
+  </dgm:styleLbl>
+  <dgm:styleLbl name="fgAcc3">
+    <dgm:scene3d>
+      <a:camera prst="orthographicFront"/>
+      <a:lightRig rig="threePt" dir="t"/>
+    </dgm:scene3d>
+    <dgm:sp3d/>
+    <dgm:txPr/>
+    <dgm:style>
+      <a:lnRef idx="2">
+        <a:scrgbClr r="0" g="0" b="0"/>
+      </a:lnRef>
+      <a:fillRef idx="1">
+        <a:scrgbClr r="0" g="0" b="0"/>
+      </a:fillRef>
+      <a:effectRef idx="0">
+        <a:scrgbClr r="0" g="0" b="0"/>
+      </a:effectRef>
+      <a:fontRef idx="minor"/>
+    </dgm:style>
+  </dgm:styleLbl>
+  <dgm:styleLbl name="fgAcc4">
+    <dgm:scene3d>
+      <a:camera prst="orthographicFront"/>
+      <a:lightRig rig="threePt" dir="t"/>
+    </dgm:scene3d>
+    <dgm:sp3d/>
+    <dgm:txPr/>
+    <dgm:style>
+      <a:lnRef idx="2">
+        <a:scrgbClr r="0" g="0" b="0"/>
+      </a:lnRef>
+      <a:fillRef idx="1">
+        <a:scrgbClr r="0" g="0" b="0"/>
+      </a:fillRef>
+      <a:effectRef idx="0">
+        <a:scrgbClr r="0" g="0" b="0"/>
+      </a:effectRef>
+      <a:fontRef idx="minor"/>
+    </dgm:style>
+  </dgm:styleLbl>
+  <dgm:styleLbl name="bgShp">
+    <dgm:scene3d>
+      <a:camera prst="orthographicFront"/>
+      <a:lightRig rig="threePt" dir="t"/>
+    </dgm:scene3d>
+    <dgm:sp3d/>
+    <dgm:txPr/>
+    <dgm:style>
+      <a:lnRef idx="0">
+        <a:scrgbClr r="0" g="0" b="0"/>
+      </a:lnRef>
+      <a:fillRef idx="1">
+        <a:scrgbClr r="0" g="0" b="0"/>
+      </a:fillRef>
+      <a:effectRef idx="0">
+        <a:scrgbClr r="0" g="0" b="0"/>
+      </a:effectRef>
+      <a:fontRef idx="minor"/>
+    </dgm:style>
+  </dgm:styleLbl>
+  <dgm:styleLbl name="dkBgShp">
+    <dgm:scene3d>
+      <a:camera prst="orthographicFront"/>
+      <a:lightRig rig="threePt" dir="t"/>
+    </dgm:scene3d>
+    <dgm:sp3d/>
+    <dgm:txPr/>
+    <dgm:style>
+      <a:lnRef idx="0">
+        <a:scrgbClr r="0" g="0" b="0"/>
+      </a:lnRef>
+      <a:fillRef idx="1">
+        <a:scrgbClr r="0" g="0" b="0"/>
+      </a:fillRef>
+      <a:effectRef idx="0">
+        <a:scrgbClr r="0" g="0" b="0"/>
+      </a:effectRef>
+      <a:fontRef idx="minor"/>
+    </dgm:style>
+  </dgm:styleLbl>
+  <dgm:styleLbl name="trBgShp">
+    <dgm:scene3d>
+      <a:camera prst="orthographicFront"/>
+      <a:lightRig rig="threePt" dir="t"/>
+    </dgm:scene3d>
+    <dgm:sp3d/>
+    <dgm:txPr/>
+    <dgm:style>
+      <a:lnRef idx="0">
+        <a:scrgbClr r="0" g="0" b="0"/>
+      </a:lnRef>
+      <a:fillRef idx="1">
+        <a:scrgbClr r="0" g="0" b="0"/>
+      </a:fillRef>
+      <a:effectRef idx="0">
+        <a:scrgbClr r="0" g="0" b="0"/>
+      </a:effectRef>
+      <a:fontRef idx="minor"/>
+    </dgm:style>
+  </dgm:styleLbl>
+  <dgm:styleLbl name="fgShp">
+    <dgm:scene3d>
+      <a:camera prst="orthographicFront"/>
+      <a:lightRig rig="threePt" dir="t"/>
+    </dgm:scene3d>
+    <dgm:sp3d/>
+    <dgm:txPr/>
+    <dgm:style>
+      <a:lnRef idx="2">
+        <a:scrgbClr r="0" g="0" b="0"/>
+      </a:lnRef>
+      <a:fillRef idx="1">
+        <a:scrgbClr r="0" g="0" b="0"/>
+      </a:fillRef>
+      <a:effectRef idx="0">
+        <a:scrgbClr r="0" g="0" b="0"/>
+      </a:effectRef>
+      <a:fontRef idx="minor"/>
+    </dgm:style>
+  </dgm:styleLbl>
+  <dgm:styleLbl name="revTx">
+    <dgm:scene3d>
+      <a:camera prst="orthographicFront"/>
+      <a:lightRig rig="threePt" dir="t"/>
+    </dgm:scene3d>
+    <dgm:sp3d/>
+    <dgm:txPr/>
+    <dgm:style>
+      <a:lnRef idx="0">
+        <a:scrgbClr r="0" g="0" b="0"/>
+      </a:lnRef>
+      <a:fillRef idx="0">
+        <a:scrgbClr r="0" g="0" b="0"/>
+      </a:fillRef>
+      <a:effectRef idx="0">
+        <a:scrgbClr r="0" g="0" b="0"/>
+      </a:effectRef>
+      <a:fontRef idx="minor"/>
+    </dgm:style>
+  </dgm:styleLbl>
+</dgm:styleDef>
+</file>
+
+<file path=ppt/diagrams/quickStyle6.xml><?xml version="1.0" encoding="utf-8"?>
 <dgm:styleDef xmlns:dgm="http://schemas.openxmlformats.org/drawingml/2006/diagram" xmlns:a="http://schemas.openxmlformats.org/drawingml/2006/main" uniqueId="urn:microsoft.com/office/officeart/2005/8/quickstyle/simple1">
   <dgm:title val=""/>
   <dgm:desc val=""/>
@@ -16031,7 +19180,7 @@
           <a:p>
             <a:fld id="{5100E855-DC3F-44F7-B6F1-F5D0C0D1A424}" type="datetimeFigureOut">
               <a:rPr lang="en-US" smtClean="0"/>
-              <a:t>4/6/2021</a:t>
+              <a:t>4/11/2021</a:t>
             </a:fld>
             <a:endParaRPr lang="en-US"/>
           </a:p>
@@ -17138,6 +20287,90 @@
 </p:notes>
 </file>
 
+<file path=ppt/notesSlides/notesSlide6.xml><?xml version="1.0" encoding="utf-8"?>
+<p:notes xmlns:a="http://schemas.openxmlformats.org/drawingml/2006/main" xmlns:r="http://schemas.openxmlformats.org/officeDocument/2006/relationships" xmlns:p="http://schemas.openxmlformats.org/presentationml/2006/main">
+  <p:cSld>
+    <p:spTree>
+      <p:nvGrpSpPr>
+        <p:cNvPr id="1" name=""/>
+        <p:cNvGrpSpPr/>
+        <p:nvPr/>
+      </p:nvGrpSpPr>
+      <p:grpSpPr>
+        <a:xfrm>
+          <a:off x="0" y="0"/>
+          <a:ext cx="0" cy="0"/>
+          <a:chOff x="0" y="0"/>
+          <a:chExt cx="0" cy="0"/>
+        </a:xfrm>
+      </p:grpSpPr>
+      <p:sp>
+        <p:nvSpPr>
+          <p:cNvPr id="2" name="Slide Image Placeholder 1"/>
+          <p:cNvSpPr>
+            <a:spLocks noGrp="1" noRot="1" noChangeAspect="1"/>
+          </p:cNvSpPr>
+          <p:nvPr>
+            <p:ph type="sldImg"/>
+          </p:nvPr>
+        </p:nvSpPr>
+        <p:spPr/>
+      </p:sp>
+      <p:sp>
+        <p:nvSpPr>
+          <p:cNvPr id="3" name="Notes Placeholder 2"/>
+          <p:cNvSpPr>
+            <a:spLocks noGrp="1"/>
+          </p:cNvSpPr>
+          <p:nvPr>
+            <p:ph type="body" idx="1"/>
+          </p:nvPr>
+        </p:nvSpPr>
+        <p:spPr/>
+        <p:txBody>
+          <a:bodyPr/>
+          <a:lstStyle/>
+          <a:p>
+            <a:endParaRPr lang="en-US" dirty="0"/>
+          </a:p>
+        </p:txBody>
+      </p:sp>
+      <p:sp>
+        <p:nvSpPr>
+          <p:cNvPr id="4" name="Slide Number Placeholder 3"/>
+          <p:cNvSpPr>
+            <a:spLocks noGrp="1"/>
+          </p:cNvSpPr>
+          <p:nvPr>
+            <p:ph type="sldNum" sz="quarter" idx="5"/>
+          </p:nvPr>
+        </p:nvSpPr>
+        <p:spPr/>
+        <p:txBody>
+          <a:bodyPr/>
+          <a:lstStyle/>
+          <a:p>
+            <a:fld id="{378EC67B-05AF-45BD-9870-8FF3B10B57E3}" type="slidenum">
+              <a:rPr lang="en-US" smtClean="0"/>
+              <a:t>13</a:t>
+            </a:fld>
+            <a:endParaRPr lang="en-US"/>
+          </a:p>
+        </p:txBody>
+      </p:sp>
+    </p:spTree>
+    <p:extLst>
+      <p:ext uri="{BB962C8B-B14F-4D97-AF65-F5344CB8AC3E}">
+        <p14:creationId xmlns:p14="http://schemas.microsoft.com/office/powerpoint/2010/main" val="1276376470"/>
+      </p:ext>
+    </p:extLst>
+  </p:cSld>
+  <p:clrMapOvr>
+    <a:masterClrMapping/>
+  </p:clrMapOvr>
+</p:notes>
+</file>
+
 <file path=ppt/slideLayouts/slideLayout1.xml><?xml version="1.0" encoding="utf-8"?>
 <p:sldLayout xmlns:a="http://schemas.openxmlformats.org/drawingml/2006/main" xmlns:r="http://schemas.openxmlformats.org/officeDocument/2006/relationships" xmlns:p="http://schemas.openxmlformats.org/presentationml/2006/main" showMasterSp="0" type="title" preserve="1">
   <p:cSld name="Title Slide">
@@ -17382,7 +20615,7 @@
           <a:p>
             <a:fld id="{9184DA70-C731-4C70-880D-CCD4705E623C}" type="datetime1">
               <a:rPr lang="en-US" smtClean="0"/>
-              <a:t>4/6/2021</a:t>
+              <a:t>4/11/2021</a:t>
             </a:fld>
             <a:endParaRPr lang="en-US" dirty="0"/>
           </a:p>
@@ -17570,7 +20803,7 @@
           <a:p>
             <a:fld id="{4BE1D723-8F53-4F53-90B0-1982A396982E}" type="datetime1">
               <a:rPr lang="en-US" smtClean="0"/>
-              <a:t>4/6/2021</a:t>
+              <a:t>4/11/2021</a:t>
             </a:fld>
             <a:endParaRPr lang="en-US" dirty="0"/>
           </a:p>
@@ -17943,7 +21176,7 @@
           <a:p>
             <a:fld id="{97669AF7-7BEB-44E4-9852-375E34362B5B}" type="datetime1">
               <a:rPr lang="en-US" smtClean="0"/>
-              <a:t>4/6/2021</a:t>
+              <a:t>4/11/2021</a:t>
             </a:fld>
             <a:endParaRPr lang="en-US" dirty="0"/>
           </a:p>
@@ -18198,7 +21431,7 @@
           <a:p>
             <a:fld id="{BAAAC38D-0552-4C82-B593-E6124DFADBE2}" type="datetime1">
               <a:rPr lang="en-US" smtClean="0"/>
-              <a:t>4/6/2021</a:t>
+              <a:t>4/11/2021</a:t>
             </a:fld>
             <a:endParaRPr lang="en-US" dirty="0"/>
           </a:p>
@@ -18595,7 +21828,7 @@
           <a:p>
             <a:fld id="{D9DF0F1C-5577-4ACB-BB62-DF8F3C494C7E}" type="datetime1">
               <a:rPr lang="en-US" smtClean="0"/>
-              <a:t>4/6/2021</a:t>
+              <a:t>4/11/2021</a:t>
             </a:fld>
             <a:endParaRPr lang="en-US" dirty="0"/>
           </a:p>
@@ -18731,7 +21964,7 @@
           <a:p>
             <a:fld id="{1775B394-D9F9-4F0C-B15D-605F45CB9E9F}" type="datetime1">
               <a:rPr lang="en-US" smtClean="0"/>
-              <a:t>4/6/2021</a:t>
+              <a:t>4/11/2021</a:t>
             </a:fld>
             <a:endParaRPr lang="en-US" dirty="0"/>
           </a:p>
@@ -18888,7 +22121,7 @@
           <a:p>
             <a:fld id="{39667345-2558-425A-8533-9BFDBCE15005}" type="datetime1">
               <a:rPr lang="en-US" smtClean="0"/>
-              <a:t>4/6/2021</a:t>
+              <a:t>4/11/2021</a:t>
             </a:fld>
             <a:endParaRPr lang="en-US" dirty="0"/>
           </a:p>
@@ -19217,7 +22450,7 @@
           <a:p>
             <a:fld id="{92BEA474-078D-4E9B-9B14-09A87B19DC46}" type="datetime1">
               <a:rPr lang="en-US" smtClean="0"/>
-              <a:t>4/6/2021</a:t>
+              <a:t>4/11/2021</a:t>
             </a:fld>
             <a:endParaRPr lang="en-US" dirty="0"/>
           </a:p>
@@ -19567,7 +22800,7 @@
           <a:p>
             <a:fld id="{4907D986-8816-4272-A432-0437A28A9828}" type="datetime1">
               <a:rPr lang="en-US" smtClean="0"/>
-              <a:t>4/6/2021</a:t>
+              <a:t>4/11/2021</a:t>
             </a:fld>
             <a:endParaRPr lang="en-US" dirty="0"/>
           </a:p>
@@ -19828,7 +23061,7 @@
           <a:p>
             <a:fld id="{62D6E202-B606-4609-B914-27C9371A1F6D}" type="datetime1">
               <a:rPr lang="en-US" smtClean="0"/>
-              <a:t>4/6/2021</a:t>
+              <a:t>4/11/2021</a:t>
             </a:fld>
             <a:endParaRPr lang="en-US" dirty="0"/>
           </a:p>
@@ -21852,6 +25085,866 @@
     <p:extLst>
       <p:ext uri="{BB962C8B-B14F-4D97-AF65-F5344CB8AC3E}">
         <p14:creationId xmlns:p14="http://schemas.microsoft.com/office/powerpoint/2010/main" val="602677226"/>
+      </p:ext>
+    </p:extLst>
+  </p:cSld>
+  <p:clrMapOvr>
+    <a:masterClrMapping/>
+  </p:clrMapOvr>
+</p:sld>
+</file>
+
+<file path=ppt/slides/slide13.xml><?xml version="1.0" encoding="utf-8"?>
+<p:sld xmlns:a="http://schemas.openxmlformats.org/drawingml/2006/main" xmlns:r="http://schemas.openxmlformats.org/officeDocument/2006/relationships" xmlns:p="http://schemas.openxmlformats.org/presentationml/2006/main">
+  <p:cSld>
+    <p:bg>
+      <p:bgPr>
+        <a:solidFill>
+          <a:schemeClr val="bg1"/>
+        </a:solidFill>
+        <a:effectLst/>
+      </p:bgPr>
+    </p:bg>
+    <p:spTree>
+      <p:nvGrpSpPr>
+        <p:cNvPr id="1" name=""/>
+        <p:cNvGrpSpPr/>
+        <p:nvPr/>
+      </p:nvGrpSpPr>
+      <p:grpSpPr>
+        <a:xfrm>
+          <a:off x="0" y="0"/>
+          <a:ext cx="0" cy="0"/>
+          <a:chOff x="0" y="0"/>
+          <a:chExt cx="0" cy="0"/>
+        </a:xfrm>
+      </p:grpSpPr>
+      <p:sp>
+        <p:nvSpPr>
+          <p:cNvPr id="1034" name="Rectangle 76">
+            <a:extLst>
+              <a:ext uri="{FF2B5EF4-FFF2-40B4-BE49-F238E27FC236}">
+                <a16:creationId xmlns:a16="http://schemas.microsoft.com/office/drawing/2014/main" id="{416A0E3C-60E6-4F39-BC55-5F7C224E1F7C}"/>
+              </a:ext>
+              <a:ext uri="{C183D7F6-B498-43B3-948B-1728B52AA6E4}">
+                <adec:decorative xmlns:adec="http://schemas.microsoft.com/office/drawing/2017/decorative" val="1"/>
+              </a:ext>
+            </a:extLst>
+          </p:cNvPr>
+          <p:cNvSpPr>
+            <a:spLocks noGrp="1" noRot="1" noChangeAspect="1" noMove="1" noResize="1" noEditPoints="1" noAdjustHandles="1" noChangeArrowheads="1" noChangeShapeType="1" noTextEdit="1"/>
+          </p:cNvSpPr>
+          <p:nvPr>
+            <p:extLst>
+              <p:ext uri="{386F3935-93C4-4BCD-93E2-E3B085C9AB24}">
+                <p16:designElem xmlns:p16="http://schemas.microsoft.com/office/powerpoint/2015/main" val="1"/>
+              </p:ext>
+            </p:extLst>
+          </p:nvPr>
+        </p:nvSpPr>
+        <p:spPr>
+          <a:xfrm>
+            <a:off x="3175" y="6400800"/>
+            <a:ext cx="12188825" cy="457200"/>
+          </a:xfrm>
+          <a:prstGeom prst="rect">
+            <a:avLst/>
+          </a:prstGeom>
+          <a:solidFill>
+            <a:srgbClr val="262626"/>
+          </a:solidFill>
+          <a:ln>
+            <a:noFill/>
+          </a:ln>
+        </p:spPr>
+        <p:style>
+          <a:lnRef idx="2">
+            <a:schemeClr val="accent1">
+              <a:shade val="50000"/>
+            </a:schemeClr>
+          </a:lnRef>
+          <a:fillRef idx="1">
+            <a:schemeClr val="accent1"/>
+          </a:fillRef>
+          <a:effectRef idx="0">
+            <a:schemeClr val="accent1"/>
+          </a:effectRef>
+          <a:fontRef idx="minor">
+            <a:schemeClr val="lt1"/>
+          </a:fontRef>
+        </p:style>
+      </p:sp>
+      <p:cxnSp>
+        <p:nvCxnSpPr>
+          <p:cNvPr id="1035" name="Straight Connector 78">
+            <a:extLst>
+              <a:ext uri="{FF2B5EF4-FFF2-40B4-BE49-F238E27FC236}">
+                <a16:creationId xmlns:a16="http://schemas.microsoft.com/office/drawing/2014/main" id="{C5025DAC-8B93-4160-B017-3A274A5828C0}"/>
+              </a:ext>
+              <a:ext uri="{C183D7F6-B498-43B3-948B-1728B52AA6E4}">
+                <adec:decorative xmlns:adec="http://schemas.microsoft.com/office/drawing/2017/decorative" val="1"/>
+              </a:ext>
+            </a:extLst>
+          </p:cNvPr>
+          <p:cNvCxnSpPr>
+            <a:cxnSpLocks noGrp="1" noRot="1" noChangeAspect="1" noMove="1" noResize="1" noEditPoints="1" noAdjustHandles="1" noChangeArrowheads="1" noChangeShapeType="1"/>
+          </p:cNvCxnSpPr>
+          <p:nvPr>
+            <p:extLst>
+              <p:ext uri="{386F3935-93C4-4BCD-93E2-E3B085C9AB24}">
+                <p16:designElem xmlns:p16="http://schemas.microsoft.com/office/powerpoint/2015/main" val="1"/>
+              </p:ext>
+            </p:extLst>
+          </p:nvPr>
+        </p:nvCxnSpPr>
+        <p:spPr>
+          <a:xfrm>
+            <a:off x="1193532" y="1897380"/>
+            <a:ext cx="9966960" cy="0"/>
+          </a:xfrm>
+          <a:prstGeom prst="line">
+            <a:avLst/>
+          </a:prstGeom>
+          <a:ln w="12700">
+            <a:solidFill>
+              <a:schemeClr val="tx1">
+                <a:lumMod val="75000"/>
+                <a:lumOff val="25000"/>
+              </a:schemeClr>
+            </a:solidFill>
+          </a:ln>
+        </p:spPr>
+        <p:style>
+          <a:lnRef idx="1">
+            <a:schemeClr val="accent1"/>
+          </a:lnRef>
+          <a:fillRef idx="0">
+            <a:schemeClr val="accent1"/>
+          </a:fillRef>
+          <a:effectRef idx="0">
+            <a:schemeClr val="accent1"/>
+          </a:effectRef>
+          <a:fontRef idx="minor">
+            <a:schemeClr val="tx1"/>
+          </a:fontRef>
+        </p:style>
+      </p:cxnSp>
+      <p:sp useBgFill="1">
+        <p:nvSpPr>
+          <p:cNvPr id="1036" name="Rectangle 80">
+            <a:extLst>
+              <a:ext uri="{FF2B5EF4-FFF2-40B4-BE49-F238E27FC236}">
+                <a16:creationId xmlns:a16="http://schemas.microsoft.com/office/drawing/2014/main" id="{39B4056F-1959-4627-A683-77F6C0603FCD}"/>
+              </a:ext>
+              <a:ext uri="{C183D7F6-B498-43B3-948B-1728B52AA6E4}">
+                <adec:decorative xmlns:adec="http://schemas.microsoft.com/office/drawing/2017/decorative" val="1"/>
+              </a:ext>
+            </a:extLst>
+          </p:cNvPr>
+          <p:cNvSpPr>
+            <a:spLocks noGrp="1" noRot="1" noChangeAspect="1" noMove="1" noResize="1" noEditPoints="1" noAdjustHandles="1" noChangeArrowheads="1" noChangeShapeType="1" noTextEdit="1"/>
+          </p:cNvSpPr>
+          <p:nvPr>
+            <p:extLst>
+              <p:ext uri="{386F3935-93C4-4BCD-93E2-E3B085C9AB24}">
+                <p16:designElem xmlns:p16="http://schemas.microsoft.com/office/powerpoint/2015/main" val="1"/>
+              </p:ext>
+            </p:extLst>
+          </p:nvPr>
+        </p:nvSpPr>
+        <p:spPr>
+          <a:xfrm>
+            <a:off x="0" y="0"/>
+            <a:ext cx="12192001" cy="6858000"/>
+          </a:xfrm>
+          <a:prstGeom prst="rect">
+            <a:avLst/>
+          </a:prstGeom>
+          <a:ln>
+            <a:noFill/>
+          </a:ln>
+        </p:spPr>
+        <p:style>
+          <a:lnRef idx="2">
+            <a:schemeClr val="accent1">
+              <a:shade val="50000"/>
+            </a:schemeClr>
+          </a:lnRef>
+          <a:fillRef idx="1">
+            <a:schemeClr val="accent1"/>
+          </a:fillRef>
+          <a:effectRef idx="0">
+            <a:schemeClr val="accent1"/>
+          </a:effectRef>
+          <a:fontRef idx="minor">
+            <a:schemeClr val="lt1"/>
+          </a:fontRef>
+        </p:style>
+        <p:txBody>
+          <a:bodyPr rtlCol="0" anchor="ctr"/>
+          <a:lstStyle/>
+          <a:p>
+            <a:pPr algn="ctr"/>
+            <a:endParaRPr lang="en-US"/>
+          </a:p>
+        </p:txBody>
+      </p:sp>
+      <p:sp>
+        <p:nvSpPr>
+          <p:cNvPr id="1037" name="Rectangle 82">
+            <a:extLst>
+              <a:ext uri="{FF2B5EF4-FFF2-40B4-BE49-F238E27FC236}">
+                <a16:creationId xmlns:a16="http://schemas.microsoft.com/office/drawing/2014/main" id="{D8D7349B-C9FA-4FCE-A1FF-948F460A3A9A}"/>
+              </a:ext>
+              <a:ext uri="{C183D7F6-B498-43B3-948B-1728B52AA6E4}">
+                <adec:decorative xmlns:adec="http://schemas.microsoft.com/office/drawing/2017/decorative" val="1"/>
+              </a:ext>
+            </a:extLst>
+          </p:cNvPr>
+          <p:cNvSpPr>
+            <a:spLocks noGrp="1" noRot="1" noChangeAspect="1" noMove="1" noResize="1" noEditPoints="1" noAdjustHandles="1" noChangeArrowheads="1" noChangeShapeType="1" noTextEdit="1"/>
+          </p:cNvSpPr>
+          <p:nvPr>
+            <p:extLst>
+              <p:ext uri="{386F3935-93C4-4BCD-93E2-E3B085C9AB24}">
+                <p16:designElem xmlns:p16="http://schemas.microsoft.com/office/powerpoint/2015/main" val="1"/>
+              </p:ext>
+            </p:extLst>
+          </p:nvPr>
+        </p:nvSpPr>
+        <p:spPr bwMode="white">
+          <a:xfrm>
+            <a:off x="1507" y="4554906"/>
+            <a:ext cx="12188952" cy="2303094"/>
+          </a:xfrm>
+          <a:prstGeom prst="rect">
+            <a:avLst/>
+          </a:prstGeom>
+          <a:solidFill>
+            <a:srgbClr val="262626"/>
+          </a:solidFill>
+          <a:ln>
+            <a:noFill/>
+          </a:ln>
+        </p:spPr>
+        <p:style>
+          <a:lnRef idx="2">
+            <a:schemeClr val="accent1">
+              <a:shade val="50000"/>
+            </a:schemeClr>
+          </a:lnRef>
+          <a:fillRef idx="1">
+            <a:schemeClr val="accent1"/>
+          </a:fillRef>
+          <a:effectRef idx="0">
+            <a:schemeClr val="accent1"/>
+          </a:effectRef>
+          <a:fontRef idx="minor">
+            <a:schemeClr val="lt1"/>
+          </a:fontRef>
+        </p:style>
+      </p:sp>
+      <p:sp>
+        <p:nvSpPr>
+          <p:cNvPr id="5" name="Title 4">
+            <a:extLst>
+              <a:ext uri="{FF2B5EF4-FFF2-40B4-BE49-F238E27FC236}">
+                <a16:creationId xmlns:a16="http://schemas.microsoft.com/office/drawing/2014/main" id="{643C2EDD-9B02-481C-9721-A6669C7B7060}"/>
+              </a:ext>
+            </a:extLst>
+          </p:cNvPr>
+          <p:cNvSpPr>
+            <a:spLocks noGrp="1"/>
+          </p:cNvSpPr>
+          <p:nvPr>
+            <p:ph type="title"/>
+          </p:nvPr>
+        </p:nvSpPr>
+        <p:spPr>
+          <a:xfrm>
+            <a:off x="633998" y="4905301"/>
+            <a:ext cx="4988879" cy="1554485"/>
+          </a:xfrm>
+        </p:spPr>
+        <p:txBody>
+          <a:bodyPr vert="horz" lIns="91440" tIns="45720" rIns="91440" bIns="45720" rtlCol="0" anchor="ctr">
+            <a:normAutofit/>
+          </a:bodyPr>
+          <a:lstStyle/>
+          <a:p>
+            <a:pPr algn="r"/>
+            <a:r>
+              <a:rPr lang="en-US" sz="4000" dirty="0"/>
+              <a:t>Observer</a:t>
+            </a:r>
+          </a:p>
+        </p:txBody>
+      </p:sp>
+      <p:cxnSp>
+        <p:nvCxnSpPr>
+          <p:cNvPr id="85" name="Straight Connector 84">
+            <a:extLst>
+              <a:ext uri="{FF2B5EF4-FFF2-40B4-BE49-F238E27FC236}">
+                <a16:creationId xmlns:a16="http://schemas.microsoft.com/office/drawing/2014/main" id="{55646586-8E5D-4A2B-BDA9-01CE28AC89A1}"/>
+              </a:ext>
+              <a:ext uri="{C183D7F6-B498-43B3-948B-1728B52AA6E4}">
+                <adec:decorative xmlns:adec="http://schemas.microsoft.com/office/drawing/2017/decorative" val="1"/>
+              </a:ext>
+            </a:extLst>
+          </p:cNvPr>
+          <p:cNvCxnSpPr>
+            <a:cxnSpLocks noGrp="1" noRot="1" noChangeAspect="1" noMove="1" noResize="1" noEditPoints="1" noAdjustHandles="1" noChangeArrowheads="1" noChangeShapeType="1"/>
+          </p:cNvCxnSpPr>
+          <p:nvPr>
+            <p:extLst>
+              <p:ext uri="{386F3935-93C4-4BCD-93E2-E3B085C9AB24}">
+                <p16:designElem xmlns:p16="http://schemas.microsoft.com/office/powerpoint/2015/main" val="1"/>
+              </p:ext>
+            </p:extLst>
+          </p:nvPr>
+        </p:nvCxnSpPr>
+        <p:spPr>
+          <a:xfrm>
+            <a:off x="5820770" y="5247564"/>
+            <a:ext cx="0" cy="873457"/>
+          </a:xfrm>
+          <a:prstGeom prst="line">
+            <a:avLst/>
+          </a:prstGeom>
+          <a:ln w="19050">
+            <a:solidFill>
+              <a:srgbClr val="FFC578"/>
+            </a:solidFill>
+          </a:ln>
+        </p:spPr>
+        <p:style>
+          <a:lnRef idx="1">
+            <a:schemeClr val="accent1"/>
+          </a:lnRef>
+          <a:fillRef idx="0">
+            <a:schemeClr val="accent1"/>
+          </a:fillRef>
+          <a:effectRef idx="0">
+            <a:schemeClr val="accent1"/>
+          </a:effectRef>
+          <a:fontRef idx="minor">
+            <a:schemeClr val="tx1"/>
+          </a:fontRef>
+        </p:style>
+      </p:cxnSp>
+      <p:sp>
+        <p:nvSpPr>
+          <p:cNvPr id="7" name="Text Placeholder 6">
+            <a:extLst>
+              <a:ext uri="{FF2B5EF4-FFF2-40B4-BE49-F238E27FC236}">
+                <a16:creationId xmlns:a16="http://schemas.microsoft.com/office/drawing/2014/main" id="{7E8F4492-485A-4DE4-AF79-08F65DEE159B}"/>
+              </a:ext>
+            </a:extLst>
+          </p:cNvPr>
+          <p:cNvSpPr>
+            <a:spLocks noGrp="1"/>
+          </p:cNvSpPr>
+          <p:nvPr>
+            <p:ph type="body" sz="half" idx="2"/>
+          </p:nvPr>
+        </p:nvSpPr>
+        <p:spPr>
+          <a:xfrm>
+            <a:off x="6064301" y="4673829"/>
+            <a:ext cx="5493699" cy="2088477"/>
+          </a:xfrm>
+        </p:spPr>
+        <p:txBody>
+          <a:bodyPr vert="horz" lIns="0" tIns="45720" rIns="0" bIns="45720" rtlCol="0" anchor="ctr">
+            <a:normAutofit/>
+          </a:bodyPr>
+          <a:lstStyle/>
+          <a:p>
+            <a:pPr>
+              <a:lnSpc>
+                <a:spcPct val="100000"/>
+              </a:lnSpc>
+            </a:pPr>
+            <a:r>
+              <a:rPr lang="en-US" dirty="0">
+                <a:solidFill>
+                  <a:schemeClr val="accent5">
+                    <a:lumMod val="75000"/>
+                  </a:schemeClr>
+                </a:solidFill>
+              </a:rPr>
+              <a:t>Problem</a:t>
+            </a:r>
+            <a:r>
+              <a:rPr lang="en-US" dirty="0"/>
+              <a:t>: need to dynamically react on some events happening in the app, need some objects to follow other objects for a limited time or in some specific cases</a:t>
+            </a:r>
+          </a:p>
+          <a:p>
+            <a:pPr>
+              <a:lnSpc>
+                <a:spcPct val="100000"/>
+              </a:lnSpc>
+            </a:pPr>
+            <a:r>
+              <a:rPr lang="en-US" dirty="0">
+                <a:solidFill>
+                  <a:schemeClr val="accent5">
+                    <a:lumMod val="75000"/>
+                  </a:schemeClr>
+                </a:solidFill>
+              </a:rPr>
+              <a:t>Solution</a:t>
+            </a:r>
+            <a:r>
+              <a:rPr lang="en-US" dirty="0"/>
+              <a:t>: identify the object that is observable </a:t>
+            </a:r>
+            <a:r>
+              <a:rPr lang="en-US" dirty="0">
+                <a:solidFill>
+                  <a:schemeClr val="accent6">
+                    <a:lumMod val="60000"/>
+                    <a:lumOff val="40000"/>
+                  </a:schemeClr>
+                </a:solidFill>
+              </a:rPr>
+              <a:t>(observable/publisher/subject)</a:t>
+            </a:r>
+            <a:r>
+              <a:rPr lang="en-US" dirty="0"/>
+              <a:t>, maintain a list of objects depending on it </a:t>
+            </a:r>
+            <a:r>
+              <a:rPr lang="en-US" dirty="0">
+                <a:solidFill>
+                  <a:schemeClr val="accent6">
+                    <a:lumMod val="60000"/>
+                    <a:lumOff val="40000"/>
+                  </a:schemeClr>
+                </a:solidFill>
+              </a:rPr>
+              <a:t>(observers/subscribers)</a:t>
+            </a:r>
+            <a:r>
+              <a:rPr lang="en-US" dirty="0"/>
+              <a:t> that need to be automatically notified about any changes in the state</a:t>
+            </a:r>
+          </a:p>
+        </p:txBody>
+      </p:sp>
+      <p:pic>
+        <p:nvPicPr>
+          <p:cNvPr id="1026" name="Picture 2" descr="Structure of the Observer design pattern">
+            <a:extLst>
+              <a:ext uri="{FF2B5EF4-FFF2-40B4-BE49-F238E27FC236}">
+                <a16:creationId xmlns:a16="http://schemas.microsoft.com/office/drawing/2014/main" id="{BF7845B8-A1EB-4BF5-914F-1C64FE39F549}"/>
+              </a:ext>
+            </a:extLst>
+          </p:cNvPr>
+          <p:cNvPicPr>
+            <a:picLocks noChangeAspect="1" noChangeArrowheads="1"/>
+          </p:cNvPicPr>
+          <p:nvPr/>
+        </p:nvPicPr>
+        <p:blipFill>
+          <a:blip r:embed="rId3">
+            <a:extLst>
+              <a:ext uri="{28A0092B-C50C-407E-A947-70E740481C1C}">
+                <a14:useLocalDpi xmlns:a14="http://schemas.microsoft.com/office/drawing/2010/main" val="0"/>
+              </a:ext>
+            </a:extLst>
+          </a:blip>
+          <a:srcRect/>
+          <a:stretch>
+            <a:fillRect/>
+          </a:stretch>
+        </p:blipFill>
+        <p:spPr bwMode="auto">
+          <a:xfrm>
+            <a:off x="3190858" y="570789"/>
+            <a:ext cx="5810250" cy="2952750"/>
+          </a:xfrm>
+          <a:prstGeom prst="rect">
+            <a:avLst/>
+          </a:prstGeom>
+          <a:noFill/>
+          <a:extLst>
+            <a:ext uri="{909E8E84-426E-40DD-AFC4-6F175D3DCCD1}">
+              <a14:hiddenFill xmlns:a14="http://schemas.microsoft.com/office/drawing/2010/main">
+                <a:solidFill>
+                  <a:srgbClr val="FFFFFF"/>
+                </a:solidFill>
+              </a14:hiddenFill>
+            </a:ext>
+          </a:extLst>
+        </p:spPr>
+      </p:pic>
+    </p:spTree>
+    <p:extLst>
+      <p:ext uri="{BB962C8B-B14F-4D97-AF65-F5344CB8AC3E}">
+        <p14:creationId xmlns:p14="http://schemas.microsoft.com/office/powerpoint/2010/main" val="2792114984"/>
+      </p:ext>
+    </p:extLst>
+  </p:cSld>
+  <p:clrMapOvr>
+    <a:masterClrMapping/>
+  </p:clrMapOvr>
+</p:sld>
+</file>
+
+<file path=ppt/slides/slide14.xml><?xml version="1.0" encoding="utf-8"?>
+<p:sld xmlns:a="http://schemas.openxmlformats.org/drawingml/2006/main" xmlns:r="http://schemas.openxmlformats.org/officeDocument/2006/relationships" xmlns:p="http://schemas.openxmlformats.org/presentationml/2006/main">
+  <p:cSld>
+    <p:spTree>
+      <p:nvGrpSpPr>
+        <p:cNvPr id="1" name=""/>
+        <p:cNvGrpSpPr/>
+        <p:nvPr/>
+      </p:nvGrpSpPr>
+      <p:grpSpPr>
+        <a:xfrm>
+          <a:off x="0" y="0"/>
+          <a:ext cx="0" cy="0"/>
+          <a:chOff x="0" y="0"/>
+          <a:chExt cx="0" cy="0"/>
+        </a:xfrm>
+      </p:grpSpPr>
+      <p:sp>
+        <p:nvSpPr>
+          <p:cNvPr id="5" name="Title 4">
+            <a:extLst>
+              <a:ext uri="{FF2B5EF4-FFF2-40B4-BE49-F238E27FC236}">
+                <a16:creationId xmlns:a16="http://schemas.microsoft.com/office/drawing/2014/main" id="{15DE6CDC-3760-4614-8575-CB1459F11CD8}"/>
+              </a:ext>
+            </a:extLst>
+          </p:cNvPr>
+          <p:cNvSpPr>
+            <a:spLocks noGrp="1"/>
+          </p:cNvSpPr>
+          <p:nvPr>
+            <p:ph type="title"/>
+          </p:nvPr>
+        </p:nvSpPr>
+        <p:spPr/>
+        <p:txBody>
+          <a:bodyPr>
+            <a:normAutofit fontScale="90000"/>
+          </a:bodyPr>
+          <a:lstStyle/>
+          <a:p>
+            <a:r>
+              <a:rPr lang="en-US" dirty="0"/>
+              <a:t>Observer in a few words + examples from open-source projects</a:t>
+            </a:r>
+          </a:p>
+        </p:txBody>
+      </p:sp>
+      <p:graphicFrame>
+        <p:nvGraphicFramePr>
+          <p:cNvPr id="10" name="Content Placeholder 5">
+            <a:extLst>
+              <a:ext uri="{FF2B5EF4-FFF2-40B4-BE49-F238E27FC236}">
+                <a16:creationId xmlns:a16="http://schemas.microsoft.com/office/drawing/2014/main" id="{1DA604AA-B0C5-4DE1-8F1A-F3546A2ED7F0}"/>
+              </a:ext>
+            </a:extLst>
+          </p:cNvPr>
+          <p:cNvGraphicFramePr>
+            <a:graphicFrameLocks noGrp="1"/>
+          </p:cNvGraphicFramePr>
+          <p:nvPr>
+            <p:ph sz="half" idx="1"/>
+            <p:extLst>
+              <p:ext uri="{D42A27DB-BD31-4B8C-83A1-F6EECF244321}">
+                <p14:modId xmlns:p14="http://schemas.microsoft.com/office/powerpoint/2010/main" val="297468236"/>
+              </p:ext>
+            </p:extLst>
+          </p:nvPr>
+        </p:nvGraphicFramePr>
+        <p:xfrm>
+          <a:off x="1097280" y="2120900"/>
+          <a:ext cx="4639736" cy="3748193"/>
+        </p:xfrm>
+        <a:graphic>
+          <a:graphicData uri="http://schemas.openxmlformats.org/drawingml/2006/diagram">
+            <dgm:relIds xmlns:dgm="http://schemas.openxmlformats.org/drawingml/2006/diagram" xmlns:r="http://schemas.openxmlformats.org/officeDocument/2006/relationships" r:dm="rId2" r:lo="rId3" r:qs="rId4" r:cs="rId5"/>
+          </a:graphicData>
+        </a:graphic>
+      </p:graphicFrame>
+      <p:sp>
+        <p:nvSpPr>
+          <p:cNvPr id="7" name="Content Placeholder 6">
+            <a:extLst>
+              <a:ext uri="{FF2B5EF4-FFF2-40B4-BE49-F238E27FC236}">
+                <a16:creationId xmlns:a16="http://schemas.microsoft.com/office/drawing/2014/main" id="{DB492ABE-1506-4371-999F-C690661B3366}"/>
+              </a:ext>
+            </a:extLst>
+          </p:cNvPr>
+          <p:cNvSpPr>
+            <a:spLocks noGrp="1"/>
+          </p:cNvSpPr>
+          <p:nvPr>
+            <p:ph sz="half" idx="2"/>
+          </p:nvPr>
+        </p:nvSpPr>
+        <p:spPr>
+          <a:xfrm>
+            <a:off x="6363093" y="1913860"/>
+            <a:ext cx="5088172" cy="4455041"/>
+          </a:xfrm>
+        </p:spPr>
+        <p:txBody>
+          <a:bodyPr>
+            <a:normAutofit fontScale="92500" lnSpcReduction="10000"/>
+          </a:bodyPr>
+          <a:lstStyle/>
+          <a:p>
+            <a:pPr marL="0" indent="0">
+              <a:buNone/>
+            </a:pPr>
+            <a:r>
+              <a:rPr lang="en-US" dirty="0"/>
+              <a:t>Java: </a:t>
+            </a:r>
+            <a:r>
+              <a:rPr lang="en-US" dirty="0" err="1"/>
+              <a:t>java.util.EventListener</a:t>
+            </a:r>
+            <a:endParaRPr lang="en-US" dirty="0"/>
+          </a:p>
+          <a:p>
+            <a:pPr marL="0" indent="0">
+              <a:buNone/>
+            </a:pPr>
+            <a:r>
+              <a:rPr lang="en-US" dirty="0"/>
+              <a:t>C#: </a:t>
+            </a:r>
+            <a:r>
+              <a:rPr lang="en-US" dirty="0" err="1"/>
+              <a:t>Sytem.IObservable</a:t>
+            </a:r>
+            <a:endParaRPr lang="en-US" dirty="0"/>
+          </a:p>
+          <a:p>
+            <a:pPr marL="0" indent="0">
+              <a:buNone/>
+            </a:pPr>
+            <a:r>
+              <a:rPr lang="en-US" dirty="0"/>
+              <a:t>Android: </a:t>
+            </a:r>
+            <a:r>
+              <a:rPr lang="en-US" dirty="0">
+                <a:hlinkClick r:id="rId7"/>
+              </a:rPr>
+              <a:t>https://developer.android.com/reference/android/database/DataSetObservable</a:t>
+            </a:r>
+            <a:endParaRPr lang="en-US" dirty="0"/>
+          </a:p>
+          <a:p>
+            <a:pPr marL="0" indent="0">
+              <a:buNone/>
+            </a:pPr>
+            <a:r>
+              <a:rPr lang="en-US" dirty="0"/>
+              <a:t>jQuery: </a:t>
+            </a:r>
+            <a:r>
+              <a:rPr lang="en-US" dirty="0" err="1"/>
+              <a:t>jquery.on</a:t>
+            </a:r>
+            <a:r>
+              <a:rPr lang="en-US" dirty="0"/>
+              <a:t>(), </a:t>
+            </a:r>
+            <a:r>
+              <a:rPr lang="en-US" dirty="0" err="1"/>
+              <a:t>jquery.trigger</a:t>
+            </a:r>
+            <a:r>
+              <a:rPr lang="en-US" dirty="0"/>
+              <a:t>(), </a:t>
+            </a:r>
+            <a:r>
+              <a:rPr lang="en-US" dirty="0" err="1"/>
+              <a:t>jquery.off</a:t>
+            </a:r>
+            <a:r>
+              <a:rPr lang="en-US" dirty="0"/>
+              <a:t>()</a:t>
+            </a:r>
+          </a:p>
+          <a:p>
+            <a:pPr marL="0" indent="0">
+              <a:buNone/>
+            </a:pPr>
+            <a:r>
+              <a:rPr lang="en-US" dirty="0"/>
+              <a:t>React Redux: </a:t>
+            </a:r>
+            <a:r>
+              <a:rPr lang="en-US" dirty="0">
+                <a:hlinkClick r:id="rId8"/>
+              </a:rPr>
+              <a:t>https://react-redux.js.org/</a:t>
+            </a:r>
+            <a:endParaRPr lang="en-US" dirty="0"/>
+          </a:p>
+          <a:p>
+            <a:pPr marL="0" indent="0">
+              <a:buNone/>
+            </a:pPr>
+            <a:r>
+              <a:rPr lang="en-US" dirty="0" err="1"/>
+              <a:t>RxJS</a:t>
+            </a:r>
+            <a:r>
+              <a:rPr lang="en-US" dirty="0"/>
+              <a:t>: </a:t>
+            </a:r>
+            <a:r>
+              <a:rPr lang="en-US" dirty="0">
+                <a:hlinkClick r:id="rId9"/>
+              </a:rPr>
+              <a:t>https://rossbulat.medium.com/rxjs-a-simple-introduction-32fb48f52a67</a:t>
+            </a:r>
+            <a:endParaRPr lang="en-US" dirty="0"/>
+          </a:p>
+          <a:p>
+            <a:pPr marL="0" indent="0">
+              <a:buNone/>
+            </a:pPr>
+            <a:r>
+              <a:rPr lang="en-US" dirty="0"/>
+              <a:t>Tip for presentation: compare with Publish/Subscribe pattern</a:t>
+            </a:r>
+          </a:p>
+          <a:p>
+            <a:pPr marL="0" indent="0">
+              <a:buNone/>
+            </a:pPr>
+            <a:endParaRPr lang="en-US" dirty="0"/>
+          </a:p>
+          <a:p>
+            <a:endParaRPr lang="en-US" dirty="0"/>
+          </a:p>
+          <a:p>
+            <a:endParaRPr lang="en-US" dirty="0"/>
+          </a:p>
+        </p:txBody>
+      </p:sp>
+      <p:sp>
+        <p:nvSpPr>
+          <p:cNvPr id="8" name="Rectangle 1">
+            <a:extLst>
+              <a:ext uri="{FF2B5EF4-FFF2-40B4-BE49-F238E27FC236}">
+                <a16:creationId xmlns:a16="http://schemas.microsoft.com/office/drawing/2014/main" id="{B065E2E4-AE49-41FC-8842-63643489E193}"/>
+              </a:ext>
+            </a:extLst>
+          </p:cNvPr>
+          <p:cNvSpPr>
+            <a:spLocks noChangeArrowheads="1"/>
+          </p:cNvSpPr>
+          <p:nvPr/>
+        </p:nvSpPr>
+        <p:spPr bwMode="auto">
+          <a:xfrm>
+            <a:off x="0" y="159350"/>
+            <a:ext cx="25648" cy="138499"/>
+          </a:xfrm>
+          <a:prstGeom prst="rect">
+            <a:avLst/>
+          </a:prstGeom>
+          <a:noFill/>
+          <a:ln>
+            <a:noFill/>
+          </a:ln>
+          <a:effectLst/>
+          <a:extLst>
+            <a:ext uri="{909E8E84-426E-40DD-AFC4-6F175D3DCCD1}">
+              <a14:hiddenFill xmlns:a14="http://schemas.microsoft.com/office/drawing/2010/main">
+                <a:solidFill>
+                  <a:schemeClr val="accent1"/>
+                </a:solidFill>
+              </a14:hiddenFill>
+            </a:ext>
+            <a:ext uri="{91240B29-F687-4F45-9708-019B960494DF}">
+              <a14:hiddenLine xmlns:a14="http://schemas.microsoft.com/office/drawing/2010/main" w="9525">
+                <a:solidFill>
+                  <a:schemeClr val="tx1"/>
+                </a:solidFill>
+                <a:miter lim="800000"/>
+                <a:headEnd/>
+                <a:tailEnd/>
+              </a14:hiddenLine>
+            </a:ext>
+            <a:ext uri="{AF507438-7753-43E0-B8FC-AC1667EBCBE1}">
+              <a14:hiddenEffects xmlns:a14="http://schemas.microsoft.com/office/drawing/2010/main">
+                <a:effectLst>
+                  <a:outerShdw dist="35921" dir="2700000" algn="ctr" rotWithShape="0">
+                    <a:schemeClr val="bg2"/>
+                  </a:outerShdw>
+                </a:effectLst>
+              </a14:hiddenEffects>
+            </a:ext>
+          </a:extLst>
+        </p:spPr>
+        <p:txBody>
+          <a:bodyPr vert="horz" wrap="none" lIns="0" tIns="0" rIns="0" bIns="0" numCol="1" anchor="ctr" anchorCtr="0" compatLnSpc="1">
+            <a:prstTxWarp prst="textNoShape">
+              <a:avLst/>
+            </a:prstTxWarp>
+            <a:spAutoFit/>
+          </a:bodyPr>
+          <a:lstStyle/>
+          <a:p>
+            <a:pPr marL="0" marR="0" lvl="0" indent="0" algn="l" defTabSz="914400" rtl="0" eaLnBrk="0" fontAlgn="base" latinLnBrk="0" hangingPunct="0">
+              <a:lnSpc>
+                <a:spcPct val="100000"/>
+              </a:lnSpc>
+              <a:spcBef>
+                <a:spcPct val="0"/>
+              </a:spcBef>
+              <a:spcAft>
+                <a:spcPct val="0"/>
+              </a:spcAft>
+              <a:buClrTx/>
+              <a:buSzTx/>
+              <a:buFontTx/>
+              <a:buNone/>
+              <a:tabLst/>
+            </a:pPr>
+            <a:r>
+              <a:rPr kumimoji="0" lang="en-US" altLang="en-US" sz="900" b="0" i="0" u="none" strike="noStrike" cap="none" normalizeH="0" baseline="0" dirty="0">
+                <a:ln>
+                  <a:noFill/>
+                </a:ln>
+                <a:solidFill>
+                  <a:schemeClr val="tx1"/>
+                </a:solidFill>
+                <a:effectLst/>
+                <a:latin typeface="inherit"/>
+              </a:rPr>
+              <a:t> </a:t>
+            </a:r>
+            <a:endParaRPr kumimoji="0" lang="en-US" altLang="en-US" sz="1800" b="0" i="0" u="none" strike="noStrike" cap="none" normalizeH="0" baseline="0" dirty="0">
+              <a:ln>
+                <a:noFill/>
+              </a:ln>
+              <a:solidFill>
+                <a:schemeClr val="tx1"/>
+              </a:solidFill>
+              <a:effectLst/>
+              <a:latin typeface="Arial" panose="020B0604020202020204" pitchFamily="34" charset="0"/>
+            </a:endParaRPr>
+          </a:p>
+        </p:txBody>
+      </p:sp>
+    </p:spTree>
+    <p:extLst>
+      <p:ext uri="{BB962C8B-B14F-4D97-AF65-F5344CB8AC3E}">
+        <p14:creationId xmlns:p14="http://schemas.microsoft.com/office/powerpoint/2010/main" val="3720701191"/>
       </p:ext>
     </p:extLst>
   </p:cSld>
@@ -25751,6 +29844,15 @@
 </file>
 
 <file path=customXml/item2.xml><?xml version="1.0" encoding="utf-8"?>
+<?mso-contentType ?>
+<FormTemplates xmlns="http://schemas.microsoft.com/sharepoint/v3/contenttype/forms">
+  <Display>DocumentLibraryForm</Display>
+  <Edit>DocumentLibraryForm</Edit>
+  <New>DocumentLibraryForm</New>
+</FormTemplates>
+</file>
+
+<file path=customXml/item3.xml><?xml version="1.0" encoding="utf-8"?>
 <ct:contentTypeSchema xmlns:ct="http://schemas.microsoft.com/office/2006/metadata/contentType" xmlns:ma="http://schemas.microsoft.com/office/2006/metadata/properties/metaAttributes" ct:_="" ma:_="" ma:contentTypeName="Document" ma:contentTypeID="0x01010079F111ED35F8CC479449609E8A0923A6" ma:contentTypeVersion="12" ma:contentTypeDescription="Create a new document." ma:contentTypeScope="" ma:versionID="426e97fa315356fffbdcd9876fe988c2">
   <xsd:schema xmlns:xsd="http://www.w3.org/2001/XMLSchema" xmlns:xs="http://www.w3.org/2001/XMLSchema" xmlns:p="http://schemas.microsoft.com/office/2006/metadata/properties" xmlns:ns2="71af3243-3dd4-4a8d-8c0d-dd76da1f02a5" xmlns:ns3="16c05727-aa75-4e4a-9b5f-8a80a1165891" targetNamespace="http://schemas.microsoft.com/office/2006/metadata/properties" ma:root="true" ma:fieldsID="14b8f0def80e6d70ce3def20c90759ae" ns2:_="" ns3:_="">
     <xsd:import namespace="71af3243-3dd4-4a8d-8c0d-dd76da1f02a5"/>
@@ -25971,15 +30073,6 @@
 </ct:contentTypeSchema>
 </file>
 
-<file path=customXml/item3.xml><?xml version="1.0" encoding="utf-8"?>
-<?mso-contentType ?>
-<FormTemplates xmlns="http://schemas.microsoft.com/sharepoint/v3/contenttype/forms">
-  <Display>DocumentLibraryForm</Display>
-  <Edit>DocumentLibraryForm</Edit>
-  <New>DocumentLibraryForm</New>
-</FormTemplates>
-</file>
-
 <file path=customXml/itemProps1.xml><?xml version="1.0" encoding="utf-8"?>
 <ds:datastoreItem xmlns:ds="http://schemas.openxmlformats.org/officeDocument/2006/customXml" ds:itemID="{84F503EC-3FFF-4193-A86F-39150E2BAC75}">
   <ds:schemaRefs>
@@ -25991,6 +30084,14 @@
 </file>
 
 <file path=customXml/itemProps2.xml><?xml version="1.0" encoding="utf-8"?>
+<ds:datastoreItem xmlns:ds="http://schemas.openxmlformats.org/officeDocument/2006/customXml" ds:itemID="{2E5ECA37-C458-4BA2-A090-D7A19E07B434}">
+  <ds:schemaRefs>
+    <ds:schemaRef ds:uri="http://schemas.microsoft.com/sharepoint/v3/contenttype/forms"/>
+  </ds:schemaRefs>
+</ds:datastoreItem>
+</file>
+
+<file path=customXml/itemProps3.xml><?xml version="1.0" encoding="utf-8"?>
 <ds:datastoreItem xmlns:ds="http://schemas.openxmlformats.org/officeDocument/2006/customXml" ds:itemID="{7A26AAF5-6CFC-4C52-B7DF-08410EDE6701}">
   <ds:schemaRefs>
     <ds:schemaRef ds:uri="http://schemas.microsoft.com/office/2006/metadata/contentType"/>
@@ -26007,12 +30108,4 @@
     <ds:schemaRef ds:uri="http://schemas.microsoft.com/internal/obd"/>
   </ds:schemaRefs>
 </ds:datastoreItem>
-</file>
-
-<file path=customXml/itemProps3.xml><?xml version="1.0" encoding="utf-8"?>
-<ds:datastoreItem xmlns:ds="http://schemas.openxmlformats.org/officeDocument/2006/customXml" ds:itemID="{2E5ECA37-C458-4BA2-A090-D7A19E07B434}">
-  <ds:schemaRefs>
-    <ds:schemaRef ds:uri="http://schemas.microsoft.com/sharepoint/v3/contenttype/forms"/>
-  </ds:schemaRefs>
-</ds:datastoreItem>
 </file>
--- a/PPT Presentations/DesignPatterns-BehavioralPatterns.pptx
+++ b/PPT Presentations/DesignPatterns-BehavioralPatterns.pptx
@@ -28697,7 +28697,7 @@
           <a:p>
             <a:fld id="{5100E855-DC3F-44F7-B6F1-F5D0C0D1A424}" type="datetimeFigureOut">
               <a:rPr lang="en-US" smtClean="0"/>
-              <a:t>4/12/2021</a:t>
+              <a:t>4/14/2021</a:t>
             </a:fld>
             <a:endParaRPr lang="en-US"/>
           </a:p>
@@ -30280,6 +30280,106 @@
           <a:bodyPr/>
           <a:lstStyle/>
           <a:p>
+            <a:pPr rtl="0">
+              <a:spcBef>
+                <a:spcPts val="0"/>
+              </a:spcBef>
+              <a:spcAft>
+                <a:spcPts val="0"/>
+              </a:spcAft>
+            </a:pPr>
+            <a:r>
+              <a:rPr lang="en-US" sz="1800" b="0" i="0" u="none" strike="noStrike" dirty="0">
+                <a:solidFill>
+                  <a:srgbClr val="000000"/>
+                </a:solidFill>
+                <a:effectLst/>
+                <a:latin typeface="Roboto"/>
+              </a:rPr>
+              <a:t>The Observer is a design pattern where an object (known as a subject) maintains a list of objects depending on it (observers), automatically notifying them of any changes to state.</a:t>
+            </a:r>
+            <a:endParaRPr lang="en-US" b="0" dirty="0">
+              <a:effectLst/>
+            </a:endParaRPr>
+          </a:p>
+          <a:p>
+            <a:pPr rtl="0">
+              <a:spcBef>
+                <a:spcPts val="0"/>
+              </a:spcBef>
+              <a:spcAft>
+                <a:spcPts val="0"/>
+              </a:spcAft>
+            </a:pPr>
+            <a:br>
+              <a:rPr lang="en-US" b="0" dirty="0">
+                <a:effectLst/>
+              </a:rPr>
+            </a:br>
+            <a:r>
+              <a:rPr lang="en-US" sz="1800" b="0" i="0" u="none" strike="noStrike" dirty="0">
+                <a:solidFill>
+                  <a:srgbClr val="000000"/>
+                </a:solidFill>
+                <a:effectLst/>
+                <a:latin typeface="Georgia" panose="02040502050405020303" pitchFamily="18" charset="0"/>
+              </a:rPr>
+              <a:t>The Observer pattern requires that the observer (or object) wishing to receive topic notifications must subscribe this interest to the object firing the event (the subject).</a:t>
+            </a:r>
+            <a:endParaRPr lang="en-US" b="0" dirty="0">
+              <a:effectLst/>
+            </a:endParaRPr>
+          </a:p>
+          <a:p>
+            <a:pPr rtl="0">
+              <a:spcBef>
+                <a:spcPts val="0"/>
+              </a:spcBef>
+              <a:spcAft>
+                <a:spcPts val="0"/>
+              </a:spcAft>
+            </a:pPr>
+            <a:r>
+              <a:rPr lang="en-US" sz="1800" b="0" i="0" u="none" strike="noStrike" dirty="0">
+                <a:solidFill>
+                  <a:srgbClr val="000000"/>
+                </a:solidFill>
+                <a:effectLst/>
+                <a:latin typeface="Georgia" panose="02040502050405020303" pitchFamily="18" charset="0"/>
+              </a:rPr>
+              <a:t>The Publish/Subscribe pattern however uses a topic/event channel which sits between the objects wishing to receive notifications (subscribers) and the object firing the event (the publisher). This event system allows code to define application specific events which can pass custom arguments containing values needed by the subscriber. The idea here is to avoid dependencies between the subscriber and publisher.</a:t>
+            </a:r>
+            <a:endParaRPr lang="en-US" b="0" dirty="0">
+              <a:effectLst/>
+            </a:endParaRPr>
+          </a:p>
+          <a:p>
+            <a:pPr rtl="0">
+              <a:spcBef>
+                <a:spcPts val="0"/>
+              </a:spcBef>
+              <a:spcAft>
+                <a:spcPts val="1800"/>
+              </a:spcAft>
+            </a:pPr>
+            <a:r>
+              <a:rPr lang="en-US" sz="1800" b="0" i="0" u="none" strike="noStrike" dirty="0">
+                <a:solidFill>
+                  <a:srgbClr val="000000"/>
+                </a:solidFill>
+                <a:effectLst/>
+                <a:latin typeface="Georgia" panose="02040502050405020303" pitchFamily="18" charset="0"/>
+              </a:rPr>
+              <a:t>This differs from the Observer pattern as it allows any subscriber implementing an appropriate event handler to register for and receive topic notifications broadcast by the publisher.</a:t>
+            </a:r>
+            <a:endParaRPr lang="en-US" b="0" dirty="0">
+              <a:effectLst/>
+            </a:endParaRPr>
+          </a:p>
+          <a:p>
+            <a:br>
+              <a:rPr lang="en-US" dirty="0"/>
+            </a:br>
             <a:endParaRPr lang="en-US" dirty="0"/>
           </a:p>
         </p:txBody>
@@ -30902,7 +31002,7 @@
           <a:p>
             <a:fld id="{9184DA70-C731-4C70-880D-CCD4705E623C}" type="datetime1">
               <a:rPr lang="en-US" smtClean="0"/>
-              <a:t>4/12/2021</a:t>
+              <a:t>4/14/2021</a:t>
             </a:fld>
             <a:endParaRPr lang="en-US" dirty="0"/>
           </a:p>
@@ -31090,7 +31190,7 @@
           <a:p>
             <a:fld id="{4BE1D723-8F53-4F53-90B0-1982A396982E}" type="datetime1">
               <a:rPr lang="en-US" smtClean="0"/>
-              <a:t>4/12/2021</a:t>
+              <a:t>4/14/2021</a:t>
             </a:fld>
             <a:endParaRPr lang="en-US" dirty="0"/>
           </a:p>
@@ -31463,7 +31563,7 @@
           <a:p>
             <a:fld id="{97669AF7-7BEB-44E4-9852-375E34362B5B}" type="datetime1">
               <a:rPr lang="en-US" smtClean="0"/>
-              <a:t>4/12/2021</a:t>
+              <a:t>4/14/2021</a:t>
             </a:fld>
             <a:endParaRPr lang="en-US" dirty="0"/>
           </a:p>
@@ -31718,7 +31818,7 @@
           <a:p>
             <a:fld id="{BAAAC38D-0552-4C82-B593-E6124DFADBE2}" type="datetime1">
               <a:rPr lang="en-US" smtClean="0"/>
-              <a:t>4/12/2021</a:t>
+              <a:t>4/14/2021</a:t>
             </a:fld>
             <a:endParaRPr lang="en-US" dirty="0"/>
           </a:p>
@@ -32115,7 +32215,7 @@
           <a:p>
             <a:fld id="{D9DF0F1C-5577-4ACB-BB62-DF8F3C494C7E}" type="datetime1">
               <a:rPr lang="en-US" smtClean="0"/>
-              <a:t>4/12/2021</a:t>
+              <a:t>4/14/2021</a:t>
             </a:fld>
             <a:endParaRPr lang="en-US" dirty="0"/>
           </a:p>
@@ -32251,7 +32351,7 @@
           <a:p>
             <a:fld id="{1775B394-D9F9-4F0C-B15D-605F45CB9E9F}" type="datetime1">
               <a:rPr lang="en-US" smtClean="0"/>
-              <a:t>4/12/2021</a:t>
+              <a:t>4/14/2021</a:t>
             </a:fld>
             <a:endParaRPr lang="en-US" dirty="0"/>
           </a:p>
@@ -32408,7 +32508,7 @@
           <a:p>
             <a:fld id="{39667345-2558-425A-8533-9BFDBCE15005}" type="datetime1">
               <a:rPr lang="en-US" smtClean="0"/>
-              <a:t>4/12/2021</a:t>
+              <a:t>4/14/2021</a:t>
             </a:fld>
             <a:endParaRPr lang="en-US" dirty="0"/>
           </a:p>
@@ -32737,7 +32837,7 @@
           <a:p>
             <a:fld id="{92BEA474-078D-4E9B-9B14-09A87B19DC46}" type="datetime1">
               <a:rPr lang="en-US" smtClean="0"/>
-              <a:t>4/12/2021</a:t>
+              <a:t>4/14/2021</a:t>
             </a:fld>
             <a:endParaRPr lang="en-US" dirty="0"/>
           </a:p>
@@ -33087,7 +33187,7 @@
           <a:p>
             <a:fld id="{4907D986-8816-4272-A432-0437A28A9828}" type="datetime1">
               <a:rPr lang="en-US" smtClean="0"/>
-              <a:t>4/12/2021</a:t>
+              <a:t>4/14/2021</a:t>
             </a:fld>
             <a:endParaRPr lang="en-US" dirty="0"/>
           </a:p>
@@ -33348,7 +33448,7 @@
           <a:p>
             <a:fld id="{62D6E202-B606-4609-B914-27C9371A1F6D}" type="datetime1">
               <a:rPr lang="en-US" smtClean="0"/>
-              <a:t>4/12/2021</a:t>
+              <a:t>4/14/2021</a:t>
             </a:fld>
             <a:endParaRPr lang="en-US" dirty="0"/>
           </a:p>
@@ -42560,15 +42660,6 @@
 </file>
 
 <file path=customXml/item1.xml><?xml version="1.0" encoding="utf-8"?>
-<p:properties xmlns:p="http://schemas.microsoft.com/office/2006/metadata/properties" xmlns:xsi="http://www.w3.org/2001/XMLSchema-instance" xmlns:pc="http://schemas.microsoft.com/office/infopath/2007/PartnerControls">
-  <documentManagement>
-    <Status xmlns="71af3243-3dd4-4a8d-8c0d-dd76da1f02a5">Not started</Status>
-    <MediaServiceKeyPoints xmlns="71af3243-3dd4-4a8d-8c0d-dd76da1f02a5" xsi:nil="true"/>
-  </documentManagement>
-</p:properties>
-</file>
-
-<file path=customXml/item2.xml><?xml version="1.0" encoding="utf-8"?>
 <ct:contentTypeSchema xmlns:ct="http://schemas.microsoft.com/office/2006/metadata/contentType" xmlns:ma="http://schemas.microsoft.com/office/2006/metadata/properties/metaAttributes" ct:_="" ma:_="" ma:contentTypeName="Document" ma:contentTypeID="0x01010079F111ED35F8CC479449609E8A0923A6" ma:contentTypeVersion="12" ma:contentTypeDescription="Create a new document." ma:contentTypeScope="" ma:versionID="426e97fa315356fffbdcd9876fe988c2">
   <xsd:schema xmlns:xsd="http://www.w3.org/2001/XMLSchema" xmlns:xs="http://www.w3.org/2001/XMLSchema" xmlns:p="http://schemas.microsoft.com/office/2006/metadata/properties" xmlns:ns2="71af3243-3dd4-4a8d-8c0d-dd76da1f02a5" xmlns:ns3="16c05727-aa75-4e4a-9b5f-8a80a1165891" targetNamespace="http://schemas.microsoft.com/office/2006/metadata/properties" ma:root="true" ma:fieldsID="14b8f0def80e6d70ce3def20c90759ae" ns2:_="" ns3:_="">
     <xsd:import namespace="71af3243-3dd4-4a8d-8c0d-dd76da1f02a5"/>
@@ -42789,6 +42880,15 @@
 </ct:contentTypeSchema>
 </file>
 
+<file path=customXml/item2.xml><?xml version="1.0" encoding="utf-8"?>
+<p:properties xmlns:p="http://schemas.microsoft.com/office/2006/metadata/properties" xmlns:xsi="http://www.w3.org/2001/XMLSchema-instance" xmlns:pc="http://schemas.microsoft.com/office/infopath/2007/PartnerControls">
+  <documentManagement>
+    <Status xmlns="71af3243-3dd4-4a8d-8c0d-dd76da1f02a5">Not started</Status>
+    <MediaServiceKeyPoints xmlns="71af3243-3dd4-4a8d-8c0d-dd76da1f02a5" xsi:nil="true"/>
+  </documentManagement>
+</p:properties>
+</file>
+
 <file path=customXml/item3.xml><?xml version="1.0" encoding="utf-8"?>
 <?mso-contentType ?>
 <FormTemplates xmlns="http://schemas.microsoft.com/sharepoint/v3/contenttype/forms">
@@ -42799,16 +42899,6 @@
 </file>
 
 <file path=customXml/itemProps1.xml><?xml version="1.0" encoding="utf-8"?>
-<ds:datastoreItem xmlns:ds="http://schemas.openxmlformats.org/officeDocument/2006/customXml" ds:itemID="{84F503EC-3FFF-4193-A86F-39150E2BAC75}">
-  <ds:schemaRefs>
-    <ds:schemaRef ds:uri="http://schemas.microsoft.com/office/2006/metadata/properties"/>
-    <ds:schemaRef ds:uri="http://schemas.microsoft.com/office/infopath/2007/PartnerControls"/>
-    <ds:schemaRef ds:uri="71af3243-3dd4-4a8d-8c0d-dd76da1f02a5"/>
-  </ds:schemaRefs>
-</ds:datastoreItem>
-</file>
-
-<file path=customXml/itemProps2.xml><?xml version="1.0" encoding="utf-8"?>
 <ds:datastoreItem xmlns:ds="http://schemas.openxmlformats.org/officeDocument/2006/customXml" ds:itemID="{7A26AAF5-6CFC-4C52-B7DF-08410EDE6701}">
   <ds:schemaRefs>
     <ds:schemaRef ds:uri="http://schemas.microsoft.com/office/2006/metadata/contentType"/>
@@ -42827,6 +42917,16 @@
 </ds:datastoreItem>
 </file>
 
+<file path=customXml/itemProps2.xml><?xml version="1.0" encoding="utf-8"?>
+<ds:datastoreItem xmlns:ds="http://schemas.openxmlformats.org/officeDocument/2006/customXml" ds:itemID="{84F503EC-3FFF-4193-A86F-39150E2BAC75}">
+  <ds:schemaRefs>
+    <ds:schemaRef ds:uri="http://schemas.microsoft.com/office/2006/metadata/properties"/>
+    <ds:schemaRef ds:uri="http://schemas.microsoft.com/office/infopath/2007/PartnerControls"/>
+    <ds:schemaRef ds:uri="71af3243-3dd4-4a8d-8c0d-dd76da1f02a5"/>
+  </ds:schemaRefs>
+</ds:datastoreItem>
+</file>
+
 <file path=customXml/itemProps3.xml><?xml version="1.0" encoding="utf-8"?>
 <ds:datastoreItem xmlns:ds="http://schemas.openxmlformats.org/officeDocument/2006/customXml" ds:itemID="{2E5ECA37-C458-4BA2-A090-D7A19E07B434}">
   <ds:schemaRefs>

--- a/PPT Presentations/DesignPatterns-BehavioralPatterns.pptx
+++ b/PPT Presentations/DesignPatterns-BehavioralPatterns.pptx
@@ -5,7 +5,7 @@
     <p:sldMasterId id="2147483660" r:id="rId4"/>
   </p:sldMasterIdLst>
   <p:notesMasterIdLst>
-    <p:notesMasterId r:id="rId25"/>
+    <p:notesMasterId r:id="rId27"/>
   </p:notesMasterIdLst>
   <p:sldIdLst>
     <p:sldId id="287" r:id="rId5"/>
@@ -28,6 +28,8 @@
     <p:sldId id="305" r:id="rId22"/>
     <p:sldId id="306" r:id="rId23"/>
     <p:sldId id="307" r:id="rId24"/>
+    <p:sldId id="308" r:id="rId25"/>
+    <p:sldId id="309" r:id="rId26"/>
   </p:sldIdLst>
   <p:sldSz cx="12192000" cy="6858000"/>
   <p:notesSz cx="6858000" cy="9144000"/>
@@ -161,6 +163,753 @@
 </file>
 
 <file path=ppt/diagrams/colors1.xml><?xml version="1.0" encoding="utf-8"?>
+<dgm:colorsDef xmlns:dgm="http://schemas.openxmlformats.org/drawingml/2006/diagram" xmlns:a="http://schemas.openxmlformats.org/drawingml/2006/main" uniqueId="urn:microsoft.com/office/officeart/2005/8/colors/accent1_2">
+  <dgm:title val=""/>
+  <dgm:desc val=""/>
+  <dgm:catLst>
+    <dgm:cat type="accent1" pri="11200"/>
+  </dgm:catLst>
+  <dgm:styleLbl name="node0">
+    <dgm:fillClrLst meth="repeat">
+      <a:schemeClr val="accent1"/>
+    </dgm:fillClrLst>
+    <dgm:linClrLst meth="repeat">
+      <a:schemeClr val="lt1"/>
+    </dgm:linClrLst>
+    <dgm:effectClrLst/>
+    <dgm:txLinClrLst/>
+    <dgm:txFillClrLst/>
+    <dgm:txEffectClrLst/>
+  </dgm:styleLbl>
+  <dgm:styleLbl name="alignNode1">
+    <dgm:fillClrLst meth="repeat">
+      <a:schemeClr val="accent1"/>
+    </dgm:fillClrLst>
+    <dgm:linClrLst meth="repeat">
+      <a:schemeClr val="accent1"/>
+    </dgm:linClrLst>
+    <dgm:effectClrLst/>
+    <dgm:txLinClrLst/>
+    <dgm:txFillClrLst/>
+    <dgm:txEffectClrLst/>
+  </dgm:styleLbl>
+  <dgm:styleLbl name="node1">
+    <dgm:fillClrLst meth="repeat">
+      <a:schemeClr val="accent1"/>
+    </dgm:fillClrLst>
+    <dgm:linClrLst meth="repeat">
+      <a:schemeClr val="lt1"/>
+    </dgm:linClrLst>
+    <dgm:effectClrLst/>
+    <dgm:txLinClrLst/>
+    <dgm:txFillClrLst/>
+    <dgm:txEffectClrLst/>
+  </dgm:styleLbl>
+  <dgm:styleLbl name="lnNode1">
+    <dgm:fillClrLst meth="repeat">
+      <a:schemeClr val="accent1"/>
+    </dgm:fillClrLst>
+    <dgm:linClrLst meth="repeat">
+      <a:schemeClr val="lt1"/>
+    </dgm:linClrLst>
+    <dgm:effectClrLst/>
+    <dgm:txLinClrLst/>
+    <dgm:txFillClrLst/>
+    <dgm:txEffectClrLst/>
+  </dgm:styleLbl>
+  <dgm:styleLbl name="vennNode1">
+    <dgm:fillClrLst meth="repeat">
+      <a:schemeClr val="accent1">
+        <a:alpha val="50000"/>
+      </a:schemeClr>
+    </dgm:fillClrLst>
+    <dgm:linClrLst meth="repeat">
+      <a:schemeClr val="lt1"/>
+    </dgm:linClrLst>
+    <dgm:effectClrLst/>
+    <dgm:txLinClrLst/>
+    <dgm:txFillClrLst/>
+    <dgm:txEffectClrLst/>
+  </dgm:styleLbl>
+  <dgm:styleLbl name="node2">
+    <dgm:fillClrLst meth="repeat">
+      <a:schemeClr val="accent1"/>
+    </dgm:fillClrLst>
+    <dgm:linClrLst meth="repeat">
+      <a:schemeClr val="lt1"/>
+    </dgm:linClrLst>
+    <dgm:effectClrLst/>
+    <dgm:txLinClrLst/>
+    <dgm:txFillClrLst/>
+    <dgm:txEffectClrLst/>
+  </dgm:styleLbl>
+  <dgm:styleLbl name="node3">
+    <dgm:fillClrLst meth="repeat">
+      <a:schemeClr val="accent1"/>
+    </dgm:fillClrLst>
+    <dgm:linClrLst meth="repeat">
+      <a:schemeClr val="lt1"/>
+    </dgm:linClrLst>
+    <dgm:effectClrLst/>
+    <dgm:txLinClrLst/>
+    <dgm:txFillClrLst/>
+    <dgm:txEffectClrLst/>
+  </dgm:styleLbl>
+  <dgm:styleLbl name="node4">
+    <dgm:fillClrLst meth="repeat">
+      <a:schemeClr val="accent1"/>
+    </dgm:fillClrLst>
+    <dgm:linClrLst meth="repeat">
+      <a:schemeClr val="lt1"/>
+    </dgm:linClrLst>
+    <dgm:effectClrLst/>
+    <dgm:txLinClrLst/>
+    <dgm:txFillClrLst/>
+    <dgm:txEffectClrLst/>
+  </dgm:styleLbl>
+  <dgm:styleLbl name="fgImgPlace1">
+    <dgm:fillClrLst meth="repeat">
+      <a:schemeClr val="accent1">
+        <a:tint val="50000"/>
+      </a:schemeClr>
+    </dgm:fillClrLst>
+    <dgm:linClrLst meth="repeat">
+      <a:schemeClr val="lt1"/>
+    </dgm:linClrLst>
+    <dgm:effectClrLst/>
+    <dgm:txLinClrLst/>
+    <dgm:txFillClrLst meth="repeat">
+      <a:schemeClr val="lt1"/>
+    </dgm:txFillClrLst>
+    <dgm:txEffectClrLst/>
+  </dgm:styleLbl>
+  <dgm:styleLbl name="alignImgPlace1">
+    <dgm:fillClrLst meth="repeat">
+      <a:schemeClr val="accent1">
+        <a:tint val="50000"/>
+      </a:schemeClr>
+    </dgm:fillClrLst>
+    <dgm:linClrLst meth="repeat">
+      <a:schemeClr val="lt1"/>
+    </dgm:linClrLst>
+    <dgm:effectClrLst/>
+    <dgm:txLinClrLst/>
+    <dgm:txFillClrLst meth="repeat">
+      <a:schemeClr val="lt1"/>
+    </dgm:txFillClrLst>
+    <dgm:txEffectClrLst/>
+  </dgm:styleLbl>
+  <dgm:styleLbl name="bgImgPlace1">
+    <dgm:fillClrLst meth="repeat">
+      <a:schemeClr val="accent1">
+        <a:tint val="50000"/>
+      </a:schemeClr>
+    </dgm:fillClrLst>
+    <dgm:linClrLst meth="repeat">
+      <a:schemeClr val="lt1"/>
+    </dgm:linClrLst>
+    <dgm:effectClrLst/>
+    <dgm:txLinClrLst/>
+    <dgm:txFillClrLst meth="repeat">
+      <a:schemeClr val="lt1"/>
+    </dgm:txFillClrLst>
+    <dgm:txEffectClrLst/>
+  </dgm:styleLbl>
+  <dgm:styleLbl name="sibTrans2D1">
+    <dgm:fillClrLst meth="repeat">
+      <a:schemeClr val="accent1">
+        <a:tint val="60000"/>
+      </a:schemeClr>
+    </dgm:fillClrLst>
+    <dgm:linClrLst meth="repeat">
+      <a:schemeClr val="accent1">
+        <a:tint val="60000"/>
+      </a:schemeClr>
+    </dgm:linClrLst>
+    <dgm:effectClrLst/>
+    <dgm:txLinClrLst/>
+    <dgm:txFillClrLst/>
+    <dgm:txEffectClrLst/>
+  </dgm:styleLbl>
+  <dgm:styleLbl name="fgSibTrans2D1">
+    <dgm:fillClrLst meth="repeat">
+      <a:schemeClr val="accent1">
+        <a:tint val="60000"/>
+      </a:schemeClr>
+    </dgm:fillClrLst>
+    <dgm:linClrLst meth="repeat">
+      <a:schemeClr val="accent1">
+        <a:tint val="60000"/>
+      </a:schemeClr>
+    </dgm:linClrLst>
+    <dgm:effectClrLst/>
+    <dgm:txLinClrLst/>
+    <dgm:txFillClrLst/>
+    <dgm:txEffectClrLst/>
+  </dgm:styleLbl>
+  <dgm:styleLbl name="bgSibTrans2D1">
+    <dgm:fillClrLst meth="repeat">
+      <a:schemeClr val="accent1">
+        <a:tint val="60000"/>
+      </a:schemeClr>
+    </dgm:fillClrLst>
+    <dgm:linClrLst meth="repeat">
+      <a:schemeClr val="accent1">
+        <a:tint val="60000"/>
+      </a:schemeClr>
+    </dgm:linClrLst>
+    <dgm:effectClrLst/>
+    <dgm:txLinClrLst/>
+    <dgm:txFillClrLst/>
+    <dgm:txEffectClrLst/>
+  </dgm:styleLbl>
+  <dgm:styleLbl name="sibTrans1D1">
+    <dgm:fillClrLst meth="repeat">
+      <a:schemeClr val="accent1"/>
+    </dgm:fillClrLst>
+    <dgm:linClrLst meth="repeat">
+      <a:schemeClr val="accent1"/>
+    </dgm:linClrLst>
+    <dgm:effectClrLst/>
+    <dgm:txLinClrLst/>
+    <dgm:txFillClrLst meth="repeat">
+      <a:schemeClr val="tx1"/>
+    </dgm:txFillClrLst>
+    <dgm:txEffectClrLst/>
+  </dgm:styleLbl>
+  <dgm:styleLbl name="callout">
+    <dgm:fillClrLst meth="repeat">
+      <a:schemeClr val="accent1"/>
+    </dgm:fillClrLst>
+    <dgm:linClrLst meth="repeat">
+      <a:schemeClr val="accent1">
+        <a:tint val="50000"/>
+      </a:schemeClr>
+    </dgm:linClrLst>
+    <dgm:effectClrLst/>
+    <dgm:txLinClrLst/>
+    <dgm:txFillClrLst meth="repeat">
+      <a:schemeClr val="tx1"/>
+    </dgm:txFillClrLst>
+    <dgm:txEffectClrLst/>
+  </dgm:styleLbl>
+  <dgm:styleLbl name="asst0">
+    <dgm:fillClrLst meth="repeat">
+      <a:schemeClr val="accent1"/>
+    </dgm:fillClrLst>
+    <dgm:linClrLst meth="repeat">
+      <a:schemeClr val="lt1"/>
+    </dgm:linClrLst>
+    <dgm:effectClrLst/>
+    <dgm:txLinClrLst/>
+    <dgm:txFillClrLst/>
+    <dgm:txEffectClrLst/>
+  </dgm:styleLbl>
+  <dgm:styleLbl name="asst1">
+    <dgm:fillClrLst meth="repeat">
+      <a:schemeClr val="accent1"/>
+    </dgm:fillClrLst>
+    <dgm:linClrLst meth="repeat">
+      <a:schemeClr val="lt1"/>
+    </dgm:linClrLst>
+    <dgm:effectClrLst/>
+    <dgm:txLinClrLst/>
+    <dgm:txFillClrLst/>
+    <dgm:txEffectClrLst/>
+  </dgm:styleLbl>
+  <dgm:styleLbl name="asst2">
+    <dgm:fillClrLst meth="repeat">
+      <a:schemeClr val="accent1"/>
+    </dgm:fillClrLst>
+    <dgm:linClrLst meth="repeat">
+      <a:schemeClr val="lt1"/>
+    </dgm:linClrLst>
+    <dgm:effectClrLst/>
+    <dgm:txLinClrLst/>
+    <dgm:txFillClrLst/>
+    <dgm:txEffectClrLst/>
+  </dgm:styleLbl>
+  <dgm:styleLbl name="asst3">
+    <dgm:fillClrLst meth="repeat">
+      <a:schemeClr val="accent1"/>
+    </dgm:fillClrLst>
+    <dgm:linClrLst meth="repeat">
+      <a:schemeClr val="lt1"/>
+    </dgm:linClrLst>
+    <dgm:effectClrLst/>
+    <dgm:txLinClrLst/>
+    <dgm:txFillClrLst/>
+    <dgm:txEffectClrLst/>
+  </dgm:styleLbl>
+  <dgm:styleLbl name="asst4">
+    <dgm:fillClrLst meth="repeat">
+      <a:schemeClr val="accent1"/>
+    </dgm:fillClrLst>
+    <dgm:linClrLst meth="repeat">
+      <a:schemeClr val="lt1"/>
+    </dgm:linClrLst>
+    <dgm:effectClrLst/>
+    <dgm:txLinClrLst/>
+    <dgm:txFillClrLst/>
+    <dgm:txEffectClrLst/>
+  </dgm:styleLbl>
+  <dgm:styleLbl name="parChTrans2D1">
+    <dgm:fillClrLst meth="repeat">
+      <a:schemeClr val="accent1">
+        <a:tint val="60000"/>
+      </a:schemeClr>
+    </dgm:fillClrLst>
+    <dgm:linClrLst meth="repeat">
+      <a:schemeClr val="accent1">
+        <a:tint val="60000"/>
+      </a:schemeClr>
+    </dgm:linClrLst>
+    <dgm:effectClrLst/>
+    <dgm:txLinClrLst/>
+    <dgm:txFillClrLst meth="repeat">
+      <a:schemeClr val="lt1"/>
+    </dgm:txFillClrLst>
+    <dgm:txEffectClrLst/>
+  </dgm:styleLbl>
+  <dgm:styleLbl name="parChTrans2D2">
+    <dgm:fillClrLst meth="repeat">
+      <a:schemeClr val="accent1"/>
+    </dgm:fillClrLst>
+    <dgm:linClrLst meth="repeat">
+      <a:schemeClr val="accent1"/>
+    </dgm:linClrLst>
+    <dgm:effectClrLst/>
+    <dgm:txLinClrLst/>
+    <dgm:txFillClrLst meth="repeat">
+      <a:schemeClr val="lt1"/>
+    </dgm:txFillClrLst>
+    <dgm:txEffectClrLst/>
+  </dgm:styleLbl>
+  <dgm:styleLbl name="parChTrans2D3">
+    <dgm:fillClrLst meth="repeat">
+      <a:schemeClr val="accent1"/>
+    </dgm:fillClrLst>
+    <dgm:linClrLst meth="repeat">
+      <a:schemeClr val="accent1"/>
+    </dgm:linClrLst>
+    <dgm:effectClrLst/>
+    <dgm:txLinClrLst/>
+    <dgm:txFillClrLst meth="repeat">
+      <a:schemeClr val="lt1"/>
+    </dgm:txFillClrLst>
+    <dgm:txEffectClrLst/>
+  </dgm:styleLbl>
+  <dgm:styleLbl name="parChTrans2D4">
+    <dgm:fillClrLst meth="repeat">
+      <a:schemeClr val="accent1"/>
+    </dgm:fillClrLst>
+    <dgm:linClrLst meth="repeat">
+      <a:schemeClr val="accent1"/>
+    </dgm:linClrLst>
+    <dgm:effectClrLst/>
+    <dgm:txLinClrLst/>
+    <dgm:txFillClrLst meth="repeat">
+      <a:schemeClr val="lt1"/>
+    </dgm:txFillClrLst>
+    <dgm:txEffectClrLst/>
+  </dgm:styleLbl>
+  <dgm:styleLbl name="parChTrans1D1">
+    <dgm:fillClrLst meth="repeat">
+      <a:schemeClr val="accent1"/>
+    </dgm:fillClrLst>
+    <dgm:linClrLst meth="repeat">
+      <a:schemeClr val="accent1">
+        <a:shade val="60000"/>
+      </a:schemeClr>
+    </dgm:linClrLst>
+    <dgm:effectClrLst/>
+    <dgm:txLinClrLst/>
+    <dgm:txFillClrLst meth="repeat">
+      <a:schemeClr val="tx1"/>
+    </dgm:txFillClrLst>
+    <dgm:txEffectClrLst/>
+  </dgm:styleLbl>
+  <dgm:styleLbl name="parChTrans1D2">
+    <dgm:fillClrLst meth="repeat">
+      <a:schemeClr val="accent1"/>
+    </dgm:fillClrLst>
+    <dgm:linClrLst meth="repeat">
+      <a:schemeClr val="accent1">
+        <a:shade val="60000"/>
+      </a:schemeClr>
+    </dgm:linClrLst>
+    <dgm:effectClrLst/>
+    <dgm:txLinClrLst/>
+    <dgm:txFillClrLst meth="repeat">
+      <a:schemeClr val="tx1"/>
+    </dgm:txFillClrLst>
+    <dgm:txEffectClrLst/>
+  </dgm:styleLbl>
+  <dgm:styleLbl name="parChTrans1D3">
+    <dgm:fillClrLst meth="repeat">
+      <a:schemeClr val="accent1"/>
+    </dgm:fillClrLst>
+    <dgm:linClrLst meth="repeat">
+      <a:schemeClr val="accent1">
+        <a:shade val="80000"/>
+      </a:schemeClr>
+    </dgm:linClrLst>
+    <dgm:effectClrLst/>
+    <dgm:txLinClrLst/>
+    <dgm:txFillClrLst meth="repeat">
+      <a:schemeClr val="tx1"/>
+    </dgm:txFillClrLst>
+    <dgm:txEffectClrLst/>
+  </dgm:styleLbl>
+  <dgm:styleLbl name="parChTrans1D4">
+    <dgm:fillClrLst meth="repeat">
+      <a:schemeClr val="accent1"/>
+    </dgm:fillClrLst>
+    <dgm:linClrLst meth="repeat">
+      <a:schemeClr val="accent1">
+        <a:shade val="80000"/>
+      </a:schemeClr>
+    </dgm:linClrLst>
+    <dgm:effectClrLst/>
+    <dgm:txLinClrLst/>
+    <dgm:txFillClrLst meth="repeat">
+      <a:schemeClr val="tx1"/>
+    </dgm:txFillClrLst>
+    <dgm:txEffectClrLst/>
+  </dgm:styleLbl>
+  <dgm:styleLbl name="fgAcc1">
+    <dgm:fillClrLst meth="repeat">
+      <a:schemeClr val="lt1">
+        <a:alpha val="90000"/>
+      </a:schemeClr>
+    </dgm:fillClrLst>
+    <dgm:linClrLst meth="repeat">
+      <a:schemeClr val="accent1"/>
+    </dgm:linClrLst>
+    <dgm:effectClrLst/>
+    <dgm:txLinClrLst/>
+    <dgm:txFillClrLst meth="repeat">
+      <a:schemeClr val="dk1"/>
+    </dgm:txFillClrLst>
+    <dgm:txEffectClrLst/>
+  </dgm:styleLbl>
+  <dgm:styleLbl name="conFgAcc1">
+    <dgm:fillClrLst meth="repeat">
+      <a:schemeClr val="lt1">
+        <a:alpha val="90000"/>
+      </a:schemeClr>
+    </dgm:fillClrLst>
+    <dgm:linClrLst meth="repeat">
+      <a:schemeClr val="accent1"/>
+    </dgm:linClrLst>
+    <dgm:effectClrLst/>
+    <dgm:txLinClrLst/>
+    <dgm:txFillClrLst meth="repeat">
+      <a:schemeClr val="dk1"/>
+    </dgm:txFillClrLst>
+    <dgm:txEffectClrLst/>
+  </dgm:styleLbl>
+  <dgm:styleLbl name="alignAcc1">
+    <dgm:fillClrLst meth="repeat">
+      <a:schemeClr val="lt1">
+        <a:alpha val="90000"/>
+      </a:schemeClr>
+    </dgm:fillClrLst>
+    <dgm:linClrLst meth="repeat">
+      <a:schemeClr val="accent1"/>
+    </dgm:linClrLst>
+    <dgm:effectClrLst/>
+    <dgm:txLinClrLst/>
+    <dgm:txFillClrLst meth="repeat">
+      <a:schemeClr val="dk1"/>
+    </dgm:txFillClrLst>
+    <dgm:txEffectClrLst/>
+  </dgm:styleLbl>
+  <dgm:styleLbl name="trAlignAcc1">
+    <dgm:fillClrLst meth="repeat">
+      <a:schemeClr val="lt1">
+        <a:alpha val="40000"/>
+      </a:schemeClr>
+    </dgm:fillClrLst>
+    <dgm:linClrLst meth="repeat">
+      <a:schemeClr val="accent1"/>
+    </dgm:linClrLst>
+    <dgm:effectClrLst/>
+    <dgm:txLinClrLst/>
+    <dgm:txFillClrLst meth="repeat">
+      <a:schemeClr val="dk1"/>
+    </dgm:txFillClrLst>
+    <dgm:txEffectClrLst/>
+  </dgm:styleLbl>
+  <dgm:styleLbl name="bgAcc1">
+    <dgm:fillClrLst meth="repeat">
+      <a:schemeClr val="lt1">
+        <a:alpha val="90000"/>
+      </a:schemeClr>
+    </dgm:fillClrLst>
+    <dgm:linClrLst meth="repeat">
+      <a:schemeClr val="accent1"/>
+    </dgm:linClrLst>
+    <dgm:effectClrLst/>
+    <dgm:txLinClrLst/>
+    <dgm:txFillClrLst meth="repeat">
+      <a:schemeClr val="dk1"/>
+    </dgm:txFillClrLst>
+    <dgm:txEffectClrLst/>
+  </dgm:styleLbl>
+  <dgm:styleLbl name="solidFgAcc1">
+    <dgm:fillClrLst meth="repeat">
+      <a:schemeClr val="lt1"/>
+    </dgm:fillClrLst>
+    <dgm:linClrLst meth="repeat">
+      <a:schemeClr val="accent1"/>
+    </dgm:linClrLst>
+    <dgm:effectClrLst/>
+    <dgm:txLinClrLst/>
+    <dgm:txFillClrLst meth="repeat">
+      <a:schemeClr val="dk1"/>
+    </dgm:txFillClrLst>
+    <dgm:txEffectClrLst/>
+  </dgm:styleLbl>
+  <dgm:styleLbl name="solidAlignAcc1">
+    <dgm:fillClrLst meth="repeat">
+      <a:schemeClr val="lt1"/>
+    </dgm:fillClrLst>
+    <dgm:linClrLst meth="repeat">
+      <a:schemeClr val="accent1"/>
+    </dgm:linClrLst>
+    <dgm:effectClrLst/>
+    <dgm:txLinClrLst/>
+    <dgm:txFillClrLst meth="repeat">
+      <a:schemeClr val="dk1"/>
+    </dgm:txFillClrLst>
+    <dgm:txEffectClrLst/>
+  </dgm:styleLbl>
+  <dgm:styleLbl name="solidBgAcc1">
+    <dgm:fillClrLst meth="repeat">
+      <a:schemeClr val="lt1"/>
+    </dgm:fillClrLst>
+    <dgm:linClrLst meth="repeat">
+      <a:schemeClr val="accent1"/>
+    </dgm:linClrLst>
+    <dgm:effectClrLst/>
+    <dgm:txLinClrLst/>
+    <dgm:txFillClrLst meth="repeat">
+      <a:schemeClr val="dk1"/>
+    </dgm:txFillClrLst>
+    <dgm:txEffectClrLst/>
+  </dgm:styleLbl>
+  <dgm:styleLbl name="fgAccFollowNode1">
+    <dgm:fillClrLst meth="repeat">
+      <a:schemeClr val="accent1">
+        <a:alpha val="90000"/>
+        <a:tint val="40000"/>
+      </a:schemeClr>
+    </dgm:fillClrLst>
+    <dgm:linClrLst meth="repeat">
+      <a:schemeClr val="accent1">
+        <a:alpha val="90000"/>
+        <a:tint val="40000"/>
+      </a:schemeClr>
+    </dgm:linClrLst>
+    <dgm:effectClrLst/>
+    <dgm:txLinClrLst/>
+    <dgm:txFillClrLst meth="repeat">
+      <a:schemeClr val="dk1"/>
+    </dgm:txFillClrLst>
+    <dgm:txEffectClrLst/>
+  </dgm:styleLbl>
+  <dgm:styleLbl name="alignAccFollowNode1">
+    <dgm:fillClrLst meth="repeat">
+      <a:schemeClr val="accent1">
+        <a:alpha val="90000"/>
+        <a:tint val="40000"/>
+      </a:schemeClr>
+    </dgm:fillClrLst>
+    <dgm:linClrLst meth="repeat">
+      <a:schemeClr val="accent1">
+        <a:alpha val="90000"/>
+        <a:tint val="40000"/>
+      </a:schemeClr>
+    </dgm:linClrLst>
+    <dgm:effectClrLst/>
+    <dgm:txLinClrLst/>
+    <dgm:txFillClrLst meth="repeat">
+      <a:schemeClr val="dk1"/>
+    </dgm:txFillClrLst>
+    <dgm:txEffectClrLst/>
+  </dgm:styleLbl>
+  <dgm:styleLbl name="bgAccFollowNode1">
+    <dgm:fillClrLst meth="repeat">
+      <a:schemeClr val="accent1">
+        <a:alpha val="90000"/>
+        <a:tint val="40000"/>
+      </a:schemeClr>
+    </dgm:fillClrLst>
+    <dgm:linClrLst meth="repeat">
+      <a:schemeClr val="accent1">
+        <a:alpha val="90000"/>
+        <a:tint val="40000"/>
+      </a:schemeClr>
+    </dgm:linClrLst>
+    <dgm:effectClrLst/>
+    <dgm:txLinClrLst/>
+    <dgm:txFillClrLst meth="repeat">
+      <a:schemeClr val="dk1"/>
+    </dgm:txFillClrLst>
+    <dgm:txEffectClrLst/>
+  </dgm:styleLbl>
+  <dgm:styleLbl name="fgAcc0">
+    <dgm:fillClrLst meth="repeat">
+      <a:schemeClr val="lt1">
+        <a:alpha val="90000"/>
+      </a:schemeClr>
+    </dgm:fillClrLst>
+    <dgm:linClrLst meth="repeat">
+      <a:schemeClr val="accent1"/>
+    </dgm:linClrLst>
+    <dgm:effectClrLst/>
+    <dgm:txLinClrLst/>
+    <dgm:txFillClrLst meth="repeat">
+      <a:schemeClr val="dk1"/>
+    </dgm:txFillClrLst>
+    <dgm:txEffectClrLst/>
+  </dgm:styleLbl>
+  <dgm:styleLbl name="fgAcc2">
+    <dgm:fillClrLst meth="repeat">
+      <a:schemeClr val="lt1">
+        <a:alpha val="90000"/>
+      </a:schemeClr>
+    </dgm:fillClrLst>
+    <dgm:linClrLst meth="repeat">
+      <a:schemeClr val="accent1"/>
+    </dgm:linClrLst>
+    <dgm:effectClrLst/>
+    <dgm:txLinClrLst/>
+    <dgm:txFillClrLst meth="repeat">
+      <a:schemeClr val="dk1"/>
+    </dgm:txFillClrLst>
+    <dgm:txEffectClrLst/>
+  </dgm:styleLbl>
+  <dgm:styleLbl name="fgAcc3">
+    <dgm:fillClrLst meth="repeat">
+      <a:schemeClr val="lt1">
+        <a:alpha val="90000"/>
+      </a:schemeClr>
+    </dgm:fillClrLst>
+    <dgm:linClrLst meth="repeat">
+      <a:schemeClr val="accent1"/>
+    </dgm:linClrLst>
+    <dgm:effectClrLst/>
+    <dgm:txLinClrLst/>
+    <dgm:txFillClrLst meth="repeat">
+      <a:schemeClr val="dk1"/>
+    </dgm:txFillClrLst>
+    <dgm:txEffectClrLst/>
+  </dgm:styleLbl>
+  <dgm:styleLbl name="fgAcc4">
+    <dgm:fillClrLst meth="repeat">
+      <a:schemeClr val="lt1">
+        <a:alpha val="90000"/>
+      </a:schemeClr>
+    </dgm:fillClrLst>
+    <dgm:linClrLst meth="repeat">
+      <a:schemeClr val="accent1"/>
+    </dgm:linClrLst>
+    <dgm:effectClrLst/>
+    <dgm:txLinClrLst/>
+    <dgm:txFillClrLst meth="repeat">
+      <a:schemeClr val="dk1"/>
+    </dgm:txFillClrLst>
+    <dgm:txEffectClrLst/>
+  </dgm:styleLbl>
+  <dgm:styleLbl name="bgShp">
+    <dgm:fillClrLst meth="repeat">
+      <a:schemeClr val="accent1">
+        <a:tint val="40000"/>
+      </a:schemeClr>
+    </dgm:fillClrLst>
+    <dgm:linClrLst meth="repeat">
+      <a:schemeClr val="accent1"/>
+    </dgm:linClrLst>
+    <dgm:effectClrLst/>
+    <dgm:txLinClrLst/>
+    <dgm:txFillClrLst meth="repeat">
+      <a:schemeClr val="dk1"/>
+    </dgm:txFillClrLst>
+    <dgm:txEffectClrLst/>
+  </dgm:styleLbl>
+  <dgm:styleLbl name="dkBgShp">
+    <dgm:fillClrLst meth="repeat">
+      <a:schemeClr val="accent1">
+        <a:shade val="80000"/>
+      </a:schemeClr>
+    </dgm:fillClrLst>
+    <dgm:linClrLst meth="repeat">
+      <a:schemeClr val="accent1"/>
+    </dgm:linClrLst>
+    <dgm:effectClrLst/>
+    <dgm:txLinClrLst/>
+    <dgm:txFillClrLst meth="repeat">
+      <a:schemeClr val="lt1"/>
+    </dgm:txFillClrLst>
+    <dgm:txEffectClrLst/>
+  </dgm:styleLbl>
+  <dgm:styleLbl name="trBgShp">
+    <dgm:fillClrLst meth="repeat">
+      <a:schemeClr val="accent1">
+        <a:tint val="50000"/>
+        <a:alpha val="40000"/>
+      </a:schemeClr>
+    </dgm:fillClrLst>
+    <dgm:linClrLst meth="repeat">
+      <a:schemeClr val="accent1"/>
+    </dgm:linClrLst>
+    <dgm:effectClrLst/>
+    <dgm:txLinClrLst/>
+    <dgm:txFillClrLst meth="repeat">
+      <a:schemeClr val="lt1"/>
+    </dgm:txFillClrLst>
+    <dgm:txEffectClrLst/>
+  </dgm:styleLbl>
+  <dgm:styleLbl name="fgShp">
+    <dgm:fillClrLst meth="repeat">
+      <a:schemeClr val="accent1">
+        <a:tint val="60000"/>
+      </a:schemeClr>
+    </dgm:fillClrLst>
+    <dgm:linClrLst meth="repeat">
+      <a:schemeClr val="lt1"/>
+    </dgm:linClrLst>
+    <dgm:effectClrLst/>
+    <dgm:txLinClrLst/>
+    <dgm:txFillClrLst meth="repeat">
+      <a:schemeClr val="dk1"/>
+    </dgm:txFillClrLst>
+    <dgm:txEffectClrLst/>
+  </dgm:styleLbl>
+  <dgm:styleLbl name="revTx">
+    <dgm:fillClrLst meth="repeat">
+      <a:schemeClr val="lt1">
+        <a:alpha val="0"/>
+      </a:schemeClr>
+    </dgm:fillClrLst>
+    <dgm:linClrLst meth="repeat">
+      <a:schemeClr val="dk1">
+        <a:alpha val="0"/>
+      </a:schemeClr>
+    </dgm:linClrLst>
+    <dgm:effectClrLst/>
+    <dgm:txLinClrLst/>
+    <dgm:txFillClrLst meth="repeat">
+      <a:schemeClr val="tx1"/>
+    </dgm:txFillClrLst>
+    <dgm:txEffectClrLst/>
+  </dgm:styleLbl>
+</dgm:colorsDef>
+</file>
+
+<file path=ppt/diagrams/colors10.xml><?xml version="1.0" encoding="utf-8"?>
 <dgm:colorsDef xmlns:dgm="http://schemas.openxmlformats.org/drawingml/2006/diagram" xmlns:a="http://schemas.openxmlformats.org/drawingml/2006/main" uniqueId="urn:microsoft.com/office/officeart/2005/8/colors/accent1_2">
   <dgm:title val=""/>
   <dgm:desc val=""/>
@@ -7306,6 +8055,434 @@
   <dgm:extLst>
     <a:ext uri="http://schemas.microsoft.com/office/drawing/2008/diagram">
       <dsp:dataModelExt xmlns:dsp="http://schemas.microsoft.com/office/drawing/2008/diagram" relId="rId6" minVer="http://schemas.openxmlformats.org/drawingml/2006/diagram"/>
+    </a:ext>
+  </dgm:extLst>
+</dgm:dataModel>
+</file>
+
+<file path=ppt/diagrams/data10.xml><?xml version="1.0" encoding="utf-8"?>
+<dgm:dataModel xmlns:dgm="http://schemas.openxmlformats.org/drawingml/2006/diagram" xmlns:a="http://schemas.openxmlformats.org/drawingml/2006/main">
+  <dgm:ptLst>
+    <dgm:pt modelId="{730B5E20-22E8-49EE-849D-2F09EB7C5E55}" type="doc">
+      <dgm:prSet loTypeId="urn:microsoft.com/office/officeart/2018/2/layout/IconVerticalSolidList" loCatId="icon" qsTypeId="urn:microsoft.com/office/officeart/2005/8/quickstyle/simple1" qsCatId="simple" csTypeId="urn:microsoft.com/office/officeart/2005/8/colors/accent1_2" csCatId="accent1" phldr="1"/>
+      <dgm:spPr/>
+      <dgm:t>
+        <a:bodyPr/>
+        <a:lstStyle/>
+        <a:p>
+          <a:endParaRPr lang="en-US"/>
+        </a:p>
+      </dgm:t>
+    </dgm:pt>
+    <dgm:pt modelId="{D23F440E-398D-41B6-A80F-74494D5847CA}">
+      <dgm:prSet/>
+      <dgm:spPr/>
+      <dgm:t>
+        <a:bodyPr/>
+        <a:lstStyle/>
+        <a:p>
+          <a:pPr>
+            <a:lnSpc>
+              <a:spcPct val="100000"/>
+            </a:lnSpc>
+          </a:pPr>
+          <a:r>
+            <a:rPr lang="en-US" dirty="0"/>
+            <a:t>Add new functionalities without changing all existing objects</a:t>
+          </a:r>
+        </a:p>
+      </dgm:t>
+    </dgm:pt>
+    <dgm:pt modelId="{90B11B28-5797-4553-BCD6-924D483AEFA1}" type="parTrans" cxnId="{ABD03D04-9D53-4E00-AB81-F25AC035AAD4}">
+      <dgm:prSet/>
+      <dgm:spPr/>
+      <dgm:t>
+        <a:bodyPr/>
+        <a:lstStyle/>
+        <a:p>
+          <a:endParaRPr lang="en-US"/>
+        </a:p>
+      </dgm:t>
+    </dgm:pt>
+    <dgm:pt modelId="{039D6CC6-CBE0-4615-AC1E-542A7D83BEE4}" type="sibTrans" cxnId="{ABD03D04-9D53-4E00-AB81-F25AC035AAD4}">
+      <dgm:prSet/>
+      <dgm:spPr/>
+      <dgm:t>
+        <a:bodyPr/>
+        <a:lstStyle/>
+        <a:p>
+          <a:endParaRPr lang="en-US"/>
+        </a:p>
+      </dgm:t>
+    </dgm:pt>
+    <dgm:pt modelId="{F8289849-E987-4255-8EC8-44B4F81CB10E}">
+      <dgm:prSet/>
+      <dgm:spPr/>
+      <dgm:t>
+        <a:bodyPr/>
+        <a:lstStyle/>
+        <a:p>
+          <a:pPr>
+            <a:lnSpc>
+              <a:spcPct val="100000"/>
+            </a:lnSpc>
+          </a:pPr>
+          <a:r>
+            <a:rPr lang="en-US" dirty="0"/>
+            <a:t>Externalize changes (only visitor object implements changes)</a:t>
+          </a:r>
+        </a:p>
+      </dgm:t>
+    </dgm:pt>
+    <dgm:pt modelId="{58406139-B729-43A1-9AA7-0431547BE2D4}" type="parTrans" cxnId="{0DECB193-7D07-48D4-B4D0-8A44B02B0EFC}">
+      <dgm:prSet/>
+      <dgm:spPr/>
+      <dgm:t>
+        <a:bodyPr/>
+        <a:lstStyle/>
+        <a:p>
+          <a:endParaRPr lang="en-US"/>
+        </a:p>
+      </dgm:t>
+    </dgm:pt>
+    <dgm:pt modelId="{CFDFBA7F-EFFF-4644-9D4D-D4EA2AB33D7D}" type="sibTrans" cxnId="{0DECB193-7D07-48D4-B4D0-8A44B02B0EFC}">
+      <dgm:prSet/>
+      <dgm:spPr/>
+      <dgm:t>
+        <a:bodyPr/>
+        <a:lstStyle/>
+        <a:p>
+          <a:endParaRPr lang="en-US"/>
+        </a:p>
+      </dgm:t>
+    </dgm:pt>
+    <dgm:pt modelId="{B987AC83-493B-4B18-BBDE-1E83EAF7E925}">
+      <dgm:prSet/>
+      <dgm:spPr/>
+      <dgm:t>
+        <a:bodyPr/>
+        <a:lstStyle/>
+        <a:p>
+          <a:pPr>
+            <a:lnSpc>
+              <a:spcPct val="100000"/>
+            </a:lnSpc>
+          </a:pPr>
+          <a:r>
+            <a:rPr lang="en-US" dirty="0"/>
+            <a:t>Pitfall: you plan for adaptability and can create flexibility that it’s just not going to be used</a:t>
+          </a:r>
+        </a:p>
+      </dgm:t>
+    </dgm:pt>
+    <dgm:pt modelId="{8B487908-3605-4A42-980E-D4512632196F}" type="parTrans" cxnId="{70466650-EF21-44D4-9C56-FBD4098B58CE}">
+      <dgm:prSet/>
+      <dgm:spPr/>
+      <dgm:t>
+        <a:bodyPr/>
+        <a:lstStyle/>
+        <a:p>
+          <a:endParaRPr lang="en-US"/>
+        </a:p>
+      </dgm:t>
+    </dgm:pt>
+    <dgm:pt modelId="{3871E768-D972-4239-9CDD-D2C93D59DC76}" type="sibTrans" cxnId="{70466650-EF21-44D4-9C56-FBD4098B58CE}">
+      <dgm:prSet/>
+      <dgm:spPr/>
+      <dgm:t>
+        <a:bodyPr/>
+        <a:lstStyle/>
+        <a:p>
+          <a:endParaRPr lang="en-US"/>
+        </a:p>
+      </dgm:t>
+    </dgm:pt>
+    <dgm:pt modelId="{D18979C8-D283-4F11-8056-816DA377F0C0}">
+      <dgm:prSet/>
+      <dgm:spPr/>
+      <dgm:t>
+        <a:bodyPr/>
+        <a:lstStyle/>
+        <a:p>
+          <a:pPr>
+            <a:lnSpc>
+              <a:spcPct val="100000"/>
+            </a:lnSpc>
+          </a:pPr>
+          <a:r>
+            <a:rPr lang="en-US" dirty="0"/>
+            <a:t>Double dispatch</a:t>
+          </a:r>
+        </a:p>
+      </dgm:t>
+    </dgm:pt>
+    <dgm:pt modelId="{88215926-66BF-48C4-A93B-2B9055E4B30E}" type="parTrans" cxnId="{2C52642D-1657-4F8D-BBDD-B987CC65BE05}">
+      <dgm:prSet/>
+      <dgm:spPr/>
+      <dgm:t>
+        <a:bodyPr/>
+        <a:lstStyle/>
+        <a:p>
+          <a:endParaRPr lang="en-US"/>
+        </a:p>
+      </dgm:t>
+    </dgm:pt>
+    <dgm:pt modelId="{69F2F367-DB05-4C42-B3B6-E5FAE86F9F26}" type="sibTrans" cxnId="{2C52642D-1657-4F8D-BBDD-B987CC65BE05}">
+      <dgm:prSet/>
+      <dgm:spPr/>
+      <dgm:t>
+        <a:bodyPr/>
+        <a:lstStyle/>
+        <a:p>
+          <a:endParaRPr lang="en-US"/>
+        </a:p>
+      </dgm:t>
+    </dgm:pt>
+    <dgm:pt modelId="{933F326E-830B-4831-B1CB-C533857382D0}" type="pres">
+      <dgm:prSet presAssocID="{730B5E20-22E8-49EE-849D-2F09EB7C5E55}" presName="root" presStyleCnt="0">
+        <dgm:presLayoutVars>
+          <dgm:dir/>
+          <dgm:resizeHandles val="exact"/>
+        </dgm:presLayoutVars>
+      </dgm:prSet>
+      <dgm:spPr/>
+    </dgm:pt>
+    <dgm:pt modelId="{76D33545-207A-477F-A16B-BB2B9D7F2D3A}" type="pres">
+      <dgm:prSet presAssocID="{D23F440E-398D-41B6-A80F-74494D5847CA}" presName="compNode" presStyleCnt="0"/>
+      <dgm:spPr/>
+    </dgm:pt>
+    <dgm:pt modelId="{8FAC3CA6-DB25-4C68-BA9A-AD1D71B4FF5F}" type="pres">
+      <dgm:prSet presAssocID="{D23F440E-398D-41B6-A80F-74494D5847CA}" presName="bgRect" presStyleLbl="bgShp" presStyleIdx="0" presStyleCnt="4"/>
+      <dgm:spPr/>
+    </dgm:pt>
+    <dgm:pt modelId="{EE8C7A60-76B2-49C3-B369-A96EA3E5C2D4}" type="pres">
+      <dgm:prSet presAssocID="{D23F440E-398D-41B6-A80F-74494D5847CA}" presName="iconRect" presStyleLbl="node1" presStyleIdx="0" presStyleCnt="4"/>
+      <dgm:spPr>
+        <a:blipFill>
+          <a:blip xmlns:r="http://schemas.openxmlformats.org/officeDocument/2006/relationships" r:embed="rId1">
+            <a:extLst>
+              <a:ext uri="{28A0092B-C50C-407E-A947-70E740481C1C}">
+                <a14:useLocalDpi xmlns:a14="http://schemas.microsoft.com/office/drawing/2010/main" val="0"/>
+              </a:ext>
+              <a:ext uri="{96DAC541-7B7A-43D3-8B79-37D633B846F1}">
+                <asvg:svgBlip xmlns:asvg="http://schemas.microsoft.com/office/drawing/2016/SVG/main" r:embed="rId2"/>
+              </a:ext>
+            </a:extLst>
+          </a:blip>
+          <a:stretch>
+            <a:fillRect/>
+          </a:stretch>
+        </a:blipFill>
+      </dgm:spPr>
+      <dgm:extLst>
+        <a:ext uri="{E40237B7-FDA0-4F09-8148-C483321AD2D9}">
+          <dgm14:cNvPr xmlns:dgm14="http://schemas.microsoft.com/office/drawing/2010/diagram" id="0" name="" descr="Cement truck"/>
+        </a:ext>
+      </dgm:extLst>
+    </dgm:pt>
+    <dgm:pt modelId="{B6D7E020-35D4-4D94-A1B9-406EAB63801E}" type="pres">
+      <dgm:prSet presAssocID="{D23F440E-398D-41B6-A80F-74494D5847CA}" presName="spaceRect" presStyleCnt="0"/>
+      <dgm:spPr/>
+    </dgm:pt>
+    <dgm:pt modelId="{E59E20F8-4207-45B4-B668-018957100416}" type="pres">
+      <dgm:prSet presAssocID="{D23F440E-398D-41B6-A80F-74494D5847CA}" presName="parTx" presStyleLbl="revTx" presStyleIdx="0" presStyleCnt="4" custLinFactNeighborY="47945">
+        <dgm:presLayoutVars>
+          <dgm:chMax val="0"/>
+          <dgm:chPref val="0"/>
+        </dgm:presLayoutVars>
+      </dgm:prSet>
+      <dgm:spPr/>
+    </dgm:pt>
+    <dgm:pt modelId="{5E9395D8-4450-4F9F-846C-719251944482}" type="pres">
+      <dgm:prSet presAssocID="{039D6CC6-CBE0-4615-AC1E-542A7D83BEE4}" presName="sibTrans" presStyleCnt="0"/>
+      <dgm:spPr/>
+    </dgm:pt>
+    <dgm:pt modelId="{4317EA3C-F64C-49F9-8D0C-2AD3C7D8B19A}" type="pres">
+      <dgm:prSet presAssocID="{F8289849-E987-4255-8EC8-44B4F81CB10E}" presName="compNode" presStyleCnt="0"/>
+      <dgm:spPr/>
+    </dgm:pt>
+    <dgm:pt modelId="{37F77629-432B-4A69-837C-14C65DEDD20C}" type="pres">
+      <dgm:prSet presAssocID="{F8289849-E987-4255-8EC8-44B4F81CB10E}" presName="bgRect" presStyleLbl="bgShp" presStyleIdx="1" presStyleCnt="4" custLinFactNeighborX="-15354" custLinFactNeighborY="-9287"/>
+      <dgm:spPr/>
+    </dgm:pt>
+    <dgm:pt modelId="{C1FCEA5C-0298-4163-931F-016E81AAB647}" type="pres">
+      <dgm:prSet presAssocID="{F8289849-E987-4255-8EC8-44B4F81CB10E}" presName="iconRect" presStyleLbl="node1" presStyleIdx="1" presStyleCnt="4"/>
+      <dgm:spPr>
+        <a:blipFill>
+          <a:blip xmlns:r="http://schemas.openxmlformats.org/officeDocument/2006/relationships" r:embed="rId3">
+            <a:extLst>
+              <a:ext uri="{28A0092B-C50C-407E-A947-70E740481C1C}">
+                <a14:useLocalDpi xmlns:a14="http://schemas.microsoft.com/office/drawing/2010/main" val="0"/>
+              </a:ext>
+              <a:ext uri="{96DAC541-7B7A-43D3-8B79-37D633B846F1}">
+                <asvg:svgBlip xmlns:asvg="http://schemas.microsoft.com/office/drawing/2016/SVG/main" r:embed="rId4"/>
+              </a:ext>
+            </a:extLst>
+          </a:blip>
+          <a:stretch>
+            <a:fillRect/>
+          </a:stretch>
+        </a:blipFill>
+      </dgm:spPr>
+      <dgm:extLst>
+        <a:ext uri="{E40237B7-FDA0-4F09-8148-C483321AD2D9}">
+          <dgm14:cNvPr xmlns:dgm14="http://schemas.microsoft.com/office/drawing/2010/diagram" id="0" name="" descr="Excavator"/>
+        </a:ext>
+      </dgm:extLst>
+    </dgm:pt>
+    <dgm:pt modelId="{4E01C590-E7DA-4835-86D2-4CCA915CA9A6}" type="pres">
+      <dgm:prSet presAssocID="{F8289849-E987-4255-8EC8-44B4F81CB10E}" presName="spaceRect" presStyleCnt="0"/>
+      <dgm:spPr/>
+    </dgm:pt>
+    <dgm:pt modelId="{7DE8E408-DE79-443F-8629-C089FBA689E3}" type="pres">
+      <dgm:prSet presAssocID="{F8289849-E987-4255-8EC8-44B4F81CB10E}" presName="parTx" presStyleLbl="revTx" presStyleIdx="1" presStyleCnt="4" custScaleY="68751" custLinFactNeighborX="-577" custLinFactNeighborY="23286">
+        <dgm:presLayoutVars>
+          <dgm:chMax val="0"/>
+          <dgm:chPref val="0"/>
+        </dgm:presLayoutVars>
+      </dgm:prSet>
+      <dgm:spPr/>
+    </dgm:pt>
+    <dgm:pt modelId="{6F5BEA2C-D35A-40CD-AADB-C93FF0714F82}" type="pres">
+      <dgm:prSet presAssocID="{CFDFBA7F-EFFF-4644-9D4D-D4EA2AB33D7D}" presName="sibTrans" presStyleCnt="0"/>
+      <dgm:spPr/>
+    </dgm:pt>
+    <dgm:pt modelId="{061BB9BD-3EFB-484E-9E1E-584C8BD2EBBC}" type="pres">
+      <dgm:prSet presAssocID="{B987AC83-493B-4B18-BBDE-1E83EAF7E925}" presName="compNode" presStyleCnt="0"/>
+      <dgm:spPr/>
+    </dgm:pt>
+    <dgm:pt modelId="{7760943E-59EA-4625-8C71-92A18A3E7522}" type="pres">
+      <dgm:prSet presAssocID="{B987AC83-493B-4B18-BBDE-1E83EAF7E925}" presName="bgRect" presStyleLbl="bgShp" presStyleIdx="2" presStyleCnt="4"/>
+      <dgm:spPr/>
+    </dgm:pt>
+    <dgm:pt modelId="{676EE63F-6485-4E2A-ABAE-83CF265BF069}" type="pres">
+      <dgm:prSet presAssocID="{B987AC83-493B-4B18-BBDE-1E83EAF7E925}" presName="iconRect" presStyleLbl="node1" presStyleIdx="2" presStyleCnt="4"/>
+      <dgm:spPr>
+        <a:blipFill>
+          <a:blip xmlns:r="http://schemas.openxmlformats.org/officeDocument/2006/relationships" r:embed="rId5">
+            <a:extLst>
+              <a:ext uri="{28A0092B-C50C-407E-A947-70E740481C1C}">
+                <a14:useLocalDpi xmlns:a14="http://schemas.microsoft.com/office/drawing/2010/main" val="0"/>
+              </a:ext>
+              <a:ext uri="{96DAC541-7B7A-43D3-8B79-37D633B846F1}">
+                <asvg:svgBlip xmlns:asvg="http://schemas.microsoft.com/office/drawing/2016/SVG/main" r:embed="rId6"/>
+              </a:ext>
+            </a:extLst>
+          </a:blip>
+          <a:stretch>
+            <a:fillRect/>
+          </a:stretch>
+        </a:blipFill>
+      </dgm:spPr>
+      <dgm:extLst>
+        <a:ext uri="{E40237B7-FDA0-4F09-8148-C483321AD2D9}">
+          <dgm14:cNvPr xmlns:dgm14="http://schemas.microsoft.com/office/drawing/2010/diagram" id="0" name="" descr="Factory"/>
+        </a:ext>
+      </dgm:extLst>
+    </dgm:pt>
+    <dgm:pt modelId="{028304A6-CF27-4F1D-99F6-FE8D277AEE17}" type="pres">
+      <dgm:prSet presAssocID="{B987AC83-493B-4B18-BBDE-1E83EAF7E925}" presName="spaceRect" presStyleCnt="0"/>
+      <dgm:spPr/>
+    </dgm:pt>
+    <dgm:pt modelId="{B9DB9720-3FDF-4ACB-85FA-66976B22A528}" type="pres">
+      <dgm:prSet presAssocID="{B987AC83-493B-4B18-BBDE-1E83EAF7E925}" presName="parTx" presStyleLbl="revTx" presStyleIdx="2" presStyleCnt="4" custLinFactNeighborX="-280" custLinFactNeighborY="47945">
+        <dgm:presLayoutVars>
+          <dgm:chMax val="0"/>
+          <dgm:chPref val="0"/>
+        </dgm:presLayoutVars>
+      </dgm:prSet>
+      <dgm:spPr/>
+    </dgm:pt>
+    <dgm:pt modelId="{2B0E55DF-6C35-4664-BC0E-365BF51E4C99}" type="pres">
+      <dgm:prSet presAssocID="{3871E768-D972-4239-9CDD-D2C93D59DC76}" presName="sibTrans" presStyleCnt="0"/>
+      <dgm:spPr/>
+    </dgm:pt>
+    <dgm:pt modelId="{F128A80F-4611-4111-9193-176AF502C376}" type="pres">
+      <dgm:prSet presAssocID="{D18979C8-D283-4F11-8056-816DA377F0C0}" presName="compNode" presStyleCnt="0"/>
+      <dgm:spPr/>
+    </dgm:pt>
+    <dgm:pt modelId="{79AEF808-314B-4C4B-82AA-6EEA54A65F07}" type="pres">
+      <dgm:prSet presAssocID="{D18979C8-D283-4F11-8056-816DA377F0C0}" presName="bgRect" presStyleLbl="bgShp" presStyleIdx="3" presStyleCnt="4"/>
+      <dgm:spPr/>
+    </dgm:pt>
+    <dgm:pt modelId="{73575651-229C-4229-B203-88512EEA95C5}" type="pres">
+      <dgm:prSet presAssocID="{D18979C8-D283-4F11-8056-816DA377F0C0}" presName="iconRect" presStyleLbl="node1" presStyleIdx="3" presStyleCnt="4"/>
+      <dgm:spPr>
+        <a:blipFill>
+          <a:blip xmlns:r="http://schemas.openxmlformats.org/officeDocument/2006/relationships" r:embed="rId7">
+            <a:extLst>
+              <a:ext uri="{28A0092B-C50C-407E-A947-70E740481C1C}">
+                <a14:useLocalDpi xmlns:a14="http://schemas.microsoft.com/office/drawing/2010/main" val="0"/>
+              </a:ext>
+              <a:ext uri="{96DAC541-7B7A-43D3-8B79-37D633B846F1}">
+                <asvg:svgBlip xmlns:asvg="http://schemas.microsoft.com/office/drawing/2016/SVG/main" r:embed="rId8"/>
+              </a:ext>
+            </a:extLst>
+          </a:blip>
+          <a:stretch>
+            <a:fillRect/>
+          </a:stretch>
+        </a:blipFill>
+      </dgm:spPr>
+      <dgm:extLst>
+        <a:ext uri="{E40237B7-FDA0-4F09-8148-C483321AD2D9}">
+          <dgm14:cNvPr xmlns:dgm14="http://schemas.microsoft.com/office/drawing/2010/diagram" id="0" name="" descr="Projector"/>
+        </a:ext>
+      </dgm:extLst>
+    </dgm:pt>
+    <dgm:pt modelId="{806002CB-A457-44F2-A2DD-11D2572CD18C}" type="pres">
+      <dgm:prSet presAssocID="{D18979C8-D283-4F11-8056-816DA377F0C0}" presName="spaceRect" presStyleCnt="0"/>
+      <dgm:spPr/>
+    </dgm:pt>
+    <dgm:pt modelId="{77CFAC55-D3CF-45EA-A63C-9656646CA42E}" type="pres">
+      <dgm:prSet presAssocID="{D18979C8-D283-4F11-8056-816DA377F0C0}" presName="parTx" presStyleLbl="revTx" presStyleIdx="3" presStyleCnt="4" custLinFactNeighborX="-559" custLinFactNeighborY="53585">
+        <dgm:presLayoutVars>
+          <dgm:chMax val="0"/>
+          <dgm:chPref val="0"/>
+        </dgm:presLayoutVars>
+      </dgm:prSet>
+      <dgm:spPr/>
+    </dgm:pt>
+  </dgm:ptLst>
+  <dgm:cxnLst>
+    <dgm:cxn modelId="{ABD03D04-9D53-4E00-AB81-F25AC035AAD4}" srcId="{730B5E20-22E8-49EE-849D-2F09EB7C5E55}" destId="{D23F440E-398D-41B6-A80F-74494D5847CA}" srcOrd="0" destOrd="0" parTransId="{90B11B28-5797-4553-BCD6-924D483AEFA1}" sibTransId="{039D6CC6-CBE0-4615-AC1E-542A7D83BEE4}"/>
+    <dgm:cxn modelId="{B69A751B-F5A4-4FDF-A1ED-C6E1EE94BDBA}" type="presOf" srcId="{F8289849-E987-4255-8EC8-44B4F81CB10E}" destId="{7DE8E408-DE79-443F-8629-C089FBA689E3}" srcOrd="0" destOrd="0" presId="urn:microsoft.com/office/officeart/2018/2/layout/IconVerticalSolidList"/>
+    <dgm:cxn modelId="{2C52642D-1657-4F8D-BBDD-B987CC65BE05}" srcId="{730B5E20-22E8-49EE-849D-2F09EB7C5E55}" destId="{D18979C8-D283-4F11-8056-816DA377F0C0}" srcOrd="3" destOrd="0" parTransId="{88215926-66BF-48C4-A93B-2B9055E4B30E}" sibTransId="{69F2F367-DB05-4C42-B3B6-E5FAE86F9F26}"/>
+    <dgm:cxn modelId="{27CB5032-1C28-4B71-9DE7-3B8573DAA06B}" type="presOf" srcId="{D18979C8-D283-4F11-8056-816DA377F0C0}" destId="{77CFAC55-D3CF-45EA-A63C-9656646CA42E}" srcOrd="0" destOrd="0" presId="urn:microsoft.com/office/officeart/2018/2/layout/IconVerticalSolidList"/>
+    <dgm:cxn modelId="{36BA1767-35CA-4C91-93C5-94F0ADD921AD}" type="presOf" srcId="{730B5E20-22E8-49EE-849D-2F09EB7C5E55}" destId="{933F326E-830B-4831-B1CB-C533857382D0}" srcOrd="0" destOrd="0" presId="urn:microsoft.com/office/officeart/2018/2/layout/IconVerticalSolidList"/>
+    <dgm:cxn modelId="{70466650-EF21-44D4-9C56-FBD4098B58CE}" srcId="{730B5E20-22E8-49EE-849D-2F09EB7C5E55}" destId="{B987AC83-493B-4B18-BBDE-1E83EAF7E925}" srcOrd="2" destOrd="0" parTransId="{8B487908-3605-4A42-980E-D4512632196F}" sibTransId="{3871E768-D972-4239-9CDD-D2C93D59DC76}"/>
+    <dgm:cxn modelId="{0DECB193-7D07-48D4-B4D0-8A44B02B0EFC}" srcId="{730B5E20-22E8-49EE-849D-2F09EB7C5E55}" destId="{F8289849-E987-4255-8EC8-44B4F81CB10E}" srcOrd="1" destOrd="0" parTransId="{58406139-B729-43A1-9AA7-0431547BE2D4}" sibTransId="{CFDFBA7F-EFFF-4644-9D4D-D4EA2AB33D7D}"/>
+    <dgm:cxn modelId="{44162A95-8BE4-488C-B835-013E9523D7C9}" type="presOf" srcId="{B987AC83-493B-4B18-BBDE-1E83EAF7E925}" destId="{B9DB9720-3FDF-4ACB-85FA-66976B22A528}" srcOrd="0" destOrd="0" presId="urn:microsoft.com/office/officeart/2018/2/layout/IconVerticalSolidList"/>
+    <dgm:cxn modelId="{CBA314A9-2DA4-4A96-8AAA-82DB60A2107B}" type="presOf" srcId="{D23F440E-398D-41B6-A80F-74494D5847CA}" destId="{E59E20F8-4207-45B4-B668-018957100416}" srcOrd="0" destOrd="0" presId="urn:microsoft.com/office/officeart/2018/2/layout/IconVerticalSolidList"/>
+    <dgm:cxn modelId="{9530F58C-F371-4809-A58E-6A168C19975B}" type="presParOf" srcId="{933F326E-830B-4831-B1CB-C533857382D0}" destId="{76D33545-207A-477F-A16B-BB2B9D7F2D3A}" srcOrd="0" destOrd="0" presId="urn:microsoft.com/office/officeart/2018/2/layout/IconVerticalSolidList"/>
+    <dgm:cxn modelId="{E451D301-FBDE-471F-ABE3-C1348C32FA64}" type="presParOf" srcId="{76D33545-207A-477F-A16B-BB2B9D7F2D3A}" destId="{8FAC3CA6-DB25-4C68-BA9A-AD1D71B4FF5F}" srcOrd="0" destOrd="0" presId="urn:microsoft.com/office/officeart/2018/2/layout/IconVerticalSolidList"/>
+    <dgm:cxn modelId="{14E7CD92-A38A-4FAF-9BA9-5FF42774E845}" type="presParOf" srcId="{76D33545-207A-477F-A16B-BB2B9D7F2D3A}" destId="{EE8C7A60-76B2-49C3-B369-A96EA3E5C2D4}" srcOrd="1" destOrd="0" presId="urn:microsoft.com/office/officeart/2018/2/layout/IconVerticalSolidList"/>
+    <dgm:cxn modelId="{5D26878D-4F9B-405F-8E85-83F7C0F8E1DB}" type="presParOf" srcId="{76D33545-207A-477F-A16B-BB2B9D7F2D3A}" destId="{B6D7E020-35D4-4D94-A1B9-406EAB63801E}" srcOrd="2" destOrd="0" presId="urn:microsoft.com/office/officeart/2018/2/layout/IconVerticalSolidList"/>
+    <dgm:cxn modelId="{C9133D54-CFA6-4961-AF72-CCA5E88723C5}" type="presParOf" srcId="{76D33545-207A-477F-A16B-BB2B9D7F2D3A}" destId="{E59E20F8-4207-45B4-B668-018957100416}" srcOrd="3" destOrd="0" presId="urn:microsoft.com/office/officeart/2018/2/layout/IconVerticalSolidList"/>
+    <dgm:cxn modelId="{CD16DBD8-D5DB-4E7C-B56A-F7994BF3480C}" type="presParOf" srcId="{933F326E-830B-4831-B1CB-C533857382D0}" destId="{5E9395D8-4450-4F9F-846C-719251944482}" srcOrd="1" destOrd="0" presId="urn:microsoft.com/office/officeart/2018/2/layout/IconVerticalSolidList"/>
+    <dgm:cxn modelId="{C5884024-B1F3-44A6-AAC9-EA7FDF63D1F4}" type="presParOf" srcId="{933F326E-830B-4831-B1CB-C533857382D0}" destId="{4317EA3C-F64C-49F9-8D0C-2AD3C7D8B19A}" srcOrd="2" destOrd="0" presId="urn:microsoft.com/office/officeart/2018/2/layout/IconVerticalSolidList"/>
+    <dgm:cxn modelId="{B61F5F59-BFC6-4790-A4CB-49481E4A7E67}" type="presParOf" srcId="{4317EA3C-F64C-49F9-8D0C-2AD3C7D8B19A}" destId="{37F77629-432B-4A69-837C-14C65DEDD20C}" srcOrd="0" destOrd="0" presId="urn:microsoft.com/office/officeart/2018/2/layout/IconVerticalSolidList"/>
+    <dgm:cxn modelId="{F26FB358-72F0-4DE0-BF50-574AA8D7675B}" type="presParOf" srcId="{4317EA3C-F64C-49F9-8D0C-2AD3C7D8B19A}" destId="{C1FCEA5C-0298-4163-931F-016E81AAB647}" srcOrd="1" destOrd="0" presId="urn:microsoft.com/office/officeart/2018/2/layout/IconVerticalSolidList"/>
+    <dgm:cxn modelId="{04F992BD-F4A0-4C73-8E88-0DCB02F4B0DA}" type="presParOf" srcId="{4317EA3C-F64C-49F9-8D0C-2AD3C7D8B19A}" destId="{4E01C590-E7DA-4835-86D2-4CCA915CA9A6}" srcOrd="2" destOrd="0" presId="urn:microsoft.com/office/officeart/2018/2/layout/IconVerticalSolidList"/>
+    <dgm:cxn modelId="{D9501396-62D3-464C-AFF5-D80F72C0E0A4}" type="presParOf" srcId="{4317EA3C-F64C-49F9-8D0C-2AD3C7D8B19A}" destId="{7DE8E408-DE79-443F-8629-C089FBA689E3}" srcOrd="3" destOrd="0" presId="urn:microsoft.com/office/officeart/2018/2/layout/IconVerticalSolidList"/>
+    <dgm:cxn modelId="{B64CE750-A220-423D-A5EB-CB9BECD78567}" type="presParOf" srcId="{933F326E-830B-4831-B1CB-C533857382D0}" destId="{6F5BEA2C-D35A-40CD-AADB-C93FF0714F82}" srcOrd="3" destOrd="0" presId="urn:microsoft.com/office/officeart/2018/2/layout/IconVerticalSolidList"/>
+    <dgm:cxn modelId="{CEE0C149-DA4E-4DAA-86E5-5BAFB611B822}" type="presParOf" srcId="{933F326E-830B-4831-B1CB-C533857382D0}" destId="{061BB9BD-3EFB-484E-9E1E-584C8BD2EBBC}" srcOrd="4" destOrd="0" presId="urn:microsoft.com/office/officeart/2018/2/layout/IconVerticalSolidList"/>
+    <dgm:cxn modelId="{A46EC668-5ED2-4686-99BE-1BD7F730D13B}" type="presParOf" srcId="{061BB9BD-3EFB-484E-9E1E-584C8BD2EBBC}" destId="{7760943E-59EA-4625-8C71-92A18A3E7522}" srcOrd="0" destOrd="0" presId="urn:microsoft.com/office/officeart/2018/2/layout/IconVerticalSolidList"/>
+    <dgm:cxn modelId="{A9A84054-A6B0-499D-BCD3-576032380D45}" type="presParOf" srcId="{061BB9BD-3EFB-484E-9E1E-584C8BD2EBBC}" destId="{676EE63F-6485-4E2A-ABAE-83CF265BF069}" srcOrd="1" destOrd="0" presId="urn:microsoft.com/office/officeart/2018/2/layout/IconVerticalSolidList"/>
+    <dgm:cxn modelId="{194187CE-E057-4230-A3BD-9459A03BE67D}" type="presParOf" srcId="{061BB9BD-3EFB-484E-9E1E-584C8BD2EBBC}" destId="{028304A6-CF27-4F1D-99F6-FE8D277AEE17}" srcOrd="2" destOrd="0" presId="urn:microsoft.com/office/officeart/2018/2/layout/IconVerticalSolidList"/>
+    <dgm:cxn modelId="{8C1E721E-A458-4A52-900B-6C798D950C87}" type="presParOf" srcId="{061BB9BD-3EFB-484E-9E1E-584C8BD2EBBC}" destId="{B9DB9720-3FDF-4ACB-85FA-66976B22A528}" srcOrd="3" destOrd="0" presId="urn:microsoft.com/office/officeart/2018/2/layout/IconVerticalSolidList"/>
+    <dgm:cxn modelId="{0F6C0F8A-C0DA-459D-A474-7474A6218E97}" type="presParOf" srcId="{933F326E-830B-4831-B1CB-C533857382D0}" destId="{2B0E55DF-6C35-4664-BC0E-365BF51E4C99}" srcOrd="5" destOrd="0" presId="urn:microsoft.com/office/officeart/2018/2/layout/IconVerticalSolidList"/>
+    <dgm:cxn modelId="{C21BD3D6-F6A4-4D28-8A3D-E08E8BD04862}" type="presParOf" srcId="{933F326E-830B-4831-B1CB-C533857382D0}" destId="{F128A80F-4611-4111-9193-176AF502C376}" srcOrd="6" destOrd="0" presId="urn:microsoft.com/office/officeart/2018/2/layout/IconVerticalSolidList"/>
+    <dgm:cxn modelId="{7B6F3B4D-5C95-42B1-92C1-75F8AB45D4B7}" type="presParOf" srcId="{F128A80F-4611-4111-9193-176AF502C376}" destId="{79AEF808-314B-4C4B-82AA-6EEA54A65F07}" srcOrd="0" destOrd="0" presId="urn:microsoft.com/office/officeart/2018/2/layout/IconVerticalSolidList"/>
+    <dgm:cxn modelId="{F14DA5EF-E538-446F-BE7C-45C876E34890}" type="presParOf" srcId="{F128A80F-4611-4111-9193-176AF502C376}" destId="{73575651-229C-4229-B203-88512EEA95C5}" srcOrd="1" destOrd="0" presId="urn:microsoft.com/office/officeart/2018/2/layout/IconVerticalSolidList"/>
+    <dgm:cxn modelId="{E9A85B14-90AD-48A2-9B16-6090607A5F65}" type="presParOf" srcId="{F128A80F-4611-4111-9193-176AF502C376}" destId="{806002CB-A457-44F2-A2DD-11D2572CD18C}" srcOrd="2" destOrd="0" presId="urn:microsoft.com/office/officeart/2018/2/layout/IconVerticalSolidList"/>
+    <dgm:cxn modelId="{18B0CAC5-6463-418B-8377-8680A23E679D}" type="presParOf" srcId="{F128A80F-4611-4111-9193-176AF502C376}" destId="{77CFAC55-D3CF-45EA-A63C-9656646CA42E}" srcOrd="3" destOrd="0" presId="urn:microsoft.com/office/officeart/2018/2/layout/IconVerticalSolidList"/>
+  </dgm:cxnLst>
+  <dgm:bg/>
+  <dgm:whole/>
+  <dgm:extLst>
+    <a:ext uri="http://schemas.microsoft.com/office/drawing/2008/diagram">
+      <dsp:dataModelExt xmlns:dsp="http://schemas.microsoft.com/office/drawing/2008/diagram" relId="rId7" minVer="http://schemas.openxmlformats.org/drawingml/2006/diagram"/>
     </a:ext>
   </dgm:extLst>
 </dgm:dataModel>
@@ -11439,6 +12616,650 @@
       <dsp:txXfrm>
         <a:off x="910646" y="2958199"/>
         <a:ext cx="3729089" cy="788438"/>
+      </dsp:txXfrm>
+    </dsp:sp>
+  </dsp:spTree>
+</dsp:drawing>
+</file>
+
+<file path=ppt/diagrams/drawing10.xml><?xml version="1.0" encoding="utf-8"?>
+<dsp:drawing xmlns:dgm="http://schemas.openxmlformats.org/drawingml/2006/diagram" xmlns:dsp="http://schemas.microsoft.com/office/drawing/2008/diagram" xmlns:a="http://schemas.openxmlformats.org/drawingml/2006/main">
+  <dsp:spTree>
+    <dsp:nvGrpSpPr>
+      <dsp:cNvPr id="0" name=""/>
+      <dsp:cNvGrpSpPr/>
+    </dsp:nvGrpSpPr>
+    <dsp:grpSpPr/>
+    <dsp:sp modelId="{8FAC3CA6-DB25-4C68-BA9A-AD1D71B4FF5F}">
+      <dsp:nvSpPr>
+        <dsp:cNvPr id="0" name=""/>
+        <dsp:cNvSpPr/>
+      </dsp:nvSpPr>
+      <dsp:spPr>
+        <a:xfrm>
+          <a:off x="0" y="97412"/>
+          <a:ext cx="4639736" cy="740654"/>
+        </a:xfrm>
+        <a:prstGeom prst="roundRect">
+          <a:avLst>
+            <a:gd name="adj" fmla="val 10000"/>
+          </a:avLst>
+        </a:prstGeom>
+        <a:solidFill>
+          <a:schemeClr val="accent1">
+            <a:tint val="40000"/>
+            <a:hueOff val="0"/>
+            <a:satOff val="0"/>
+            <a:lumOff val="0"/>
+            <a:alphaOff val="0"/>
+          </a:schemeClr>
+        </a:solidFill>
+        <a:ln>
+          <a:noFill/>
+        </a:ln>
+        <a:effectLst/>
+      </dsp:spPr>
+      <dsp:style>
+        <a:lnRef idx="0">
+          <a:scrgbClr r="0" g="0" b="0"/>
+        </a:lnRef>
+        <a:fillRef idx="1">
+          <a:scrgbClr r="0" g="0" b="0"/>
+        </a:fillRef>
+        <a:effectRef idx="0">
+          <a:scrgbClr r="0" g="0" b="0"/>
+        </a:effectRef>
+        <a:fontRef idx="minor"/>
+      </dsp:style>
+    </dsp:sp>
+    <dsp:sp modelId="{EE8C7A60-76B2-49C3-B369-A96EA3E5C2D4}">
+      <dsp:nvSpPr>
+        <dsp:cNvPr id="0" name=""/>
+        <dsp:cNvSpPr/>
+      </dsp:nvSpPr>
+      <dsp:spPr>
+        <a:xfrm>
+          <a:off x="224047" y="264059"/>
+          <a:ext cx="407359" cy="407359"/>
+        </a:xfrm>
+        <a:prstGeom prst="rect">
+          <a:avLst/>
+        </a:prstGeom>
+        <a:blipFill>
+          <a:blip xmlns:r="http://schemas.openxmlformats.org/officeDocument/2006/relationships" r:embed="rId1">
+            <a:extLst>
+              <a:ext uri="{28A0092B-C50C-407E-A947-70E740481C1C}">
+                <a14:useLocalDpi xmlns:a14="http://schemas.microsoft.com/office/drawing/2010/main" val="0"/>
+              </a:ext>
+              <a:ext uri="{96DAC541-7B7A-43D3-8B79-37D633B846F1}">
+                <asvg:svgBlip xmlns:asvg="http://schemas.microsoft.com/office/drawing/2016/SVG/main" r:embed="rId2"/>
+              </a:ext>
+            </a:extLst>
+          </a:blip>
+          <a:stretch>
+            <a:fillRect/>
+          </a:stretch>
+        </a:blipFill>
+        <a:ln w="15875" cap="flat" cmpd="sng" algn="ctr">
+          <a:solidFill>
+            <a:schemeClr val="lt1">
+              <a:hueOff val="0"/>
+              <a:satOff val="0"/>
+              <a:lumOff val="0"/>
+              <a:alphaOff val="0"/>
+            </a:schemeClr>
+          </a:solidFill>
+          <a:prstDash val="solid"/>
+        </a:ln>
+        <a:effectLst/>
+      </dsp:spPr>
+      <dsp:style>
+        <a:lnRef idx="2">
+          <a:scrgbClr r="0" g="0" b="0"/>
+        </a:lnRef>
+        <a:fillRef idx="1">
+          <a:scrgbClr r="0" g="0" b="0"/>
+        </a:fillRef>
+        <a:effectRef idx="0">
+          <a:scrgbClr r="0" g="0" b="0"/>
+        </a:effectRef>
+        <a:fontRef idx="minor">
+          <a:schemeClr val="lt1"/>
+        </a:fontRef>
+      </dsp:style>
+    </dsp:sp>
+    <dsp:sp modelId="{E59E20F8-4207-45B4-B668-018957100416}">
+      <dsp:nvSpPr>
+        <dsp:cNvPr id="0" name=""/>
+        <dsp:cNvSpPr/>
+      </dsp:nvSpPr>
+      <dsp:spPr>
+        <a:xfrm>
+          <a:off x="855455" y="276089"/>
+          <a:ext cx="3757561" cy="372671"/>
+        </a:xfrm>
+        <a:prstGeom prst="rect">
+          <a:avLst/>
+        </a:prstGeom>
+        <a:noFill/>
+        <a:ln>
+          <a:noFill/>
+        </a:ln>
+        <a:effectLst/>
+      </dsp:spPr>
+      <dsp:style>
+        <a:lnRef idx="0">
+          <a:scrgbClr r="0" g="0" b="0"/>
+        </a:lnRef>
+        <a:fillRef idx="0">
+          <a:scrgbClr r="0" g="0" b="0"/>
+        </a:fillRef>
+        <a:effectRef idx="0">
+          <a:scrgbClr r="0" g="0" b="0"/>
+        </a:effectRef>
+        <a:fontRef idx="minor"/>
+      </dsp:style>
+      <dsp:txBody>
+        <a:bodyPr spcFirstLastPara="0" vert="horz" wrap="square" lIns="39441" tIns="39441" rIns="39441" bIns="39441" numCol="1" spcCol="1270" anchor="ctr" anchorCtr="0">
+          <a:noAutofit/>
+        </a:bodyPr>
+        <a:lstStyle/>
+        <a:p>
+          <a:pPr marL="0" lvl="0" indent="0" algn="l" defTabSz="622300">
+            <a:lnSpc>
+              <a:spcPct val="100000"/>
+            </a:lnSpc>
+            <a:spcBef>
+              <a:spcPct val="0"/>
+            </a:spcBef>
+            <a:spcAft>
+              <a:spcPct val="35000"/>
+            </a:spcAft>
+            <a:buNone/>
+          </a:pPr>
+          <a:r>
+            <a:rPr lang="en-US" sz="1400" kern="1200" dirty="0"/>
+            <a:t>Add new functionalities without changing all existing objects</a:t>
+          </a:r>
+        </a:p>
+      </dsp:txBody>
+      <dsp:txXfrm>
+        <a:off x="855455" y="276089"/>
+        <a:ext cx="3757561" cy="372671"/>
+      </dsp:txXfrm>
+    </dsp:sp>
+    <dsp:sp modelId="{37F77629-432B-4A69-837C-14C65DEDD20C}">
+      <dsp:nvSpPr>
+        <dsp:cNvPr id="0" name=""/>
+        <dsp:cNvSpPr/>
+      </dsp:nvSpPr>
+      <dsp:spPr>
+        <a:xfrm>
+          <a:off x="0" y="966199"/>
+          <a:ext cx="4639736" cy="740654"/>
+        </a:xfrm>
+        <a:prstGeom prst="roundRect">
+          <a:avLst>
+            <a:gd name="adj" fmla="val 10000"/>
+          </a:avLst>
+        </a:prstGeom>
+        <a:solidFill>
+          <a:schemeClr val="accent1">
+            <a:tint val="40000"/>
+            <a:hueOff val="0"/>
+            <a:satOff val="0"/>
+            <a:lumOff val="0"/>
+            <a:alphaOff val="0"/>
+          </a:schemeClr>
+        </a:solidFill>
+        <a:ln>
+          <a:noFill/>
+        </a:ln>
+        <a:effectLst/>
+      </dsp:spPr>
+      <dsp:style>
+        <a:lnRef idx="0">
+          <a:scrgbClr r="0" g="0" b="0"/>
+        </a:lnRef>
+        <a:fillRef idx="1">
+          <a:scrgbClr r="0" g="0" b="0"/>
+        </a:fillRef>
+        <a:effectRef idx="0">
+          <a:scrgbClr r="0" g="0" b="0"/>
+        </a:effectRef>
+        <a:fontRef idx="minor"/>
+      </dsp:style>
+    </dsp:sp>
+    <dsp:sp modelId="{C1FCEA5C-0298-4163-931F-016E81AAB647}">
+      <dsp:nvSpPr>
+        <dsp:cNvPr id="0" name=""/>
+        <dsp:cNvSpPr/>
+      </dsp:nvSpPr>
+      <dsp:spPr>
+        <a:xfrm>
+          <a:off x="224047" y="1201631"/>
+          <a:ext cx="407359" cy="407359"/>
+        </a:xfrm>
+        <a:prstGeom prst="rect">
+          <a:avLst/>
+        </a:prstGeom>
+        <a:blipFill>
+          <a:blip xmlns:r="http://schemas.openxmlformats.org/officeDocument/2006/relationships" r:embed="rId3">
+            <a:extLst>
+              <a:ext uri="{28A0092B-C50C-407E-A947-70E740481C1C}">
+                <a14:useLocalDpi xmlns:a14="http://schemas.microsoft.com/office/drawing/2010/main" val="0"/>
+              </a:ext>
+              <a:ext uri="{96DAC541-7B7A-43D3-8B79-37D633B846F1}">
+                <asvg:svgBlip xmlns:asvg="http://schemas.microsoft.com/office/drawing/2016/SVG/main" r:embed="rId4"/>
+              </a:ext>
+            </a:extLst>
+          </a:blip>
+          <a:stretch>
+            <a:fillRect/>
+          </a:stretch>
+        </a:blipFill>
+        <a:ln w="15875" cap="flat" cmpd="sng" algn="ctr">
+          <a:solidFill>
+            <a:schemeClr val="lt1">
+              <a:hueOff val="0"/>
+              <a:satOff val="0"/>
+              <a:lumOff val="0"/>
+              <a:alphaOff val="0"/>
+            </a:schemeClr>
+          </a:solidFill>
+          <a:prstDash val="solid"/>
+        </a:ln>
+        <a:effectLst/>
+      </dsp:spPr>
+      <dsp:style>
+        <a:lnRef idx="2">
+          <a:scrgbClr r="0" g="0" b="0"/>
+        </a:lnRef>
+        <a:fillRef idx="1">
+          <a:scrgbClr r="0" g="0" b="0"/>
+        </a:fillRef>
+        <a:effectRef idx="0">
+          <a:scrgbClr r="0" g="0" b="0"/>
+        </a:effectRef>
+        <a:fontRef idx="minor">
+          <a:schemeClr val="lt1"/>
+        </a:fontRef>
+      </dsp:style>
+    </dsp:sp>
+    <dsp:sp modelId="{7DE8E408-DE79-443F-8629-C089FBA689E3}">
+      <dsp:nvSpPr>
+        <dsp:cNvPr id="0" name=""/>
+        <dsp:cNvSpPr/>
+      </dsp:nvSpPr>
+      <dsp:spPr>
+        <a:xfrm>
+          <a:off x="833774" y="1179992"/>
+          <a:ext cx="3757561" cy="256215"/>
+        </a:xfrm>
+        <a:prstGeom prst="rect">
+          <a:avLst/>
+        </a:prstGeom>
+        <a:noFill/>
+        <a:ln>
+          <a:noFill/>
+        </a:ln>
+        <a:effectLst/>
+      </dsp:spPr>
+      <dsp:style>
+        <a:lnRef idx="0">
+          <a:scrgbClr r="0" g="0" b="0"/>
+        </a:lnRef>
+        <a:fillRef idx="0">
+          <a:scrgbClr r="0" g="0" b="0"/>
+        </a:fillRef>
+        <a:effectRef idx="0">
+          <a:scrgbClr r="0" g="0" b="0"/>
+        </a:effectRef>
+        <a:fontRef idx="minor"/>
+      </dsp:style>
+      <dsp:txBody>
+        <a:bodyPr spcFirstLastPara="0" vert="horz" wrap="square" lIns="39441" tIns="39441" rIns="39441" bIns="39441" numCol="1" spcCol="1270" anchor="ctr" anchorCtr="0">
+          <a:noAutofit/>
+        </a:bodyPr>
+        <a:lstStyle/>
+        <a:p>
+          <a:pPr marL="0" lvl="0" indent="0" algn="l" defTabSz="622300">
+            <a:lnSpc>
+              <a:spcPct val="100000"/>
+            </a:lnSpc>
+            <a:spcBef>
+              <a:spcPct val="0"/>
+            </a:spcBef>
+            <a:spcAft>
+              <a:spcPct val="35000"/>
+            </a:spcAft>
+            <a:buNone/>
+          </a:pPr>
+          <a:r>
+            <a:rPr lang="en-US" sz="1400" kern="1200" dirty="0"/>
+            <a:t>Externalize changes (only visitor object implements changes)</a:t>
+          </a:r>
+        </a:p>
+      </dsp:txBody>
+      <dsp:txXfrm>
+        <a:off x="833774" y="1179992"/>
+        <a:ext cx="3757561" cy="256215"/>
+      </dsp:txXfrm>
+    </dsp:sp>
+    <dsp:sp modelId="{7760943E-59EA-4625-8C71-92A18A3E7522}">
+      <dsp:nvSpPr>
+        <dsp:cNvPr id="0" name=""/>
+        <dsp:cNvSpPr/>
+      </dsp:nvSpPr>
+      <dsp:spPr>
+        <a:xfrm>
+          <a:off x="0" y="1972555"/>
+          <a:ext cx="4639736" cy="740654"/>
+        </a:xfrm>
+        <a:prstGeom prst="roundRect">
+          <a:avLst>
+            <a:gd name="adj" fmla="val 10000"/>
+          </a:avLst>
+        </a:prstGeom>
+        <a:solidFill>
+          <a:schemeClr val="accent1">
+            <a:tint val="40000"/>
+            <a:hueOff val="0"/>
+            <a:satOff val="0"/>
+            <a:lumOff val="0"/>
+            <a:alphaOff val="0"/>
+          </a:schemeClr>
+        </a:solidFill>
+        <a:ln>
+          <a:noFill/>
+        </a:ln>
+        <a:effectLst/>
+      </dsp:spPr>
+      <dsp:style>
+        <a:lnRef idx="0">
+          <a:scrgbClr r="0" g="0" b="0"/>
+        </a:lnRef>
+        <a:fillRef idx="1">
+          <a:scrgbClr r="0" g="0" b="0"/>
+        </a:fillRef>
+        <a:effectRef idx="0">
+          <a:scrgbClr r="0" g="0" b="0"/>
+        </a:effectRef>
+        <a:fontRef idx="minor"/>
+      </dsp:style>
+    </dsp:sp>
+    <dsp:sp modelId="{676EE63F-6485-4E2A-ABAE-83CF265BF069}">
+      <dsp:nvSpPr>
+        <dsp:cNvPr id="0" name=""/>
+        <dsp:cNvSpPr/>
+      </dsp:nvSpPr>
+      <dsp:spPr>
+        <a:xfrm>
+          <a:off x="224047" y="2139202"/>
+          <a:ext cx="407359" cy="407359"/>
+        </a:xfrm>
+        <a:prstGeom prst="rect">
+          <a:avLst/>
+        </a:prstGeom>
+        <a:blipFill>
+          <a:blip xmlns:r="http://schemas.openxmlformats.org/officeDocument/2006/relationships" r:embed="rId5">
+            <a:extLst>
+              <a:ext uri="{28A0092B-C50C-407E-A947-70E740481C1C}">
+                <a14:useLocalDpi xmlns:a14="http://schemas.microsoft.com/office/drawing/2010/main" val="0"/>
+              </a:ext>
+              <a:ext uri="{96DAC541-7B7A-43D3-8B79-37D633B846F1}">
+                <asvg:svgBlip xmlns:asvg="http://schemas.microsoft.com/office/drawing/2016/SVG/main" r:embed="rId6"/>
+              </a:ext>
+            </a:extLst>
+          </a:blip>
+          <a:stretch>
+            <a:fillRect/>
+          </a:stretch>
+        </a:blipFill>
+        <a:ln w="15875" cap="flat" cmpd="sng" algn="ctr">
+          <a:solidFill>
+            <a:schemeClr val="lt1">
+              <a:hueOff val="0"/>
+              <a:satOff val="0"/>
+              <a:lumOff val="0"/>
+              <a:alphaOff val="0"/>
+            </a:schemeClr>
+          </a:solidFill>
+          <a:prstDash val="solid"/>
+        </a:ln>
+        <a:effectLst/>
+      </dsp:spPr>
+      <dsp:style>
+        <a:lnRef idx="2">
+          <a:scrgbClr r="0" g="0" b="0"/>
+        </a:lnRef>
+        <a:fillRef idx="1">
+          <a:scrgbClr r="0" g="0" b="0"/>
+        </a:fillRef>
+        <a:effectRef idx="0">
+          <a:scrgbClr r="0" g="0" b="0"/>
+        </a:effectRef>
+        <a:fontRef idx="minor">
+          <a:schemeClr val="lt1"/>
+        </a:fontRef>
+      </dsp:style>
+    </dsp:sp>
+    <dsp:sp modelId="{B9DB9720-3FDF-4ACB-85FA-66976B22A528}">
+      <dsp:nvSpPr>
+        <dsp:cNvPr id="0" name=""/>
+        <dsp:cNvSpPr/>
+      </dsp:nvSpPr>
+      <dsp:spPr>
+        <a:xfrm>
+          <a:off x="844934" y="2151232"/>
+          <a:ext cx="3757561" cy="372671"/>
+        </a:xfrm>
+        <a:prstGeom prst="rect">
+          <a:avLst/>
+        </a:prstGeom>
+        <a:noFill/>
+        <a:ln>
+          <a:noFill/>
+        </a:ln>
+        <a:effectLst/>
+      </dsp:spPr>
+      <dsp:style>
+        <a:lnRef idx="0">
+          <a:scrgbClr r="0" g="0" b="0"/>
+        </a:lnRef>
+        <a:fillRef idx="0">
+          <a:scrgbClr r="0" g="0" b="0"/>
+        </a:fillRef>
+        <a:effectRef idx="0">
+          <a:scrgbClr r="0" g="0" b="0"/>
+        </a:effectRef>
+        <a:fontRef idx="minor"/>
+      </dsp:style>
+      <dsp:txBody>
+        <a:bodyPr spcFirstLastPara="0" vert="horz" wrap="square" lIns="39441" tIns="39441" rIns="39441" bIns="39441" numCol="1" spcCol="1270" anchor="ctr" anchorCtr="0">
+          <a:noAutofit/>
+        </a:bodyPr>
+        <a:lstStyle/>
+        <a:p>
+          <a:pPr marL="0" lvl="0" indent="0" algn="l" defTabSz="622300">
+            <a:lnSpc>
+              <a:spcPct val="100000"/>
+            </a:lnSpc>
+            <a:spcBef>
+              <a:spcPct val="0"/>
+            </a:spcBef>
+            <a:spcAft>
+              <a:spcPct val="35000"/>
+            </a:spcAft>
+            <a:buNone/>
+          </a:pPr>
+          <a:r>
+            <a:rPr lang="en-US" sz="1400" kern="1200" dirty="0"/>
+            <a:t>Pitfall: you plan for adaptability and can create flexibility that it’s just not going to be used</a:t>
+          </a:r>
+        </a:p>
+      </dsp:txBody>
+      <dsp:txXfrm>
+        <a:off x="844934" y="2151232"/>
+        <a:ext cx="3757561" cy="372671"/>
+      </dsp:txXfrm>
+    </dsp:sp>
+    <dsp:sp modelId="{79AEF808-314B-4C4B-82AA-6EEA54A65F07}">
+      <dsp:nvSpPr>
+        <dsp:cNvPr id="0" name=""/>
+        <dsp:cNvSpPr/>
+      </dsp:nvSpPr>
+      <dsp:spPr>
+        <a:xfrm>
+          <a:off x="0" y="2910126"/>
+          <a:ext cx="4639736" cy="740654"/>
+        </a:xfrm>
+        <a:prstGeom prst="roundRect">
+          <a:avLst>
+            <a:gd name="adj" fmla="val 10000"/>
+          </a:avLst>
+        </a:prstGeom>
+        <a:solidFill>
+          <a:schemeClr val="accent1">
+            <a:tint val="40000"/>
+            <a:hueOff val="0"/>
+            <a:satOff val="0"/>
+            <a:lumOff val="0"/>
+            <a:alphaOff val="0"/>
+          </a:schemeClr>
+        </a:solidFill>
+        <a:ln>
+          <a:noFill/>
+        </a:ln>
+        <a:effectLst/>
+      </dsp:spPr>
+      <dsp:style>
+        <a:lnRef idx="0">
+          <a:scrgbClr r="0" g="0" b="0"/>
+        </a:lnRef>
+        <a:fillRef idx="1">
+          <a:scrgbClr r="0" g="0" b="0"/>
+        </a:fillRef>
+        <a:effectRef idx="0">
+          <a:scrgbClr r="0" g="0" b="0"/>
+        </a:effectRef>
+        <a:fontRef idx="minor"/>
+      </dsp:style>
+    </dsp:sp>
+    <dsp:sp modelId="{73575651-229C-4229-B203-88512EEA95C5}">
+      <dsp:nvSpPr>
+        <dsp:cNvPr id="0" name=""/>
+        <dsp:cNvSpPr/>
+      </dsp:nvSpPr>
+      <dsp:spPr>
+        <a:xfrm>
+          <a:off x="224047" y="3076773"/>
+          <a:ext cx="407359" cy="407359"/>
+        </a:xfrm>
+        <a:prstGeom prst="rect">
+          <a:avLst/>
+        </a:prstGeom>
+        <a:blipFill>
+          <a:blip xmlns:r="http://schemas.openxmlformats.org/officeDocument/2006/relationships" r:embed="rId7">
+            <a:extLst>
+              <a:ext uri="{28A0092B-C50C-407E-A947-70E740481C1C}">
+                <a14:useLocalDpi xmlns:a14="http://schemas.microsoft.com/office/drawing/2010/main" val="0"/>
+              </a:ext>
+              <a:ext uri="{96DAC541-7B7A-43D3-8B79-37D633B846F1}">
+                <asvg:svgBlip xmlns:asvg="http://schemas.microsoft.com/office/drawing/2016/SVG/main" r:embed="rId8"/>
+              </a:ext>
+            </a:extLst>
+          </a:blip>
+          <a:stretch>
+            <a:fillRect/>
+          </a:stretch>
+        </a:blipFill>
+        <a:ln w="15875" cap="flat" cmpd="sng" algn="ctr">
+          <a:solidFill>
+            <a:schemeClr val="lt1">
+              <a:hueOff val="0"/>
+              <a:satOff val="0"/>
+              <a:lumOff val="0"/>
+              <a:alphaOff val="0"/>
+            </a:schemeClr>
+          </a:solidFill>
+          <a:prstDash val="solid"/>
+        </a:ln>
+        <a:effectLst/>
+      </dsp:spPr>
+      <dsp:style>
+        <a:lnRef idx="2">
+          <a:scrgbClr r="0" g="0" b="0"/>
+        </a:lnRef>
+        <a:fillRef idx="1">
+          <a:scrgbClr r="0" g="0" b="0"/>
+        </a:fillRef>
+        <a:effectRef idx="0">
+          <a:scrgbClr r="0" g="0" b="0"/>
+        </a:effectRef>
+        <a:fontRef idx="minor">
+          <a:schemeClr val="lt1"/>
+        </a:fontRef>
+      </dsp:style>
+    </dsp:sp>
+    <dsp:sp modelId="{77CFAC55-D3CF-45EA-A63C-9656646CA42E}">
+      <dsp:nvSpPr>
+        <dsp:cNvPr id="0" name=""/>
+        <dsp:cNvSpPr/>
+      </dsp:nvSpPr>
+      <dsp:spPr>
+        <a:xfrm>
+          <a:off x="834450" y="3109822"/>
+          <a:ext cx="3757561" cy="372671"/>
+        </a:xfrm>
+        <a:prstGeom prst="rect">
+          <a:avLst/>
+        </a:prstGeom>
+        <a:noFill/>
+        <a:ln>
+          <a:noFill/>
+        </a:ln>
+        <a:effectLst/>
+      </dsp:spPr>
+      <dsp:style>
+        <a:lnRef idx="0">
+          <a:scrgbClr r="0" g="0" b="0"/>
+        </a:lnRef>
+        <a:fillRef idx="0">
+          <a:scrgbClr r="0" g="0" b="0"/>
+        </a:fillRef>
+        <a:effectRef idx="0">
+          <a:scrgbClr r="0" g="0" b="0"/>
+        </a:effectRef>
+        <a:fontRef idx="minor"/>
+      </dsp:style>
+      <dsp:txBody>
+        <a:bodyPr spcFirstLastPara="0" vert="horz" wrap="square" lIns="39441" tIns="39441" rIns="39441" bIns="39441" numCol="1" spcCol="1270" anchor="ctr" anchorCtr="0">
+          <a:noAutofit/>
+        </a:bodyPr>
+        <a:lstStyle/>
+        <a:p>
+          <a:pPr marL="0" lvl="0" indent="0" algn="l" defTabSz="622300">
+            <a:lnSpc>
+              <a:spcPct val="100000"/>
+            </a:lnSpc>
+            <a:spcBef>
+              <a:spcPct val="0"/>
+            </a:spcBef>
+            <a:spcAft>
+              <a:spcPct val="35000"/>
+            </a:spcAft>
+            <a:buNone/>
+          </a:pPr>
+          <a:r>
+            <a:rPr lang="en-US" sz="1400" kern="1200" dirty="0"/>
+            <a:t>Double dispatch</a:t>
+          </a:r>
+        </a:p>
+      </dsp:txBody>
+      <dsp:txXfrm>
+        <a:off x="834450" y="3109822"/>
+        <a:ext cx="3757561" cy="372671"/>
       </dsp:txXfrm>
     </dsp:sp>
   </dsp:spTree>
@@ -16957,6 +18778,300 @@
 </dgm:layoutDef>
 </file>
 
+<file path=ppt/diagrams/layout10.xml><?xml version="1.0" encoding="utf-8"?>
+<dgm:layoutDef xmlns:dgm="http://schemas.openxmlformats.org/drawingml/2006/diagram" xmlns:a="http://schemas.openxmlformats.org/drawingml/2006/main" uniqueId="urn:microsoft.com/office/officeart/2018/2/layout/IconVerticalSolidList">
+  <dgm:title val="Icon Vertical Solid List"/>
+  <dgm:desc val="Use to show a series of visuals from top to bottom with Level 1 or Level 1 and Level 2 text grouped in a shape. Works best with icons or small pictures with lengthier descriptions."/>
+  <dgm:catLst>
+    <dgm:cat type="icon" pri="500"/>
+  </dgm:catLst>
+  <dgm:sampData useDef="1">
+    <dgm:dataModel>
+      <dgm:ptLst/>
+      <dgm:bg/>
+      <dgm:whole/>
+    </dgm:dataModel>
+  </dgm:sampData>
+  <dgm:styleData useDef="1">
+    <dgm:dataModel>
+      <dgm:ptLst/>
+      <dgm:bg/>
+      <dgm:whole/>
+    </dgm:dataModel>
+  </dgm:styleData>
+  <dgm:clrData useDef="1">
+    <dgm:dataModel>
+      <dgm:ptLst/>
+      <dgm:bg/>
+      <dgm:whole/>
+    </dgm:dataModel>
+  </dgm:clrData>
+  <dgm:layoutNode name="root">
+    <dgm:varLst>
+      <dgm:dir/>
+      <dgm:resizeHandles val="exact"/>
+    </dgm:varLst>
+    <dgm:choose name="Name0">
+      <dgm:if name="Name1" axis="self" func="var" arg="dir" op="equ" val="norm">
+        <dgm:alg type="lin">
+          <dgm:param type="linDir" val="fromT"/>
+          <dgm:param type="nodeHorzAlign" val="l"/>
+        </dgm:alg>
+      </dgm:if>
+      <dgm:else name="Name2">
+        <dgm:alg type="lin">
+          <dgm:param type="linDir" val="fromT"/>
+          <dgm:param type="nodeHorzAlign" val="r"/>
+        </dgm:alg>
+      </dgm:else>
+    </dgm:choose>
+    <dgm:shape xmlns:r="http://schemas.openxmlformats.org/officeDocument/2006/relationships" r:blip="">
+      <dgm:adjLst/>
+    </dgm:shape>
+    <dgm:presOf/>
+    <dgm:choose name="Name3">
+      <dgm:if name="Name4" axis="ch" ptType="node" func="cnt" op="lte" val="3">
+        <dgm:constrLst>
+          <dgm:constr type="h" for="ch" forName="compNode" refType="h" fact="0.3"/>
+          <dgm:constr type="w" for="ch" forName="compNode" refType="w"/>
+          <dgm:constr type="h" for="ch" forName="sibTrans" refType="h" refFor="ch" refForName="compNode" fact="0.25"/>
+          <dgm:constr type="primFontSz" for="des" forName="parTx" val="25"/>
+          <dgm:constr type="primFontSz" for="des" forName="desTx" refType="primFontSz" refFor="des" refForName="parTx" op="lte" fact="0.75"/>
+          <dgm:constr type="h" for="des" forName="compNode" op="equ"/>
+          <dgm:constr type="h" for="des" forName="bgRect" op="equ"/>
+          <dgm:constr type="h" for="des" forName="iconRect" op="equ"/>
+          <dgm:constr type="w" for="des" forName="iconRect" op="equ"/>
+          <dgm:constr type="h" for="des" forName="spaceRect" op="equ"/>
+          <dgm:constr type="h" for="des" forName="parTx" op="equ"/>
+          <dgm:constr type="h" for="des" forName="desTx" op="equ"/>
+        </dgm:constrLst>
+      </dgm:if>
+      <dgm:if name="Name5" axis="ch" ptType="node" func="cnt" op="lte" val="4">
+        <dgm:constrLst>
+          <dgm:constr type="h" for="ch" forName="compNode" refType="h" fact="0.3"/>
+          <dgm:constr type="w" for="ch" forName="compNode" refType="w"/>
+          <dgm:constr type="h" for="ch" forName="sibTrans" refType="h" refFor="ch" refForName="compNode" fact="0.25"/>
+          <dgm:constr type="primFontSz" for="des" forName="parTx" val="22"/>
+          <dgm:constr type="primFontSz" for="des" forName="desTx" refType="primFontSz" refFor="des" refForName="parTx" op="lte" fact="0.75"/>
+          <dgm:constr type="h" for="des" forName="compNode" op="equ"/>
+          <dgm:constr type="h" for="des" forName="bgRect" op="equ"/>
+          <dgm:constr type="h" for="des" forName="iconRect" op="equ"/>
+          <dgm:constr type="w" for="des" forName="iconRect" op="equ"/>
+          <dgm:constr type="h" for="des" forName="spaceRect" op="equ"/>
+          <dgm:constr type="h" for="des" forName="parTx" op="equ"/>
+          <dgm:constr type="h" for="des" forName="desTx" op="equ"/>
+        </dgm:constrLst>
+      </dgm:if>
+      <dgm:if name="Name6" axis="ch" ptType="node" func="cnt" op="lte" val="6">
+        <dgm:constrLst>
+          <dgm:constr type="h" for="ch" forName="compNode" refType="h" fact="0.3"/>
+          <dgm:constr type="w" for="ch" forName="compNode" refType="w"/>
+          <dgm:constr type="h" for="ch" forName="sibTrans" refType="h" refFor="ch" refForName="compNode" fact="0.25"/>
+          <dgm:constr type="primFontSz" for="des" forName="parTx" val="19"/>
+          <dgm:constr type="primFontSz" for="des" forName="desTx" refType="primFontSz" refFor="des" refForName="parTx" op="lte" fact="0.75"/>
+          <dgm:constr type="h" for="des" forName="compNode" op="equ"/>
+          <dgm:constr type="h" for="des" forName="bgRect" op="equ"/>
+          <dgm:constr type="h" for="des" forName="iconRect" op="equ"/>
+          <dgm:constr type="w" for="des" forName="iconRect" op="equ"/>
+          <dgm:constr type="h" for="des" forName="spaceRect" op="equ"/>
+          <dgm:constr type="h" for="des" forName="parTx" op="equ"/>
+          <dgm:constr type="h" for="des" forName="desTx" op="equ"/>
+        </dgm:constrLst>
+      </dgm:if>
+      <dgm:else name="Name7">
+        <dgm:constrLst>
+          <dgm:constr type="h" for="ch" forName="compNode" refType="h" fact="0.3"/>
+          <dgm:constr type="w" for="ch" forName="compNode" refType="w"/>
+          <dgm:constr type="h" for="ch" forName="sibTrans" refType="h" refFor="ch" refForName="compNode" fact="0.25"/>
+          <dgm:constr type="primFontSz" for="des" forName="parTx" val="16"/>
+          <dgm:constr type="primFontSz" for="des" forName="desTx" refType="primFontSz" refFor="des" refForName="parTx" op="lte" fact="0.75"/>
+          <dgm:constr type="h" for="des" forName="compNode" op="equ"/>
+          <dgm:constr type="h" for="des" forName="bgRect" op="equ"/>
+          <dgm:constr type="h" for="des" forName="iconRect" op="equ"/>
+          <dgm:constr type="w" for="des" forName="iconRect" op="equ"/>
+          <dgm:constr type="h" for="des" forName="spaceRect" op="equ"/>
+          <dgm:constr type="h" for="des" forName="parTx" op="equ"/>
+          <dgm:constr type="h" for="des" forName="desTx" op="equ"/>
+        </dgm:constrLst>
+      </dgm:else>
+    </dgm:choose>
+    <dgm:ruleLst>
+      <dgm:rule type="h" for="ch" forName="compNode" val="0" fact="NaN" max="NaN"/>
+    </dgm:ruleLst>
+    <dgm:forEach name="Name8" axis="ch" ptType="node">
+      <dgm:layoutNode name="compNode">
+        <dgm:alg type="composite"/>
+        <dgm:shape xmlns:r="http://schemas.openxmlformats.org/officeDocument/2006/relationships" r:blip="">
+          <dgm:adjLst/>
+        </dgm:shape>
+        <dgm:presOf axis="self"/>
+        <dgm:choose name="Name9">
+          <dgm:if name="Name10" axis="ch" ptType="node" func="cnt" op="gte" val="1">
+            <dgm:constrLst>
+              <dgm:constr type="w" for="ch" forName="bgRect" refType="w"/>
+              <dgm:constr type="h" for="ch" forName="bgRect" refType="h"/>
+              <dgm:constr type="l" for="ch" forName="bgRect"/>
+              <dgm:constr type="t" for="ch" forName="bgRect"/>
+              <dgm:constr type="h" for="ch" forName="iconRect" refType="h" fact="0.55"/>
+              <dgm:constr type="w" for="ch" forName="iconRect" refType="h" refFor="ch" refForName="iconRect"/>
+              <dgm:constr type="l" for="ch" forName="iconRect" refType="h" refFor="ch" refForName="iconRect" fact="0.55"/>
+              <dgm:constr type="ctrY" for="ch" forName="iconRect" refType="ctrY" refFor="ch" refForName="bgRect"/>
+              <dgm:constr type="w" for="ch" forName="spaceRect" refType="l" refFor="ch" refForName="iconRect"/>
+              <dgm:constr type="h" for="ch" forName="spaceRect" refType="h"/>
+              <dgm:constr type="l" for="ch" forName="spaceRect" refType="r" refFor="ch" refForName="iconRect"/>
+              <dgm:constr type="t" for="ch" forName="spaceRect"/>
+              <dgm:constr type="w" for="ch" forName="parTx" refType="w" fact="0.45"/>
+              <dgm:constr type="h" for="ch" forName="parTx" refType="h"/>
+              <dgm:constr type="l" for="ch" forName="parTx" refType="r" refFor="ch" refForName="spaceRect"/>
+              <dgm:constr type="t" for="ch" forName="parTx"/>
+              <dgm:constr type="h" for="ch" forName="desTx" refType="h"/>
+              <dgm:constr type="l" for="ch" forName="desTx" refType="r" refFor="ch" refForName="parTx"/>
+              <dgm:constr type="t" for="ch" forName="desTx"/>
+            </dgm:constrLst>
+          </dgm:if>
+          <dgm:else name="Name11">
+            <dgm:constrLst>
+              <dgm:constr type="w" for="ch" forName="bgRect" refType="w"/>
+              <dgm:constr type="h" for="ch" forName="bgRect" refType="h"/>
+              <dgm:constr type="l" for="ch" forName="bgRect"/>
+              <dgm:constr type="t" for="ch" forName="bgRect"/>
+              <dgm:constr type="h" for="ch" forName="iconRect" refType="h" fact="0.55"/>
+              <dgm:constr type="w" for="ch" forName="iconRect" refType="h" refFor="ch" refForName="iconRect"/>
+              <dgm:constr type="l" for="ch" forName="iconRect" refType="h" refFor="ch" refForName="iconRect" fact="0.55"/>
+              <dgm:constr type="ctrY" for="ch" forName="iconRect" refType="ctrY" refFor="ch" refForName="bgRect"/>
+              <dgm:constr type="w" for="ch" forName="spaceRect" refType="l" refFor="ch" refForName="iconRect"/>
+              <dgm:constr type="h" for="ch" forName="spaceRect" refType="h"/>
+              <dgm:constr type="l" for="ch" forName="spaceRect" refType="r" refFor="ch" refForName="iconRect"/>
+              <dgm:constr type="t" for="ch" forName="spaceRect"/>
+              <dgm:constr type="h" for="ch" forName="parTx" refType="h"/>
+              <dgm:constr type="l" for="ch" forName="parTx" refType="r" refFor="ch" refForName="spaceRect"/>
+              <dgm:constr type="t" for="ch" forName="parTx"/>
+            </dgm:constrLst>
+          </dgm:else>
+        </dgm:choose>
+        <dgm:ruleLst>
+          <dgm:rule type="h" val="INF" fact="NaN" max="NaN"/>
+        </dgm:ruleLst>
+        <dgm:layoutNode name="bgRect" styleLbl="bgShp">
+          <dgm:alg type="sp"/>
+          <dgm:shape xmlns:r="http://schemas.openxmlformats.org/officeDocument/2006/relationships" type="roundRect" r:blip="">
+            <dgm:adjLst>
+              <dgm:adj idx="1" val="0.1"/>
+            </dgm:adjLst>
+          </dgm:shape>
+          <dgm:presOf/>
+          <dgm:constrLst/>
+          <dgm:ruleLst/>
+        </dgm:layoutNode>
+        <dgm:layoutNode name="iconRect" styleLbl="node1">
+          <dgm:alg type="sp"/>
+          <dgm:shape xmlns:r="http://schemas.openxmlformats.org/officeDocument/2006/relationships" type="rect" r:blip="" blipPhldr="1">
+            <dgm:adjLst/>
+          </dgm:shape>
+          <dgm:presOf/>
+          <dgm:constrLst/>
+          <dgm:ruleLst/>
+        </dgm:layoutNode>
+        <dgm:layoutNode name="spaceRect">
+          <dgm:alg type="sp"/>
+          <dgm:shape xmlns:r="http://schemas.openxmlformats.org/officeDocument/2006/relationships" r:blip="">
+            <dgm:adjLst/>
+          </dgm:shape>
+          <dgm:presOf/>
+          <dgm:constrLst/>
+          <dgm:ruleLst/>
+        </dgm:layoutNode>
+        <dgm:layoutNode name="parTx" styleLbl="revTx">
+          <dgm:varLst>
+            <dgm:chMax val="0"/>
+            <dgm:chPref val="0"/>
+          </dgm:varLst>
+          <dgm:alg type="tx">
+            <dgm:param type="txAnchorVert" val="mid"/>
+            <dgm:param type="parTxLTRAlign" val="l"/>
+            <dgm:param type="shpTxLTRAlignCh" val="l"/>
+            <dgm:param type="parTxRTLAlign" val="r"/>
+            <dgm:param type="shpTxRTLAlignCh" val="r"/>
+          </dgm:alg>
+          <dgm:shape xmlns:r="http://schemas.openxmlformats.org/officeDocument/2006/relationships" type="rect" r:blip="">
+            <dgm:adjLst/>
+          </dgm:shape>
+          <dgm:presOf axis="self" ptType="node"/>
+          <dgm:constrLst>
+            <dgm:constr type="lMarg" refType="h" fact="0.3"/>
+            <dgm:constr type="rMarg" refType="h" fact="0.3"/>
+            <dgm:constr type="tMarg" refType="h" fact="0.3"/>
+            <dgm:constr type="bMarg" refType="h" fact="0.3"/>
+          </dgm:constrLst>
+          <dgm:ruleLst>
+            <dgm:rule type="primFontSz" val="14" fact="NaN" max="NaN"/>
+            <dgm:rule type="h" val="INF" fact="NaN" max="NaN"/>
+          </dgm:ruleLst>
+        </dgm:layoutNode>
+        <dgm:choose name="Name12">
+          <dgm:if name="Name13" axis="ch" ptType="node" func="cnt" op="gte" val="1">
+            <dgm:layoutNode name="desTx" styleLbl="revTx">
+              <dgm:varLst/>
+              <dgm:alg type="tx">
+                <dgm:param type="txAnchorVertCh" val="mid"/>
+                <dgm:param type="parTxLTRAlign" val="l"/>
+                <dgm:param type="shpTxLTRAlignCh" val="l"/>
+                <dgm:param type="parTxRTLAlign" val="r"/>
+                <dgm:param type="shpTxRTLAlignCh" val="r"/>
+                <dgm:param type="stBulletLvl" val="0"/>
+              </dgm:alg>
+              <dgm:shape xmlns:r="http://schemas.openxmlformats.org/officeDocument/2006/relationships" type="rect" r:blip="">
+                <dgm:adjLst/>
+              </dgm:shape>
+              <dgm:presOf axis="des" ptType="node"/>
+              <dgm:constrLst>
+                <dgm:constr type="primFontSz" val="18"/>
+                <dgm:constr type="secFontSz" refType="primFontSz"/>
+                <dgm:constr type="lMarg" refType="h" fact="0.3"/>
+                <dgm:constr type="rMarg" refType="h" fact="0.3"/>
+                <dgm:constr type="tMarg" refType="h" fact="0.3"/>
+                <dgm:constr type="bMarg" refType="h" fact="0.3"/>
+              </dgm:constrLst>
+              <dgm:ruleLst>
+                <dgm:rule type="primFontSz" val="11" fact="NaN" max="NaN"/>
+              </dgm:ruleLst>
+            </dgm:layoutNode>
+          </dgm:if>
+          <dgm:else name="Name14"/>
+        </dgm:choose>
+      </dgm:layoutNode>
+      <dgm:forEach name="Name15" axis="followSib" ptType="sibTrans" cnt="1">
+        <dgm:layoutNode name="sibTrans">
+          <dgm:alg type="sp"/>
+          <dgm:shape xmlns:r="http://schemas.openxmlformats.org/officeDocument/2006/relationships" r:blip="">
+            <dgm:adjLst/>
+          </dgm:shape>
+          <dgm:presOf axis="self"/>
+          <dgm:constrLst/>
+          <dgm:ruleLst/>
+        </dgm:layoutNode>
+      </dgm:forEach>
+    </dgm:forEach>
+  </dgm:layoutNode>
+  <dgm:extLst>
+    <a:ext uri="{68A01E43-0DF5-4B5B-8FA6-DAF915123BFB}">
+      <dgm1612:lstStyle xmlns:dgm1612="http://schemas.microsoft.com/office/drawing/2016/12/diagram">
+        <a:lvl1pPr>
+          <a:lnSpc>
+            <a:spcPct val="100000"/>
+          </a:lnSpc>
+        </a:lvl1pPr>
+        <a:lvl2pPr>
+          <a:lnSpc>
+            <a:spcPct val="100000"/>
+          </a:lnSpc>
+        </a:lvl2pPr>
+      </dgm1612:lstStyle>
+    </a:ext>
+  </dgm:extLst>
+</dgm:layoutDef>
+</file>
+
 <file path=ppt/diagrams/layout2.xml><?xml version="1.0" encoding="utf-8"?>
 <dgm:layoutDef xmlns:dgm="http://schemas.openxmlformats.org/drawingml/2006/diagram" xmlns:a="http://schemas.openxmlformats.org/drawingml/2006/main" uniqueId="urn:microsoft.com/office/officeart/2018/2/layout/IconVerticalSolidList">
   <dgm:title val="Icon Vertical Solid List"/>
@@ -20343,6 +22458,1040 @@
 </dgm:styleDef>
 </file>
 
+<file path=ppt/diagrams/quickStyle10.xml><?xml version="1.0" encoding="utf-8"?>
+<dgm:styleDef xmlns:dgm="http://schemas.openxmlformats.org/drawingml/2006/diagram" xmlns:a="http://schemas.openxmlformats.org/drawingml/2006/main" uniqueId="urn:microsoft.com/office/officeart/2005/8/quickstyle/simple1">
+  <dgm:title val=""/>
+  <dgm:desc val=""/>
+  <dgm:catLst>
+    <dgm:cat type="simple" pri="10100"/>
+  </dgm:catLst>
+  <dgm:scene3d>
+    <a:camera prst="orthographicFront"/>
+    <a:lightRig rig="threePt" dir="t"/>
+  </dgm:scene3d>
+  <dgm:styleLbl name="node0">
+    <dgm:scene3d>
+      <a:camera prst="orthographicFront"/>
+      <a:lightRig rig="threePt" dir="t"/>
+    </dgm:scene3d>
+    <dgm:sp3d/>
+    <dgm:txPr/>
+    <dgm:style>
+      <a:lnRef idx="2">
+        <a:scrgbClr r="0" g="0" b="0"/>
+      </a:lnRef>
+      <a:fillRef idx="1">
+        <a:scrgbClr r="0" g="0" b="0"/>
+      </a:fillRef>
+      <a:effectRef idx="0">
+        <a:scrgbClr r="0" g="0" b="0"/>
+      </a:effectRef>
+      <a:fontRef idx="minor">
+        <a:schemeClr val="lt1"/>
+      </a:fontRef>
+    </dgm:style>
+  </dgm:styleLbl>
+  <dgm:styleLbl name="lnNode1">
+    <dgm:scene3d>
+      <a:camera prst="orthographicFront"/>
+      <a:lightRig rig="threePt" dir="t"/>
+    </dgm:scene3d>
+    <dgm:sp3d/>
+    <dgm:txPr/>
+    <dgm:style>
+      <a:lnRef idx="2">
+        <a:scrgbClr r="0" g="0" b="0"/>
+      </a:lnRef>
+      <a:fillRef idx="1">
+        <a:scrgbClr r="0" g="0" b="0"/>
+      </a:fillRef>
+      <a:effectRef idx="0">
+        <a:scrgbClr r="0" g="0" b="0"/>
+      </a:effectRef>
+      <a:fontRef idx="minor">
+        <a:schemeClr val="lt1"/>
+      </a:fontRef>
+    </dgm:style>
+  </dgm:styleLbl>
+  <dgm:styleLbl name="vennNode1">
+    <dgm:scene3d>
+      <a:camera prst="orthographicFront"/>
+      <a:lightRig rig="threePt" dir="t"/>
+    </dgm:scene3d>
+    <dgm:sp3d/>
+    <dgm:txPr/>
+    <dgm:style>
+      <a:lnRef idx="2">
+        <a:scrgbClr r="0" g="0" b="0"/>
+      </a:lnRef>
+      <a:fillRef idx="1">
+        <a:scrgbClr r="0" g="0" b="0"/>
+      </a:fillRef>
+      <a:effectRef idx="0">
+        <a:scrgbClr r="0" g="0" b="0"/>
+      </a:effectRef>
+      <a:fontRef idx="minor">
+        <a:schemeClr val="tx1"/>
+      </a:fontRef>
+    </dgm:style>
+  </dgm:styleLbl>
+  <dgm:styleLbl name="alignNode1">
+    <dgm:scene3d>
+      <a:camera prst="orthographicFront"/>
+      <a:lightRig rig="threePt" dir="t"/>
+    </dgm:scene3d>
+    <dgm:sp3d/>
+    <dgm:txPr/>
+    <dgm:style>
+      <a:lnRef idx="2">
+        <a:scrgbClr r="0" g="0" b="0"/>
+      </a:lnRef>
+      <a:fillRef idx="1">
+        <a:scrgbClr r="0" g="0" b="0"/>
+      </a:fillRef>
+      <a:effectRef idx="0">
+        <a:scrgbClr r="0" g="0" b="0"/>
+      </a:effectRef>
+      <a:fontRef idx="minor">
+        <a:schemeClr val="lt1"/>
+      </a:fontRef>
+    </dgm:style>
+  </dgm:styleLbl>
+  <dgm:styleLbl name="node1">
+    <dgm:scene3d>
+      <a:camera prst="orthographicFront"/>
+      <a:lightRig rig="threePt" dir="t"/>
+    </dgm:scene3d>
+    <dgm:sp3d/>
+    <dgm:txPr/>
+    <dgm:style>
+      <a:lnRef idx="2">
+        <a:scrgbClr r="0" g="0" b="0"/>
+      </a:lnRef>
+      <a:fillRef idx="1">
+        <a:scrgbClr r="0" g="0" b="0"/>
+      </a:fillRef>
+      <a:effectRef idx="0">
+        <a:scrgbClr r="0" g="0" b="0"/>
+      </a:effectRef>
+      <a:fontRef idx="minor">
+        <a:schemeClr val="lt1"/>
+      </a:fontRef>
+    </dgm:style>
+  </dgm:styleLbl>
+  <dgm:styleLbl name="node2">
+    <dgm:scene3d>
+      <a:camera prst="orthographicFront"/>
+      <a:lightRig rig="threePt" dir="t"/>
+    </dgm:scene3d>
+    <dgm:sp3d/>
+    <dgm:txPr/>
+    <dgm:style>
+      <a:lnRef idx="2">
+        <a:scrgbClr r="0" g="0" b="0"/>
+      </a:lnRef>
+      <a:fillRef idx="1">
+        <a:scrgbClr r="0" g="0" b="0"/>
+      </a:fillRef>
+      <a:effectRef idx="0">
+        <a:scrgbClr r="0" g="0" b="0"/>
+      </a:effectRef>
+      <a:fontRef idx="minor">
+        <a:schemeClr val="lt1"/>
+      </a:fontRef>
+    </dgm:style>
+  </dgm:styleLbl>
+  <dgm:styleLbl name="node3">
+    <dgm:scene3d>
+      <a:camera prst="orthographicFront"/>
+      <a:lightRig rig="threePt" dir="t"/>
+    </dgm:scene3d>
+    <dgm:sp3d/>
+    <dgm:txPr/>
+    <dgm:style>
+      <a:lnRef idx="2">
+        <a:scrgbClr r="0" g="0" b="0"/>
+      </a:lnRef>
+      <a:fillRef idx="1">
+        <a:scrgbClr r="0" g="0" b="0"/>
+      </a:fillRef>
+      <a:effectRef idx="0">
+        <a:scrgbClr r="0" g="0" b="0"/>
+      </a:effectRef>
+      <a:fontRef idx="minor">
+        <a:schemeClr val="lt1"/>
+      </a:fontRef>
+    </dgm:style>
+  </dgm:styleLbl>
+  <dgm:styleLbl name="node4">
+    <dgm:scene3d>
+      <a:camera prst="orthographicFront"/>
+      <a:lightRig rig="threePt" dir="t"/>
+    </dgm:scene3d>
+    <dgm:sp3d/>
+    <dgm:txPr/>
+    <dgm:style>
+      <a:lnRef idx="2">
+        <a:scrgbClr r="0" g="0" b="0"/>
+      </a:lnRef>
+      <a:fillRef idx="1">
+        <a:scrgbClr r="0" g="0" b="0"/>
+      </a:fillRef>
+      <a:effectRef idx="0">
+        <a:scrgbClr r="0" g="0" b="0"/>
+      </a:effectRef>
+      <a:fontRef idx="minor">
+        <a:schemeClr val="lt1"/>
+      </a:fontRef>
+    </dgm:style>
+  </dgm:styleLbl>
+  <dgm:styleLbl name="fgImgPlace1">
+    <dgm:scene3d>
+      <a:camera prst="orthographicFront"/>
+      <a:lightRig rig="threePt" dir="t"/>
+    </dgm:scene3d>
+    <dgm:sp3d/>
+    <dgm:txPr/>
+    <dgm:style>
+      <a:lnRef idx="2">
+        <a:scrgbClr r="0" g="0" b="0"/>
+      </a:lnRef>
+      <a:fillRef idx="1">
+        <a:scrgbClr r="0" g="0" b="0"/>
+      </a:fillRef>
+      <a:effectRef idx="0">
+        <a:scrgbClr r="0" g="0" b="0"/>
+      </a:effectRef>
+      <a:fontRef idx="minor"/>
+    </dgm:style>
+  </dgm:styleLbl>
+  <dgm:styleLbl name="alignImgPlace1">
+    <dgm:scene3d>
+      <a:camera prst="orthographicFront"/>
+      <a:lightRig rig="threePt" dir="t"/>
+    </dgm:scene3d>
+    <dgm:sp3d/>
+    <dgm:txPr/>
+    <dgm:style>
+      <a:lnRef idx="2">
+        <a:scrgbClr r="0" g="0" b="0"/>
+      </a:lnRef>
+      <a:fillRef idx="1">
+        <a:scrgbClr r="0" g="0" b="0"/>
+      </a:fillRef>
+      <a:effectRef idx="0">
+        <a:scrgbClr r="0" g="0" b="0"/>
+      </a:effectRef>
+      <a:fontRef idx="minor"/>
+    </dgm:style>
+  </dgm:styleLbl>
+  <dgm:styleLbl name="bgImgPlace1">
+    <dgm:scene3d>
+      <a:camera prst="orthographicFront"/>
+      <a:lightRig rig="threePt" dir="t"/>
+    </dgm:scene3d>
+    <dgm:sp3d/>
+    <dgm:txPr/>
+    <dgm:style>
+      <a:lnRef idx="2">
+        <a:scrgbClr r="0" g="0" b="0"/>
+      </a:lnRef>
+      <a:fillRef idx="1">
+        <a:scrgbClr r="0" g="0" b="0"/>
+      </a:fillRef>
+      <a:effectRef idx="0">
+        <a:scrgbClr r="0" g="0" b="0"/>
+      </a:effectRef>
+      <a:fontRef idx="minor"/>
+    </dgm:style>
+  </dgm:styleLbl>
+  <dgm:styleLbl name="sibTrans2D1">
+    <dgm:scene3d>
+      <a:camera prst="orthographicFront"/>
+      <a:lightRig rig="threePt" dir="t"/>
+    </dgm:scene3d>
+    <dgm:sp3d/>
+    <dgm:txPr/>
+    <dgm:style>
+      <a:lnRef idx="0">
+        <a:scrgbClr r="0" g="0" b="0"/>
+      </a:lnRef>
+      <a:fillRef idx="1">
+        <a:scrgbClr r="0" g="0" b="0"/>
+      </a:fillRef>
+      <a:effectRef idx="0">
+        <a:scrgbClr r="0" g="0" b="0"/>
+      </a:effectRef>
+      <a:fontRef idx="minor">
+        <a:schemeClr val="lt1"/>
+      </a:fontRef>
+    </dgm:style>
+  </dgm:styleLbl>
+  <dgm:styleLbl name="fgSibTrans2D1">
+    <dgm:scene3d>
+      <a:camera prst="orthographicFront"/>
+      <a:lightRig rig="threePt" dir="t"/>
+    </dgm:scene3d>
+    <dgm:sp3d/>
+    <dgm:txPr/>
+    <dgm:style>
+      <a:lnRef idx="0">
+        <a:scrgbClr r="0" g="0" b="0"/>
+      </a:lnRef>
+      <a:fillRef idx="1">
+        <a:scrgbClr r="0" g="0" b="0"/>
+      </a:fillRef>
+      <a:effectRef idx="0">
+        <a:scrgbClr r="0" g="0" b="0"/>
+      </a:effectRef>
+      <a:fontRef idx="minor">
+        <a:schemeClr val="lt1"/>
+      </a:fontRef>
+    </dgm:style>
+  </dgm:styleLbl>
+  <dgm:styleLbl name="bgSibTrans2D1">
+    <dgm:scene3d>
+      <a:camera prst="orthographicFront"/>
+      <a:lightRig rig="threePt" dir="t"/>
+    </dgm:scene3d>
+    <dgm:sp3d/>
+    <dgm:txPr/>
+    <dgm:style>
+      <a:lnRef idx="0">
+        <a:scrgbClr r="0" g="0" b="0"/>
+      </a:lnRef>
+      <a:fillRef idx="1">
+        <a:scrgbClr r="0" g="0" b="0"/>
+      </a:fillRef>
+      <a:effectRef idx="0">
+        <a:scrgbClr r="0" g="0" b="0"/>
+      </a:effectRef>
+      <a:fontRef idx="minor">
+        <a:schemeClr val="lt1"/>
+      </a:fontRef>
+    </dgm:style>
+  </dgm:styleLbl>
+  <dgm:styleLbl name="sibTrans1D1">
+    <dgm:scene3d>
+      <a:camera prst="orthographicFront"/>
+      <a:lightRig rig="threePt" dir="t"/>
+    </dgm:scene3d>
+    <dgm:sp3d/>
+    <dgm:txPr/>
+    <dgm:style>
+      <a:lnRef idx="1">
+        <a:scrgbClr r="0" g="0" b="0"/>
+      </a:lnRef>
+      <a:fillRef idx="0">
+        <a:scrgbClr r="0" g="0" b="0"/>
+      </a:fillRef>
+      <a:effectRef idx="0">
+        <a:scrgbClr r="0" g="0" b="0"/>
+      </a:effectRef>
+      <a:fontRef idx="minor"/>
+    </dgm:style>
+  </dgm:styleLbl>
+  <dgm:styleLbl name="callout">
+    <dgm:scene3d>
+      <a:camera prst="orthographicFront"/>
+      <a:lightRig rig="threePt" dir="t"/>
+    </dgm:scene3d>
+    <dgm:sp3d/>
+    <dgm:txPr/>
+    <dgm:style>
+      <a:lnRef idx="2">
+        <a:scrgbClr r="0" g="0" b="0"/>
+      </a:lnRef>
+      <a:fillRef idx="1">
+        <a:scrgbClr r="0" g="0" b="0"/>
+      </a:fillRef>
+      <a:effectRef idx="0">
+        <a:scrgbClr r="0" g="0" b="0"/>
+      </a:effectRef>
+      <a:fontRef idx="minor"/>
+    </dgm:style>
+  </dgm:styleLbl>
+  <dgm:styleLbl name="asst0">
+    <dgm:scene3d>
+      <a:camera prst="orthographicFront"/>
+      <a:lightRig rig="threePt" dir="t"/>
+    </dgm:scene3d>
+    <dgm:sp3d/>
+    <dgm:txPr/>
+    <dgm:style>
+      <a:lnRef idx="2">
+        <a:scrgbClr r="0" g="0" b="0"/>
+      </a:lnRef>
+      <a:fillRef idx="1">
+        <a:scrgbClr r="0" g="0" b="0"/>
+      </a:fillRef>
+      <a:effectRef idx="0">
+        <a:scrgbClr r="0" g="0" b="0"/>
+      </a:effectRef>
+      <a:fontRef idx="minor">
+        <a:schemeClr val="lt1"/>
+      </a:fontRef>
+    </dgm:style>
+  </dgm:styleLbl>
+  <dgm:styleLbl name="asst1">
+    <dgm:scene3d>
+      <a:camera prst="orthographicFront"/>
+      <a:lightRig rig="threePt" dir="t"/>
+    </dgm:scene3d>
+    <dgm:sp3d/>
+    <dgm:txPr/>
+    <dgm:style>
+      <a:lnRef idx="2">
+        <a:scrgbClr r="0" g="0" b="0"/>
+      </a:lnRef>
+      <a:fillRef idx="1">
+        <a:scrgbClr r="0" g="0" b="0"/>
+      </a:fillRef>
+      <a:effectRef idx="0">
+        <a:scrgbClr r="0" g="0" b="0"/>
+      </a:effectRef>
+      <a:fontRef idx="minor">
+        <a:schemeClr val="lt1"/>
+      </a:fontRef>
+    </dgm:style>
+  </dgm:styleLbl>
+  <dgm:styleLbl name="asst2">
+    <dgm:scene3d>
+      <a:camera prst="orthographicFront"/>
+      <a:lightRig rig="threePt" dir="t"/>
+    </dgm:scene3d>
+    <dgm:sp3d/>
+    <dgm:txPr/>
+    <dgm:style>
+      <a:lnRef idx="2">
+        <a:scrgbClr r="0" g="0" b="0"/>
+      </a:lnRef>
+      <a:fillRef idx="1">
+        <a:scrgbClr r="0" g="0" b="0"/>
+      </a:fillRef>
+      <a:effectRef idx="0">
+        <a:scrgbClr r="0" g="0" b="0"/>
+      </a:effectRef>
+      <a:fontRef idx="minor">
+        <a:schemeClr val="lt1"/>
+      </a:fontRef>
+    </dgm:style>
+  </dgm:styleLbl>
+  <dgm:styleLbl name="asst3">
+    <dgm:scene3d>
+      <a:camera prst="orthographicFront"/>
+      <a:lightRig rig="threePt" dir="t"/>
+    </dgm:scene3d>
+    <dgm:sp3d/>
+    <dgm:txPr/>
+    <dgm:style>
+      <a:lnRef idx="2">
+        <a:scrgbClr r="0" g="0" b="0"/>
+      </a:lnRef>
+      <a:fillRef idx="1">
+        <a:scrgbClr r="0" g="0" b="0"/>
+      </a:fillRef>
+      <a:effectRef idx="0">
+        <a:scrgbClr r="0" g="0" b="0"/>
+      </a:effectRef>
+      <a:fontRef idx="minor">
+        <a:schemeClr val="lt1"/>
+      </a:fontRef>
+    </dgm:style>
+  </dgm:styleLbl>
+  <dgm:styleLbl name="asst4">
+    <dgm:scene3d>
+      <a:camera prst="orthographicFront"/>
+      <a:lightRig rig="threePt" dir="t"/>
+    </dgm:scene3d>
+    <dgm:sp3d/>
+    <dgm:txPr/>
+    <dgm:style>
+      <a:lnRef idx="2">
+        <a:scrgbClr r="0" g="0" b="0"/>
+      </a:lnRef>
+      <a:fillRef idx="1">
+        <a:scrgbClr r="0" g="0" b="0"/>
+      </a:fillRef>
+      <a:effectRef idx="0">
+        <a:scrgbClr r="0" g="0" b="0"/>
+      </a:effectRef>
+      <a:fontRef idx="minor">
+        <a:schemeClr val="lt1"/>
+      </a:fontRef>
+    </dgm:style>
+  </dgm:styleLbl>
+  <dgm:styleLbl name="parChTrans2D1">
+    <dgm:scene3d>
+      <a:camera prst="orthographicFront"/>
+      <a:lightRig rig="threePt" dir="t"/>
+    </dgm:scene3d>
+    <dgm:sp3d/>
+    <dgm:txPr/>
+    <dgm:style>
+      <a:lnRef idx="2">
+        <a:scrgbClr r="0" g="0" b="0"/>
+      </a:lnRef>
+      <a:fillRef idx="1">
+        <a:scrgbClr r="0" g="0" b="0"/>
+      </a:fillRef>
+      <a:effectRef idx="0">
+        <a:scrgbClr r="0" g="0" b="0"/>
+      </a:effectRef>
+      <a:fontRef idx="minor">
+        <a:schemeClr val="lt1"/>
+      </a:fontRef>
+    </dgm:style>
+  </dgm:styleLbl>
+  <dgm:styleLbl name="parChTrans2D2">
+    <dgm:scene3d>
+      <a:camera prst="orthographicFront"/>
+      <a:lightRig rig="threePt" dir="t"/>
+    </dgm:scene3d>
+    <dgm:sp3d/>
+    <dgm:txPr/>
+    <dgm:style>
+      <a:lnRef idx="2">
+        <a:scrgbClr r="0" g="0" b="0"/>
+      </a:lnRef>
+      <a:fillRef idx="1">
+        <a:scrgbClr r="0" g="0" b="0"/>
+      </a:fillRef>
+      <a:effectRef idx="0">
+        <a:scrgbClr r="0" g="0" b="0"/>
+      </a:effectRef>
+      <a:fontRef idx="minor">
+        <a:schemeClr val="lt1"/>
+      </a:fontRef>
+    </dgm:style>
+  </dgm:styleLbl>
+  <dgm:styleLbl name="parChTrans2D3">
+    <dgm:scene3d>
+      <a:camera prst="orthographicFront"/>
+      <a:lightRig rig="threePt" dir="t"/>
+    </dgm:scene3d>
+    <dgm:sp3d/>
+    <dgm:txPr/>
+    <dgm:style>
+      <a:lnRef idx="2">
+        <a:scrgbClr r="0" g="0" b="0"/>
+      </a:lnRef>
+      <a:fillRef idx="1">
+        <a:scrgbClr r="0" g="0" b="0"/>
+      </a:fillRef>
+      <a:effectRef idx="0">
+        <a:scrgbClr r="0" g="0" b="0"/>
+      </a:effectRef>
+      <a:fontRef idx="minor">
+        <a:schemeClr val="lt1"/>
+      </a:fontRef>
+    </dgm:style>
+  </dgm:styleLbl>
+  <dgm:styleLbl name="parChTrans2D4">
+    <dgm:scene3d>
+      <a:camera prst="orthographicFront"/>
+      <a:lightRig rig="threePt" dir="t"/>
+    </dgm:scene3d>
+    <dgm:sp3d/>
+    <dgm:txPr/>
+    <dgm:style>
+      <a:lnRef idx="2">
+        <a:scrgbClr r="0" g="0" b="0"/>
+      </a:lnRef>
+      <a:fillRef idx="1">
+        <a:scrgbClr r="0" g="0" b="0"/>
+      </a:fillRef>
+      <a:effectRef idx="0">
+        <a:scrgbClr r="0" g="0" b="0"/>
+      </a:effectRef>
+      <a:fontRef idx="minor">
+        <a:schemeClr val="lt1"/>
+      </a:fontRef>
+    </dgm:style>
+  </dgm:styleLbl>
+  <dgm:styleLbl name="parChTrans1D1">
+    <dgm:scene3d>
+      <a:camera prst="orthographicFront"/>
+      <a:lightRig rig="threePt" dir="t"/>
+    </dgm:scene3d>
+    <dgm:sp3d/>
+    <dgm:txPr/>
+    <dgm:style>
+      <a:lnRef idx="2">
+        <a:scrgbClr r="0" g="0" b="0"/>
+      </a:lnRef>
+      <a:fillRef idx="0">
+        <a:scrgbClr r="0" g="0" b="0"/>
+      </a:fillRef>
+      <a:effectRef idx="0">
+        <a:scrgbClr r="0" g="0" b="0"/>
+      </a:effectRef>
+      <a:fontRef idx="minor"/>
+    </dgm:style>
+  </dgm:styleLbl>
+  <dgm:styleLbl name="parChTrans1D2">
+    <dgm:scene3d>
+      <a:camera prst="orthographicFront"/>
+      <a:lightRig rig="threePt" dir="t"/>
+    </dgm:scene3d>
+    <dgm:sp3d/>
+    <dgm:txPr/>
+    <dgm:style>
+      <a:lnRef idx="2">
+        <a:scrgbClr r="0" g="0" b="0"/>
+      </a:lnRef>
+      <a:fillRef idx="0">
+        <a:scrgbClr r="0" g="0" b="0"/>
+      </a:fillRef>
+      <a:effectRef idx="0">
+        <a:scrgbClr r="0" g="0" b="0"/>
+      </a:effectRef>
+      <a:fontRef idx="minor"/>
+    </dgm:style>
+  </dgm:styleLbl>
+  <dgm:styleLbl name="parChTrans1D3">
+    <dgm:scene3d>
+      <a:camera prst="orthographicFront"/>
+      <a:lightRig rig="threePt" dir="t"/>
+    </dgm:scene3d>
+    <dgm:sp3d/>
+    <dgm:txPr/>
+    <dgm:style>
+      <a:lnRef idx="2">
+        <a:scrgbClr r="0" g="0" b="0"/>
+      </a:lnRef>
+      <a:fillRef idx="0">
+        <a:scrgbClr r="0" g="0" b="0"/>
+      </a:fillRef>
+      <a:effectRef idx="0">
+        <a:scrgbClr r="0" g="0" b="0"/>
+      </a:effectRef>
+      <a:fontRef idx="minor"/>
+    </dgm:style>
+  </dgm:styleLbl>
+  <dgm:styleLbl name="parChTrans1D4">
+    <dgm:scene3d>
+      <a:camera prst="orthographicFront"/>
+      <a:lightRig rig="threePt" dir="t"/>
+    </dgm:scene3d>
+    <dgm:sp3d/>
+    <dgm:txPr/>
+    <dgm:style>
+      <a:lnRef idx="2">
+        <a:scrgbClr r="0" g="0" b="0"/>
+      </a:lnRef>
+      <a:fillRef idx="0">
+        <a:scrgbClr r="0" g="0" b="0"/>
+      </a:fillRef>
+      <a:effectRef idx="0">
+        <a:scrgbClr r="0" g="0" b="0"/>
+      </a:effectRef>
+      <a:fontRef idx="minor"/>
+    </dgm:style>
+  </dgm:styleLbl>
+  <dgm:styleLbl name="fgAcc1">
+    <dgm:scene3d>
+      <a:camera prst="orthographicFront"/>
+      <a:lightRig rig="threePt" dir="t"/>
+    </dgm:scene3d>
+    <dgm:sp3d/>
+    <dgm:txPr/>
+    <dgm:style>
+      <a:lnRef idx="2">
+        <a:scrgbClr r="0" g="0" b="0"/>
+      </a:lnRef>
+      <a:fillRef idx="1">
+        <a:scrgbClr r="0" g="0" b="0"/>
+      </a:fillRef>
+      <a:effectRef idx="0">
+        <a:scrgbClr r="0" g="0" b="0"/>
+      </a:effectRef>
+      <a:fontRef idx="minor"/>
+    </dgm:style>
+  </dgm:styleLbl>
+  <dgm:styleLbl name="conFgAcc1">
+    <dgm:scene3d>
+      <a:camera prst="orthographicFront"/>
+      <a:lightRig rig="threePt" dir="t"/>
+    </dgm:scene3d>
+    <dgm:sp3d/>
+    <dgm:txPr/>
+    <dgm:style>
+      <a:lnRef idx="2">
+        <a:scrgbClr r="0" g="0" b="0"/>
+      </a:lnRef>
+      <a:fillRef idx="1">
+        <a:scrgbClr r="0" g="0" b="0"/>
+      </a:fillRef>
+      <a:effectRef idx="0">
+        <a:scrgbClr r="0" g="0" b="0"/>
+      </a:effectRef>
+      <a:fontRef idx="minor"/>
+    </dgm:style>
+  </dgm:styleLbl>
+  <dgm:styleLbl name="alignAcc1">
+    <dgm:scene3d>
+      <a:camera prst="orthographicFront"/>
+      <a:lightRig rig="threePt" dir="t"/>
+    </dgm:scene3d>
+    <dgm:sp3d/>
+    <dgm:txPr/>
+    <dgm:style>
+      <a:lnRef idx="2">
+        <a:scrgbClr r="0" g="0" b="0"/>
+      </a:lnRef>
+      <a:fillRef idx="1">
+        <a:scrgbClr r="0" g="0" b="0"/>
+      </a:fillRef>
+      <a:effectRef idx="0">
+        <a:scrgbClr r="0" g="0" b="0"/>
+      </a:effectRef>
+      <a:fontRef idx="minor"/>
+    </dgm:style>
+  </dgm:styleLbl>
+  <dgm:styleLbl name="trAlignAcc1">
+    <dgm:scene3d>
+      <a:camera prst="orthographicFront"/>
+      <a:lightRig rig="threePt" dir="t"/>
+    </dgm:scene3d>
+    <dgm:sp3d/>
+    <dgm:txPr/>
+    <dgm:style>
+      <a:lnRef idx="1">
+        <a:scrgbClr r="0" g="0" b="0"/>
+      </a:lnRef>
+      <a:fillRef idx="1">
+        <a:scrgbClr r="0" g="0" b="0"/>
+      </a:fillRef>
+      <a:effectRef idx="0">
+        <a:scrgbClr r="0" g="0" b="0"/>
+      </a:effectRef>
+      <a:fontRef idx="minor"/>
+    </dgm:style>
+  </dgm:styleLbl>
+  <dgm:styleLbl name="bgAcc1">
+    <dgm:scene3d>
+      <a:camera prst="orthographicFront"/>
+      <a:lightRig rig="threePt" dir="t"/>
+    </dgm:scene3d>
+    <dgm:sp3d/>
+    <dgm:txPr/>
+    <dgm:style>
+      <a:lnRef idx="2">
+        <a:scrgbClr r="0" g="0" b="0"/>
+      </a:lnRef>
+      <a:fillRef idx="1">
+        <a:scrgbClr r="0" g="0" b="0"/>
+      </a:fillRef>
+      <a:effectRef idx="0">
+        <a:scrgbClr r="0" g="0" b="0"/>
+      </a:effectRef>
+      <a:fontRef idx="minor"/>
+    </dgm:style>
+  </dgm:styleLbl>
+  <dgm:styleLbl name="solidFgAcc1">
+    <dgm:scene3d>
+      <a:camera prst="orthographicFront"/>
+      <a:lightRig rig="threePt" dir="t"/>
+    </dgm:scene3d>
+    <dgm:sp3d/>
+    <dgm:txPr/>
+    <dgm:style>
+      <a:lnRef idx="2">
+        <a:scrgbClr r="0" g="0" b="0"/>
+      </a:lnRef>
+      <a:fillRef idx="1">
+        <a:scrgbClr r="0" g="0" b="0"/>
+      </a:fillRef>
+      <a:effectRef idx="0">
+        <a:scrgbClr r="0" g="0" b="0"/>
+      </a:effectRef>
+      <a:fontRef idx="minor"/>
+    </dgm:style>
+  </dgm:styleLbl>
+  <dgm:styleLbl name="solidAlignAcc1">
+    <dgm:scene3d>
+      <a:camera prst="orthographicFront"/>
+      <a:lightRig rig="threePt" dir="t"/>
+    </dgm:scene3d>
+    <dgm:sp3d/>
+    <dgm:txPr/>
+    <dgm:style>
+      <a:lnRef idx="2">
+        <a:scrgbClr r="0" g="0" b="0"/>
+      </a:lnRef>
+      <a:fillRef idx="1">
+        <a:scrgbClr r="0" g="0" b="0"/>
+      </a:fillRef>
+      <a:effectRef idx="0">
+        <a:scrgbClr r="0" g="0" b="0"/>
+      </a:effectRef>
+      <a:fontRef idx="minor"/>
+    </dgm:style>
+  </dgm:styleLbl>
+  <dgm:styleLbl name="solidBgAcc1">
+    <dgm:scene3d>
+      <a:camera prst="orthographicFront"/>
+      <a:lightRig rig="threePt" dir="t"/>
+    </dgm:scene3d>
+    <dgm:sp3d/>
+    <dgm:txPr/>
+    <dgm:style>
+      <a:lnRef idx="2">
+        <a:scrgbClr r="0" g="0" b="0"/>
+      </a:lnRef>
+      <a:fillRef idx="1">
+        <a:scrgbClr r="0" g="0" b="0"/>
+      </a:fillRef>
+      <a:effectRef idx="0">
+        <a:scrgbClr r="0" g="0" b="0"/>
+      </a:effectRef>
+      <a:fontRef idx="minor"/>
+    </dgm:style>
+  </dgm:styleLbl>
+  <dgm:styleLbl name="fgAccFollowNode1">
+    <dgm:scene3d>
+      <a:camera prst="orthographicFront"/>
+      <a:lightRig rig="threePt" dir="t"/>
+    </dgm:scene3d>
+    <dgm:sp3d/>
+    <dgm:txPr/>
+    <dgm:style>
+      <a:lnRef idx="2">
+        <a:scrgbClr r="0" g="0" b="0"/>
+      </a:lnRef>
+      <a:fillRef idx="1">
+        <a:scrgbClr r="0" g="0" b="0"/>
+      </a:fillRef>
+      <a:effectRef idx="0">
+        <a:scrgbClr r="0" g="0" b="0"/>
+      </a:effectRef>
+      <a:fontRef idx="minor"/>
+    </dgm:style>
+  </dgm:styleLbl>
+  <dgm:styleLbl name="alignAccFollowNode1">
+    <dgm:scene3d>
+      <a:camera prst="orthographicFront"/>
+      <a:lightRig rig="threePt" dir="t"/>
+    </dgm:scene3d>
+    <dgm:sp3d/>
+    <dgm:txPr/>
+    <dgm:style>
+      <a:lnRef idx="2">
+        <a:scrgbClr r="0" g="0" b="0"/>
+      </a:lnRef>
+      <a:fillRef idx="1">
+        <a:scrgbClr r="0" g="0" b="0"/>
+      </a:fillRef>
+      <a:effectRef idx="0">
+        <a:scrgbClr r="0" g="0" b="0"/>
+      </a:effectRef>
+      <a:fontRef idx="minor"/>
+    </dgm:style>
+  </dgm:styleLbl>
+  <dgm:styleLbl name="bgAccFollowNode1">
+    <dgm:scene3d>
+      <a:camera prst="orthographicFront"/>
+      <a:lightRig rig="threePt" dir="t"/>
+    </dgm:scene3d>
+    <dgm:sp3d/>
+    <dgm:txPr/>
+    <dgm:style>
+      <a:lnRef idx="2">
+        <a:scrgbClr r="0" g="0" b="0"/>
+      </a:lnRef>
+      <a:fillRef idx="1">
+        <a:scrgbClr r="0" g="0" b="0"/>
+      </a:fillRef>
+      <a:effectRef idx="0">
+        <a:scrgbClr r="0" g="0" b="0"/>
+      </a:effectRef>
+      <a:fontRef idx="minor"/>
+    </dgm:style>
+  </dgm:styleLbl>
+  <dgm:styleLbl name="fgAcc0">
+    <dgm:scene3d>
+      <a:camera prst="orthographicFront"/>
+      <a:lightRig rig="threePt" dir="t"/>
+    </dgm:scene3d>
+    <dgm:sp3d/>
+    <dgm:txPr/>
+    <dgm:style>
+      <a:lnRef idx="2">
+        <a:scrgbClr r="0" g="0" b="0"/>
+      </a:lnRef>
+      <a:fillRef idx="1">
+        <a:scrgbClr r="0" g="0" b="0"/>
+      </a:fillRef>
+      <a:effectRef idx="0">
+        <a:scrgbClr r="0" g="0" b="0"/>
+      </a:effectRef>
+      <a:fontRef idx="minor"/>
+    </dgm:style>
+  </dgm:styleLbl>
+  <dgm:styleLbl name="fgAcc2">
+    <dgm:scene3d>
+      <a:camera prst="orthographicFront"/>
+      <a:lightRig rig="threePt" dir="t"/>
+    </dgm:scene3d>
+    <dgm:sp3d/>
+    <dgm:txPr/>
+    <dgm:style>
+      <a:lnRef idx="2">
+        <a:scrgbClr r="0" g="0" b="0"/>
+      </a:lnRef>
+      <a:fillRef idx="1">
+        <a:scrgbClr r="0" g="0" b="0"/>
+      </a:fillRef>
+      <a:effectRef idx="0">
+        <a:scrgbClr r="0" g="0" b="0"/>
+      </a:effectRef>
+      <a:fontRef idx="minor"/>
+    </dgm:style>
+  </dgm:styleLbl>
+  <dgm:styleLbl name="fgAcc3">
+    <dgm:scene3d>
+      <a:camera prst="orthographicFront"/>
+      <a:lightRig rig="threePt" dir="t"/>
+    </dgm:scene3d>
+    <dgm:sp3d/>
+    <dgm:txPr/>
+    <dgm:style>
+      <a:lnRef idx="2">
+        <a:scrgbClr r="0" g="0" b="0"/>
+      </a:lnRef>
+      <a:fillRef idx="1">
+        <a:scrgbClr r="0" g="0" b="0"/>
+      </a:fillRef>
+      <a:effectRef idx="0">
+        <a:scrgbClr r="0" g="0" b="0"/>
+      </a:effectRef>
+      <a:fontRef idx="minor"/>
+    </dgm:style>
+  </dgm:styleLbl>
+  <dgm:styleLbl name="fgAcc4">
+    <dgm:scene3d>
+      <a:camera prst="orthographicFront"/>
+      <a:lightRig rig="threePt" dir="t"/>
+    </dgm:scene3d>
+    <dgm:sp3d/>
+    <dgm:txPr/>
+    <dgm:style>
+      <a:lnRef idx="2">
+        <a:scrgbClr r="0" g="0" b="0"/>
+      </a:lnRef>
+      <a:fillRef idx="1">
+        <a:scrgbClr r="0" g="0" b="0"/>
+      </a:fillRef>
+      <a:effectRef idx="0">
+        <a:scrgbClr r="0" g="0" b="0"/>
+      </a:effectRef>
+      <a:fontRef idx="minor"/>
+    </dgm:style>
+  </dgm:styleLbl>
+  <dgm:styleLbl name="bgShp">
+    <dgm:scene3d>
+      <a:camera prst="orthographicFront"/>
+      <a:lightRig rig="threePt" dir="t"/>
+    </dgm:scene3d>
+    <dgm:sp3d/>
+    <dgm:txPr/>
+    <dgm:style>
+      <a:lnRef idx="0">
+        <a:scrgbClr r="0" g="0" b="0"/>
+      </a:lnRef>
+      <a:fillRef idx="1">
+        <a:scrgbClr r="0" g="0" b="0"/>
+      </a:fillRef>
+      <a:effectRef idx="0">
+        <a:scrgbClr r="0" g="0" b="0"/>
+      </a:effectRef>
+      <a:fontRef idx="minor"/>
+    </dgm:style>
+  </dgm:styleLbl>
+  <dgm:styleLbl name="dkBgShp">
+    <dgm:scene3d>
+      <a:camera prst="orthographicFront"/>
+      <a:lightRig rig="threePt" dir="t"/>
+    </dgm:scene3d>
+    <dgm:sp3d/>
+    <dgm:txPr/>
+    <dgm:style>
+      <a:lnRef idx="0">
+        <a:scrgbClr r="0" g="0" b="0"/>
+      </a:lnRef>
+      <a:fillRef idx="1">
+        <a:scrgbClr r="0" g="0" b="0"/>
+      </a:fillRef>
+      <a:effectRef idx="0">
+        <a:scrgbClr r="0" g="0" b="0"/>
+      </a:effectRef>
+      <a:fontRef idx="minor"/>
+    </dgm:style>
+  </dgm:styleLbl>
+  <dgm:styleLbl name="trBgShp">
+    <dgm:scene3d>
+      <a:camera prst="orthographicFront"/>
+      <a:lightRig rig="threePt" dir="t"/>
+    </dgm:scene3d>
+    <dgm:sp3d/>
+    <dgm:txPr/>
+    <dgm:style>
+      <a:lnRef idx="0">
+        <a:scrgbClr r="0" g="0" b="0"/>
+      </a:lnRef>
+      <a:fillRef idx="1">
+        <a:scrgbClr r="0" g="0" b="0"/>
+      </a:fillRef>
+      <a:effectRef idx="0">
+        <a:scrgbClr r="0" g="0" b="0"/>
+      </a:effectRef>
+      <a:fontRef idx="minor"/>
+    </dgm:style>
+  </dgm:styleLbl>
+  <dgm:styleLbl name="fgShp">
+    <dgm:scene3d>
+      <a:camera prst="orthographicFront"/>
+      <a:lightRig rig="threePt" dir="t"/>
+    </dgm:scene3d>
+    <dgm:sp3d/>
+    <dgm:txPr/>
+    <dgm:style>
+      <a:lnRef idx="2">
+        <a:scrgbClr r="0" g="0" b="0"/>
+      </a:lnRef>
+      <a:fillRef idx="1">
+        <a:scrgbClr r="0" g="0" b="0"/>
+      </a:fillRef>
+      <a:effectRef idx="0">
+        <a:scrgbClr r="0" g="0" b="0"/>
+      </a:effectRef>
+      <a:fontRef idx="minor"/>
+    </dgm:style>
+  </dgm:styleLbl>
+  <dgm:styleLbl name="revTx">
+    <dgm:scene3d>
+      <a:camera prst="orthographicFront"/>
+      <a:lightRig rig="threePt" dir="t"/>
+    </dgm:scene3d>
+    <dgm:sp3d/>
+    <dgm:txPr/>
+    <dgm:style>
+      <a:lnRef idx="0">
+        <a:scrgbClr r="0" g="0" b="0"/>
+      </a:lnRef>
+      <a:fillRef idx="0">
+        <a:scrgbClr r="0" g="0" b="0"/>
+      </a:fillRef>
+      <a:effectRef idx="0">
+        <a:scrgbClr r="0" g="0" b="0"/>
+      </a:effectRef>
+      <a:fontRef idx="minor"/>
+    </dgm:style>
+  </dgm:styleLbl>
+</dgm:styleDef>
+</file>
+
 <file path=ppt/diagrams/quickStyle2.xml><?xml version="1.0" encoding="utf-8"?>
 <dgm:styleDef xmlns:dgm="http://schemas.openxmlformats.org/drawingml/2006/diagram" xmlns:a="http://schemas.openxmlformats.org/drawingml/2006/main" uniqueId="urn:microsoft.com/office/officeart/2005/8/quickstyle/simple1">
   <dgm:title val=""/>
@@ -28697,7 +31846,7 @@
           <a:p>
             <a:fld id="{5100E855-DC3F-44F7-B6F1-F5D0C0D1A424}" type="datetimeFigureOut">
               <a:rPr lang="en-US" smtClean="0"/>
-              <a:t>4/14/2021</a:t>
+              <a:t>4/20/2021</a:t>
             </a:fld>
             <a:endParaRPr lang="en-US"/>
           </a:p>
@@ -29792,6 +32941,360 @@
     <p:extLst>
       <p:ext uri="{BB962C8B-B14F-4D97-AF65-F5344CB8AC3E}">
         <p14:creationId xmlns:p14="http://schemas.microsoft.com/office/powerpoint/2010/main" val="3800097650"/>
+      </p:ext>
+    </p:extLst>
+  </p:cSld>
+  <p:clrMapOvr>
+    <a:masterClrMapping/>
+  </p:clrMapOvr>
+</p:notes>
+</file>
+
+<file path=ppt/notesSlides/notesSlide13.xml><?xml version="1.0" encoding="utf-8"?>
+<p:notes xmlns:a="http://schemas.openxmlformats.org/drawingml/2006/main" xmlns:r="http://schemas.openxmlformats.org/officeDocument/2006/relationships" xmlns:p="http://schemas.openxmlformats.org/presentationml/2006/main">
+  <p:cSld>
+    <p:spTree>
+      <p:nvGrpSpPr>
+        <p:cNvPr id="1" name=""/>
+        <p:cNvGrpSpPr/>
+        <p:nvPr/>
+      </p:nvGrpSpPr>
+      <p:grpSpPr>
+        <a:xfrm>
+          <a:off x="0" y="0"/>
+          <a:ext cx="0" cy="0"/>
+          <a:chOff x="0" y="0"/>
+          <a:chExt cx="0" cy="0"/>
+        </a:xfrm>
+      </p:grpSpPr>
+      <p:sp>
+        <p:nvSpPr>
+          <p:cNvPr id="2" name="Slide Image Placeholder 1"/>
+          <p:cNvSpPr>
+            <a:spLocks noGrp="1" noRot="1" noChangeAspect="1"/>
+          </p:cNvSpPr>
+          <p:nvPr>
+            <p:ph type="sldImg"/>
+          </p:nvPr>
+        </p:nvSpPr>
+        <p:spPr/>
+      </p:sp>
+      <p:sp>
+        <p:nvSpPr>
+          <p:cNvPr id="3" name="Notes Placeholder 2"/>
+          <p:cNvSpPr>
+            <a:spLocks noGrp="1"/>
+          </p:cNvSpPr>
+          <p:nvPr>
+            <p:ph type="body" idx="1"/>
+          </p:nvPr>
+        </p:nvSpPr>
+        <p:spPr/>
+        <p:txBody>
+          <a:bodyPr/>
+          <a:lstStyle/>
+          <a:p>
+            <a:r>
+              <a:rPr lang="en-US" dirty="0"/>
+              <a:t>A pattern that focuses on adaptability by externalizing changes. It makes it easier to add new Visitors and it is even encouraged, that’s the point of the pattern</a:t>
+            </a:r>
+          </a:p>
+          <a:p>
+            <a:r>
+              <a:rPr lang="en-US" dirty="0"/>
+              <a:t>Concepts: </a:t>
+            </a:r>
+          </a:p>
+          <a:p>
+            <a:pPr marL="171450" indent="-171450">
+              <a:buFontTx/>
+              <a:buChar char="-"/>
+            </a:pPr>
+            <a:r>
+              <a:rPr lang="en-US" dirty="0"/>
+              <a:t>Separate object from algorithm </a:t>
+            </a:r>
+          </a:p>
+          <a:p>
+            <a:pPr marL="171450" indent="-171450">
+              <a:buFontTx/>
+              <a:buChar char="-"/>
+            </a:pPr>
+            <a:r>
+              <a:rPr lang="en-US" dirty="0"/>
+              <a:t>Usually, you use it when you want to add new features, but you don’t want to modify the current implementation of elements</a:t>
+            </a:r>
+          </a:p>
+          <a:p>
+            <a:pPr marL="171450" indent="-171450">
+              <a:buFontTx/>
+              <a:buChar char="-"/>
+            </a:pPr>
+            <a:r>
+              <a:rPr lang="en-US" dirty="0"/>
+              <a:t>The Visitor object holds our changes, our business logic, not our elements</a:t>
+            </a:r>
+          </a:p>
+          <a:p>
+            <a:pPr marL="171450" indent="-171450">
+              <a:buFontTx/>
+              <a:buChar char="-"/>
+            </a:pPr>
+            <a:r>
+              <a:rPr lang="en-US" dirty="0"/>
+              <a:t>You want to implement a new functionality, but you don’t want to go and update each object with your logic</a:t>
+            </a:r>
+          </a:p>
+          <a:p>
+            <a:pPr marL="171450" indent="-171450">
+              <a:buFontTx/>
+              <a:buChar char="-"/>
+            </a:pPr>
+            <a:r>
+              <a:rPr lang="en-US" dirty="0"/>
+              <a:t>Implementing visitor, you don’t pollute your objects with business logic</a:t>
+            </a:r>
+          </a:p>
+          <a:p>
+            <a:pPr marL="171450" indent="-171450">
+              <a:buFontTx/>
+              <a:buChar char="-"/>
+            </a:pPr>
+            <a:r>
+              <a:rPr lang="en-US" dirty="0"/>
+              <a:t>If you add a new Visitor, you don’t have to modify existing classes at all</a:t>
+            </a:r>
+          </a:p>
+          <a:p>
+            <a:pPr marL="0" indent="0">
+              <a:buFontTx/>
+              <a:buNone/>
+            </a:pPr>
+            <a:r>
+              <a:rPr lang="en-US" dirty="0"/>
+              <a:t>Design: </a:t>
+            </a:r>
+          </a:p>
+          <a:p>
+            <a:pPr marL="171450" indent="-171450">
+              <a:buFontTx/>
+              <a:buChar char="-"/>
+            </a:pPr>
+            <a:r>
+              <a:rPr lang="en-US" dirty="0"/>
+              <a:t>Interface based</a:t>
+            </a:r>
+          </a:p>
+          <a:p>
+            <a:pPr marL="171450" indent="-171450">
+              <a:buFontTx/>
+              <a:buChar char="-"/>
+            </a:pPr>
+            <a:r>
+              <a:rPr lang="en-US" dirty="0"/>
+              <a:t>It’s rather a mindset that you begin with. This can be, of course, a pitfall, because you might plan for adaptability and add flexibility that is not necessary or will never be used</a:t>
+            </a:r>
+          </a:p>
+          <a:p>
+            <a:pPr marL="171450" indent="-171450">
+              <a:buFontTx/>
+              <a:buChar char="-"/>
+            </a:pPr>
+            <a:r>
+              <a:rPr lang="en-US" dirty="0"/>
+              <a:t>Actors: Visitor, Element, Concrete visitors, concrete elements</a:t>
+            </a:r>
+          </a:p>
+          <a:p>
+            <a:pPr marL="171450" indent="-171450">
+              <a:buFontTx/>
+              <a:buChar char="-"/>
+            </a:pPr>
+            <a:r>
+              <a:rPr lang="en-US" dirty="0"/>
+              <a:t>Visitor knows about all Elements </a:t>
+            </a:r>
+          </a:p>
+          <a:p>
+            <a:pPr marL="0" indent="0">
+              <a:buFontTx/>
+              <a:buNone/>
+            </a:pPr>
+            <a:r>
+              <a:rPr lang="en-US" dirty="0"/>
+              <a:t>Summary: </a:t>
+            </a:r>
+          </a:p>
+          <a:p>
+            <a:pPr marL="171450" indent="-171450">
+              <a:buFontTx/>
+              <a:buChar char="-"/>
+            </a:pPr>
+            <a:r>
+              <a:rPr lang="en-US" dirty="0"/>
+              <a:t>You expect changes to happen, but you are not sure what</a:t>
+            </a:r>
+          </a:p>
+          <a:p>
+            <a:pPr marL="171450" indent="-171450">
+              <a:buFontTx/>
+              <a:buChar char="-"/>
+            </a:pPr>
+            <a:r>
+              <a:rPr lang="en-US" dirty="0"/>
+              <a:t>Can add minor complexity, but not much</a:t>
+            </a:r>
+          </a:p>
+          <a:p>
+            <a:pPr marL="171450" indent="-171450">
+              <a:buFontTx/>
+              <a:buChar char="-"/>
+            </a:pPr>
+            <a:r>
+              <a:rPr lang="en-US" dirty="0"/>
+              <a:t>You externalize changes</a:t>
+            </a:r>
+          </a:p>
+          <a:p>
+            <a:pPr marL="171450" indent="-171450">
+              <a:buFontTx/>
+              <a:buChar char="-"/>
+            </a:pPr>
+            <a:r>
+              <a:rPr lang="en-US" dirty="0"/>
+              <a:t>One benefit related to unit tests: existing tests won’t fail because you added new functionality</a:t>
+            </a:r>
+          </a:p>
+        </p:txBody>
+      </p:sp>
+      <p:sp>
+        <p:nvSpPr>
+          <p:cNvPr id="4" name="Slide Number Placeholder 3"/>
+          <p:cNvSpPr>
+            <a:spLocks noGrp="1"/>
+          </p:cNvSpPr>
+          <p:nvPr>
+            <p:ph type="sldNum" sz="quarter" idx="5"/>
+          </p:nvPr>
+        </p:nvSpPr>
+        <p:spPr/>
+        <p:txBody>
+          <a:bodyPr/>
+          <a:lstStyle/>
+          <a:p>
+            <a:fld id="{378EC67B-05AF-45BD-9870-8FF3B10B57E3}" type="slidenum">
+              <a:rPr lang="en-US" smtClean="0"/>
+              <a:t>21</a:t>
+            </a:fld>
+            <a:endParaRPr lang="en-US"/>
+          </a:p>
+        </p:txBody>
+      </p:sp>
+    </p:spTree>
+    <p:extLst>
+      <p:ext uri="{BB962C8B-B14F-4D97-AF65-F5344CB8AC3E}">
+        <p14:creationId xmlns:p14="http://schemas.microsoft.com/office/powerpoint/2010/main" val="3616567770"/>
+      </p:ext>
+    </p:extLst>
+  </p:cSld>
+  <p:clrMapOvr>
+    <a:masterClrMapping/>
+  </p:clrMapOvr>
+</p:notes>
+</file>
+
+<file path=ppt/notesSlides/notesSlide14.xml><?xml version="1.0" encoding="utf-8"?>
+<p:notes xmlns:a="http://schemas.openxmlformats.org/drawingml/2006/main" xmlns:r="http://schemas.openxmlformats.org/officeDocument/2006/relationships" xmlns:p="http://schemas.openxmlformats.org/presentationml/2006/main">
+  <p:cSld>
+    <p:spTree>
+      <p:nvGrpSpPr>
+        <p:cNvPr id="1" name=""/>
+        <p:cNvGrpSpPr/>
+        <p:nvPr/>
+      </p:nvGrpSpPr>
+      <p:grpSpPr>
+        <a:xfrm>
+          <a:off x="0" y="0"/>
+          <a:ext cx="0" cy="0"/>
+          <a:chOff x="0" y="0"/>
+          <a:chExt cx="0" cy="0"/>
+        </a:xfrm>
+      </p:grpSpPr>
+      <p:sp>
+        <p:nvSpPr>
+          <p:cNvPr id="2" name="Slide Image Placeholder 1"/>
+          <p:cNvSpPr>
+            <a:spLocks noGrp="1" noRot="1" noChangeAspect="1"/>
+          </p:cNvSpPr>
+          <p:nvPr>
+            <p:ph type="sldImg"/>
+          </p:nvPr>
+        </p:nvSpPr>
+        <p:spPr/>
+      </p:sp>
+      <p:sp>
+        <p:nvSpPr>
+          <p:cNvPr id="3" name="Notes Placeholder 2"/>
+          <p:cNvSpPr>
+            <a:spLocks noGrp="1"/>
+          </p:cNvSpPr>
+          <p:nvPr>
+            <p:ph type="body" idx="1"/>
+          </p:nvPr>
+        </p:nvSpPr>
+        <p:spPr/>
+        <p:txBody>
+          <a:bodyPr/>
+          <a:lstStyle/>
+          <a:p>
+            <a:pPr marL="0" marR="0" lvl="0" indent="0" algn="l" defTabSz="914400" rtl="0" eaLnBrk="1" fontAlgn="auto" latinLnBrk="0" hangingPunct="1">
+              <a:lnSpc>
+                <a:spcPct val="100000"/>
+              </a:lnSpc>
+              <a:spcBef>
+                <a:spcPts val="0"/>
+              </a:spcBef>
+              <a:spcAft>
+                <a:spcPts val="0"/>
+              </a:spcAft>
+              <a:buClrTx/>
+              <a:buSzTx/>
+              <a:buFontTx/>
+              <a:buNone/>
+              <a:tabLst/>
+              <a:defRPr/>
+            </a:pPr>
+            <a:endParaRPr lang="en-US" dirty="0"/>
+          </a:p>
+        </p:txBody>
+      </p:sp>
+      <p:sp>
+        <p:nvSpPr>
+          <p:cNvPr id="4" name="Slide Number Placeholder 3"/>
+          <p:cNvSpPr>
+            <a:spLocks noGrp="1"/>
+          </p:cNvSpPr>
+          <p:nvPr>
+            <p:ph type="sldNum" sz="quarter" idx="5"/>
+          </p:nvPr>
+        </p:nvSpPr>
+        <p:spPr/>
+        <p:txBody>
+          <a:bodyPr/>
+          <a:lstStyle/>
+          <a:p>
+            <a:fld id="{378EC67B-05AF-45BD-9870-8FF3B10B57E3}" type="slidenum">
+              <a:rPr lang="en-US" smtClean="0"/>
+              <a:t>22</a:t>
+            </a:fld>
+            <a:endParaRPr lang="en-US"/>
+          </a:p>
+        </p:txBody>
+      </p:sp>
+    </p:spTree>
+    <p:extLst>
+      <p:ext uri="{BB962C8B-B14F-4D97-AF65-F5344CB8AC3E}">
+        <p14:creationId xmlns:p14="http://schemas.microsoft.com/office/powerpoint/2010/main" val="1045073518"/>
       </p:ext>
     </p:extLst>
   </p:cSld>
@@ -31002,7 +34505,7 @@
           <a:p>
             <a:fld id="{9184DA70-C731-4C70-880D-CCD4705E623C}" type="datetime1">
               <a:rPr lang="en-US" smtClean="0"/>
-              <a:t>4/14/2021</a:t>
+              <a:t>4/20/2021</a:t>
             </a:fld>
             <a:endParaRPr lang="en-US" dirty="0"/>
           </a:p>
@@ -31190,7 +34693,7 @@
           <a:p>
             <a:fld id="{4BE1D723-8F53-4F53-90B0-1982A396982E}" type="datetime1">
               <a:rPr lang="en-US" smtClean="0"/>
-              <a:t>4/14/2021</a:t>
+              <a:t>4/20/2021</a:t>
             </a:fld>
             <a:endParaRPr lang="en-US" dirty="0"/>
           </a:p>
@@ -31563,7 +35066,7 @@
           <a:p>
             <a:fld id="{97669AF7-7BEB-44E4-9852-375E34362B5B}" type="datetime1">
               <a:rPr lang="en-US" smtClean="0"/>
-              <a:t>4/14/2021</a:t>
+              <a:t>4/20/2021</a:t>
             </a:fld>
             <a:endParaRPr lang="en-US" dirty="0"/>
           </a:p>
@@ -31818,7 +35321,7 @@
           <a:p>
             <a:fld id="{BAAAC38D-0552-4C82-B593-E6124DFADBE2}" type="datetime1">
               <a:rPr lang="en-US" smtClean="0"/>
-              <a:t>4/14/2021</a:t>
+              <a:t>4/20/2021</a:t>
             </a:fld>
             <a:endParaRPr lang="en-US" dirty="0"/>
           </a:p>
@@ -32215,7 +35718,7 @@
           <a:p>
             <a:fld id="{D9DF0F1C-5577-4ACB-BB62-DF8F3C494C7E}" type="datetime1">
               <a:rPr lang="en-US" smtClean="0"/>
-              <a:t>4/14/2021</a:t>
+              <a:t>4/20/2021</a:t>
             </a:fld>
             <a:endParaRPr lang="en-US" dirty="0"/>
           </a:p>
@@ -32351,7 +35854,7 @@
           <a:p>
             <a:fld id="{1775B394-D9F9-4F0C-B15D-605F45CB9E9F}" type="datetime1">
               <a:rPr lang="en-US" smtClean="0"/>
-              <a:t>4/14/2021</a:t>
+              <a:t>4/20/2021</a:t>
             </a:fld>
             <a:endParaRPr lang="en-US" dirty="0"/>
           </a:p>
@@ -32508,7 +36011,7 @@
           <a:p>
             <a:fld id="{39667345-2558-425A-8533-9BFDBCE15005}" type="datetime1">
               <a:rPr lang="en-US" smtClean="0"/>
-              <a:t>4/14/2021</a:t>
+              <a:t>4/20/2021</a:t>
             </a:fld>
             <a:endParaRPr lang="en-US" dirty="0"/>
           </a:p>
@@ -32837,7 +36340,7 @@
           <a:p>
             <a:fld id="{92BEA474-078D-4E9B-9B14-09A87B19DC46}" type="datetime1">
               <a:rPr lang="en-US" smtClean="0"/>
-              <a:t>4/14/2021</a:t>
+              <a:t>4/20/2021</a:t>
             </a:fld>
             <a:endParaRPr lang="en-US" dirty="0"/>
           </a:p>
@@ -33187,7 +36690,7 @@
           <a:p>
             <a:fld id="{4907D986-8816-4272-A432-0437A28A9828}" type="datetime1">
               <a:rPr lang="en-US" smtClean="0"/>
-              <a:t>4/14/2021</a:t>
+              <a:t>4/20/2021</a:t>
             </a:fld>
             <a:endParaRPr lang="en-US" dirty="0"/>
           </a:p>
@@ -33448,7 +36951,7 @@
           <a:p>
             <a:fld id="{62D6E202-B606-4609-B914-27C9371A1F6D}" type="datetime1">
               <a:rPr lang="en-US" smtClean="0"/>
-              <a:t>4/14/2021</a:t>
+              <a:t>4/20/2021</a:t>
             </a:fld>
             <a:endParaRPr lang="en-US" dirty="0"/>
           </a:p>
@@ -39161,6 +42664,845 @@
 </p:sld>
 </file>
 
+<file path=ppt/slides/slide21.xml><?xml version="1.0" encoding="utf-8"?>
+<p:sld xmlns:a="http://schemas.openxmlformats.org/drawingml/2006/main" xmlns:r="http://schemas.openxmlformats.org/officeDocument/2006/relationships" xmlns:p="http://schemas.openxmlformats.org/presentationml/2006/main">
+  <p:cSld>
+    <p:bg>
+      <p:bgPr>
+        <a:solidFill>
+          <a:schemeClr val="bg1"/>
+        </a:solidFill>
+        <a:effectLst/>
+      </p:bgPr>
+    </p:bg>
+    <p:spTree>
+      <p:nvGrpSpPr>
+        <p:cNvPr id="1" name=""/>
+        <p:cNvGrpSpPr/>
+        <p:nvPr/>
+      </p:nvGrpSpPr>
+      <p:grpSpPr>
+        <a:xfrm>
+          <a:off x="0" y="0"/>
+          <a:ext cx="0" cy="0"/>
+          <a:chOff x="0" y="0"/>
+          <a:chExt cx="0" cy="0"/>
+        </a:xfrm>
+      </p:grpSpPr>
+      <p:sp>
+        <p:nvSpPr>
+          <p:cNvPr id="1034" name="Rectangle 76">
+            <a:extLst>
+              <a:ext uri="{FF2B5EF4-FFF2-40B4-BE49-F238E27FC236}">
+                <a16:creationId xmlns:a16="http://schemas.microsoft.com/office/drawing/2014/main" id="{416A0E3C-60E6-4F39-BC55-5F7C224E1F7C}"/>
+              </a:ext>
+              <a:ext uri="{C183D7F6-B498-43B3-948B-1728B52AA6E4}">
+                <adec:decorative xmlns:adec="http://schemas.microsoft.com/office/drawing/2017/decorative" val="1"/>
+              </a:ext>
+            </a:extLst>
+          </p:cNvPr>
+          <p:cNvSpPr>
+            <a:spLocks noGrp="1" noRot="1" noChangeAspect="1" noMove="1" noResize="1" noEditPoints="1" noAdjustHandles="1" noChangeArrowheads="1" noChangeShapeType="1" noTextEdit="1"/>
+          </p:cNvSpPr>
+          <p:nvPr>
+            <p:extLst>
+              <p:ext uri="{386F3935-93C4-4BCD-93E2-E3B085C9AB24}">
+                <p16:designElem xmlns:p16="http://schemas.microsoft.com/office/powerpoint/2015/main" val="1"/>
+              </p:ext>
+            </p:extLst>
+          </p:nvPr>
+        </p:nvSpPr>
+        <p:spPr>
+          <a:xfrm>
+            <a:off x="3175" y="6400800"/>
+            <a:ext cx="12188825" cy="457200"/>
+          </a:xfrm>
+          <a:prstGeom prst="rect">
+            <a:avLst/>
+          </a:prstGeom>
+          <a:solidFill>
+            <a:srgbClr val="262626"/>
+          </a:solidFill>
+          <a:ln>
+            <a:noFill/>
+          </a:ln>
+        </p:spPr>
+        <p:style>
+          <a:lnRef idx="2">
+            <a:schemeClr val="accent1">
+              <a:shade val="50000"/>
+            </a:schemeClr>
+          </a:lnRef>
+          <a:fillRef idx="1">
+            <a:schemeClr val="accent1"/>
+          </a:fillRef>
+          <a:effectRef idx="0">
+            <a:schemeClr val="accent1"/>
+          </a:effectRef>
+          <a:fontRef idx="minor">
+            <a:schemeClr val="lt1"/>
+          </a:fontRef>
+        </p:style>
+      </p:sp>
+      <p:cxnSp>
+        <p:nvCxnSpPr>
+          <p:cNvPr id="1035" name="Straight Connector 78">
+            <a:extLst>
+              <a:ext uri="{FF2B5EF4-FFF2-40B4-BE49-F238E27FC236}">
+                <a16:creationId xmlns:a16="http://schemas.microsoft.com/office/drawing/2014/main" id="{C5025DAC-8B93-4160-B017-3A274A5828C0}"/>
+              </a:ext>
+              <a:ext uri="{C183D7F6-B498-43B3-948B-1728B52AA6E4}">
+                <adec:decorative xmlns:adec="http://schemas.microsoft.com/office/drawing/2017/decorative" val="1"/>
+              </a:ext>
+            </a:extLst>
+          </p:cNvPr>
+          <p:cNvCxnSpPr>
+            <a:cxnSpLocks noGrp="1" noRot="1" noChangeAspect="1" noMove="1" noResize="1" noEditPoints="1" noAdjustHandles="1" noChangeArrowheads="1" noChangeShapeType="1"/>
+          </p:cNvCxnSpPr>
+          <p:nvPr>
+            <p:extLst>
+              <p:ext uri="{386F3935-93C4-4BCD-93E2-E3B085C9AB24}">
+                <p16:designElem xmlns:p16="http://schemas.microsoft.com/office/powerpoint/2015/main" val="1"/>
+              </p:ext>
+            </p:extLst>
+          </p:nvPr>
+        </p:nvCxnSpPr>
+        <p:spPr>
+          <a:xfrm>
+            <a:off x="1193532" y="1897380"/>
+            <a:ext cx="9966960" cy="0"/>
+          </a:xfrm>
+          <a:prstGeom prst="line">
+            <a:avLst/>
+          </a:prstGeom>
+          <a:ln w="12700">
+            <a:solidFill>
+              <a:schemeClr val="tx1">
+                <a:lumMod val="75000"/>
+                <a:lumOff val="25000"/>
+              </a:schemeClr>
+            </a:solidFill>
+          </a:ln>
+        </p:spPr>
+        <p:style>
+          <a:lnRef idx="1">
+            <a:schemeClr val="accent1"/>
+          </a:lnRef>
+          <a:fillRef idx="0">
+            <a:schemeClr val="accent1"/>
+          </a:fillRef>
+          <a:effectRef idx="0">
+            <a:schemeClr val="accent1"/>
+          </a:effectRef>
+          <a:fontRef idx="minor">
+            <a:schemeClr val="tx1"/>
+          </a:fontRef>
+        </p:style>
+      </p:cxnSp>
+      <p:sp useBgFill="1">
+        <p:nvSpPr>
+          <p:cNvPr id="1036" name="Rectangle 80">
+            <a:extLst>
+              <a:ext uri="{FF2B5EF4-FFF2-40B4-BE49-F238E27FC236}">
+                <a16:creationId xmlns:a16="http://schemas.microsoft.com/office/drawing/2014/main" id="{39B4056F-1959-4627-A683-77F6C0603FCD}"/>
+              </a:ext>
+              <a:ext uri="{C183D7F6-B498-43B3-948B-1728B52AA6E4}">
+                <adec:decorative xmlns:adec="http://schemas.microsoft.com/office/drawing/2017/decorative" val="1"/>
+              </a:ext>
+            </a:extLst>
+          </p:cNvPr>
+          <p:cNvSpPr>
+            <a:spLocks noGrp="1" noRot="1" noChangeAspect="1" noMove="1" noResize="1" noEditPoints="1" noAdjustHandles="1" noChangeArrowheads="1" noChangeShapeType="1" noTextEdit="1"/>
+          </p:cNvSpPr>
+          <p:nvPr>
+            <p:extLst>
+              <p:ext uri="{386F3935-93C4-4BCD-93E2-E3B085C9AB24}">
+                <p16:designElem xmlns:p16="http://schemas.microsoft.com/office/powerpoint/2015/main" val="1"/>
+              </p:ext>
+            </p:extLst>
+          </p:nvPr>
+        </p:nvSpPr>
+        <p:spPr>
+          <a:xfrm>
+            <a:off x="0" y="0"/>
+            <a:ext cx="12192001" cy="6858000"/>
+          </a:xfrm>
+          <a:prstGeom prst="rect">
+            <a:avLst/>
+          </a:prstGeom>
+          <a:ln>
+            <a:noFill/>
+          </a:ln>
+        </p:spPr>
+        <p:style>
+          <a:lnRef idx="2">
+            <a:schemeClr val="accent1">
+              <a:shade val="50000"/>
+            </a:schemeClr>
+          </a:lnRef>
+          <a:fillRef idx="1">
+            <a:schemeClr val="accent1"/>
+          </a:fillRef>
+          <a:effectRef idx="0">
+            <a:schemeClr val="accent1"/>
+          </a:effectRef>
+          <a:fontRef idx="minor">
+            <a:schemeClr val="lt1"/>
+          </a:fontRef>
+        </p:style>
+        <p:txBody>
+          <a:bodyPr rtlCol="0" anchor="ctr"/>
+          <a:lstStyle/>
+          <a:p>
+            <a:pPr algn="ctr"/>
+            <a:endParaRPr lang="en-US"/>
+          </a:p>
+        </p:txBody>
+      </p:sp>
+      <p:sp>
+        <p:nvSpPr>
+          <p:cNvPr id="1037" name="Rectangle 82">
+            <a:extLst>
+              <a:ext uri="{FF2B5EF4-FFF2-40B4-BE49-F238E27FC236}">
+                <a16:creationId xmlns:a16="http://schemas.microsoft.com/office/drawing/2014/main" id="{D8D7349B-C9FA-4FCE-A1FF-948F460A3A9A}"/>
+              </a:ext>
+              <a:ext uri="{C183D7F6-B498-43B3-948B-1728B52AA6E4}">
+                <adec:decorative xmlns:adec="http://schemas.microsoft.com/office/drawing/2017/decorative" val="1"/>
+              </a:ext>
+            </a:extLst>
+          </p:cNvPr>
+          <p:cNvSpPr>
+            <a:spLocks noGrp="1" noRot="1" noChangeAspect="1" noMove="1" noResize="1" noEditPoints="1" noAdjustHandles="1" noChangeArrowheads="1" noChangeShapeType="1" noTextEdit="1"/>
+          </p:cNvSpPr>
+          <p:nvPr>
+            <p:extLst>
+              <p:ext uri="{386F3935-93C4-4BCD-93E2-E3B085C9AB24}">
+                <p16:designElem xmlns:p16="http://schemas.microsoft.com/office/powerpoint/2015/main" val="1"/>
+              </p:ext>
+            </p:extLst>
+          </p:nvPr>
+        </p:nvSpPr>
+        <p:spPr bwMode="white">
+          <a:xfrm>
+            <a:off x="1507" y="4554906"/>
+            <a:ext cx="12188952" cy="2303094"/>
+          </a:xfrm>
+          <a:prstGeom prst="rect">
+            <a:avLst/>
+          </a:prstGeom>
+          <a:solidFill>
+            <a:srgbClr val="262626"/>
+          </a:solidFill>
+          <a:ln>
+            <a:noFill/>
+          </a:ln>
+        </p:spPr>
+        <p:style>
+          <a:lnRef idx="2">
+            <a:schemeClr val="accent1">
+              <a:shade val="50000"/>
+            </a:schemeClr>
+          </a:lnRef>
+          <a:fillRef idx="1">
+            <a:schemeClr val="accent1"/>
+          </a:fillRef>
+          <a:effectRef idx="0">
+            <a:schemeClr val="accent1"/>
+          </a:effectRef>
+          <a:fontRef idx="minor">
+            <a:schemeClr val="lt1"/>
+          </a:fontRef>
+        </p:style>
+      </p:sp>
+      <p:sp>
+        <p:nvSpPr>
+          <p:cNvPr id="5" name="Title 4">
+            <a:extLst>
+              <a:ext uri="{FF2B5EF4-FFF2-40B4-BE49-F238E27FC236}">
+                <a16:creationId xmlns:a16="http://schemas.microsoft.com/office/drawing/2014/main" id="{643C2EDD-9B02-481C-9721-A6669C7B7060}"/>
+              </a:ext>
+            </a:extLst>
+          </p:cNvPr>
+          <p:cNvSpPr>
+            <a:spLocks noGrp="1"/>
+          </p:cNvSpPr>
+          <p:nvPr>
+            <p:ph type="title"/>
+          </p:nvPr>
+        </p:nvSpPr>
+        <p:spPr>
+          <a:xfrm>
+            <a:off x="633998" y="4905301"/>
+            <a:ext cx="4988879" cy="1554485"/>
+          </a:xfrm>
+        </p:spPr>
+        <p:txBody>
+          <a:bodyPr vert="horz" lIns="91440" tIns="45720" rIns="91440" bIns="45720" rtlCol="0" anchor="ctr">
+            <a:normAutofit/>
+          </a:bodyPr>
+          <a:lstStyle/>
+          <a:p>
+            <a:pPr algn="r"/>
+            <a:r>
+              <a:rPr lang="en-US" sz="4000" dirty="0"/>
+              <a:t>Visitor</a:t>
+            </a:r>
+            <a:endParaRPr lang="en-US" sz="2200" dirty="0">
+              <a:solidFill>
+                <a:schemeClr val="accent6">
+                  <a:lumMod val="60000"/>
+                  <a:lumOff val="40000"/>
+                </a:schemeClr>
+              </a:solidFill>
+            </a:endParaRPr>
+          </a:p>
+        </p:txBody>
+      </p:sp>
+      <p:cxnSp>
+        <p:nvCxnSpPr>
+          <p:cNvPr id="85" name="Straight Connector 84">
+            <a:extLst>
+              <a:ext uri="{FF2B5EF4-FFF2-40B4-BE49-F238E27FC236}">
+                <a16:creationId xmlns:a16="http://schemas.microsoft.com/office/drawing/2014/main" id="{55646586-8E5D-4A2B-BDA9-01CE28AC89A1}"/>
+              </a:ext>
+              <a:ext uri="{C183D7F6-B498-43B3-948B-1728B52AA6E4}">
+                <adec:decorative xmlns:adec="http://schemas.microsoft.com/office/drawing/2017/decorative" val="1"/>
+              </a:ext>
+            </a:extLst>
+          </p:cNvPr>
+          <p:cNvCxnSpPr>
+            <a:cxnSpLocks noGrp="1" noRot="1" noChangeAspect="1" noMove="1" noResize="1" noEditPoints="1" noAdjustHandles="1" noChangeArrowheads="1" noChangeShapeType="1"/>
+          </p:cNvCxnSpPr>
+          <p:nvPr>
+            <p:extLst>
+              <p:ext uri="{386F3935-93C4-4BCD-93E2-E3B085C9AB24}">
+                <p16:designElem xmlns:p16="http://schemas.microsoft.com/office/powerpoint/2015/main" val="1"/>
+              </p:ext>
+            </p:extLst>
+          </p:nvPr>
+        </p:nvCxnSpPr>
+        <p:spPr>
+          <a:xfrm>
+            <a:off x="5820770" y="5247564"/>
+            <a:ext cx="0" cy="873457"/>
+          </a:xfrm>
+          <a:prstGeom prst="line">
+            <a:avLst/>
+          </a:prstGeom>
+          <a:ln w="19050">
+            <a:solidFill>
+              <a:srgbClr val="FFC578"/>
+            </a:solidFill>
+          </a:ln>
+        </p:spPr>
+        <p:style>
+          <a:lnRef idx="1">
+            <a:schemeClr val="accent1"/>
+          </a:lnRef>
+          <a:fillRef idx="0">
+            <a:schemeClr val="accent1"/>
+          </a:fillRef>
+          <a:effectRef idx="0">
+            <a:schemeClr val="accent1"/>
+          </a:effectRef>
+          <a:fontRef idx="minor">
+            <a:schemeClr val="tx1"/>
+          </a:fontRef>
+        </p:style>
+      </p:cxnSp>
+      <p:sp>
+        <p:nvSpPr>
+          <p:cNvPr id="7" name="Text Placeholder 6">
+            <a:extLst>
+              <a:ext uri="{FF2B5EF4-FFF2-40B4-BE49-F238E27FC236}">
+                <a16:creationId xmlns:a16="http://schemas.microsoft.com/office/drawing/2014/main" id="{7E8F4492-485A-4DE4-AF79-08F65DEE159B}"/>
+              </a:ext>
+            </a:extLst>
+          </p:cNvPr>
+          <p:cNvSpPr>
+            <a:spLocks noGrp="1"/>
+          </p:cNvSpPr>
+          <p:nvPr>
+            <p:ph type="body" sz="half" idx="2"/>
+          </p:nvPr>
+        </p:nvSpPr>
+        <p:spPr>
+          <a:xfrm>
+            <a:off x="6064301" y="4554907"/>
+            <a:ext cx="5493699" cy="2207400"/>
+          </a:xfrm>
+        </p:spPr>
+        <p:txBody>
+          <a:bodyPr vert="horz" lIns="0" tIns="45720" rIns="0" bIns="45720" rtlCol="0" anchor="ctr">
+            <a:normAutofit/>
+          </a:bodyPr>
+          <a:lstStyle/>
+          <a:p>
+            <a:pPr>
+              <a:lnSpc>
+                <a:spcPct val="100000"/>
+              </a:lnSpc>
+            </a:pPr>
+            <a:r>
+              <a:rPr lang="en-US" dirty="0">
+                <a:solidFill>
+                  <a:schemeClr val="accent5">
+                    <a:lumMod val="75000"/>
+                  </a:schemeClr>
+                </a:solidFill>
+              </a:rPr>
+              <a:t>Problem</a:t>
+            </a:r>
+            <a:r>
+              <a:rPr lang="en-US" dirty="0"/>
+              <a:t>: need to add features without changing existing objects </a:t>
+            </a:r>
+          </a:p>
+          <a:p>
+            <a:pPr>
+              <a:lnSpc>
+                <a:spcPct val="100000"/>
+              </a:lnSpc>
+            </a:pPr>
+            <a:r>
+              <a:rPr lang="en-US" dirty="0">
+                <a:solidFill>
+                  <a:schemeClr val="accent5">
+                    <a:lumMod val="75000"/>
+                  </a:schemeClr>
+                </a:solidFill>
+              </a:rPr>
+              <a:t>Solution</a:t>
+            </a:r>
+            <a:r>
+              <a:rPr lang="en-US" dirty="0"/>
+              <a:t>: separate algorithm in visitor class and add accept method for each element</a:t>
+            </a:r>
+            <a:endParaRPr lang="en-US" dirty="0">
+              <a:solidFill>
+                <a:schemeClr val="accent6">
+                  <a:lumMod val="60000"/>
+                  <a:lumOff val="40000"/>
+                </a:schemeClr>
+              </a:solidFill>
+            </a:endParaRPr>
+          </a:p>
+        </p:txBody>
+      </p:sp>
+      <p:pic>
+        <p:nvPicPr>
+          <p:cNvPr id="1026" name="Picture 2" descr="Structure of the Visitor design pattern">
+            <a:extLst>
+              <a:ext uri="{FF2B5EF4-FFF2-40B4-BE49-F238E27FC236}">
+                <a16:creationId xmlns:a16="http://schemas.microsoft.com/office/drawing/2014/main" id="{FE7CBBBE-3D24-498C-82CA-41F4408D0C4A}"/>
+              </a:ext>
+            </a:extLst>
+          </p:cNvPr>
+          <p:cNvPicPr>
+            <a:picLocks noChangeAspect="1" noChangeArrowheads="1"/>
+          </p:cNvPicPr>
+          <p:nvPr/>
+        </p:nvPicPr>
+        <p:blipFill>
+          <a:blip r:embed="rId3">
+            <a:extLst>
+              <a:ext uri="{28A0092B-C50C-407E-A947-70E740481C1C}">
+                <a14:useLocalDpi xmlns:a14="http://schemas.microsoft.com/office/drawing/2010/main" val="0"/>
+              </a:ext>
+            </a:extLst>
+          </a:blip>
+          <a:srcRect/>
+          <a:stretch>
+            <a:fillRect/>
+          </a:stretch>
+        </p:blipFill>
+        <p:spPr bwMode="auto">
+          <a:xfrm>
+            <a:off x="4032785" y="130063"/>
+            <a:ext cx="4288454" cy="4453394"/>
+          </a:xfrm>
+          <a:prstGeom prst="rect">
+            <a:avLst/>
+          </a:prstGeom>
+          <a:noFill/>
+          <a:extLst>
+            <a:ext uri="{909E8E84-426E-40DD-AFC4-6F175D3DCCD1}">
+              <a14:hiddenFill xmlns:a14="http://schemas.microsoft.com/office/drawing/2010/main">
+                <a:solidFill>
+                  <a:srgbClr val="FFFFFF"/>
+                </a:solidFill>
+              </a14:hiddenFill>
+            </a:ext>
+          </a:extLst>
+        </p:spPr>
+      </p:pic>
+      <p:pic>
+        <p:nvPicPr>
+          <p:cNvPr id="11" name="Picture 2" descr="Structure of the Visitor design pattern">
+            <a:extLst>
+              <a:ext uri="{FF2B5EF4-FFF2-40B4-BE49-F238E27FC236}">
+                <a16:creationId xmlns:a16="http://schemas.microsoft.com/office/drawing/2014/main" id="{D45F3C3E-AC7A-4D06-A08B-8B2C5F2C461D}"/>
+              </a:ext>
+            </a:extLst>
+          </p:cNvPr>
+          <p:cNvPicPr>
+            <a:picLocks noChangeAspect="1" noChangeArrowheads="1"/>
+          </p:cNvPicPr>
+          <p:nvPr/>
+        </p:nvPicPr>
+        <p:blipFill>
+          <a:blip r:embed="rId3">
+            <a:extLst>
+              <a:ext uri="{28A0092B-C50C-407E-A947-70E740481C1C}">
+                <a14:useLocalDpi xmlns:a14="http://schemas.microsoft.com/office/drawing/2010/main" val="0"/>
+              </a:ext>
+            </a:extLst>
+          </a:blip>
+          <a:srcRect/>
+          <a:stretch>
+            <a:fillRect/>
+          </a:stretch>
+        </p:blipFill>
+        <p:spPr bwMode="auto">
+          <a:xfrm>
+            <a:off x="4032785" y="109043"/>
+            <a:ext cx="4288454" cy="4453394"/>
+          </a:xfrm>
+          <a:prstGeom prst="rect">
+            <a:avLst/>
+          </a:prstGeom>
+          <a:noFill/>
+          <a:extLst>
+            <a:ext uri="{909E8E84-426E-40DD-AFC4-6F175D3DCCD1}">
+              <a14:hiddenFill xmlns:a14="http://schemas.microsoft.com/office/drawing/2010/main">
+                <a:solidFill>
+                  <a:srgbClr val="FFFFFF"/>
+                </a:solidFill>
+              </a14:hiddenFill>
+            </a:ext>
+          </a:extLst>
+        </p:spPr>
+      </p:pic>
+    </p:spTree>
+    <p:extLst>
+      <p:ext uri="{BB962C8B-B14F-4D97-AF65-F5344CB8AC3E}">
+        <p14:creationId xmlns:p14="http://schemas.microsoft.com/office/powerpoint/2010/main" val="3559988223"/>
+      </p:ext>
+    </p:extLst>
+  </p:cSld>
+  <p:clrMapOvr>
+    <a:masterClrMapping/>
+  </p:clrMapOvr>
+</p:sld>
+</file>
+
+<file path=ppt/slides/slide22.xml><?xml version="1.0" encoding="utf-8"?>
+<p:sld xmlns:a="http://schemas.openxmlformats.org/drawingml/2006/main" xmlns:r="http://schemas.openxmlformats.org/officeDocument/2006/relationships" xmlns:p="http://schemas.openxmlformats.org/presentationml/2006/main">
+  <p:cSld>
+    <p:spTree>
+      <p:nvGrpSpPr>
+        <p:cNvPr id="1" name=""/>
+        <p:cNvGrpSpPr/>
+        <p:nvPr/>
+      </p:nvGrpSpPr>
+      <p:grpSpPr>
+        <a:xfrm>
+          <a:off x="0" y="0"/>
+          <a:ext cx="0" cy="0"/>
+          <a:chOff x="0" y="0"/>
+          <a:chExt cx="0" cy="0"/>
+        </a:xfrm>
+      </p:grpSpPr>
+      <p:sp>
+        <p:nvSpPr>
+          <p:cNvPr id="5" name="Title 4">
+            <a:extLst>
+              <a:ext uri="{FF2B5EF4-FFF2-40B4-BE49-F238E27FC236}">
+                <a16:creationId xmlns:a16="http://schemas.microsoft.com/office/drawing/2014/main" id="{15DE6CDC-3760-4614-8575-CB1459F11CD8}"/>
+              </a:ext>
+            </a:extLst>
+          </p:cNvPr>
+          <p:cNvSpPr>
+            <a:spLocks noGrp="1"/>
+          </p:cNvSpPr>
+          <p:nvPr>
+            <p:ph type="title"/>
+          </p:nvPr>
+        </p:nvSpPr>
+        <p:spPr/>
+        <p:txBody>
+          <a:bodyPr>
+            <a:normAutofit/>
+          </a:bodyPr>
+          <a:lstStyle/>
+          <a:p>
+            <a:r>
+              <a:rPr lang="en-US" dirty="0"/>
+              <a:t>Visitor in a few words + examples from open-source projects</a:t>
+            </a:r>
+          </a:p>
+        </p:txBody>
+      </p:sp>
+      <p:graphicFrame>
+        <p:nvGraphicFramePr>
+          <p:cNvPr id="10" name="Content Placeholder 5">
+            <a:extLst>
+              <a:ext uri="{FF2B5EF4-FFF2-40B4-BE49-F238E27FC236}">
+                <a16:creationId xmlns:a16="http://schemas.microsoft.com/office/drawing/2014/main" id="{1DA604AA-B0C5-4DE1-8F1A-F3546A2ED7F0}"/>
+              </a:ext>
+            </a:extLst>
+          </p:cNvPr>
+          <p:cNvGraphicFramePr>
+            <a:graphicFrameLocks noGrp="1"/>
+          </p:cNvGraphicFramePr>
+          <p:nvPr>
+            <p:ph sz="half" idx="1"/>
+            <p:extLst>
+              <p:ext uri="{D42A27DB-BD31-4B8C-83A1-F6EECF244321}">
+                <p14:modId xmlns:p14="http://schemas.microsoft.com/office/powerpoint/2010/main" val="1437343432"/>
+              </p:ext>
+            </p:extLst>
+          </p:nvPr>
+        </p:nvGraphicFramePr>
+        <p:xfrm>
+          <a:off x="1097280" y="2120900"/>
+          <a:ext cx="4639736" cy="3748193"/>
+        </p:xfrm>
+        <a:graphic>
+          <a:graphicData uri="http://schemas.openxmlformats.org/drawingml/2006/diagram">
+            <dgm:relIds xmlns:dgm="http://schemas.openxmlformats.org/drawingml/2006/diagram" xmlns:r="http://schemas.openxmlformats.org/officeDocument/2006/relationships" r:dm="rId3" r:lo="rId4" r:qs="rId5" r:cs="rId6"/>
+          </a:graphicData>
+        </a:graphic>
+      </p:graphicFrame>
+      <p:sp>
+        <p:nvSpPr>
+          <p:cNvPr id="7" name="Content Placeholder 6">
+            <a:extLst>
+              <a:ext uri="{FF2B5EF4-FFF2-40B4-BE49-F238E27FC236}">
+                <a16:creationId xmlns:a16="http://schemas.microsoft.com/office/drawing/2014/main" id="{DB492ABE-1506-4371-999F-C690661B3366}"/>
+              </a:ext>
+            </a:extLst>
+          </p:cNvPr>
+          <p:cNvSpPr>
+            <a:spLocks noGrp="1"/>
+          </p:cNvSpPr>
+          <p:nvPr>
+            <p:ph sz="half" idx="2"/>
+          </p:nvPr>
+        </p:nvSpPr>
+        <p:spPr>
+          <a:xfrm>
+            <a:off x="6363092" y="2120899"/>
+            <a:ext cx="5332721" cy="3873501"/>
+          </a:xfrm>
+        </p:spPr>
+        <p:txBody>
+          <a:bodyPr>
+            <a:normAutofit/>
+          </a:bodyPr>
+          <a:lstStyle/>
+          <a:p>
+            <a:pPr marL="0" indent="0">
+              <a:buNone/>
+            </a:pPr>
+            <a:r>
+              <a:rPr lang="en-US" dirty="0"/>
+              <a:t>Java: </a:t>
+            </a:r>
+          </a:p>
+          <a:p>
+            <a:pPr marL="0" indent="0">
+              <a:buNone/>
+            </a:pPr>
+            <a:r>
+              <a:rPr lang="en-US" dirty="0" err="1"/>
+              <a:t>java.lang.model.element.Element</a:t>
+            </a:r>
+            <a:r>
+              <a:rPr lang="en-US" dirty="0"/>
+              <a:t> and </a:t>
+            </a:r>
+            <a:r>
+              <a:rPr lang="en-US" dirty="0" err="1"/>
+              <a:t>ElementVisitor</a:t>
+            </a:r>
+            <a:endParaRPr lang="en-US" dirty="0"/>
+          </a:p>
+          <a:p>
+            <a:pPr marL="0" indent="0">
+              <a:buNone/>
+            </a:pPr>
+            <a:r>
+              <a:rPr lang="en-US" dirty="0"/>
+              <a:t>(but it’s rather obscure, more for the language)</a:t>
+            </a:r>
+          </a:p>
+          <a:p>
+            <a:pPr marL="0" indent="0">
+              <a:buNone/>
+            </a:pPr>
+            <a:r>
+              <a:rPr lang="en-US" dirty="0"/>
+              <a:t>C#: </a:t>
+            </a:r>
+            <a:r>
+              <a:rPr lang="en-US" dirty="0" err="1"/>
+              <a:t>System.Linq.Expressions.ExpressionVisitor</a:t>
+            </a:r>
+            <a:endParaRPr lang="en-US" dirty="0"/>
+          </a:p>
+          <a:p>
+            <a:pPr marL="0" indent="0">
+              <a:buNone/>
+            </a:pPr>
+            <a:r>
+              <a:rPr lang="en-US" dirty="0"/>
+              <a:t>Spring: </a:t>
+            </a:r>
+            <a:r>
+              <a:rPr lang="en-US" b="0" i="0" dirty="0" err="1">
+                <a:solidFill>
+                  <a:srgbClr val="5E5E5E"/>
+                </a:solidFill>
+                <a:effectLst/>
+              </a:rPr>
+              <a:t>org.springframework.beans.factory.config.BeanDefinitionVisitor</a:t>
+            </a:r>
+            <a:endParaRPr lang="en-US" b="0" i="0" dirty="0">
+              <a:solidFill>
+                <a:srgbClr val="5E5E5E"/>
+              </a:solidFill>
+              <a:effectLst/>
+            </a:endParaRPr>
+          </a:p>
+          <a:p>
+            <a:pPr marL="0" indent="0">
+              <a:buNone/>
+            </a:pPr>
+            <a:endParaRPr lang="en-US" dirty="0"/>
+          </a:p>
+        </p:txBody>
+      </p:sp>
+      <p:sp>
+        <p:nvSpPr>
+          <p:cNvPr id="8" name="Rectangle 1">
+            <a:extLst>
+              <a:ext uri="{FF2B5EF4-FFF2-40B4-BE49-F238E27FC236}">
+                <a16:creationId xmlns:a16="http://schemas.microsoft.com/office/drawing/2014/main" id="{B065E2E4-AE49-41FC-8842-63643489E193}"/>
+              </a:ext>
+            </a:extLst>
+          </p:cNvPr>
+          <p:cNvSpPr>
+            <a:spLocks noChangeArrowheads="1"/>
+          </p:cNvSpPr>
+          <p:nvPr/>
+        </p:nvSpPr>
+        <p:spPr bwMode="auto">
+          <a:xfrm>
+            <a:off x="0" y="159350"/>
+            <a:ext cx="25648" cy="138499"/>
+          </a:xfrm>
+          <a:prstGeom prst="rect">
+            <a:avLst/>
+          </a:prstGeom>
+          <a:noFill/>
+          <a:ln>
+            <a:noFill/>
+          </a:ln>
+          <a:effectLst/>
+          <a:extLst>
+            <a:ext uri="{909E8E84-426E-40DD-AFC4-6F175D3DCCD1}">
+              <a14:hiddenFill xmlns:a14="http://schemas.microsoft.com/office/drawing/2010/main">
+                <a:solidFill>
+                  <a:schemeClr val="accent1"/>
+                </a:solidFill>
+              </a14:hiddenFill>
+            </a:ext>
+            <a:ext uri="{91240B29-F687-4F45-9708-019B960494DF}">
+              <a14:hiddenLine xmlns:a14="http://schemas.microsoft.com/office/drawing/2010/main" w="9525">
+                <a:solidFill>
+                  <a:schemeClr val="tx1"/>
+                </a:solidFill>
+                <a:miter lim="800000"/>
+                <a:headEnd/>
+                <a:tailEnd/>
+              </a14:hiddenLine>
+            </a:ext>
+            <a:ext uri="{AF507438-7753-43E0-B8FC-AC1667EBCBE1}">
+              <a14:hiddenEffects xmlns:a14="http://schemas.microsoft.com/office/drawing/2010/main">
+                <a:effectLst>
+                  <a:outerShdw dist="35921" dir="2700000" algn="ctr" rotWithShape="0">
+                    <a:schemeClr val="bg2"/>
+                  </a:outerShdw>
+                </a:effectLst>
+              </a14:hiddenEffects>
+            </a:ext>
+          </a:extLst>
+        </p:spPr>
+        <p:txBody>
+          <a:bodyPr vert="horz" wrap="none" lIns="0" tIns="0" rIns="0" bIns="0" numCol="1" anchor="ctr" anchorCtr="0" compatLnSpc="1">
+            <a:prstTxWarp prst="textNoShape">
+              <a:avLst/>
+            </a:prstTxWarp>
+            <a:spAutoFit/>
+          </a:bodyPr>
+          <a:lstStyle/>
+          <a:p>
+            <a:pPr marL="0" marR="0" lvl="0" indent="0" algn="l" defTabSz="914400" rtl="0" eaLnBrk="0" fontAlgn="base" latinLnBrk="0" hangingPunct="0">
+              <a:lnSpc>
+                <a:spcPct val="100000"/>
+              </a:lnSpc>
+              <a:spcBef>
+                <a:spcPct val="0"/>
+              </a:spcBef>
+              <a:spcAft>
+                <a:spcPct val="0"/>
+              </a:spcAft>
+              <a:buClrTx/>
+              <a:buSzTx/>
+              <a:buFontTx/>
+              <a:buNone/>
+              <a:tabLst/>
+            </a:pPr>
+            <a:r>
+              <a:rPr kumimoji="0" lang="en-US" altLang="en-US" sz="900" b="0" i="0" u="none" strike="noStrike" cap="none" normalizeH="0" baseline="0" dirty="0">
+                <a:ln>
+                  <a:noFill/>
+                </a:ln>
+                <a:solidFill>
+                  <a:schemeClr val="tx1"/>
+                </a:solidFill>
+                <a:effectLst/>
+                <a:latin typeface="inherit"/>
+              </a:rPr>
+              <a:t> </a:t>
+            </a:r>
+            <a:endParaRPr kumimoji="0" lang="en-US" altLang="en-US" sz="1800" b="0" i="0" u="none" strike="noStrike" cap="none" normalizeH="0" baseline="0" dirty="0">
+              <a:ln>
+                <a:noFill/>
+              </a:ln>
+              <a:solidFill>
+                <a:schemeClr val="tx1"/>
+              </a:solidFill>
+              <a:effectLst/>
+              <a:latin typeface="Arial" panose="020B0604020202020204" pitchFamily="34" charset="0"/>
+            </a:endParaRPr>
+          </a:p>
+        </p:txBody>
+      </p:sp>
+    </p:spTree>
+    <p:extLst>
+      <p:ext uri="{BB962C8B-B14F-4D97-AF65-F5344CB8AC3E}">
+        <p14:creationId xmlns:p14="http://schemas.microsoft.com/office/powerpoint/2010/main" val="760942263"/>
+      </p:ext>
+    </p:extLst>
+  </p:cSld>
+  <p:clrMapOvr>
+    <a:masterClrMapping/>
+  </p:clrMapOvr>
+</p:sld>
+</file>
+
 <file path=ppt/slides/slide3.xml><?xml version="1.0" encoding="utf-8"?>
 <p:sld xmlns:a="http://schemas.openxmlformats.org/drawingml/2006/main" xmlns:r="http://schemas.openxmlformats.org/officeDocument/2006/relationships" xmlns:p="http://schemas.openxmlformats.org/presentationml/2006/main">
   <p:cSld>
@@ -42660,6 +47002,15 @@
 </file>
 
 <file path=customXml/item1.xml><?xml version="1.0" encoding="utf-8"?>
+<p:properties xmlns:p="http://schemas.microsoft.com/office/2006/metadata/properties" xmlns:xsi="http://www.w3.org/2001/XMLSchema-instance" xmlns:pc="http://schemas.microsoft.com/office/infopath/2007/PartnerControls">
+  <documentManagement>
+    <Status xmlns="71af3243-3dd4-4a8d-8c0d-dd76da1f02a5">Not started</Status>
+    <MediaServiceKeyPoints xmlns="71af3243-3dd4-4a8d-8c0d-dd76da1f02a5" xsi:nil="true"/>
+  </documentManagement>
+</p:properties>
+</file>
+
+<file path=customXml/item2.xml><?xml version="1.0" encoding="utf-8"?>
 <ct:contentTypeSchema xmlns:ct="http://schemas.microsoft.com/office/2006/metadata/contentType" xmlns:ma="http://schemas.microsoft.com/office/2006/metadata/properties/metaAttributes" ct:_="" ma:_="" ma:contentTypeName="Document" ma:contentTypeID="0x01010079F111ED35F8CC479449609E8A0923A6" ma:contentTypeVersion="12" ma:contentTypeDescription="Create a new document." ma:contentTypeScope="" ma:versionID="426e97fa315356fffbdcd9876fe988c2">
   <xsd:schema xmlns:xsd="http://www.w3.org/2001/XMLSchema" xmlns:xs="http://www.w3.org/2001/XMLSchema" xmlns:p="http://schemas.microsoft.com/office/2006/metadata/properties" xmlns:ns2="71af3243-3dd4-4a8d-8c0d-dd76da1f02a5" xmlns:ns3="16c05727-aa75-4e4a-9b5f-8a80a1165891" targetNamespace="http://schemas.microsoft.com/office/2006/metadata/properties" ma:root="true" ma:fieldsID="14b8f0def80e6d70ce3def20c90759ae" ns2:_="" ns3:_="">
     <xsd:import namespace="71af3243-3dd4-4a8d-8c0d-dd76da1f02a5"/>
@@ -42880,15 +47231,6 @@
 </ct:contentTypeSchema>
 </file>
 
-<file path=customXml/item2.xml><?xml version="1.0" encoding="utf-8"?>
-<p:properties xmlns:p="http://schemas.microsoft.com/office/2006/metadata/properties" xmlns:xsi="http://www.w3.org/2001/XMLSchema-instance" xmlns:pc="http://schemas.microsoft.com/office/infopath/2007/PartnerControls">
-  <documentManagement>
-    <Status xmlns="71af3243-3dd4-4a8d-8c0d-dd76da1f02a5">Not started</Status>
-    <MediaServiceKeyPoints xmlns="71af3243-3dd4-4a8d-8c0d-dd76da1f02a5" xsi:nil="true"/>
-  </documentManagement>
-</p:properties>
-</file>
-
 <file path=customXml/item3.xml><?xml version="1.0" encoding="utf-8"?>
 <?mso-contentType ?>
 <FormTemplates xmlns="http://schemas.microsoft.com/sharepoint/v3/contenttype/forms">
@@ -42899,6 +47241,16 @@
 </file>
 
 <file path=customXml/itemProps1.xml><?xml version="1.0" encoding="utf-8"?>
+<ds:datastoreItem xmlns:ds="http://schemas.openxmlformats.org/officeDocument/2006/customXml" ds:itemID="{84F503EC-3FFF-4193-A86F-39150E2BAC75}">
+  <ds:schemaRefs>
+    <ds:schemaRef ds:uri="http://schemas.microsoft.com/office/2006/metadata/properties"/>
+    <ds:schemaRef ds:uri="http://schemas.microsoft.com/office/infopath/2007/PartnerControls"/>
+    <ds:schemaRef ds:uri="71af3243-3dd4-4a8d-8c0d-dd76da1f02a5"/>
+  </ds:schemaRefs>
+</ds:datastoreItem>
+</file>
+
+<file path=customXml/itemProps2.xml><?xml version="1.0" encoding="utf-8"?>
 <ds:datastoreItem xmlns:ds="http://schemas.openxmlformats.org/officeDocument/2006/customXml" ds:itemID="{7A26AAF5-6CFC-4C52-B7DF-08410EDE6701}">
   <ds:schemaRefs>
     <ds:schemaRef ds:uri="http://schemas.microsoft.com/office/2006/metadata/contentType"/>
@@ -42917,16 +47269,6 @@
 </ds:datastoreItem>
 </file>
 
-<file path=customXml/itemProps2.xml><?xml version="1.0" encoding="utf-8"?>
-<ds:datastoreItem xmlns:ds="http://schemas.openxmlformats.org/officeDocument/2006/customXml" ds:itemID="{84F503EC-3FFF-4193-A86F-39150E2BAC75}">
-  <ds:schemaRefs>
-    <ds:schemaRef ds:uri="http://schemas.microsoft.com/office/2006/metadata/properties"/>
-    <ds:schemaRef ds:uri="http://schemas.microsoft.com/office/infopath/2007/PartnerControls"/>
-    <ds:schemaRef ds:uri="71af3243-3dd4-4a8d-8c0d-dd76da1f02a5"/>
-  </ds:schemaRefs>
-</ds:datastoreItem>
-</file>
-
 <file path=customXml/itemProps3.xml><?xml version="1.0" encoding="utf-8"?>
 <ds:datastoreItem xmlns:ds="http://schemas.openxmlformats.org/officeDocument/2006/customXml" ds:itemID="{2E5ECA37-C458-4BA2-A090-D7A19E07B434}">
   <ds:schemaRefs>
